--- a/slides/Tag-2_4-CI_CD.pptx
+++ b/slides/Tag-2_4-CI_CD.pptx
@@ -6,46 +6,45 @@
     <p:sldMasterId id="2147483649" r:id="rId2"/>
   </p:sldMasterIdLst>
   <p:notesMasterIdLst>
-    <p:notesMasterId r:id="rId37"/>
+    <p:notesMasterId r:id="rId36"/>
   </p:notesMasterIdLst>
   <p:handoutMasterIdLst>
-    <p:handoutMasterId r:id="rId38"/>
+    <p:handoutMasterId r:id="rId37"/>
   </p:handoutMasterIdLst>
   <p:sldIdLst>
-    <p:sldId id="288" r:id="rId3"/>
-    <p:sldId id="289" r:id="rId4"/>
-    <p:sldId id="291" r:id="rId5"/>
-    <p:sldId id="587" r:id="rId6"/>
-    <p:sldId id="590" r:id="rId7"/>
-    <p:sldId id="601" r:id="rId8"/>
-    <p:sldId id="602" r:id="rId9"/>
-    <p:sldId id="603" r:id="rId10"/>
-    <p:sldId id="600" r:id="rId11"/>
-    <p:sldId id="604" r:id="rId12"/>
-    <p:sldId id="597" r:id="rId13"/>
-    <p:sldId id="596" r:id="rId14"/>
-    <p:sldId id="589" r:id="rId15"/>
-    <p:sldId id="605" r:id="rId16"/>
-    <p:sldId id="609" r:id="rId17"/>
-    <p:sldId id="610" r:id="rId18"/>
-    <p:sldId id="611" r:id="rId19"/>
-    <p:sldId id="612" r:id="rId20"/>
-    <p:sldId id="593" r:id="rId21"/>
-    <p:sldId id="606" r:id="rId22"/>
-    <p:sldId id="613" r:id="rId23"/>
-    <p:sldId id="614" r:id="rId24"/>
-    <p:sldId id="615" r:id="rId25"/>
-    <p:sldId id="616" r:id="rId26"/>
-    <p:sldId id="592" r:id="rId27"/>
-    <p:sldId id="608" r:id="rId28"/>
-    <p:sldId id="621" r:id="rId29"/>
-    <p:sldId id="622" r:id="rId30"/>
-    <p:sldId id="591" r:id="rId31"/>
-    <p:sldId id="607" r:id="rId32"/>
-    <p:sldId id="617" r:id="rId33"/>
-    <p:sldId id="618" r:id="rId34"/>
-    <p:sldId id="619" r:id="rId35"/>
-    <p:sldId id="620" r:id="rId36"/>
+    <p:sldId id="623" r:id="rId3"/>
+    <p:sldId id="624" r:id="rId4"/>
+    <p:sldId id="587" r:id="rId5"/>
+    <p:sldId id="590" r:id="rId6"/>
+    <p:sldId id="601" r:id="rId7"/>
+    <p:sldId id="602" r:id="rId8"/>
+    <p:sldId id="603" r:id="rId9"/>
+    <p:sldId id="600" r:id="rId10"/>
+    <p:sldId id="604" r:id="rId11"/>
+    <p:sldId id="597" r:id="rId12"/>
+    <p:sldId id="596" r:id="rId13"/>
+    <p:sldId id="589" r:id="rId14"/>
+    <p:sldId id="605" r:id="rId15"/>
+    <p:sldId id="609" r:id="rId16"/>
+    <p:sldId id="610" r:id="rId17"/>
+    <p:sldId id="611" r:id="rId18"/>
+    <p:sldId id="612" r:id="rId19"/>
+    <p:sldId id="593" r:id="rId20"/>
+    <p:sldId id="606" r:id="rId21"/>
+    <p:sldId id="613" r:id="rId22"/>
+    <p:sldId id="614" r:id="rId23"/>
+    <p:sldId id="615" r:id="rId24"/>
+    <p:sldId id="616" r:id="rId25"/>
+    <p:sldId id="592" r:id="rId26"/>
+    <p:sldId id="608" r:id="rId27"/>
+    <p:sldId id="621" r:id="rId28"/>
+    <p:sldId id="622" r:id="rId29"/>
+    <p:sldId id="591" r:id="rId30"/>
+    <p:sldId id="607" r:id="rId31"/>
+    <p:sldId id="617" r:id="rId32"/>
+    <p:sldId id="618" r:id="rId33"/>
+    <p:sldId id="619" r:id="rId34"/>
+    <p:sldId id="620" r:id="rId35"/>
   </p:sldIdLst>
   <p:sldSz cx="9144000" cy="6858000" type="screen4x3"/>
   <p:notesSz cx="6784975" cy="9921875"/>
@@ -1036,7 +1035,7 @@
             <a:fld id="{18182567-388C-4D33-8B7B-A651F195F118}" type="slidenum">
               <a:rPr lang="de-DE" altLang="de-DE" smtClean="0"/>
               <a:pPr/>
-              <a:t>5</a:t>
+              <a:t>4</a:t>
             </a:fld>
             <a:endParaRPr lang="de-DE" altLang="de-DE"/>
           </a:p>
@@ -1124,7 +1123,7 @@
             <a:fld id="{18182567-388C-4D33-8B7B-A651F195F118}" type="slidenum">
               <a:rPr lang="de-DE" altLang="de-DE" smtClean="0"/>
               <a:pPr/>
-              <a:t>16</a:t>
+              <a:t>15</a:t>
             </a:fld>
             <a:endParaRPr lang="de-DE" altLang="de-DE"/>
           </a:p>
@@ -1209,7 +1208,7 @@
             <a:fld id="{18182567-388C-4D33-8B7B-A651F195F118}" type="slidenum">
               <a:rPr lang="de-DE" altLang="de-DE" smtClean="0"/>
               <a:pPr/>
-              <a:t>19</a:t>
+              <a:t>16</a:t>
             </a:fld>
             <a:endParaRPr lang="de-DE" altLang="de-DE"/>
           </a:p>
@@ -1297,7 +1296,7 @@
             <a:fld id="{18182567-388C-4D33-8B7B-A651F195F118}" type="slidenum">
               <a:rPr lang="de-DE" altLang="de-DE" smtClean="0"/>
               <a:pPr/>
-              <a:t>20</a:t>
+              <a:t>17</a:t>
             </a:fld>
             <a:endParaRPr lang="de-DE" altLang="de-DE"/>
           </a:p>
@@ -1382,7 +1381,7 @@
             <a:fld id="{18182567-388C-4D33-8B7B-A651F195F118}" type="slidenum">
               <a:rPr lang="de-DE" altLang="de-DE" smtClean="0"/>
               <a:pPr/>
-              <a:t>21</a:t>
+              <a:t>20</a:t>
             </a:fld>
             <a:endParaRPr lang="de-DE" altLang="de-DE"/>
           </a:p>
@@ -1470,7 +1469,7 @@
             <a:fld id="{18182567-388C-4D33-8B7B-A651F195F118}" type="slidenum">
               <a:rPr lang="de-DE" altLang="de-DE" smtClean="0"/>
               <a:pPr/>
-              <a:t>22</a:t>
+              <a:t>21</a:t>
             </a:fld>
             <a:endParaRPr lang="de-DE" altLang="de-DE"/>
           </a:p>
@@ -1555,7 +1554,7 @@
             <a:fld id="{18182567-388C-4D33-8B7B-A651F195F118}" type="slidenum">
               <a:rPr lang="de-DE" altLang="de-DE" smtClean="0"/>
               <a:pPr/>
-              <a:t>23</a:t>
+              <a:t>22</a:t>
             </a:fld>
             <a:endParaRPr lang="de-DE" altLang="de-DE"/>
           </a:p>
@@ -1643,7 +1642,7 @@
             <a:fld id="{18182567-388C-4D33-8B7B-A651F195F118}" type="slidenum">
               <a:rPr lang="de-DE" altLang="de-DE" smtClean="0"/>
               <a:pPr/>
-              <a:t>24</a:t>
+              <a:t>23</a:t>
             </a:fld>
             <a:endParaRPr lang="de-DE" altLang="de-DE"/>
           </a:p>
@@ -1728,7 +1727,7 @@
             <a:fld id="{18182567-388C-4D33-8B7B-A651F195F118}" type="slidenum">
               <a:rPr lang="de-DE" altLang="de-DE" smtClean="0"/>
               <a:pPr/>
-              <a:t>17</a:t>
+              <a:t>24</a:t>
             </a:fld>
             <a:endParaRPr lang="de-DE" altLang="de-DE"/>
           </a:p>
@@ -1813,7 +1812,7 @@
             <a:fld id="{18182567-388C-4D33-8B7B-A651F195F118}" type="slidenum">
               <a:rPr lang="de-DE" altLang="de-DE" smtClean="0"/>
               <a:pPr/>
-              <a:t>18</a:t>
+              <a:t>25</a:t>
             </a:fld>
             <a:endParaRPr lang="de-DE" altLang="de-DE"/>
           </a:p>
@@ -1898,7 +1897,7 @@
             <a:fld id="{18182567-388C-4D33-8B7B-A651F195F118}" type="slidenum">
               <a:rPr lang="de-DE" altLang="de-DE" smtClean="0"/>
               <a:pPr/>
-              <a:t>27</a:t>
+              <a:t>26</a:t>
             </a:fld>
             <a:endParaRPr lang="de-DE" altLang="de-DE"/>
           </a:p>
@@ -1983,7 +1982,7 @@
             <a:fld id="{18182567-388C-4D33-8B7B-A651F195F118}" type="slidenum">
               <a:rPr lang="de-DE" altLang="de-DE" smtClean="0"/>
               <a:pPr/>
-              <a:t>6</a:t>
+              <a:t>5</a:t>
             </a:fld>
             <a:endParaRPr lang="de-DE" altLang="de-DE"/>
           </a:p>
@@ -2071,7 +2070,7 @@
             <a:fld id="{18182567-388C-4D33-8B7B-A651F195F118}" type="slidenum">
               <a:rPr lang="de-DE" altLang="de-DE" smtClean="0"/>
               <a:pPr/>
-              <a:t>28</a:t>
+              <a:t>27</a:t>
             </a:fld>
             <a:endParaRPr lang="de-DE" altLang="de-DE"/>
           </a:p>
@@ -2156,7 +2155,7 @@
             <a:fld id="{18182567-388C-4D33-8B7B-A651F195F118}" type="slidenum">
               <a:rPr lang="de-DE" altLang="de-DE" smtClean="0"/>
               <a:pPr/>
-              <a:t>19</a:t>
+              <a:t>28</a:t>
             </a:fld>
             <a:endParaRPr lang="de-DE" altLang="de-DE"/>
           </a:p>
@@ -2241,7 +2240,7 @@
             <a:fld id="{18182567-388C-4D33-8B7B-A651F195F118}" type="slidenum">
               <a:rPr lang="de-DE" altLang="de-DE" smtClean="0"/>
               <a:pPr/>
-              <a:t>20</a:t>
+              <a:t>29</a:t>
             </a:fld>
             <a:endParaRPr lang="de-DE" altLang="de-DE"/>
           </a:p>
@@ -2326,7 +2325,7 @@
             <a:fld id="{18182567-388C-4D33-8B7B-A651F195F118}" type="slidenum">
               <a:rPr lang="de-DE" altLang="de-DE" smtClean="0"/>
               <a:pPr/>
-              <a:t>27</a:t>
+              <a:t>30</a:t>
             </a:fld>
             <a:endParaRPr lang="de-DE" altLang="de-DE"/>
           </a:p>
@@ -2414,7 +2413,7 @@
             <a:fld id="{18182567-388C-4D33-8B7B-A651F195F118}" type="slidenum">
               <a:rPr lang="de-DE" altLang="de-DE" smtClean="0"/>
               <a:pPr/>
-              <a:t>28</a:t>
+              <a:t>31</a:t>
             </a:fld>
             <a:endParaRPr lang="de-DE" altLang="de-DE"/>
           </a:p>
@@ -2499,7 +2498,7 @@
             <a:fld id="{18182567-388C-4D33-8B7B-A651F195F118}" type="slidenum">
               <a:rPr lang="de-DE" altLang="de-DE" smtClean="0"/>
               <a:pPr/>
-              <a:t>31</a:t>
+              <a:t>32</a:t>
             </a:fld>
             <a:endParaRPr lang="de-DE" altLang="de-DE"/>
           </a:p>
@@ -2587,7 +2586,7 @@
             <a:fld id="{18182567-388C-4D33-8B7B-A651F195F118}" type="slidenum">
               <a:rPr lang="de-DE" altLang="de-DE" smtClean="0"/>
               <a:pPr/>
-              <a:t>32</a:t>
+              <a:t>33</a:t>
             </a:fld>
             <a:endParaRPr lang="de-DE" altLang="de-DE"/>
           </a:p>
@@ -2672,7 +2671,7 @@
             <a:fld id="{18182567-388C-4D33-8B7B-A651F195F118}" type="slidenum">
               <a:rPr lang="de-DE" altLang="de-DE" smtClean="0"/>
               <a:pPr/>
-              <a:t>7</a:t>
+              <a:t>6</a:t>
             </a:fld>
             <a:endParaRPr lang="de-DE" altLang="de-DE"/>
           </a:p>
@@ -2757,7 +2756,7 @@
             <a:fld id="{18182567-388C-4D33-8B7B-A651F195F118}" type="slidenum">
               <a:rPr lang="de-DE" altLang="de-DE" smtClean="0"/>
               <a:pPr/>
-              <a:t>8</a:t>
+              <a:t>7</a:t>
             </a:fld>
             <a:endParaRPr lang="de-DE" altLang="de-DE"/>
           </a:p>
@@ -2842,7 +2841,7 @@
             <a:fld id="{18182567-388C-4D33-8B7B-A651F195F118}" type="slidenum">
               <a:rPr lang="de-DE" altLang="de-DE" smtClean="0"/>
               <a:pPr/>
-              <a:t>9</a:t>
+              <a:t>8</a:t>
             </a:fld>
             <a:endParaRPr lang="de-DE" altLang="de-DE"/>
           </a:p>
@@ -2927,7 +2926,7 @@
             <a:fld id="{18182567-388C-4D33-8B7B-A651F195F118}" type="slidenum">
               <a:rPr lang="de-DE" altLang="de-DE" smtClean="0"/>
               <a:pPr/>
-              <a:t>10</a:t>
+              <a:t>9</a:t>
             </a:fld>
             <a:endParaRPr lang="de-DE" altLang="de-DE"/>
           </a:p>
@@ -3015,7 +3014,7 @@
             <a:fld id="{18182567-388C-4D33-8B7B-A651F195F118}" type="slidenum">
               <a:rPr lang="de-DE" altLang="de-DE" smtClean="0"/>
               <a:pPr/>
-              <a:t>11</a:t>
+              <a:t>10</a:t>
             </a:fld>
             <a:endParaRPr lang="de-DE" altLang="de-DE"/>
           </a:p>
@@ -3103,7 +3102,7 @@
             <a:fld id="{18182567-388C-4D33-8B7B-A651F195F118}" type="slidenum">
               <a:rPr lang="de-DE" altLang="de-DE" smtClean="0"/>
               <a:pPr/>
-              <a:t>12</a:t>
+              <a:t>11</a:t>
             </a:fld>
             <a:endParaRPr lang="de-DE" altLang="de-DE"/>
           </a:p>
@@ -3191,7 +3190,7 @@
             <a:fld id="{18182567-388C-4D33-8B7B-A651F195F118}" type="slidenum">
               <a:rPr lang="de-DE" altLang="de-DE" smtClean="0"/>
               <a:pPr/>
-              <a:t>15</a:t>
+              <a:t>14</a:t>
             </a:fld>
             <a:endParaRPr lang="de-DE" altLang="de-DE"/>
           </a:p>
@@ -3685,7 +3684,7 @@
               <a:pPr algn="ctr">
                 <a:defRPr/>
               </a:pPr>
-              <a:t>07.06.2024</a:t>
+              <a:t>10.06.2024</a:t>
             </a:fld>
             <a:endParaRPr lang="de-DE" sz="1000">
               <a:solidFill>
@@ -4048,7 +4047,7 @@
                 </a:solidFill>
                 <a:latin typeface="Arial" charset="0"/>
               </a:rPr>
-              <a:t>&lt;Autor&gt;</a:t>
+              <a:t>Daniel Krämer &amp; Malte Fischer</a:t>
             </a:r>
           </a:p>
         </p:txBody>
@@ -4070,7 +4069,7 @@
         <p:spPr bwMode="auto">
           <a:xfrm>
             <a:off x="4252913" y="6424613"/>
-            <a:ext cx="1298753" cy="246221"/>
+            <a:ext cx="1362874" cy="246221"/>
           </a:xfrm>
           <a:prstGeom prst="rect">
             <a:avLst/>
@@ -4100,7 +4099,7 @@
                 </a:solidFill>
                 <a:latin typeface="Arial" charset="0"/>
               </a:rPr>
-              <a:t>Tag-2_3-CI_CD.ppt</a:t>
+              <a:t>Tag-2_4-CI_CD.pptx</a:t>
             </a:r>
             <a:endParaRPr lang="de-DE" dirty="0">
               <a:solidFill>
@@ -5654,7 +5653,7 @@
         <p:spPr bwMode="auto">
           <a:xfrm>
             <a:off x="468313" y="2562225"/>
-            <a:ext cx="4967287" cy="938213"/>
+            <a:ext cx="5471839" cy="938213"/>
           </a:xfrm>
           <a:prstGeom prst="rect">
             <a:avLst/>
@@ -5699,9 +5698,12 @@
             </a:r>
             <a:r>
               <a:rPr lang="de-DE" altLang="de-DE" sz="3200" dirty="0" err="1"/>
-              <a:t>GitOps</a:t>
-            </a:r>
-            <a:endParaRPr lang="de-DE" altLang="de-DE" sz="3200" dirty="0"/>
+              <a:t>GitLab</a:t>
+            </a:r>
+            <a:r>
+              <a:rPr lang="de-DE" altLang="de-DE" sz="3200" dirty="0"/>
+              <a:t> CI </a:t>
+            </a:r>
           </a:p>
         </p:txBody>
       </p:sp>
@@ -5723,8 +5725,8 @@
         </p:nvSpPr>
         <p:spPr bwMode="auto">
           <a:xfrm>
-            <a:off x="468313" y="4462463"/>
-            <a:ext cx="2159000" cy="622300"/>
+            <a:off x="468312" y="4462463"/>
+            <a:ext cx="4190603" cy="622300"/>
           </a:xfrm>
           <a:prstGeom prst="rect">
             <a:avLst/>
@@ -5759,8 +5761,8 @@
               <a:buNone/>
             </a:pPr>
             <a:r>
-              <a:rPr lang="de-DE" altLang="de-DE" sz="1600"/>
-              <a:t>&lt;Datum, Autor&gt;</a:t>
+              <a:rPr lang="de-DE" altLang="de-DE" sz="1600" dirty="0"/>
+              <a:t>18.06.2024, Daniel Krämer &amp; Malte Fischer</a:t>
             </a:r>
           </a:p>
         </p:txBody>
@@ -5913,18 +5915,54 @@
           </a:lstStyle>
           <a:p>
             <a:pPr eaLnBrk="1" hangingPunct="1"/>
-            <a:r>
-              <a:rPr lang="de-DE" altLang="de-DE" sz="4400">
-                <a:solidFill>
-                  <a:schemeClr val="tx2"/>
-                </a:solidFill>
-                <a:latin typeface="Arial" panose="020B0604020202020204" pitchFamily="34" charset="0"/>
-              </a:rPr>
-              <a:t>&lt;Kundenlogo&gt;</a:t>
-            </a:r>
+            <a:endParaRPr lang="de-DE" altLang="de-DE" sz="4400" dirty="0">
+              <a:solidFill>
+                <a:schemeClr val="tx2"/>
+              </a:solidFill>
+              <a:latin typeface="Arial" panose="020B0604020202020204" pitchFamily="34" charset="0"/>
+            </a:endParaRPr>
           </a:p>
         </p:txBody>
       </p:sp>
+      <p:pic>
+        <p:nvPicPr>
+          <p:cNvPr id="3" name="Grafik 2">
+            <a:extLst>
+              <a:ext uri="{FF2B5EF4-FFF2-40B4-BE49-F238E27FC236}">
+                <a16:creationId xmlns:a16="http://schemas.microsoft.com/office/drawing/2014/main" id="{F795EC6A-86ED-78D6-3916-EC81E8315965}"/>
+              </a:ext>
+            </a:extLst>
+          </p:cNvPr>
+          <p:cNvPicPr>
+            <a:picLocks noChangeAspect="1"/>
+          </p:cNvPicPr>
+          <p:nvPr/>
+        </p:nvPicPr>
+        <p:blipFill>
+          <a:blip r:embed="rId2">
+            <a:extLst>
+              <a:ext uri="{28A0092B-C50C-407E-A947-70E740481C1C}">
+                <a14:useLocalDpi xmlns:a14="http://schemas.microsoft.com/office/drawing/2010/main" val="0"/>
+              </a:ext>
+              <a:ext uri="{96DAC541-7B7A-43D3-8B79-37D633B846F1}">
+                <asvg:svgBlip xmlns:asvg="http://schemas.microsoft.com/office/drawing/2016/SVG/main" r:embed="rId3"/>
+              </a:ext>
+            </a:extLst>
+          </a:blip>
+          <a:stretch>
+            <a:fillRect/>
+          </a:stretch>
+        </p:blipFill>
+        <p:spPr>
+          <a:xfrm>
+            <a:off x="309959" y="263970"/>
+            <a:ext cx="4348957" cy="1508822"/>
+          </a:xfrm>
+          <a:prstGeom prst="rect">
+            <a:avLst/>
+          </a:prstGeom>
+        </p:spPr>
+      </p:pic>
     </p:spTree>
   </p:cSld>
   <p:clrMapOvr>
@@ -5934,200 +5972,6 @@
 </file>
 
 <file path=ppt/slides/slide10.xml><?xml version="1.0" encoding="utf-8"?>
-<p:sld xmlns:a="http://schemas.openxmlformats.org/drawingml/2006/main" xmlns:r="http://schemas.openxmlformats.org/officeDocument/2006/relationships" xmlns:p="http://schemas.openxmlformats.org/presentationml/2006/main">
-  <p:cSld>
-    <p:spTree>
-      <p:nvGrpSpPr>
-        <p:cNvPr id="1" name=""/>
-        <p:cNvGrpSpPr/>
-        <p:nvPr/>
-      </p:nvGrpSpPr>
-      <p:grpSpPr>
-        <a:xfrm>
-          <a:off x="0" y="0"/>
-          <a:ext cx="0" cy="0"/>
-          <a:chOff x="0" y="0"/>
-          <a:chExt cx="0" cy="0"/>
-        </a:xfrm>
-      </p:grpSpPr>
-      <p:sp>
-        <p:nvSpPr>
-          <p:cNvPr id="2" name="Titel 1">
-            <a:extLst>
-              <a:ext uri="{FF2B5EF4-FFF2-40B4-BE49-F238E27FC236}">
-                <a16:creationId xmlns:a16="http://schemas.microsoft.com/office/drawing/2014/main" id="{74F61811-DDD3-CD36-300B-D3CAEEBD8E91}"/>
-              </a:ext>
-            </a:extLst>
-          </p:cNvPr>
-          <p:cNvSpPr>
-            <a:spLocks noGrp="1"/>
-          </p:cNvSpPr>
-          <p:nvPr>
-            <p:ph type="title"/>
-          </p:nvPr>
-        </p:nvSpPr>
-        <p:spPr/>
-        <p:txBody>
-          <a:bodyPr/>
-          <a:lstStyle/>
-          <a:p>
-            <a:r>
-              <a:rPr lang="de-DE" dirty="0"/>
-              <a:t>CI/CD</a:t>
-            </a:r>
-          </a:p>
-        </p:txBody>
-      </p:sp>
-      <p:sp>
-        <p:nvSpPr>
-          <p:cNvPr id="8" name="Inhaltsplatzhalter 2">
-            <a:extLst>
-              <a:ext uri="{FF2B5EF4-FFF2-40B4-BE49-F238E27FC236}">
-                <a16:creationId xmlns:a16="http://schemas.microsoft.com/office/drawing/2014/main" id="{3750ACE7-620C-13EC-C5A9-67889F051598}"/>
-              </a:ext>
-            </a:extLst>
-          </p:cNvPr>
-          <p:cNvSpPr>
-            <a:spLocks noGrp="1"/>
-          </p:cNvSpPr>
-          <p:nvPr>
-            <p:ph idx="1"/>
-          </p:nvPr>
-        </p:nvSpPr>
-        <p:spPr>
-          <a:xfrm>
-            <a:off x="303213" y="981075"/>
-            <a:ext cx="8516937" cy="5400675"/>
-          </a:xfrm>
-        </p:spPr>
-        <p:txBody>
-          <a:bodyPr/>
-          <a:lstStyle/>
-          <a:p>
-            <a:pPr marL="0" indent="0">
-              <a:buNone/>
-            </a:pPr>
-            <a:r>
-              <a:rPr lang="de-DE" b="1" dirty="0"/>
-              <a:t>Nachteile von CI/CD</a:t>
-            </a:r>
-            <a:endParaRPr lang="de-DE" dirty="0"/>
-          </a:p>
-          <a:p>
-            <a:pPr>
-              <a:buFont typeface="Arial" panose="020B0604020202020204" pitchFamily="34" charset="0"/>
-              <a:buChar char="•"/>
-            </a:pPr>
-            <a:r>
-              <a:rPr lang="de-DE" dirty="0"/>
-              <a:t>Komplexität der Einrichtung:</a:t>
-            </a:r>
-          </a:p>
-          <a:p>
-            <a:pPr lvl="1">
-              <a:buFont typeface="Arial" pitchFamily="2" charset="2"/>
-              <a:buChar char="•"/>
-            </a:pPr>
-            <a:r>
-              <a:rPr lang="de-DE" dirty="0">
-                <a:ea typeface="+mn-lt"/>
-                <a:cs typeface="+mn-lt"/>
-              </a:rPr>
-              <a:t>Hoher Aufwand für CI/CD-Implementierung.</a:t>
-            </a:r>
-          </a:p>
-          <a:p>
-            <a:pPr>
-              <a:buFont typeface="Arial" panose="020B0604020202020204" pitchFamily="34" charset="0"/>
-              <a:buChar char="•"/>
-            </a:pPr>
-            <a:r>
-              <a:rPr lang="de-DE" dirty="0"/>
-              <a:t>Kulturelle Anpassungen:</a:t>
-            </a:r>
-          </a:p>
-          <a:p>
-            <a:pPr lvl="1">
-              <a:buFont typeface="Arial" panose="020B0604020202020204" pitchFamily="34" charset="0"/>
-              <a:buChar char="•"/>
-            </a:pPr>
-            <a:r>
-              <a:rPr lang="de-DE" dirty="0">
-                <a:ea typeface="+mn-lt"/>
-                <a:cs typeface="+mn-lt"/>
-              </a:rPr>
-              <a:t>Erfordert Veränderung der Team-Arbeitsweise.</a:t>
-            </a:r>
-          </a:p>
-          <a:p>
-            <a:pPr>
-              <a:buFont typeface="Arial" panose="020B0604020202020204" pitchFamily="34" charset="0"/>
-              <a:buChar char="•"/>
-            </a:pPr>
-            <a:r>
-              <a:rPr lang="de-DE" dirty="0"/>
-              <a:t>Abhängigkeit von Automatisierung:</a:t>
-            </a:r>
-          </a:p>
-          <a:p>
-            <a:pPr lvl="1">
-              <a:buFont typeface="Arial" panose="020B0604020202020204" pitchFamily="34" charset="0"/>
-              <a:buChar char="•"/>
-            </a:pPr>
-            <a:r>
-              <a:rPr lang="de-DE" dirty="0"/>
-              <a:t>Starkes Vertrauen auf Automatisierung kann problematisch sein, wenn die automatisierten Prozesse fehlschlagen oder Fehler enthalten</a:t>
-            </a:r>
-            <a:endParaRPr lang="de-DE" dirty="0">
-              <a:cs typeface="Arial"/>
-            </a:endParaRPr>
-          </a:p>
-          <a:p>
-            <a:pPr>
-              <a:buFont typeface="Arial" panose="020B0604020202020204" pitchFamily="34" charset="0"/>
-              <a:buChar char="•"/>
-            </a:pPr>
-            <a:r>
-              <a:rPr lang="de-DE" dirty="0"/>
-              <a:t>Kosten:</a:t>
-            </a:r>
-            <a:endParaRPr lang="de-DE" dirty="0">
-              <a:ea typeface="+mn-lt"/>
-              <a:cs typeface="+mn-lt"/>
-            </a:endParaRPr>
-          </a:p>
-          <a:p>
-            <a:pPr lvl="1">
-              <a:buFont typeface="Arial"/>
-              <a:buChar char="•"/>
-            </a:pPr>
-            <a:r>
-              <a:rPr lang="de-DE" dirty="0">
-                <a:ea typeface="+mn-lt"/>
-                <a:cs typeface="+mn-lt"/>
-              </a:rPr>
-              <a:t>Zusätzliche Kosten für Tools und Schulungen.</a:t>
-            </a:r>
-            <a:endParaRPr lang="de-DE" dirty="0">
-              <a:cs typeface="Arial"/>
-            </a:endParaRPr>
-          </a:p>
-        </p:txBody>
-      </p:sp>
-    </p:spTree>
-    <p:extLst>
-      <p:ext uri="{BB962C8B-B14F-4D97-AF65-F5344CB8AC3E}">
-        <p14:creationId xmlns:p14="http://schemas.microsoft.com/office/powerpoint/2010/main" val="2752595551"/>
-      </p:ext>
-    </p:extLst>
-  </p:cSld>
-  <p:clrMapOvr>
-    <a:masterClrMapping/>
-  </p:clrMapOvr>
-</p:sld>
-</file>
-
-<file path=ppt/slides/slide11.xml><?xml version="1.0" encoding="utf-8"?>
 <p:sld xmlns:a="http://schemas.openxmlformats.org/drawingml/2006/main" xmlns:r="http://schemas.openxmlformats.org/officeDocument/2006/relationships" xmlns:p="http://schemas.openxmlformats.org/presentationml/2006/main">
   <p:cSld>
     <p:spTree>
@@ -8593,7 +8437,7 @@
 </p:sld>
 </file>
 
-<file path=ppt/slides/slide12.xml><?xml version="1.0" encoding="utf-8"?>
+<file path=ppt/slides/slide11.xml><?xml version="1.0" encoding="utf-8"?>
 <p:sld xmlns:a="http://schemas.openxmlformats.org/drawingml/2006/main" xmlns:r="http://schemas.openxmlformats.org/officeDocument/2006/relationships" xmlns:p="http://schemas.openxmlformats.org/presentationml/2006/main">
   <p:cSld>
     <p:spTree>
@@ -8743,6 +8587,199 @@
     <p:extLst>
       <p:ext uri="{BB962C8B-B14F-4D97-AF65-F5344CB8AC3E}">
         <p14:creationId xmlns:p14="http://schemas.microsoft.com/office/powerpoint/2010/main" val="1935013887"/>
+      </p:ext>
+    </p:extLst>
+  </p:cSld>
+  <p:clrMapOvr>
+    <a:masterClrMapping/>
+  </p:clrMapOvr>
+</p:sld>
+</file>
+
+<file path=ppt/slides/slide12.xml><?xml version="1.0" encoding="utf-8"?>
+<p:sld xmlns:a="http://schemas.openxmlformats.org/drawingml/2006/main" xmlns:r="http://schemas.openxmlformats.org/officeDocument/2006/relationships" xmlns:p="http://schemas.openxmlformats.org/presentationml/2006/main">
+  <p:cSld>
+    <p:spTree>
+      <p:nvGrpSpPr>
+        <p:cNvPr id="1" name=""/>
+        <p:cNvGrpSpPr/>
+        <p:nvPr/>
+      </p:nvGrpSpPr>
+      <p:grpSpPr>
+        <a:xfrm>
+          <a:off x="0" y="0"/>
+          <a:ext cx="0" cy="0"/>
+          <a:chOff x="0" y="0"/>
+          <a:chExt cx="0" cy="0"/>
+        </a:xfrm>
+      </p:grpSpPr>
+      <p:sp>
+        <p:nvSpPr>
+          <p:cNvPr id="2" name="Titel 1">
+            <a:extLst>
+              <a:ext uri="{FF2B5EF4-FFF2-40B4-BE49-F238E27FC236}">
+                <a16:creationId xmlns:a16="http://schemas.microsoft.com/office/drawing/2014/main" id="{A665D894-C205-240B-EACE-153832C5C589}"/>
+              </a:ext>
+            </a:extLst>
+          </p:cNvPr>
+          <p:cNvSpPr>
+            <a:spLocks noGrp="1"/>
+          </p:cNvSpPr>
+          <p:nvPr>
+            <p:ph type="title"/>
+          </p:nvPr>
+        </p:nvSpPr>
+        <p:spPr/>
+        <p:txBody>
+          <a:bodyPr/>
+          <a:lstStyle/>
+          <a:p>
+            <a:r>
+              <a:rPr lang="de-DE" dirty="0"/>
+              <a:t>Stages</a:t>
+            </a:r>
+          </a:p>
+        </p:txBody>
+      </p:sp>
+      <p:sp>
+        <p:nvSpPr>
+          <p:cNvPr id="3" name="Inhaltsplatzhalter 2">
+            <a:extLst>
+              <a:ext uri="{FF2B5EF4-FFF2-40B4-BE49-F238E27FC236}">
+                <a16:creationId xmlns:a16="http://schemas.microsoft.com/office/drawing/2014/main" id="{77E2263B-B497-253E-3C49-6BDD6C0EE524}"/>
+              </a:ext>
+            </a:extLst>
+          </p:cNvPr>
+          <p:cNvSpPr>
+            <a:spLocks noGrp="1"/>
+          </p:cNvSpPr>
+          <p:nvPr>
+            <p:ph idx="1"/>
+          </p:nvPr>
+        </p:nvSpPr>
+        <p:spPr/>
+        <p:txBody>
+          <a:bodyPr/>
+          <a:lstStyle/>
+          <a:p>
+            <a:pPr marL="0" indent="0">
+              <a:buNone/>
+            </a:pPr>
+            <a:r>
+              <a:rPr lang="de-DE" b="1" dirty="0" err="1"/>
+              <a:t>Gitlab</a:t>
+            </a:r>
+            <a:r>
+              <a:rPr lang="de-DE" b="1" dirty="0"/>
+              <a:t> Stages und Jobs</a:t>
+            </a:r>
+          </a:p>
+          <a:p>
+            <a:pPr>
+              <a:buFont typeface="Arial" panose="020B0604020202020204" pitchFamily="34" charset="0"/>
+              <a:buChar char="•"/>
+            </a:pPr>
+            <a:r>
+              <a:rPr lang="de-DE" dirty="0"/>
+              <a:t>Die Stages werden oben in der .</a:t>
+            </a:r>
+            <a:r>
+              <a:rPr lang="de-DE" dirty="0" err="1"/>
+              <a:t>gitlab-ci.yml</a:t>
+            </a:r>
+            <a:r>
+              <a:rPr lang="de-DE" dirty="0"/>
+              <a:t> definiert</a:t>
+            </a:r>
+          </a:p>
+          <a:p>
+            <a:pPr>
+              <a:buFont typeface="Arial" panose="020B0604020202020204" pitchFamily="34" charset="0"/>
+              <a:buChar char="•"/>
+            </a:pPr>
+            <a:r>
+              <a:rPr lang="de-DE" dirty="0"/>
+              <a:t>Eine Stage kann mehrere Jobs haben</a:t>
+            </a:r>
+          </a:p>
+          <a:p>
+            <a:pPr>
+              <a:buFont typeface="Arial" panose="020B0604020202020204" pitchFamily="34" charset="0"/>
+              <a:buChar char="•"/>
+            </a:pPr>
+            <a:r>
+              <a:rPr lang="de-DE" dirty="0"/>
+              <a:t>Die Jobs einer Stage können </a:t>
+            </a:r>
+            <a:r>
+              <a:rPr lang="de-DE"/>
+              <a:t>Parallel</a:t>
+            </a:r>
+            <a:r>
+              <a:rPr lang="de-DE" dirty="0"/>
+              <a:t> laufen</a:t>
+            </a:r>
+          </a:p>
+          <a:p>
+            <a:pPr>
+              <a:buFont typeface="Arial" panose="020B0604020202020204" pitchFamily="34" charset="0"/>
+              <a:buChar char="•"/>
+            </a:pPr>
+            <a:endParaRPr lang="de-DE" dirty="0"/>
+          </a:p>
+        </p:txBody>
+      </p:sp>
+      <p:pic>
+        <p:nvPicPr>
+          <p:cNvPr id="4098" name="Picture 2" descr="CI/CD pipelines | GitLab">
+            <a:extLst>
+              <a:ext uri="{FF2B5EF4-FFF2-40B4-BE49-F238E27FC236}">
+                <a16:creationId xmlns:a16="http://schemas.microsoft.com/office/drawing/2014/main" id="{C1FA6D5B-FF36-2B08-0DA1-24240B5D4307}"/>
+              </a:ext>
+            </a:extLst>
+          </p:cNvPr>
+          <p:cNvPicPr>
+            <a:picLocks noChangeAspect="1" noChangeArrowheads="1"/>
+          </p:cNvPicPr>
+          <p:nvPr/>
+        </p:nvPicPr>
+        <p:blipFill>
+          <a:blip r:embed="rId2">
+            <a:extLst>
+              <a:ext uri="{28A0092B-C50C-407E-A947-70E740481C1C}">
+                <a14:useLocalDpi xmlns:a14="http://schemas.microsoft.com/office/drawing/2010/main" val="0"/>
+              </a:ext>
+            </a:extLst>
+          </a:blip>
+          <a:srcRect/>
+          <a:stretch>
+            <a:fillRect/>
+          </a:stretch>
+        </p:blipFill>
+        <p:spPr bwMode="auto">
+          <a:xfrm>
+            <a:off x="683568" y="2708920"/>
+            <a:ext cx="7344816" cy="3667308"/>
+          </a:xfrm>
+          <a:prstGeom prst="rect">
+            <a:avLst/>
+          </a:prstGeom>
+          <a:noFill/>
+          <a:extLst>
+            <a:ext uri="{909E8E84-426E-40DD-AFC4-6F175D3DCCD1}">
+              <a14:hiddenFill xmlns:a14="http://schemas.microsoft.com/office/drawing/2010/main">
+                <a:solidFill>
+                  <a:srgbClr val="FFFFFF"/>
+                </a:solidFill>
+              </a14:hiddenFill>
+            </a:ext>
+          </a:extLst>
+        </p:spPr>
+      </p:pic>
+    </p:spTree>
+    <p:extLst>
+      <p:ext uri="{BB962C8B-B14F-4D97-AF65-F5344CB8AC3E}">
+        <p14:creationId xmlns:p14="http://schemas.microsoft.com/office/powerpoint/2010/main" val="1026791722"/>
       </p:ext>
     </p:extLst>
   </p:cSld>
@@ -8835,199 +8872,6 @@
               <a:buFont typeface="Arial" panose="020B0604020202020204" pitchFamily="34" charset="0"/>
               <a:buChar char="•"/>
             </a:pPr>
-            <a:r>
-              <a:rPr lang="de-DE" dirty="0"/>
-              <a:t>Die Stages werden oben in der .</a:t>
-            </a:r>
-            <a:r>
-              <a:rPr lang="de-DE" dirty="0" err="1"/>
-              <a:t>gitlab-ci.yml</a:t>
-            </a:r>
-            <a:r>
-              <a:rPr lang="de-DE" dirty="0"/>
-              <a:t> definiert</a:t>
-            </a:r>
-          </a:p>
-          <a:p>
-            <a:pPr>
-              <a:buFont typeface="Arial" panose="020B0604020202020204" pitchFamily="34" charset="0"/>
-              <a:buChar char="•"/>
-            </a:pPr>
-            <a:r>
-              <a:rPr lang="de-DE" dirty="0"/>
-              <a:t>Eine Stage kann mehrere Jobs haben</a:t>
-            </a:r>
-          </a:p>
-          <a:p>
-            <a:pPr>
-              <a:buFont typeface="Arial" panose="020B0604020202020204" pitchFamily="34" charset="0"/>
-              <a:buChar char="•"/>
-            </a:pPr>
-            <a:r>
-              <a:rPr lang="de-DE" dirty="0"/>
-              <a:t>Die Jobs einer Stage können </a:t>
-            </a:r>
-            <a:r>
-              <a:rPr lang="de-DE"/>
-              <a:t>Parallel</a:t>
-            </a:r>
-            <a:r>
-              <a:rPr lang="de-DE" dirty="0"/>
-              <a:t> laufen</a:t>
-            </a:r>
-          </a:p>
-          <a:p>
-            <a:pPr>
-              <a:buFont typeface="Arial" panose="020B0604020202020204" pitchFamily="34" charset="0"/>
-              <a:buChar char="•"/>
-            </a:pPr>
-            <a:endParaRPr lang="de-DE" dirty="0"/>
-          </a:p>
-        </p:txBody>
-      </p:sp>
-      <p:pic>
-        <p:nvPicPr>
-          <p:cNvPr id="4098" name="Picture 2" descr="CI/CD pipelines | GitLab">
-            <a:extLst>
-              <a:ext uri="{FF2B5EF4-FFF2-40B4-BE49-F238E27FC236}">
-                <a16:creationId xmlns:a16="http://schemas.microsoft.com/office/drawing/2014/main" id="{C1FA6D5B-FF36-2B08-0DA1-24240B5D4307}"/>
-              </a:ext>
-            </a:extLst>
-          </p:cNvPr>
-          <p:cNvPicPr>
-            <a:picLocks noChangeAspect="1" noChangeArrowheads="1"/>
-          </p:cNvPicPr>
-          <p:nvPr/>
-        </p:nvPicPr>
-        <p:blipFill>
-          <a:blip r:embed="rId2">
-            <a:extLst>
-              <a:ext uri="{28A0092B-C50C-407E-A947-70E740481C1C}">
-                <a14:useLocalDpi xmlns:a14="http://schemas.microsoft.com/office/drawing/2010/main" val="0"/>
-              </a:ext>
-            </a:extLst>
-          </a:blip>
-          <a:srcRect/>
-          <a:stretch>
-            <a:fillRect/>
-          </a:stretch>
-        </p:blipFill>
-        <p:spPr bwMode="auto">
-          <a:xfrm>
-            <a:off x="683568" y="2708920"/>
-            <a:ext cx="7344816" cy="3667308"/>
-          </a:xfrm>
-          <a:prstGeom prst="rect">
-            <a:avLst/>
-          </a:prstGeom>
-          <a:noFill/>
-          <a:extLst>
-            <a:ext uri="{909E8E84-426E-40DD-AFC4-6F175D3DCCD1}">
-              <a14:hiddenFill xmlns:a14="http://schemas.microsoft.com/office/drawing/2010/main">
-                <a:solidFill>
-                  <a:srgbClr val="FFFFFF"/>
-                </a:solidFill>
-              </a14:hiddenFill>
-            </a:ext>
-          </a:extLst>
-        </p:spPr>
-      </p:pic>
-    </p:spTree>
-    <p:extLst>
-      <p:ext uri="{BB962C8B-B14F-4D97-AF65-F5344CB8AC3E}">
-        <p14:creationId xmlns:p14="http://schemas.microsoft.com/office/powerpoint/2010/main" val="1026791722"/>
-      </p:ext>
-    </p:extLst>
-  </p:cSld>
-  <p:clrMapOvr>
-    <a:masterClrMapping/>
-  </p:clrMapOvr>
-</p:sld>
-</file>
-
-<file path=ppt/slides/slide14.xml><?xml version="1.0" encoding="utf-8"?>
-<p:sld xmlns:a="http://schemas.openxmlformats.org/drawingml/2006/main" xmlns:r="http://schemas.openxmlformats.org/officeDocument/2006/relationships" xmlns:p="http://schemas.openxmlformats.org/presentationml/2006/main">
-  <p:cSld>
-    <p:spTree>
-      <p:nvGrpSpPr>
-        <p:cNvPr id="1" name=""/>
-        <p:cNvGrpSpPr/>
-        <p:nvPr/>
-      </p:nvGrpSpPr>
-      <p:grpSpPr>
-        <a:xfrm>
-          <a:off x="0" y="0"/>
-          <a:ext cx="0" cy="0"/>
-          <a:chOff x="0" y="0"/>
-          <a:chExt cx="0" cy="0"/>
-        </a:xfrm>
-      </p:grpSpPr>
-      <p:sp>
-        <p:nvSpPr>
-          <p:cNvPr id="2" name="Titel 1">
-            <a:extLst>
-              <a:ext uri="{FF2B5EF4-FFF2-40B4-BE49-F238E27FC236}">
-                <a16:creationId xmlns:a16="http://schemas.microsoft.com/office/drawing/2014/main" id="{A665D894-C205-240B-EACE-153832C5C589}"/>
-              </a:ext>
-            </a:extLst>
-          </p:cNvPr>
-          <p:cNvSpPr>
-            <a:spLocks noGrp="1"/>
-          </p:cNvSpPr>
-          <p:nvPr>
-            <p:ph type="title"/>
-          </p:nvPr>
-        </p:nvSpPr>
-        <p:spPr/>
-        <p:txBody>
-          <a:bodyPr/>
-          <a:lstStyle/>
-          <a:p>
-            <a:r>
-              <a:rPr lang="de-DE" dirty="0"/>
-              <a:t>Stages</a:t>
-            </a:r>
-          </a:p>
-        </p:txBody>
-      </p:sp>
-      <p:sp>
-        <p:nvSpPr>
-          <p:cNvPr id="3" name="Inhaltsplatzhalter 2">
-            <a:extLst>
-              <a:ext uri="{FF2B5EF4-FFF2-40B4-BE49-F238E27FC236}">
-                <a16:creationId xmlns:a16="http://schemas.microsoft.com/office/drawing/2014/main" id="{77E2263B-B497-253E-3C49-6BDD6C0EE524}"/>
-              </a:ext>
-            </a:extLst>
-          </p:cNvPr>
-          <p:cNvSpPr>
-            <a:spLocks noGrp="1"/>
-          </p:cNvSpPr>
-          <p:nvPr>
-            <p:ph idx="1"/>
-          </p:nvPr>
-        </p:nvSpPr>
-        <p:spPr/>
-        <p:txBody>
-          <a:bodyPr/>
-          <a:lstStyle/>
-          <a:p>
-            <a:pPr marL="0" indent="0">
-              <a:buNone/>
-            </a:pPr>
-            <a:r>
-              <a:rPr lang="de-DE" b="1" dirty="0" err="1"/>
-              <a:t>Gitlab</a:t>
-            </a:r>
-            <a:r>
-              <a:rPr lang="de-DE" b="1" dirty="0"/>
-              <a:t> Stages und Jobs</a:t>
-            </a:r>
-          </a:p>
-          <a:p>
-            <a:pPr>
-              <a:buFont typeface="Arial" panose="020B0604020202020204" pitchFamily="34" charset="0"/>
-              <a:buChar char="•"/>
-            </a:pPr>
             <a:endParaRPr lang="de-DE" dirty="0"/>
           </a:p>
         </p:txBody>
@@ -9527,6 +9371,221 @@
     <p:extLst>
       <p:ext uri="{BB962C8B-B14F-4D97-AF65-F5344CB8AC3E}">
         <p14:creationId xmlns:p14="http://schemas.microsoft.com/office/powerpoint/2010/main" val="4286913370"/>
+      </p:ext>
+    </p:extLst>
+  </p:cSld>
+  <p:clrMapOvr>
+    <a:masterClrMapping/>
+  </p:clrMapOvr>
+</p:sld>
+</file>
+
+<file path=ppt/slides/slide14.xml><?xml version="1.0" encoding="utf-8"?>
+<p:sld xmlns:a="http://schemas.openxmlformats.org/drawingml/2006/main" xmlns:r="http://schemas.openxmlformats.org/officeDocument/2006/relationships" xmlns:p="http://schemas.openxmlformats.org/presentationml/2006/main">
+  <p:cSld>
+    <p:spTree>
+      <p:nvGrpSpPr>
+        <p:cNvPr id="1" name=""/>
+        <p:cNvGrpSpPr/>
+        <p:nvPr/>
+      </p:nvGrpSpPr>
+      <p:grpSpPr>
+        <a:xfrm>
+          <a:off x="0" y="0"/>
+          <a:ext cx="0" cy="0"/>
+          <a:chOff x="0" y="0"/>
+          <a:chExt cx="0" cy="0"/>
+        </a:xfrm>
+      </p:grpSpPr>
+      <p:sp>
+        <p:nvSpPr>
+          <p:cNvPr id="2" name="Titel 1">
+            <a:extLst>
+              <a:ext uri="{FF2B5EF4-FFF2-40B4-BE49-F238E27FC236}">
+                <a16:creationId xmlns:a16="http://schemas.microsoft.com/office/drawing/2014/main" id="{A2A2EB4E-4B87-3A94-66CB-0424D340A9D6}"/>
+              </a:ext>
+            </a:extLst>
+          </p:cNvPr>
+          <p:cNvSpPr>
+            <a:spLocks noGrp="1"/>
+          </p:cNvSpPr>
+          <p:nvPr>
+            <p:ph type="title"/>
+          </p:nvPr>
+        </p:nvSpPr>
+        <p:spPr/>
+        <p:txBody>
+          <a:bodyPr/>
+          <a:lstStyle/>
+          <a:p>
+            <a:r>
+              <a:rPr lang="de-DE" dirty="0"/>
+              <a:t>CI/CD</a:t>
+            </a:r>
+          </a:p>
+        </p:txBody>
+      </p:sp>
+      <p:sp>
+        <p:nvSpPr>
+          <p:cNvPr id="4" name="Inhaltsplatzhalter 2">
+            <a:extLst>
+              <a:ext uri="{FF2B5EF4-FFF2-40B4-BE49-F238E27FC236}">
+                <a16:creationId xmlns:a16="http://schemas.microsoft.com/office/drawing/2014/main" id="{2B59C517-E785-BE9D-692C-1029CBF15366}"/>
+              </a:ext>
+            </a:extLst>
+          </p:cNvPr>
+          <p:cNvSpPr>
+            <a:spLocks noGrp="1"/>
+          </p:cNvSpPr>
+          <p:nvPr>
+            <p:ph idx="1"/>
+          </p:nvPr>
+        </p:nvSpPr>
+        <p:spPr>
+          <a:xfrm>
+            <a:off x="303213" y="981075"/>
+            <a:ext cx="8516937" cy="5400675"/>
+          </a:xfrm>
+        </p:spPr>
+        <p:txBody>
+          <a:bodyPr/>
+          <a:lstStyle/>
+          <a:p>
+            <a:pPr marL="0" indent="0">
+              <a:buNone/>
+            </a:pPr>
+            <a:r>
+              <a:rPr lang="de-DE" b="1" dirty="0"/>
+              <a:t>Aufgabe 1: Einführung in </a:t>
+            </a:r>
+            <a:r>
+              <a:rPr lang="de-DE" b="1" dirty="0" err="1"/>
+              <a:t>GitLab</a:t>
+            </a:r>
+            <a:r>
+              <a:rPr lang="de-DE" b="1" dirty="0"/>
+              <a:t> CI/CD</a:t>
+            </a:r>
+            <a:endParaRPr lang="de-DE" dirty="0"/>
+          </a:p>
+          <a:p>
+            <a:pPr marL="457200" indent="-457200">
+              <a:buFont typeface="+mj-lt"/>
+              <a:buAutoNum type="arabicPeriod"/>
+            </a:pPr>
+            <a:r>
+              <a:rPr lang="de-DE" b="1" dirty="0"/>
+              <a:t>Ziel</a:t>
+            </a:r>
+            <a:r>
+              <a:rPr lang="de-DE" dirty="0"/>
+              <a:t>: Verstehe die Grundlagen von </a:t>
+            </a:r>
+            <a:r>
+              <a:rPr lang="de-DE" dirty="0" err="1"/>
+              <a:t>GitLab</a:t>
+            </a:r>
+            <a:r>
+              <a:rPr lang="de-DE" dirty="0"/>
+              <a:t> CI/CD.</a:t>
+            </a:r>
+          </a:p>
+          <a:p>
+            <a:pPr marL="457200" indent="-457200">
+              <a:buFont typeface="+mj-lt"/>
+              <a:buAutoNum type="arabicPeriod"/>
+            </a:pPr>
+            <a:r>
+              <a:rPr lang="de-DE" b="1" dirty="0"/>
+              <a:t>Schritte</a:t>
+            </a:r>
+            <a:r>
+              <a:rPr lang="de-DE" dirty="0"/>
+              <a:t>:</a:t>
+            </a:r>
+          </a:p>
+          <a:p>
+            <a:pPr lvl="1">
+              <a:buFont typeface="Arial" panose="020B0604020202020204" pitchFamily="34" charset="0"/>
+              <a:buChar char="•"/>
+            </a:pPr>
+            <a:r>
+              <a:rPr lang="de-DE" dirty="0"/>
+              <a:t>Erstelle ein neues </a:t>
+            </a:r>
+            <a:r>
+              <a:rPr lang="de-DE" dirty="0" err="1"/>
+              <a:t>GitLab</a:t>
+            </a:r>
+            <a:r>
+              <a:rPr lang="de-DE" dirty="0"/>
+              <a:t>-Repository.</a:t>
+            </a:r>
+          </a:p>
+          <a:p>
+            <a:pPr lvl="1">
+              <a:buFont typeface="Arial" panose="020B0604020202020204" pitchFamily="34" charset="0"/>
+              <a:buChar char="•"/>
+            </a:pPr>
+            <a:r>
+              <a:rPr lang="de-DE" dirty="0"/>
+              <a:t>Füge eine .</a:t>
+            </a:r>
+            <a:r>
+              <a:rPr lang="de-DE" dirty="0" err="1"/>
+              <a:t>gitlab</a:t>
+            </a:r>
+            <a:r>
+              <a:rPr lang="de-DE" dirty="0"/>
+              <a:t>-</a:t>
+            </a:r>
+            <a:r>
+              <a:rPr lang="de-DE" dirty="0" err="1"/>
+              <a:t>ci.yml</a:t>
+            </a:r>
+            <a:r>
+              <a:rPr lang="de-DE" dirty="0"/>
+              <a:t>-Datei im Stammverzeichnis des Projekts hinzu.</a:t>
+            </a:r>
+          </a:p>
+          <a:p>
+            <a:pPr lvl="1">
+              <a:buFont typeface="Arial" panose="020B0604020202020204" pitchFamily="34" charset="0"/>
+              <a:buChar char="•"/>
+            </a:pPr>
+            <a:r>
+              <a:rPr lang="de-DE" dirty="0"/>
+              <a:t>Schreibe eine einfache Konfiguration, die einen Job namens </a:t>
+            </a:r>
+            <a:r>
+              <a:rPr lang="de-DE" dirty="0" err="1"/>
+              <a:t>hello_world</a:t>
+            </a:r>
+            <a:r>
+              <a:rPr lang="de-DE" dirty="0"/>
+              <a:t> definiert, der "Hello, World!" ausgibt.</a:t>
+            </a:r>
+          </a:p>
+          <a:p>
+            <a:pPr>
+              <a:buFont typeface="Arial" panose="020B0604020202020204" pitchFamily="34" charset="0"/>
+              <a:buChar char="•"/>
+            </a:pPr>
+            <a:endParaRPr lang="de-DE" dirty="0"/>
+          </a:p>
+          <a:p>
+            <a:pPr lvl="1">
+              <a:buFont typeface="Arial" panose="020B0604020202020204" pitchFamily="34" charset="0"/>
+              <a:buChar char="•"/>
+            </a:pPr>
+            <a:endParaRPr lang="de-DE" dirty="0"/>
+          </a:p>
+        </p:txBody>
+      </p:sp>
+    </p:spTree>
+    <p:extLst>
+      <p:ext uri="{BB962C8B-B14F-4D97-AF65-F5344CB8AC3E}">
+        <p14:creationId xmlns:p14="http://schemas.microsoft.com/office/powerpoint/2010/main" val="112209877"/>
       </p:ext>
     </p:extLst>
   </p:cSld>
@@ -9583,10 +9642,10 @@
       </p:sp>
       <p:sp>
         <p:nvSpPr>
-          <p:cNvPr id="4" name="Inhaltsplatzhalter 2">
+          <p:cNvPr id="10" name="Inhaltsplatzhalter 2">
             <a:extLst>
               <a:ext uri="{FF2B5EF4-FFF2-40B4-BE49-F238E27FC236}">
-                <a16:creationId xmlns:a16="http://schemas.microsoft.com/office/drawing/2014/main" id="{2B59C517-E785-BE9D-692C-1029CBF15366}"/>
+                <a16:creationId xmlns:a16="http://schemas.microsoft.com/office/drawing/2014/main" id="{F2E8AEA4-8F06-E96C-F551-3CA6B4EF1E8C}"/>
               </a:ext>
             </a:extLst>
           </p:cNvPr>
@@ -9625,109 +9684,14 @@
             <a:endParaRPr lang="de-DE" dirty="0"/>
           </a:p>
           <a:p>
-            <a:pPr marL="457200" indent="-457200">
-              <a:buFont typeface="+mj-lt"/>
-              <a:buAutoNum type="arabicPeriod"/>
-            </a:pPr>
-            <a:r>
-              <a:rPr lang="de-DE" b="1" dirty="0"/>
-              <a:t>Ziel</a:t>
-            </a:r>
-            <a:r>
-              <a:rPr lang="de-DE" dirty="0"/>
-              <a:t>: Verstehe die Grundlagen von </a:t>
-            </a:r>
-            <a:r>
-              <a:rPr lang="de-DE" dirty="0" err="1"/>
-              <a:t>GitLab</a:t>
-            </a:r>
-            <a:r>
-              <a:rPr lang="de-DE" dirty="0"/>
-              <a:t> CI/CD.</a:t>
-            </a:r>
-          </a:p>
-          <a:p>
-            <a:pPr marL="457200" indent="-457200">
-              <a:buFont typeface="+mj-lt"/>
-              <a:buAutoNum type="arabicPeriod"/>
-            </a:pPr>
-            <a:r>
-              <a:rPr lang="de-DE" b="1" dirty="0"/>
-              <a:t>Schritte</a:t>
-            </a:r>
-            <a:r>
-              <a:rPr lang="de-DE" dirty="0"/>
-              <a:t>:</a:t>
-            </a:r>
-          </a:p>
-          <a:p>
-            <a:pPr lvl="1">
-              <a:buFont typeface="Arial" panose="020B0604020202020204" pitchFamily="34" charset="0"/>
-              <a:buChar char="•"/>
-            </a:pPr>
-            <a:r>
-              <a:rPr lang="de-DE" dirty="0"/>
-              <a:t>Erstelle ein neues </a:t>
-            </a:r>
-            <a:r>
-              <a:rPr lang="de-DE" dirty="0" err="1"/>
-              <a:t>GitLab</a:t>
-            </a:r>
-            <a:r>
-              <a:rPr lang="de-DE" dirty="0"/>
-              <a:t>-Repository.</a:t>
-            </a:r>
-          </a:p>
-          <a:p>
-            <a:pPr lvl="1">
-              <a:buFont typeface="Arial" panose="020B0604020202020204" pitchFamily="34" charset="0"/>
-              <a:buChar char="•"/>
-            </a:pPr>
-            <a:r>
-              <a:rPr lang="de-DE" dirty="0"/>
-              <a:t>Füge eine .</a:t>
-            </a:r>
-            <a:r>
-              <a:rPr lang="de-DE" dirty="0" err="1"/>
-              <a:t>gitlab</a:t>
-            </a:r>
-            <a:r>
-              <a:rPr lang="de-DE" dirty="0"/>
-              <a:t>-</a:t>
-            </a:r>
-            <a:r>
-              <a:rPr lang="de-DE" dirty="0" err="1"/>
-              <a:t>ci.yml</a:t>
-            </a:r>
-            <a:r>
-              <a:rPr lang="de-DE" dirty="0"/>
-              <a:t>-Datei im Stammverzeichnis des Projekts hinzu.</a:t>
-            </a:r>
-          </a:p>
-          <a:p>
-            <a:pPr lvl="1">
-              <a:buFont typeface="Arial" panose="020B0604020202020204" pitchFamily="34" charset="0"/>
-              <a:buChar char="•"/>
-            </a:pPr>
-            <a:r>
-              <a:rPr lang="de-DE" dirty="0"/>
-              <a:t>Schreibe eine einfache Konfiguration, die einen Job namens </a:t>
-            </a:r>
-            <a:r>
-              <a:rPr lang="de-DE" dirty="0" err="1"/>
-              <a:t>hello_world</a:t>
-            </a:r>
-            <a:r>
-              <a:rPr lang="de-DE" dirty="0"/>
-              <a:t> definiert, der "Hello, World!" ausgibt.</a:t>
-            </a:r>
-          </a:p>
-          <a:p>
             <a:pPr>
               <a:buFont typeface="Arial" panose="020B0604020202020204" pitchFamily="34" charset="0"/>
               <a:buChar char="•"/>
             </a:pPr>
-            <a:endParaRPr lang="de-DE" dirty="0"/>
+            <a:r>
+              <a:rPr lang="de-DE" dirty="0"/>
+              <a:t>Mögliche Lösung</a:t>
+            </a:r>
           </a:p>
           <a:p>
             <a:pPr lvl="1">
@@ -9738,10 +9702,294 @@
           </a:p>
         </p:txBody>
       </p:sp>
+      <p:sp>
+        <p:nvSpPr>
+          <p:cNvPr id="14" name="Textfeld 13">
+            <a:extLst>
+              <a:ext uri="{FF2B5EF4-FFF2-40B4-BE49-F238E27FC236}">
+                <a16:creationId xmlns:a16="http://schemas.microsoft.com/office/drawing/2014/main" id="{25DB68D3-B1CF-991D-D74F-7392734A154E}"/>
+              </a:ext>
+            </a:extLst>
+          </p:cNvPr>
+          <p:cNvSpPr txBox="1"/>
+          <p:nvPr/>
+        </p:nvSpPr>
+        <p:spPr bwMode="auto">
+          <a:xfrm>
+            <a:off x="1547664" y="2564904"/>
+            <a:ext cx="6529588" cy="2677656"/>
+          </a:xfrm>
+          <a:prstGeom prst="rect">
+            <a:avLst/>
+          </a:prstGeom>
+          <a:noFill/>
+          <a:ln w="9525">
+            <a:noFill/>
+            <a:miter lim="800000"/>
+            <a:headEnd/>
+            <a:tailEnd/>
+          </a:ln>
+        </p:spPr>
+        <p:txBody>
+          <a:bodyPr wrap="square">
+            <a:spAutoFit/>
+          </a:bodyPr>
+          <a:lstStyle/>
+          <a:p>
+            <a:r>
+              <a:rPr lang="en-US" b="0" dirty="0">
+                <a:solidFill>
+                  <a:srgbClr val="800000"/>
+                </a:solidFill>
+                <a:effectLst/>
+                <a:highlight>
+                  <a:srgbClr val="FFFFFF"/>
+                </a:highlight>
+                <a:latin typeface="Consolas" panose="020B0609020204030204" pitchFamily="49" charset="0"/>
+              </a:rPr>
+              <a:t>stages</a:t>
+            </a:r>
+            <a:r>
+              <a:rPr lang="en-US" b="0" dirty="0">
+                <a:solidFill>
+                  <a:srgbClr val="3B3B3B"/>
+                </a:solidFill>
+                <a:effectLst/>
+                <a:highlight>
+                  <a:srgbClr val="FFFFFF"/>
+                </a:highlight>
+                <a:latin typeface="Consolas" panose="020B0609020204030204" pitchFamily="49" charset="0"/>
+              </a:rPr>
+              <a:t>:</a:t>
+            </a:r>
+          </a:p>
+          <a:p>
+            <a:r>
+              <a:rPr lang="en-US" b="0" dirty="0">
+                <a:solidFill>
+                  <a:srgbClr val="3B3B3B"/>
+                </a:solidFill>
+                <a:effectLst/>
+                <a:highlight>
+                  <a:srgbClr val="FFFFFF"/>
+                </a:highlight>
+                <a:latin typeface="Consolas" panose="020B0609020204030204" pitchFamily="49" charset="0"/>
+              </a:rPr>
+              <a:t>  - </a:t>
+            </a:r>
+            <a:r>
+              <a:rPr lang="en-US" b="0" dirty="0">
+                <a:solidFill>
+                  <a:srgbClr val="0000FF"/>
+                </a:solidFill>
+                <a:effectLst/>
+                <a:highlight>
+                  <a:srgbClr val="FFFFFF"/>
+                </a:highlight>
+                <a:latin typeface="Consolas" panose="020B0609020204030204" pitchFamily="49" charset="0"/>
+              </a:rPr>
+              <a:t>build</a:t>
+            </a:r>
+            <a:endParaRPr lang="en-US" b="0" dirty="0">
+              <a:solidFill>
+                <a:srgbClr val="3B3B3B"/>
+              </a:solidFill>
+              <a:effectLst/>
+              <a:highlight>
+                <a:srgbClr val="FFFFFF"/>
+              </a:highlight>
+              <a:latin typeface="Consolas" panose="020B0609020204030204" pitchFamily="49" charset="0"/>
+            </a:endParaRPr>
+          </a:p>
+          <a:p>
+            <a:br>
+              <a:rPr lang="en-US" b="0" dirty="0">
+                <a:solidFill>
+                  <a:srgbClr val="3B3B3B"/>
+                </a:solidFill>
+                <a:effectLst/>
+                <a:highlight>
+                  <a:srgbClr val="FFFFFF"/>
+                </a:highlight>
+                <a:latin typeface="Consolas" panose="020B0609020204030204" pitchFamily="49" charset="0"/>
+              </a:rPr>
+            </a:br>
+            <a:r>
+              <a:rPr lang="en-US" b="0" dirty="0" err="1">
+                <a:solidFill>
+                  <a:srgbClr val="800000"/>
+                </a:solidFill>
+                <a:effectLst/>
+                <a:highlight>
+                  <a:srgbClr val="FFFFFF"/>
+                </a:highlight>
+                <a:latin typeface="Consolas" panose="020B0609020204030204" pitchFamily="49" charset="0"/>
+              </a:rPr>
+              <a:t>hello_world</a:t>
+            </a:r>
+            <a:r>
+              <a:rPr lang="en-US" b="0" dirty="0">
+                <a:solidFill>
+                  <a:srgbClr val="3B3B3B"/>
+                </a:solidFill>
+                <a:effectLst/>
+                <a:highlight>
+                  <a:srgbClr val="FFFFFF"/>
+                </a:highlight>
+                <a:latin typeface="Consolas" panose="020B0609020204030204" pitchFamily="49" charset="0"/>
+              </a:rPr>
+              <a:t>:</a:t>
+            </a:r>
+          </a:p>
+          <a:p>
+            <a:r>
+              <a:rPr lang="en-US" b="0" dirty="0">
+                <a:solidFill>
+                  <a:srgbClr val="3B3B3B"/>
+                </a:solidFill>
+                <a:effectLst/>
+                <a:highlight>
+                  <a:srgbClr val="FFFFFF"/>
+                </a:highlight>
+                <a:latin typeface="Consolas" panose="020B0609020204030204" pitchFamily="49" charset="0"/>
+              </a:rPr>
+              <a:t>  </a:t>
+            </a:r>
+            <a:r>
+              <a:rPr lang="en-US" b="0" dirty="0">
+                <a:solidFill>
+                  <a:srgbClr val="800000"/>
+                </a:solidFill>
+                <a:effectLst/>
+                <a:highlight>
+                  <a:srgbClr val="FFFFFF"/>
+                </a:highlight>
+                <a:latin typeface="Consolas" panose="020B0609020204030204" pitchFamily="49" charset="0"/>
+              </a:rPr>
+              <a:t>stage</a:t>
+            </a:r>
+            <a:r>
+              <a:rPr lang="en-US" b="0" dirty="0">
+                <a:solidFill>
+                  <a:srgbClr val="3B3B3B"/>
+                </a:solidFill>
+                <a:effectLst/>
+                <a:highlight>
+                  <a:srgbClr val="FFFFFF"/>
+                </a:highlight>
+                <a:latin typeface="Consolas" panose="020B0609020204030204" pitchFamily="49" charset="0"/>
+              </a:rPr>
+              <a:t>: </a:t>
+            </a:r>
+            <a:r>
+              <a:rPr lang="en-US" b="0" dirty="0">
+                <a:solidFill>
+                  <a:srgbClr val="0000FF"/>
+                </a:solidFill>
+                <a:effectLst/>
+                <a:highlight>
+                  <a:srgbClr val="FFFFFF"/>
+                </a:highlight>
+                <a:latin typeface="Consolas" panose="020B0609020204030204" pitchFamily="49" charset="0"/>
+              </a:rPr>
+              <a:t>build</a:t>
+            </a:r>
+            <a:endParaRPr lang="en-US" b="0" dirty="0">
+              <a:solidFill>
+                <a:srgbClr val="3B3B3B"/>
+              </a:solidFill>
+              <a:effectLst/>
+              <a:highlight>
+                <a:srgbClr val="FFFFFF"/>
+              </a:highlight>
+              <a:latin typeface="Consolas" panose="020B0609020204030204" pitchFamily="49" charset="0"/>
+            </a:endParaRPr>
+          </a:p>
+          <a:p>
+            <a:r>
+              <a:rPr lang="en-US" b="0" dirty="0">
+                <a:solidFill>
+                  <a:srgbClr val="3B3B3B"/>
+                </a:solidFill>
+                <a:effectLst/>
+                <a:highlight>
+                  <a:srgbClr val="FFFFFF"/>
+                </a:highlight>
+                <a:latin typeface="Consolas" panose="020B0609020204030204" pitchFamily="49" charset="0"/>
+              </a:rPr>
+              <a:t>  </a:t>
+            </a:r>
+            <a:r>
+              <a:rPr lang="en-US" b="0" dirty="0">
+                <a:solidFill>
+                  <a:srgbClr val="800000"/>
+                </a:solidFill>
+                <a:effectLst/>
+                <a:highlight>
+                  <a:srgbClr val="FFFFFF"/>
+                </a:highlight>
+                <a:latin typeface="Consolas" panose="020B0609020204030204" pitchFamily="49" charset="0"/>
+              </a:rPr>
+              <a:t>script</a:t>
+            </a:r>
+            <a:r>
+              <a:rPr lang="en-US" b="0" dirty="0">
+                <a:solidFill>
+                  <a:srgbClr val="3B3B3B"/>
+                </a:solidFill>
+                <a:effectLst/>
+                <a:highlight>
+                  <a:srgbClr val="FFFFFF"/>
+                </a:highlight>
+                <a:latin typeface="Consolas" panose="020B0609020204030204" pitchFamily="49" charset="0"/>
+              </a:rPr>
+              <a:t>:</a:t>
+            </a:r>
+          </a:p>
+          <a:p>
+            <a:r>
+              <a:rPr lang="en-US" b="0" dirty="0">
+                <a:solidFill>
+                  <a:srgbClr val="3B3B3B"/>
+                </a:solidFill>
+                <a:effectLst/>
+                <a:highlight>
+                  <a:srgbClr val="FFFFFF"/>
+                </a:highlight>
+                <a:latin typeface="Consolas" panose="020B0609020204030204" pitchFamily="49" charset="0"/>
+              </a:rPr>
+              <a:t>    - </a:t>
+            </a:r>
+            <a:r>
+              <a:rPr lang="en-US" b="0" dirty="0">
+                <a:solidFill>
+                  <a:srgbClr val="0000FF"/>
+                </a:solidFill>
+                <a:effectLst/>
+                <a:highlight>
+                  <a:srgbClr val="FFFFFF"/>
+                </a:highlight>
+                <a:latin typeface="Consolas" panose="020B0609020204030204" pitchFamily="49" charset="0"/>
+              </a:rPr>
+              <a:t>echo "Hello, World!"</a:t>
+            </a:r>
+            <a:endParaRPr lang="en-US" b="0" dirty="0">
+              <a:solidFill>
+                <a:srgbClr val="3B3B3B"/>
+              </a:solidFill>
+              <a:effectLst/>
+              <a:highlight>
+                <a:srgbClr val="FFFFFF"/>
+              </a:highlight>
+              <a:latin typeface="Consolas" panose="020B0609020204030204" pitchFamily="49" charset="0"/>
+            </a:endParaRPr>
+          </a:p>
+        </p:txBody>
+      </p:sp>
     </p:spTree>
     <p:extLst>
       <p:ext uri="{BB962C8B-B14F-4D97-AF65-F5344CB8AC3E}">
-        <p14:creationId xmlns:p14="http://schemas.microsoft.com/office/powerpoint/2010/main" val="112209877"/>
+        <p14:creationId xmlns:p14="http://schemas.microsoft.com/office/powerpoint/2010/main" val="2099523626"/>
       </p:ext>
     </p:extLst>
   </p:cSld>
@@ -9752,6 +10000,213 @@
 </file>
 
 <file path=ppt/slides/slide16.xml><?xml version="1.0" encoding="utf-8"?>
+<p:sld xmlns:a="http://schemas.openxmlformats.org/drawingml/2006/main" xmlns:r="http://schemas.openxmlformats.org/officeDocument/2006/relationships" xmlns:p="http://schemas.openxmlformats.org/presentationml/2006/main">
+  <p:cSld>
+    <p:spTree>
+      <p:nvGrpSpPr>
+        <p:cNvPr id="1" name=""/>
+        <p:cNvGrpSpPr/>
+        <p:nvPr/>
+      </p:nvGrpSpPr>
+      <p:grpSpPr>
+        <a:xfrm>
+          <a:off x="0" y="0"/>
+          <a:ext cx="0" cy="0"/>
+          <a:chOff x="0" y="0"/>
+          <a:chExt cx="0" cy="0"/>
+        </a:xfrm>
+      </p:grpSpPr>
+      <p:sp>
+        <p:nvSpPr>
+          <p:cNvPr id="2" name="Titel 1">
+            <a:extLst>
+              <a:ext uri="{FF2B5EF4-FFF2-40B4-BE49-F238E27FC236}">
+                <a16:creationId xmlns:a16="http://schemas.microsoft.com/office/drawing/2014/main" id="{74F61811-DDD3-CD36-300B-D3CAEEBD8E91}"/>
+              </a:ext>
+            </a:extLst>
+          </p:cNvPr>
+          <p:cNvSpPr>
+            <a:spLocks noGrp="1"/>
+          </p:cNvSpPr>
+          <p:nvPr>
+            <p:ph type="title"/>
+          </p:nvPr>
+        </p:nvSpPr>
+        <p:spPr/>
+        <p:txBody>
+          <a:bodyPr/>
+          <a:lstStyle/>
+          <a:p>
+            <a:r>
+              <a:rPr lang="de-DE" dirty="0"/>
+              <a:t>CI/CD</a:t>
+            </a:r>
+          </a:p>
+        </p:txBody>
+      </p:sp>
+      <p:sp>
+        <p:nvSpPr>
+          <p:cNvPr id="10" name="Inhaltsplatzhalter 2">
+            <a:extLst>
+              <a:ext uri="{FF2B5EF4-FFF2-40B4-BE49-F238E27FC236}">
+                <a16:creationId xmlns:a16="http://schemas.microsoft.com/office/drawing/2014/main" id="{65F4F27F-EA27-84BE-FDD1-AE4BEA6A264F}"/>
+              </a:ext>
+            </a:extLst>
+          </p:cNvPr>
+          <p:cNvSpPr>
+            <a:spLocks noGrp="1"/>
+          </p:cNvSpPr>
+          <p:nvPr>
+            <p:ph idx="1"/>
+          </p:nvPr>
+        </p:nvSpPr>
+        <p:spPr>
+          <a:xfrm>
+            <a:off x="303213" y="981075"/>
+            <a:ext cx="8516937" cy="5400675"/>
+          </a:xfrm>
+        </p:spPr>
+        <p:txBody>
+          <a:bodyPr/>
+          <a:lstStyle/>
+          <a:p>
+            <a:pPr marL="0" indent="0">
+              <a:buNone/>
+            </a:pPr>
+            <a:r>
+              <a:rPr lang="de-DE" b="1" dirty="0"/>
+              <a:t>Aufgabe 2: Verwendung von Stages</a:t>
+            </a:r>
+            <a:endParaRPr lang="de-DE" dirty="0"/>
+          </a:p>
+          <a:p>
+            <a:pPr marL="457200" indent="-457200">
+              <a:buFont typeface="+mj-lt"/>
+              <a:buAutoNum type="arabicPeriod"/>
+            </a:pPr>
+            <a:r>
+              <a:rPr lang="de-DE" b="1" dirty="0"/>
+              <a:t>Ziel</a:t>
+            </a:r>
+            <a:r>
+              <a:rPr lang="de-DE" dirty="0"/>
+              <a:t>: Verstehe, wie Stages in </a:t>
+            </a:r>
+            <a:r>
+              <a:rPr lang="de-DE" dirty="0" err="1"/>
+              <a:t>GitLab</a:t>
+            </a:r>
+            <a:r>
+              <a:rPr lang="de-DE" dirty="0"/>
+              <a:t> CI funktionieren und wie sie zur Strukturierung von Jobs verwendet werden.</a:t>
+            </a:r>
+          </a:p>
+          <a:p>
+            <a:pPr marL="457200" indent="-457200">
+              <a:buFont typeface="+mj-lt"/>
+              <a:buAutoNum type="arabicPeriod"/>
+            </a:pPr>
+            <a:r>
+              <a:rPr lang="de-DE" b="1" dirty="0"/>
+              <a:t>Schritte</a:t>
+            </a:r>
+            <a:r>
+              <a:rPr lang="de-DE" dirty="0"/>
+              <a:t>:</a:t>
+            </a:r>
+          </a:p>
+          <a:p>
+            <a:pPr lvl="1">
+              <a:buFont typeface="Arial" panose="020B0604020202020204" pitchFamily="34" charset="0"/>
+              <a:buChar char="•"/>
+            </a:pPr>
+            <a:r>
+              <a:rPr lang="de-DE" dirty="0"/>
+              <a:t>Erweitere die .</a:t>
+            </a:r>
+            <a:r>
+              <a:rPr lang="de-DE" dirty="0" err="1"/>
+              <a:t>gitlab-ci.yml</a:t>
+            </a:r>
+            <a:r>
+              <a:rPr lang="de-DE" dirty="0"/>
+              <a:t>, um zwei Stages (</a:t>
+            </a:r>
+            <a:r>
+              <a:rPr lang="de-DE" dirty="0" err="1"/>
+              <a:t>build</a:t>
+            </a:r>
+            <a:r>
+              <a:rPr lang="de-DE" dirty="0"/>
+              <a:t> und </a:t>
+            </a:r>
+            <a:r>
+              <a:rPr lang="de-DE" dirty="0" err="1"/>
+              <a:t>test</a:t>
+            </a:r>
+            <a:r>
+              <a:rPr lang="de-DE" dirty="0"/>
+              <a:t>) zu definieren.</a:t>
+            </a:r>
+          </a:p>
+          <a:p>
+            <a:pPr lvl="1">
+              <a:buFont typeface="Arial" panose="020B0604020202020204" pitchFamily="34" charset="0"/>
+              <a:buChar char="•"/>
+            </a:pPr>
+            <a:r>
+              <a:rPr lang="de-DE" dirty="0"/>
+              <a:t>Füge einen Job in der </a:t>
+            </a:r>
+            <a:r>
+              <a:rPr lang="de-DE" dirty="0" err="1"/>
+              <a:t>build</a:t>
+            </a:r>
+            <a:r>
+              <a:rPr lang="de-DE" dirty="0"/>
+              <a:t>-Stage hinzu, der eine Dummy-Datei erstellt.</a:t>
+            </a:r>
+          </a:p>
+          <a:p>
+            <a:pPr lvl="1">
+              <a:buFont typeface="Arial" panose="020B0604020202020204" pitchFamily="34" charset="0"/>
+              <a:buChar char="•"/>
+            </a:pPr>
+            <a:r>
+              <a:rPr lang="de-DE" dirty="0"/>
+              <a:t>Füge einen Job in der test-Stage hinzu, der diese Datei überprüft.</a:t>
+            </a:r>
+          </a:p>
+          <a:p>
+            <a:pPr>
+              <a:buFont typeface="Arial" panose="020B0604020202020204" pitchFamily="34" charset="0"/>
+              <a:buChar char="•"/>
+            </a:pPr>
+            <a:endParaRPr lang="de-DE" dirty="0"/>
+          </a:p>
+          <a:p>
+            <a:pPr lvl="1">
+              <a:buFont typeface="Arial" panose="020B0604020202020204" pitchFamily="34" charset="0"/>
+              <a:buChar char="•"/>
+            </a:pPr>
+            <a:endParaRPr lang="de-DE" dirty="0"/>
+          </a:p>
+        </p:txBody>
+      </p:sp>
+    </p:spTree>
+    <p:extLst>
+      <p:ext uri="{BB962C8B-B14F-4D97-AF65-F5344CB8AC3E}">
+        <p14:creationId xmlns:p14="http://schemas.microsoft.com/office/powerpoint/2010/main" val="48991013"/>
+      </p:ext>
+    </p:extLst>
+  </p:cSld>
+  <p:clrMapOvr>
+    <a:masterClrMapping/>
+  </p:clrMapOvr>
+</p:sld>
+</file>
+
+<file path=ppt/slides/slide17.xml><?xml version="1.0" encoding="utf-8"?>
 <p:sld xmlns:a="http://schemas.openxmlformats.org/drawingml/2006/main" xmlns:r="http://schemas.openxmlformats.org/officeDocument/2006/relationships" xmlns:p="http://schemas.openxmlformats.org/presentationml/2006/main">
   <p:cSld>
     <p:spTree>
@@ -9827,617 +10282,6 @@
             </a:pPr>
             <a:r>
               <a:rPr lang="de-DE" b="1" dirty="0"/>
-              <a:t>Aufgabe 1: Einführung in </a:t>
-            </a:r>
-            <a:r>
-              <a:rPr lang="de-DE" b="1" dirty="0" err="1"/>
-              <a:t>GitLab</a:t>
-            </a:r>
-            <a:r>
-              <a:rPr lang="de-DE" b="1" dirty="0"/>
-              <a:t> CI/CD</a:t>
-            </a:r>
-            <a:endParaRPr lang="de-DE" dirty="0"/>
-          </a:p>
-          <a:p>
-            <a:pPr>
-              <a:buFont typeface="Arial" panose="020B0604020202020204" pitchFamily="34" charset="0"/>
-              <a:buChar char="•"/>
-            </a:pPr>
-            <a:r>
-              <a:rPr lang="de-DE" dirty="0"/>
-              <a:t>Mögliche Lösung</a:t>
-            </a:r>
-          </a:p>
-          <a:p>
-            <a:pPr lvl="1">
-              <a:buFont typeface="Arial" panose="020B0604020202020204" pitchFamily="34" charset="0"/>
-              <a:buChar char="•"/>
-            </a:pPr>
-            <a:endParaRPr lang="de-DE" dirty="0"/>
-          </a:p>
-        </p:txBody>
-      </p:sp>
-      <p:sp>
-        <p:nvSpPr>
-          <p:cNvPr id="14" name="Textfeld 13">
-            <a:extLst>
-              <a:ext uri="{FF2B5EF4-FFF2-40B4-BE49-F238E27FC236}">
-                <a16:creationId xmlns:a16="http://schemas.microsoft.com/office/drawing/2014/main" id="{25DB68D3-B1CF-991D-D74F-7392734A154E}"/>
-              </a:ext>
-            </a:extLst>
-          </p:cNvPr>
-          <p:cNvSpPr txBox="1"/>
-          <p:nvPr/>
-        </p:nvSpPr>
-        <p:spPr bwMode="auto">
-          <a:xfrm>
-            <a:off x="1547664" y="2564904"/>
-            <a:ext cx="6529588" cy="2677656"/>
-          </a:xfrm>
-          <a:prstGeom prst="rect">
-            <a:avLst/>
-          </a:prstGeom>
-          <a:noFill/>
-          <a:ln w="9525">
-            <a:noFill/>
-            <a:miter lim="800000"/>
-            <a:headEnd/>
-            <a:tailEnd/>
-          </a:ln>
-        </p:spPr>
-        <p:txBody>
-          <a:bodyPr wrap="square">
-            <a:spAutoFit/>
-          </a:bodyPr>
-          <a:lstStyle/>
-          <a:p>
-            <a:r>
-              <a:rPr lang="en-US" b="0" dirty="0">
-                <a:solidFill>
-                  <a:srgbClr val="800000"/>
-                </a:solidFill>
-                <a:effectLst/>
-                <a:highlight>
-                  <a:srgbClr val="FFFFFF"/>
-                </a:highlight>
-                <a:latin typeface="Consolas" panose="020B0609020204030204" pitchFamily="49" charset="0"/>
-              </a:rPr>
-              <a:t>stages</a:t>
-            </a:r>
-            <a:r>
-              <a:rPr lang="en-US" b="0" dirty="0">
-                <a:solidFill>
-                  <a:srgbClr val="3B3B3B"/>
-                </a:solidFill>
-                <a:effectLst/>
-                <a:highlight>
-                  <a:srgbClr val="FFFFFF"/>
-                </a:highlight>
-                <a:latin typeface="Consolas" panose="020B0609020204030204" pitchFamily="49" charset="0"/>
-              </a:rPr>
-              <a:t>:</a:t>
-            </a:r>
-          </a:p>
-          <a:p>
-            <a:r>
-              <a:rPr lang="en-US" b="0" dirty="0">
-                <a:solidFill>
-                  <a:srgbClr val="3B3B3B"/>
-                </a:solidFill>
-                <a:effectLst/>
-                <a:highlight>
-                  <a:srgbClr val="FFFFFF"/>
-                </a:highlight>
-                <a:latin typeface="Consolas" panose="020B0609020204030204" pitchFamily="49" charset="0"/>
-              </a:rPr>
-              <a:t>  - </a:t>
-            </a:r>
-            <a:r>
-              <a:rPr lang="en-US" b="0" dirty="0">
-                <a:solidFill>
-                  <a:srgbClr val="0000FF"/>
-                </a:solidFill>
-                <a:effectLst/>
-                <a:highlight>
-                  <a:srgbClr val="FFFFFF"/>
-                </a:highlight>
-                <a:latin typeface="Consolas" panose="020B0609020204030204" pitchFamily="49" charset="0"/>
-              </a:rPr>
-              <a:t>build</a:t>
-            </a:r>
-            <a:endParaRPr lang="en-US" b="0" dirty="0">
-              <a:solidFill>
-                <a:srgbClr val="3B3B3B"/>
-              </a:solidFill>
-              <a:effectLst/>
-              <a:highlight>
-                <a:srgbClr val="FFFFFF"/>
-              </a:highlight>
-              <a:latin typeface="Consolas" panose="020B0609020204030204" pitchFamily="49" charset="0"/>
-            </a:endParaRPr>
-          </a:p>
-          <a:p>
-            <a:br>
-              <a:rPr lang="en-US" b="0" dirty="0">
-                <a:solidFill>
-                  <a:srgbClr val="3B3B3B"/>
-                </a:solidFill>
-                <a:effectLst/>
-                <a:highlight>
-                  <a:srgbClr val="FFFFFF"/>
-                </a:highlight>
-                <a:latin typeface="Consolas" panose="020B0609020204030204" pitchFamily="49" charset="0"/>
-              </a:rPr>
-            </a:br>
-            <a:r>
-              <a:rPr lang="en-US" b="0" dirty="0" err="1">
-                <a:solidFill>
-                  <a:srgbClr val="800000"/>
-                </a:solidFill>
-                <a:effectLst/>
-                <a:highlight>
-                  <a:srgbClr val="FFFFFF"/>
-                </a:highlight>
-                <a:latin typeface="Consolas" panose="020B0609020204030204" pitchFamily="49" charset="0"/>
-              </a:rPr>
-              <a:t>hello_world</a:t>
-            </a:r>
-            <a:r>
-              <a:rPr lang="en-US" b="0" dirty="0">
-                <a:solidFill>
-                  <a:srgbClr val="3B3B3B"/>
-                </a:solidFill>
-                <a:effectLst/>
-                <a:highlight>
-                  <a:srgbClr val="FFFFFF"/>
-                </a:highlight>
-                <a:latin typeface="Consolas" panose="020B0609020204030204" pitchFamily="49" charset="0"/>
-              </a:rPr>
-              <a:t>:</a:t>
-            </a:r>
-          </a:p>
-          <a:p>
-            <a:r>
-              <a:rPr lang="en-US" b="0" dirty="0">
-                <a:solidFill>
-                  <a:srgbClr val="3B3B3B"/>
-                </a:solidFill>
-                <a:effectLst/>
-                <a:highlight>
-                  <a:srgbClr val="FFFFFF"/>
-                </a:highlight>
-                <a:latin typeface="Consolas" panose="020B0609020204030204" pitchFamily="49" charset="0"/>
-              </a:rPr>
-              <a:t>  </a:t>
-            </a:r>
-            <a:r>
-              <a:rPr lang="en-US" b="0" dirty="0">
-                <a:solidFill>
-                  <a:srgbClr val="800000"/>
-                </a:solidFill>
-                <a:effectLst/>
-                <a:highlight>
-                  <a:srgbClr val="FFFFFF"/>
-                </a:highlight>
-                <a:latin typeface="Consolas" panose="020B0609020204030204" pitchFamily="49" charset="0"/>
-              </a:rPr>
-              <a:t>stage</a:t>
-            </a:r>
-            <a:r>
-              <a:rPr lang="en-US" b="0" dirty="0">
-                <a:solidFill>
-                  <a:srgbClr val="3B3B3B"/>
-                </a:solidFill>
-                <a:effectLst/>
-                <a:highlight>
-                  <a:srgbClr val="FFFFFF"/>
-                </a:highlight>
-                <a:latin typeface="Consolas" panose="020B0609020204030204" pitchFamily="49" charset="0"/>
-              </a:rPr>
-              <a:t>: </a:t>
-            </a:r>
-            <a:r>
-              <a:rPr lang="en-US" b="0" dirty="0">
-                <a:solidFill>
-                  <a:srgbClr val="0000FF"/>
-                </a:solidFill>
-                <a:effectLst/>
-                <a:highlight>
-                  <a:srgbClr val="FFFFFF"/>
-                </a:highlight>
-                <a:latin typeface="Consolas" panose="020B0609020204030204" pitchFamily="49" charset="0"/>
-              </a:rPr>
-              <a:t>build</a:t>
-            </a:r>
-            <a:endParaRPr lang="en-US" b="0" dirty="0">
-              <a:solidFill>
-                <a:srgbClr val="3B3B3B"/>
-              </a:solidFill>
-              <a:effectLst/>
-              <a:highlight>
-                <a:srgbClr val="FFFFFF"/>
-              </a:highlight>
-              <a:latin typeface="Consolas" panose="020B0609020204030204" pitchFamily="49" charset="0"/>
-            </a:endParaRPr>
-          </a:p>
-          <a:p>
-            <a:r>
-              <a:rPr lang="en-US" b="0" dirty="0">
-                <a:solidFill>
-                  <a:srgbClr val="3B3B3B"/>
-                </a:solidFill>
-                <a:effectLst/>
-                <a:highlight>
-                  <a:srgbClr val="FFFFFF"/>
-                </a:highlight>
-                <a:latin typeface="Consolas" panose="020B0609020204030204" pitchFamily="49" charset="0"/>
-              </a:rPr>
-              <a:t>  </a:t>
-            </a:r>
-            <a:r>
-              <a:rPr lang="en-US" b="0" dirty="0">
-                <a:solidFill>
-                  <a:srgbClr val="800000"/>
-                </a:solidFill>
-                <a:effectLst/>
-                <a:highlight>
-                  <a:srgbClr val="FFFFFF"/>
-                </a:highlight>
-                <a:latin typeface="Consolas" panose="020B0609020204030204" pitchFamily="49" charset="0"/>
-              </a:rPr>
-              <a:t>script</a:t>
-            </a:r>
-            <a:r>
-              <a:rPr lang="en-US" b="0" dirty="0">
-                <a:solidFill>
-                  <a:srgbClr val="3B3B3B"/>
-                </a:solidFill>
-                <a:effectLst/>
-                <a:highlight>
-                  <a:srgbClr val="FFFFFF"/>
-                </a:highlight>
-                <a:latin typeface="Consolas" panose="020B0609020204030204" pitchFamily="49" charset="0"/>
-              </a:rPr>
-              <a:t>:</a:t>
-            </a:r>
-          </a:p>
-          <a:p>
-            <a:r>
-              <a:rPr lang="en-US" b="0" dirty="0">
-                <a:solidFill>
-                  <a:srgbClr val="3B3B3B"/>
-                </a:solidFill>
-                <a:effectLst/>
-                <a:highlight>
-                  <a:srgbClr val="FFFFFF"/>
-                </a:highlight>
-                <a:latin typeface="Consolas" panose="020B0609020204030204" pitchFamily="49" charset="0"/>
-              </a:rPr>
-              <a:t>    - </a:t>
-            </a:r>
-            <a:r>
-              <a:rPr lang="en-US" b="0" dirty="0">
-                <a:solidFill>
-                  <a:srgbClr val="0000FF"/>
-                </a:solidFill>
-                <a:effectLst/>
-                <a:highlight>
-                  <a:srgbClr val="FFFFFF"/>
-                </a:highlight>
-                <a:latin typeface="Consolas" panose="020B0609020204030204" pitchFamily="49" charset="0"/>
-              </a:rPr>
-              <a:t>echo "Hello, World!"</a:t>
-            </a:r>
-            <a:endParaRPr lang="en-US" b="0" dirty="0">
-              <a:solidFill>
-                <a:srgbClr val="3B3B3B"/>
-              </a:solidFill>
-              <a:effectLst/>
-              <a:highlight>
-                <a:srgbClr val="FFFFFF"/>
-              </a:highlight>
-              <a:latin typeface="Consolas" panose="020B0609020204030204" pitchFamily="49" charset="0"/>
-            </a:endParaRPr>
-          </a:p>
-        </p:txBody>
-      </p:sp>
-    </p:spTree>
-    <p:extLst>
-      <p:ext uri="{BB962C8B-B14F-4D97-AF65-F5344CB8AC3E}">
-        <p14:creationId xmlns:p14="http://schemas.microsoft.com/office/powerpoint/2010/main" val="2099523626"/>
-      </p:ext>
-    </p:extLst>
-  </p:cSld>
-  <p:clrMapOvr>
-    <a:masterClrMapping/>
-  </p:clrMapOvr>
-</p:sld>
-</file>
-
-<file path=ppt/slides/slide17.xml><?xml version="1.0" encoding="utf-8"?>
-<p:sld xmlns:a="http://schemas.openxmlformats.org/drawingml/2006/main" xmlns:r="http://schemas.openxmlformats.org/officeDocument/2006/relationships" xmlns:p="http://schemas.openxmlformats.org/presentationml/2006/main">
-  <p:cSld>
-    <p:spTree>
-      <p:nvGrpSpPr>
-        <p:cNvPr id="1" name=""/>
-        <p:cNvGrpSpPr/>
-        <p:nvPr/>
-      </p:nvGrpSpPr>
-      <p:grpSpPr>
-        <a:xfrm>
-          <a:off x="0" y="0"/>
-          <a:ext cx="0" cy="0"/>
-          <a:chOff x="0" y="0"/>
-          <a:chExt cx="0" cy="0"/>
-        </a:xfrm>
-      </p:grpSpPr>
-      <p:sp>
-        <p:nvSpPr>
-          <p:cNvPr id="2" name="Titel 1">
-            <a:extLst>
-              <a:ext uri="{FF2B5EF4-FFF2-40B4-BE49-F238E27FC236}">
-                <a16:creationId xmlns:a16="http://schemas.microsoft.com/office/drawing/2014/main" id="{74F61811-DDD3-CD36-300B-D3CAEEBD8E91}"/>
-              </a:ext>
-            </a:extLst>
-          </p:cNvPr>
-          <p:cNvSpPr>
-            <a:spLocks noGrp="1"/>
-          </p:cNvSpPr>
-          <p:nvPr>
-            <p:ph type="title"/>
-          </p:nvPr>
-        </p:nvSpPr>
-        <p:spPr/>
-        <p:txBody>
-          <a:bodyPr/>
-          <a:lstStyle/>
-          <a:p>
-            <a:r>
-              <a:rPr lang="de-DE" dirty="0"/>
-              <a:t>CI/CD</a:t>
-            </a:r>
-          </a:p>
-        </p:txBody>
-      </p:sp>
-      <p:sp>
-        <p:nvSpPr>
-          <p:cNvPr id="10" name="Inhaltsplatzhalter 2">
-            <a:extLst>
-              <a:ext uri="{FF2B5EF4-FFF2-40B4-BE49-F238E27FC236}">
-                <a16:creationId xmlns:a16="http://schemas.microsoft.com/office/drawing/2014/main" id="{65F4F27F-EA27-84BE-FDD1-AE4BEA6A264F}"/>
-              </a:ext>
-            </a:extLst>
-          </p:cNvPr>
-          <p:cNvSpPr>
-            <a:spLocks noGrp="1"/>
-          </p:cNvSpPr>
-          <p:nvPr>
-            <p:ph idx="1"/>
-          </p:nvPr>
-        </p:nvSpPr>
-        <p:spPr>
-          <a:xfrm>
-            <a:off x="303213" y="981075"/>
-            <a:ext cx="8516937" cy="5400675"/>
-          </a:xfrm>
-        </p:spPr>
-        <p:txBody>
-          <a:bodyPr/>
-          <a:lstStyle/>
-          <a:p>
-            <a:pPr marL="0" indent="0">
-              <a:buNone/>
-            </a:pPr>
-            <a:r>
-              <a:rPr lang="de-DE" b="1" dirty="0"/>
-              <a:t>Aufgabe 2: Verwendung von Stages</a:t>
-            </a:r>
-            <a:endParaRPr lang="de-DE" dirty="0"/>
-          </a:p>
-          <a:p>
-            <a:pPr marL="457200" indent="-457200">
-              <a:buFont typeface="+mj-lt"/>
-              <a:buAutoNum type="arabicPeriod"/>
-            </a:pPr>
-            <a:r>
-              <a:rPr lang="de-DE" b="1" dirty="0"/>
-              <a:t>Ziel</a:t>
-            </a:r>
-            <a:r>
-              <a:rPr lang="de-DE" dirty="0"/>
-              <a:t>: Verstehe, wie Stages in </a:t>
-            </a:r>
-            <a:r>
-              <a:rPr lang="de-DE" dirty="0" err="1"/>
-              <a:t>GitLab</a:t>
-            </a:r>
-            <a:r>
-              <a:rPr lang="de-DE" dirty="0"/>
-              <a:t> CI funktionieren und wie sie zur Strukturierung von Jobs verwendet werden.</a:t>
-            </a:r>
-          </a:p>
-          <a:p>
-            <a:pPr marL="457200" indent="-457200">
-              <a:buFont typeface="+mj-lt"/>
-              <a:buAutoNum type="arabicPeriod"/>
-            </a:pPr>
-            <a:r>
-              <a:rPr lang="de-DE" b="1" dirty="0"/>
-              <a:t>Schritte</a:t>
-            </a:r>
-            <a:r>
-              <a:rPr lang="de-DE" dirty="0"/>
-              <a:t>:</a:t>
-            </a:r>
-          </a:p>
-          <a:p>
-            <a:pPr lvl="1">
-              <a:buFont typeface="Arial" panose="020B0604020202020204" pitchFamily="34" charset="0"/>
-              <a:buChar char="•"/>
-            </a:pPr>
-            <a:r>
-              <a:rPr lang="de-DE" dirty="0"/>
-              <a:t>Erweitere die .</a:t>
-            </a:r>
-            <a:r>
-              <a:rPr lang="de-DE" dirty="0" err="1"/>
-              <a:t>gitlab-ci.yml</a:t>
-            </a:r>
-            <a:r>
-              <a:rPr lang="de-DE" dirty="0"/>
-              <a:t>, um zwei Stages (</a:t>
-            </a:r>
-            <a:r>
-              <a:rPr lang="de-DE" dirty="0" err="1"/>
-              <a:t>build</a:t>
-            </a:r>
-            <a:r>
-              <a:rPr lang="de-DE" dirty="0"/>
-              <a:t> und </a:t>
-            </a:r>
-            <a:r>
-              <a:rPr lang="de-DE" dirty="0" err="1"/>
-              <a:t>test</a:t>
-            </a:r>
-            <a:r>
-              <a:rPr lang="de-DE" dirty="0"/>
-              <a:t>) zu definieren.</a:t>
-            </a:r>
-          </a:p>
-          <a:p>
-            <a:pPr lvl="1">
-              <a:buFont typeface="Arial" panose="020B0604020202020204" pitchFamily="34" charset="0"/>
-              <a:buChar char="•"/>
-            </a:pPr>
-            <a:r>
-              <a:rPr lang="de-DE" dirty="0"/>
-              <a:t>Füge einen Job in der </a:t>
-            </a:r>
-            <a:r>
-              <a:rPr lang="de-DE" dirty="0" err="1"/>
-              <a:t>build</a:t>
-            </a:r>
-            <a:r>
-              <a:rPr lang="de-DE" dirty="0"/>
-              <a:t>-Stage hinzu, der eine Dummy-Datei erstellt.</a:t>
-            </a:r>
-          </a:p>
-          <a:p>
-            <a:pPr lvl="1">
-              <a:buFont typeface="Arial" panose="020B0604020202020204" pitchFamily="34" charset="0"/>
-              <a:buChar char="•"/>
-            </a:pPr>
-            <a:r>
-              <a:rPr lang="de-DE" dirty="0"/>
-              <a:t>Füge einen Job in der test-Stage hinzu, der diese Datei überprüft.</a:t>
-            </a:r>
-          </a:p>
-          <a:p>
-            <a:pPr>
-              <a:buFont typeface="Arial" panose="020B0604020202020204" pitchFamily="34" charset="0"/>
-              <a:buChar char="•"/>
-            </a:pPr>
-            <a:endParaRPr lang="de-DE" dirty="0"/>
-          </a:p>
-          <a:p>
-            <a:pPr lvl="1">
-              <a:buFont typeface="Arial" panose="020B0604020202020204" pitchFamily="34" charset="0"/>
-              <a:buChar char="•"/>
-            </a:pPr>
-            <a:endParaRPr lang="de-DE" dirty="0"/>
-          </a:p>
-        </p:txBody>
-      </p:sp>
-    </p:spTree>
-    <p:extLst>
-      <p:ext uri="{BB962C8B-B14F-4D97-AF65-F5344CB8AC3E}">
-        <p14:creationId xmlns:p14="http://schemas.microsoft.com/office/powerpoint/2010/main" val="48991013"/>
-      </p:ext>
-    </p:extLst>
-  </p:cSld>
-  <p:clrMapOvr>
-    <a:masterClrMapping/>
-  </p:clrMapOvr>
-</p:sld>
-</file>
-
-<file path=ppt/slides/slide18.xml><?xml version="1.0" encoding="utf-8"?>
-<p:sld xmlns:a="http://schemas.openxmlformats.org/drawingml/2006/main" xmlns:r="http://schemas.openxmlformats.org/officeDocument/2006/relationships" xmlns:p="http://schemas.openxmlformats.org/presentationml/2006/main">
-  <p:cSld>
-    <p:spTree>
-      <p:nvGrpSpPr>
-        <p:cNvPr id="1" name=""/>
-        <p:cNvGrpSpPr/>
-        <p:nvPr/>
-      </p:nvGrpSpPr>
-      <p:grpSpPr>
-        <a:xfrm>
-          <a:off x="0" y="0"/>
-          <a:ext cx="0" cy="0"/>
-          <a:chOff x="0" y="0"/>
-          <a:chExt cx="0" cy="0"/>
-        </a:xfrm>
-      </p:grpSpPr>
-      <p:sp>
-        <p:nvSpPr>
-          <p:cNvPr id="2" name="Titel 1">
-            <a:extLst>
-              <a:ext uri="{FF2B5EF4-FFF2-40B4-BE49-F238E27FC236}">
-                <a16:creationId xmlns:a16="http://schemas.microsoft.com/office/drawing/2014/main" id="{A2A2EB4E-4B87-3A94-66CB-0424D340A9D6}"/>
-              </a:ext>
-            </a:extLst>
-          </p:cNvPr>
-          <p:cNvSpPr>
-            <a:spLocks noGrp="1"/>
-          </p:cNvSpPr>
-          <p:nvPr>
-            <p:ph type="title"/>
-          </p:nvPr>
-        </p:nvSpPr>
-        <p:spPr/>
-        <p:txBody>
-          <a:bodyPr/>
-          <a:lstStyle/>
-          <a:p>
-            <a:r>
-              <a:rPr lang="de-DE" dirty="0"/>
-              <a:t>CI/CD</a:t>
-            </a:r>
-          </a:p>
-        </p:txBody>
-      </p:sp>
-      <p:sp>
-        <p:nvSpPr>
-          <p:cNvPr id="10" name="Inhaltsplatzhalter 2">
-            <a:extLst>
-              <a:ext uri="{FF2B5EF4-FFF2-40B4-BE49-F238E27FC236}">
-                <a16:creationId xmlns:a16="http://schemas.microsoft.com/office/drawing/2014/main" id="{F2E8AEA4-8F06-E96C-F551-3CA6B4EF1E8C}"/>
-              </a:ext>
-            </a:extLst>
-          </p:cNvPr>
-          <p:cNvSpPr>
-            <a:spLocks noGrp="1"/>
-          </p:cNvSpPr>
-          <p:nvPr>
-            <p:ph idx="1"/>
-          </p:nvPr>
-        </p:nvSpPr>
-        <p:spPr>
-          <a:xfrm>
-            <a:off x="303213" y="981075"/>
-            <a:ext cx="8516937" cy="5400675"/>
-          </a:xfrm>
-        </p:spPr>
-        <p:txBody>
-          <a:bodyPr/>
-          <a:lstStyle/>
-          <a:p>
-            <a:pPr marL="0" indent="0">
-              <a:buNone/>
-            </a:pPr>
-            <a:r>
-              <a:rPr lang="de-DE" b="1" dirty="0"/>
               <a:t>Aufgabe 2: Verwendung von Stages</a:t>
             </a:r>
             <a:endParaRPr lang="de-DE" dirty="0"/>
@@ -11058,6 +10902,218 @@
     <p:extLst>
       <p:ext uri="{BB962C8B-B14F-4D97-AF65-F5344CB8AC3E}">
         <p14:creationId xmlns:p14="http://schemas.microsoft.com/office/powerpoint/2010/main" val="3101531415"/>
+      </p:ext>
+    </p:extLst>
+  </p:cSld>
+  <p:clrMapOvr>
+    <a:masterClrMapping/>
+  </p:clrMapOvr>
+</p:sld>
+</file>
+
+<file path=ppt/slides/slide18.xml><?xml version="1.0" encoding="utf-8"?>
+<p:sld xmlns:a="http://schemas.openxmlformats.org/drawingml/2006/main" xmlns:r="http://schemas.openxmlformats.org/officeDocument/2006/relationships" xmlns:p="http://schemas.openxmlformats.org/presentationml/2006/main">
+  <p:cSld>
+    <p:spTree>
+      <p:nvGrpSpPr>
+        <p:cNvPr id="1" name=""/>
+        <p:cNvGrpSpPr/>
+        <p:nvPr/>
+      </p:nvGrpSpPr>
+      <p:grpSpPr>
+        <a:xfrm>
+          <a:off x="0" y="0"/>
+          <a:ext cx="0" cy="0"/>
+          <a:chOff x="0" y="0"/>
+          <a:chExt cx="0" cy="0"/>
+        </a:xfrm>
+      </p:grpSpPr>
+      <p:sp>
+        <p:nvSpPr>
+          <p:cNvPr id="2" name="Titel 1">
+            <a:extLst>
+              <a:ext uri="{FF2B5EF4-FFF2-40B4-BE49-F238E27FC236}">
+                <a16:creationId xmlns:a16="http://schemas.microsoft.com/office/drawing/2014/main" id="{A665D894-C205-240B-EACE-153832C5C589}"/>
+              </a:ext>
+            </a:extLst>
+          </p:cNvPr>
+          <p:cNvSpPr>
+            <a:spLocks noGrp="1"/>
+          </p:cNvSpPr>
+          <p:nvPr>
+            <p:ph type="title"/>
+          </p:nvPr>
+        </p:nvSpPr>
+        <p:spPr/>
+        <p:txBody>
+          <a:bodyPr/>
+          <a:lstStyle/>
+          <a:p>
+            <a:r>
+              <a:rPr lang="de-DE" dirty="0"/>
+              <a:t>CI/CD</a:t>
+            </a:r>
+          </a:p>
+        </p:txBody>
+      </p:sp>
+      <p:sp>
+        <p:nvSpPr>
+          <p:cNvPr id="3" name="Inhaltsplatzhalter 2">
+            <a:extLst>
+              <a:ext uri="{FF2B5EF4-FFF2-40B4-BE49-F238E27FC236}">
+                <a16:creationId xmlns:a16="http://schemas.microsoft.com/office/drawing/2014/main" id="{77E2263B-B497-253E-3C49-6BDD6C0EE524}"/>
+              </a:ext>
+            </a:extLst>
+          </p:cNvPr>
+          <p:cNvSpPr>
+            <a:spLocks noGrp="1"/>
+          </p:cNvSpPr>
+          <p:nvPr>
+            <p:ph idx="1"/>
+          </p:nvPr>
+        </p:nvSpPr>
+        <p:spPr/>
+        <p:txBody>
+          <a:bodyPr/>
+          <a:lstStyle/>
+          <a:p>
+            <a:pPr marL="0" indent="0">
+              <a:buNone/>
+            </a:pPr>
+            <a:r>
+              <a:rPr lang="de-DE" b="1" dirty="0" err="1"/>
+              <a:t>Artifacts</a:t>
+            </a:r>
+            <a:endParaRPr lang="de-DE" b="1" dirty="0"/>
+          </a:p>
+          <a:p>
+            <a:pPr>
+              <a:buFont typeface="Arial" panose="020B0604020202020204" pitchFamily="34" charset="0"/>
+              <a:buChar char="•"/>
+            </a:pPr>
+            <a:r>
+              <a:rPr lang="de-DE" dirty="0"/>
+              <a:t>Dateien aus CI/CD-Pipelines (</a:t>
+            </a:r>
+            <a:r>
+              <a:rPr lang="de-DE" dirty="0" err="1"/>
+              <a:t>Build</a:t>
+            </a:r>
+            <a:r>
+              <a:rPr lang="de-DE" dirty="0"/>
+              <a:t>-Ergebnisse, Testberichte, Logs) </a:t>
+            </a:r>
+          </a:p>
+          <a:p>
+            <a:pPr>
+              <a:buFont typeface="Arial" panose="020B0604020202020204" pitchFamily="34" charset="0"/>
+              <a:buChar char="•"/>
+            </a:pPr>
+            <a:r>
+              <a:rPr lang="de-DE" dirty="0"/>
+              <a:t>Dateien bleiben für eine gewisse Zeit verfügbar</a:t>
+            </a:r>
+          </a:p>
+          <a:p>
+            <a:pPr>
+              <a:buFont typeface="Arial" panose="020B0604020202020204" pitchFamily="34" charset="0"/>
+              <a:buChar char="•"/>
+            </a:pPr>
+            <a:r>
+              <a:rPr lang="de-DE" dirty="0"/>
+              <a:t>Zugriff</a:t>
+            </a:r>
+          </a:p>
+          <a:p>
+            <a:pPr lvl="1">
+              <a:buFont typeface="Arial" panose="020B0604020202020204" pitchFamily="34" charset="0"/>
+              <a:buChar char="•"/>
+            </a:pPr>
+            <a:r>
+              <a:rPr lang="de-DE" dirty="0"/>
+              <a:t>Download über </a:t>
+            </a:r>
+            <a:r>
+              <a:rPr lang="de-DE" dirty="0" err="1"/>
+              <a:t>Gitlab</a:t>
+            </a:r>
+            <a:r>
+              <a:rPr lang="de-DE" dirty="0"/>
+              <a:t>-Webinterface</a:t>
+            </a:r>
+          </a:p>
+          <a:p>
+            <a:pPr lvl="1">
+              <a:buFont typeface="Arial" panose="020B0604020202020204" pitchFamily="34" charset="0"/>
+              <a:buChar char="•"/>
+            </a:pPr>
+            <a:r>
+              <a:rPr lang="de-DE" dirty="0"/>
+              <a:t>Weitergabe zwischen Jobs</a:t>
+            </a:r>
+          </a:p>
+          <a:p>
+            <a:pPr>
+              <a:buFont typeface="Arial" panose="020B0604020202020204" pitchFamily="34" charset="0"/>
+              <a:buChar char="•"/>
+            </a:pPr>
+            <a:r>
+              <a:rPr lang="de-DE" dirty="0"/>
+              <a:t>Arten von </a:t>
+            </a:r>
+            <a:r>
+              <a:rPr lang="de-DE" dirty="0" err="1"/>
+              <a:t>Artifacts</a:t>
+            </a:r>
+            <a:r>
+              <a:rPr lang="de-DE" dirty="0"/>
+              <a:t>:</a:t>
+            </a:r>
+          </a:p>
+          <a:p>
+            <a:pPr lvl="1">
+              <a:buFont typeface="Arial" panose="020B0604020202020204" pitchFamily="34" charset="0"/>
+              <a:buChar char="•"/>
+            </a:pPr>
+            <a:r>
+              <a:rPr lang="de-DE" dirty="0"/>
+              <a:t>Standard-</a:t>
+            </a:r>
+            <a:r>
+              <a:rPr lang="de-DE" dirty="0" err="1"/>
+              <a:t>Artifacts</a:t>
+            </a:r>
+            <a:r>
+              <a:rPr lang="de-DE" dirty="0"/>
+              <a:t>: Allgemeine Dateien</a:t>
+            </a:r>
+          </a:p>
+          <a:p>
+            <a:pPr lvl="1">
+              <a:buFont typeface="Arial" panose="020B0604020202020204" pitchFamily="34" charset="0"/>
+              <a:buChar char="•"/>
+            </a:pPr>
+            <a:r>
+              <a:rPr lang="de-DE" dirty="0"/>
+              <a:t>Reports: Test-, Sicherheits-, Qualitätsberichte</a:t>
+            </a:r>
+          </a:p>
+          <a:p>
+            <a:pPr lvl="1">
+              <a:buFont typeface="Arial" panose="020B0604020202020204" pitchFamily="34" charset="0"/>
+              <a:buChar char="•"/>
+            </a:pPr>
+            <a:r>
+              <a:rPr lang="de-DE" dirty="0"/>
+              <a:t>Cache: Temporäre Dateien</a:t>
+            </a:r>
+          </a:p>
+        </p:txBody>
+      </p:sp>
+    </p:spTree>
+    <p:extLst>
+      <p:ext uri="{BB962C8B-B14F-4D97-AF65-F5344CB8AC3E}">
+        <p14:creationId xmlns:p14="http://schemas.microsoft.com/office/powerpoint/2010/main" val="1013336293"/>
       </p:ext>
     </p:extLst>
   </p:cSld>
@@ -11142,134 +11198,427 @@
             </a:r>
             <a:endParaRPr lang="de-DE" b="1" dirty="0"/>
           </a:p>
-          <a:p>
-            <a:pPr>
-              <a:buFont typeface="Arial" panose="020B0604020202020204" pitchFamily="34" charset="0"/>
-              <a:buChar char="•"/>
-            </a:pPr>
-            <a:r>
-              <a:rPr lang="de-DE" dirty="0"/>
-              <a:t>Dateien aus CI/CD-Pipelines (</a:t>
-            </a:r>
-            <a:r>
-              <a:rPr lang="de-DE" dirty="0" err="1"/>
-              <a:t>Build</a:t>
-            </a:r>
-            <a:r>
-              <a:rPr lang="de-DE" dirty="0"/>
-              <a:t>-Ergebnisse, Testberichte, Logs) </a:t>
-            </a:r>
-          </a:p>
-          <a:p>
-            <a:pPr>
-              <a:buFont typeface="Arial" panose="020B0604020202020204" pitchFamily="34" charset="0"/>
-              <a:buChar char="•"/>
-            </a:pPr>
-            <a:r>
-              <a:rPr lang="de-DE" dirty="0"/>
-              <a:t>Dateien bleiben für eine gewisse Zeit verfügbar</a:t>
-            </a:r>
-          </a:p>
-          <a:p>
-            <a:pPr>
-              <a:buFont typeface="Arial" panose="020B0604020202020204" pitchFamily="34" charset="0"/>
-              <a:buChar char="•"/>
-            </a:pPr>
-            <a:r>
-              <a:rPr lang="de-DE" dirty="0"/>
-              <a:t>Zugriff</a:t>
-            </a:r>
-          </a:p>
-          <a:p>
-            <a:pPr lvl="1">
-              <a:buFont typeface="Arial" panose="020B0604020202020204" pitchFamily="34" charset="0"/>
-              <a:buChar char="•"/>
-            </a:pPr>
-            <a:r>
-              <a:rPr lang="de-DE" dirty="0"/>
-              <a:t>Download über </a:t>
-            </a:r>
-            <a:r>
-              <a:rPr lang="de-DE" dirty="0" err="1"/>
-              <a:t>Gitlab</a:t>
-            </a:r>
-            <a:r>
-              <a:rPr lang="de-DE" dirty="0"/>
-              <a:t>-Webinterface</a:t>
-            </a:r>
-          </a:p>
-          <a:p>
-            <a:pPr lvl="1">
-              <a:buFont typeface="Arial" panose="020B0604020202020204" pitchFamily="34" charset="0"/>
-              <a:buChar char="•"/>
-            </a:pPr>
-            <a:r>
-              <a:rPr lang="de-DE" dirty="0"/>
-              <a:t>Weitergabe zwischen Jobs</a:t>
-            </a:r>
-          </a:p>
-          <a:p>
-            <a:pPr>
-              <a:buFont typeface="Arial" panose="020B0604020202020204" pitchFamily="34" charset="0"/>
-              <a:buChar char="•"/>
-            </a:pPr>
-            <a:r>
-              <a:rPr lang="de-DE" dirty="0"/>
-              <a:t>Arten von </a:t>
-            </a:r>
-            <a:r>
-              <a:rPr lang="de-DE" dirty="0" err="1"/>
-              <a:t>Artifacts</a:t>
-            </a:r>
-            <a:r>
-              <a:rPr lang="de-DE" dirty="0"/>
+        </p:txBody>
+      </p:sp>
+      <p:sp>
+        <p:nvSpPr>
+          <p:cNvPr id="9" name="Textfeld 8">
+            <a:extLst>
+              <a:ext uri="{FF2B5EF4-FFF2-40B4-BE49-F238E27FC236}">
+                <a16:creationId xmlns:a16="http://schemas.microsoft.com/office/drawing/2014/main" id="{5D961818-9FFA-849E-34B2-1211D00DCA0E}"/>
+              </a:ext>
+            </a:extLst>
+          </p:cNvPr>
+          <p:cNvSpPr txBox="1"/>
+          <p:nvPr/>
+        </p:nvSpPr>
+        <p:spPr bwMode="auto">
+          <a:xfrm>
+            <a:off x="1907704" y="1844824"/>
+            <a:ext cx="6528062" cy="3416320"/>
+          </a:xfrm>
+          <a:prstGeom prst="rect">
+            <a:avLst/>
+          </a:prstGeom>
+          <a:noFill/>
+          <a:ln w="9525">
+            <a:noFill/>
+            <a:miter lim="800000"/>
+            <a:headEnd/>
+            <a:tailEnd/>
+          </a:ln>
+        </p:spPr>
+        <p:txBody>
+          <a:bodyPr wrap="square">
+            <a:spAutoFit/>
+          </a:bodyPr>
+          <a:lstStyle/>
+          <a:p>
+            <a:r>
+              <a:rPr lang="en-US" b="0" dirty="0">
+                <a:solidFill>
+                  <a:srgbClr val="800000"/>
+                </a:solidFill>
+                <a:effectLst/>
+                <a:highlight>
+                  <a:srgbClr val="FFFFFF"/>
+                </a:highlight>
+                <a:latin typeface="Consolas" panose="020B0609020204030204" pitchFamily="49" charset="0"/>
+              </a:rPr>
+              <a:t>stages</a:t>
+            </a:r>
+            <a:r>
+              <a:rPr lang="en-US" b="0" dirty="0">
+                <a:solidFill>
+                  <a:srgbClr val="3B3B3B"/>
+                </a:solidFill>
+                <a:effectLst/>
+                <a:highlight>
+                  <a:srgbClr val="FFFFFF"/>
+                </a:highlight>
+                <a:latin typeface="Consolas" panose="020B0609020204030204" pitchFamily="49" charset="0"/>
+              </a:rPr>
               <a:t>:</a:t>
             </a:r>
           </a:p>
           <a:p>
-            <a:pPr lvl="1">
-              <a:buFont typeface="Arial" panose="020B0604020202020204" pitchFamily="34" charset="0"/>
-              <a:buChar char="•"/>
-            </a:pPr>
-            <a:r>
-              <a:rPr lang="de-DE" dirty="0"/>
-              <a:t>Standard-</a:t>
-            </a:r>
-            <a:r>
-              <a:rPr lang="de-DE" dirty="0" err="1"/>
-              <a:t>Artifacts</a:t>
-            </a:r>
-            <a:r>
-              <a:rPr lang="de-DE" dirty="0"/>
-              <a:t>: Allgemeine Dateien</a:t>
-            </a:r>
-          </a:p>
-          <a:p>
-            <a:pPr lvl="1">
-              <a:buFont typeface="Arial" panose="020B0604020202020204" pitchFamily="34" charset="0"/>
-              <a:buChar char="•"/>
-            </a:pPr>
-            <a:r>
-              <a:rPr lang="de-DE" dirty="0"/>
-              <a:t>Reports: Test-, Sicherheits-, Qualitätsberichte</a:t>
-            </a:r>
-          </a:p>
-          <a:p>
-            <a:pPr lvl="1">
-              <a:buFont typeface="Arial" panose="020B0604020202020204" pitchFamily="34" charset="0"/>
-              <a:buChar char="•"/>
-            </a:pPr>
-            <a:r>
-              <a:rPr lang="de-DE" dirty="0"/>
-              <a:t>Cache: Temporäre Dateien</a:t>
-            </a:r>
+            <a:r>
+              <a:rPr lang="en-US" b="0" dirty="0">
+                <a:solidFill>
+                  <a:srgbClr val="3B3B3B"/>
+                </a:solidFill>
+                <a:effectLst/>
+                <a:highlight>
+                  <a:srgbClr val="FFFFFF"/>
+                </a:highlight>
+                <a:latin typeface="Consolas" panose="020B0609020204030204" pitchFamily="49" charset="0"/>
+              </a:rPr>
+              <a:t>  - </a:t>
+            </a:r>
+            <a:r>
+              <a:rPr lang="en-US" b="0" dirty="0">
+                <a:solidFill>
+                  <a:srgbClr val="0000FF"/>
+                </a:solidFill>
+                <a:effectLst/>
+                <a:highlight>
+                  <a:srgbClr val="FFFFFF"/>
+                </a:highlight>
+                <a:latin typeface="Consolas" panose="020B0609020204030204" pitchFamily="49" charset="0"/>
+              </a:rPr>
+              <a:t>build</a:t>
+            </a:r>
+            <a:endParaRPr lang="en-US" b="0" dirty="0">
+              <a:solidFill>
+                <a:srgbClr val="3B3B3B"/>
+              </a:solidFill>
+              <a:effectLst/>
+              <a:highlight>
+                <a:srgbClr val="FFFFFF"/>
+              </a:highlight>
+              <a:latin typeface="Consolas" panose="020B0609020204030204" pitchFamily="49" charset="0"/>
+            </a:endParaRPr>
+          </a:p>
+          <a:p>
+            <a:br>
+              <a:rPr lang="en-US" b="0" dirty="0">
+                <a:solidFill>
+                  <a:srgbClr val="3B3B3B"/>
+                </a:solidFill>
+                <a:effectLst/>
+                <a:highlight>
+                  <a:srgbClr val="FFFFFF"/>
+                </a:highlight>
+                <a:latin typeface="Consolas" panose="020B0609020204030204" pitchFamily="49" charset="0"/>
+              </a:rPr>
+            </a:br>
+            <a:r>
+              <a:rPr lang="en-US" b="0" dirty="0">
+                <a:solidFill>
+                  <a:srgbClr val="800000"/>
+                </a:solidFill>
+                <a:effectLst/>
+                <a:highlight>
+                  <a:srgbClr val="FFFFFF"/>
+                </a:highlight>
+                <a:latin typeface="Consolas" panose="020B0609020204030204" pitchFamily="49" charset="0"/>
+              </a:rPr>
+              <a:t>pdf</a:t>
+            </a:r>
+            <a:r>
+              <a:rPr lang="en-US" b="0" dirty="0">
+                <a:solidFill>
+                  <a:srgbClr val="3B3B3B"/>
+                </a:solidFill>
+                <a:effectLst/>
+                <a:highlight>
+                  <a:srgbClr val="FFFFFF"/>
+                </a:highlight>
+                <a:latin typeface="Consolas" panose="020B0609020204030204" pitchFamily="49" charset="0"/>
+              </a:rPr>
+              <a:t>:</a:t>
+            </a:r>
+          </a:p>
+          <a:p>
+            <a:r>
+              <a:rPr lang="en-US" b="0" dirty="0">
+                <a:solidFill>
+                  <a:srgbClr val="3B3B3B"/>
+                </a:solidFill>
+                <a:effectLst/>
+                <a:highlight>
+                  <a:srgbClr val="FFFFFF"/>
+                </a:highlight>
+                <a:latin typeface="Consolas" panose="020B0609020204030204" pitchFamily="49" charset="0"/>
+              </a:rPr>
+              <a:t>  </a:t>
+            </a:r>
+            <a:r>
+              <a:rPr lang="en-US" b="0" dirty="0">
+                <a:solidFill>
+                  <a:srgbClr val="800000"/>
+                </a:solidFill>
+                <a:effectLst/>
+                <a:highlight>
+                  <a:srgbClr val="FFFFFF"/>
+                </a:highlight>
+                <a:latin typeface="Consolas" panose="020B0609020204030204" pitchFamily="49" charset="0"/>
+              </a:rPr>
+              <a:t>stage</a:t>
+            </a:r>
+            <a:r>
+              <a:rPr lang="en-US" b="0" dirty="0">
+                <a:solidFill>
+                  <a:srgbClr val="3B3B3B"/>
+                </a:solidFill>
+                <a:effectLst/>
+                <a:highlight>
+                  <a:srgbClr val="FFFFFF"/>
+                </a:highlight>
+                <a:latin typeface="Consolas" panose="020B0609020204030204" pitchFamily="49" charset="0"/>
+              </a:rPr>
+              <a:t>: </a:t>
+            </a:r>
+            <a:r>
+              <a:rPr lang="en-US" b="0" dirty="0">
+                <a:solidFill>
+                  <a:srgbClr val="0000FF"/>
+                </a:solidFill>
+                <a:effectLst/>
+                <a:highlight>
+                  <a:srgbClr val="FFFFFF"/>
+                </a:highlight>
+                <a:latin typeface="Consolas" panose="020B0609020204030204" pitchFamily="49" charset="0"/>
+              </a:rPr>
+              <a:t>build</a:t>
+            </a:r>
+            <a:endParaRPr lang="en-US" b="0" dirty="0">
+              <a:solidFill>
+                <a:srgbClr val="3B3B3B"/>
+              </a:solidFill>
+              <a:effectLst/>
+              <a:highlight>
+                <a:srgbClr val="FFFFFF"/>
+              </a:highlight>
+              <a:latin typeface="Consolas" panose="020B0609020204030204" pitchFamily="49" charset="0"/>
+            </a:endParaRPr>
+          </a:p>
+          <a:p>
+            <a:r>
+              <a:rPr lang="en-US" b="0" dirty="0">
+                <a:solidFill>
+                  <a:srgbClr val="3B3B3B"/>
+                </a:solidFill>
+                <a:effectLst/>
+                <a:highlight>
+                  <a:srgbClr val="FFFFFF"/>
+                </a:highlight>
+                <a:latin typeface="Consolas" panose="020B0609020204030204" pitchFamily="49" charset="0"/>
+              </a:rPr>
+              <a:t>  </a:t>
+            </a:r>
+            <a:r>
+              <a:rPr lang="en-US" b="0" dirty="0">
+                <a:solidFill>
+                  <a:srgbClr val="800000"/>
+                </a:solidFill>
+                <a:effectLst/>
+                <a:highlight>
+                  <a:srgbClr val="FFFFFF"/>
+                </a:highlight>
+                <a:latin typeface="Consolas" panose="020B0609020204030204" pitchFamily="49" charset="0"/>
+              </a:rPr>
+              <a:t>script</a:t>
+            </a:r>
+            <a:r>
+              <a:rPr lang="en-US" b="0" dirty="0">
+                <a:solidFill>
+                  <a:srgbClr val="3B3B3B"/>
+                </a:solidFill>
+                <a:effectLst/>
+                <a:highlight>
+                  <a:srgbClr val="FFFFFF"/>
+                </a:highlight>
+                <a:latin typeface="Consolas" panose="020B0609020204030204" pitchFamily="49" charset="0"/>
+              </a:rPr>
+              <a:t>: </a:t>
+            </a:r>
+            <a:r>
+              <a:rPr lang="en-US" b="0" dirty="0" err="1">
+                <a:solidFill>
+                  <a:srgbClr val="0000FF"/>
+                </a:solidFill>
+                <a:effectLst/>
+                <a:highlight>
+                  <a:srgbClr val="FFFFFF"/>
+                </a:highlight>
+                <a:latin typeface="Consolas" panose="020B0609020204030204" pitchFamily="49" charset="0"/>
+              </a:rPr>
+              <a:t>xelatex</a:t>
+            </a:r>
+            <a:r>
+              <a:rPr lang="en-US" b="0" dirty="0">
+                <a:solidFill>
+                  <a:srgbClr val="0000FF"/>
+                </a:solidFill>
+                <a:effectLst/>
+                <a:highlight>
+                  <a:srgbClr val="FFFFFF"/>
+                </a:highlight>
+                <a:latin typeface="Consolas" panose="020B0609020204030204" pitchFamily="49" charset="0"/>
+              </a:rPr>
+              <a:t> </a:t>
+            </a:r>
+            <a:r>
+              <a:rPr lang="en-US" b="0" dirty="0" err="1">
+                <a:solidFill>
+                  <a:srgbClr val="0000FF"/>
+                </a:solidFill>
+                <a:effectLst/>
+                <a:highlight>
+                  <a:srgbClr val="FFFFFF"/>
+                </a:highlight>
+                <a:latin typeface="Consolas" panose="020B0609020204030204" pitchFamily="49" charset="0"/>
+              </a:rPr>
+              <a:t>mycv.tex</a:t>
+            </a:r>
+            <a:endParaRPr lang="en-US" b="0" dirty="0">
+              <a:solidFill>
+                <a:srgbClr val="3B3B3B"/>
+              </a:solidFill>
+              <a:effectLst/>
+              <a:highlight>
+                <a:srgbClr val="FFFFFF"/>
+              </a:highlight>
+              <a:latin typeface="Consolas" panose="020B0609020204030204" pitchFamily="49" charset="0"/>
+            </a:endParaRPr>
+          </a:p>
+          <a:p>
+            <a:r>
+              <a:rPr lang="en-US" b="0" dirty="0">
+                <a:solidFill>
+                  <a:srgbClr val="3B3B3B"/>
+                </a:solidFill>
+                <a:effectLst/>
+                <a:highlight>
+                  <a:srgbClr val="FFFFFF"/>
+                </a:highlight>
+                <a:latin typeface="Consolas" panose="020B0609020204030204" pitchFamily="49" charset="0"/>
+              </a:rPr>
+              <a:t>  </a:t>
+            </a:r>
+            <a:r>
+              <a:rPr lang="en-US" b="0" dirty="0">
+                <a:solidFill>
+                  <a:srgbClr val="800000"/>
+                </a:solidFill>
+                <a:effectLst/>
+                <a:highlight>
+                  <a:srgbClr val="FFFFFF"/>
+                </a:highlight>
+                <a:latin typeface="Consolas" panose="020B0609020204030204" pitchFamily="49" charset="0"/>
+              </a:rPr>
+              <a:t>artifacts</a:t>
+            </a:r>
+            <a:r>
+              <a:rPr lang="en-US" b="0" dirty="0">
+                <a:solidFill>
+                  <a:srgbClr val="3B3B3B"/>
+                </a:solidFill>
+                <a:effectLst/>
+                <a:highlight>
+                  <a:srgbClr val="FFFFFF"/>
+                </a:highlight>
+                <a:latin typeface="Consolas" panose="020B0609020204030204" pitchFamily="49" charset="0"/>
+              </a:rPr>
+              <a:t>:</a:t>
+            </a:r>
+          </a:p>
+          <a:p>
+            <a:r>
+              <a:rPr lang="en-US" b="0" dirty="0">
+                <a:solidFill>
+                  <a:srgbClr val="3B3B3B"/>
+                </a:solidFill>
+                <a:effectLst/>
+                <a:highlight>
+                  <a:srgbClr val="FFFFFF"/>
+                </a:highlight>
+                <a:latin typeface="Consolas" panose="020B0609020204030204" pitchFamily="49" charset="0"/>
+              </a:rPr>
+              <a:t>    </a:t>
+            </a:r>
+            <a:r>
+              <a:rPr lang="en-US" b="0" dirty="0">
+                <a:solidFill>
+                  <a:srgbClr val="800000"/>
+                </a:solidFill>
+                <a:effectLst/>
+                <a:highlight>
+                  <a:srgbClr val="FFFFFF"/>
+                </a:highlight>
+                <a:latin typeface="Consolas" panose="020B0609020204030204" pitchFamily="49" charset="0"/>
+              </a:rPr>
+              <a:t>paths</a:t>
+            </a:r>
+            <a:r>
+              <a:rPr lang="en-US" b="0" dirty="0">
+                <a:solidFill>
+                  <a:srgbClr val="3B3B3B"/>
+                </a:solidFill>
+                <a:effectLst/>
+                <a:highlight>
+                  <a:srgbClr val="FFFFFF"/>
+                </a:highlight>
+                <a:latin typeface="Consolas" panose="020B0609020204030204" pitchFamily="49" charset="0"/>
+              </a:rPr>
+              <a:t>:</a:t>
+            </a:r>
+          </a:p>
+          <a:p>
+            <a:r>
+              <a:rPr lang="en-US" b="0" dirty="0">
+                <a:solidFill>
+                  <a:srgbClr val="3B3B3B"/>
+                </a:solidFill>
+                <a:effectLst/>
+                <a:highlight>
+                  <a:srgbClr val="FFFFFF"/>
+                </a:highlight>
+                <a:latin typeface="Consolas" panose="020B0609020204030204" pitchFamily="49" charset="0"/>
+              </a:rPr>
+              <a:t>      - </a:t>
+            </a:r>
+            <a:r>
+              <a:rPr lang="en-US" b="0" dirty="0">
+                <a:solidFill>
+                  <a:srgbClr val="0000FF"/>
+                </a:solidFill>
+                <a:effectLst/>
+                <a:highlight>
+                  <a:srgbClr val="FFFFFF"/>
+                </a:highlight>
+                <a:latin typeface="Consolas" panose="020B0609020204030204" pitchFamily="49" charset="0"/>
+              </a:rPr>
+              <a:t>mycv.pdf</a:t>
+            </a:r>
+            <a:endParaRPr lang="en-US" b="0" dirty="0">
+              <a:solidFill>
+                <a:srgbClr val="3B3B3B"/>
+              </a:solidFill>
+              <a:effectLst/>
+              <a:highlight>
+                <a:srgbClr val="FFFFFF"/>
+              </a:highlight>
+              <a:latin typeface="Consolas" panose="020B0609020204030204" pitchFamily="49" charset="0"/>
+            </a:endParaRPr>
           </a:p>
         </p:txBody>
       </p:sp>
     </p:spTree>
     <p:extLst>
       <p:ext uri="{BB962C8B-B14F-4D97-AF65-F5344CB8AC3E}">
-        <p14:creationId xmlns:p14="http://schemas.microsoft.com/office/powerpoint/2010/main" val="1013336293"/>
+        <p14:creationId xmlns:p14="http://schemas.microsoft.com/office/powerpoint/2010/main" val="4003437883"/>
       </p:ext>
     </p:extLst>
   </p:cSld>
@@ -11321,7 +11670,132 @@
               <a:buFont typeface="Arial" panose="020B0604020202020204" pitchFamily="34" charset="0"/>
               <a:buChar char="•"/>
             </a:pPr>
-            <a:endParaRPr lang="de-DE" altLang="de-DE" sz="1800" b="1" dirty="0"/>
+            <a:r>
+              <a:rPr lang="de-DE" altLang="de-DE" sz="1800" b="1" dirty="0"/>
+              <a:t>Tag 1 – Einführung in </a:t>
+            </a:r>
+            <a:r>
+              <a:rPr lang="de-DE" altLang="de-DE" sz="1800" b="1" dirty="0" err="1"/>
+              <a:t>Git</a:t>
+            </a:r>
+            <a:r>
+              <a:rPr lang="de-DE" altLang="de-DE" sz="1800" b="1" dirty="0"/>
+              <a:t> und </a:t>
+            </a:r>
+            <a:r>
+              <a:rPr lang="de-DE" altLang="de-DE" sz="1800" b="1" dirty="0" err="1"/>
+              <a:t>GitLab</a:t>
+            </a:r>
+            <a:r>
+              <a:rPr lang="de-DE" altLang="de-DE" sz="1800" b="1" dirty="0"/>
+              <a:t>, </a:t>
+            </a:r>
+            <a:r>
+              <a:rPr lang="de-DE" altLang="de-DE" sz="1800" b="1" dirty="0" err="1"/>
+              <a:t>Git</a:t>
+            </a:r>
+            <a:r>
+              <a:rPr lang="de-DE" altLang="de-DE" sz="1800" b="1" dirty="0"/>
+              <a:t>-Workflow im Team</a:t>
+            </a:r>
+          </a:p>
+          <a:p>
+            <a:pPr lvl="1">
+              <a:buFont typeface="Arial" panose="020B0604020202020204" pitchFamily="34" charset="0"/>
+              <a:buChar char="•"/>
+            </a:pPr>
+            <a:r>
+              <a:rPr lang="de-DE" altLang="de-DE" sz="1400" dirty="0"/>
+              <a:t>Einführung &amp; Kursüberblick</a:t>
+            </a:r>
+          </a:p>
+          <a:p>
+            <a:pPr lvl="1">
+              <a:buFont typeface="Arial" panose="020B0604020202020204" pitchFamily="34" charset="0"/>
+              <a:buChar char="•"/>
+            </a:pPr>
+            <a:r>
+              <a:rPr lang="de-DE" altLang="de-DE" sz="1400" dirty="0"/>
+              <a:t>Grundlagen von </a:t>
+            </a:r>
+            <a:r>
+              <a:rPr lang="de-DE" altLang="de-DE" sz="1400" dirty="0" err="1"/>
+              <a:t>Git</a:t>
+            </a:r>
+            <a:endParaRPr lang="de-DE" altLang="de-DE" sz="1400" dirty="0"/>
+          </a:p>
+          <a:p>
+            <a:pPr lvl="1">
+              <a:buFont typeface="Arial" panose="020B0604020202020204" pitchFamily="34" charset="0"/>
+              <a:buChar char="•"/>
+            </a:pPr>
+            <a:r>
+              <a:rPr lang="de-DE" altLang="de-DE" sz="1400" dirty="0" err="1"/>
+              <a:t>Git</a:t>
+            </a:r>
+            <a:r>
+              <a:rPr lang="de-DE" altLang="de-DE" sz="1400" dirty="0"/>
+              <a:t> </a:t>
+            </a:r>
+            <a:r>
+              <a:rPr lang="de-DE" altLang="de-DE" sz="1400" dirty="0" err="1"/>
+              <a:t>Rebase</a:t>
+            </a:r>
+            <a:r>
+              <a:rPr lang="de-DE" altLang="de-DE" sz="1400" dirty="0"/>
+              <a:t> und </a:t>
+            </a:r>
+            <a:r>
+              <a:rPr lang="de-DE" altLang="de-DE" sz="1400" dirty="0" err="1"/>
+              <a:t>Merge</a:t>
+            </a:r>
+            <a:r>
+              <a:rPr lang="de-DE" altLang="de-DE" sz="1400" dirty="0"/>
+              <a:t>-Strategien</a:t>
+            </a:r>
+          </a:p>
+          <a:p>
+            <a:pPr lvl="1">
+              <a:buFont typeface="Arial" panose="020B0604020202020204" pitchFamily="34" charset="0"/>
+              <a:buChar char="•"/>
+            </a:pPr>
+            <a:r>
+              <a:rPr lang="de-DE" altLang="de-DE" sz="1400" dirty="0" err="1"/>
+              <a:t>Git</a:t>
+            </a:r>
+            <a:r>
+              <a:rPr lang="de-DE" altLang="de-DE" sz="1400" dirty="0"/>
+              <a:t> Remote</a:t>
+            </a:r>
+          </a:p>
+          <a:p>
+            <a:pPr lvl="1">
+              <a:buFont typeface="Arial" panose="020B0604020202020204" pitchFamily="34" charset="0"/>
+              <a:buChar char="•"/>
+            </a:pPr>
+            <a:r>
+              <a:rPr lang="de-DE" altLang="de-DE" sz="1400" dirty="0"/>
+              <a:t>Grundlagen von </a:t>
+            </a:r>
+            <a:r>
+              <a:rPr lang="de-DE" altLang="de-DE" sz="1400" dirty="0" err="1"/>
+              <a:t>GitLab</a:t>
+            </a:r>
+            <a:endParaRPr lang="de-DE" altLang="de-DE" sz="1400" dirty="0"/>
+          </a:p>
+          <a:p>
+            <a:pPr lvl="1">
+              <a:buFont typeface="Arial" panose="020B0604020202020204" pitchFamily="34" charset="0"/>
+              <a:buChar char="•"/>
+            </a:pPr>
+            <a:r>
+              <a:rPr lang="de-DE" altLang="de-DE" sz="1400" dirty="0" err="1"/>
+              <a:t>Git</a:t>
+            </a:r>
+            <a:r>
+              <a:rPr lang="de-DE" altLang="de-DE" sz="1400" dirty="0"/>
+              <a:t>-Workflow im Team</a:t>
+            </a:r>
           </a:p>
           <a:p>
             <a:pPr>
@@ -11330,7 +11804,7 @@
             </a:pPr>
             <a:r>
               <a:rPr lang="de-DE" altLang="de-DE" sz="1800" b="1" dirty="0"/>
-              <a:t>Tag 1 – Einführung in </a:t>
+              <a:t>Tag 2 – Vertiefung </a:t>
             </a:r>
             <a:r>
               <a:rPr lang="de-DE" altLang="de-DE" sz="1800" b="1" dirty="0" err="1"/>
@@ -11338,7 +11812,7 @@
             </a:r>
             <a:r>
               <a:rPr lang="de-DE" altLang="de-DE" sz="1800" b="1" dirty="0"/>
-              <a:t> und </a:t>
+              <a:t>-Workflow, CI/CD &amp; </a:t>
             </a:r>
             <a:r>
               <a:rPr lang="de-DE" altLang="de-DE" sz="1800" b="1" dirty="0" err="1"/>
@@ -11346,15 +11820,7 @@
             </a:r>
             <a:r>
               <a:rPr lang="de-DE" altLang="de-DE" sz="1800" b="1" dirty="0"/>
-              <a:t>, </a:t>
-            </a:r>
-            <a:r>
-              <a:rPr lang="de-DE" altLang="de-DE" sz="1800" b="1" dirty="0" err="1"/>
-              <a:t>Git</a:t>
-            </a:r>
-            <a:r>
-              <a:rPr lang="de-DE" altLang="de-DE" sz="1800" b="1" dirty="0"/>
-              <a:t>-Workflow im Team</a:t>
+              <a:t> CI </a:t>
             </a:r>
           </a:p>
           <a:p>
@@ -11363,8 +11829,12 @@
               <a:buChar char="•"/>
             </a:pPr>
             <a:r>
+              <a:rPr lang="de-DE" altLang="de-DE" sz="1400" dirty="0" err="1"/>
+              <a:t>Gitflow</a:t>
+            </a:r>
+            <a:r>
               <a:rPr lang="de-DE" altLang="de-DE" sz="1400" dirty="0"/>
-              <a:t>Einführung &amp; Kursüberblick</a:t>
+              <a:t>-Workflow</a:t>
             </a:r>
           </a:p>
           <a:p>
@@ -11374,21 +11844,8 @@
             </a:pPr>
             <a:r>
               <a:rPr lang="de-DE" altLang="de-DE" sz="1400" dirty="0"/>
-              <a:t>Grundlagen von </a:t>
-            </a:r>
-            <a:r>
-              <a:rPr lang="de-DE" altLang="de-DE" sz="1400" dirty="0" err="1"/>
-              <a:t>Git</a:t>
-            </a:r>
-            <a:r>
-              <a:rPr lang="de-DE" altLang="de-DE" sz="1400" dirty="0"/>
-              <a:t> und </a:t>
-            </a:r>
-            <a:r>
-              <a:rPr lang="de-DE" altLang="de-DE" sz="1400" dirty="0" err="1"/>
-              <a:t>GitLab</a:t>
-            </a:r>
-            <a:endParaRPr lang="de-DE" altLang="de-DE" sz="1400" dirty="0"/>
+              <a:t>Tags, Releases &amp; deren Verwaltung</a:t>
+            </a:r>
           </a:p>
           <a:p>
             <a:pPr lvl="1">
@@ -11397,27 +11854,11 @@
             </a:pPr>
             <a:r>
               <a:rPr lang="de-DE" altLang="de-DE" sz="1400" dirty="0" err="1"/>
-              <a:t>Git</a:t>
+              <a:t>GitLab</a:t>
             </a:r>
             <a:r>
               <a:rPr lang="de-DE" altLang="de-DE" sz="1400" dirty="0"/>
-              <a:t> </a:t>
-            </a:r>
-            <a:r>
-              <a:rPr lang="de-DE" altLang="de-DE" sz="1400" dirty="0" err="1"/>
-              <a:t>Rebase</a:t>
-            </a:r>
-            <a:r>
-              <a:rPr lang="de-DE" altLang="de-DE" sz="1400" dirty="0"/>
-              <a:t> &amp; </a:t>
-            </a:r>
-            <a:r>
-              <a:rPr lang="de-DE" altLang="de-DE" sz="1400" dirty="0" err="1"/>
-              <a:t>Merge</a:t>
-            </a:r>
-            <a:r>
-              <a:rPr lang="de-DE" altLang="de-DE" sz="1400" dirty="0"/>
-              <a:t>-Strategien</a:t>
+              <a:t>-Runner</a:t>
             </a:r>
           </a:p>
           <a:p>
@@ -11426,12 +11867,47 @@
               <a:buChar char="•"/>
             </a:pPr>
             <a:r>
-              <a:rPr lang="de-DE" altLang="de-DE" sz="1400" dirty="0" err="1"/>
-              <a:t>Git</a:t>
-            </a:r>
-            <a:r>
-              <a:rPr lang="de-DE" altLang="de-DE" sz="1400" dirty="0"/>
-              <a:t>-Workflow im Team</a:t>
+              <a:rPr lang="de-DE" altLang="de-DE" sz="1400" u="sng" dirty="0"/>
+              <a:t>Einführung in </a:t>
+            </a:r>
+            <a:r>
+              <a:rPr lang="de-DE" altLang="de-DE" sz="1400" u="sng" dirty="0" err="1"/>
+              <a:t>GitLab</a:t>
+            </a:r>
+            <a:r>
+              <a:rPr lang="de-DE" altLang="de-DE" sz="1400" u="sng" dirty="0"/>
+              <a:t> CI/CD &amp; </a:t>
+            </a:r>
+            <a:r>
+              <a:rPr lang="de-DE" altLang="de-DE" sz="1400" u="sng" dirty="0" err="1"/>
+              <a:t>gitlab.yml</a:t>
+            </a:r>
+            <a:endParaRPr lang="de-DE" altLang="de-DE" sz="1400" u="sng" dirty="0"/>
+          </a:p>
+          <a:p>
+            <a:pPr>
+              <a:buFont typeface="Arial" panose="020B0604020202020204" pitchFamily="34" charset="0"/>
+              <a:buChar char="•"/>
+            </a:pPr>
+            <a:r>
+              <a:rPr lang="de-DE" altLang="de-DE" sz="1800" b="1" dirty="0"/>
+              <a:t>Tag 3 – </a:t>
+            </a:r>
+            <a:r>
+              <a:rPr lang="de-DE" altLang="de-DE" sz="1800" b="1" dirty="0" err="1"/>
+              <a:t>GitOps</a:t>
+            </a:r>
+            <a:r>
+              <a:rPr lang="de-DE" altLang="de-DE" sz="1800" b="1" dirty="0"/>
+              <a:t>, Docker in der Entwicklung und </a:t>
+            </a:r>
+            <a:r>
+              <a:rPr lang="de-DE" altLang="de-DE" sz="1800" b="1" dirty="0" err="1"/>
+              <a:t>Deployment</a:t>
+            </a:r>
+            <a:r>
+              <a:rPr lang="de-DE" altLang="de-DE" sz="1800" b="1" dirty="0"/>
+              <a:t>-Strategien</a:t>
             </a:r>
           </a:p>
           <a:p>
@@ -11439,30 +11915,14 @@
               <a:buFont typeface="Arial" panose="020B0604020202020204" pitchFamily="34" charset="0"/>
               <a:buChar char="•"/>
             </a:pPr>
-            <a:endParaRPr lang="de-DE" altLang="de-DE" sz="1400" dirty="0"/>
-          </a:p>
-          <a:p>
-            <a:pPr>
-              <a:buFont typeface="Arial" panose="020B0604020202020204" pitchFamily="34" charset="0"/>
-              <a:buChar char="•"/>
-            </a:pPr>
-            <a:r>
-              <a:rPr lang="de-DE" altLang="de-DE" sz="1800" b="1" dirty="0"/>
-              <a:t>Tag 2 – Vertiefung </a:t>
-            </a:r>
-            <a:r>
-              <a:rPr lang="de-DE" altLang="de-DE" sz="1800" b="1" dirty="0" err="1"/>
-              <a:t>Git</a:t>
-            </a:r>
-            <a:r>
-              <a:rPr lang="de-DE" altLang="de-DE" sz="1800" b="1" dirty="0"/>
-              <a:t>-Workflow, CI/CD &amp; </a:t>
-            </a:r>
-            <a:r>
-              <a:rPr lang="de-DE" altLang="de-DE" sz="1800" b="1" dirty="0" err="1"/>
+            <a:r>
+              <a:rPr lang="de-DE" altLang="de-DE" sz="1400" dirty="0" err="1"/>
               <a:t>GitOps</a:t>
             </a:r>
-            <a:endParaRPr lang="de-DE" altLang="de-DE" sz="1800" b="1" dirty="0"/>
+            <a:r>
+              <a:rPr lang="de-DE" altLang="de-DE" sz="1400" dirty="0"/>
+              <a:t> Grundlagen</a:t>
+            </a:r>
           </a:p>
           <a:p>
             <a:pPr lvl="1">
@@ -11470,12 +11930,8 @@
               <a:buChar char="•"/>
             </a:pPr>
             <a:r>
-              <a:rPr lang="de-DE" altLang="de-DE" sz="1400" dirty="0" err="1"/>
-              <a:t>Gitflow</a:t>
-            </a:r>
-            <a:r>
               <a:rPr lang="de-DE" altLang="de-DE" sz="1400" dirty="0"/>
-              <a:t>-Workflow</a:t>
+              <a:t>Lokale Entwicklung mit Docker</a:t>
             </a:r>
           </a:p>
           <a:p>
@@ -11485,7 +11941,7 @@
             </a:pPr>
             <a:r>
               <a:rPr lang="de-DE" altLang="de-DE" sz="1400" dirty="0"/>
-              <a:t>Tags, Releases &amp; deren Verwaltung</a:t>
+              <a:t>Container/Docker-Registry</a:t>
             </a:r>
           </a:p>
           <a:p>
@@ -11495,21 +11951,16 @@
             </a:pPr>
             <a:r>
               <a:rPr lang="de-DE" altLang="de-DE" sz="1400" dirty="0"/>
-              <a:t>Einführung in </a:t>
+              <a:t>Erstellen von Release- und </a:t>
             </a:r>
             <a:r>
               <a:rPr lang="de-DE" altLang="de-DE" sz="1400" dirty="0" err="1"/>
-              <a:t>GitLab</a:t>
+              <a:t>Tagged</a:t>
             </a:r>
             <a:r>
               <a:rPr lang="de-DE" altLang="de-DE" sz="1400" dirty="0"/>
-              <a:t> CI/CD &amp; </a:t>
-            </a:r>
-            <a:r>
-              <a:rPr lang="de-DE" altLang="de-DE" sz="1400" dirty="0" err="1"/>
-              <a:t>gitlab.yml</a:t>
-            </a:r>
-            <a:endParaRPr lang="de-DE" altLang="de-DE" sz="1400" dirty="0"/>
+              <a:t>-Images</a:t>
+            </a:r>
           </a:p>
           <a:p>
             <a:pPr lvl="1">
@@ -11518,113 +11969,25 @@
             </a:pPr>
             <a:r>
               <a:rPr lang="de-DE" altLang="de-DE" sz="1400" dirty="0"/>
-              <a:t>Grundlagen von </a:t>
+              <a:t>Möglichkeiten des </a:t>
             </a:r>
             <a:r>
               <a:rPr lang="de-DE" altLang="de-DE" sz="1400" dirty="0" err="1"/>
-              <a:t>GitOps</a:t>
-            </a:r>
-            <a:endParaRPr lang="de-DE" altLang="de-DE" sz="1400" dirty="0"/>
+              <a:t>Deployments</a:t>
+            </a:r>
+            <a:r>
+              <a:rPr lang="de-DE" altLang="de-DE" sz="1400" dirty="0"/>
+              <a:t> &amp; Verwaltung von Konfiguration</a:t>
+            </a:r>
           </a:p>
           <a:p>
             <a:pPr lvl="1">
               <a:buFont typeface="Arial" panose="020B0604020202020204" pitchFamily="34" charset="0"/>
               <a:buChar char="•"/>
             </a:pPr>
-            <a:endParaRPr lang="de-DE" altLang="de-DE" sz="1400" dirty="0"/>
-          </a:p>
-          <a:p>
-            <a:pPr>
-              <a:buFont typeface="Arial" panose="020B0604020202020204" pitchFamily="34" charset="0"/>
-              <a:buChar char="•"/>
-            </a:pPr>
-            <a:r>
-              <a:rPr lang="de-DE" altLang="de-DE" sz="1800" b="1" dirty="0"/>
-              <a:t>Tag 3 – Docker in der Entwicklung, </a:t>
-            </a:r>
-            <a:r>
-              <a:rPr lang="de-DE" altLang="de-DE" sz="1800" b="1" dirty="0" err="1"/>
-              <a:t>GitLab</a:t>
-            </a:r>
-            <a:r>
-              <a:rPr lang="de-DE" altLang="de-DE" sz="1800" b="1" dirty="0"/>
-              <a:t> CI und </a:t>
-            </a:r>
-            <a:r>
-              <a:rPr lang="de-DE" altLang="de-DE" sz="1800" b="1" dirty="0" err="1"/>
-              <a:t>Deployment</a:t>
-            </a:r>
-            <a:r>
-              <a:rPr lang="de-DE" altLang="de-DE" sz="1800" b="1" dirty="0"/>
-              <a:t>-Strategien</a:t>
-            </a:r>
-          </a:p>
-          <a:p>
-            <a:pPr lvl="1">
-              <a:buFont typeface="Arial" panose="020B0604020202020204" pitchFamily="34" charset="0"/>
-              <a:buChar char="•"/>
-            </a:pPr>
             <a:r>
               <a:rPr lang="de-DE" altLang="de-DE" sz="1400" dirty="0"/>
-              <a:t>Lokale Entwicklung mit Docker</a:t>
-            </a:r>
-          </a:p>
-          <a:p>
-            <a:pPr lvl="1">
-              <a:buFont typeface="Arial" panose="020B0604020202020204" pitchFamily="34" charset="0"/>
-              <a:buChar char="•"/>
-            </a:pPr>
-            <a:r>
-              <a:rPr lang="de-DE" altLang="de-DE" sz="1400" dirty="0" err="1"/>
-              <a:t>GitLab</a:t>
-            </a:r>
-            <a:r>
-              <a:rPr lang="de-DE" altLang="de-DE" sz="1400" dirty="0"/>
-              <a:t>-Runner &amp; Docker-Registry</a:t>
-            </a:r>
-          </a:p>
-          <a:p>
-            <a:pPr lvl="1">
-              <a:buFont typeface="Arial" panose="020B0604020202020204" pitchFamily="34" charset="0"/>
-              <a:buChar char="•"/>
-            </a:pPr>
-            <a:r>
-              <a:rPr lang="de-DE" altLang="de-DE" sz="1400" dirty="0"/>
-              <a:t>Erstellen </a:t>
-            </a:r>
-            <a:r>
-              <a:rPr lang="de-DE" altLang="de-DE" sz="1400" dirty="0" err="1"/>
-              <a:t>ovn</a:t>
-            </a:r>
-            <a:r>
-              <a:rPr lang="de-DE" altLang="de-DE" sz="1400" dirty="0"/>
-              <a:t> Release- und </a:t>
-            </a:r>
-            <a:r>
-              <a:rPr lang="de-DE" altLang="de-DE" sz="1400" dirty="0" err="1"/>
-              <a:t>Tagged</a:t>
-            </a:r>
-            <a:r>
-              <a:rPr lang="de-DE" altLang="de-DE" sz="1400" dirty="0"/>
-              <a:t>-Images</a:t>
-            </a:r>
-          </a:p>
-          <a:p>
-            <a:pPr lvl="1">
-              <a:buFont typeface="Arial" panose="020B0604020202020204" pitchFamily="34" charset="0"/>
-              <a:buChar char="•"/>
-            </a:pPr>
-            <a:r>
-              <a:rPr lang="de-DE" altLang="de-DE" sz="1400" dirty="0"/>
-              <a:t>Möglichkeiten des </a:t>
-            </a:r>
-            <a:r>
-              <a:rPr lang="de-DE" altLang="de-DE" sz="1400" dirty="0" err="1"/>
-              <a:t>Deployments</a:t>
-            </a:r>
-            <a:r>
-              <a:rPr lang="de-DE" altLang="de-DE" sz="1400" dirty="0"/>
-              <a:t> &amp; Verwaltung von Konfiguration</a:t>
+              <a:t>Abschlussübung &amp; Diskussion</a:t>
             </a:r>
           </a:p>
           <a:p>
@@ -11678,511 +12041,6 @@
 </file>
 
 <file path=ppt/slides/slide20.xml><?xml version="1.0" encoding="utf-8"?>
-<p:sld xmlns:a="http://schemas.openxmlformats.org/drawingml/2006/main" xmlns:r="http://schemas.openxmlformats.org/officeDocument/2006/relationships" xmlns:p="http://schemas.openxmlformats.org/presentationml/2006/main">
-  <p:cSld>
-    <p:spTree>
-      <p:nvGrpSpPr>
-        <p:cNvPr id="1" name=""/>
-        <p:cNvGrpSpPr/>
-        <p:nvPr/>
-      </p:nvGrpSpPr>
-      <p:grpSpPr>
-        <a:xfrm>
-          <a:off x="0" y="0"/>
-          <a:ext cx="0" cy="0"/>
-          <a:chOff x="0" y="0"/>
-          <a:chExt cx="0" cy="0"/>
-        </a:xfrm>
-      </p:grpSpPr>
-      <p:sp>
-        <p:nvSpPr>
-          <p:cNvPr id="2" name="Titel 1">
-            <a:extLst>
-              <a:ext uri="{FF2B5EF4-FFF2-40B4-BE49-F238E27FC236}">
-                <a16:creationId xmlns:a16="http://schemas.microsoft.com/office/drawing/2014/main" id="{A665D894-C205-240B-EACE-153832C5C589}"/>
-              </a:ext>
-            </a:extLst>
-          </p:cNvPr>
-          <p:cNvSpPr>
-            <a:spLocks noGrp="1"/>
-          </p:cNvSpPr>
-          <p:nvPr>
-            <p:ph type="title"/>
-          </p:nvPr>
-        </p:nvSpPr>
-        <p:spPr/>
-        <p:txBody>
-          <a:bodyPr/>
-          <a:lstStyle/>
-          <a:p>
-            <a:r>
-              <a:rPr lang="de-DE" dirty="0"/>
-              <a:t>CI/CD</a:t>
-            </a:r>
-          </a:p>
-        </p:txBody>
-      </p:sp>
-      <p:sp>
-        <p:nvSpPr>
-          <p:cNvPr id="3" name="Inhaltsplatzhalter 2">
-            <a:extLst>
-              <a:ext uri="{FF2B5EF4-FFF2-40B4-BE49-F238E27FC236}">
-                <a16:creationId xmlns:a16="http://schemas.microsoft.com/office/drawing/2014/main" id="{77E2263B-B497-253E-3C49-6BDD6C0EE524}"/>
-              </a:ext>
-            </a:extLst>
-          </p:cNvPr>
-          <p:cNvSpPr>
-            <a:spLocks noGrp="1"/>
-          </p:cNvSpPr>
-          <p:nvPr>
-            <p:ph idx="1"/>
-          </p:nvPr>
-        </p:nvSpPr>
-        <p:spPr/>
-        <p:txBody>
-          <a:bodyPr/>
-          <a:lstStyle/>
-          <a:p>
-            <a:pPr marL="0" indent="0">
-              <a:buNone/>
-            </a:pPr>
-            <a:r>
-              <a:rPr lang="de-DE" b="1" dirty="0" err="1"/>
-              <a:t>Artifacts</a:t>
-            </a:r>
-            <a:endParaRPr lang="de-DE" b="1" dirty="0"/>
-          </a:p>
-        </p:txBody>
-      </p:sp>
-      <p:sp>
-        <p:nvSpPr>
-          <p:cNvPr id="9" name="Textfeld 8">
-            <a:extLst>
-              <a:ext uri="{FF2B5EF4-FFF2-40B4-BE49-F238E27FC236}">
-                <a16:creationId xmlns:a16="http://schemas.microsoft.com/office/drawing/2014/main" id="{5D961818-9FFA-849E-34B2-1211D00DCA0E}"/>
-              </a:ext>
-            </a:extLst>
-          </p:cNvPr>
-          <p:cNvSpPr txBox="1"/>
-          <p:nvPr/>
-        </p:nvSpPr>
-        <p:spPr bwMode="auto">
-          <a:xfrm>
-            <a:off x="1907704" y="1844824"/>
-            <a:ext cx="6528062" cy="3416320"/>
-          </a:xfrm>
-          <a:prstGeom prst="rect">
-            <a:avLst/>
-          </a:prstGeom>
-          <a:noFill/>
-          <a:ln w="9525">
-            <a:noFill/>
-            <a:miter lim="800000"/>
-            <a:headEnd/>
-            <a:tailEnd/>
-          </a:ln>
-        </p:spPr>
-        <p:txBody>
-          <a:bodyPr wrap="square">
-            <a:spAutoFit/>
-          </a:bodyPr>
-          <a:lstStyle/>
-          <a:p>
-            <a:r>
-              <a:rPr lang="en-US" b="0" dirty="0">
-                <a:solidFill>
-                  <a:srgbClr val="800000"/>
-                </a:solidFill>
-                <a:effectLst/>
-                <a:highlight>
-                  <a:srgbClr val="FFFFFF"/>
-                </a:highlight>
-                <a:latin typeface="Consolas" panose="020B0609020204030204" pitchFamily="49" charset="0"/>
-              </a:rPr>
-              <a:t>stages</a:t>
-            </a:r>
-            <a:r>
-              <a:rPr lang="en-US" b="0" dirty="0">
-                <a:solidFill>
-                  <a:srgbClr val="3B3B3B"/>
-                </a:solidFill>
-                <a:effectLst/>
-                <a:highlight>
-                  <a:srgbClr val="FFFFFF"/>
-                </a:highlight>
-                <a:latin typeface="Consolas" panose="020B0609020204030204" pitchFamily="49" charset="0"/>
-              </a:rPr>
-              <a:t>:</a:t>
-            </a:r>
-          </a:p>
-          <a:p>
-            <a:r>
-              <a:rPr lang="en-US" b="0" dirty="0">
-                <a:solidFill>
-                  <a:srgbClr val="3B3B3B"/>
-                </a:solidFill>
-                <a:effectLst/>
-                <a:highlight>
-                  <a:srgbClr val="FFFFFF"/>
-                </a:highlight>
-                <a:latin typeface="Consolas" panose="020B0609020204030204" pitchFamily="49" charset="0"/>
-              </a:rPr>
-              <a:t>  - </a:t>
-            </a:r>
-            <a:r>
-              <a:rPr lang="en-US" b="0" dirty="0">
-                <a:solidFill>
-                  <a:srgbClr val="0000FF"/>
-                </a:solidFill>
-                <a:effectLst/>
-                <a:highlight>
-                  <a:srgbClr val="FFFFFF"/>
-                </a:highlight>
-                <a:latin typeface="Consolas" panose="020B0609020204030204" pitchFamily="49" charset="0"/>
-              </a:rPr>
-              <a:t>build</a:t>
-            </a:r>
-            <a:endParaRPr lang="en-US" b="0" dirty="0">
-              <a:solidFill>
-                <a:srgbClr val="3B3B3B"/>
-              </a:solidFill>
-              <a:effectLst/>
-              <a:highlight>
-                <a:srgbClr val="FFFFFF"/>
-              </a:highlight>
-              <a:latin typeface="Consolas" panose="020B0609020204030204" pitchFamily="49" charset="0"/>
-            </a:endParaRPr>
-          </a:p>
-          <a:p>
-            <a:br>
-              <a:rPr lang="en-US" b="0" dirty="0">
-                <a:solidFill>
-                  <a:srgbClr val="3B3B3B"/>
-                </a:solidFill>
-                <a:effectLst/>
-                <a:highlight>
-                  <a:srgbClr val="FFFFFF"/>
-                </a:highlight>
-                <a:latin typeface="Consolas" panose="020B0609020204030204" pitchFamily="49" charset="0"/>
-              </a:rPr>
-            </a:br>
-            <a:r>
-              <a:rPr lang="en-US" b="0" dirty="0">
-                <a:solidFill>
-                  <a:srgbClr val="800000"/>
-                </a:solidFill>
-                <a:effectLst/>
-                <a:highlight>
-                  <a:srgbClr val="FFFFFF"/>
-                </a:highlight>
-                <a:latin typeface="Consolas" panose="020B0609020204030204" pitchFamily="49" charset="0"/>
-              </a:rPr>
-              <a:t>pdf</a:t>
-            </a:r>
-            <a:r>
-              <a:rPr lang="en-US" b="0" dirty="0">
-                <a:solidFill>
-                  <a:srgbClr val="3B3B3B"/>
-                </a:solidFill>
-                <a:effectLst/>
-                <a:highlight>
-                  <a:srgbClr val="FFFFFF"/>
-                </a:highlight>
-                <a:latin typeface="Consolas" panose="020B0609020204030204" pitchFamily="49" charset="0"/>
-              </a:rPr>
-              <a:t>:</a:t>
-            </a:r>
-          </a:p>
-          <a:p>
-            <a:r>
-              <a:rPr lang="en-US" b="0" dirty="0">
-                <a:solidFill>
-                  <a:srgbClr val="3B3B3B"/>
-                </a:solidFill>
-                <a:effectLst/>
-                <a:highlight>
-                  <a:srgbClr val="FFFFFF"/>
-                </a:highlight>
-                <a:latin typeface="Consolas" panose="020B0609020204030204" pitchFamily="49" charset="0"/>
-              </a:rPr>
-              <a:t>  </a:t>
-            </a:r>
-            <a:r>
-              <a:rPr lang="en-US" b="0" dirty="0">
-                <a:solidFill>
-                  <a:srgbClr val="800000"/>
-                </a:solidFill>
-                <a:effectLst/>
-                <a:highlight>
-                  <a:srgbClr val="FFFFFF"/>
-                </a:highlight>
-                <a:latin typeface="Consolas" panose="020B0609020204030204" pitchFamily="49" charset="0"/>
-              </a:rPr>
-              <a:t>stage</a:t>
-            </a:r>
-            <a:r>
-              <a:rPr lang="en-US" b="0" dirty="0">
-                <a:solidFill>
-                  <a:srgbClr val="3B3B3B"/>
-                </a:solidFill>
-                <a:effectLst/>
-                <a:highlight>
-                  <a:srgbClr val="FFFFFF"/>
-                </a:highlight>
-                <a:latin typeface="Consolas" panose="020B0609020204030204" pitchFamily="49" charset="0"/>
-              </a:rPr>
-              <a:t>: </a:t>
-            </a:r>
-            <a:r>
-              <a:rPr lang="en-US" b="0" dirty="0">
-                <a:solidFill>
-                  <a:srgbClr val="0000FF"/>
-                </a:solidFill>
-                <a:effectLst/>
-                <a:highlight>
-                  <a:srgbClr val="FFFFFF"/>
-                </a:highlight>
-                <a:latin typeface="Consolas" panose="020B0609020204030204" pitchFamily="49" charset="0"/>
-              </a:rPr>
-              <a:t>build</a:t>
-            </a:r>
-            <a:endParaRPr lang="en-US" b="0" dirty="0">
-              <a:solidFill>
-                <a:srgbClr val="3B3B3B"/>
-              </a:solidFill>
-              <a:effectLst/>
-              <a:highlight>
-                <a:srgbClr val="FFFFFF"/>
-              </a:highlight>
-              <a:latin typeface="Consolas" panose="020B0609020204030204" pitchFamily="49" charset="0"/>
-            </a:endParaRPr>
-          </a:p>
-          <a:p>
-            <a:r>
-              <a:rPr lang="en-US" b="0" dirty="0">
-                <a:solidFill>
-                  <a:srgbClr val="3B3B3B"/>
-                </a:solidFill>
-                <a:effectLst/>
-                <a:highlight>
-                  <a:srgbClr val="FFFFFF"/>
-                </a:highlight>
-                <a:latin typeface="Consolas" panose="020B0609020204030204" pitchFamily="49" charset="0"/>
-              </a:rPr>
-              <a:t>  </a:t>
-            </a:r>
-            <a:r>
-              <a:rPr lang="en-US" b="0" dirty="0">
-                <a:solidFill>
-                  <a:srgbClr val="800000"/>
-                </a:solidFill>
-                <a:effectLst/>
-                <a:highlight>
-                  <a:srgbClr val="FFFFFF"/>
-                </a:highlight>
-                <a:latin typeface="Consolas" panose="020B0609020204030204" pitchFamily="49" charset="0"/>
-              </a:rPr>
-              <a:t>script</a:t>
-            </a:r>
-            <a:r>
-              <a:rPr lang="en-US" b="0" dirty="0">
-                <a:solidFill>
-                  <a:srgbClr val="3B3B3B"/>
-                </a:solidFill>
-                <a:effectLst/>
-                <a:highlight>
-                  <a:srgbClr val="FFFFFF"/>
-                </a:highlight>
-                <a:latin typeface="Consolas" panose="020B0609020204030204" pitchFamily="49" charset="0"/>
-              </a:rPr>
-              <a:t>: </a:t>
-            </a:r>
-            <a:r>
-              <a:rPr lang="en-US" b="0" dirty="0" err="1">
-                <a:solidFill>
-                  <a:srgbClr val="0000FF"/>
-                </a:solidFill>
-                <a:effectLst/>
-                <a:highlight>
-                  <a:srgbClr val="FFFFFF"/>
-                </a:highlight>
-                <a:latin typeface="Consolas" panose="020B0609020204030204" pitchFamily="49" charset="0"/>
-              </a:rPr>
-              <a:t>xelatex</a:t>
-            </a:r>
-            <a:r>
-              <a:rPr lang="en-US" b="0" dirty="0">
-                <a:solidFill>
-                  <a:srgbClr val="0000FF"/>
-                </a:solidFill>
-                <a:effectLst/>
-                <a:highlight>
-                  <a:srgbClr val="FFFFFF"/>
-                </a:highlight>
-                <a:latin typeface="Consolas" panose="020B0609020204030204" pitchFamily="49" charset="0"/>
-              </a:rPr>
-              <a:t> </a:t>
-            </a:r>
-            <a:r>
-              <a:rPr lang="en-US" b="0" dirty="0" err="1">
-                <a:solidFill>
-                  <a:srgbClr val="0000FF"/>
-                </a:solidFill>
-                <a:effectLst/>
-                <a:highlight>
-                  <a:srgbClr val="FFFFFF"/>
-                </a:highlight>
-                <a:latin typeface="Consolas" panose="020B0609020204030204" pitchFamily="49" charset="0"/>
-              </a:rPr>
-              <a:t>mycv.tex</a:t>
-            </a:r>
-            <a:endParaRPr lang="en-US" b="0" dirty="0">
-              <a:solidFill>
-                <a:srgbClr val="3B3B3B"/>
-              </a:solidFill>
-              <a:effectLst/>
-              <a:highlight>
-                <a:srgbClr val="FFFFFF"/>
-              </a:highlight>
-              <a:latin typeface="Consolas" panose="020B0609020204030204" pitchFamily="49" charset="0"/>
-            </a:endParaRPr>
-          </a:p>
-          <a:p>
-            <a:r>
-              <a:rPr lang="en-US" b="0" dirty="0">
-                <a:solidFill>
-                  <a:srgbClr val="3B3B3B"/>
-                </a:solidFill>
-                <a:effectLst/>
-                <a:highlight>
-                  <a:srgbClr val="FFFFFF"/>
-                </a:highlight>
-                <a:latin typeface="Consolas" panose="020B0609020204030204" pitchFamily="49" charset="0"/>
-              </a:rPr>
-              <a:t>  </a:t>
-            </a:r>
-            <a:r>
-              <a:rPr lang="en-US" b="0" dirty="0">
-                <a:solidFill>
-                  <a:srgbClr val="800000"/>
-                </a:solidFill>
-                <a:effectLst/>
-                <a:highlight>
-                  <a:srgbClr val="FFFFFF"/>
-                </a:highlight>
-                <a:latin typeface="Consolas" panose="020B0609020204030204" pitchFamily="49" charset="0"/>
-              </a:rPr>
-              <a:t>artifacts</a:t>
-            </a:r>
-            <a:r>
-              <a:rPr lang="en-US" b="0" dirty="0">
-                <a:solidFill>
-                  <a:srgbClr val="3B3B3B"/>
-                </a:solidFill>
-                <a:effectLst/>
-                <a:highlight>
-                  <a:srgbClr val="FFFFFF"/>
-                </a:highlight>
-                <a:latin typeface="Consolas" panose="020B0609020204030204" pitchFamily="49" charset="0"/>
-              </a:rPr>
-              <a:t>:</a:t>
-            </a:r>
-          </a:p>
-          <a:p>
-            <a:r>
-              <a:rPr lang="en-US" b="0" dirty="0">
-                <a:solidFill>
-                  <a:srgbClr val="3B3B3B"/>
-                </a:solidFill>
-                <a:effectLst/>
-                <a:highlight>
-                  <a:srgbClr val="FFFFFF"/>
-                </a:highlight>
-                <a:latin typeface="Consolas" panose="020B0609020204030204" pitchFamily="49" charset="0"/>
-              </a:rPr>
-              <a:t>    </a:t>
-            </a:r>
-            <a:r>
-              <a:rPr lang="en-US" b="0" dirty="0">
-                <a:solidFill>
-                  <a:srgbClr val="800000"/>
-                </a:solidFill>
-                <a:effectLst/>
-                <a:highlight>
-                  <a:srgbClr val="FFFFFF"/>
-                </a:highlight>
-                <a:latin typeface="Consolas" panose="020B0609020204030204" pitchFamily="49" charset="0"/>
-              </a:rPr>
-              <a:t>paths</a:t>
-            </a:r>
-            <a:r>
-              <a:rPr lang="en-US" b="0" dirty="0">
-                <a:solidFill>
-                  <a:srgbClr val="3B3B3B"/>
-                </a:solidFill>
-                <a:effectLst/>
-                <a:highlight>
-                  <a:srgbClr val="FFFFFF"/>
-                </a:highlight>
-                <a:latin typeface="Consolas" panose="020B0609020204030204" pitchFamily="49" charset="0"/>
-              </a:rPr>
-              <a:t>:</a:t>
-            </a:r>
-          </a:p>
-          <a:p>
-            <a:r>
-              <a:rPr lang="en-US" b="0" dirty="0">
-                <a:solidFill>
-                  <a:srgbClr val="3B3B3B"/>
-                </a:solidFill>
-                <a:effectLst/>
-                <a:highlight>
-                  <a:srgbClr val="FFFFFF"/>
-                </a:highlight>
-                <a:latin typeface="Consolas" panose="020B0609020204030204" pitchFamily="49" charset="0"/>
-              </a:rPr>
-              <a:t>      - </a:t>
-            </a:r>
-            <a:r>
-              <a:rPr lang="en-US" b="0" dirty="0">
-                <a:solidFill>
-                  <a:srgbClr val="0000FF"/>
-                </a:solidFill>
-                <a:effectLst/>
-                <a:highlight>
-                  <a:srgbClr val="FFFFFF"/>
-                </a:highlight>
-                <a:latin typeface="Consolas" panose="020B0609020204030204" pitchFamily="49" charset="0"/>
-              </a:rPr>
-              <a:t>mycv.pdf</a:t>
-            </a:r>
-            <a:endParaRPr lang="en-US" b="0" dirty="0">
-              <a:solidFill>
-                <a:srgbClr val="3B3B3B"/>
-              </a:solidFill>
-              <a:effectLst/>
-              <a:highlight>
-                <a:srgbClr val="FFFFFF"/>
-              </a:highlight>
-              <a:latin typeface="Consolas" panose="020B0609020204030204" pitchFamily="49" charset="0"/>
-            </a:endParaRPr>
-          </a:p>
-        </p:txBody>
-      </p:sp>
-    </p:spTree>
-    <p:extLst>
-      <p:ext uri="{BB962C8B-B14F-4D97-AF65-F5344CB8AC3E}">
-        <p14:creationId xmlns:p14="http://schemas.microsoft.com/office/powerpoint/2010/main" val="4003437883"/>
-      </p:ext>
-    </p:extLst>
-  </p:cSld>
-  <p:clrMapOvr>
-    <a:masterClrMapping/>
-  </p:clrMapOvr>
-</p:sld>
-</file>
-
-<file path=ppt/slides/slide21.xml><?xml version="1.0" encoding="utf-8"?>
 <p:sld xmlns:a="http://schemas.openxmlformats.org/drawingml/2006/main" xmlns:r="http://schemas.openxmlformats.org/officeDocument/2006/relationships" xmlns:p="http://schemas.openxmlformats.org/presentationml/2006/main">
   <p:cSld>
     <p:spTree>
@@ -12376,7 +12234,7 @@
 </p:sld>
 </file>
 
-<file path=ppt/slides/slide22.xml><?xml version="1.0" encoding="utf-8"?>
+<file path=ppt/slides/slide21.xml><?xml version="1.0" encoding="utf-8"?>
 <p:sld xmlns:a="http://schemas.openxmlformats.org/drawingml/2006/main" xmlns:r="http://schemas.openxmlformats.org/officeDocument/2006/relationships" xmlns:p="http://schemas.openxmlformats.org/presentationml/2006/main">
   <p:cSld>
     <p:spTree>
@@ -13193,7 +13051,7 @@
 </p:sld>
 </file>
 
-<file path=ppt/slides/slide23.xml><?xml version="1.0" encoding="utf-8"?>
+<file path=ppt/slides/slide22.xml><?xml version="1.0" encoding="utf-8"?>
 <p:sld xmlns:a="http://schemas.openxmlformats.org/drawingml/2006/main" xmlns:r="http://schemas.openxmlformats.org/officeDocument/2006/relationships" xmlns:p="http://schemas.openxmlformats.org/presentationml/2006/main">
   <p:cSld>
     <p:spTree>
@@ -13391,7 +13249,7 @@
 </p:sld>
 </file>
 
-<file path=ppt/slides/slide24.xml><?xml version="1.0" encoding="utf-8"?>
+<file path=ppt/slides/slide23.xml><?xml version="1.0" encoding="utf-8"?>
 <p:sld xmlns:a="http://schemas.openxmlformats.org/drawingml/2006/main" xmlns:r="http://schemas.openxmlformats.org/officeDocument/2006/relationships" xmlns:p="http://schemas.openxmlformats.org/presentationml/2006/main">
   <p:cSld>
     <p:spTree>
@@ -14725,6 +14583,233 @@
     <p:extLst>
       <p:ext uri="{BB962C8B-B14F-4D97-AF65-F5344CB8AC3E}">
         <p14:creationId xmlns:p14="http://schemas.microsoft.com/office/powerpoint/2010/main" val="2028597420"/>
+      </p:ext>
+    </p:extLst>
+  </p:cSld>
+  <p:clrMapOvr>
+    <a:masterClrMapping/>
+  </p:clrMapOvr>
+</p:sld>
+</file>
+
+<file path=ppt/slides/slide24.xml><?xml version="1.0" encoding="utf-8"?>
+<p:sld xmlns:a="http://schemas.openxmlformats.org/drawingml/2006/main" xmlns:r="http://schemas.openxmlformats.org/officeDocument/2006/relationships" xmlns:p="http://schemas.openxmlformats.org/presentationml/2006/main">
+  <p:cSld>
+    <p:spTree>
+      <p:nvGrpSpPr>
+        <p:cNvPr id="1" name=""/>
+        <p:cNvGrpSpPr/>
+        <p:nvPr/>
+      </p:nvGrpSpPr>
+      <p:grpSpPr>
+        <a:xfrm>
+          <a:off x="0" y="0"/>
+          <a:ext cx="0" cy="0"/>
+          <a:chOff x="0" y="0"/>
+          <a:chExt cx="0" cy="0"/>
+        </a:xfrm>
+      </p:grpSpPr>
+      <p:sp>
+        <p:nvSpPr>
+          <p:cNvPr id="2" name="Titel 1">
+            <a:extLst>
+              <a:ext uri="{FF2B5EF4-FFF2-40B4-BE49-F238E27FC236}">
+                <a16:creationId xmlns:a16="http://schemas.microsoft.com/office/drawing/2014/main" id="{3363B985-2812-BDBB-7E9D-A28D84AB06EF}"/>
+              </a:ext>
+            </a:extLst>
+          </p:cNvPr>
+          <p:cNvSpPr>
+            <a:spLocks noGrp="1"/>
+          </p:cNvSpPr>
+          <p:nvPr>
+            <p:ph type="title"/>
+          </p:nvPr>
+        </p:nvSpPr>
+        <p:spPr/>
+        <p:txBody>
+          <a:bodyPr/>
+          <a:lstStyle/>
+          <a:p>
+            <a:r>
+              <a:rPr lang="de-DE" dirty="0"/>
+              <a:t>CI/CD</a:t>
+            </a:r>
+          </a:p>
+        </p:txBody>
+      </p:sp>
+      <p:sp>
+        <p:nvSpPr>
+          <p:cNvPr id="3" name="Inhaltsplatzhalter 2">
+            <a:extLst>
+              <a:ext uri="{FF2B5EF4-FFF2-40B4-BE49-F238E27FC236}">
+                <a16:creationId xmlns:a16="http://schemas.microsoft.com/office/drawing/2014/main" id="{4F73DCFB-96BE-78F1-0678-EC4405A46D0F}"/>
+              </a:ext>
+            </a:extLst>
+          </p:cNvPr>
+          <p:cNvSpPr>
+            <a:spLocks noGrp="1"/>
+          </p:cNvSpPr>
+          <p:nvPr>
+            <p:ph idx="1"/>
+          </p:nvPr>
+        </p:nvSpPr>
+        <p:spPr/>
+        <p:txBody>
+          <a:bodyPr/>
+          <a:lstStyle/>
+          <a:p>
+            <a:pPr marL="0" indent="0">
+              <a:buNone/>
+            </a:pPr>
+            <a:r>
+              <a:rPr lang="de-DE" b="1" dirty="0"/>
+              <a:t>Variables</a:t>
+            </a:r>
+          </a:p>
+          <a:p>
+            <a:pPr>
+              <a:buFont typeface="Arial" panose="020B0604020202020204" pitchFamily="34" charset="0"/>
+              <a:buChar char="•"/>
+            </a:pPr>
+            <a:r>
+              <a:rPr lang="de-DE" dirty="0"/>
+              <a:t>Umgebungsvariablen für CI/CD-Pipelines</a:t>
+            </a:r>
+          </a:p>
+          <a:p>
+            <a:pPr>
+              <a:buFont typeface="Arial" panose="020B0604020202020204" pitchFamily="34" charset="0"/>
+              <a:buChar char="•"/>
+            </a:pPr>
+            <a:r>
+              <a:rPr lang="de-DE" dirty="0"/>
+              <a:t>Arten von Variablen:</a:t>
+            </a:r>
+          </a:p>
+          <a:p>
+            <a:pPr lvl="1">
+              <a:buFont typeface="Arial" panose="020B0604020202020204" pitchFamily="34" charset="0"/>
+              <a:buChar char="•"/>
+            </a:pPr>
+            <a:r>
+              <a:rPr lang="de-DE" dirty="0"/>
+              <a:t>CI/CD-Variablen: In .</a:t>
+            </a:r>
+            <a:r>
+              <a:rPr lang="de-DE" dirty="0" err="1"/>
+              <a:t>gitlab-ci.yml</a:t>
+            </a:r>
+            <a:r>
+              <a:rPr lang="de-DE" dirty="0"/>
+              <a:t> definiert</a:t>
+            </a:r>
+          </a:p>
+          <a:p>
+            <a:pPr lvl="1">
+              <a:buFont typeface="Arial" panose="020B0604020202020204" pitchFamily="34" charset="0"/>
+              <a:buChar char="•"/>
+            </a:pPr>
+            <a:r>
+              <a:rPr lang="de-DE" dirty="0"/>
+              <a:t>Projekt-Variablen: Im Projekt unter Einstellungen -&gt; CI/CD</a:t>
+            </a:r>
+          </a:p>
+          <a:p>
+            <a:pPr lvl="1">
+              <a:buFont typeface="Arial" panose="020B0604020202020204" pitchFamily="34" charset="0"/>
+              <a:buChar char="•"/>
+            </a:pPr>
+            <a:r>
+              <a:rPr lang="de-DE" dirty="0"/>
+              <a:t>Gruppen-Variablen: Auf Gruppenebene definiert</a:t>
+            </a:r>
+          </a:p>
+          <a:p>
+            <a:pPr lvl="1">
+              <a:buFont typeface="Arial" panose="020B0604020202020204" pitchFamily="34" charset="0"/>
+              <a:buChar char="•"/>
+            </a:pPr>
+            <a:r>
+              <a:rPr lang="de-DE" dirty="0"/>
+              <a:t>Benutzerdefinierte Variablen: Vom Benutzer erstellt</a:t>
+            </a:r>
+          </a:p>
+          <a:p>
+            <a:pPr lvl="1">
+              <a:buFont typeface="Arial" panose="020B0604020202020204" pitchFamily="34" charset="0"/>
+              <a:buChar char="•"/>
+            </a:pPr>
+            <a:r>
+              <a:rPr lang="de-DE" dirty="0"/>
+              <a:t>Vordefinierte Variablen: Von </a:t>
+            </a:r>
+            <a:r>
+              <a:rPr lang="de-DE" dirty="0" err="1"/>
+              <a:t>GitLab</a:t>
+            </a:r>
+            <a:r>
+              <a:rPr lang="de-DE" dirty="0"/>
+              <a:t> bereitgestellt (z.B. CI_COMMIT_SHA)</a:t>
+            </a:r>
+          </a:p>
+          <a:p>
+            <a:pPr>
+              <a:buFont typeface="Arial" panose="020B0604020202020204" pitchFamily="34" charset="0"/>
+              <a:buChar char="•"/>
+            </a:pPr>
+            <a:r>
+              <a:rPr lang="de-DE" dirty="0"/>
+              <a:t>Sicherheitsaspekte</a:t>
+            </a:r>
+          </a:p>
+          <a:p>
+            <a:pPr lvl="1">
+              <a:buFont typeface="Arial" panose="020B0604020202020204" pitchFamily="34" charset="0"/>
+              <a:buChar char="•"/>
+            </a:pPr>
+            <a:r>
+              <a:rPr lang="de-DE" dirty="0"/>
+              <a:t>Geschützte Variablen: Nur für geschützte </a:t>
+            </a:r>
+            <a:r>
+              <a:rPr lang="de-DE" dirty="0" err="1"/>
+              <a:t>Branches</a:t>
+            </a:r>
+            <a:r>
+              <a:rPr lang="de-DE" dirty="0"/>
+              <a:t>/Tags</a:t>
+            </a:r>
+          </a:p>
+          <a:p>
+            <a:pPr lvl="1">
+              <a:buFont typeface="Arial" panose="020B0604020202020204" pitchFamily="34" charset="0"/>
+              <a:buChar char="•"/>
+            </a:pPr>
+            <a:r>
+              <a:rPr lang="de-DE" dirty="0"/>
+              <a:t>Vertrauliche Variablen: Verstecken den Wert im Job-Log</a:t>
+            </a:r>
+          </a:p>
+          <a:p>
+            <a:pPr lvl="1">
+              <a:buFont typeface="Arial" panose="020B0604020202020204" pitchFamily="34" charset="0"/>
+              <a:buChar char="•"/>
+            </a:pPr>
+            <a:endParaRPr lang="de-DE" dirty="0"/>
+          </a:p>
+          <a:p>
+            <a:pPr lvl="1">
+              <a:buFont typeface="Arial" panose="020B0604020202020204" pitchFamily="34" charset="0"/>
+              <a:buChar char="•"/>
+            </a:pPr>
+            <a:endParaRPr lang="de-DE" dirty="0"/>
+          </a:p>
+        </p:txBody>
+      </p:sp>
+    </p:spTree>
+    <p:extLst>
+      <p:ext uri="{BB962C8B-B14F-4D97-AF65-F5344CB8AC3E}">
+        <p14:creationId xmlns:p14="http://schemas.microsoft.com/office/powerpoint/2010/main" val="443678370"/>
       </p:ext>
     </p:extLst>
   </p:cSld>
@@ -14809,233 +14894,6 @@
             </a:r>
           </a:p>
           <a:p>
-            <a:pPr>
-              <a:buFont typeface="Arial" panose="020B0604020202020204" pitchFamily="34" charset="0"/>
-              <a:buChar char="•"/>
-            </a:pPr>
-            <a:r>
-              <a:rPr lang="de-DE" dirty="0"/>
-              <a:t>Umgebungsvariablen für CI/CD-Pipelines</a:t>
-            </a:r>
-          </a:p>
-          <a:p>
-            <a:pPr>
-              <a:buFont typeface="Arial" panose="020B0604020202020204" pitchFamily="34" charset="0"/>
-              <a:buChar char="•"/>
-            </a:pPr>
-            <a:r>
-              <a:rPr lang="de-DE" dirty="0"/>
-              <a:t>Arten von Variablen:</a:t>
-            </a:r>
-          </a:p>
-          <a:p>
-            <a:pPr lvl="1">
-              <a:buFont typeface="Arial" panose="020B0604020202020204" pitchFamily="34" charset="0"/>
-              <a:buChar char="•"/>
-            </a:pPr>
-            <a:r>
-              <a:rPr lang="de-DE" dirty="0"/>
-              <a:t>CI/CD-Variablen: In .</a:t>
-            </a:r>
-            <a:r>
-              <a:rPr lang="de-DE" dirty="0" err="1"/>
-              <a:t>gitlab-ci.yml</a:t>
-            </a:r>
-            <a:r>
-              <a:rPr lang="de-DE" dirty="0"/>
-              <a:t> definiert</a:t>
-            </a:r>
-          </a:p>
-          <a:p>
-            <a:pPr lvl="1">
-              <a:buFont typeface="Arial" panose="020B0604020202020204" pitchFamily="34" charset="0"/>
-              <a:buChar char="•"/>
-            </a:pPr>
-            <a:r>
-              <a:rPr lang="de-DE" dirty="0"/>
-              <a:t>Projekt-Variablen: Im Projekt unter Einstellungen -&gt; CI/CD</a:t>
-            </a:r>
-          </a:p>
-          <a:p>
-            <a:pPr lvl="1">
-              <a:buFont typeface="Arial" panose="020B0604020202020204" pitchFamily="34" charset="0"/>
-              <a:buChar char="•"/>
-            </a:pPr>
-            <a:r>
-              <a:rPr lang="de-DE" dirty="0"/>
-              <a:t>Gruppen-Variablen: Auf Gruppenebene definiert</a:t>
-            </a:r>
-          </a:p>
-          <a:p>
-            <a:pPr lvl="1">
-              <a:buFont typeface="Arial" panose="020B0604020202020204" pitchFamily="34" charset="0"/>
-              <a:buChar char="•"/>
-            </a:pPr>
-            <a:r>
-              <a:rPr lang="de-DE" dirty="0"/>
-              <a:t>Benutzerdefinierte Variablen: Vom Benutzer erstellt</a:t>
-            </a:r>
-          </a:p>
-          <a:p>
-            <a:pPr lvl="1">
-              <a:buFont typeface="Arial" panose="020B0604020202020204" pitchFamily="34" charset="0"/>
-              <a:buChar char="•"/>
-            </a:pPr>
-            <a:r>
-              <a:rPr lang="de-DE" dirty="0"/>
-              <a:t>Vordefinierte Variablen: Von </a:t>
-            </a:r>
-            <a:r>
-              <a:rPr lang="de-DE" dirty="0" err="1"/>
-              <a:t>GitLab</a:t>
-            </a:r>
-            <a:r>
-              <a:rPr lang="de-DE" dirty="0"/>
-              <a:t> bereitgestellt (z.B. CI_COMMIT_SHA)</a:t>
-            </a:r>
-          </a:p>
-          <a:p>
-            <a:pPr>
-              <a:buFont typeface="Arial" panose="020B0604020202020204" pitchFamily="34" charset="0"/>
-              <a:buChar char="•"/>
-            </a:pPr>
-            <a:r>
-              <a:rPr lang="de-DE" dirty="0"/>
-              <a:t>Sicherheitsaspekte</a:t>
-            </a:r>
-          </a:p>
-          <a:p>
-            <a:pPr lvl="1">
-              <a:buFont typeface="Arial" panose="020B0604020202020204" pitchFamily="34" charset="0"/>
-              <a:buChar char="•"/>
-            </a:pPr>
-            <a:r>
-              <a:rPr lang="de-DE" dirty="0"/>
-              <a:t>Geschützte Variablen: Nur für geschützte </a:t>
-            </a:r>
-            <a:r>
-              <a:rPr lang="de-DE" dirty="0" err="1"/>
-              <a:t>Branches</a:t>
-            </a:r>
-            <a:r>
-              <a:rPr lang="de-DE" dirty="0"/>
-              <a:t>/Tags</a:t>
-            </a:r>
-          </a:p>
-          <a:p>
-            <a:pPr lvl="1">
-              <a:buFont typeface="Arial" panose="020B0604020202020204" pitchFamily="34" charset="0"/>
-              <a:buChar char="•"/>
-            </a:pPr>
-            <a:r>
-              <a:rPr lang="de-DE" dirty="0"/>
-              <a:t>Vertrauliche Variablen: Verstecken den Wert im Job-Log</a:t>
-            </a:r>
-          </a:p>
-          <a:p>
-            <a:pPr lvl="1">
-              <a:buFont typeface="Arial" panose="020B0604020202020204" pitchFamily="34" charset="0"/>
-              <a:buChar char="•"/>
-            </a:pPr>
-            <a:endParaRPr lang="de-DE" dirty="0"/>
-          </a:p>
-          <a:p>
-            <a:pPr lvl="1">
-              <a:buFont typeface="Arial" panose="020B0604020202020204" pitchFamily="34" charset="0"/>
-              <a:buChar char="•"/>
-            </a:pPr>
-            <a:endParaRPr lang="de-DE" dirty="0"/>
-          </a:p>
-        </p:txBody>
-      </p:sp>
-    </p:spTree>
-    <p:extLst>
-      <p:ext uri="{BB962C8B-B14F-4D97-AF65-F5344CB8AC3E}">
-        <p14:creationId xmlns:p14="http://schemas.microsoft.com/office/powerpoint/2010/main" val="443678370"/>
-      </p:ext>
-    </p:extLst>
-  </p:cSld>
-  <p:clrMapOvr>
-    <a:masterClrMapping/>
-  </p:clrMapOvr>
-</p:sld>
-</file>
-
-<file path=ppt/slides/slide26.xml><?xml version="1.0" encoding="utf-8"?>
-<p:sld xmlns:a="http://schemas.openxmlformats.org/drawingml/2006/main" xmlns:r="http://schemas.openxmlformats.org/officeDocument/2006/relationships" xmlns:p="http://schemas.openxmlformats.org/presentationml/2006/main">
-  <p:cSld>
-    <p:spTree>
-      <p:nvGrpSpPr>
-        <p:cNvPr id="1" name=""/>
-        <p:cNvGrpSpPr/>
-        <p:nvPr/>
-      </p:nvGrpSpPr>
-      <p:grpSpPr>
-        <a:xfrm>
-          <a:off x="0" y="0"/>
-          <a:ext cx="0" cy="0"/>
-          <a:chOff x="0" y="0"/>
-          <a:chExt cx="0" cy="0"/>
-        </a:xfrm>
-      </p:grpSpPr>
-      <p:sp>
-        <p:nvSpPr>
-          <p:cNvPr id="2" name="Titel 1">
-            <a:extLst>
-              <a:ext uri="{FF2B5EF4-FFF2-40B4-BE49-F238E27FC236}">
-                <a16:creationId xmlns:a16="http://schemas.microsoft.com/office/drawing/2014/main" id="{3363B985-2812-BDBB-7E9D-A28D84AB06EF}"/>
-              </a:ext>
-            </a:extLst>
-          </p:cNvPr>
-          <p:cNvSpPr>
-            <a:spLocks noGrp="1"/>
-          </p:cNvSpPr>
-          <p:nvPr>
-            <p:ph type="title"/>
-          </p:nvPr>
-        </p:nvSpPr>
-        <p:spPr/>
-        <p:txBody>
-          <a:bodyPr/>
-          <a:lstStyle/>
-          <a:p>
-            <a:r>
-              <a:rPr lang="de-DE" dirty="0"/>
-              <a:t>CI/CD</a:t>
-            </a:r>
-          </a:p>
-        </p:txBody>
-      </p:sp>
-      <p:sp>
-        <p:nvSpPr>
-          <p:cNvPr id="3" name="Inhaltsplatzhalter 2">
-            <a:extLst>
-              <a:ext uri="{FF2B5EF4-FFF2-40B4-BE49-F238E27FC236}">
-                <a16:creationId xmlns:a16="http://schemas.microsoft.com/office/drawing/2014/main" id="{4F73DCFB-96BE-78F1-0678-EC4405A46D0F}"/>
-              </a:ext>
-            </a:extLst>
-          </p:cNvPr>
-          <p:cNvSpPr>
-            <a:spLocks noGrp="1"/>
-          </p:cNvSpPr>
-          <p:nvPr>
-            <p:ph idx="1"/>
-          </p:nvPr>
-        </p:nvSpPr>
-        <p:spPr/>
-        <p:txBody>
-          <a:bodyPr/>
-          <a:lstStyle/>
-          <a:p>
-            <a:pPr marL="0" indent="0">
-              <a:buNone/>
-            </a:pPr>
-            <a:r>
-              <a:rPr lang="de-DE" b="1" dirty="0"/>
-              <a:t>Variables</a:t>
-            </a:r>
-          </a:p>
-          <a:p>
             <a:pPr lvl="1">
               <a:buFont typeface="Arial" panose="020B0604020202020204" pitchFamily="34" charset="0"/>
               <a:buChar char="•"/>
@@ -15612,7 +15470,7 @@
 </p:sld>
 </file>
 
-<file path=ppt/slides/slide27.xml><?xml version="1.0" encoding="utf-8"?>
+<file path=ppt/slides/slide26.xml><?xml version="1.0" encoding="utf-8"?>
 <p:sld xmlns:a="http://schemas.openxmlformats.org/drawingml/2006/main" xmlns:r="http://schemas.openxmlformats.org/officeDocument/2006/relationships" xmlns:p="http://schemas.openxmlformats.org/presentationml/2006/main">
   <p:cSld>
     <p:spTree>
@@ -15790,7 +15648,7 @@
 </p:sld>
 </file>
 
-<file path=ppt/slides/slide28.xml><?xml version="1.0" encoding="utf-8"?>
+<file path=ppt/slides/slide27.xml><?xml version="1.0" encoding="utf-8"?>
 <p:sld xmlns:a="http://schemas.openxmlformats.org/drawingml/2006/main" xmlns:r="http://schemas.openxmlformats.org/officeDocument/2006/relationships" xmlns:p="http://schemas.openxmlformats.org/presentationml/2006/main">
   <p:cSld>
     <p:spTree>
@@ -16491,6 +16349,264 @@
     <p:extLst>
       <p:ext uri="{BB962C8B-B14F-4D97-AF65-F5344CB8AC3E}">
         <p14:creationId xmlns:p14="http://schemas.microsoft.com/office/powerpoint/2010/main" val="4156526975"/>
+      </p:ext>
+    </p:extLst>
+  </p:cSld>
+  <p:clrMapOvr>
+    <a:masterClrMapping/>
+  </p:clrMapOvr>
+</p:sld>
+</file>
+
+<file path=ppt/slides/slide28.xml><?xml version="1.0" encoding="utf-8"?>
+<p:sld xmlns:a="http://schemas.openxmlformats.org/drawingml/2006/main" xmlns:r="http://schemas.openxmlformats.org/officeDocument/2006/relationships" xmlns:p="http://schemas.openxmlformats.org/presentationml/2006/main">
+  <p:cSld>
+    <p:spTree>
+      <p:nvGrpSpPr>
+        <p:cNvPr id="1" name=""/>
+        <p:cNvGrpSpPr/>
+        <p:nvPr/>
+      </p:nvGrpSpPr>
+      <p:grpSpPr>
+        <a:xfrm>
+          <a:off x="0" y="0"/>
+          <a:ext cx="0" cy="0"/>
+          <a:chOff x="0" y="0"/>
+          <a:chExt cx="0" cy="0"/>
+        </a:xfrm>
+      </p:grpSpPr>
+      <p:sp>
+        <p:nvSpPr>
+          <p:cNvPr id="2" name="Titel 1">
+            <a:extLst>
+              <a:ext uri="{FF2B5EF4-FFF2-40B4-BE49-F238E27FC236}">
+                <a16:creationId xmlns:a16="http://schemas.microsoft.com/office/drawing/2014/main" id="{3363B985-2812-BDBB-7E9D-A28D84AB06EF}"/>
+              </a:ext>
+            </a:extLst>
+          </p:cNvPr>
+          <p:cNvSpPr>
+            <a:spLocks noGrp="1"/>
+          </p:cNvSpPr>
+          <p:nvPr>
+            <p:ph type="title"/>
+          </p:nvPr>
+        </p:nvSpPr>
+        <p:spPr/>
+        <p:txBody>
+          <a:bodyPr/>
+          <a:lstStyle/>
+          <a:p>
+            <a:r>
+              <a:rPr lang="de-DE" dirty="0"/>
+              <a:t>CI/CD</a:t>
+            </a:r>
+          </a:p>
+        </p:txBody>
+      </p:sp>
+      <p:sp>
+        <p:nvSpPr>
+          <p:cNvPr id="4" name="Inhaltsplatzhalter 2">
+            <a:extLst>
+              <a:ext uri="{FF2B5EF4-FFF2-40B4-BE49-F238E27FC236}">
+                <a16:creationId xmlns:a16="http://schemas.microsoft.com/office/drawing/2014/main" id="{FE26268B-C609-ACA5-B6B4-D8D23D94F991}"/>
+              </a:ext>
+            </a:extLst>
+          </p:cNvPr>
+          <p:cNvSpPr>
+            <a:spLocks noGrp="1"/>
+          </p:cNvSpPr>
+          <p:nvPr>
+            <p:ph idx="1"/>
+          </p:nvPr>
+        </p:nvSpPr>
+        <p:spPr>
+          <a:xfrm>
+            <a:off x="303213" y="981075"/>
+            <a:ext cx="8516937" cy="5400675"/>
+          </a:xfrm>
+        </p:spPr>
+        <p:txBody>
+          <a:bodyPr/>
+          <a:lstStyle/>
+          <a:p>
+            <a:pPr marL="0" indent="0">
+              <a:buNone/>
+            </a:pPr>
+            <a:r>
+              <a:rPr lang="de-DE" b="1" dirty="0"/>
+              <a:t>Rules</a:t>
+            </a:r>
+          </a:p>
+          <a:p>
+            <a:pPr>
+              <a:buFont typeface="Arial" panose="020B0604020202020204" pitchFamily="34" charset="0"/>
+              <a:buChar char="•"/>
+            </a:pPr>
+            <a:r>
+              <a:rPr lang="de-DE" dirty="0"/>
+              <a:t>Regeln zur Steuerung der Ausführung von Jobs in CI/CD-Pipelines</a:t>
+            </a:r>
+          </a:p>
+          <a:p>
+            <a:pPr>
+              <a:buFont typeface="Arial" panose="020B0604020202020204" pitchFamily="34" charset="0"/>
+              <a:buChar char="•"/>
+            </a:pPr>
+            <a:r>
+              <a:rPr lang="de-DE" dirty="0"/>
+              <a:t>Verwendung:</a:t>
+            </a:r>
+          </a:p>
+          <a:p>
+            <a:pPr lvl="1">
+              <a:buFont typeface="Arial" panose="020B0604020202020204" pitchFamily="34" charset="0"/>
+              <a:buChar char="•"/>
+            </a:pPr>
+            <a:r>
+              <a:rPr lang="de-DE" dirty="0"/>
+              <a:t>Konfiguration in .</a:t>
+            </a:r>
+            <a:r>
+              <a:rPr lang="de-DE" dirty="0" err="1"/>
+              <a:t>gitlab-ci.yml</a:t>
+            </a:r>
+            <a:endParaRPr lang="de-DE" dirty="0"/>
+          </a:p>
+          <a:p>
+            <a:pPr lvl="1">
+              <a:buFont typeface="Arial" panose="020B0604020202020204" pitchFamily="34" charset="0"/>
+              <a:buChar char="•"/>
+            </a:pPr>
+            <a:r>
+              <a:rPr lang="de-DE" dirty="0"/>
+              <a:t>Ersetzt </a:t>
+            </a:r>
+            <a:r>
+              <a:rPr lang="de-DE" b="1" dirty="0" err="1"/>
+              <a:t>only</a:t>
+            </a:r>
+            <a:r>
+              <a:rPr lang="de-DE" dirty="0"/>
+              <a:t> und </a:t>
+            </a:r>
+            <a:r>
+              <a:rPr lang="de-DE" b="1" dirty="0" err="1"/>
+              <a:t>except</a:t>
+            </a:r>
+            <a:endParaRPr lang="de-DE" b="1" dirty="0"/>
+          </a:p>
+          <a:p>
+            <a:pPr>
+              <a:buFont typeface="Arial" panose="020B0604020202020204" pitchFamily="34" charset="0"/>
+              <a:buChar char="•"/>
+            </a:pPr>
+            <a:r>
+              <a:rPr lang="de-DE" dirty="0"/>
+              <a:t>Wichtige Schlüsselwörter:</a:t>
+            </a:r>
+          </a:p>
+          <a:p>
+            <a:pPr lvl="1">
+              <a:buFont typeface="Arial" panose="020B0604020202020204" pitchFamily="34" charset="0"/>
+              <a:buChar char="•"/>
+            </a:pPr>
+            <a:r>
+              <a:rPr lang="de-DE" b="1" dirty="0" err="1"/>
+              <a:t>if</a:t>
+            </a:r>
+            <a:r>
+              <a:rPr lang="de-DE" dirty="0"/>
+              <a:t>: Bedingungen basierend auf Variablen oder Pipeline-Status</a:t>
+            </a:r>
+          </a:p>
+          <a:p>
+            <a:pPr lvl="1">
+              <a:buFont typeface="Arial" panose="020B0604020202020204" pitchFamily="34" charset="0"/>
+              <a:buChar char="•"/>
+            </a:pPr>
+            <a:r>
+              <a:rPr lang="de-DE" b="1" dirty="0" err="1"/>
+              <a:t>changes</a:t>
+            </a:r>
+            <a:r>
+              <a:rPr lang="de-DE" dirty="0"/>
+              <a:t>: Bedingungen basierend auf Dateiänderungen</a:t>
+            </a:r>
+          </a:p>
+          <a:p>
+            <a:pPr lvl="1">
+              <a:buFont typeface="Arial" panose="020B0604020202020204" pitchFamily="34" charset="0"/>
+              <a:buChar char="•"/>
+            </a:pPr>
+            <a:r>
+              <a:rPr lang="de-DE" b="1" dirty="0" err="1"/>
+              <a:t>exists</a:t>
+            </a:r>
+            <a:r>
+              <a:rPr lang="de-DE" dirty="0"/>
+              <a:t>: Bedingungen basierend auf dem Vorhandensein von Dateien</a:t>
+            </a:r>
+          </a:p>
+          <a:p>
+            <a:pPr lvl="1">
+              <a:buFont typeface="Arial" panose="020B0604020202020204" pitchFamily="34" charset="0"/>
+              <a:buChar char="•"/>
+            </a:pPr>
+            <a:r>
+              <a:rPr lang="de-DE" b="1" dirty="0" err="1"/>
+              <a:t>when</a:t>
+            </a:r>
+            <a:r>
+              <a:rPr lang="de-DE" dirty="0"/>
+              <a:t>: Bestimmt, wann ein Job ausgeführt wird (</a:t>
+            </a:r>
+            <a:r>
+              <a:rPr lang="de-DE" dirty="0" err="1"/>
+              <a:t>on_success</a:t>
+            </a:r>
+            <a:r>
+              <a:rPr lang="de-DE" dirty="0"/>
+              <a:t>, </a:t>
+            </a:r>
+            <a:r>
+              <a:rPr lang="de-DE" dirty="0" err="1"/>
+              <a:t>on_failure</a:t>
+            </a:r>
+            <a:r>
+              <a:rPr lang="de-DE" dirty="0"/>
+              <a:t>, </a:t>
+            </a:r>
+            <a:r>
+              <a:rPr lang="de-DE" dirty="0" err="1"/>
+              <a:t>always</a:t>
+            </a:r>
+            <a:r>
+              <a:rPr lang="de-DE" dirty="0"/>
+              <a:t>, </a:t>
+            </a:r>
+            <a:r>
+              <a:rPr lang="de-DE" dirty="0" err="1"/>
+              <a:t>manual</a:t>
+            </a:r>
+            <a:r>
+              <a:rPr lang="de-DE" dirty="0"/>
+              <a:t>, </a:t>
+            </a:r>
+            <a:r>
+              <a:rPr lang="de-DE" dirty="0" err="1"/>
+              <a:t>delayed</a:t>
+            </a:r>
+            <a:r>
+              <a:rPr lang="de-DE" dirty="0"/>
+              <a:t>)</a:t>
+            </a:r>
+          </a:p>
+        </p:txBody>
+      </p:sp>
+    </p:spTree>
+    <p:extLst>
+      <p:ext uri="{BB962C8B-B14F-4D97-AF65-F5344CB8AC3E}">
+        <p14:creationId xmlns:p14="http://schemas.microsoft.com/office/powerpoint/2010/main" val="760018284"/>
       </p:ext>
     </p:extLst>
   </p:cSld>
@@ -16579,667 +16695,6 @@
               <a:t>Rules</a:t>
             </a:r>
           </a:p>
-          <a:p>
-            <a:pPr>
-              <a:buFont typeface="Arial" panose="020B0604020202020204" pitchFamily="34" charset="0"/>
-              <a:buChar char="•"/>
-            </a:pPr>
-            <a:r>
-              <a:rPr lang="de-DE" dirty="0"/>
-              <a:t>Regeln zur Steuerung der Ausführung von Jobs in CI/CD-Pipelines</a:t>
-            </a:r>
-          </a:p>
-          <a:p>
-            <a:pPr>
-              <a:buFont typeface="Arial" panose="020B0604020202020204" pitchFamily="34" charset="0"/>
-              <a:buChar char="•"/>
-            </a:pPr>
-            <a:r>
-              <a:rPr lang="de-DE" dirty="0"/>
-              <a:t>Verwendung:</a:t>
-            </a:r>
-          </a:p>
-          <a:p>
-            <a:pPr lvl="1">
-              <a:buFont typeface="Arial" panose="020B0604020202020204" pitchFamily="34" charset="0"/>
-              <a:buChar char="•"/>
-            </a:pPr>
-            <a:r>
-              <a:rPr lang="de-DE" dirty="0"/>
-              <a:t>Konfiguration in .</a:t>
-            </a:r>
-            <a:r>
-              <a:rPr lang="de-DE" dirty="0" err="1"/>
-              <a:t>gitlab-ci.yml</a:t>
-            </a:r>
-            <a:endParaRPr lang="de-DE" dirty="0"/>
-          </a:p>
-          <a:p>
-            <a:pPr lvl="1">
-              <a:buFont typeface="Arial" panose="020B0604020202020204" pitchFamily="34" charset="0"/>
-              <a:buChar char="•"/>
-            </a:pPr>
-            <a:r>
-              <a:rPr lang="de-DE" dirty="0"/>
-              <a:t>Ersetzt </a:t>
-            </a:r>
-            <a:r>
-              <a:rPr lang="de-DE" b="1" dirty="0" err="1"/>
-              <a:t>only</a:t>
-            </a:r>
-            <a:r>
-              <a:rPr lang="de-DE" dirty="0"/>
-              <a:t> und </a:t>
-            </a:r>
-            <a:r>
-              <a:rPr lang="de-DE" b="1" dirty="0" err="1"/>
-              <a:t>except</a:t>
-            </a:r>
-            <a:endParaRPr lang="de-DE" b="1" dirty="0"/>
-          </a:p>
-          <a:p>
-            <a:pPr>
-              <a:buFont typeface="Arial" panose="020B0604020202020204" pitchFamily="34" charset="0"/>
-              <a:buChar char="•"/>
-            </a:pPr>
-            <a:r>
-              <a:rPr lang="de-DE" dirty="0"/>
-              <a:t>Wichtige Schlüsselwörter:</a:t>
-            </a:r>
-          </a:p>
-          <a:p>
-            <a:pPr lvl="1">
-              <a:buFont typeface="Arial" panose="020B0604020202020204" pitchFamily="34" charset="0"/>
-              <a:buChar char="•"/>
-            </a:pPr>
-            <a:r>
-              <a:rPr lang="de-DE" b="1" dirty="0" err="1"/>
-              <a:t>if</a:t>
-            </a:r>
-            <a:r>
-              <a:rPr lang="de-DE" dirty="0"/>
-              <a:t>: Bedingungen basierend auf Variablen oder Pipeline-Status</a:t>
-            </a:r>
-          </a:p>
-          <a:p>
-            <a:pPr lvl="1">
-              <a:buFont typeface="Arial" panose="020B0604020202020204" pitchFamily="34" charset="0"/>
-              <a:buChar char="•"/>
-            </a:pPr>
-            <a:r>
-              <a:rPr lang="de-DE" b="1" dirty="0" err="1"/>
-              <a:t>changes</a:t>
-            </a:r>
-            <a:r>
-              <a:rPr lang="de-DE" dirty="0"/>
-              <a:t>: Bedingungen basierend auf Dateiänderungen</a:t>
-            </a:r>
-          </a:p>
-          <a:p>
-            <a:pPr lvl="1">
-              <a:buFont typeface="Arial" panose="020B0604020202020204" pitchFamily="34" charset="0"/>
-              <a:buChar char="•"/>
-            </a:pPr>
-            <a:r>
-              <a:rPr lang="de-DE" b="1" dirty="0" err="1"/>
-              <a:t>exists</a:t>
-            </a:r>
-            <a:r>
-              <a:rPr lang="de-DE" dirty="0"/>
-              <a:t>: Bedingungen basierend auf dem Vorhandensein von Dateien</a:t>
-            </a:r>
-          </a:p>
-          <a:p>
-            <a:pPr lvl="1">
-              <a:buFont typeface="Arial" panose="020B0604020202020204" pitchFamily="34" charset="0"/>
-              <a:buChar char="•"/>
-            </a:pPr>
-            <a:r>
-              <a:rPr lang="de-DE" b="1" dirty="0" err="1"/>
-              <a:t>when</a:t>
-            </a:r>
-            <a:r>
-              <a:rPr lang="de-DE" dirty="0"/>
-              <a:t>: Bestimmt, wann ein Job ausgeführt wird (</a:t>
-            </a:r>
-            <a:r>
-              <a:rPr lang="de-DE" dirty="0" err="1"/>
-              <a:t>on_success</a:t>
-            </a:r>
-            <a:r>
-              <a:rPr lang="de-DE" dirty="0"/>
-              <a:t>, </a:t>
-            </a:r>
-            <a:r>
-              <a:rPr lang="de-DE" dirty="0" err="1"/>
-              <a:t>on_failure</a:t>
-            </a:r>
-            <a:r>
-              <a:rPr lang="de-DE" dirty="0"/>
-              <a:t>, </a:t>
-            </a:r>
-            <a:r>
-              <a:rPr lang="de-DE" dirty="0" err="1"/>
-              <a:t>always</a:t>
-            </a:r>
-            <a:r>
-              <a:rPr lang="de-DE" dirty="0"/>
-              <a:t>, </a:t>
-            </a:r>
-            <a:r>
-              <a:rPr lang="de-DE" dirty="0" err="1"/>
-              <a:t>manual</a:t>
-            </a:r>
-            <a:r>
-              <a:rPr lang="de-DE" dirty="0"/>
-              <a:t>, </a:t>
-            </a:r>
-            <a:r>
-              <a:rPr lang="de-DE" dirty="0" err="1"/>
-              <a:t>delayed</a:t>
-            </a:r>
-            <a:r>
-              <a:rPr lang="de-DE" dirty="0"/>
-              <a:t>)</a:t>
-            </a:r>
-          </a:p>
-        </p:txBody>
-      </p:sp>
-    </p:spTree>
-    <p:extLst>
-      <p:ext uri="{BB962C8B-B14F-4D97-AF65-F5344CB8AC3E}">
-        <p14:creationId xmlns:p14="http://schemas.microsoft.com/office/powerpoint/2010/main" val="760018284"/>
-      </p:ext>
-    </p:extLst>
-  </p:cSld>
-  <p:clrMapOvr>
-    <a:masterClrMapping/>
-  </p:clrMapOvr>
-</p:sld>
-</file>
-
-<file path=ppt/slides/slide3.xml><?xml version="1.0" encoding="utf-8"?>
-<p:sld xmlns:a="http://schemas.openxmlformats.org/drawingml/2006/main" xmlns:r="http://schemas.openxmlformats.org/officeDocument/2006/relationships" xmlns:p="http://schemas.openxmlformats.org/presentationml/2006/main">
-  <p:cSld>
-    <p:spTree>
-      <p:nvGrpSpPr>
-        <p:cNvPr id="1" name=""/>
-        <p:cNvGrpSpPr/>
-        <p:nvPr/>
-      </p:nvGrpSpPr>
-      <p:grpSpPr>
-        <a:xfrm>
-          <a:off x="0" y="0"/>
-          <a:ext cx="0" cy="0"/>
-          <a:chOff x="0" y="0"/>
-          <a:chExt cx="0" cy="0"/>
-        </a:xfrm>
-      </p:grpSpPr>
-      <p:sp>
-        <p:nvSpPr>
-          <p:cNvPr id="6146" name="Inhaltsplatzhalter 18">
-            <a:extLst>
-              <a:ext uri="{FF2B5EF4-FFF2-40B4-BE49-F238E27FC236}">
-                <a16:creationId xmlns:a16="http://schemas.microsoft.com/office/drawing/2014/main" id="{BE3C4C95-FD5D-27F0-ED0C-AB8113CAC9F1}"/>
-              </a:ext>
-            </a:extLst>
-          </p:cNvPr>
-          <p:cNvSpPr>
-            <a:spLocks noGrp="1"/>
-          </p:cNvSpPr>
-          <p:nvPr>
-            <p:ph idx="1"/>
-          </p:nvPr>
-        </p:nvSpPr>
-        <p:spPr/>
-        <p:txBody>
-          <a:bodyPr/>
-          <a:lstStyle/>
-          <a:p>
-            <a:pPr>
-              <a:buFont typeface="Arial" panose="020B0604020202020204" pitchFamily="34" charset="0"/>
-              <a:buChar char="•"/>
-            </a:pPr>
-            <a:endParaRPr lang="de-DE" altLang="de-DE" sz="1800" b="1" dirty="0"/>
-          </a:p>
-          <a:p>
-            <a:pPr>
-              <a:buFont typeface="Arial" panose="020B0604020202020204" pitchFamily="34" charset="0"/>
-              <a:buChar char="•"/>
-            </a:pPr>
-            <a:r>
-              <a:rPr lang="de-DE" altLang="de-DE" sz="1800" b="1" dirty="0"/>
-              <a:t>Tag 1 – Einführung in </a:t>
-            </a:r>
-            <a:r>
-              <a:rPr lang="de-DE" altLang="de-DE" sz="1800" b="1" dirty="0" err="1"/>
-              <a:t>Git</a:t>
-            </a:r>
-            <a:r>
-              <a:rPr lang="de-DE" altLang="de-DE" sz="1800" b="1" dirty="0"/>
-              <a:t> und </a:t>
-            </a:r>
-            <a:r>
-              <a:rPr lang="de-DE" altLang="de-DE" sz="1800" b="1" dirty="0" err="1"/>
-              <a:t>GitLab</a:t>
-            </a:r>
-            <a:r>
-              <a:rPr lang="de-DE" altLang="de-DE" sz="1800" b="1" dirty="0"/>
-              <a:t>, </a:t>
-            </a:r>
-            <a:r>
-              <a:rPr lang="de-DE" altLang="de-DE" sz="1800" b="1" dirty="0" err="1"/>
-              <a:t>Git</a:t>
-            </a:r>
-            <a:r>
-              <a:rPr lang="de-DE" altLang="de-DE" sz="1800" b="1" dirty="0"/>
-              <a:t>-Workflow im Team</a:t>
-            </a:r>
-          </a:p>
-          <a:p>
-            <a:pPr lvl="1">
-              <a:buFont typeface="Arial" panose="020B0604020202020204" pitchFamily="34" charset="0"/>
-              <a:buChar char="•"/>
-            </a:pPr>
-            <a:r>
-              <a:rPr lang="de-DE" altLang="de-DE" sz="1400" dirty="0"/>
-              <a:t>Einführung &amp; Kursüberblick</a:t>
-            </a:r>
-          </a:p>
-          <a:p>
-            <a:pPr lvl="1">
-              <a:buFont typeface="Arial" panose="020B0604020202020204" pitchFamily="34" charset="0"/>
-              <a:buChar char="•"/>
-            </a:pPr>
-            <a:r>
-              <a:rPr lang="de-DE" altLang="de-DE" sz="1400" dirty="0"/>
-              <a:t>Grundlagen von </a:t>
-            </a:r>
-            <a:r>
-              <a:rPr lang="de-DE" altLang="de-DE" sz="1400" dirty="0" err="1"/>
-              <a:t>Git</a:t>
-            </a:r>
-            <a:r>
-              <a:rPr lang="de-DE" altLang="de-DE" sz="1400" dirty="0"/>
-              <a:t> und </a:t>
-            </a:r>
-            <a:r>
-              <a:rPr lang="de-DE" altLang="de-DE" sz="1400" dirty="0" err="1"/>
-              <a:t>GitLab</a:t>
-            </a:r>
-            <a:endParaRPr lang="de-DE" altLang="de-DE" sz="1400" dirty="0"/>
-          </a:p>
-          <a:p>
-            <a:pPr lvl="1">
-              <a:buFont typeface="Arial" panose="020B0604020202020204" pitchFamily="34" charset="0"/>
-              <a:buChar char="•"/>
-            </a:pPr>
-            <a:r>
-              <a:rPr lang="de-DE" altLang="de-DE" sz="1400" dirty="0" err="1"/>
-              <a:t>Git</a:t>
-            </a:r>
-            <a:r>
-              <a:rPr lang="de-DE" altLang="de-DE" sz="1400" dirty="0"/>
-              <a:t> </a:t>
-            </a:r>
-            <a:r>
-              <a:rPr lang="de-DE" altLang="de-DE" sz="1400" dirty="0" err="1"/>
-              <a:t>Rebase</a:t>
-            </a:r>
-            <a:r>
-              <a:rPr lang="de-DE" altLang="de-DE" sz="1400" dirty="0"/>
-              <a:t> &amp; </a:t>
-            </a:r>
-            <a:r>
-              <a:rPr lang="de-DE" altLang="de-DE" sz="1400" dirty="0" err="1"/>
-              <a:t>Merge</a:t>
-            </a:r>
-            <a:r>
-              <a:rPr lang="de-DE" altLang="de-DE" sz="1400" dirty="0"/>
-              <a:t>-Strategien</a:t>
-            </a:r>
-          </a:p>
-          <a:p>
-            <a:pPr lvl="1">
-              <a:buFont typeface="Arial" panose="020B0604020202020204" pitchFamily="34" charset="0"/>
-              <a:buChar char="•"/>
-            </a:pPr>
-            <a:r>
-              <a:rPr lang="de-DE" altLang="de-DE" sz="1400" dirty="0" err="1"/>
-              <a:t>Git</a:t>
-            </a:r>
-            <a:r>
-              <a:rPr lang="de-DE" altLang="de-DE" sz="1400" dirty="0"/>
-              <a:t>-Workflow im Team</a:t>
-            </a:r>
-          </a:p>
-          <a:p>
-            <a:pPr lvl="1">
-              <a:buFont typeface="Arial" panose="020B0604020202020204" pitchFamily="34" charset="0"/>
-              <a:buChar char="•"/>
-            </a:pPr>
-            <a:endParaRPr lang="de-DE" altLang="de-DE" sz="1400" dirty="0"/>
-          </a:p>
-          <a:p>
-            <a:pPr>
-              <a:buFont typeface="Arial" panose="020B0604020202020204" pitchFamily="34" charset="0"/>
-              <a:buChar char="•"/>
-            </a:pPr>
-            <a:r>
-              <a:rPr lang="de-DE" altLang="de-DE" sz="1800" b="1" dirty="0"/>
-              <a:t>Tag 2 – Vertiefung </a:t>
-            </a:r>
-            <a:r>
-              <a:rPr lang="de-DE" altLang="de-DE" sz="1800" b="1" dirty="0" err="1"/>
-              <a:t>Git</a:t>
-            </a:r>
-            <a:r>
-              <a:rPr lang="de-DE" altLang="de-DE" sz="1800" b="1" dirty="0"/>
-              <a:t>-Workflow, CI/CD &amp; </a:t>
-            </a:r>
-            <a:r>
-              <a:rPr lang="de-DE" altLang="de-DE" sz="1800" b="1" dirty="0" err="1"/>
-              <a:t>GitOps</a:t>
-            </a:r>
-            <a:endParaRPr lang="de-DE" altLang="de-DE" sz="1800" b="1" dirty="0"/>
-          </a:p>
-          <a:p>
-            <a:pPr lvl="1">
-              <a:buFont typeface="Arial" panose="020B0604020202020204" pitchFamily="34" charset="0"/>
-              <a:buChar char="•"/>
-            </a:pPr>
-            <a:r>
-              <a:rPr lang="de-DE" altLang="de-DE" sz="1400" dirty="0" err="1"/>
-              <a:t>Gitflow</a:t>
-            </a:r>
-            <a:r>
-              <a:rPr lang="de-DE" altLang="de-DE" sz="1400" dirty="0"/>
-              <a:t>-Workflow</a:t>
-            </a:r>
-          </a:p>
-          <a:p>
-            <a:pPr lvl="1">
-              <a:buFont typeface="Arial" panose="020B0604020202020204" pitchFamily="34" charset="0"/>
-              <a:buChar char="•"/>
-            </a:pPr>
-            <a:r>
-              <a:rPr lang="de-DE" altLang="de-DE" sz="1400" dirty="0"/>
-              <a:t>Tags, Releases &amp; deren Verwaltung</a:t>
-            </a:r>
-          </a:p>
-          <a:p>
-            <a:pPr lvl="1">
-              <a:buFont typeface="Arial" panose="020B0604020202020204" pitchFamily="34" charset="0"/>
-              <a:buChar char="•"/>
-            </a:pPr>
-            <a:r>
-              <a:rPr lang="de-DE" altLang="de-DE" sz="1400" u="sng" dirty="0"/>
-              <a:t>Einführung in </a:t>
-            </a:r>
-            <a:r>
-              <a:rPr lang="de-DE" altLang="de-DE" sz="1400" u="sng" dirty="0" err="1"/>
-              <a:t>GitLab</a:t>
-            </a:r>
-            <a:r>
-              <a:rPr lang="de-DE" altLang="de-DE" sz="1400" u="sng" dirty="0"/>
-              <a:t> CI/CD &amp; </a:t>
-            </a:r>
-            <a:r>
-              <a:rPr lang="de-DE" altLang="de-DE" sz="1400" u="sng" dirty="0" err="1"/>
-              <a:t>gitlab.yml</a:t>
-            </a:r>
-            <a:endParaRPr lang="de-DE" altLang="de-DE" sz="1400" u="sng" dirty="0"/>
-          </a:p>
-          <a:p>
-            <a:pPr lvl="1">
-              <a:buFont typeface="Arial" panose="020B0604020202020204" pitchFamily="34" charset="0"/>
-              <a:buChar char="•"/>
-            </a:pPr>
-            <a:r>
-              <a:rPr lang="de-DE" altLang="de-DE" sz="1400" dirty="0"/>
-              <a:t>Grundlagen von </a:t>
-            </a:r>
-            <a:r>
-              <a:rPr lang="de-DE" altLang="de-DE" sz="1400" dirty="0" err="1"/>
-              <a:t>GitOps</a:t>
-            </a:r>
-            <a:endParaRPr lang="de-DE" altLang="de-DE" sz="1400" dirty="0"/>
-          </a:p>
-          <a:p>
-            <a:pPr lvl="1">
-              <a:buFont typeface="Arial" panose="020B0604020202020204" pitchFamily="34" charset="0"/>
-              <a:buChar char="•"/>
-            </a:pPr>
-            <a:endParaRPr lang="de-DE" altLang="de-DE" sz="1400" dirty="0"/>
-          </a:p>
-          <a:p>
-            <a:pPr>
-              <a:buFont typeface="Arial" panose="020B0604020202020204" pitchFamily="34" charset="0"/>
-              <a:buChar char="•"/>
-            </a:pPr>
-            <a:r>
-              <a:rPr lang="de-DE" altLang="de-DE" sz="1800" b="1" dirty="0"/>
-              <a:t>Tag 3 – Docker in der Entwicklung, </a:t>
-            </a:r>
-            <a:r>
-              <a:rPr lang="de-DE" altLang="de-DE" sz="1800" b="1" dirty="0" err="1"/>
-              <a:t>GitLab</a:t>
-            </a:r>
-            <a:r>
-              <a:rPr lang="de-DE" altLang="de-DE" sz="1800" b="1" dirty="0"/>
-              <a:t> CI und </a:t>
-            </a:r>
-            <a:r>
-              <a:rPr lang="de-DE" altLang="de-DE" sz="1800" b="1" dirty="0" err="1"/>
-              <a:t>Deployment</a:t>
-            </a:r>
-            <a:r>
-              <a:rPr lang="de-DE" altLang="de-DE" sz="1800" b="1" dirty="0"/>
-              <a:t>-Strategien</a:t>
-            </a:r>
-          </a:p>
-          <a:p>
-            <a:pPr lvl="1">
-              <a:buFont typeface="Arial" panose="020B0604020202020204" pitchFamily="34" charset="0"/>
-              <a:buChar char="•"/>
-            </a:pPr>
-            <a:r>
-              <a:rPr lang="de-DE" altLang="de-DE" sz="1400" dirty="0"/>
-              <a:t>Lokale Entwicklung mit Docker</a:t>
-            </a:r>
-          </a:p>
-          <a:p>
-            <a:pPr lvl="1">
-              <a:buFont typeface="Arial" panose="020B0604020202020204" pitchFamily="34" charset="0"/>
-              <a:buChar char="•"/>
-            </a:pPr>
-            <a:r>
-              <a:rPr lang="de-DE" altLang="de-DE" sz="1400" dirty="0" err="1"/>
-              <a:t>GitLab</a:t>
-            </a:r>
-            <a:r>
-              <a:rPr lang="de-DE" altLang="de-DE" sz="1400" dirty="0"/>
-              <a:t>-Runner &amp; Docker-Registry</a:t>
-            </a:r>
-          </a:p>
-          <a:p>
-            <a:pPr lvl="1">
-              <a:buFont typeface="Arial" panose="020B0604020202020204" pitchFamily="34" charset="0"/>
-              <a:buChar char="•"/>
-            </a:pPr>
-            <a:r>
-              <a:rPr lang="de-DE" altLang="de-DE" sz="1400" dirty="0"/>
-              <a:t>Erstellen </a:t>
-            </a:r>
-            <a:r>
-              <a:rPr lang="de-DE" altLang="de-DE" sz="1400" dirty="0" err="1"/>
-              <a:t>ovn</a:t>
-            </a:r>
-            <a:r>
-              <a:rPr lang="de-DE" altLang="de-DE" sz="1400" dirty="0"/>
-              <a:t> Release- und </a:t>
-            </a:r>
-            <a:r>
-              <a:rPr lang="de-DE" altLang="de-DE" sz="1400" dirty="0" err="1"/>
-              <a:t>Tagged</a:t>
-            </a:r>
-            <a:r>
-              <a:rPr lang="de-DE" altLang="de-DE" sz="1400" dirty="0"/>
-              <a:t>-Images</a:t>
-            </a:r>
-          </a:p>
-          <a:p>
-            <a:pPr lvl="1">
-              <a:buFont typeface="Arial" panose="020B0604020202020204" pitchFamily="34" charset="0"/>
-              <a:buChar char="•"/>
-            </a:pPr>
-            <a:r>
-              <a:rPr lang="de-DE" altLang="de-DE" sz="1400" dirty="0"/>
-              <a:t>Möglichkeiten des </a:t>
-            </a:r>
-            <a:r>
-              <a:rPr lang="de-DE" altLang="de-DE" sz="1400" dirty="0" err="1"/>
-              <a:t>Deployments</a:t>
-            </a:r>
-            <a:r>
-              <a:rPr lang="de-DE" altLang="de-DE" sz="1400" dirty="0"/>
-              <a:t> &amp; Verwaltung von Konfiguration</a:t>
-            </a:r>
-          </a:p>
-          <a:p>
-            <a:pPr lvl="1">
-              <a:buFont typeface="Arial" panose="020B0604020202020204" pitchFamily="34" charset="0"/>
-              <a:buChar char="•"/>
-            </a:pPr>
-            <a:endParaRPr lang="de-DE" altLang="de-DE" sz="1400" dirty="0"/>
-          </a:p>
-        </p:txBody>
-      </p:sp>
-      <p:sp>
-        <p:nvSpPr>
-          <p:cNvPr id="6147" name="Rectangle 1062">
-            <a:extLst>
-              <a:ext uri="{FF2B5EF4-FFF2-40B4-BE49-F238E27FC236}">
-                <a16:creationId xmlns:a16="http://schemas.microsoft.com/office/drawing/2014/main" id="{C46E9340-3256-8D55-A265-94F2F41E288E}"/>
-              </a:ext>
-            </a:extLst>
-          </p:cNvPr>
-          <p:cNvSpPr>
-            <a:spLocks noGrp="1" noChangeArrowheads="1"/>
-          </p:cNvSpPr>
-          <p:nvPr>
-            <p:ph type="title"/>
-          </p:nvPr>
-        </p:nvSpPr>
-        <p:spPr>
-          <a:xfrm>
-            <a:off x="285750" y="142875"/>
-            <a:ext cx="5654675" cy="706438"/>
-          </a:xfrm>
-        </p:spPr>
-        <p:txBody>
-          <a:bodyPr/>
-          <a:lstStyle/>
-          <a:p>
-            <a:r>
-              <a:rPr lang="de-DE" altLang="de-DE" dirty="0"/>
-              <a:t>Agenda</a:t>
-            </a:r>
-          </a:p>
-        </p:txBody>
-      </p:sp>
-    </p:spTree>
-    <p:extLst>
-      <p:ext uri="{BB962C8B-B14F-4D97-AF65-F5344CB8AC3E}">
-        <p14:creationId xmlns:p14="http://schemas.microsoft.com/office/powerpoint/2010/main" val="3071277897"/>
-      </p:ext>
-    </p:extLst>
-  </p:cSld>
-  <p:clrMapOvr>
-    <a:masterClrMapping/>
-  </p:clrMapOvr>
-</p:sld>
-</file>
-
-<file path=ppt/slides/slide30.xml><?xml version="1.0" encoding="utf-8"?>
-<p:sld xmlns:a="http://schemas.openxmlformats.org/drawingml/2006/main" xmlns:r="http://schemas.openxmlformats.org/officeDocument/2006/relationships" xmlns:p="http://schemas.openxmlformats.org/presentationml/2006/main">
-  <p:cSld>
-    <p:spTree>
-      <p:nvGrpSpPr>
-        <p:cNvPr id="1" name=""/>
-        <p:cNvGrpSpPr/>
-        <p:nvPr/>
-      </p:nvGrpSpPr>
-      <p:grpSpPr>
-        <a:xfrm>
-          <a:off x="0" y="0"/>
-          <a:ext cx="0" cy="0"/>
-          <a:chOff x="0" y="0"/>
-          <a:chExt cx="0" cy="0"/>
-        </a:xfrm>
-      </p:grpSpPr>
-      <p:sp>
-        <p:nvSpPr>
-          <p:cNvPr id="2" name="Titel 1">
-            <a:extLst>
-              <a:ext uri="{FF2B5EF4-FFF2-40B4-BE49-F238E27FC236}">
-                <a16:creationId xmlns:a16="http://schemas.microsoft.com/office/drawing/2014/main" id="{3363B985-2812-BDBB-7E9D-A28D84AB06EF}"/>
-              </a:ext>
-            </a:extLst>
-          </p:cNvPr>
-          <p:cNvSpPr>
-            <a:spLocks noGrp="1"/>
-          </p:cNvSpPr>
-          <p:nvPr>
-            <p:ph type="title"/>
-          </p:nvPr>
-        </p:nvSpPr>
-        <p:spPr/>
-        <p:txBody>
-          <a:bodyPr/>
-          <a:lstStyle/>
-          <a:p>
-            <a:r>
-              <a:rPr lang="de-DE" dirty="0"/>
-              <a:t>CI/CD</a:t>
-            </a:r>
-          </a:p>
-        </p:txBody>
-      </p:sp>
-      <p:sp>
-        <p:nvSpPr>
-          <p:cNvPr id="4" name="Inhaltsplatzhalter 2">
-            <a:extLst>
-              <a:ext uri="{FF2B5EF4-FFF2-40B4-BE49-F238E27FC236}">
-                <a16:creationId xmlns:a16="http://schemas.microsoft.com/office/drawing/2014/main" id="{FE26268B-C609-ACA5-B6B4-D8D23D94F991}"/>
-              </a:ext>
-            </a:extLst>
-          </p:cNvPr>
-          <p:cNvSpPr>
-            <a:spLocks noGrp="1"/>
-          </p:cNvSpPr>
-          <p:nvPr>
-            <p:ph idx="1"/>
-          </p:nvPr>
-        </p:nvSpPr>
-        <p:spPr>
-          <a:xfrm>
-            <a:off x="303213" y="981075"/>
-            <a:ext cx="8516937" cy="5400675"/>
-          </a:xfrm>
-        </p:spPr>
-        <p:txBody>
-          <a:bodyPr/>
-          <a:lstStyle/>
-          <a:p>
-            <a:pPr marL="0" indent="0">
-              <a:buNone/>
-            </a:pPr>
-            <a:r>
-              <a:rPr lang="de-DE" b="1" dirty="0"/>
-              <a:t>Rules</a:t>
-            </a:r>
-          </a:p>
         </p:txBody>
       </p:sp>
       <p:sp>
@@ -17708,7 +17163,81 @@
 </p:sld>
 </file>
 
-<file path=ppt/slides/slide31.xml><?xml version="1.0" encoding="utf-8"?>
+<file path=ppt/slides/slide3.xml><?xml version="1.0" encoding="utf-8"?>
+<p:sld xmlns:a="http://schemas.openxmlformats.org/drawingml/2006/main" xmlns:r="http://schemas.openxmlformats.org/officeDocument/2006/relationships" xmlns:p="http://schemas.openxmlformats.org/presentationml/2006/main">
+  <p:cSld>
+    <p:spTree>
+      <p:nvGrpSpPr>
+        <p:cNvPr id="1" name=""/>
+        <p:cNvGrpSpPr/>
+        <p:nvPr/>
+      </p:nvGrpSpPr>
+      <p:grpSpPr>
+        <a:xfrm>
+          <a:off x="0" y="0"/>
+          <a:ext cx="0" cy="0"/>
+          <a:chOff x="0" y="0"/>
+          <a:chExt cx="0" cy="0"/>
+        </a:xfrm>
+      </p:grpSpPr>
+      <p:sp>
+        <p:nvSpPr>
+          <p:cNvPr id="2" name="Titel 1"/>
+          <p:cNvSpPr>
+            <a:spLocks noGrp="1"/>
+          </p:cNvSpPr>
+          <p:nvPr>
+            <p:ph type="title"/>
+          </p:nvPr>
+        </p:nvSpPr>
+        <p:spPr/>
+        <p:txBody>
+          <a:bodyPr/>
+          <a:lstStyle/>
+          <a:p>
+            <a:r>
+              <a:rPr lang="de-DE" cap="none" dirty="0"/>
+              <a:t>CI/CD</a:t>
+            </a:r>
+          </a:p>
+        </p:txBody>
+      </p:sp>
+      <p:sp>
+        <p:nvSpPr>
+          <p:cNvPr id="3" name="Untertitel 2"/>
+          <p:cNvSpPr>
+            <a:spLocks noGrp="1"/>
+          </p:cNvSpPr>
+          <p:nvPr>
+            <p:ph type="body" idx="1"/>
+          </p:nvPr>
+        </p:nvSpPr>
+        <p:spPr/>
+        <p:txBody>
+          <a:bodyPr/>
+          <a:lstStyle/>
+          <a:p>
+            <a:r>
+              <a:rPr lang="de-DE" dirty="0"/>
+              <a:t>Grundlagen von</a:t>
+            </a:r>
+          </a:p>
+        </p:txBody>
+      </p:sp>
+    </p:spTree>
+    <p:extLst>
+      <p:ext uri="{BB962C8B-B14F-4D97-AF65-F5344CB8AC3E}">
+        <p14:creationId xmlns:p14="http://schemas.microsoft.com/office/powerpoint/2010/main" val="614702079"/>
+      </p:ext>
+    </p:extLst>
+  </p:cSld>
+  <p:clrMapOvr>
+    <a:masterClrMapping/>
+  </p:clrMapOvr>
+</p:sld>
+</file>
+
+<file path=ppt/slides/slide30.xml><?xml version="1.0" encoding="utf-8"?>
 <p:sld xmlns:a="http://schemas.openxmlformats.org/drawingml/2006/main" xmlns:r="http://schemas.openxmlformats.org/officeDocument/2006/relationships" xmlns:p="http://schemas.openxmlformats.org/presentationml/2006/main">
   <p:cSld>
     <p:spTree>
@@ -17864,7 +17393,7 @@
 </p:sld>
 </file>
 
-<file path=ppt/slides/slide32.xml><?xml version="1.0" encoding="utf-8"?>
+<file path=ppt/slides/slide31.xml><?xml version="1.0" encoding="utf-8"?>
 <p:sld xmlns:a="http://schemas.openxmlformats.org/drawingml/2006/main" xmlns:r="http://schemas.openxmlformats.org/officeDocument/2006/relationships" xmlns:p="http://schemas.openxmlformats.org/presentationml/2006/main">
   <p:cSld>
     <p:spTree>
@@ -19424,7 +18953,7 @@
 </p:sld>
 </file>
 
-<file path=ppt/slides/slide33.xml><?xml version="1.0" encoding="utf-8"?>
+<file path=ppt/slides/slide32.xml><?xml version="1.0" encoding="utf-8"?>
 <p:sld xmlns:a="http://schemas.openxmlformats.org/drawingml/2006/main" xmlns:r="http://schemas.openxmlformats.org/officeDocument/2006/relationships" xmlns:p="http://schemas.openxmlformats.org/presentationml/2006/main">
   <p:cSld>
     <p:spTree>
@@ -19571,7 +19100,7 @@
 </p:sld>
 </file>
 
-<file path=ppt/slides/slide34.xml><?xml version="1.0" encoding="utf-8"?>
+<file path=ppt/slides/slide33.xml><?xml version="1.0" encoding="utf-8"?>
 <p:sld xmlns:a="http://schemas.openxmlformats.org/drawingml/2006/main" xmlns:r="http://schemas.openxmlformats.org/officeDocument/2006/relationships" xmlns:p="http://schemas.openxmlformats.org/presentationml/2006/main">
   <p:cSld>
     <p:spTree>
@@ -21442,80 +20971,6 @@
 </file>
 
 <file path=ppt/slides/slide4.xml><?xml version="1.0" encoding="utf-8"?>
-<p:sld xmlns:a="http://schemas.openxmlformats.org/drawingml/2006/main" xmlns:r="http://schemas.openxmlformats.org/officeDocument/2006/relationships" xmlns:p="http://schemas.openxmlformats.org/presentationml/2006/main">
-  <p:cSld>
-    <p:spTree>
-      <p:nvGrpSpPr>
-        <p:cNvPr id="1" name=""/>
-        <p:cNvGrpSpPr/>
-        <p:nvPr/>
-      </p:nvGrpSpPr>
-      <p:grpSpPr>
-        <a:xfrm>
-          <a:off x="0" y="0"/>
-          <a:ext cx="0" cy="0"/>
-          <a:chOff x="0" y="0"/>
-          <a:chExt cx="0" cy="0"/>
-        </a:xfrm>
-      </p:grpSpPr>
-      <p:sp>
-        <p:nvSpPr>
-          <p:cNvPr id="2" name="Titel 1"/>
-          <p:cNvSpPr>
-            <a:spLocks noGrp="1"/>
-          </p:cNvSpPr>
-          <p:nvPr>
-            <p:ph type="title"/>
-          </p:nvPr>
-        </p:nvSpPr>
-        <p:spPr/>
-        <p:txBody>
-          <a:bodyPr/>
-          <a:lstStyle/>
-          <a:p>
-            <a:r>
-              <a:rPr lang="de-DE" cap="none" dirty="0"/>
-              <a:t>CI/CD</a:t>
-            </a:r>
-          </a:p>
-        </p:txBody>
-      </p:sp>
-      <p:sp>
-        <p:nvSpPr>
-          <p:cNvPr id="3" name="Untertitel 2"/>
-          <p:cNvSpPr>
-            <a:spLocks noGrp="1"/>
-          </p:cNvSpPr>
-          <p:nvPr>
-            <p:ph type="body" idx="1"/>
-          </p:nvPr>
-        </p:nvSpPr>
-        <p:spPr/>
-        <p:txBody>
-          <a:bodyPr/>
-          <a:lstStyle/>
-          <a:p>
-            <a:r>
-              <a:rPr lang="de-DE" dirty="0"/>
-              <a:t>Grundlagen von</a:t>
-            </a:r>
-          </a:p>
-        </p:txBody>
-      </p:sp>
-    </p:spTree>
-    <p:extLst>
-      <p:ext uri="{BB962C8B-B14F-4D97-AF65-F5344CB8AC3E}">
-        <p14:creationId xmlns:p14="http://schemas.microsoft.com/office/powerpoint/2010/main" val="614702079"/>
-      </p:ext>
-    </p:extLst>
-  </p:cSld>
-  <p:clrMapOvr>
-    <a:masterClrMapping/>
-  </p:clrMapOvr>
-</p:sld>
-</file>
-
-<file path=ppt/slides/slide5.xml><?xml version="1.0" encoding="utf-8"?>
 <p:sld xmlns:a="http://schemas.openxmlformats.org/drawingml/2006/main" xmlns:r="http://schemas.openxmlformats.org/officeDocument/2006/relationships" xmlns:p="http://schemas.openxmlformats.org/presentationml/2006/main">
   <p:cSld>
     <p:spTree>
@@ -21623,8 +21078,8 @@
         </p:nvSpPr>
         <p:spPr bwMode="auto">
           <a:xfrm>
-            <a:off x="4199861" y="6194309"/>
-            <a:ext cx="5018567" cy="338554"/>
+            <a:off x="4067944" y="6237312"/>
+            <a:ext cx="5340691" cy="215444"/>
           </a:xfrm>
           <a:prstGeom prst="rect">
             <a:avLst/>
@@ -21665,6 +21120,256 @@
     <p:extLst>
       <p:ext uri="{BB962C8B-B14F-4D97-AF65-F5344CB8AC3E}">
         <p14:creationId xmlns:p14="http://schemas.microsoft.com/office/powerpoint/2010/main" val="4011945835"/>
+      </p:ext>
+    </p:extLst>
+  </p:cSld>
+  <p:clrMapOvr>
+    <a:masterClrMapping/>
+  </p:clrMapOvr>
+</p:sld>
+</file>
+
+<file path=ppt/slides/slide5.xml><?xml version="1.0" encoding="utf-8"?>
+<p:sld xmlns:a="http://schemas.openxmlformats.org/drawingml/2006/main" xmlns:r="http://schemas.openxmlformats.org/officeDocument/2006/relationships" xmlns:p="http://schemas.openxmlformats.org/presentationml/2006/main">
+  <p:cSld>
+    <p:spTree>
+      <p:nvGrpSpPr>
+        <p:cNvPr id="1" name=""/>
+        <p:cNvGrpSpPr/>
+        <p:nvPr/>
+      </p:nvGrpSpPr>
+      <p:grpSpPr>
+        <a:xfrm>
+          <a:off x="0" y="0"/>
+          <a:ext cx="0" cy="0"/>
+          <a:chOff x="0" y="0"/>
+          <a:chExt cx="0" cy="0"/>
+        </a:xfrm>
+      </p:grpSpPr>
+      <p:sp>
+        <p:nvSpPr>
+          <p:cNvPr id="2" name="Titel 1">
+            <a:extLst>
+              <a:ext uri="{FF2B5EF4-FFF2-40B4-BE49-F238E27FC236}">
+                <a16:creationId xmlns:a16="http://schemas.microsoft.com/office/drawing/2014/main" id="{74F61811-DDD3-CD36-300B-D3CAEEBD8E91}"/>
+              </a:ext>
+            </a:extLst>
+          </p:cNvPr>
+          <p:cNvSpPr>
+            <a:spLocks noGrp="1"/>
+          </p:cNvSpPr>
+          <p:nvPr>
+            <p:ph type="title"/>
+          </p:nvPr>
+        </p:nvSpPr>
+        <p:spPr/>
+        <p:txBody>
+          <a:bodyPr/>
+          <a:lstStyle/>
+          <a:p>
+            <a:r>
+              <a:rPr lang="de-DE" dirty="0"/>
+              <a:t>CI/CD</a:t>
+            </a:r>
+          </a:p>
+        </p:txBody>
+      </p:sp>
+      <p:sp>
+        <p:nvSpPr>
+          <p:cNvPr id="10" name="Inhaltsplatzhalter 2">
+            <a:extLst>
+              <a:ext uri="{FF2B5EF4-FFF2-40B4-BE49-F238E27FC236}">
+                <a16:creationId xmlns:a16="http://schemas.microsoft.com/office/drawing/2014/main" id="{65F4F27F-EA27-84BE-FDD1-AE4BEA6A264F}"/>
+              </a:ext>
+            </a:extLst>
+          </p:cNvPr>
+          <p:cNvSpPr>
+            <a:spLocks noGrp="1"/>
+          </p:cNvSpPr>
+          <p:nvPr>
+            <p:ph idx="1"/>
+          </p:nvPr>
+        </p:nvSpPr>
+        <p:spPr>
+          <a:xfrm>
+            <a:off x="303213" y="981075"/>
+            <a:ext cx="8516937" cy="5400675"/>
+          </a:xfrm>
+        </p:spPr>
+        <p:txBody>
+          <a:bodyPr/>
+          <a:lstStyle/>
+          <a:p>
+            <a:pPr marL="0" indent="0">
+              <a:buNone/>
+            </a:pPr>
+            <a:r>
+              <a:rPr lang="de-DE" b="1" dirty="0" err="1"/>
+              <a:t>Continuous</a:t>
+            </a:r>
+            <a:r>
+              <a:rPr lang="de-DE" b="1" dirty="0"/>
+              <a:t> Integration (CI)</a:t>
+            </a:r>
+          </a:p>
+          <a:p>
+            <a:pPr>
+              <a:buFont typeface="Arial" panose="020B0604020202020204" pitchFamily="34" charset="0"/>
+              <a:buChar char="•"/>
+            </a:pPr>
+            <a:r>
+              <a:rPr lang="de-DE" dirty="0"/>
+              <a:t>Definition:</a:t>
+            </a:r>
+          </a:p>
+          <a:p>
+            <a:pPr lvl="1">
+              <a:buFont typeface="Arial" panose="020B0604020202020204" pitchFamily="34" charset="0"/>
+              <a:buChar char="•"/>
+            </a:pPr>
+            <a:r>
+              <a:rPr lang="de-DE" dirty="0"/>
+              <a:t>Regelmäßiges Zusammenführen von Codeänderungen in das Haupt-Repository</a:t>
+            </a:r>
+          </a:p>
+          <a:p>
+            <a:pPr>
+              <a:buFont typeface="Arial" panose="020B0604020202020204" pitchFamily="34" charset="0"/>
+              <a:buChar char="•"/>
+            </a:pPr>
+            <a:r>
+              <a:rPr lang="de-DE" dirty="0"/>
+              <a:t>Schlüsselprinzipien:</a:t>
+            </a:r>
+          </a:p>
+          <a:p>
+            <a:pPr lvl="1">
+              <a:buFont typeface="Arial" panose="020B0604020202020204" pitchFamily="34" charset="0"/>
+              <a:buChar char="•"/>
+            </a:pPr>
+            <a:r>
+              <a:rPr lang="de-DE" b="1" dirty="0"/>
+              <a:t>Häufige </a:t>
+            </a:r>
+            <a:r>
+              <a:rPr lang="de-DE" b="1" dirty="0" err="1"/>
+              <a:t>Commits</a:t>
+            </a:r>
+            <a:r>
+              <a:rPr lang="de-DE" dirty="0"/>
+              <a:t>: </a:t>
+            </a:r>
+            <a:r>
+              <a:rPr lang="de-DE"/>
+              <a:t>Regelmäßiges integrieren </a:t>
+            </a:r>
+            <a:r>
+              <a:rPr lang="de-DE" dirty="0"/>
+              <a:t>kleiner Änderungen</a:t>
+            </a:r>
+          </a:p>
+          <a:p>
+            <a:pPr lvl="1">
+              <a:buFont typeface="Arial" panose="020B0604020202020204" pitchFamily="34" charset="0"/>
+              <a:buChar char="•"/>
+            </a:pPr>
+            <a:r>
+              <a:rPr lang="de-DE" b="1" dirty="0"/>
+              <a:t>Automatisierte </a:t>
+            </a:r>
+            <a:r>
+              <a:rPr lang="de-DE" b="1" dirty="0" err="1"/>
+              <a:t>Builds</a:t>
+            </a:r>
+            <a:r>
+              <a:rPr lang="de-DE" dirty="0"/>
+              <a:t>: Jeder Commit triggert einen </a:t>
+            </a:r>
+            <a:r>
+              <a:rPr lang="de-DE" dirty="0" err="1"/>
+              <a:t>Build</a:t>
+            </a:r>
+            <a:endParaRPr lang="de-DE" dirty="0"/>
+          </a:p>
+          <a:p>
+            <a:pPr lvl="1">
+              <a:buFont typeface="Arial" panose="020B0604020202020204" pitchFamily="34" charset="0"/>
+              <a:buChar char="•"/>
+            </a:pPr>
+            <a:r>
+              <a:rPr lang="de-DE" b="1" dirty="0"/>
+              <a:t>Automatisierte Tests</a:t>
+            </a:r>
+            <a:r>
+              <a:rPr lang="de-DE" dirty="0"/>
+              <a:t>: Jeder </a:t>
+            </a:r>
+            <a:r>
+              <a:rPr lang="de-DE" dirty="0" err="1"/>
+              <a:t>Build</a:t>
+            </a:r>
+            <a:r>
+              <a:rPr lang="de-DE" dirty="0"/>
+              <a:t> wird getestet</a:t>
+            </a:r>
+          </a:p>
+          <a:p>
+            <a:pPr lvl="1">
+              <a:buFont typeface="Arial" panose="020B0604020202020204" pitchFamily="34" charset="0"/>
+              <a:buChar char="•"/>
+            </a:pPr>
+            <a:r>
+              <a:rPr lang="de-DE" b="1" dirty="0"/>
+              <a:t>Feedback</a:t>
+            </a:r>
+            <a:r>
+              <a:rPr lang="de-DE" dirty="0"/>
+              <a:t>: Schnelles Feedback für Entwickler bei Fehlern</a:t>
+            </a:r>
+          </a:p>
+          <a:p>
+            <a:pPr>
+              <a:buFont typeface="Arial" panose="020B0604020202020204" pitchFamily="34" charset="0"/>
+              <a:buChar char="•"/>
+            </a:pPr>
+            <a:r>
+              <a:rPr lang="de-DE" dirty="0"/>
+              <a:t>Vorteile:</a:t>
+            </a:r>
+          </a:p>
+          <a:p>
+            <a:pPr lvl="1">
+              <a:buFont typeface="Arial" panose="020B0604020202020204" pitchFamily="34" charset="0"/>
+              <a:buChar char="•"/>
+            </a:pPr>
+            <a:r>
+              <a:rPr lang="de-DE" dirty="0"/>
+              <a:t>Früherkennung von Fehlern</a:t>
+            </a:r>
+          </a:p>
+          <a:p>
+            <a:pPr lvl="1">
+              <a:buFont typeface="Arial" panose="020B0604020202020204" pitchFamily="34" charset="0"/>
+              <a:buChar char="•"/>
+            </a:pPr>
+            <a:r>
+              <a:rPr lang="de-DE" dirty="0"/>
+              <a:t>Verbesserte Zusammenarbeit und Codequalität</a:t>
+            </a:r>
+          </a:p>
+          <a:p>
+            <a:pPr lvl="1">
+              <a:buFont typeface="Arial" panose="020B0604020202020204" pitchFamily="34" charset="0"/>
+              <a:buChar char="•"/>
+            </a:pPr>
+            <a:endParaRPr lang="de-DE" dirty="0"/>
+          </a:p>
+        </p:txBody>
+      </p:sp>
+    </p:spTree>
+    <p:extLst>
+      <p:ext uri="{BB962C8B-B14F-4D97-AF65-F5344CB8AC3E}">
+        <p14:creationId xmlns:p14="http://schemas.microsoft.com/office/powerpoint/2010/main" val="2371298622"/>
       </p:ext>
     </p:extLst>
   </p:cSld>
@@ -21754,7 +21459,15 @@
             </a:r>
             <a:r>
               <a:rPr lang="de-DE" b="1" dirty="0"/>
-              <a:t> Integration (CI)</a:t>
+              <a:t> </a:t>
+            </a:r>
+            <a:r>
+              <a:rPr lang="de-DE" b="1" dirty="0" err="1"/>
+              <a:t>Delivery</a:t>
+            </a:r>
+            <a:r>
+              <a:rPr lang="de-DE" b="1" dirty="0"/>
+              <a:t> (CD)</a:t>
             </a:r>
           </a:p>
           <a:p>
@@ -21774,7 +21487,7 @@
             </a:pPr>
             <a:r>
               <a:rPr lang="de-DE" dirty="0"/>
-              <a:t>Regelmäßiges Zusammenführen von Codeänderungen in das Haupt-Repository</a:t>
+              <a:t>Sicherstellen, dass der Code jederzeit bereit für den Release ist</a:t>
             </a:r>
           </a:p>
           <a:p>
@@ -21794,23 +21507,11 @@
             </a:pPr>
             <a:r>
               <a:rPr lang="de-DE" b="1" dirty="0"/>
-              <a:t>Häufige </a:t>
-            </a:r>
-            <a:r>
-              <a:rPr lang="de-DE" b="1" dirty="0" err="1"/>
-              <a:t>Commits</a:t>
+              <a:t>Automatisierte Tests</a:t>
             </a:r>
             <a:r>
               <a:rPr lang="de-DE" dirty="0"/>
-              <a:t>: </a:t>
-            </a:r>
-            <a:r>
-              <a:rPr lang="de-DE"/>
-              <a:t>Regelmäßiges integrieren </a:t>
-            </a:r>
-            <a:r>
-              <a:rPr lang="de-DE" dirty="0"/>
-              <a:t>kleiner Änderungen</a:t>
+              <a:t>: Umfassende Tests zur Sicherstellung der Codequalität</a:t>
             </a:r>
           </a:p>
           <a:p>
@@ -21820,21 +21521,12 @@
             </a:pPr>
             <a:r>
               <a:rPr lang="de-DE" b="1" dirty="0"/>
-              <a:t>Automatisierte </a:t>
-            </a:r>
-            <a:r>
-              <a:rPr lang="de-DE" b="1" dirty="0" err="1"/>
-              <a:t>Builds</a:t>
+              <a:t>Release Management</a:t>
             </a:r>
             <a:r>
               <a:rPr lang="de-DE" dirty="0"/>
-              <a:t>: Jeder Commit triggert einen </a:t>
-            </a:r>
-            <a:r>
-              <a:rPr lang="de-DE" dirty="0" err="1"/>
-              <a:t>Build</a:t>
-            </a:r>
-            <a:endParaRPr lang="de-DE" dirty="0"/>
+              <a:t>: Vorbereitung auf häufige Releases</a:t>
+            </a:r>
           </a:p>
           <a:p>
             <a:pPr lvl="1">
@@ -21842,20 +21534,30 @@
               <a:buChar char="•"/>
             </a:pPr>
             <a:r>
-              <a:rPr lang="de-DE" b="1" dirty="0"/>
-              <a:t>Automatisierte Tests</a:t>
+              <a:rPr lang="de-DE" b="1" dirty="0" err="1"/>
+              <a:t>Deployments</a:t>
             </a:r>
             <a:r>
               <a:rPr lang="de-DE" dirty="0"/>
-              <a:t>: Jeder </a:t>
+              <a:t>: Manuelle oder automatisierte Bereitstellung in </a:t>
             </a:r>
             <a:r>
               <a:rPr lang="de-DE" dirty="0" err="1"/>
-              <a:t>Build</a:t>
+              <a:t>Staging</a:t>
             </a:r>
             <a:r>
               <a:rPr lang="de-DE" dirty="0"/>
-              <a:t> wird getestet</a:t>
+              <a:t>-Umgebungen</a:t>
+            </a:r>
+          </a:p>
+          <a:p>
+            <a:pPr>
+              <a:buFont typeface="Arial" panose="020B0604020202020204" pitchFamily="34" charset="0"/>
+              <a:buChar char="•"/>
+            </a:pPr>
+            <a:r>
+              <a:rPr lang="de-DE" dirty="0"/>
+              <a:t>Vorteile:</a:t>
             </a:r>
           </a:p>
           <a:p>
@@ -21864,22 +21566,8 @@
               <a:buChar char="•"/>
             </a:pPr>
             <a:r>
-              <a:rPr lang="de-DE" b="1" dirty="0"/>
-              <a:t>Feedback</a:t>
-            </a:r>
-            <a:r>
               <a:rPr lang="de-DE" dirty="0"/>
-              <a:t>: Schnelles Feedback für Entwickler bei Fehlern</a:t>
-            </a:r>
-          </a:p>
-          <a:p>
-            <a:pPr>
-              <a:buFont typeface="Arial" panose="020B0604020202020204" pitchFamily="34" charset="0"/>
-              <a:buChar char="•"/>
-            </a:pPr>
-            <a:r>
-              <a:rPr lang="de-DE" dirty="0"/>
-              <a:t>Vorteile:</a:t>
+              <a:t>Schnelle Bereitstellung neuer Features</a:t>
             </a:r>
           </a:p>
           <a:p>
@@ -21889,32 +21577,15 @@
             </a:pPr>
             <a:r>
               <a:rPr lang="de-DE" dirty="0"/>
-              <a:t>Früherkennung von Fehlern</a:t>
-            </a:r>
-          </a:p>
-          <a:p>
-            <a:pPr lvl="1">
-              <a:buFont typeface="Arial" panose="020B0604020202020204" pitchFamily="34" charset="0"/>
-              <a:buChar char="•"/>
-            </a:pPr>
-            <a:r>
-              <a:rPr lang="de-DE" dirty="0"/>
-              <a:t>Verbesserte Zusammenarbeit und Codequalität</a:t>
-            </a:r>
-          </a:p>
-          <a:p>
-            <a:pPr lvl="1">
-              <a:buFont typeface="Arial" panose="020B0604020202020204" pitchFamily="34" charset="0"/>
-              <a:buChar char="•"/>
-            </a:pPr>
-            <a:endParaRPr lang="de-DE" dirty="0"/>
+              <a:t>Reduzierung von Risiken und Fehlern bei Releases</a:t>
+            </a:r>
           </a:p>
         </p:txBody>
       </p:sp>
     </p:spTree>
     <p:extLst>
       <p:ext uri="{BB962C8B-B14F-4D97-AF65-F5344CB8AC3E}">
-        <p14:creationId xmlns:p14="http://schemas.microsoft.com/office/powerpoint/2010/main" val="2371298622"/>
+        <p14:creationId xmlns:p14="http://schemas.microsoft.com/office/powerpoint/2010/main" val="699689887"/>
       </p:ext>
     </p:extLst>
   </p:cSld>
@@ -22008,12 +21679,9 @@
             </a:r>
             <a:r>
               <a:rPr lang="de-DE" b="1" dirty="0" err="1"/>
-              <a:t>Delivery</a:t>
-            </a:r>
-            <a:r>
-              <a:rPr lang="de-DE" b="1" dirty="0"/>
-              <a:t> (CD)</a:t>
-            </a:r>
+              <a:t>Deployment</a:t>
+            </a:r>
+            <a:endParaRPr lang="de-DE" dirty="0"/>
           </a:p>
           <a:p>
             <a:pPr>
@@ -22032,7 +21700,7 @@
             </a:pPr>
             <a:r>
               <a:rPr lang="de-DE" dirty="0"/>
-              <a:t>Sicherstellen, dass der Code jederzeit bereit für den Release ist</a:t>
+              <a:t>Vollständig automatisierte Bereitstellung in die Produktion</a:t>
             </a:r>
           </a:p>
           <a:p>
@@ -22052,11 +21720,19 @@
             </a:pPr>
             <a:r>
               <a:rPr lang="de-DE" b="1" dirty="0"/>
-              <a:t>Automatisierte Tests</a:t>
+              <a:t>Automatisierte </a:t>
+            </a:r>
+            <a:r>
+              <a:rPr lang="de-DE" b="1" dirty="0" err="1"/>
+              <a:t>Deployment</a:t>
+            </a:r>
+            <a:r>
+              <a:rPr lang="de-DE" b="1" dirty="0"/>
+              <a:t>-Pipeline</a:t>
             </a:r>
             <a:r>
               <a:rPr lang="de-DE" dirty="0"/>
-              <a:t>: Umfassende Tests zur Sicherstellung der Codequalität</a:t>
+              <a:t>: Kein manueller Eingriff notwendig</a:t>
             </a:r>
           </a:p>
           <a:p>
@@ -22066,11 +21742,11 @@
             </a:pPr>
             <a:r>
               <a:rPr lang="de-DE" b="1" dirty="0"/>
-              <a:t>Release Management</a:t>
+              <a:t>Monitoring</a:t>
             </a:r>
             <a:r>
               <a:rPr lang="de-DE" dirty="0"/>
-              <a:t>: Vorbereitung auf häufige Releases</a:t>
+              <a:t>: Kontinuierliche Überwachung und schnelle Reaktion auf Probleme</a:t>
             </a:r>
           </a:p>
           <a:p>
@@ -22079,21 +21755,18 @@
               <a:buChar char="•"/>
             </a:pPr>
             <a:r>
-              <a:rPr lang="de-DE" b="1" dirty="0" err="1"/>
+              <a:rPr lang="de-DE" b="1" dirty="0"/>
+              <a:t>Rollback-Strategie</a:t>
+            </a:r>
+            <a:r>
+              <a:rPr lang="de-DE" dirty="0"/>
+              <a:t>: Mechanismen zur schnellen Rücknahme fehlerhafter </a:t>
+            </a:r>
+            <a:r>
+              <a:rPr lang="de-DE" dirty="0" err="1"/>
               <a:t>Deployments</a:t>
             </a:r>
-            <a:r>
-              <a:rPr lang="de-DE" dirty="0"/>
-              <a:t>: Manuelle oder automatisierte Bereitstellung in </a:t>
-            </a:r>
-            <a:r>
-              <a:rPr lang="de-DE" dirty="0" err="1"/>
-              <a:t>Staging</a:t>
-            </a:r>
-            <a:r>
-              <a:rPr lang="de-DE" dirty="0"/>
-              <a:t>-Umgebungen</a:t>
-            </a:r>
+            <a:endParaRPr lang="de-DE" dirty="0"/>
           </a:p>
           <a:p>
             <a:pPr>
@@ -22112,7 +21785,7 @@
             </a:pPr>
             <a:r>
               <a:rPr lang="de-DE" dirty="0"/>
-              <a:t>Schnelle Bereitstellung neuer Features</a:t>
+              <a:t>Extrem schnelle Veröffentlichung von Änderungen</a:t>
             </a:r>
           </a:p>
           <a:p>
@@ -22122,7 +21795,7 @@
             </a:pPr>
             <a:r>
               <a:rPr lang="de-DE" dirty="0"/>
-              <a:t>Reduzierung von Risiken und Fehlern bei Releases</a:t>
+              <a:t>Sofortige Reaktion auf Marktanforderungen und Benutzerfeedback</a:t>
             </a:r>
           </a:p>
         </p:txBody>
@@ -22130,7 +21803,7 @@
     </p:spTree>
     <p:extLst>
       <p:ext uri="{BB962C8B-B14F-4D97-AF65-F5344CB8AC3E}">
-        <p14:creationId xmlns:p14="http://schemas.microsoft.com/office/powerpoint/2010/main" val="699689887"/>
+        <p14:creationId xmlns:p14="http://schemas.microsoft.com/office/powerpoint/2010/main" val="2931518623"/>
       </p:ext>
     </p:extLst>
   </p:cSld>
@@ -22187,10 +21860,10 @@
       </p:sp>
       <p:sp>
         <p:nvSpPr>
-          <p:cNvPr id="10" name="Inhaltsplatzhalter 2">
+          <p:cNvPr id="8" name="Inhaltsplatzhalter 2">
             <a:extLst>
               <a:ext uri="{FF2B5EF4-FFF2-40B4-BE49-F238E27FC236}">
-                <a16:creationId xmlns:a16="http://schemas.microsoft.com/office/drawing/2014/main" id="{65F4F27F-EA27-84BE-FDD1-AE4BEA6A264F}"/>
+                <a16:creationId xmlns:a16="http://schemas.microsoft.com/office/drawing/2014/main" id="{3750ACE7-620C-13EC-C5A9-67889F051598}"/>
               </a:ext>
             </a:extLst>
           </p:cNvPr>
@@ -22215,16 +21888,8 @@
               <a:buNone/>
             </a:pPr>
             <a:r>
-              <a:rPr lang="de-DE" b="1" dirty="0" err="1"/>
-              <a:t>Continuous</a:t>
-            </a:r>
-            <a:r>
               <a:rPr lang="de-DE" b="1" dirty="0"/>
-              <a:t> </a:t>
-            </a:r>
-            <a:r>
-              <a:rPr lang="de-DE" b="1" dirty="0" err="1"/>
-              <a:t>Deployment</a:t>
+              <a:t>Vorteile von CI/CD</a:t>
             </a:r>
             <a:endParaRPr lang="de-DE" dirty="0"/>
           </a:p>
@@ -22235,7 +21900,7 @@
             </a:pPr>
             <a:r>
               <a:rPr lang="de-DE" dirty="0"/>
-              <a:t>Definition:</a:t>
+              <a:t>Schnellere Lieferung:</a:t>
             </a:r>
           </a:p>
           <a:p>
@@ -22245,7 +21910,7 @@
             </a:pPr>
             <a:r>
               <a:rPr lang="de-DE" dirty="0"/>
-              <a:t>Vollständig automatisierte Bereitstellung in die Produktion</a:t>
+              <a:t>Schnellere Bereitstellung von Updates und Features</a:t>
             </a:r>
           </a:p>
           <a:p>
@@ -22255,7 +21920,7 @@
             </a:pPr>
             <a:r>
               <a:rPr lang="de-DE" dirty="0"/>
-              <a:t>Schlüsselprinzipien:</a:t>
+              <a:t>Höhere Qualität:</a:t>
             </a:r>
           </a:p>
           <a:p>
@@ -22264,20 +21929,26 @@
               <a:buChar char="•"/>
             </a:pPr>
             <a:r>
-              <a:rPr lang="de-DE" b="1" dirty="0"/>
-              <a:t>Automatisierte </a:t>
-            </a:r>
-            <a:r>
-              <a:rPr lang="de-DE" b="1" dirty="0" err="1"/>
-              <a:t>Deployment</a:t>
-            </a:r>
-            <a:r>
-              <a:rPr lang="de-DE" b="1" dirty="0"/>
-              <a:t>-Pipeline</a:t>
-            </a:r>
-            <a:r>
               <a:rPr lang="de-DE" dirty="0"/>
-              <a:t>: Kein manueller Eingriff notwendig</a:t>
+              <a:t>Regelmäßige Tests und </a:t>
+            </a:r>
+            <a:r>
+              <a:rPr lang="de-DE" dirty="0" err="1"/>
+              <a:t>Builds</a:t>
+            </a:r>
+            <a:r>
+              <a:rPr lang="de-DE" dirty="0"/>
+              <a:t> verbessern die Codequalität</a:t>
+            </a:r>
+          </a:p>
+          <a:p>
+            <a:pPr>
+              <a:buFont typeface="Arial" panose="020B0604020202020204" pitchFamily="34" charset="0"/>
+              <a:buChar char="•"/>
+            </a:pPr>
+            <a:r>
+              <a:rPr lang="de-DE" dirty="0"/>
+              <a:t>Bessere Zusammenarbeit:</a:t>
             </a:r>
           </a:p>
           <a:p>
@@ -22286,12 +21957,18 @@
               <a:buChar char="•"/>
             </a:pPr>
             <a:r>
-              <a:rPr lang="de-DE" b="1" dirty="0"/>
-              <a:t>Monitoring</a:t>
-            </a:r>
-            <a:r>
               <a:rPr lang="de-DE" dirty="0"/>
-              <a:t>: Kontinuierliche Überwachung und schnelle Reaktion auf Probleme</a:t>
+              <a:t>Förderung von Teamarbeit und kontinuierlichem Feedback</a:t>
+            </a:r>
+          </a:p>
+          <a:p>
+            <a:pPr>
+              <a:buFont typeface="Arial" panose="020B0604020202020204" pitchFamily="34" charset="0"/>
+              <a:buChar char="•"/>
+            </a:pPr>
+            <a:r>
+              <a:rPr lang="de-DE" dirty="0"/>
+              <a:t>Reduzierte Risiken:</a:t>
             </a:r>
           </a:p>
           <a:p>
@@ -22300,47 +21977,8 @@
               <a:buChar char="•"/>
             </a:pPr>
             <a:r>
-              <a:rPr lang="de-DE" b="1" dirty="0"/>
-              <a:t>Rollback-Strategie</a:t>
-            </a:r>
-            <a:r>
               <a:rPr lang="de-DE" dirty="0"/>
-              <a:t>: Mechanismen zur schnellen Rücknahme fehlerhafter </a:t>
-            </a:r>
-            <a:r>
-              <a:rPr lang="de-DE" dirty="0" err="1"/>
-              <a:t>Deployments</a:t>
-            </a:r>
-            <a:endParaRPr lang="de-DE" dirty="0"/>
-          </a:p>
-          <a:p>
-            <a:pPr>
-              <a:buFont typeface="Arial" panose="020B0604020202020204" pitchFamily="34" charset="0"/>
-              <a:buChar char="•"/>
-            </a:pPr>
-            <a:r>
-              <a:rPr lang="de-DE" dirty="0"/>
-              <a:t>Vorteile:</a:t>
-            </a:r>
-          </a:p>
-          <a:p>
-            <a:pPr lvl="1">
-              <a:buFont typeface="Arial" panose="020B0604020202020204" pitchFamily="34" charset="0"/>
-              <a:buChar char="•"/>
-            </a:pPr>
-            <a:r>
-              <a:rPr lang="de-DE" dirty="0"/>
-              <a:t>Extrem schnelle Veröffentlichung von Änderungen</a:t>
-            </a:r>
-          </a:p>
-          <a:p>
-            <a:pPr lvl="1">
-              <a:buFont typeface="Arial" panose="020B0604020202020204" pitchFamily="34" charset="0"/>
-              <a:buChar char="•"/>
-            </a:pPr>
-            <a:r>
-              <a:rPr lang="de-DE" dirty="0"/>
-              <a:t>Sofortige Reaktion auf Marktanforderungen und Benutzerfeedback</a:t>
+              <a:t>Früherkennung und Behebung von Fehlern minimiert Produktionsrisiken</a:t>
             </a:r>
           </a:p>
         </p:txBody>
@@ -22348,7 +21986,7 @@
     </p:spTree>
     <p:extLst>
       <p:ext uri="{BB962C8B-B14F-4D97-AF65-F5344CB8AC3E}">
-        <p14:creationId xmlns:p14="http://schemas.microsoft.com/office/powerpoint/2010/main" val="2931518623"/>
+        <p14:creationId xmlns:p14="http://schemas.microsoft.com/office/powerpoint/2010/main" val="151884392"/>
       </p:ext>
     </p:extLst>
   </p:cSld>
@@ -22434,7 +22072,7 @@
             </a:pPr>
             <a:r>
               <a:rPr lang="de-DE" b="1" dirty="0"/>
-              <a:t>Vorteile von CI/CD</a:t>
+              <a:t>Nachteile von CI/CD</a:t>
             </a:r>
             <a:endParaRPr lang="de-DE" dirty="0"/>
           </a:p>
@@ -22445,7 +22083,30 @@
             </a:pPr>
             <a:r>
               <a:rPr lang="de-DE" dirty="0"/>
-              <a:t>Schnellere Lieferung:</a:t>
+              <a:t>Komplexität der Einrichtung:</a:t>
+            </a:r>
+          </a:p>
+          <a:p>
+            <a:pPr lvl="1">
+              <a:buFont typeface="Arial" pitchFamily="2" charset="2"/>
+              <a:buChar char="•"/>
+            </a:pPr>
+            <a:r>
+              <a:rPr lang="de-DE" dirty="0">
+                <a:ea typeface="+mn-lt"/>
+                <a:cs typeface="+mn-lt"/>
+              </a:rPr>
+              <a:t>Hoher Aufwand für CI/CD-Implementierung.</a:t>
+            </a:r>
+          </a:p>
+          <a:p>
+            <a:pPr>
+              <a:buFont typeface="Arial" panose="020B0604020202020204" pitchFamily="34" charset="0"/>
+              <a:buChar char="•"/>
+            </a:pPr>
+            <a:r>
+              <a:rPr lang="de-DE" dirty="0"/>
+              <a:t>Kulturelle Anpassungen:</a:t>
             </a:r>
           </a:p>
           <a:p>
@@ -22454,8 +22115,11 @@
               <a:buChar char="•"/>
             </a:pPr>
             <a:r>
-              <a:rPr lang="de-DE" dirty="0"/>
-              <a:t>Schnellere Bereitstellung von Updates und Features</a:t>
+              <a:rPr lang="de-DE" dirty="0">
+                <a:ea typeface="+mn-lt"/>
+                <a:cs typeface="+mn-lt"/>
+              </a:rPr>
+              <a:t>Erfordert Veränderung der Team-Arbeitsweise.</a:t>
             </a:r>
           </a:p>
           <a:p>
@@ -22465,7 +22129,7 @@
             </a:pPr>
             <a:r>
               <a:rPr lang="de-DE" dirty="0"/>
-              <a:t>Höhere Qualität:</a:t>
+              <a:t>Abhängigkeit von Automatisierung:</a:t>
             </a:r>
           </a:p>
           <a:p>
@@ -22475,16 +22139,11 @@
             </a:pPr>
             <a:r>
               <a:rPr lang="de-DE" dirty="0"/>
-              <a:t>Regelmäßige Tests und </a:t>
-            </a:r>
-            <a:r>
-              <a:rPr lang="de-DE" dirty="0" err="1"/>
-              <a:t>Builds</a:t>
-            </a:r>
-            <a:r>
-              <a:rPr lang="de-DE" dirty="0"/>
-              <a:t> verbessern die Codequalität</a:t>
-            </a:r>
+              <a:t>Starkes Vertrauen auf Automatisierung kann problematisch sein, wenn die automatisierten Prozesse fehlschlagen oder Fehler enthalten</a:t>
+            </a:r>
+            <a:endParaRPr lang="de-DE" dirty="0">
+              <a:cs typeface="Arial"/>
+            </a:endParaRPr>
           </a:p>
           <a:p>
             <a:pPr>
@@ -22493,45 +22152,35 @@
             </a:pPr>
             <a:r>
               <a:rPr lang="de-DE" dirty="0"/>
-              <a:t>Bessere Zusammenarbeit:</a:t>
-            </a:r>
+              <a:t>Kosten:</a:t>
+            </a:r>
+            <a:endParaRPr lang="de-DE" dirty="0">
+              <a:ea typeface="+mn-lt"/>
+              <a:cs typeface="+mn-lt"/>
+            </a:endParaRPr>
           </a:p>
           <a:p>
             <a:pPr lvl="1">
-              <a:buFont typeface="Arial" panose="020B0604020202020204" pitchFamily="34" charset="0"/>
+              <a:buFont typeface="Arial"/>
               <a:buChar char="•"/>
             </a:pPr>
             <a:r>
-              <a:rPr lang="de-DE" dirty="0"/>
-              <a:t>Förderung von Teamarbeit und kontinuierlichem Feedback</a:t>
-            </a:r>
-          </a:p>
-          <a:p>
-            <a:pPr>
-              <a:buFont typeface="Arial" panose="020B0604020202020204" pitchFamily="34" charset="0"/>
-              <a:buChar char="•"/>
-            </a:pPr>
-            <a:r>
-              <a:rPr lang="de-DE" dirty="0"/>
-              <a:t>Reduzierte Risiken:</a:t>
-            </a:r>
-          </a:p>
-          <a:p>
-            <a:pPr lvl="1">
-              <a:buFont typeface="Arial" panose="020B0604020202020204" pitchFamily="34" charset="0"/>
-              <a:buChar char="•"/>
-            </a:pPr>
-            <a:r>
-              <a:rPr lang="de-DE" dirty="0"/>
-              <a:t>Früherkennung und Behebung von Fehlern minimiert Produktionsrisiken</a:t>
-            </a:r>
+              <a:rPr lang="de-DE" dirty="0">
+                <a:ea typeface="+mn-lt"/>
+                <a:cs typeface="+mn-lt"/>
+              </a:rPr>
+              <a:t>Zusätzliche Kosten für Tools und Schulungen.</a:t>
+            </a:r>
+            <a:endParaRPr lang="de-DE" dirty="0">
+              <a:cs typeface="Arial"/>
+            </a:endParaRPr>
           </a:p>
         </p:txBody>
       </p:sp>
     </p:spTree>
     <p:extLst>
       <p:ext uri="{BB962C8B-B14F-4D97-AF65-F5344CB8AC3E}">
-        <p14:creationId xmlns:p14="http://schemas.microsoft.com/office/powerpoint/2010/main" val="151884392"/>
+        <p14:creationId xmlns:p14="http://schemas.microsoft.com/office/powerpoint/2010/main" val="2752595551"/>
       </p:ext>
     </p:extLst>
   </p:cSld>

--- a/slides/Tag-2_4-CI_CD.pptx
+++ b/slides/Tag-2_4-CI_CD.pptx
@@ -4533,6 +4533,42 @@
           </a:p>
         </p:txBody>
       </p:sp>
+      <p:pic>
+        <p:nvPicPr>
+          <p:cNvPr id="5" name="Grafik 4">
+            <a:extLst>
+              <a:ext uri="{FF2B5EF4-FFF2-40B4-BE49-F238E27FC236}">
+                <a16:creationId xmlns:a16="http://schemas.microsoft.com/office/drawing/2014/main" id="{6F964F7D-C646-8733-EA51-BA7ACA78AB81}"/>
+              </a:ext>
+            </a:extLst>
+          </p:cNvPr>
+          <p:cNvPicPr>
+            <a:picLocks noChangeAspect="1"/>
+          </p:cNvPicPr>
+          <p:nvPr userDrawn="1"/>
+        </p:nvPicPr>
+        <p:blipFill>
+          <a:blip r:embed="rId7">
+            <a:extLst>
+              <a:ext uri="{28A0092B-C50C-407E-A947-70E740481C1C}">
+                <a14:useLocalDpi xmlns:a14="http://schemas.microsoft.com/office/drawing/2010/main" val="0"/>
+              </a:ext>
+            </a:extLst>
+          </a:blip>
+          <a:stretch>
+            <a:fillRect/>
+          </a:stretch>
+        </p:blipFill>
+        <p:spPr>
+          <a:xfrm>
+            <a:off x="8486775" y="-15729"/>
+            <a:ext cx="636272" cy="636272"/>
+          </a:xfrm>
+          <a:prstGeom prst="rect">
+            <a:avLst/>
+          </a:prstGeom>
+        </p:spPr>
+      </p:pic>
     </p:spTree>
   </p:cSld>
   <p:clrMap bg1="lt1" tx1="dk1" bg2="lt2" tx2="dk2" accent1="accent1" accent2="accent2" accent3="accent3" accent4="accent4" accent5="accent5" accent6="accent6" hlink="hlink" folHlink="folHlink"/>
@@ -5242,6 +5278,42 @@
           </a:p>
         </p:txBody>
       </p:sp>
+      <p:pic>
+        <p:nvPicPr>
+          <p:cNvPr id="2" name="Grafik 1">
+            <a:extLst>
+              <a:ext uri="{FF2B5EF4-FFF2-40B4-BE49-F238E27FC236}">
+                <a16:creationId xmlns:a16="http://schemas.microsoft.com/office/drawing/2014/main" id="{5A6EA141-3D84-723D-2A02-224189674C93}"/>
+              </a:ext>
+            </a:extLst>
+          </p:cNvPr>
+          <p:cNvPicPr>
+            <a:picLocks noChangeAspect="1"/>
+          </p:cNvPicPr>
+          <p:nvPr userDrawn="1"/>
+        </p:nvPicPr>
+        <p:blipFill>
+          <a:blip r:embed="rId5">
+            <a:extLst>
+              <a:ext uri="{28A0092B-C50C-407E-A947-70E740481C1C}">
+                <a14:useLocalDpi xmlns:a14="http://schemas.microsoft.com/office/drawing/2010/main" val="0"/>
+              </a:ext>
+            </a:extLst>
+          </a:blip>
+          <a:stretch>
+            <a:fillRect/>
+          </a:stretch>
+        </p:blipFill>
+        <p:spPr>
+          <a:xfrm>
+            <a:off x="3383868" y="4481736"/>
+            <a:ext cx="2376264" cy="2376264"/>
+          </a:xfrm>
+          <a:prstGeom prst="rect">
+            <a:avLst/>
+          </a:prstGeom>
+        </p:spPr>
+      </p:pic>
     </p:spTree>
   </p:cSld>
   <p:clrMap bg1="lt1" tx1="dk1" bg2="lt2" tx2="dk2" accent1="accent1" accent2="accent2" accent3="accent3" accent4="accent4" accent5="accent5" accent6="accent6" hlink="hlink" folHlink="folHlink"/>

--- a/slides/Tag-2_4-CI_CD.pptx
+++ b/slides/Tag-2_4-CI_CD.pptx
@@ -3684,7 +3684,7 @@
               <a:pPr algn="ctr">
                 <a:defRPr/>
               </a:pPr>
-              <a:t>10.06.2024</a:t>
+              <a:t>11.06.2024</a:t>
             </a:fld>
             <a:endParaRPr lang="de-DE" sz="1000">
               <a:solidFill>
@@ -6177,7 +6177,16 @@
               <a:t> </a:t>
             </a:r>
             <a:r>
-              <a:rPr kumimoji="0" lang="de-DE" sz="1700" b="0" i="0" u="none" strike="noStrike" cap="none" normalizeH="0" baseline="0" dirty="0" err="1">
+              <a:rPr lang="de-DE" sz="1700" dirty="0">
+                <a:solidFill>
+                  <a:schemeClr val="bg1"/>
+                </a:solidFill>
+                <a:latin typeface="+mj-lt"/>
+              </a:rPr>
+              <a:t>I</a:t>
+            </a:r>
+            <a:r>
+              <a:rPr kumimoji="0" lang="de-DE" sz="1700" b="0" i="0" u="none" strike="noStrike" cap="none" normalizeH="0" baseline="0" dirty="0">
                 <a:ln>
                   <a:noFill/>
                 </a:ln>
@@ -6187,18 +6196,8 @@
                 <a:effectLst/>
                 <a:latin typeface="+mj-lt"/>
               </a:rPr>
-              <a:t>integration</a:t>
-            </a:r>
-            <a:endParaRPr kumimoji="0" lang="de-DE" sz="1700" b="0" i="0" u="none" strike="noStrike" cap="none" normalizeH="0" baseline="0" dirty="0">
-              <a:ln>
-                <a:noFill/>
-              </a:ln>
-              <a:solidFill>
-                <a:schemeClr val="bg1"/>
-              </a:solidFill>
-              <a:effectLst/>
-              <a:latin typeface="+mj-lt"/>
-            </a:endParaRPr>
+              <a:t>ntegration</a:t>
+            </a:r>
           </a:p>
         </p:txBody>
       </p:sp>
@@ -8199,7 +8198,7 @@
               <a:rPr lang="de-DE" sz="1200" dirty="0" err="1">
                 <a:latin typeface="Arial" charset="0"/>
               </a:rPr>
-              <a:t>delivery</a:t>
+              <a:t>Delivery</a:t>
             </a:r>
             <a:endParaRPr lang="de-DE" sz="1200" dirty="0">
               <a:latin typeface="Arial" charset="0"/>
@@ -8258,7 +8257,7 @@
               <a:rPr lang="de-DE" sz="1200" dirty="0" err="1">
                 <a:latin typeface="Arial" charset="0"/>
               </a:rPr>
-              <a:t>deployment</a:t>
+              <a:t>Deployment</a:t>
             </a:r>
             <a:endParaRPr lang="de-DE" sz="1200" dirty="0">
               <a:latin typeface="Arial" charset="0"/>
@@ -8708,7 +8707,7 @@
           <a:p>
             <a:r>
               <a:rPr lang="de-DE" dirty="0"/>
-              <a:t>Stages</a:t>
+              <a:t>CI/CD</a:t>
             </a:r>
           </a:p>
         </p:txBody>
@@ -8781,15 +8780,7 @@
             </a:pPr>
             <a:r>
               <a:rPr lang="de-DE" dirty="0"/>
-              <a:t>Die Jobs einer Stage können </a:t>
-            </a:r>
-            <a:r>
-              <a:rPr lang="de-DE"/>
-              <a:t>Parallel</a:t>
-            </a:r>
-            <a:r>
-              <a:rPr lang="de-DE" dirty="0"/>
-              <a:t> laufen</a:t>
+              <a:t>Jobs einer Stage können parallel laufen</a:t>
             </a:r>
           </a:p>
           <a:p>
@@ -8901,7 +8892,7 @@
           <a:p>
             <a:r>
               <a:rPr lang="de-DE" dirty="0"/>
-              <a:t>Stages</a:t>
+              <a:t>CI/CD</a:t>
             </a:r>
           </a:p>
         </p:txBody>
@@ -9559,7 +9550,7 @@
             </a:r>
             <a:r>
               <a:rPr lang="de-DE" dirty="0"/>
-              <a:t> CI/CD.</a:t>
+              <a:t> CI/CD</a:t>
             </a:r>
           </a:p>
           <a:p>
@@ -9591,7 +9582,7 @@
             </a:r>
             <a:r>
               <a:rPr lang="de-DE" dirty="0"/>
-              <a:t>-Repository.</a:t>
+              <a:t>-Repository</a:t>
             </a:r>
           </a:p>
           <a:p>
@@ -9617,7 +9608,7 @@
             </a:r>
             <a:r>
               <a:rPr lang="de-DE" dirty="0"/>
-              <a:t>-Datei im Stammverzeichnis des Projekts hinzu.</a:t>
+              <a:t>-Datei im Stammverzeichnis des Projekts hinzu</a:t>
             </a:r>
           </a:p>
           <a:p>
@@ -9635,7 +9626,7 @@
             </a:r>
             <a:r>
               <a:rPr lang="de-DE" dirty="0"/>
-              <a:t> definiert, der "Hello, World!" ausgibt.</a:t>
+              <a:t> definiert, der "Hello, World!" ausgibt</a:t>
             </a:r>
           </a:p>
           <a:p>
@@ -9762,7 +9753,7 @@
             </a:pPr>
             <a:r>
               <a:rPr lang="de-DE" dirty="0"/>
-              <a:t>Mögliche Lösung</a:t>
+              <a:t>Mögliche Lösung:</a:t>
             </a:r>
           </a:p>
           <a:p>
@@ -10170,7 +10161,7 @@
             </a:r>
             <a:r>
               <a:rPr lang="de-DE" dirty="0"/>
-              <a:t> CI funktionieren und wie sie zur Strukturierung von Jobs verwendet werden.</a:t>
+              <a:t> CI funktionieren und wie sie zur Strukturierung von Jobs verwendet werden</a:t>
             </a:r>
           </a:p>
           <a:p>
@@ -10218,7 +10209,7 @@
             </a:r>
             <a:r>
               <a:rPr lang="de-DE" dirty="0"/>
-              <a:t>) zu definieren.</a:t>
+              <a:t>) zu definieren</a:t>
             </a:r>
           </a:p>
           <a:p>
@@ -10236,7 +10227,7 @@
             </a:r>
             <a:r>
               <a:rPr lang="de-DE" dirty="0"/>
-              <a:t>-Stage hinzu, der eine Dummy-Datei erstellt.</a:t>
+              <a:t>-Stage hinzu, der eine Dummy-Datei erstellt</a:t>
             </a:r>
           </a:p>
           <a:p>
@@ -10246,7 +10237,7 @@
             </a:pPr>
             <a:r>
               <a:rPr lang="de-DE" dirty="0"/>
-              <a:t>Füge einen Job in der test-Stage hinzu, der diese Datei überprüft.</a:t>
+              <a:t>Füge einen Job in der test-Stage hinzu, der diese Datei überprüft</a:t>
             </a:r>
           </a:p>
           <a:p>
@@ -10365,7 +10356,7 @@
             </a:pPr>
             <a:r>
               <a:rPr lang="de-DE" dirty="0"/>
-              <a:t>Mögliche Lösung</a:t>
+              <a:t>Mögliche Lösung:</a:t>
             </a:r>
           </a:p>
           <a:p>
@@ -11107,7 +11098,7 @@
             </a:r>
             <a:r>
               <a:rPr lang="de-DE" dirty="0" err="1"/>
-              <a:t>Gitlab</a:t>
+              <a:t>GitLab</a:t>
             </a:r>
             <a:r>
               <a:rPr lang="de-DE" dirty="0"/>
@@ -11137,10 +11128,7 @@
               <a:rPr lang="de-DE" dirty="0" err="1"/>
               <a:t>Artifacts</a:t>
             </a:r>
-            <a:r>
-              <a:rPr lang="de-DE" dirty="0"/>
-              <a:t>:</a:t>
-            </a:r>
+            <a:endParaRPr lang="de-DE" dirty="0"/>
           </a:p>
           <a:p>
             <a:pPr lvl="1">
@@ -12215,7 +12203,7 @@
             </a:r>
             <a:r>
               <a:rPr lang="de-DE" dirty="0"/>
-              <a:t> verwendet, um Dateien zwischen Jobs und Stages zu teilen.</a:t>
+              <a:t> verwendet, um Dateien zwischen Jobs und Stages zu teilen</a:t>
             </a:r>
           </a:p>
           <a:p>
@@ -12255,7 +12243,7 @@
             </a:r>
             <a:r>
               <a:rPr lang="de-DE" dirty="0"/>
-              <a:t> zu speichern.</a:t>
+              <a:t> zu speichern</a:t>
             </a:r>
           </a:p>
           <a:p>
@@ -12281,7 +12269,7 @@
             </a:r>
             <a:r>
               <a:rPr lang="de-DE" dirty="0"/>
-              <a:t> herunterzuladen und zu verwenden.</a:t>
+              <a:t> herunterzuladen und zu verwenden</a:t>
             </a:r>
           </a:p>
           <a:p>
@@ -12397,7 +12385,7 @@
             </a:pPr>
             <a:r>
               <a:rPr lang="de-DE" dirty="0"/>
-              <a:t>Mögliche Lösung</a:t>
+              <a:t>Mögliche Lösung:</a:t>
             </a:r>
           </a:p>
           <a:p>
@@ -13238,7 +13226,7 @@
             </a:r>
             <a:r>
               <a:rPr lang="de-DE" dirty="0"/>
-              <a:t>-Artefakte zu deployen.</a:t>
+              <a:t>-Artefakte zu deployen</a:t>
             </a:r>
           </a:p>
           <a:p>
@@ -13262,7 +13250,7 @@
             </a:pPr>
             <a:r>
               <a:rPr lang="de-DE" dirty="0"/>
-              <a:t>Füge eine deploy-Stage hinzu.</a:t>
+              <a:t>Füge eine deploy-Stage hinzu</a:t>
             </a:r>
           </a:p>
           <a:p>
@@ -13296,7 +13284,7 @@
             </a:r>
             <a:r>
               <a:rPr lang="de-DE" dirty="0"/>
-              <a:t>-Prozess ausführt.</a:t>
+              <a:t>-Prozess ausführt</a:t>
             </a:r>
           </a:p>
           <a:p>
@@ -13408,7 +13396,7 @@
             </a:pPr>
             <a:r>
               <a:rPr lang="de-DE" dirty="0"/>
-              <a:t>Mögliche Lösung</a:t>
+              <a:t>Mögliche Lösung:</a:t>
             </a:r>
           </a:p>
           <a:p>
@@ -14755,7 +14743,7 @@
             </a:pPr>
             <a:r>
               <a:rPr lang="de-DE" dirty="0"/>
-              <a:t>Arten von Variablen:</a:t>
+              <a:t>Arten von Variablen</a:t>
             </a:r>
           </a:p>
           <a:p>
@@ -15653,7 +15641,7 @@
                 <a:ea typeface="+mn-lt"/>
                 <a:cs typeface="+mn-lt"/>
               </a:rPr>
-              <a:t> CI/CD Pipelines verwenden können, um ihren Entwicklungsprozess flexibler zu gestalten und die Wartbarkeit ihres Codes zu verbessern.</a:t>
+              <a:t> CI/CD Pipelines verwenden kann, um den Entwicklungsprozess flexibler zu gestalten und die Wartbarkeit des Codes zu verbessern.</a:t>
             </a:r>
             <a:endParaRPr lang="de-DE" dirty="0">
               <a:cs typeface="Arial"/>
@@ -15807,7 +15795,7 @@
             </a:pPr>
             <a:r>
               <a:rPr lang="de-DE" dirty="0"/>
-              <a:t>Mögliche Lösung</a:t>
+              <a:t>Mögliche Lösung:</a:t>
             </a:r>
           </a:p>
           <a:p>
@@ -16574,7 +16562,7 @@
             </a:pPr>
             <a:r>
               <a:rPr lang="de-DE" dirty="0"/>
-              <a:t>Wichtige Schlüsselwörter:</a:t>
+              <a:t>Wichtige Schlüsselwörter</a:t>
             </a:r>
           </a:p>
           <a:p>
@@ -17408,7 +17396,7 @@
             </a:r>
             <a:r>
               <a:rPr lang="de-DE" dirty="0"/>
-              <a:t> oder Tags.</a:t>
+              <a:t> oder Tags</a:t>
             </a:r>
           </a:p>
           <a:p>
@@ -17440,7 +17428,7 @@
             </a:r>
             <a:r>
               <a:rPr lang="de-DE" dirty="0"/>
-              <a:t>, um ihn nur auf dem main-Branch auszuführen.</a:t>
+              <a:t>, um ihn nur auf dem main-Branch auszuführen</a:t>
             </a:r>
           </a:p>
           <a:p>
@@ -17552,7 +17540,7 @@
             </a:pPr>
             <a:r>
               <a:rPr lang="de-DE" dirty="0"/>
-              <a:t>Mögliche Lösung</a:t>
+              <a:t>Mögliche Lösung:</a:t>
             </a:r>
           </a:p>
           <a:p>
@@ -19116,7 +19104,7 @@
             </a:r>
             <a:r>
               <a:rPr lang="de-DE" dirty="0"/>
-              <a:t>: Verstehe, wie man Jobs parallelisiert, um die CI/CD-Pipeline zu beschleunigen.</a:t>
+              <a:t>: Verstehe, wie man Jobs parallelisiert, um die CI/CD-Pipeline zu beschleunigen</a:t>
             </a:r>
           </a:p>
           <a:p>
@@ -19140,7 +19128,7 @@
             </a:pPr>
             <a:r>
               <a:rPr lang="de-DE" dirty="0"/>
-              <a:t>Füge mehrere Jobs in der test-Stage hinzu, die verschiedene Tests parallel ausführen.</a:t>
+              <a:t>Füge mehrere Jobs in der test-Stage hinzu, die verschiedene Tests parallel ausführen</a:t>
             </a:r>
           </a:p>
           <a:p>
@@ -19259,7 +19247,7 @@
             </a:pPr>
             <a:r>
               <a:rPr lang="de-DE" dirty="0"/>
-              <a:t>Mögliche Lösung</a:t>
+              <a:t>Mögliche Lösung:</a:t>
             </a:r>
           </a:p>
           <a:p>
@@ -21281,7 +21269,15 @@
             </a:r>
             <a:r>
               <a:rPr lang="de-DE" b="1" dirty="0"/>
-              <a:t> Integration (CI)</a:t>
+              <a:t> </a:t>
+            </a:r>
+            <a:r>
+              <a:rPr lang="de-DE" b="1" u="sng" dirty="0"/>
+              <a:t>Integration</a:t>
+            </a:r>
+            <a:r>
+              <a:rPr lang="de-DE" b="1" dirty="0"/>
+              <a:t> (CI)</a:t>
             </a:r>
           </a:p>
           <a:p>
@@ -21329,15 +21325,7 @@
             </a:r>
             <a:r>
               <a:rPr lang="de-DE" dirty="0"/>
-              <a:t>: </a:t>
-            </a:r>
-            <a:r>
-              <a:rPr lang="de-DE"/>
-              <a:t>Regelmäßiges integrieren </a:t>
-            </a:r>
-            <a:r>
-              <a:rPr lang="de-DE" dirty="0"/>
-              <a:t>kleiner Änderungen</a:t>
+              <a:t>: Regelmäßiges Integrieren kleiner Änderungen</a:t>
             </a:r>
           </a:p>
           <a:p>
@@ -21534,7 +21522,7 @@
               <a:t> </a:t>
             </a:r>
             <a:r>
-              <a:rPr lang="de-DE" b="1" dirty="0" err="1"/>
+              <a:rPr lang="de-DE" b="1" u="sng" dirty="0" err="1"/>
               <a:t>Delivery</a:t>
             </a:r>
             <a:r>
@@ -21559,7 +21547,7 @@
             </a:pPr>
             <a:r>
               <a:rPr lang="de-DE" dirty="0"/>
-              <a:t>Sicherstellen, dass der Code jederzeit bereit für den Release ist</a:t>
+              <a:t>Sicherstellen, dass der Code jederzeit bereit für ein Release ist</a:t>
             </a:r>
           </a:p>
           <a:p>
@@ -21750,10 +21738,10 @@
               <a:t> </a:t>
             </a:r>
             <a:r>
-              <a:rPr lang="de-DE" b="1" dirty="0" err="1"/>
+              <a:rPr lang="de-DE" b="1" u="sng" dirty="0" err="1"/>
               <a:t>Deployment</a:t>
             </a:r>
-            <a:endParaRPr lang="de-DE" dirty="0"/>
+            <a:endParaRPr lang="de-DE" u="sng" dirty="0"/>
           </a:p>
           <a:p>
             <a:pPr>
@@ -22168,7 +22156,7 @@
                 <a:ea typeface="+mn-lt"/>
                 <a:cs typeface="+mn-lt"/>
               </a:rPr>
-              <a:t>Hoher Aufwand für CI/CD-Implementierung.</a:t>
+              <a:t>Hoher Aufwand für CI/CD-Implementierung</a:t>
             </a:r>
           </a:p>
           <a:p>
@@ -22191,7 +22179,7 @@
                 <a:ea typeface="+mn-lt"/>
                 <a:cs typeface="+mn-lt"/>
               </a:rPr>
-              <a:t>Erfordert Veränderung der Team-Arbeitsweise.</a:t>
+              <a:t>Erfordert Veränderung der Team-Arbeitsweise</a:t>
             </a:r>
           </a:p>
           <a:p>
@@ -22241,7 +22229,7 @@
                 <a:ea typeface="+mn-lt"/>
                 <a:cs typeface="+mn-lt"/>
               </a:rPr>
-              <a:t>Zusätzliche Kosten für Tools und Schulungen.</a:t>
+              <a:t>Zusätzliche Kosten für Tools und Schulungen</a:t>
             </a:r>
             <a:endParaRPr lang="de-DE" dirty="0">
               <a:cs typeface="Arial"/>

--- a/slides/Tag-2_4-CI_CD.pptx
+++ b/slides/Tag-2_4-CI_CD.pptx
@@ -3684,7 +3684,7 @@
               <a:pPr algn="ctr">
                 <a:defRPr/>
               </a:pPr>
-              <a:t>11.06.2024</a:t>
+              <a:t>14.06.2024</a:t>
             </a:fld>
             <a:endParaRPr lang="de-DE" sz="1000">
               <a:solidFill>
@@ -4112,53 +4112,6 @@
       </p:sp>
       <p:sp>
         <p:nvSpPr>
-          <p:cNvPr id="1063" name="Rectangle 39">
-            <a:hlinkClick r:id="rId4"/>
-            <a:extLst>
-              <a:ext uri="{FF2B5EF4-FFF2-40B4-BE49-F238E27FC236}">
-                <a16:creationId xmlns:a16="http://schemas.microsoft.com/office/drawing/2014/main" id="{613611E0-DAA0-F230-CD0B-8592F1472163}"/>
-              </a:ext>
-            </a:extLst>
-          </p:cNvPr>
-          <p:cNvSpPr>
-            <a:spLocks noChangeArrowheads="1"/>
-          </p:cNvSpPr>
-          <p:nvPr userDrawn="1"/>
-        </p:nvSpPr>
-        <p:spPr bwMode="auto">
-          <a:xfrm>
-            <a:off x="3914775" y="3105150"/>
-            <a:ext cx="9144000" cy="461963"/>
-          </a:xfrm>
-          <a:prstGeom prst="rect">
-            <a:avLst/>
-          </a:prstGeom>
-          <a:noFill/>
-          <a:ln w="12700">
-            <a:noFill/>
-            <a:miter lim="800000"/>
-            <a:headEnd type="none" w="sm" len="sm"/>
-            <a:tailEnd type="none" w="sm" len="sm"/>
-          </a:ln>
-          <a:effectLst/>
-        </p:spPr>
-        <p:txBody>
-          <a:bodyPr>
-            <a:spAutoFit/>
-          </a:bodyPr>
-          <a:lstStyle/>
-          <a:p>
-            <a:pPr>
-              <a:defRPr/>
-            </a:pPr>
-            <a:endParaRPr lang="de-DE" dirty="0">
-              <a:latin typeface="Arial" pitchFamily="34" charset="0"/>
-            </a:endParaRPr>
-          </a:p>
-        </p:txBody>
-      </p:sp>
-      <p:sp>
-        <p:nvSpPr>
           <p:cNvPr id="1064" name="Rectangle 40">
             <a:extLst>
               <a:ext uri="{FF2B5EF4-FFF2-40B4-BE49-F238E27FC236}">
@@ -4364,7 +4317,7 @@
           <p:nvPr userDrawn="1"/>
         </p:nvPicPr>
         <p:blipFill>
-          <a:blip r:embed="rId5">
+          <a:blip r:embed="rId4">
             <a:extLst>
               <a:ext uri="{28A0092B-C50C-407E-A947-70E740481C1C}">
                 <a14:useLocalDpi xmlns:a14="http://schemas.microsoft.com/office/drawing/2010/main" val="0"/>
@@ -4424,7 +4377,7 @@
           <p:nvPr userDrawn="1"/>
         </p:nvPicPr>
         <p:blipFill>
-          <a:blip r:embed="rId6">
+          <a:blip r:embed="rId5">
             <a:extLst>
               <a:ext uri="{28A0092B-C50C-407E-A947-70E740481C1C}">
                 <a14:useLocalDpi xmlns:a14="http://schemas.microsoft.com/office/drawing/2010/main" val="0"/>
@@ -4548,7 +4501,7 @@
           <p:nvPr userDrawn="1"/>
         </p:nvPicPr>
         <p:blipFill>
-          <a:blip r:embed="rId7">
+          <a:blip r:embed="rId6">
             <a:extLst>
               <a:ext uri="{28A0092B-C50C-407E-A947-70E740481C1C}">
                 <a14:useLocalDpi xmlns:a14="http://schemas.microsoft.com/office/drawing/2010/main" val="0"/>

--- a/slides/Tag-2_4-CI_CD.pptx
+++ b/slides/Tag-2_4-CI_CD.pptx
@@ -3684,7 +3684,7 @@
               <a:pPr algn="ctr">
                 <a:defRPr/>
               </a:pPr>
-              <a:t>14.06.2024</a:t>
+              <a:t>17.06.2024</a:t>
             </a:fld>
             <a:endParaRPr lang="de-DE" sz="1000">
               <a:solidFill>
@@ -8691,7 +8691,7 @@
             </a:pPr>
             <a:r>
               <a:rPr lang="de-DE" b="1" dirty="0" err="1"/>
-              <a:t>Gitlab</a:t>
+              <a:t>GitLab</a:t>
             </a:r>
             <a:r>
               <a:rPr lang="de-DE" b="1" dirty="0"/>

--- a/slides/Tag-2_4-CI_CD.pptx
+++ b/slides/Tag-2_4-CI_CD.pptx
@@ -13,8 +13,8 @@
   </p:handoutMasterIdLst>
   <p:sldIdLst>
     <p:sldId id="623" r:id="rId3"/>
-    <p:sldId id="289" r:id="rId4"/>
-    <p:sldId id="625" r:id="rId5"/>
+    <p:sldId id="626" r:id="rId4"/>
+    <p:sldId id="627" r:id="rId5"/>
     <p:sldId id="587" r:id="rId6"/>
     <p:sldId id="590" r:id="rId7"/>
     <p:sldId id="601" r:id="rId8"/>
@@ -3685,7 +3685,7 @@
               <a:pPr algn="ctr">
                 <a:defRPr/>
               </a:pPr>
-              <a:t>18.06.2024</a:t>
+              <a:t>19.06.2024</a:t>
             </a:fld>
             <a:endParaRPr lang="de-DE" sz="1000">
               <a:solidFill>
@@ -11693,7 +11693,7 @@
             </a:pPr>
             <a:r>
               <a:rPr lang="de-DE" altLang="de-DE" sz="1800" b="1" dirty="0"/>
-              <a:t>Tag 3 – </a:t>
+              <a:t>Tag 3 – Docker, </a:t>
             </a:r>
             <a:r>
               <a:rPr lang="de-DE" altLang="de-DE" sz="1800" b="1" dirty="0" err="1"/>
@@ -11701,7 +11701,7 @@
             </a:r>
             <a:r>
               <a:rPr lang="de-DE" altLang="de-DE" sz="1800" b="1" dirty="0"/>
-              <a:t>, Docker, </a:t>
+              <a:t>, </a:t>
             </a:r>
             <a:r>
               <a:rPr lang="de-DE" altLang="de-DE" sz="1800" b="1" dirty="0" err="1"/>
@@ -11718,12 +11718,8 @@
               <a:buChar char="•"/>
             </a:pPr>
             <a:r>
-              <a:rPr lang="de-DE" altLang="de-DE" sz="1400" dirty="0" err="1"/>
-              <a:t>GitOps</a:t>
-            </a:r>
-            <a:r>
               <a:rPr lang="de-DE" altLang="de-DE" sz="1400" dirty="0"/>
-              <a:t> Grundlagen</a:t>
+              <a:t>Entwicklung mit Docker</a:t>
             </a:r>
           </a:p>
           <a:p>
@@ -11733,7 +11729,7 @@
             </a:pPr>
             <a:r>
               <a:rPr lang="de-DE" altLang="de-DE" sz="1400" dirty="0"/>
-              <a:t>Entwicklung mit Docker</a:t>
+              <a:t>Container/Docker-Registry</a:t>
             </a:r>
           </a:p>
           <a:p>
@@ -11743,7 +11739,15 @@
             </a:pPr>
             <a:r>
               <a:rPr lang="de-DE" altLang="de-DE" sz="1400" dirty="0"/>
-              <a:t>Container/Docker-Registry</a:t>
+              <a:t>Erstellen von Release- und </a:t>
+            </a:r>
+            <a:r>
+              <a:rPr lang="de-DE" altLang="de-DE" sz="1400" dirty="0" err="1"/>
+              <a:t>Tagged</a:t>
+            </a:r>
+            <a:r>
+              <a:rPr lang="de-DE" altLang="de-DE" sz="1400" dirty="0"/>
+              <a:t>-Images</a:t>
             </a:r>
           </a:p>
           <a:p>
@@ -11752,16 +11756,12 @@
               <a:buChar char="•"/>
             </a:pPr>
             <a:r>
+              <a:rPr lang="de-DE" altLang="de-DE" sz="1400" dirty="0" err="1"/>
+              <a:t>GitOps</a:t>
+            </a:r>
+            <a:r>
               <a:rPr lang="de-DE" altLang="de-DE" sz="1400" dirty="0"/>
-              <a:t>Erstellen von Release- und </a:t>
-            </a:r>
-            <a:r>
-              <a:rPr lang="de-DE" altLang="de-DE" sz="1400" dirty="0" err="1"/>
-              <a:t>Tagged</a:t>
-            </a:r>
-            <a:r>
-              <a:rPr lang="de-DE" altLang="de-DE" sz="1400" dirty="0"/>
-              <a:t>-Images</a:t>
+              <a:t> Grundlagen</a:t>
             </a:r>
           </a:p>
           <a:p>
@@ -11835,6 +11835,11 @@
         </p:txBody>
       </p:sp>
     </p:spTree>
+    <p:extLst>
+      <p:ext uri="{BB962C8B-B14F-4D97-AF65-F5344CB8AC3E}">
+        <p14:creationId xmlns:p14="http://schemas.microsoft.com/office/powerpoint/2010/main" val="3781715788"/>
+      </p:ext>
+    </p:extLst>
   </p:cSld>
   <p:clrMapOvr>
     <a:masterClrMapping/>
@@ -16902,7 +16907,7 @@
             </a:pPr>
             <a:r>
               <a:rPr lang="de-DE" altLang="de-DE" sz="1800" b="1" dirty="0"/>
-              <a:t>Tag 3 – </a:t>
+              <a:t>Tag 3 – Docker, </a:t>
             </a:r>
             <a:r>
               <a:rPr lang="de-DE" altLang="de-DE" sz="1800" b="1" dirty="0" err="1"/>
@@ -16910,7 +16915,7 @@
             </a:r>
             <a:r>
               <a:rPr lang="de-DE" altLang="de-DE" sz="1800" b="1" dirty="0"/>
-              <a:t>, Docker, </a:t>
+              <a:t>, </a:t>
             </a:r>
             <a:r>
               <a:rPr lang="de-DE" altLang="de-DE" sz="1800" b="1" dirty="0" err="1"/>
@@ -16927,12 +16932,8 @@
               <a:buChar char="•"/>
             </a:pPr>
             <a:r>
-              <a:rPr lang="de-DE" altLang="de-DE" sz="1400" dirty="0" err="1"/>
-              <a:t>GitOps</a:t>
-            </a:r>
-            <a:r>
               <a:rPr lang="de-DE" altLang="de-DE" sz="1400" dirty="0"/>
-              <a:t> Grundlagen</a:t>
+              <a:t>Entwicklung mit Docker</a:t>
             </a:r>
           </a:p>
           <a:p>
@@ -16942,7 +16943,7 @@
             </a:pPr>
             <a:r>
               <a:rPr lang="de-DE" altLang="de-DE" sz="1400" dirty="0"/>
-              <a:t>Entwicklung mit Docker</a:t>
+              <a:t>Container/Docker-Registry</a:t>
             </a:r>
           </a:p>
           <a:p>
@@ -16952,7 +16953,15 @@
             </a:pPr>
             <a:r>
               <a:rPr lang="de-DE" altLang="de-DE" sz="1400" dirty="0"/>
-              <a:t>Container/Docker-Registry</a:t>
+              <a:t>Erstellen von Release- und </a:t>
+            </a:r>
+            <a:r>
+              <a:rPr lang="de-DE" altLang="de-DE" sz="1400" dirty="0" err="1"/>
+              <a:t>Tagged</a:t>
+            </a:r>
+            <a:r>
+              <a:rPr lang="de-DE" altLang="de-DE" sz="1400" dirty="0"/>
+              <a:t>-Images</a:t>
             </a:r>
           </a:p>
           <a:p>
@@ -16961,16 +16970,12 @@
               <a:buChar char="•"/>
             </a:pPr>
             <a:r>
+              <a:rPr lang="de-DE" altLang="de-DE" sz="1400" dirty="0" err="1"/>
+              <a:t>GitOps</a:t>
+            </a:r>
+            <a:r>
               <a:rPr lang="de-DE" altLang="de-DE" sz="1400" dirty="0"/>
-              <a:t>Erstellen von Release- und </a:t>
-            </a:r>
-            <a:r>
-              <a:rPr lang="de-DE" altLang="de-DE" sz="1400" dirty="0" err="1"/>
-              <a:t>Tagged</a:t>
-            </a:r>
-            <a:r>
-              <a:rPr lang="de-DE" altLang="de-DE" sz="1400" dirty="0"/>
-              <a:t>-Images</a:t>
+              <a:t> Grundlagen</a:t>
             </a:r>
           </a:p>
           <a:p>
@@ -17044,6 +17049,11 @@
         </p:txBody>
       </p:sp>
     </p:spTree>
+    <p:extLst>
+      <p:ext uri="{BB962C8B-B14F-4D97-AF65-F5344CB8AC3E}">
+        <p14:creationId xmlns:p14="http://schemas.microsoft.com/office/powerpoint/2010/main" val="2088098967"/>
+      </p:ext>
+    </p:extLst>
   </p:cSld>
   <p:clrMapOvr>
     <a:masterClrMapping/>

--- a/slides/Tag-2_4-CI_CD.pptx
+++ b/slides/Tag-2_4-CI_CD.pptx
@@ -3685,7 +3685,7 @@
               <a:pPr algn="ctr">
                 <a:defRPr/>
               </a:pPr>
-              <a:t>19.06.2024</a:t>
+              <a:t>06.07.2024</a:t>
             </a:fld>
             <a:endParaRPr lang="de-DE" sz="1000">
               <a:solidFill>
@@ -5787,8 +5787,12 @@
               <a:buNone/>
             </a:pPr>
             <a:r>
+              <a:rPr lang="de-DE" altLang="de-DE" sz="1600"/>
+              <a:t>09.07.2024</a:t>
+            </a:r>
+            <a:r>
               <a:rPr lang="de-DE" altLang="de-DE" sz="1600" dirty="0"/>
-              <a:t>18.06.2024, Daniel Krämer</a:t>
+              <a:t>, Daniel Krämer</a:t>
             </a:r>
           </a:p>
         </p:txBody>

--- a/slides/Tag-2_4-CI_CD.pptx
+++ b/slides/Tag-2_4-CI_CD.pptx
@@ -6,10 +6,10 @@
     <p:sldMasterId id="2147483649" r:id="rId2"/>
   </p:sldMasterIdLst>
   <p:notesMasterIdLst>
-    <p:notesMasterId r:id="rId47"/>
+    <p:notesMasterId r:id="rId51"/>
   </p:notesMasterIdLst>
   <p:handoutMasterIdLst>
-    <p:handoutMasterId r:id="rId48"/>
+    <p:handoutMasterId r:id="rId52"/>
   </p:handoutMasterIdLst>
   <p:sldIdLst>
     <p:sldId id="623" r:id="rId3"/>
@@ -47,15 +47,19 @@
     <p:sldId id="591" r:id="rId35"/>
     <p:sldId id="607" r:id="rId36"/>
     <p:sldId id="630" r:id="rId37"/>
-    <p:sldId id="631" r:id="rId38"/>
-    <p:sldId id="632" r:id="rId39"/>
-    <p:sldId id="629" r:id="rId40"/>
-    <p:sldId id="628" r:id="rId41"/>
-    <p:sldId id="633" r:id="rId42"/>
-    <p:sldId id="617" r:id="rId43"/>
-    <p:sldId id="618" r:id="rId44"/>
-    <p:sldId id="619" r:id="rId45"/>
-    <p:sldId id="620" r:id="rId46"/>
+    <p:sldId id="638" r:id="rId38"/>
+    <p:sldId id="639" r:id="rId39"/>
+    <p:sldId id="631" r:id="rId40"/>
+    <p:sldId id="632" r:id="rId41"/>
+    <p:sldId id="640" r:id="rId42"/>
+    <p:sldId id="641" r:id="rId43"/>
+    <p:sldId id="629" r:id="rId44"/>
+    <p:sldId id="628" r:id="rId45"/>
+    <p:sldId id="633" r:id="rId46"/>
+    <p:sldId id="617" r:id="rId47"/>
+    <p:sldId id="618" r:id="rId48"/>
+    <p:sldId id="619" r:id="rId49"/>
+    <p:sldId id="620" r:id="rId50"/>
   </p:sldIdLst>
   <p:sldSz cx="9144000" cy="6858000" type="screen4x3"/>
   <p:notesSz cx="6784975" cy="9921875"/>
@@ -2430,7 +2434,7 @@
     </p:spTree>
     <p:extLst>
       <p:ext uri="{BB962C8B-B14F-4D97-AF65-F5344CB8AC3E}">
-        <p14:creationId xmlns:p14="http://schemas.microsoft.com/office/powerpoint/2010/main" val="1602802617"/>
+        <p14:creationId xmlns:p14="http://schemas.microsoft.com/office/powerpoint/2010/main" val="345997619"/>
       </p:ext>
     </p:extLst>
   </p:cSld>
@@ -2486,6 +2490,9 @@
           <a:p>
             <a:endParaRPr lang="de-DE" dirty="0"/>
           </a:p>
+          <a:p>
+            <a:endParaRPr lang="de-DE" dirty="0"/>
+          </a:p>
         </p:txBody>
       </p:sp>
       <p:sp>
@@ -2515,7 +2522,7 @@
     </p:spTree>
     <p:extLst>
       <p:ext uri="{BB962C8B-B14F-4D97-AF65-F5344CB8AC3E}">
-        <p14:creationId xmlns:p14="http://schemas.microsoft.com/office/powerpoint/2010/main" val="1060155199"/>
+        <p14:creationId xmlns:p14="http://schemas.microsoft.com/office/powerpoint/2010/main" val="3580878920"/>
       </p:ext>
     </p:extLst>
   </p:cSld>
@@ -2600,7 +2607,7 @@
     </p:spTree>
     <p:extLst>
       <p:ext uri="{BB962C8B-B14F-4D97-AF65-F5344CB8AC3E}">
-        <p14:creationId xmlns:p14="http://schemas.microsoft.com/office/powerpoint/2010/main" val="1336523162"/>
+        <p14:creationId xmlns:p14="http://schemas.microsoft.com/office/powerpoint/2010/main" val="1602802617"/>
       </p:ext>
     </p:extLst>
   </p:cSld>
@@ -2685,7 +2692,7 @@
     </p:spTree>
     <p:extLst>
       <p:ext uri="{BB962C8B-B14F-4D97-AF65-F5344CB8AC3E}">
-        <p14:creationId xmlns:p14="http://schemas.microsoft.com/office/powerpoint/2010/main" val="3776710161"/>
+        <p14:creationId xmlns:p14="http://schemas.microsoft.com/office/powerpoint/2010/main" val="1060155199"/>
       </p:ext>
     </p:extLst>
   </p:cSld>
@@ -2770,7 +2777,7 @@
     </p:spTree>
     <p:extLst>
       <p:ext uri="{BB962C8B-B14F-4D97-AF65-F5344CB8AC3E}">
-        <p14:creationId xmlns:p14="http://schemas.microsoft.com/office/powerpoint/2010/main" val="4183807495"/>
+        <p14:creationId xmlns:p14="http://schemas.microsoft.com/office/powerpoint/2010/main" val="2122505471"/>
       </p:ext>
     </p:extLst>
   </p:cSld>
@@ -2826,6 +2833,9 @@
           <a:p>
             <a:endParaRPr lang="de-DE" dirty="0"/>
           </a:p>
+          <a:p>
+            <a:endParaRPr lang="de-DE" dirty="0"/>
+          </a:p>
         </p:txBody>
       </p:sp>
       <p:sp>
@@ -2855,7 +2865,7 @@
     </p:spTree>
     <p:extLst>
       <p:ext uri="{BB962C8B-B14F-4D97-AF65-F5344CB8AC3E}">
-        <p14:creationId xmlns:p14="http://schemas.microsoft.com/office/powerpoint/2010/main" val="4030025492"/>
+        <p14:creationId xmlns:p14="http://schemas.microsoft.com/office/powerpoint/2010/main" val="1139949560"/>
       </p:ext>
     </p:extLst>
   </p:cSld>
@@ -2996,9 +3006,6 @@
           <a:p>
             <a:endParaRPr lang="de-DE" dirty="0"/>
           </a:p>
-          <a:p>
-            <a:endParaRPr lang="de-DE" dirty="0"/>
-          </a:p>
         </p:txBody>
       </p:sp>
       <p:sp>
@@ -3028,7 +3035,7 @@
     </p:spTree>
     <p:extLst>
       <p:ext uri="{BB962C8B-B14F-4D97-AF65-F5344CB8AC3E}">
-        <p14:creationId xmlns:p14="http://schemas.microsoft.com/office/powerpoint/2010/main" val="3077020303"/>
+        <p14:creationId xmlns:p14="http://schemas.microsoft.com/office/powerpoint/2010/main" val="1336523162"/>
       </p:ext>
     </p:extLst>
   </p:cSld>
@@ -3113,7 +3120,7 @@
     </p:spTree>
     <p:extLst>
       <p:ext uri="{BB962C8B-B14F-4D97-AF65-F5344CB8AC3E}">
-        <p14:creationId xmlns:p14="http://schemas.microsoft.com/office/powerpoint/2010/main" val="3979204594"/>
+        <p14:creationId xmlns:p14="http://schemas.microsoft.com/office/powerpoint/2010/main" val="3776710161"/>
       </p:ext>
     </p:extLst>
   </p:cSld>
@@ -3169,9 +3176,6 @@
           <a:p>
             <a:endParaRPr lang="de-DE" dirty="0"/>
           </a:p>
-          <a:p>
-            <a:endParaRPr lang="de-DE" dirty="0"/>
-          </a:p>
         </p:txBody>
       </p:sp>
       <p:sp>
@@ -3193,6 +3197,352 @@
               <a:rPr lang="de-DE" altLang="de-DE" smtClean="0"/>
               <a:pPr/>
               <a:t>44</a:t>
+            </a:fld>
+            <a:endParaRPr lang="de-DE" altLang="de-DE"/>
+          </a:p>
+        </p:txBody>
+      </p:sp>
+    </p:spTree>
+    <p:extLst>
+      <p:ext uri="{BB962C8B-B14F-4D97-AF65-F5344CB8AC3E}">
+        <p14:creationId xmlns:p14="http://schemas.microsoft.com/office/powerpoint/2010/main" val="4183807495"/>
+      </p:ext>
+    </p:extLst>
+  </p:cSld>
+  <p:clrMapOvr>
+    <a:masterClrMapping/>
+  </p:clrMapOvr>
+</p:notes>
+</file>
+
+<file path=ppt/notesSlides/notesSlide33.xml><?xml version="1.0" encoding="utf-8"?>
+<p:notes xmlns:a="http://schemas.openxmlformats.org/drawingml/2006/main" xmlns:r="http://schemas.openxmlformats.org/officeDocument/2006/relationships" xmlns:p="http://schemas.openxmlformats.org/presentationml/2006/main">
+  <p:cSld>
+    <p:spTree>
+      <p:nvGrpSpPr>
+        <p:cNvPr id="1" name=""/>
+        <p:cNvGrpSpPr/>
+        <p:nvPr/>
+      </p:nvGrpSpPr>
+      <p:grpSpPr>
+        <a:xfrm>
+          <a:off x="0" y="0"/>
+          <a:ext cx="0" cy="0"/>
+          <a:chOff x="0" y="0"/>
+          <a:chExt cx="0" cy="0"/>
+        </a:xfrm>
+      </p:grpSpPr>
+      <p:sp>
+        <p:nvSpPr>
+          <p:cNvPr id="2" name="Folienbildplatzhalter 1"/>
+          <p:cNvSpPr>
+            <a:spLocks noGrp="1" noRot="1" noChangeAspect="1"/>
+          </p:cNvSpPr>
+          <p:nvPr>
+            <p:ph type="sldImg"/>
+          </p:nvPr>
+        </p:nvSpPr>
+        <p:spPr/>
+      </p:sp>
+      <p:sp>
+        <p:nvSpPr>
+          <p:cNvPr id="3" name="Notizenplatzhalter 2"/>
+          <p:cNvSpPr>
+            <a:spLocks noGrp="1"/>
+          </p:cNvSpPr>
+          <p:nvPr>
+            <p:ph type="body" idx="1"/>
+          </p:nvPr>
+        </p:nvSpPr>
+        <p:spPr/>
+        <p:txBody>
+          <a:bodyPr/>
+          <a:lstStyle/>
+          <a:p>
+            <a:endParaRPr lang="de-DE" dirty="0"/>
+          </a:p>
+        </p:txBody>
+      </p:sp>
+      <p:sp>
+        <p:nvSpPr>
+          <p:cNvPr id="4" name="Foliennummernplatzhalter 3"/>
+          <p:cNvSpPr>
+            <a:spLocks noGrp="1"/>
+          </p:cNvSpPr>
+          <p:nvPr>
+            <p:ph type="sldNum" sz="quarter" idx="5"/>
+          </p:nvPr>
+        </p:nvSpPr>
+        <p:spPr/>
+        <p:txBody>
+          <a:bodyPr/>
+          <a:lstStyle/>
+          <a:p>
+            <a:fld id="{18182567-388C-4D33-8B7B-A651F195F118}" type="slidenum">
+              <a:rPr lang="de-DE" altLang="de-DE" smtClean="0"/>
+              <a:pPr/>
+              <a:t>45</a:t>
+            </a:fld>
+            <a:endParaRPr lang="de-DE" altLang="de-DE"/>
+          </a:p>
+        </p:txBody>
+      </p:sp>
+    </p:spTree>
+    <p:extLst>
+      <p:ext uri="{BB962C8B-B14F-4D97-AF65-F5344CB8AC3E}">
+        <p14:creationId xmlns:p14="http://schemas.microsoft.com/office/powerpoint/2010/main" val="4030025492"/>
+      </p:ext>
+    </p:extLst>
+  </p:cSld>
+  <p:clrMapOvr>
+    <a:masterClrMapping/>
+  </p:clrMapOvr>
+</p:notes>
+</file>
+
+<file path=ppt/notesSlides/notesSlide34.xml><?xml version="1.0" encoding="utf-8"?>
+<p:notes xmlns:a="http://schemas.openxmlformats.org/drawingml/2006/main" xmlns:r="http://schemas.openxmlformats.org/officeDocument/2006/relationships" xmlns:p="http://schemas.openxmlformats.org/presentationml/2006/main">
+  <p:cSld>
+    <p:spTree>
+      <p:nvGrpSpPr>
+        <p:cNvPr id="1" name=""/>
+        <p:cNvGrpSpPr/>
+        <p:nvPr/>
+      </p:nvGrpSpPr>
+      <p:grpSpPr>
+        <a:xfrm>
+          <a:off x="0" y="0"/>
+          <a:ext cx="0" cy="0"/>
+          <a:chOff x="0" y="0"/>
+          <a:chExt cx="0" cy="0"/>
+        </a:xfrm>
+      </p:grpSpPr>
+      <p:sp>
+        <p:nvSpPr>
+          <p:cNvPr id="2" name="Folienbildplatzhalter 1"/>
+          <p:cNvSpPr>
+            <a:spLocks noGrp="1" noRot="1" noChangeAspect="1"/>
+          </p:cNvSpPr>
+          <p:nvPr>
+            <p:ph type="sldImg"/>
+          </p:nvPr>
+        </p:nvSpPr>
+        <p:spPr/>
+      </p:sp>
+      <p:sp>
+        <p:nvSpPr>
+          <p:cNvPr id="3" name="Notizenplatzhalter 2"/>
+          <p:cNvSpPr>
+            <a:spLocks noGrp="1"/>
+          </p:cNvSpPr>
+          <p:nvPr>
+            <p:ph type="body" idx="1"/>
+          </p:nvPr>
+        </p:nvSpPr>
+        <p:spPr/>
+        <p:txBody>
+          <a:bodyPr/>
+          <a:lstStyle/>
+          <a:p>
+            <a:endParaRPr lang="de-DE" dirty="0"/>
+          </a:p>
+          <a:p>
+            <a:endParaRPr lang="de-DE" dirty="0"/>
+          </a:p>
+        </p:txBody>
+      </p:sp>
+      <p:sp>
+        <p:nvSpPr>
+          <p:cNvPr id="4" name="Foliennummernplatzhalter 3"/>
+          <p:cNvSpPr>
+            <a:spLocks noGrp="1"/>
+          </p:cNvSpPr>
+          <p:nvPr>
+            <p:ph type="sldNum" sz="quarter" idx="5"/>
+          </p:nvPr>
+        </p:nvSpPr>
+        <p:spPr/>
+        <p:txBody>
+          <a:bodyPr/>
+          <a:lstStyle/>
+          <a:p>
+            <a:fld id="{18182567-388C-4D33-8B7B-A651F195F118}" type="slidenum">
+              <a:rPr lang="de-DE" altLang="de-DE" smtClean="0"/>
+              <a:pPr/>
+              <a:t>46</a:t>
+            </a:fld>
+            <a:endParaRPr lang="de-DE" altLang="de-DE"/>
+          </a:p>
+        </p:txBody>
+      </p:sp>
+    </p:spTree>
+    <p:extLst>
+      <p:ext uri="{BB962C8B-B14F-4D97-AF65-F5344CB8AC3E}">
+        <p14:creationId xmlns:p14="http://schemas.microsoft.com/office/powerpoint/2010/main" val="3077020303"/>
+      </p:ext>
+    </p:extLst>
+  </p:cSld>
+  <p:clrMapOvr>
+    <a:masterClrMapping/>
+  </p:clrMapOvr>
+</p:notes>
+</file>
+
+<file path=ppt/notesSlides/notesSlide35.xml><?xml version="1.0" encoding="utf-8"?>
+<p:notes xmlns:a="http://schemas.openxmlformats.org/drawingml/2006/main" xmlns:r="http://schemas.openxmlformats.org/officeDocument/2006/relationships" xmlns:p="http://schemas.openxmlformats.org/presentationml/2006/main">
+  <p:cSld>
+    <p:spTree>
+      <p:nvGrpSpPr>
+        <p:cNvPr id="1" name=""/>
+        <p:cNvGrpSpPr/>
+        <p:nvPr/>
+      </p:nvGrpSpPr>
+      <p:grpSpPr>
+        <a:xfrm>
+          <a:off x="0" y="0"/>
+          <a:ext cx="0" cy="0"/>
+          <a:chOff x="0" y="0"/>
+          <a:chExt cx="0" cy="0"/>
+        </a:xfrm>
+      </p:grpSpPr>
+      <p:sp>
+        <p:nvSpPr>
+          <p:cNvPr id="2" name="Folienbildplatzhalter 1"/>
+          <p:cNvSpPr>
+            <a:spLocks noGrp="1" noRot="1" noChangeAspect="1"/>
+          </p:cNvSpPr>
+          <p:nvPr>
+            <p:ph type="sldImg"/>
+          </p:nvPr>
+        </p:nvSpPr>
+        <p:spPr/>
+      </p:sp>
+      <p:sp>
+        <p:nvSpPr>
+          <p:cNvPr id="3" name="Notizenplatzhalter 2"/>
+          <p:cNvSpPr>
+            <a:spLocks noGrp="1"/>
+          </p:cNvSpPr>
+          <p:nvPr>
+            <p:ph type="body" idx="1"/>
+          </p:nvPr>
+        </p:nvSpPr>
+        <p:spPr/>
+        <p:txBody>
+          <a:bodyPr/>
+          <a:lstStyle/>
+          <a:p>
+            <a:endParaRPr lang="de-DE" dirty="0"/>
+          </a:p>
+        </p:txBody>
+      </p:sp>
+      <p:sp>
+        <p:nvSpPr>
+          <p:cNvPr id="4" name="Foliennummernplatzhalter 3"/>
+          <p:cNvSpPr>
+            <a:spLocks noGrp="1"/>
+          </p:cNvSpPr>
+          <p:nvPr>
+            <p:ph type="sldNum" sz="quarter" idx="5"/>
+          </p:nvPr>
+        </p:nvSpPr>
+        <p:spPr/>
+        <p:txBody>
+          <a:bodyPr/>
+          <a:lstStyle/>
+          <a:p>
+            <a:fld id="{18182567-388C-4D33-8B7B-A651F195F118}" type="slidenum">
+              <a:rPr lang="de-DE" altLang="de-DE" smtClean="0"/>
+              <a:pPr/>
+              <a:t>47</a:t>
+            </a:fld>
+            <a:endParaRPr lang="de-DE" altLang="de-DE"/>
+          </a:p>
+        </p:txBody>
+      </p:sp>
+    </p:spTree>
+    <p:extLst>
+      <p:ext uri="{BB962C8B-B14F-4D97-AF65-F5344CB8AC3E}">
+        <p14:creationId xmlns:p14="http://schemas.microsoft.com/office/powerpoint/2010/main" val="3979204594"/>
+      </p:ext>
+    </p:extLst>
+  </p:cSld>
+  <p:clrMapOvr>
+    <a:masterClrMapping/>
+  </p:clrMapOvr>
+</p:notes>
+</file>
+
+<file path=ppt/notesSlides/notesSlide36.xml><?xml version="1.0" encoding="utf-8"?>
+<p:notes xmlns:a="http://schemas.openxmlformats.org/drawingml/2006/main" xmlns:r="http://schemas.openxmlformats.org/officeDocument/2006/relationships" xmlns:p="http://schemas.openxmlformats.org/presentationml/2006/main">
+  <p:cSld>
+    <p:spTree>
+      <p:nvGrpSpPr>
+        <p:cNvPr id="1" name=""/>
+        <p:cNvGrpSpPr/>
+        <p:nvPr/>
+      </p:nvGrpSpPr>
+      <p:grpSpPr>
+        <a:xfrm>
+          <a:off x="0" y="0"/>
+          <a:ext cx="0" cy="0"/>
+          <a:chOff x="0" y="0"/>
+          <a:chExt cx="0" cy="0"/>
+        </a:xfrm>
+      </p:grpSpPr>
+      <p:sp>
+        <p:nvSpPr>
+          <p:cNvPr id="2" name="Folienbildplatzhalter 1"/>
+          <p:cNvSpPr>
+            <a:spLocks noGrp="1" noRot="1" noChangeAspect="1"/>
+          </p:cNvSpPr>
+          <p:nvPr>
+            <p:ph type="sldImg"/>
+          </p:nvPr>
+        </p:nvSpPr>
+        <p:spPr/>
+      </p:sp>
+      <p:sp>
+        <p:nvSpPr>
+          <p:cNvPr id="3" name="Notizenplatzhalter 2"/>
+          <p:cNvSpPr>
+            <a:spLocks noGrp="1"/>
+          </p:cNvSpPr>
+          <p:nvPr>
+            <p:ph type="body" idx="1"/>
+          </p:nvPr>
+        </p:nvSpPr>
+        <p:spPr/>
+        <p:txBody>
+          <a:bodyPr/>
+          <a:lstStyle/>
+          <a:p>
+            <a:endParaRPr lang="de-DE" dirty="0"/>
+          </a:p>
+          <a:p>
+            <a:endParaRPr lang="de-DE" dirty="0"/>
+          </a:p>
+        </p:txBody>
+      </p:sp>
+      <p:sp>
+        <p:nvSpPr>
+          <p:cNvPr id="4" name="Foliennummernplatzhalter 3"/>
+          <p:cNvSpPr>
+            <a:spLocks noGrp="1"/>
+          </p:cNvSpPr>
+          <p:nvPr>
+            <p:ph type="sldNum" sz="quarter" idx="5"/>
+          </p:nvPr>
+        </p:nvSpPr>
+        <p:spPr/>
+        <p:txBody>
+          <a:bodyPr/>
+          <a:lstStyle/>
+          <a:p>
+            <a:fld id="{18182567-388C-4D33-8B7B-A651F195F118}" type="slidenum">
+              <a:rPr lang="de-DE" altLang="de-DE" smtClean="0"/>
+              <a:pPr/>
+              <a:t>48</a:t>
             </a:fld>
             <a:endParaRPr lang="de-DE" altLang="de-DE"/>
           </a:p>
@@ -4205,7 +4555,7 @@
               <a:pPr algn="ctr">
                 <a:defRPr/>
               </a:pPr>
-              <a:t>10.07.2024</a:t>
+              <a:t>29.07.2024</a:t>
             </a:fld>
             <a:endParaRPr lang="de-DE" sz="1000">
               <a:solidFill>
@@ -19749,7 +20099,7 @@
           <p:cNvPr id="2" name="Titel 1">
             <a:extLst>
               <a:ext uri="{FF2B5EF4-FFF2-40B4-BE49-F238E27FC236}">
-                <a16:creationId xmlns:a16="http://schemas.microsoft.com/office/drawing/2014/main" id="{3363B985-2812-BDBB-7E9D-A28D84AB06EF}"/>
+                <a16:creationId xmlns:a16="http://schemas.microsoft.com/office/drawing/2014/main" id="{74F61811-DDD3-CD36-300B-D3CAEEBD8E91}"/>
               </a:ext>
             </a:extLst>
           </p:cNvPr>
@@ -19774,10 +20124,10 @@
       </p:sp>
       <p:sp>
         <p:nvSpPr>
-          <p:cNvPr id="4" name="Inhaltsplatzhalter 2">
+          <p:cNvPr id="10" name="Inhaltsplatzhalter 2">
             <a:extLst>
               <a:ext uri="{FF2B5EF4-FFF2-40B4-BE49-F238E27FC236}">
-                <a16:creationId xmlns:a16="http://schemas.microsoft.com/office/drawing/2014/main" id="{FE26268B-C609-ACA5-B6B4-D8D23D94F991}"/>
+                <a16:creationId xmlns:a16="http://schemas.microsoft.com/office/drawing/2014/main" id="{65F4F27F-EA27-84BE-FDD1-AE4BEA6A264F}"/>
               </a:ext>
             </a:extLst>
           </p:cNvPr>
@@ -19803,46 +20153,122 @@
             </a:pPr>
             <a:r>
               <a:rPr lang="de-DE" b="1" dirty="0"/>
-              <a:t>Extension</a:t>
+              <a:t>Aufgabe 6: Einführung von Defaults</a:t>
             </a:r>
             <a:endParaRPr lang="de-DE" dirty="0"/>
+          </a:p>
+          <a:p>
+            <a:pPr marL="457200" indent="-457200">
+              <a:buAutoNum type="arabicPeriod"/>
+            </a:pPr>
+            <a:r>
+              <a:rPr lang="de-DE" b="1" dirty="0"/>
+              <a:t>Ziel</a:t>
+            </a:r>
+            <a:r>
+              <a:rPr lang="de-DE" dirty="0"/>
+              <a:t>: Lerne, </a:t>
+            </a:r>
+            <a:r>
+              <a:rPr lang="de-DE" dirty="0">
+                <a:ea typeface="+mn-lt"/>
+                <a:cs typeface="+mn-lt"/>
+              </a:rPr>
+              <a:t>wie man Defaults in </a:t>
+            </a:r>
+            <a:r>
+              <a:rPr lang="de-DE" dirty="0" err="1">
+                <a:ea typeface="+mn-lt"/>
+                <a:cs typeface="+mn-lt"/>
+              </a:rPr>
+              <a:t>GitLab</a:t>
+            </a:r>
+            <a:r>
+              <a:rPr lang="de-DE" dirty="0">
+                <a:ea typeface="+mn-lt"/>
+                <a:cs typeface="+mn-lt"/>
+              </a:rPr>
+              <a:t> CI/CD Pipelines verwenden kann, um den Aufbau des Codes zu vereinfachen und die Wartbarkeit des Codes zu verbessern.</a:t>
+            </a:r>
+            <a:endParaRPr lang="de-DE" dirty="0">
+              <a:cs typeface="Arial"/>
+            </a:endParaRPr>
+          </a:p>
+          <a:p>
+            <a:pPr marL="457200" indent="-457200">
+              <a:buFont typeface="+mj-lt"/>
+              <a:buAutoNum type="arabicPeriod"/>
+            </a:pPr>
+            <a:r>
+              <a:rPr lang="de-DE" b="1" dirty="0"/>
+              <a:t>Schritte</a:t>
+            </a:r>
+            <a:r>
+              <a:rPr lang="de-DE" dirty="0"/>
+              <a:t>:</a:t>
+            </a:r>
+          </a:p>
+          <a:p>
+            <a:pPr lvl="1">
+              <a:buFont typeface="Arial" panose="020B0604020202020204" pitchFamily="34" charset="0"/>
+              <a:buChar char="•"/>
+            </a:pPr>
+            <a:r>
+              <a:rPr lang="de-DE" dirty="0">
+                <a:cs typeface="Arial"/>
+              </a:rPr>
+              <a:t>Setze die </a:t>
+            </a:r>
+            <a:r>
+              <a:rPr lang="de-DE" dirty="0" err="1">
+                <a:cs typeface="Arial"/>
+              </a:rPr>
+              <a:t>default</a:t>
+            </a:r>
+            <a:r>
+              <a:rPr lang="de-DE" dirty="0">
+                <a:cs typeface="Arial"/>
+              </a:rPr>
+              <a:t> Stage auf "</a:t>
+            </a:r>
+            <a:r>
+              <a:rPr lang="de-DE" dirty="0" err="1">
+                <a:cs typeface="Arial"/>
+              </a:rPr>
+              <a:t>build</a:t>
+            </a:r>
+            <a:r>
+              <a:rPr lang="de-DE" dirty="0">
+                <a:cs typeface="Arial"/>
+              </a:rPr>
+              <a:t>"</a:t>
+            </a:r>
+          </a:p>
+          <a:p>
+            <a:pPr lvl="1">
+              <a:buFont typeface="Arial" panose="020B0604020202020204" pitchFamily="34" charset="0"/>
+              <a:buChar char="•"/>
+            </a:pPr>
+            <a:r>
+              <a:rPr lang="de-DE" dirty="0">
+                <a:cs typeface="Arial"/>
+              </a:rPr>
+              <a:t>Entferne die überflüssigen Stage Zuweisungen</a:t>
+            </a:r>
           </a:p>
           <a:p>
             <a:pPr>
               <a:buFont typeface="Arial" panose="020B0604020202020204" pitchFamily="34" charset="0"/>
               <a:buChar char="•"/>
             </a:pPr>
-            <a:r>
-              <a:rPr lang="de-DE" dirty="0"/>
-              <a:t>Definition wiederverwendbarer Job Templates</a:t>
-            </a:r>
-          </a:p>
-          <a:p>
-            <a:pPr>
-              <a:buFont typeface="Arial" panose="020B0604020202020204" pitchFamily="34" charset="0"/>
-              <a:buChar char="•"/>
-            </a:pPr>
-            <a:r>
-              <a:rPr lang="de-DE" dirty="0"/>
-              <a:t>Verwendung („Erweiterung“) nach Bedarf</a:t>
-            </a:r>
-          </a:p>
-          <a:p>
-            <a:pPr>
-              <a:buFont typeface="Arial" panose="020B0604020202020204" pitchFamily="34" charset="0"/>
-              <a:buChar char="•"/>
-            </a:pPr>
-            <a:r>
-              <a:rPr lang="de-DE" dirty="0"/>
-              <a:t>Überschreibung (eingeschränkt) möglich</a:t>
-            </a:r>
+            <a:endParaRPr lang="de-DE" dirty="0"/>
           </a:p>
         </p:txBody>
       </p:sp>
     </p:spTree>
     <p:extLst>
       <p:ext uri="{BB962C8B-B14F-4D97-AF65-F5344CB8AC3E}">
-        <p14:creationId xmlns:p14="http://schemas.microsoft.com/office/powerpoint/2010/main" val="3855720706"/>
+        <p14:creationId xmlns:p14="http://schemas.microsoft.com/office/powerpoint/2010/main" val="638463279"/>
       </p:ext>
     </p:extLst>
   </p:cSld>
@@ -19874,7 +20300,7 @@
           <p:cNvPr id="2" name="Titel 1">
             <a:extLst>
               <a:ext uri="{FF2B5EF4-FFF2-40B4-BE49-F238E27FC236}">
-                <a16:creationId xmlns:a16="http://schemas.microsoft.com/office/drawing/2014/main" id="{3363B985-2812-BDBB-7E9D-A28D84AB06EF}"/>
+                <a16:creationId xmlns:a16="http://schemas.microsoft.com/office/drawing/2014/main" id="{A2A2EB4E-4B87-3A94-66CB-0424D340A9D6}"/>
               </a:ext>
             </a:extLst>
           </p:cNvPr>
@@ -19899,10 +20325,10 @@
       </p:sp>
       <p:sp>
         <p:nvSpPr>
-          <p:cNvPr id="4" name="Inhaltsplatzhalter 2">
+          <p:cNvPr id="10" name="Inhaltsplatzhalter 2">
             <a:extLst>
               <a:ext uri="{FF2B5EF4-FFF2-40B4-BE49-F238E27FC236}">
-                <a16:creationId xmlns:a16="http://schemas.microsoft.com/office/drawing/2014/main" id="{FE26268B-C609-ACA5-B6B4-D8D23D94F991}"/>
+                <a16:creationId xmlns:a16="http://schemas.microsoft.com/office/drawing/2014/main" id="{F2E8AEA4-8F06-E96C-F551-3CA6B4EF1E8C}"/>
               </a:ext>
             </a:extLst>
           </p:cNvPr>
@@ -19923,22 +20349,40 @@
           <a:bodyPr/>
           <a:lstStyle/>
           <a:p>
-            <a:pPr marL="0" indent="0">
+            <a:pPr>
               <a:buNone/>
             </a:pPr>
             <a:r>
               <a:rPr lang="de-DE" b="1" dirty="0"/>
-              <a:t>Extension</a:t>
-            </a:r>
+              <a:t>Aufgabe 6: Einführung von Defaults</a:t>
+            </a:r>
+            <a:endParaRPr lang="de-DE" dirty="0"/>
+          </a:p>
+          <a:p>
+            <a:pPr>
+              <a:buFont typeface="Arial" panose="020B0604020202020204" pitchFamily="34" charset="0"/>
+              <a:buChar char="•"/>
+            </a:pPr>
+            <a:r>
+              <a:rPr lang="de-DE" dirty="0"/>
+              <a:t>Mögliche Lösung:</a:t>
+            </a:r>
+          </a:p>
+          <a:p>
+            <a:pPr lvl="1">
+              <a:buFont typeface="Arial" panose="020B0604020202020204" pitchFamily="34" charset="0"/>
+              <a:buChar char="•"/>
+            </a:pPr>
+            <a:endParaRPr lang="de-DE" dirty="0"/>
           </a:p>
         </p:txBody>
       </p:sp>
       <p:sp>
         <p:nvSpPr>
-          <p:cNvPr id="3" name="Textfeld 2">
+          <p:cNvPr id="4" name="Textfeld 3">
             <a:extLst>
               <a:ext uri="{FF2B5EF4-FFF2-40B4-BE49-F238E27FC236}">
-                <a16:creationId xmlns:a16="http://schemas.microsoft.com/office/drawing/2014/main" id="{B1300DFB-F7A0-3AE1-8D8C-2D16867CB0F9}"/>
+                <a16:creationId xmlns:a16="http://schemas.microsoft.com/office/drawing/2014/main" id="{A0516D05-F548-F56C-DF2F-B5B2036DC0D5}"/>
               </a:ext>
             </a:extLst>
           </p:cNvPr>
@@ -19947,8 +20391,8 @@
         </p:nvSpPr>
         <p:spPr bwMode="auto">
           <a:xfrm>
-            <a:off x="301898" y="1488103"/>
-            <a:ext cx="8820149" cy="4893647"/>
+            <a:off x="2195736" y="1885159"/>
+            <a:ext cx="4983111" cy="4555093"/>
           </a:xfrm>
           <a:prstGeom prst="rect">
             <a:avLst/>
@@ -19962,301 +20406,607 @@
           </a:ln>
         </p:spPr>
         <p:txBody>
-          <a:bodyPr wrap="square">
+          <a:bodyPr rot="0" spcFirstLastPara="0" vertOverflow="overflow" horzOverflow="overflow" vert="horz" wrap="square" lIns="91440" tIns="45720" rIns="91440" bIns="45720" numCol="1" spcCol="0" rtlCol="0" fromWordArt="0" anchor="ctr" anchorCtr="0" forceAA="0" compatLnSpc="1">
+            <a:prstTxWarp prst="textNoShape">
+              <a:avLst/>
+            </a:prstTxWarp>
             <a:spAutoFit/>
           </a:bodyPr>
           <a:lstStyle/>
           <a:p>
-            <a:r>
-              <a:rPr lang="en-US" b="0" dirty="0">
+            <a:pPr eaLnBrk="1" hangingPunct="1"/>
+            <a:r>
+              <a:rPr lang="en-US" sz="1000" dirty="0">
                 <a:solidFill>
                   <a:srgbClr val="800000"/>
                 </a:solidFill>
-                <a:effectLst/>
-                <a:highlight>
-                  <a:srgbClr val="FFFFFF"/>
-                </a:highlight>
-                <a:latin typeface="Consolas" panose="020B0609020204030204" pitchFamily="49" charset="0"/>
-              </a:rPr>
-              <a:t>.maven:</a:t>
-            </a:r>
-          </a:p>
-          <a:p>
-            <a:r>
-              <a:rPr lang="en-US" b="0" dirty="0">
+                <a:latin typeface="Consolas"/>
+              </a:rPr>
+              <a:t>variables</a:t>
+            </a:r>
+            <a:r>
+              <a:rPr lang="en-US" sz="1000" dirty="0">
+                <a:solidFill>
+                  <a:srgbClr val="3B3B3B"/>
+                </a:solidFill>
+                <a:latin typeface="Consolas"/>
+              </a:rPr>
+              <a:t>:</a:t>
+            </a:r>
+          </a:p>
+          <a:p>
+            <a:pPr eaLnBrk="1" hangingPunct="1"/>
+            <a:r>
+              <a:rPr lang="en-US" sz="1000" dirty="0">
                 <a:solidFill>
                   <a:srgbClr val="800000"/>
                 </a:solidFill>
-                <a:effectLst/>
-                <a:highlight>
-                  <a:srgbClr val="FFFFFF"/>
-                </a:highlight>
-                <a:latin typeface="Consolas" panose="020B0609020204030204" pitchFamily="49" charset="0"/>
-              </a:rPr>
-              <a:t>  stage: </a:t>
-            </a:r>
-            <a:r>
-              <a:rPr lang="en-US" b="0" dirty="0">
-                <a:solidFill>
-                  <a:srgbClr val="0249FC"/>
-                </a:solidFill>
-                <a:effectLst/>
-                <a:highlight>
-                  <a:srgbClr val="FFFFFF"/>
-                </a:highlight>
-                <a:latin typeface="Consolas" panose="020B0609020204030204" pitchFamily="49" charset="0"/>
+                <a:latin typeface="Consolas"/>
+              </a:rPr>
+              <a:t>  DUMMY_FILE</a:t>
+            </a:r>
+            <a:r>
+              <a:rPr lang="en-US" sz="1000" dirty="0">
+                <a:solidFill>
+                  <a:srgbClr val="3B3B3B"/>
+                </a:solidFill>
+                <a:latin typeface="Consolas"/>
+              </a:rPr>
+              <a:t>: </a:t>
+            </a:r>
+            <a:r>
+              <a:rPr lang="en-US" sz="1000" dirty="0">
+                <a:solidFill>
+                  <a:srgbClr val="A31515"/>
+                </a:solidFill>
+                <a:latin typeface="Consolas"/>
+              </a:rPr>
+              <a:t>"dummy_file.txt"</a:t>
+            </a:r>
+          </a:p>
+          <a:p>
+            <a:pPr eaLnBrk="1" hangingPunct="1"/>
+            <a:br>
+              <a:rPr lang="en-US" sz="1000" dirty="0">
+                <a:latin typeface="Consolas"/>
+              </a:rPr>
+            </a:br>
+            <a:r>
+              <a:rPr lang="en-US" sz="1000" dirty="0">
+                <a:solidFill>
+                  <a:srgbClr val="800000"/>
+                </a:solidFill>
+                <a:latin typeface="Consolas"/>
+              </a:rPr>
+              <a:t>stages</a:t>
+            </a:r>
+            <a:r>
+              <a:rPr lang="en-US" sz="1000" dirty="0">
+                <a:solidFill>
+                  <a:srgbClr val="3B3B3B"/>
+                </a:solidFill>
+                <a:latin typeface="Consolas"/>
+              </a:rPr>
+              <a:t>:</a:t>
+            </a:r>
+          </a:p>
+          <a:p>
+            <a:pPr eaLnBrk="1" hangingPunct="1"/>
+            <a:r>
+              <a:rPr lang="en-US" sz="1000" dirty="0">
+                <a:solidFill>
+                  <a:srgbClr val="3B3B3B"/>
+                </a:solidFill>
+                <a:latin typeface="Consolas"/>
+              </a:rPr>
+              <a:t>  - </a:t>
+            </a:r>
+            <a:r>
+              <a:rPr lang="en-US" sz="1000" dirty="0">
+                <a:solidFill>
+                  <a:srgbClr val="0000FF"/>
+                </a:solidFill>
+                <a:latin typeface="Consolas"/>
               </a:rPr>
               <a:t>build</a:t>
             </a:r>
           </a:p>
           <a:p>
-            <a:r>
-              <a:rPr lang="en-US" b="0" dirty="0">
+            <a:pPr eaLnBrk="1" hangingPunct="1"/>
+            <a:r>
+              <a:rPr lang="en-US" sz="1000" dirty="0">
+                <a:solidFill>
+                  <a:srgbClr val="3B3B3B"/>
+                </a:solidFill>
+                <a:latin typeface="Consolas"/>
+              </a:rPr>
+              <a:t>  - </a:t>
+            </a:r>
+            <a:r>
+              <a:rPr lang="en-US" sz="1000" dirty="0">
+                <a:solidFill>
+                  <a:srgbClr val="0000FF"/>
+                </a:solidFill>
+                <a:latin typeface="Consolas"/>
+              </a:rPr>
+              <a:t>test</a:t>
+            </a:r>
+          </a:p>
+          <a:p>
+            <a:pPr eaLnBrk="1" hangingPunct="1"/>
+            <a:r>
+              <a:rPr lang="en-US" sz="1000" dirty="0">
+                <a:solidFill>
+                  <a:srgbClr val="3B3B3B"/>
+                </a:solidFill>
+                <a:latin typeface="Consolas"/>
+              </a:rPr>
+              <a:t>  - </a:t>
+            </a:r>
+            <a:r>
+              <a:rPr lang="en-US" sz="1000" dirty="0">
+                <a:solidFill>
+                  <a:srgbClr val="0000FF"/>
+                </a:solidFill>
+                <a:latin typeface="Consolas"/>
+              </a:rPr>
+              <a:t>deploy</a:t>
+            </a:r>
+          </a:p>
+          <a:p>
+            <a:pPr eaLnBrk="1" hangingPunct="1"/>
+            <a:endParaRPr lang="en-US" sz="1000" dirty="0">
+              <a:solidFill>
+                <a:srgbClr val="0000FF"/>
+              </a:solidFill>
+              <a:latin typeface="Consolas"/>
+            </a:endParaRPr>
+          </a:p>
+          <a:p>
+            <a:pPr eaLnBrk="1" hangingPunct="1"/>
+            <a:r>
+              <a:rPr lang="en-US" sz="1000" dirty="0">
                 <a:solidFill>
                   <a:srgbClr val="800000"/>
                 </a:solidFill>
-                <a:effectLst/>
-                <a:highlight>
-                  <a:srgbClr val="FFFFFF"/>
-                </a:highlight>
-                <a:latin typeface="Consolas" panose="020B0609020204030204" pitchFamily="49" charset="0"/>
-              </a:rPr>
-              <a:t>  image: </a:t>
-            </a:r>
-            <a:r>
-              <a:rPr lang="en-US" b="0" dirty="0">
-                <a:solidFill>
-                  <a:srgbClr val="0249FC"/>
-                </a:solidFill>
-                <a:effectLst/>
-                <a:highlight>
-                  <a:srgbClr val="FFFFFF"/>
-                </a:highlight>
-                <a:latin typeface="Consolas" panose="020B0609020204030204" pitchFamily="49" charset="0"/>
-              </a:rPr>
-              <a:t>maven:3.9.8-eclipse-temurin-11</a:t>
-            </a:r>
-          </a:p>
-          <a:p>
-            <a:endParaRPr lang="en-US" b="0" dirty="0">
-              <a:solidFill>
-                <a:srgbClr val="800000"/>
-              </a:solidFill>
-              <a:effectLst/>
-              <a:highlight>
-                <a:srgbClr val="FFFFFF"/>
-              </a:highlight>
-              <a:latin typeface="Consolas" panose="020B0609020204030204" pitchFamily="49" charset="0"/>
-            </a:endParaRPr>
-          </a:p>
-          <a:p>
-            <a:r>
-              <a:rPr lang="en-US" b="0" dirty="0">
+                <a:latin typeface="Consolas"/>
+              </a:rPr>
+              <a:t>default</a:t>
+            </a:r>
+            <a:r>
+              <a:rPr lang="en-US" sz="1000" dirty="0">
+                <a:solidFill>
+                  <a:srgbClr val="3B3B3B"/>
+                </a:solidFill>
+                <a:latin typeface="Consolas"/>
+              </a:rPr>
+              <a:t>:</a:t>
+            </a:r>
+          </a:p>
+          <a:p>
+            <a:pPr eaLnBrk="1" hangingPunct="1"/>
+            <a:r>
+              <a:rPr lang="en-US" sz="1000" dirty="0">
+                <a:solidFill>
+                  <a:srgbClr val="3B3B3B"/>
+                </a:solidFill>
+                <a:latin typeface="Consolas"/>
+              </a:rPr>
+              <a:t>  </a:t>
+            </a:r>
+            <a:r>
+              <a:rPr lang="en-US" sz="1000" dirty="0">
                 <a:solidFill>
                   <a:srgbClr val="800000"/>
                 </a:solidFill>
-                <a:effectLst/>
-                <a:highlight>
-                  <a:srgbClr val="FFFFFF"/>
-                </a:highlight>
-                <a:latin typeface="Consolas" panose="020B0609020204030204" pitchFamily="49" charset="0"/>
-              </a:rPr>
-              <a:t>compile:</a:t>
-            </a:r>
-          </a:p>
-          <a:p>
-            <a:r>
-              <a:rPr lang="en-US" b="0" dirty="0">
+                <a:latin typeface="Consolas"/>
+              </a:rPr>
+              <a:t>stage</a:t>
+            </a:r>
+            <a:r>
+              <a:rPr lang="en-US" sz="1000" dirty="0">
+                <a:solidFill>
+                  <a:srgbClr val="3B3B3B"/>
+                </a:solidFill>
+                <a:latin typeface="Consolas"/>
+              </a:rPr>
+              <a:t>: </a:t>
+            </a:r>
+            <a:r>
+              <a:rPr lang="en-US" sz="1000" dirty="0">
+                <a:solidFill>
+                  <a:srgbClr val="0000FF"/>
+                </a:solidFill>
+                <a:latin typeface="Consolas"/>
+              </a:rPr>
+              <a:t>build</a:t>
+            </a:r>
+          </a:p>
+          <a:p>
+            <a:pPr eaLnBrk="1" hangingPunct="1"/>
+            <a:br>
+              <a:rPr lang="en-US" sz="1000" dirty="0">
+                <a:latin typeface="Consolas"/>
+              </a:rPr>
+            </a:br>
+            <a:r>
+              <a:rPr lang="en-US" sz="1000" dirty="0" err="1">
                 <a:solidFill>
                   <a:srgbClr val="800000"/>
                 </a:solidFill>
-                <a:effectLst/>
-                <a:highlight>
-                  <a:srgbClr val="FFFFFF"/>
-                </a:highlight>
-                <a:latin typeface="Consolas" panose="020B0609020204030204" pitchFamily="49" charset="0"/>
-              </a:rPr>
-              <a:t>  extends: </a:t>
-            </a:r>
-            <a:r>
-              <a:rPr lang="en-US" b="0" dirty="0">
-                <a:solidFill>
-                  <a:srgbClr val="0249FC"/>
-                </a:solidFill>
-                <a:effectLst/>
-                <a:highlight>
-                  <a:srgbClr val="FFFFFF"/>
-                </a:highlight>
-                <a:latin typeface="Consolas" panose="020B0609020204030204" pitchFamily="49" charset="0"/>
-              </a:rPr>
-              <a:t>.maven</a:t>
-            </a:r>
-          </a:p>
-          <a:p>
-            <a:r>
-              <a:rPr lang="en-US" b="0" dirty="0">
+                <a:latin typeface="Consolas"/>
+              </a:rPr>
+              <a:t>build_job</a:t>
+            </a:r>
+            <a:r>
+              <a:rPr lang="en-US" sz="1000" dirty="0">
+                <a:solidFill>
+                  <a:srgbClr val="3B3B3B"/>
+                </a:solidFill>
+                <a:latin typeface="Consolas"/>
+              </a:rPr>
+              <a:t>:</a:t>
+            </a:r>
+            <a:r>
+              <a:rPr lang="en-US" sz="1000" dirty="0">
                 <a:solidFill>
                   <a:srgbClr val="800000"/>
                 </a:solidFill>
-                <a:effectLst/>
-                <a:highlight>
-                  <a:srgbClr val="FFFFFF"/>
-                </a:highlight>
-                <a:latin typeface="Consolas" panose="020B0609020204030204" pitchFamily="49" charset="0"/>
-              </a:rPr>
-              <a:t>  script:</a:t>
-            </a:r>
-          </a:p>
-          <a:p>
-            <a:r>
-              <a:rPr lang="en-US" b="0" dirty="0">
+                <a:latin typeface="Consolas"/>
+              </a:rPr>
+              <a:t>  script</a:t>
+            </a:r>
+            <a:r>
+              <a:rPr lang="en-US" sz="1000" dirty="0">
+                <a:solidFill>
+                  <a:srgbClr val="3B3B3B"/>
+                </a:solidFill>
+                <a:latin typeface="Consolas"/>
+              </a:rPr>
+              <a:t>:</a:t>
+            </a:r>
+          </a:p>
+          <a:p>
+            <a:pPr eaLnBrk="1" hangingPunct="1"/>
+            <a:r>
+              <a:rPr lang="en-US" sz="1000" dirty="0">
+                <a:solidFill>
+                  <a:srgbClr val="3B3B3B"/>
+                </a:solidFill>
+                <a:latin typeface="Consolas"/>
+              </a:rPr>
+              <a:t>    - </a:t>
+            </a:r>
+            <a:r>
+              <a:rPr lang="en-US" sz="1000" dirty="0">
+                <a:solidFill>
+                  <a:srgbClr val="0000FF"/>
+                </a:solidFill>
+                <a:latin typeface="Consolas"/>
+              </a:rPr>
+              <a:t>echo "Building the project..."</a:t>
+            </a:r>
+          </a:p>
+          <a:p>
+            <a:pPr eaLnBrk="1" hangingPunct="1"/>
+            <a:r>
+              <a:rPr lang="en-US" sz="1000" dirty="0">
+                <a:solidFill>
+                  <a:srgbClr val="3B3B3B"/>
+                </a:solidFill>
+                <a:latin typeface="Consolas"/>
+              </a:rPr>
+              <a:t>    - </a:t>
+            </a:r>
+            <a:r>
+              <a:rPr lang="en-US" sz="1000" dirty="0">
+                <a:solidFill>
+                  <a:srgbClr val="0000FF"/>
+                </a:solidFill>
+                <a:latin typeface="Consolas"/>
+              </a:rPr>
+              <a:t>touch $DUMMY_FILE</a:t>
+            </a:r>
+          </a:p>
+          <a:p>
+            <a:pPr eaLnBrk="1" hangingPunct="1"/>
+            <a:r>
+              <a:rPr lang="en-US" sz="1000" dirty="0">
                 <a:solidFill>
                   <a:srgbClr val="800000"/>
                 </a:solidFill>
-                <a:effectLst/>
-                <a:highlight>
-                  <a:srgbClr val="FFFFFF"/>
-                </a:highlight>
-                <a:latin typeface="Consolas" panose="020B0609020204030204" pitchFamily="49" charset="0"/>
-              </a:rPr>
-              <a:t>    - </a:t>
-            </a:r>
-            <a:r>
-              <a:rPr lang="en-US" b="0" dirty="0" err="1">
-                <a:solidFill>
-                  <a:srgbClr val="0249FC"/>
-                </a:solidFill>
-                <a:effectLst/>
-                <a:highlight>
-                  <a:srgbClr val="FFFFFF"/>
-                </a:highlight>
-                <a:latin typeface="Consolas" panose="020B0609020204030204" pitchFamily="49" charset="0"/>
-              </a:rPr>
-              <a:t>mvn</a:t>
-            </a:r>
-            <a:r>
-              <a:rPr lang="en-US" b="0" dirty="0">
-                <a:solidFill>
-                  <a:srgbClr val="0249FC"/>
-                </a:solidFill>
-                <a:effectLst/>
-                <a:highlight>
-                  <a:srgbClr val="FFFFFF"/>
-                </a:highlight>
-                <a:latin typeface="Consolas" panose="020B0609020204030204" pitchFamily="49" charset="0"/>
-              </a:rPr>
-              <a:t> clean compile</a:t>
-            </a:r>
-          </a:p>
-          <a:p>
-            <a:endParaRPr lang="en-US" b="0" dirty="0">
-              <a:solidFill>
-                <a:srgbClr val="800000"/>
-              </a:solidFill>
-              <a:effectLst/>
-              <a:highlight>
-                <a:srgbClr val="FFFFFF"/>
-              </a:highlight>
-              <a:latin typeface="Consolas" panose="020B0609020204030204" pitchFamily="49" charset="0"/>
-            </a:endParaRPr>
-          </a:p>
-          <a:p>
-            <a:r>
-              <a:rPr lang="en-US" b="0" dirty="0">
+                <a:latin typeface="Consolas"/>
+              </a:rPr>
+              <a:t>artifacts</a:t>
+            </a:r>
+            <a:r>
+              <a:rPr lang="en-US" sz="1000" dirty="0">
+                <a:solidFill>
+                  <a:srgbClr val="3B3B3B"/>
+                </a:solidFill>
+                <a:latin typeface="Consolas"/>
+              </a:rPr>
+              <a:t>:</a:t>
+            </a:r>
+          </a:p>
+          <a:p>
+            <a:pPr eaLnBrk="1" hangingPunct="1"/>
+            <a:r>
+              <a:rPr lang="en-US" sz="1000" dirty="0">
                 <a:solidFill>
                   <a:srgbClr val="800000"/>
                 </a:solidFill>
-                <a:effectLst/>
-                <a:highlight>
-                  <a:srgbClr val="FFFFFF"/>
-                </a:highlight>
-                <a:latin typeface="Consolas" panose="020B0609020204030204" pitchFamily="49" charset="0"/>
-              </a:rPr>
-              <a:t>test:</a:t>
-            </a:r>
-          </a:p>
-          <a:p>
-            <a:r>
-              <a:rPr lang="en-US" b="0" dirty="0">
+                <a:latin typeface="Consolas"/>
+              </a:rPr>
+              <a:t>  paths</a:t>
+            </a:r>
+            <a:r>
+              <a:rPr lang="en-US" sz="1000" dirty="0">
+                <a:solidFill>
+                  <a:srgbClr val="3B3B3B"/>
+                </a:solidFill>
+                <a:latin typeface="Consolas"/>
+              </a:rPr>
+              <a:t>:</a:t>
+            </a:r>
+          </a:p>
+          <a:p>
+            <a:pPr eaLnBrk="1" hangingPunct="1"/>
+            <a:r>
+              <a:rPr lang="en-US" sz="1000" dirty="0">
+                <a:solidFill>
+                  <a:srgbClr val="3B3B3B"/>
+                </a:solidFill>
+                <a:latin typeface="Consolas"/>
+              </a:rPr>
+              <a:t>    - </a:t>
+            </a:r>
+            <a:r>
+              <a:rPr lang="en-US" sz="1000" dirty="0">
+                <a:solidFill>
+                  <a:srgbClr val="0000FF"/>
+                </a:solidFill>
+                <a:latin typeface="Consolas"/>
+              </a:rPr>
+              <a:t>$DUMMY_FILE</a:t>
+            </a:r>
+          </a:p>
+          <a:p>
+            <a:pPr eaLnBrk="1" hangingPunct="1"/>
+            <a:br>
+              <a:rPr lang="en-US" sz="1000" dirty="0">
+                <a:latin typeface="Consolas"/>
+              </a:rPr>
+            </a:br>
+            <a:r>
+              <a:rPr lang="en-US" sz="1000" dirty="0" err="1">
                 <a:solidFill>
                   <a:srgbClr val="800000"/>
                 </a:solidFill>
-                <a:effectLst/>
-                <a:highlight>
-                  <a:srgbClr val="FFFFFF"/>
-                </a:highlight>
-                <a:latin typeface="Consolas" panose="020B0609020204030204" pitchFamily="49" charset="0"/>
-              </a:rPr>
-              <a:t>  extends: </a:t>
-            </a:r>
-            <a:r>
-              <a:rPr lang="en-US" b="0" dirty="0">
-                <a:solidFill>
-                  <a:srgbClr val="0249FC"/>
-                </a:solidFill>
-                <a:effectLst/>
-                <a:highlight>
-                  <a:srgbClr val="FFFFFF"/>
-                </a:highlight>
-                <a:latin typeface="Consolas" panose="020B0609020204030204" pitchFamily="49" charset="0"/>
-              </a:rPr>
-              <a:t>.maven</a:t>
-            </a:r>
-          </a:p>
-          <a:p>
-            <a:r>
-              <a:rPr lang="en-US" b="0" dirty="0">
+                <a:latin typeface="Consolas"/>
+              </a:rPr>
+              <a:t>test_job</a:t>
+            </a:r>
+            <a:r>
+              <a:rPr lang="en-US" sz="1000" dirty="0">
+                <a:solidFill>
+                  <a:srgbClr val="3B3B3B"/>
+                </a:solidFill>
+                <a:latin typeface="Consolas"/>
+              </a:rPr>
+              <a:t>:</a:t>
+            </a:r>
+          </a:p>
+          <a:p>
+            <a:pPr eaLnBrk="1" hangingPunct="1"/>
+            <a:r>
+              <a:rPr lang="en-US" sz="1000" dirty="0">
                 <a:solidFill>
                   <a:srgbClr val="800000"/>
                 </a:solidFill>
-                <a:effectLst/>
-                <a:highlight>
-                  <a:srgbClr val="FFFFFF"/>
-                </a:highlight>
-                <a:latin typeface="Consolas" panose="020B0609020204030204" pitchFamily="49" charset="0"/>
-              </a:rPr>
-              <a:t>  script:</a:t>
-            </a:r>
-          </a:p>
-          <a:p>
-            <a:r>
-              <a:rPr lang="en-US" b="0" dirty="0">
+                <a:latin typeface="Consolas"/>
+              </a:rPr>
+              <a:t>  stage</a:t>
+            </a:r>
+            <a:r>
+              <a:rPr lang="en-US" sz="1000" dirty="0">
+                <a:solidFill>
+                  <a:srgbClr val="3B3B3B"/>
+                </a:solidFill>
+                <a:latin typeface="Consolas"/>
+              </a:rPr>
+              <a:t>: </a:t>
+            </a:r>
+            <a:r>
+              <a:rPr lang="en-US" sz="1000" dirty="0">
+                <a:solidFill>
+                  <a:srgbClr val="0000FF"/>
+                </a:solidFill>
+                <a:latin typeface="Consolas"/>
+              </a:rPr>
+              <a:t>test</a:t>
+            </a:r>
+          </a:p>
+          <a:p>
+            <a:pPr eaLnBrk="1" hangingPunct="1"/>
+            <a:r>
+              <a:rPr lang="en-US" sz="1000" dirty="0">
                 <a:solidFill>
                   <a:srgbClr val="800000"/>
                 </a:solidFill>
-                <a:effectLst/>
-                <a:highlight>
-                  <a:srgbClr val="FFFFFF"/>
-                </a:highlight>
-                <a:latin typeface="Consolas" panose="020B0609020204030204" pitchFamily="49" charset="0"/>
-              </a:rPr>
-              <a:t>    - </a:t>
-            </a:r>
-            <a:r>
-              <a:rPr lang="en-US" b="0" dirty="0" err="1">
-                <a:solidFill>
-                  <a:srgbClr val="0249FC"/>
-                </a:solidFill>
-                <a:effectLst/>
-                <a:highlight>
-                  <a:srgbClr val="FFFFFF"/>
-                </a:highlight>
-                <a:latin typeface="Consolas" panose="020B0609020204030204" pitchFamily="49" charset="0"/>
-              </a:rPr>
-              <a:t>mvn</a:t>
-            </a:r>
-            <a:r>
-              <a:rPr lang="en-US" b="0" dirty="0">
-                <a:solidFill>
-                  <a:srgbClr val="0249FC"/>
-                </a:solidFill>
-                <a:effectLst/>
-                <a:highlight>
-                  <a:srgbClr val="FFFFFF"/>
-                </a:highlight>
-                <a:latin typeface="Consolas" panose="020B0609020204030204" pitchFamily="49" charset="0"/>
-              </a:rPr>
-              <a:t> verify</a:t>
+                <a:latin typeface="Consolas"/>
+              </a:rPr>
+              <a:t>  script</a:t>
+            </a:r>
+            <a:r>
+              <a:rPr lang="en-US" sz="1000" dirty="0">
+                <a:solidFill>
+                  <a:srgbClr val="3B3B3B"/>
+                </a:solidFill>
+                <a:latin typeface="Consolas"/>
+              </a:rPr>
+              <a:t>:</a:t>
+            </a:r>
+          </a:p>
+          <a:p>
+            <a:pPr eaLnBrk="1" hangingPunct="1"/>
+            <a:r>
+              <a:rPr lang="en-US" sz="1000" dirty="0">
+                <a:solidFill>
+                  <a:srgbClr val="3B3B3B"/>
+                </a:solidFill>
+                <a:latin typeface="Consolas"/>
+              </a:rPr>
+              <a:t>    - </a:t>
+            </a:r>
+            <a:r>
+              <a:rPr lang="en-US" sz="1000" dirty="0">
+                <a:solidFill>
+                  <a:srgbClr val="0000FF"/>
+                </a:solidFill>
+                <a:latin typeface="Consolas"/>
+              </a:rPr>
+              <a:t>echo "Testing the project..."</a:t>
+            </a:r>
+          </a:p>
+          <a:p>
+            <a:pPr eaLnBrk="1" hangingPunct="1"/>
+            <a:r>
+              <a:rPr lang="en-US" sz="1000" dirty="0">
+                <a:solidFill>
+                  <a:srgbClr val="3B3B3B"/>
+                </a:solidFill>
+                <a:latin typeface="Consolas"/>
+              </a:rPr>
+              <a:t>    - </a:t>
+            </a:r>
+            <a:r>
+              <a:rPr lang="en-US" sz="1000" dirty="0">
+                <a:solidFill>
+                  <a:srgbClr val="0000FF"/>
+                </a:solidFill>
+                <a:latin typeface="Consolas"/>
+              </a:rPr>
+              <a:t>ls -l $DUMMY_FILE</a:t>
+            </a:r>
+          </a:p>
+          <a:p>
+            <a:pPr eaLnBrk="1" hangingPunct="1"/>
+            <a:br>
+              <a:rPr lang="en-US" sz="1000" dirty="0">
+                <a:latin typeface="Consolas"/>
+              </a:rPr>
+            </a:br>
+            <a:r>
+              <a:rPr lang="en-US" sz="1000" dirty="0" err="1">
+                <a:solidFill>
+                  <a:srgbClr val="800000"/>
+                </a:solidFill>
+                <a:latin typeface="Consolas"/>
+              </a:rPr>
+              <a:t>deploy_job</a:t>
+            </a:r>
+            <a:r>
+              <a:rPr lang="en-US" sz="1000" dirty="0">
+                <a:solidFill>
+                  <a:srgbClr val="3B3B3B"/>
+                </a:solidFill>
+                <a:latin typeface="Consolas"/>
+              </a:rPr>
+              <a:t>:</a:t>
+            </a:r>
+          </a:p>
+          <a:p>
+            <a:pPr eaLnBrk="1" hangingPunct="1"/>
+            <a:r>
+              <a:rPr lang="en-US" sz="1000" dirty="0">
+                <a:solidFill>
+                  <a:srgbClr val="800000"/>
+                </a:solidFill>
+                <a:latin typeface="Consolas"/>
+              </a:rPr>
+              <a:t>  stage</a:t>
+            </a:r>
+            <a:r>
+              <a:rPr lang="en-US" sz="1000" dirty="0">
+                <a:solidFill>
+                  <a:srgbClr val="3B3B3B"/>
+                </a:solidFill>
+                <a:latin typeface="Consolas"/>
+              </a:rPr>
+              <a:t>: </a:t>
+            </a:r>
+            <a:r>
+              <a:rPr lang="en-US" sz="1000" dirty="0">
+                <a:solidFill>
+                  <a:srgbClr val="0000FF"/>
+                </a:solidFill>
+                <a:latin typeface="Consolas"/>
+              </a:rPr>
+              <a:t>deploy</a:t>
+            </a:r>
+          </a:p>
+          <a:p>
+            <a:pPr eaLnBrk="1" hangingPunct="1"/>
+            <a:r>
+              <a:rPr lang="en-US" sz="1000" dirty="0">
+                <a:solidFill>
+                  <a:srgbClr val="800000"/>
+                </a:solidFill>
+                <a:latin typeface="Consolas"/>
+              </a:rPr>
+              <a:t>  script</a:t>
+            </a:r>
+            <a:r>
+              <a:rPr lang="en-US" sz="1000" dirty="0">
+                <a:solidFill>
+                  <a:srgbClr val="3B3B3B"/>
+                </a:solidFill>
+                <a:latin typeface="Consolas"/>
+              </a:rPr>
+              <a:t>:</a:t>
+            </a:r>
+          </a:p>
+          <a:p>
+            <a:pPr eaLnBrk="1" hangingPunct="1"/>
+            <a:r>
+              <a:rPr lang="en-US" sz="1000" dirty="0">
+                <a:solidFill>
+                  <a:srgbClr val="3B3B3B"/>
+                </a:solidFill>
+                <a:latin typeface="Consolas"/>
+              </a:rPr>
+              <a:t>    - </a:t>
+            </a:r>
+            <a:r>
+              <a:rPr lang="en-US" sz="1000" dirty="0">
+                <a:solidFill>
+                  <a:srgbClr val="0000FF"/>
+                </a:solidFill>
+                <a:latin typeface="Consolas"/>
+              </a:rPr>
+              <a:t>echo "Deploying the project..."</a:t>
+            </a:r>
+          </a:p>
+          <a:p>
+            <a:pPr eaLnBrk="1" hangingPunct="1"/>
+            <a:r>
+              <a:rPr lang="en-US" sz="1000" dirty="0">
+                <a:solidFill>
+                  <a:srgbClr val="3B3B3B"/>
+                </a:solidFill>
+                <a:latin typeface="Consolas"/>
+              </a:rPr>
+              <a:t>    - </a:t>
+            </a:r>
+            <a:r>
+              <a:rPr lang="en-US" sz="1000" dirty="0">
+                <a:solidFill>
+                  <a:srgbClr val="0000FF"/>
+                </a:solidFill>
+                <a:latin typeface="Consolas"/>
+              </a:rPr>
+              <a:t>ls -l $DUMMY_FILE</a:t>
             </a:r>
           </a:p>
         </p:txBody>
@@ -20264,7 +21014,7 @@
     </p:spTree>
     <p:extLst>
       <p:ext uri="{BB962C8B-B14F-4D97-AF65-F5344CB8AC3E}">
-        <p14:creationId xmlns:p14="http://schemas.microsoft.com/office/powerpoint/2010/main" val="3798667439"/>
+        <p14:creationId xmlns:p14="http://schemas.microsoft.com/office/powerpoint/2010/main" val="1916387411"/>
       </p:ext>
     </p:extLst>
   </p:cSld>
@@ -20350,8 +21100,9 @@
             </a:pPr>
             <a:r>
               <a:rPr lang="de-DE" b="1" dirty="0"/>
-              <a:t>Includes</a:t>
-            </a:r>
+              <a:t>Extension</a:t>
+            </a:r>
+            <a:endParaRPr lang="de-DE" dirty="0"/>
           </a:p>
           <a:p>
             <a:pPr>
@@ -20360,7 +21111,7 @@
             </a:pPr>
             <a:r>
               <a:rPr lang="de-DE" dirty="0"/>
-              <a:t>Wiederverwendung von Variablen, Jobs, Job Templates, Defaults und ganzer Pipelines</a:t>
+              <a:t>Definition wiederverwendbarer Job Templates</a:t>
             </a:r>
           </a:p>
           <a:p>
@@ -20370,7 +21121,7 @@
             </a:pPr>
             <a:r>
               <a:rPr lang="de-DE" dirty="0"/>
-              <a:t>Über Projektgrenzen hinweg nutzbar</a:t>
+              <a:t>Verwendung („Erweiterung“) nach Bedarf</a:t>
             </a:r>
           </a:p>
           <a:p>
@@ -20380,360 +21131,7 @@
             </a:pPr>
             <a:r>
               <a:rPr lang="de-DE" dirty="0"/>
-              <a:t>Beispiel:</a:t>
-            </a:r>
-          </a:p>
-          <a:p>
-            <a:pPr>
-              <a:buFont typeface="Arial" panose="020B0604020202020204" pitchFamily="34" charset="0"/>
-              <a:buChar char="•"/>
-            </a:pPr>
-            <a:endParaRPr lang="de-DE" dirty="0"/>
-          </a:p>
-        </p:txBody>
-      </p:sp>
-      <p:sp>
-        <p:nvSpPr>
-          <p:cNvPr id="3" name="Textfeld 2">
-            <a:extLst>
-              <a:ext uri="{FF2B5EF4-FFF2-40B4-BE49-F238E27FC236}">
-                <a16:creationId xmlns:a16="http://schemas.microsoft.com/office/drawing/2014/main" id="{B1300DFB-F7A0-3AE1-8D8C-2D16867CB0F9}"/>
-              </a:ext>
-            </a:extLst>
-          </p:cNvPr>
-          <p:cNvSpPr txBox="1"/>
-          <p:nvPr/>
-        </p:nvSpPr>
-        <p:spPr bwMode="auto">
-          <a:xfrm>
-            <a:off x="323851" y="3356992"/>
-            <a:ext cx="8820149" cy="2308324"/>
-          </a:xfrm>
-          <a:prstGeom prst="rect">
-            <a:avLst/>
-          </a:prstGeom>
-          <a:noFill/>
-          <a:ln w="9525">
-            <a:noFill/>
-            <a:miter lim="800000"/>
-            <a:headEnd/>
-            <a:tailEnd/>
-          </a:ln>
-        </p:spPr>
-        <p:txBody>
-          <a:bodyPr wrap="square">
-            <a:spAutoFit/>
-          </a:bodyPr>
-          <a:lstStyle/>
-          <a:p>
-            <a:r>
-              <a:rPr lang="en-US" b="0" dirty="0">
-                <a:solidFill>
-                  <a:srgbClr val="800000"/>
-                </a:solidFill>
-                <a:effectLst/>
-                <a:highlight>
-                  <a:srgbClr val="FFFFFF"/>
-                </a:highlight>
-                <a:latin typeface="Consolas" panose="020B0609020204030204" pitchFamily="49" charset="0"/>
-              </a:rPr>
-              <a:t>include:</a:t>
-            </a:r>
-          </a:p>
-          <a:p>
-            <a:r>
-              <a:rPr lang="en-US" b="0" dirty="0">
-                <a:solidFill>
-                  <a:srgbClr val="800000"/>
-                </a:solidFill>
-                <a:effectLst/>
-                <a:highlight>
-                  <a:srgbClr val="FFFFFF"/>
-                </a:highlight>
-                <a:latin typeface="Consolas" panose="020B0609020204030204" pitchFamily="49" charset="0"/>
-              </a:rPr>
-              <a:t>  - </a:t>
-            </a:r>
-            <a:r>
-              <a:rPr lang="en-US" b="0" dirty="0">
-                <a:solidFill>
-                  <a:srgbClr val="0249FC"/>
-                </a:solidFill>
-                <a:effectLst/>
-                <a:highlight>
-                  <a:srgbClr val="FFFFFF"/>
-                </a:highlight>
-                <a:latin typeface="Consolas" panose="020B0609020204030204" pitchFamily="49" charset="0"/>
-              </a:rPr>
-              <a:t>'https://gitlab.com/</a:t>
-            </a:r>
-            <a:r>
-              <a:rPr lang="en-US" b="0" dirty="0" err="1">
-                <a:solidFill>
-                  <a:srgbClr val="0249FC"/>
-                </a:solidFill>
-                <a:effectLst/>
-                <a:highlight>
-                  <a:srgbClr val="FFFFFF"/>
-                </a:highlight>
-                <a:latin typeface="Consolas" panose="020B0609020204030204" pitchFamily="49" charset="0"/>
-              </a:rPr>
-              <a:t>myproj</a:t>
-            </a:r>
-            <a:r>
-              <a:rPr lang="en-US" b="0" dirty="0">
-                <a:solidFill>
-                  <a:srgbClr val="0249FC"/>
-                </a:solidFill>
-                <a:effectLst/>
-                <a:highlight>
-                  <a:srgbClr val="FFFFFF"/>
-                </a:highlight>
-                <a:latin typeface="Consolas" panose="020B0609020204030204" pitchFamily="49" charset="0"/>
-              </a:rPr>
-              <a:t>/raw/main/.</a:t>
-            </a:r>
-            <a:r>
-              <a:rPr lang="en-US" b="0" dirty="0" err="1">
-                <a:solidFill>
-                  <a:srgbClr val="0249FC"/>
-                </a:solidFill>
-                <a:effectLst/>
-                <a:highlight>
-                  <a:srgbClr val="FFFFFF"/>
-                </a:highlight>
-                <a:latin typeface="Consolas" panose="020B0609020204030204" pitchFamily="49" charset="0"/>
-              </a:rPr>
-              <a:t>tpl.yml</a:t>
-            </a:r>
-            <a:r>
-              <a:rPr lang="en-US" b="0" dirty="0">
-                <a:solidFill>
-                  <a:srgbClr val="0249FC"/>
-                </a:solidFill>
-                <a:effectLst/>
-                <a:highlight>
-                  <a:srgbClr val="FFFFFF"/>
-                </a:highlight>
-                <a:latin typeface="Consolas" panose="020B0609020204030204" pitchFamily="49" charset="0"/>
-              </a:rPr>
-              <a:t>'</a:t>
-            </a:r>
-          </a:p>
-          <a:p>
-            <a:r>
-              <a:rPr lang="en-US" b="0" dirty="0">
-                <a:solidFill>
-                  <a:srgbClr val="800000"/>
-                </a:solidFill>
-                <a:effectLst/>
-                <a:highlight>
-                  <a:srgbClr val="FFFFFF"/>
-                </a:highlight>
-                <a:latin typeface="Consolas" panose="020B0609020204030204" pitchFamily="49" charset="0"/>
-              </a:rPr>
-              <a:t>  - </a:t>
-            </a:r>
-            <a:r>
-              <a:rPr lang="en-US" b="0" dirty="0">
-                <a:solidFill>
-                  <a:srgbClr val="0249FC"/>
-                </a:solidFill>
-                <a:effectLst/>
-                <a:highlight>
-                  <a:srgbClr val="FFFFFF"/>
-                </a:highlight>
-                <a:latin typeface="Consolas" panose="020B0609020204030204" pitchFamily="49" charset="0"/>
-              </a:rPr>
-              <a:t>'templates/.before-</a:t>
-            </a:r>
-            <a:r>
-              <a:rPr lang="en-US" b="0" dirty="0" err="1">
-                <a:solidFill>
-                  <a:srgbClr val="0249FC"/>
-                </a:solidFill>
-                <a:effectLst/>
-                <a:highlight>
-                  <a:srgbClr val="FFFFFF"/>
-                </a:highlight>
-                <a:latin typeface="Consolas" panose="020B0609020204030204" pitchFamily="49" charset="0"/>
-              </a:rPr>
-              <a:t>script.yml</a:t>
-            </a:r>
-            <a:r>
-              <a:rPr lang="en-US" b="0" dirty="0">
-                <a:solidFill>
-                  <a:srgbClr val="0249FC"/>
-                </a:solidFill>
-                <a:effectLst/>
-                <a:highlight>
-                  <a:srgbClr val="FFFFFF"/>
-                </a:highlight>
-                <a:latin typeface="Consolas" panose="020B0609020204030204" pitchFamily="49" charset="0"/>
-              </a:rPr>
-              <a:t>'</a:t>
-            </a:r>
-          </a:p>
-          <a:p>
-            <a:r>
-              <a:rPr lang="en-US" b="0" dirty="0">
-                <a:solidFill>
-                  <a:srgbClr val="800000"/>
-                </a:solidFill>
-                <a:effectLst/>
-                <a:highlight>
-                  <a:srgbClr val="FFFFFF"/>
-                </a:highlight>
-                <a:latin typeface="Consolas" panose="020B0609020204030204" pitchFamily="49" charset="0"/>
-              </a:rPr>
-              <a:t>  - project: </a:t>
-            </a:r>
-            <a:r>
-              <a:rPr lang="en-US" b="0" dirty="0">
-                <a:solidFill>
-                  <a:srgbClr val="0249FC"/>
-                </a:solidFill>
-                <a:effectLst/>
-                <a:highlight>
-                  <a:srgbClr val="FFFFFF"/>
-                </a:highlight>
-                <a:latin typeface="Consolas" panose="020B0609020204030204" pitchFamily="49" charset="0"/>
-              </a:rPr>
-              <a:t>'</a:t>
-            </a:r>
-            <a:r>
-              <a:rPr lang="en-US" b="0" dirty="0" err="1">
-                <a:solidFill>
-                  <a:srgbClr val="0249FC"/>
-                </a:solidFill>
-                <a:effectLst/>
-                <a:highlight>
-                  <a:srgbClr val="FFFFFF"/>
-                </a:highlight>
-                <a:latin typeface="Consolas" panose="020B0609020204030204" pitchFamily="49" charset="0"/>
-              </a:rPr>
-              <a:t>pipepline</a:t>
-            </a:r>
-            <a:r>
-              <a:rPr lang="en-US" b="0" dirty="0">
-                <a:solidFill>
-                  <a:srgbClr val="0249FC"/>
-                </a:solidFill>
-                <a:effectLst/>
-                <a:highlight>
-                  <a:srgbClr val="FFFFFF"/>
-                </a:highlight>
-                <a:latin typeface="Consolas" panose="020B0609020204030204" pitchFamily="49" charset="0"/>
-              </a:rPr>
-              <a:t>-tools/</a:t>
-            </a:r>
-            <a:r>
-              <a:rPr lang="en-US" b="0" dirty="0" err="1">
-                <a:solidFill>
-                  <a:srgbClr val="0249FC"/>
-                </a:solidFill>
-                <a:effectLst/>
-                <a:highlight>
-                  <a:srgbClr val="FFFFFF"/>
-                </a:highlight>
-                <a:latin typeface="Consolas" panose="020B0609020204030204" pitchFamily="49" charset="0"/>
-              </a:rPr>
-              <a:t>gitlab</a:t>
-            </a:r>
-            <a:r>
-              <a:rPr lang="en-US" b="0" dirty="0">
-                <a:solidFill>
-                  <a:srgbClr val="0249FC"/>
-                </a:solidFill>
-                <a:effectLst/>
-                <a:highlight>
-                  <a:srgbClr val="FFFFFF"/>
-                </a:highlight>
-                <a:latin typeface="Consolas" panose="020B0609020204030204" pitchFamily="49" charset="0"/>
-              </a:rPr>
-              <a:t>-ci-includes'</a:t>
-            </a:r>
-          </a:p>
-          <a:p>
-            <a:r>
-              <a:rPr lang="en-US" b="0" dirty="0">
-                <a:solidFill>
-                  <a:srgbClr val="800000"/>
-                </a:solidFill>
-                <a:effectLst/>
-                <a:highlight>
-                  <a:srgbClr val="FFFFFF"/>
-                </a:highlight>
-                <a:latin typeface="Consolas" panose="020B0609020204030204" pitchFamily="49" charset="0"/>
-              </a:rPr>
-              <a:t>    ref: </a:t>
-            </a:r>
-            <a:r>
-              <a:rPr lang="en-US" b="0" dirty="0">
-                <a:solidFill>
-                  <a:srgbClr val="0249FC"/>
-                </a:solidFill>
-                <a:effectLst/>
-                <a:highlight>
-                  <a:srgbClr val="FFFFFF"/>
-                </a:highlight>
-                <a:latin typeface="Consolas" panose="020B0609020204030204" pitchFamily="49" charset="0"/>
-              </a:rPr>
-              <a:t>main</a:t>
-            </a:r>
-          </a:p>
-          <a:p>
-            <a:r>
-              <a:rPr lang="en-US" b="0" dirty="0">
-                <a:solidFill>
-                  <a:srgbClr val="800000"/>
-                </a:solidFill>
-                <a:effectLst/>
-                <a:highlight>
-                  <a:srgbClr val="FFFFFF"/>
-                </a:highlight>
-                <a:latin typeface="Consolas" panose="020B0609020204030204" pitchFamily="49" charset="0"/>
-              </a:rPr>
-              <a:t>    file: </a:t>
-            </a:r>
-            <a:r>
-              <a:rPr lang="en-US" b="0" dirty="0">
-                <a:solidFill>
-                  <a:srgbClr val="0249FC"/>
-                </a:solidFill>
-                <a:effectLst/>
-                <a:highlight>
-                  <a:srgbClr val="FFFFFF"/>
-                </a:highlight>
-                <a:latin typeface="Consolas" panose="020B0609020204030204" pitchFamily="49" charset="0"/>
-              </a:rPr>
-              <a:t>'templates/.ci-</a:t>
-            </a:r>
-            <a:r>
-              <a:rPr lang="en-US" b="0" dirty="0" err="1">
-                <a:solidFill>
-                  <a:srgbClr val="0249FC"/>
-                </a:solidFill>
-                <a:effectLst/>
-                <a:highlight>
-                  <a:srgbClr val="FFFFFF"/>
-                </a:highlight>
-                <a:latin typeface="Consolas" panose="020B0609020204030204" pitchFamily="49" charset="0"/>
-              </a:rPr>
-              <a:t>build.yml</a:t>
-            </a:r>
-            <a:r>
-              <a:rPr lang="en-US" b="0" dirty="0">
-                <a:solidFill>
-                  <a:srgbClr val="0249FC"/>
-                </a:solidFill>
-                <a:effectLst/>
-                <a:highlight>
-                  <a:srgbClr val="FFFFFF"/>
-                </a:highlight>
-                <a:latin typeface="Consolas" panose="020B0609020204030204" pitchFamily="49" charset="0"/>
-              </a:rPr>
-              <a:t>'</a:t>
+              <a:t>Überschreibung (eingeschränkt) möglich</a:t>
             </a:r>
           </a:p>
         </p:txBody>
@@ -20741,7 +21139,7 @@
     </p:spTree>
     <p:extLst>
       <p:ext uri="{BB962C8B-B14F-4D97-AF65-F5344CB8AC3E}">
-        <p14:creationId xmlns:p14="http://schemas.microsoft.com/office/powerpoint/2010/main" val="287164425"/>
+        <p14:creationId xmlns:p14="http://schemas.microsoft.com/office/powerpoint/2010/main" val="3855720706"/>
       </p:ext>
     </p:extLst>
   </p:cSld>
@@ -20826,74 +21224,344 @@
               <a:buNone/>
             </a:pPr>
             <a:r>
-              <a:rPr lang="de-DE" b="1" dirty="0" err="1"/>
-              <a:t>Scheduled</a:t>
-            </a:r>
-            <a:r>
               <a:rPr lang="de-DE" b="1" dirty="0"/>
-              <a:t> Pipelines</a:t>
-            </a:r>
-            <a:endParaRPr lang="de-DE" dirty="0"/>
-          </a:p>
-          <a:p>
-            <a:pPr>
-              <a:buFont typeface="Arial" panose="020B0604020202020204" pitchFamily="34" charset="0"/>
-              <a:buChar char="•"/>
-            </a:pPr>
-            <a:r>
-              <a:rPr lang="de-DE" dirty="0"/>
-              <a:t>Automatische Ausführung zu vorgegebenen Zeiten</a:t>
-            </a:r>
-          </a:p>
-          <a:p>
-            <a:pPr>
-              <a:buFont typeface="Arial" panose="020B0604020202020204" pitchFamily="34" charset="0"/>
-              <a:buChar char="•"/>
-            </a:pPr>
-            <a:r>
-              <a:rPr lang="de-DE" dirty="0"/>
-              <a:t>Manuelles Anstoßen ebenfalls möglich</a:t>
-            </a:r>
-          </a:p>
-          <a:p>
-            <a:pPr>
-              <a:buFont typeface="Arial" panose="020B0604020202020204" pitchFamily="34" charset="0"/>
-              <a:buChar char="•"/>
-            </a:pPr>
-            <a:r>
-              <a:rPr lang="de-DE" dirty="0"/>
-              <a:t>Konfiguration über </a:t>
-            </a:r>
-            <a:r>
-              <a:rPr lang="de-DE" dirty="0" err="1"/>
-              <a:t>GitLab</a:t>
-            </a:r>
-            <a:r>
-              <a:rPr lang="de-DE" dirty="0"/>
-              <a:t> GUI (erfordert </a:t>
-            </a:r>
-            <a:r>
-              <a:rPr lang="de-DE" dirty="0" err="1"/>
-              <a:t>Owner</a:t>
-            </a:r>
-            <a:r>
-              <a:rPr lang="de-DE" dirty="0"/>
-              <a:t>-Rechte)</a:t>
-            </a:r>
-          </a:p>
-          <a:p>
-            <a:pPr>
-              <a:buFont typeface="Arial" panose="020B0604020202020204" pitchFamily="34" charset="0"/>
-              <a:buChar char="•"/>
-            </a:pPr>
-            <a:endParaRPr lang="de-DE" dirty="0"/>
+              <a:t>Extension</a:t>
+            </a:r>
+          </a:p>
+        </p:txBody>
+      </p:sp>
+      <p:sp>
+        <p:nvSpPr>
+          <p:cNvPr id="3" name="Textfeld 2">
+            <a:extLst>
+              <a:ext uri="{FF2B5EF4-FFF2-40B4-BE49-F238E27FC236}">
+                <a16:creationId xmlns:a16="http://schemas.microsoft.com/office/drawing/2014/main" id="{B1300DFB-F7A0-3AE1-8D8C-2D16867CB0F9}"/>
+              </a:ext>
+            </a:extLst>
+          </p:cNvPr>
+          <p:cNvSpPr txBox="1"/>
+          <p:nvPr/>
+        </p:nvSpPr>
+        <p:spPr bwMode="auto">
+          <a:xfrm>
+            <a:off x="301898" y="1488103"/>
+            <a:ext cx="8820149" cy="4893647"/>
+          </a:xfrm>
+          <a:prstGeom prst="rect">
+            <a:avLst/>
+          </a:prstGeom>
+          <a:noFill/>
+          <a:ln w="9525">
+            <a:noFill/>
+            <a:miter lim="800000"/>
+            <a:headEnd/>
+            <a:tailEnd/>
+          </a:ln>
+        </p:spPr>
+        <p:txBody>
+          <a:bodyPr wrap="square">
+            <a:spAutoFit/>
+          </a:bodyPr>
+          <a:lstStyle/>
+          <a:p>
+            <a:r>
+              <a:rPr lang="en-US" b="0" dirty="0">
+                <a:solidFill>
+                  <a:srgbClr val="800000"/>
+                </a:solidFill>
+                <a:effectLst/>
+                <a:highlight>
+                  <a:srgbClr val="FFFFFF"/>
+                </a:highlight>
+                <a:latin typeface="Consolas" panose="020B0609020204030204" pitchFamily="49" charset="0"/>
+              </a:rPr>
+              <a:t>.maven:</a:t>
+            </a:r>
+          </a:p>
+          <a:p>
+            <a:r>
+              <a:rPr lang="en-US" b="0" dirty="0">
+                <a:solidFill>
+                  <a:srgbClr val="800000"/>
+                </a:solidFill>
+                <a:effectLst/>
+                <a:highlight>
+                  <a:srgbClr val="FFFFFF"/>
+                </a:highlight>
+                <a:latin typeface="Consolas" panose="020B0609020204030204" pitchFamily="49" charset="0"/>
+              </a:rPr>
+              <a:t>  stage: </a:t>
+            </a:r>
+            <a:r>
+              <a:rPr lang="en-US" b="0" dirty="0">
+                <a:solidFill>
+                  <a:srgbClr val="0249FC"/>
+                </a:solidFill>
+                <a:effectLst/>
+                <a:highlight>
+                  <a:srgbClr val="FFFFFF"/>
+                </a:highlight>
+                <a:latin typeface="Consolas" panose="020B0609020204030204" pitchFamily="49" charset="0"/>
+              </a:rPr>
+              <a:t>build</a:t>
+            </a:r>
+          </a:p>
+          <a:p>
+            <a:r>
+              <a:rPr lang="en-US" b="0" dirty="0">
+                <a:solidFill>
+                  <a:srgbClr val="800000"/>
+                </a:solidFill>
+                <a:effectLst/>
+                <a:highlight>
+                  <a:srgbClr val="FFFFFF"/>
+                </a:highlight>
+                <a:latin typeface="Consolas" panose="020B0609020204030204" pitchFamily="49" charset="0"/>
+              </a:rPr>
+              <a:t>  image: </a:t>
+            </a:r>
+            <a:r>
+              <a:rPr lang="en-US" b="0" dirty="0">
+                <a:solidFill>
+                  <a:srgbClr val="0249FC"/>
+                </a:solidFill>
+                <a:effectLst/>
+                <a:highlight>
+                  <a:srgbClr val="FFFFFF"/>
+                </a:highlight>
+                <a:latin typeface="Consolas" panose="020B0609020204030204" pitchFamily="49" charset="0"/>
+              </a:rPr>
+              <a:t>maven:3.9.8-eclipse-temurin-11</a:t>
+            </a:r>
+          </a:p>
+          <a:p>
+            <a:endParaRPr lang="en-US" b="0" dirty="0">
+              <a:solidFill>
+                <a:srgbClr val="800000"/>
+              </a:solidFill>
+              <a:effectLst/>
+              <a:highlight>
+                <a:srgbClr val="FFFFFF"/>
+              </a:highlight>
+              <a:latin typeface="Consolas" panose="020B0609020204030204" pitchFamily="49" charset="0"/>
+            </a:endParaRPr>
+          </a:p>
+          <a:p>
+            <a:r>
+              <a:rPr lang="en-US" b="0" dirty="0">
+                <a:solidFill>
+                  <a:srgbClr val="800000"/>
+                </a:solidFill>
+                <a:effectLst/>
+                <a:highlight>
+                  <a:srgbClr val="FFFFFF"/>
+                </a:highlight>
+                <a:latin typeface="Consolas" panose="020B0609020204030204" pitchFamily="49" charset="0"/>
+              </a:rPr>
+              <a:t>compile:</a:t>
+            </a:r>
+          </a:p>
+          <a:p>
+            <a:r>
+              <a:rPr lang="en-US" b="0" dirty="0">
+                <a:solidFill>
+                  <a:srgbClr val="800000"/>
+                </a:solidFill>
+                <a:effectLst/>
+                <a:highlight>
+                  <a:srgbClr val="FFFFFF"/>
+                </a:highlight>
+                <a:latin typeface="Consolas" panose="020B0609020204030204" pitchFamily="49" charset="0"/>
+              </a:rPr>
+              <a:t>  extends: </a:t>
+            </a:r>
+            <a:r>
+              <a:rPr lang="en-US" b="0" dirty="0">
+                <a:solidFill>
+                  <a:srgbClr val="0249FC"/>
+                </a:solidFill>
+                <a:effectLst/>
+                <a:highlight>
+                  <a:srgbClr val="FFFFFF"/>
+                </a:highlight>
+                <a:latin typeface="Consolas" panose="020B0609020204030204" pitchFamily="49" charset="0"/>
+              </a:rPr>
+              <a:t>.maven</a:t>
+            </a:r>
+          </a:p>
+          <a:p>
+            <a:r>
+              <a:rPr lang="en-US" b="0" dirty="0">
+                <a:solidFill>
+                  <a:srgbClr val="800000"/>
+                </a:solidFill>
+                <a:effectLst/>
+                <a:highlight>
+                  <a:srgbClr val="FFFFFF"/>
+                </a:highlight>
+                <a:latin typeface="Consolas" panose="020B0609020204030204" pitchFamily="49" charset="0"/>
+              </a:rPr>
+              <a:t>  script:</a:t>
+            </a:r>
+          </a:p>
+          <a:p>
+            <a:r>
+              <a:rPr lang="en-US" b="0" dirty="0">
+                <a:solidFill>
+                  <a:srgbClr val="800000"/>
+                </a:solidFill>
+                <a:effectLst/>
+                <a:highlight>
+                  <a:srgbClr val="FFFFFF"/>
+                </a:highlight>
+                <a:latin typeface="Consolas" panose="020B0609020204030204" pitchFamily="49" charset="0"/>
+              </a:rPr>
+              <a:t>    - </a:t>
+            </a:r>
+            <a:r>
+              <a:rPr lang="en-US" b="0" dirty="0" err="1">
+                <a:solidFill>
+                  <a:srgbClr val="0249FC"/>
+                </a:solidFill>
+                <a:effectLst/>
+                <a:highlight>
+                  <a:srgbClr val="FFFFFF"/>
+                </a:highlight>
+                <a:latin typeface="Consolas" panose="020B0609020204030204" pitchFamily="49" charset="0"/>
+              </a:rPr>
+              <a:t>mvn</a:t>
+            </a:r>
+            <a:r>
+              <a:rPr lang="en-US" b="0" dirty="0">
+                <a:solidFill>
+                  <a:srgbClr val="0249FC"/>
+                </a:solidFill>
+                <a:effectLst/>
+                <a:highlight>
+                  <a:srgbClr val="FFFFFF"/>
+                </a:highlight>
+                <a:latin typeface="Consolas" panose="020B0609020204030204" pitchFamily="49" charset="0"/>
+              </a:rPr>
+              <a:t> clean compile</a:t>
+            </a:r>
+          </a:p>
+          <a:p>
+            <a:endParaRPr lang="en-US" b="0" dirty="0">
+              <a:solidFill>
+                <a:srgbClr val="800000"/>
+              </a:solidFill>
+              <a:effectLst/>
+              <a:highlight>
+                <a:srgbClr val="FFFFFF"/>
+              </a:highlight>
+              <a:latin typeface="Consolas" panose="020B0609020204030204" pitchFamily="49" charset="0"/>
+            </a:endParaRPr>
+          </a:p>
+          <a:p>
+            <a:r>
+              <a:rPr lang="en-US" b="0" dirty="0">
+                <a:solidFill>
+                  <a:srgbClr val="800000"/>
+                </a:solidFill>
+                <a:effectLst/>
+                <a:highlight>
+                  <a:srgbClr val="FFFFFF"/>
+                </a:highlight>
+                <a:latin typeface="Consolas" panose="020B0609020204030204" pitchFamily="49" charset="0"/>
+              </a:rPr>
+              <a:t>test:</a:t>
+            </a:r>
+          </a:p>
+          <a:p>
+            <a:r>
+              <a:rPr lang="en-US" b="0" dirty="0">
+                <a:solidFill>
+                  <a:srgbClr val="800000"/>
+                </a:solidFill>
+                <a:effectLst/>
+                <a:highlight>
+                  <a:srgbClr val="FFFFFF"/>
+                </a:highlight>
+                <a:latin typeface="Consolas" panose="020B0609020204030204" pitchFamily="49" charset="0"/>
+              </a:rPr>
+              <a:t>  extends: </a:t>
+            </a:r>
+            <a:r>
+              <a:rPr lang="en-US" b="0" dirty="0">
+                <a:solidFill>
+                  <a:srgbClr val="0249FC"/>
+                </a:solidFill>
+                <a:effectLst/>
+                <a:highlight>
+                  <a:srgbClr val="FFFFFF"/>
+                </a:highlight>
+                <a:latin typeface="Consolas" panose="020B0609020204030204" pitchFamily="49" charset="0"/>
+              </a:rPr>
+              <a:t>.maven</a:t>
+            </a:r>
+          </a:p>
+          <a:p>
+            <a:r>
+              <a:rPr lang="en-US" b="0" dirty="0">
+                <a:solidFill>
+                  <a:srgbClr val="800000"/>
+                </a:solidFill>
+                <a:effectLst/>
+                <a:highlight>
+                  <a:srgbClr val="FFFFFF"/>
+                </a:highlight>
+                <a:latin typeface="Consolas" panose="020B0609020204030204" pitchFamily="49" charset="0"/>
+              </a:rPr>
+              <a:t>  script:</a:t>
+            </a:r>
+          </a:p>
+          <a:p>
+            <a:r>
+              <a:rPr lang="en-US" b="0" dirty="0">
+                <a:solidFill>
+                  <a:srgbClr val="800000"/>
+                </a:solidFill>
+                <a:effectLst/>
+                <a:highlight>
+                  <a:srgbClr val="FFFFFF"/>
+                </a:highlight>
+                <a:latin typeface="Consolas" panose="020B0609020204030204" pitchFamily="49" charset="0"/>
+              </a:rPr>
+              <a:t>    - </a:t>
+            </a:r>
+            <a:r>
+              <a:rPr lang="en-US" b="0" dirty="0" err="1">
+                <a:solidFill>
+                  <a:srgbClr val="0249FC"/>
+                </a:solidFill>
+                <a:effectLst/>
+                <a:highlight>
+                  <a:srgbClr val="FFFFFF"/>
+                </a:highlight>
+                <a:latin typeface="Consolas" panose="020B0609020204030204" pitchFamily="49" charset="0"/>
+              </a:rPr>
+              <a:t>mvn</a:t>
+            </a:r>
+            <a:r>
+              <a:rPr lang="en-US" b="0" dirty="0">
+                <a:solidFill>
+                  <a:srgbClr val="0249FC"/>
+                </a:solidFill>
+                <a:effectLst/>
+                <a:highlight>
+                  <a:srgbClr val="FFFFFF"/>
+                </a:highlight>
+                <a:latin typeface="Consolas" panose="020B0609020204030204" pitchFamily="49" charset="0"/>
+              </a:rPr>
+              <a:t> verify</a:t>
+            </a:r>
           </a:p>
         </p:txBody>
       </p:sp>
     </p:spTree>
     <p:extLst>
       <p:ext uri="{BB962C8B-B14F-4D97-AF65-F5344CB8AC3E}">
-        <p14:creationId xmlns:p14="http://schemas.microsoft.com/office/powerpoint/2010/main" val="1118458735"/>
+        <p14:creationId xmlns:p14="http://schemas.microsoft.com/office/powerpoint/2010/main" val="3798667439"/>
       </p:ext>
     </p:extLst>
   </p:cSld>
@@ -20978,6 +21646,1667 @@
 </file>
 
 <file path=ppt/slides/slide40.xml><?xml version="1.0" encoding="utf-8"?>
+<p:sld xmlns:a="http://schemas.openxmlformats.org/drawingml/2006/main" xmlns:r="http://schemas.openxmlformats.org/officeDocument/2006/relationships" xmlns:p="http://schemas.openxmlformats.org/presentationml/2006/main">
+  <p:cSld>
+    <p:spTree>
+      <p:nvGrpSpPr>
+        <p:cNvPr id="1" name=""/>
+        <p:cNvGrpSpPr/>
+        <p:nvPr/>
+      </p:nvGrpSpPr>
+      <p:grpSpPr>
+        <a:xfrm>
+          <a:off x="0" y="0"/>
+          <a:ext cx="0" cy="0"/>
+          <a:chOff x="0" y="0"/>
+          <a:chExt cx="0" cy="0"/>
+        </a:xfrm>
+      </p:grpSpPr>
+      <p:sp>
+        <p:nvSpPr>
+          <p:cNvPr id="2" name="Titel 1">
+            <a:extLst>
+              <a:ext uri="{FF2B5EF4-FFF2-40B4-BE49-F238E27FC236}">
+                <a16:creationId xmlns:a16="http://schemas.microsoft.com/office/drawing/2014/main" id="{74F61811-DDD3-CD36-300B-D3CAEEBD8E91}"/>
+              </a:ext>
+            </a:extLst>
+          </p:cNvPr>
+          <p:cNvSpPr>
+            <a:spLocks noGrp="1"/>
+          </p:cNvSpPr>
+          <p:nvPr>
+            <p:ph type="title"/>
+          </p:nvPr>
+        </p:nvSpPr>
+        <p:spPr/>
+        <p:txBody>
+          <a:bodyPr/>
+          <a:lstStyle/>
+          <a:p>
+            <a:r>
+              <a:rPr lang="de-DE" dirty="0"/>
+              <a:t>CI/CD</a:t>
+            </a:r>
+          </a:p>
+        </p:txBody>
+      </p:sp>
+      <p:sp>
+        <p:nvSpPr>
+          <p:cNvPr id="10" name="Inhaltsplatzhalter 2">
+            <a:extLst>
+              <a:ext uri="{FF2B5EF4-FFF2-40B4-BE49-F238E27FC236}">
+                <a16:creationId xmlns:a16="http://schemas.microsoft.com/office/drawing/2014/main" id="{65F4F27F-EA27-84BE-FDD1-AE4BEA6A264F}"/>
+              </a:ext>
+            </a:extLst>
+          </p:cNvPr>
+          <p:cNvSpPr>
+            <a:spLocks noGrp="1"/>
+          </p:cNvSpPr>
+          <p:nvPr>
+            <p:ph idx="1"/>
+          </p:nvPr>
+        </p:nvSpPr>
+        <p:spPr>
+          <a:xfrm>
+            <a:off x="303213" y="981075"/>
+            <a:ext cx="8516937" cy="5400675"/>
+          </a:xfrm>
+        </p:spPr>
+        <p:txBody>
+          <a:bodyPr/>
+          <a:lstStyle/>
+          <a:p>
+            <a:pPr marL="0" indent="0">
+              <a:buNone/>
+            </a:pPr>
+            <a:r>
+              <a:rPr lang="de-DE" b="1" dirty="0"/>
+              <a:t>Aufgabe 7: Einführung von </a:t>
+            </a:r>
+            <a:r>
+              <a:rPr lang="de-DE" b="1" dirty="0" err="1"/>
+              <a:t>Extensions</a:t>
+            </a:r>
+            <a:endParaRPr lang="de-DE" dirty="0"/>
+          </a:p>
+          <a:p>
+            <a:pPr marL="457200" indent="-457200">
+              <a:buAutoNum type="arabicPeriod"/>
+            </a:pPr>
+            <a:r>
+              <a:rPr lang="de-DE" b="1" dirty="0"/>
+              <a:t>Ziel</a:t>
+            </a:r>
+            <a:r>
+              <a:rPr lang="de-DE" dirty="0"/>
+              <a:t>: Lerne, </a:t>
+            </a:r>
+            <a:r>
+              <a:rPr lang="de-DE" dirty="0">
+                <a:ea typeface="+mn-lt"/>
+                <a:cs typeface="+mn-lt"/>
+              </a:rPr>
+              <a:t>wie man </a:t>
+            </a:r>
+            <a:r>
+              <a:rPr lang="de-DE" dirty="0" err="1">
+                <a:ea typeface="+mn-lt"/>
+                <a:cs typeface="+mn-lt"/>
+              </a:rPr>
+              <a:t>Extensions</a:t>
+            </a:r>
+            <a:r>
+              <a:rPr lang="de-DE" dirty="0">
+                <a:ea typeface="+mn-lt"/>
+                <a:cs typeface="+mn-lt"/>
+              </a:rPr>
+              <a:t> in </a:t>
+            </a:r>
+            <a:r>
+              <a:rPr lang="de-DE" dirty="0" err="1">
+                <a:ea typeface="+mn-lt"/>
+                <a:cs typeface="+mn-lt"/>
+              </a:rPr>
+              <a:t>GitLab</a:t>
+            </a:r>
+            <a:r>
+              <a:rPr lang="de-DE" dirty="0">
+                <a:ea typeface="+mn-lt"/>
+                <a:cs typeface="+mn-lt"/>
+              </a:rPr>
+              <a:t> CI/CD Pipelines verwenden kann, um den Aufbau des Codes zu verbessern.</a:t>
+            </a:r>
+            <a:endParaRPr lang="de-DE" dirty="0">
+              <a:cs typeface="Arial"/>
+            </a:endParaRPr>
+          </a:p>
+          <a:p>
+            <a:pPr marL="457200" indent="-457200">
+              <a:buFont typeface="+mj-lt"/>
+              <a:buAutoNum type="arabicPeriod"/>
+            </a:pPr>
+            <a:r>
+              <a:rPr lang="de-DE" b="1" dirty="0"/>
+              <a:t>Schritte</a:t>
+            </a:r>
+            <a:r>
+              <a:rPr lang="de-DE" dirty="0"/>
+              <a:t>:</a:t>
+            </a:r>
+          </a:p>
+          <a:p>
+            <a:pPr lvl="1">
+              <a:buFont typeface="Arial" panose="020B0604020202020204" pitchFamily="34" charset="0"/>
+              <a:buChar char="•"/>
+            </a:pPr>
+            <a:r>
+              <a:rPr lang="de-DE" dirty="0">
+                <a:cs typeface="Arial"/>
+              </a:rPr>
+              <a:t>Ersetzen Sie den </a:t>
+            </a:r>
+            <a:r>
+              <a:rPr lang="de-DE" dirty="0" err="1">
+                <a:cs typeface="Arial"/>
+              </a:rPr>
+              <a:t>defaults</a:t>
+            </a:r>
+            <a:r>
+              <a:rPr lang="de-DE" dirty="0">
+                <a:cs typeface="Arial"/>
+              </a:rPr>
+              <a:t> Bereich durch einen </a:t>
+            </a:r>
+            <a:r>
+              <a:rPr lang="de-DE" dirty="0" err="1">
+                <a:cs typeface="Arial"/>
+              </a:rPr>
+              <a:t>job</a:t>
+            </a:r>
+            <a:r>
+              <a:rPr lang="de-DE" dirty="0">
+                <a:cs typeface="Arial"/>
+              </a:rPr>
+              <a:t> in der </a:t>
+            </a:r>
+            <a:r>
+              <a:rPr lang="de-DE" dirty="0" err="1">
+                <a:cs typeface="Arial"/>
+              </a:rPr>
+              <a:t>build</a:t>
+            </a:r>
+            <a:r>
+              <a:rPr lang="de-DE" dirty="0">
+                <a:cs typeface="Arial"/>
+              </a:rPr>
+              <a:t> Stage</a:t>
+            </a:r>
+          </a:p>
+          <a:p>
+            <a:pPr lvl="1">
+              <a:buFont typeface="Arial" panose="020B0604020202020204" pitchFamily="34" charset="0"/>
+              <a:buChar char="•"/>
+            </a:pPr>
+            <a:r>
+              <a:rPr lang="de-DE" dirty="0">
+                <a:cs typeface="Arial"/>
+              </a:rPr>
+              <a:t>Lassen Sie den </a:t>
+            </a:r>
+            <a:r>
+              <a:rPr lang="de-DE" dirty="0" err="1">
+                <a:cs typeface="Arial"/>
+              </a:rPr>
+              <a:t>build_job</a:t>
+            </a:r>
+            <a:r>
+              <a:rPr lang="de-DE" dirty="0">
+                <a:cs typeface="Arial"/>
+              </a:rPr>
+              <a:t> diesen </a:t>
+            </a:r>
+            <a:r>
+              <a:rPr lang="de-DE" dirty="0" err="1">
+                <a:cs typeface="Arial"/>
+              </a:rPr>
+              <a:t>job</a:t>
+            </a:r>
+            <a:r>
+              <a:rPr lang="de-DE" dirty="0">
+                <a:cs typeface="Arial"/>
+              </a:rPr>
+              <a:t> </a:t>
+            </a:r>
+            <a:r>
+              <a:rPr lang="de-DE" dirty="0" err="1">
+                <a:cs typeface="Arial"/>
+              </a:rPr>
+              <a:t>extenden</a:t>
+            </a:r>
+            <a:endParaRPr lang="de-DE" dirty="0">
+              <a:cs typeface="Arial"/>
+            </a:endParaRPr>
+          </a:p>
+          <a:p>
+            <a:pPr>
+              <a:buFont typeface="Arial" panose="020B0604020202020204" pitchFamily="34" charset="0"/>
+              <a:buChar char="•"/>
+            </a:pPr>
+            <a:endParaRPr lang="de-DE" dirty="0"/>
+          </a:p>
+        </p:txBody>
+      </p:sp>
+    </p:spTree>
+    <p:extLst>
+      <p:ext uri="{BB962C8B-B14F-4D97-AF65-F5344CB8AC3E}">
+        <p14:creationId xmlns:p14="http://schemas.microsoft.com/office/powerpoint/2010/main" val="1056612356"/>
+      </p:ext>
+    </p:extLst>
+  </p:cSld>
+  <p:clrMapOvr>
+    <a:masterClrMapping/>
+  </p:clrMapOvr>
+</p:sld>
+</file>
+
+<file path=ppt/slides/slide41.xml><?xml version="1.0" encoding="utf-8"?>
+<p:sld xmlns:a="http://schemas.openxmlformats.org/drawingml/2006/main" xmlns:r="http://schemas.openxmlformats.org/officeDocument/2006/relationships" xmlns:p="http://schemas.openxmlformats.org/presentationml/2006/main">
+  <p:cSld>
+    <p:spTree>
+      <p:nvGrpSpPr>
+        <p:cNvPr id="1" name=""/>
+        <p:cNvGrpSpPr/>
+        <p:nvPr/>
+      </p:nvGrpSpPr>
+      <p:grpSpPr>
+        <a:xfrm>
+          <a:off x="0" y="0"/>
+          <a:ext cx="0" cy="0"/>
+          <a:chOff x="0" y="0"/>
+          <a:chExt cx="0" cy="0"/>
+        </a:xfrm>
+      </p:grpSpPr>
+      <p:sp>
+        <p:nvSpPr>
+          <p:cNvPr id="2" name="Titel 1">
+            <a:extLst>
+              <a:ext uri="{FF2B5EF4-FFF2-40B4-BE49-F238E27FC236}">
+                <a16:creationId xmlns:a16="http://schemas.microsoft.com/office/drawing/2014/main" id="{A2A2EB4E-4B87-3A94-66CB-0424D340A9D6}"/>
+              </a:ext>
+            </a:extLst>
+          </p:cNvPr>
+          <p:cNvSpPr>
+            <a:spLocks noGrp="1"/>
+          </p:cNvSpPr>
+          <p:nvPr>
+            <p:ph type="title"/>
+          </p:nvPr>
+        </p:nvSpPr>
+        <p:spPr/>
+        <p:txBody>
+          <a:bodyPr/>
+          <a:lstStyle/>
+          <a:p>
+            <a:r>
+              <a:rPr lang="de-DE" dirty="0"/>
+              <a:t>CI/CD</a:t>
+            </a:r>
+          </a:p>
+        </p:txBody>
+      </p:sp>
+      <p:sp>
+        <p:nvSpPr>
+          <p:cNvPr id="10" name="Inhaltsplatzhalter 2">
+            <a:extLst>
+              <a:ext uri="{FF2B5EF4-FFF2-40B4-BE49-F238E27FC236}">
+                <a16:creationId xmlns:a16="http://schemas.microsoft.com/office/drawing/2014/main" id="{F2E8AEA4-8F06-E96C-F551-3CA6B4EF1E8C}"/>
+              </a:ext>
+            </a:extLst>
+          </p:cNvPr>
+          <p:cNvSpPr>
+            <a:spLocks noGrp="1"/>
+          </p:cNvSpPr>
+          <p:nvPr>
+            <p:ph idx="1"/>
+          </p:nvPr>
+        </p:nvSpPr>
+        <p:spPr>
+          <a:xfrm>
+            <a:off x="303213" y="981075"/>
+            <a:ext cx="8516937" cy="5400675"/>
+          </a:xfrm>
+        </p:spPr>
+        <p:txBody>
+          <a:bodyPr/>
+          <a:lstStyle/>
+          <a:p>
+            <a:pPr marL="0" indent="0">
+              <a:buNone/>
+            </a:pPr>
+            <a:r>
+              <a:rPr lang="de-DE" b="1" dirty="0"/>
+              <a:t>Aufgabe 7: Einführung von </a:t>
+            </a:r>
+            <a:r>
+              <a:rPr lang="de-DE" b="1" dirty="0" err="1"/>
+              <a:t>Extensions</a:t>
+            </a:r>
+            <a:endParaRPr lang="de-DE" dirty="0"/>
+          </a:p>
+          <a:p>
+            <a:pPr>
+              <a:buFont typeface="Arial" panose="020B0604020202020204" pitchFamily="34" charset="0"/>
+              <a:buChar char="•"/>
+            </a:pPr>
+            <a:r>
+              <a:rPr lang="de-DE" dirty="0"/>
+              <a:t>Mögliche Lösung:</a:t>
+            </a:r>
+          </a:p>
+          <a:p>
+            <a:pPr lvl="1">
+              <a:buFont typeface="Arial" panose="020B0604020202020204" pitchFamily="34" charset="0"/>
+              <a:buChar char="•"/>
+            </a:pPr>
+            <a:endParaRPr lang="de-DE" dirty="0"/>
+          </a:p>
+        </p:txBody>
+      </p:sp>
+      <p:sp>
+        <p:nvSpPr>
+          <p:cNvPr id="4" name="Textfeld 3">
+            <a:extLst>
+              <a:ext uri="{FF2B5EF4-FFF2-40B4-BE49-F238E27FC236}">
+                <a16:creationId xmlns:a16="http://schemas.microsoft.com/office/drawing/2014/main" id="{A0516D05-F548-F56C-DF2F-B5B2036DC0D5}"/>
+              </a:ext>
+            </a:extLst>
+          </p:cNvPr>
+          <p:cNvSpPr txBox="1"/>
+          <p:nvPr/>
+        </p:nvSpPr>
+        <p:spPr bwMode="auto">
+          <a:xfrm>
+            <a:off x="2195736" y="1850534"/>
+            <a:ext cx="4983111" cy="4624343"/>
+          </a:xfrm>
+          <a:prstGeom prst="rect">
+            <a:avLst/>
+          </a:prstGeom>
+          <a:noFill/>
+          <a:ln w="9525">
+            <a:noFill/>
+            <a:miter lim="800000"/>
+            <a:headEnd/>
+            <a:tailEnd/>
+          </a:ln>
+        </p:spPr>
+        <p:txBody>
+          <a:bodyPr rot="0" spcFirstLastPara="0" vertOverflow="overflow" horzOverflow="overflow" vert="horz" wrap="square" lIns="91440" tIns="45720" rIns="91440" bIns="45720" numCol="1" spcCol="0" rtlCol="0" fromWordArt="0" anchor="ctr" anchorCtr="0" forceAA="0" compatLnSpc="1">
+            <a:prstTxWarp prst="textNoShape">
+              <a:avLst/>
+            </a:prstTxWarp>
+            <a:spAutoFit/>
+          </a:bodyPr>
+          <a:lstStyle/>
+          <a:p>
+            <a:pPr eaLnBrk="1" hangingPunct="1"/>
+            <a:r>
+              <a:rPr lang="en-US" sz="950" dirty="0">
+                <a:solidFill>
+                  <a:srgbClr val="800000"/>
+                </a:solidFill>
+                <a:latin typeface="Consolas"/>
+              </a:rPr>
+              <a:t>variables</a:t>
+            </a:r>
+            <a:r>
+              <a:rPr lang="en-US" sz="950" dirty="0">
+                <a:solidFill>
+                  <a:srgbClr val="3B3B3B"/>
+                </a:solidFill>
+                <a:latin typeface="Consolas"/>
+              </a:rPr>
+              <a:t>:</a:t>
+            </a:r>
+          </a:p>
+          <a:p>
+            <a:pPr eaLnBrk="1" hangingPunct="1"/>
+            <a:r>
+              <a:rPr lang="en-US" sz="950" dirty="0">
+                <a:solidFill>
+                  <a:srgbClr val="800000"/>
+                </a:solidFill>
+                <a:latin typeface="Consolas"/>
+              </a:rPr>
+              <a:t>  DUMMY_FILE</a:t>
+            </a:r>
+            <a:r>
+              <a:rPr lang="en-US" sz="950" dirty="0">
+                <a:solidFill>
+                  <a:srgbClr val="3B3B3B"/>
+                </a:solidFill>
+                <a:latin typeface="Consolas"/>
+              </a:rPr>
+              <a:t>: </a:t>
+            </a:r>
+            <a:r>
+              <a:rPr lang="en-US" sz="950" dirty="0">
+                <a:solidFill>
+                  <a:srgbClr val="A31515"/>
+                </a:solidFill>
+                <a:latin typeface="Consolas"/>
+              </a:rPr>
+              <a:t>"dummy_file.txt"</a:t>
+            </a:r>
+          </a:p>
+          <a:p>
+            <a:pPr eaLnBrk="1" hangingPunct="1"/>
+            <a:br>
+              <a:rPr lang="en-US" sz="950" dirty="0">
+                <a:latin typeface="Consolas"/>
+              </a:rPr>
+            </a:br>
+            <a:r>
+              <a:rPr lang="en-US" sz="950" dirty="0">
+                <a:solidFill>
+                  <a:srgbClr val="800000"/>
+                </a:solidFill>
+                <a:latin typeface="Consolas"/>
+              </a:rPr>
+              <a:t>stages</a:t>
+            </a:r>
+            <a:r>
+              <a:rPr lang="en-US" sz="950" dirty="0">
+                <a:solidFill>
+                  <a:srgbClr val="3B3B3B"/>
+                </a:solidFill>
+                <a:latin typeface="Consolas"/>
+              </a:rPr>
+              <a:t>:</a:t>
+            </a:r>
+          </a:p>
+          <a:p>
+            <a:pPr eaLnBrk="1" hangingPunct="1"/>
+            <a:r>
+              <a:rPr lang="en-US" sz="950" dirty="0">
+                <a:solidFill>
+                  <a:srgbClr val="3B3B3B"/>
+                </a:solidFill>
+                <a:latin typeface="Consolas"/>
+              </a:rPr>
+              <a:t>  - </a:t>
+            </a:r>
+            <a:r>
+              <a:rPr lang="en-US" sz="950" dirty="0">
+                <a:solidFill>
+                  <a:srgbClr val="0000FF"/>
+                </a:solidFill>
+                <a:latin typeface="Consolas"/>
+              </a:rPr>
+              <a:t>build</a:t>
+            </a:r>
+          </a:p>
+          <a:p>
+            <a:pPr eaLnBrk="1" hangingPunct="1"/>
+            <a:r>
+              <a:rPr lang="en-US" sz="950" dirty="0">
+                <a:solidFill>
+                  <a:srgbClr val="3B3B3B"/>
+                </a:solidFill>
+                <a:latin typeface="Consolas"/>
+              </a:rPr>
+              <a:t>  - </a:t>
+            </a:r>
+            <a:r>
+              <a:rPr lang="en-US" sz="950" dirty="0">
+                <a:solidFill>
+                  <a:srgbClr val="0000FF"/>
+                </a:solidFill>
+                <a:latin typeface="Consolas"/>
+              </a:rPr>
+              <a:t>test</a:t>
+            </a:r>
+          </a:p>
+          <a:p>
+            <a:pPr eaLnBrk="1" hangingPunct="1"/>
+            <a:r>
+              <a:rPr lang="en-US" sz="950" dirty="0">
+                <a:solidFill>
+                  <a:srgbClr val="3B3B3B"/>
+                </a:solidFill>
+                <a:latin typeface="Consolas"/>
+              </a:rPr>
+              <a:t>  - </a:t>
+            </a:r>
+            <a:r>
+              <a:rPr lang="en-US" sz="950" dirty="0">
+                <a:solidFill>
+                  <a:srgbClr val="0000FF"/>
+                </a:solidFill>
+                <a:latin typeface="Consolas"/>
+              </a:rPr>
+              <a:t>deploy</a:t>
+            </a:r>
+          </a:p>
+          <a:p>
+            <a:pPr eaLnBrk="1" hangingPunct="1"/>
+            <a:endParaRPr lang="en-US" sz="950" dirty="0">
+              <a:solidFill>
+                <a:srgbClr val="0000FF"/>
+              </a:solidFill>
+              <a:latin typeface="Consolas"/>
+            </a:endParaRPr>
+          </a:p>
+          <a:p>
+            <a:pPr eaLnBrk="1" hangingPunct="1"/>
+            <a:r>
+              <a:rPr lang="en-US" sz="950" dirty="0">
+                <a:solidFill>
+                  <a:srgbClr val="800000"/>
+                </a:solidFill>
+                <a:latin typeface="Consolas"/>
+              </a:rPr>
+              <a:t>.default-build:</a:t>
+            </a:r>
+          </a:p>
+          <a:p>
+            <a:pPr eaLnBrk="1" hangingPunct="1"/>
+            <a:r>
+              <a:rPr lang="en-US" sz="950" dirty="0">
+                <a:solidFill>
+                  <a:srgbClr val="800000"/>
+                </a:solidFill>
+                <a:latin typeface="Consolas"/>
+              </a:rPr>
+              <a:t>   stage</a:t>
+            </a:r>
+            <a:r>
+              <a:rPr lang="en-US" sz="950" dirty="0">
+                <a:solidFill>
+                  <a:srgbClr val="3B3B3B"/>
+                </a:solidFill>
+                <a:latin typeface="Consolas"/>
+              </a:rPr>
+              <a:t>: </a:t>
+            </a:r>
+            <a:r>
+              <a:rPr lang="en-US" sz="950" dirty="0">
+                <a:solidFill>
+                  <a:srgbClr val="0000FF"/>
+                </a:solidFill>
+                <a:latin typeface="Consolas"/>
+              </a:rPr>
+              <a:t>build</a:t>
+            </a:r>
+          </a:p>
+          <a:p>
+            <a:pPr eaLnBrk="1" hangingPunct="1"/>
+            <a:br>
+              <a:rPr lang="en-US" sz="950" dirty="0">
+                <a:latin typeface="Consolas"/>
+              </a:rPr>
+            </a:br>
+            <a:r>
+              <a:rPr lang="en-US" sz="950" dirty="0" err="1">
+                <a:solidFill>
+                  <a:srgbClr val="800000"/>
+                </a:solidFill>
+                <a:latin typeface="Consolas"/>
+              </a:rPr>
+              <a:t>build_job</a:t>
+            </a:r>
+            <a:r>
+              <a:rPr lang="en-US" sz="950" dirty="0">
+                <a:solidFill>
+                  <a:srgbClr val="3B3B3B"/>
+                </a:solidFill>
+                <a:latin typeface="Consolas"/>
+              </a:rPr>
+              <a:t>:</a:t>
+            </a:r>
+            <a:endParaRPr lang="en-US" sz="950" dirty="0">
+              <a:solidFill>
+                <a:srgbClr val="800000"/>
+              </a:solidFill>
+              <a:latin typeface="Consolas"/>
+            </a:endParaRPr>
+          </a:p>
+          <a:p>
+            <a:pPr eaLnBrk="1" hangingPunct="1"/>
+            <a:r>
+              <a:rPr lang="en-US" sz="950" dirty="0">
+                <a:solidFill>
+                  <a:srgbClr val="800000"/>
+                </a:solidFill>
+                <a:latin typeface="Consolas"/>
+              </a:rPr>
+              <a:t>  extends: </a:t>
+            </a:r>
+            <a:r>
+              <a:rPr lang="en-US" sz="950" dirty="0">
+                <a:solidFill>
+                  <a:srgbClr val="0000FF"/>
+                </a:solidFill>
+                <a:latin typeface="Consolas"/>
+              </a:rPr>
+              <a:t>.default-build</a:t>
+            </a:r>
+            <a:endParaRPr lang="en-US" sz="950" dirty="0">
+              <a:solidFill>
+                <a:srgbClr val="800000"/>
+              </a:solidFill>
+              <a:latin typeface="Consolas"/>
+            </a:endParaRPr>
+          </a:p>
+          <a:p>
+            <a:pPr eaLnBrk="1" hangingPunct="1"/>
+            <a:r>
+              <a:rPr lang="en-US" sz="950" dirty="0">
+                <a:solidFill>
+                  <a:srgbClr val="800000"/>
+                </a:solidFill>
+                <a:latin typeface="Consolas"/>
+              </a:rPr>
+              <a:t>  script</a:t>
+            </a:r>
+            <a:r>
+              <a:rPr lang="en-US" sz="950" dirty="0">
+                <a:solidFill>
+                  <a:srgbClr val="3B3B3B"/>
+                </a:solidFill>
+                <a:latin typeface="Consolas"/>
+              </a:rPr>
+              <a:t>:</a:t>
+            </a:r>
+          </a:p>
+          <a:p>
+            <a:pPr eaLnBrk="1" hangingPunct="1"/>
+            <a:r>
+              <a:rPr lang="en-US" sz="950" dirty="0">
+                <a:solidFill>
+                  <a:srgbClr val="3B3B3B"/>
+                </a:solidFill>
+                <a:latin typeface="Consolas"/>
+              </a:rPr>
+              <a:t>    - </a:t>
+            </a:r>
+            <a:r>
+              <a:rPr lang="en-US" sz="950" dirty="0">
+                <a:solidFill>
+                  <a:srgbClr val="0000FF"/>
+                </a:solidFill>
+                <a:latin typeface="Consolas"/>
+              </a:rPr>
+              <a:t>echo "Building the project..."</a:t>
+            </a:r>
+          </a:p>
+          <a:p>
+            <a:pPr eaLnBrk="1" hangingPunct="1"/>
+            <a:r>
+              <a:rPr lang="en-US" sz="950" dirty="0">
+                <a:solidFill>
+                  <a:srgbClr val="3B3B3B"/>
+                </a:solidFill>
+                <a:latin typeface="Consolas"/>
+              </a:rPr>
+              <a:t>    - </a:t>
+            </a:r>
+            <a:r>
+              <a:rPr lang="en-US" sz="950" dirty="0">
+                <a:solidFill>
+                  <a:srgbClr val="0000FF"/>
+                </a:solidFill>
+                <a:latin typeface="Consolas"/>
+              </a:rPr>
+              <a:t>touch $DUMMY_FILE</a:t>
+            </a:r>
+          </a:p>
+          <a:p>
+            <a:pPr eaLnBrk="1" hangingPunct="1"/>
+            <a:r>
+              <a:rPr lang="en-US" sz="950" dirty="0">
+                <a:solidFill>
+                  <a:srgbClr val="800000"/>
+                </a:solidFill>
+                <a:latin typeface="Consolas"/>
+              </a:rPr>
+              <a:t>artifacts</a:t>
+            </a:r>
+            <a:r>
+              <a:rPr lang="en-US" sz="950" dirty="0">
+                <a:solidFill>
+                  <a:srgbClr val="3B3B3B"/>
+                </a:solidFill>
+                <a:latin typeface="Consolas"/>
+              </a:rPr>
+              <a:t>:</a:t>
+            </a:r>
+          </a:p>
+          <a:p>
+            <a:pPr eaLnBrk="1" hangingPunct="1"/>
+            <a:r>
+              <a:rPr lang="en-US" sz="950" dirty="0">
+                <a:solidFill>
+                  <a:srgbClr val="800000"/>
+                </a:solidFill>
+                <a:latin typeface="Consolas"/>
+              </a:rPr>
+              <a:t>  paths</a:t>
+            </a:r>
+            <a:r>
+              <a:rPr lang="en-US" sz="950" dirty="0">
+                <a:solidFill>
+                  <a:srgbClr val="3B3B3B"/>
+                </a:solidFill>
+                <a:latin typeface="Consolas"/>
+              </a:rPr>
+              <a:t>:</a:t>
+            </a:r>
+          </a:p>
+          <a:p>
+            <a:pPr eaLnBrk="1" hangingPunct="1"/>
+            <a:r>
+              <a:rPr lang="en-US" sz="950" dirty="0">
+                <a:solidFill>
+                  <a:srgbClr val="3B3B3B"/>
+                </a:solidFill>
+                <a:latin typeface="Consolas"/>
+              </a:rPr>
+              <a:t>    - </a:t>
+            </a:r>
+            <a:r>
+              <a:rPr lang="en-US" sz="950" dirty="0">
+                <a:solidFill>
+                  <a:srgbClr val="0000FF"/>
+                </a:solidFill>
+                <a:latin typeface="Consolas"/>
+              </a:rPr>
+              <a:t>$DUMMY_FILE</a:t>
+            </a:r>
+          </a:p>
+          <a:p>
+            <a:pPr eaLnBrk="1" hangingPunct="1"/>
+            <a:br>
+              <a:rPr lang="en-US" sz="950" dirty="0">
+                <a:latin typeface="Consolas"/>
+              </a:rPr>
+            </a:br>
+            <a:r>
+              <a:rPr lang="en-US" sz="950" dirty="0" err="1">
+                <a:solidFill>
+                  <a:srgbClr val="800000"/>
+                </a:solidFill>
+                <a:latin typeface="Consolas"/>
+              </a:rPr>
+              <a:t>test_job</a:t>
+            </a:r>
+            <a:r>
+              <a:rPr lang="en-US" sz="950" dirty="0">
+                <a:solidFill>
+                  <a:srgbClr val="3B3B3B"/>
+                </a:solidFill>
+                <a:latin typeface="Consolas"/>
+              </a:rPr>
+              <a:t>:</a:t>
+            </a:r>
+          </a:p>
+          <a:p>
+            <a:pPr eaLnBrk="1" hangingPunct="1"/>
+            <a:r>
+              <a:rPr lang="en-US" sz="950" dirty="0">
+                <a:solidFill>
+                  <a:srgbClr val="800000"/>
+                </a:solidFill>
+                <a:latin typeface="Consolas"/>
+              </a:rPr>
+              <a:t>  stage</a:t>
+            </a:r>
+            <a:r>
+              <a:rPr lang="en-US" sz="950" dirty="0">
+                <a:solidFill>
+                  <a:srgbClr val="3B3B3B"/>
+                </a:solidFill>
+                <a:latin typeface="Consolas"/>
+              </a:rPr>
+              <a:t>: </a:t>
+            </a:r>
+            <a:r>
+              <a:rPr lang="en-US" sz="950" dirty="0">
+                <a:solidFill>
+                  <a:srgbClr val="0000FF"/>
+                </a:solidFill>
+                <a:latin typeface="Consolas"/>
+              </a:rPr>
+              <a:t>test</a:t>
+            </a:r>
+          </a:p>
+          <a:p>
+            <a:pPr eaLnBrk="1" hangingPunct="1"/>
+            <a:r>
+              <a:rPr lang="en-US" sz="950" dirty="0">
+                <a:solidFill>
+                  <a:srgbClr val="800000"/>
+                </a:solidFill>
+                <a:latin typeface="Consolas"/>
+              </a:rPr>
+              <a:t>  script</a:t>
+            </a:r>
+            <a:r>
+              <a:rPr lang="en-US" sz="950" dirty="0">
+                <a:solidFill>
+                  <a:srgbClr val="3B3B3B"/>
+                </a:solidFill>
+                <a:latin typeface="Consolas"/>
+              </a:rPr>
+              <a:t>:</a:t>
+            </a:r>
+          </a:p>
+          <a:p>
+            <a:pPr eaLnBrk="1" hangingPunct="1"/>
+            <a:r>
+              <a:rPr lang="en-US" sz="950" dirty="0">
+                <a:solidFill>
+                  <a:srgbClr val="3B3B3B"/>
+                </a:solidFill>
+                <a:latin typeface="Consolas"/>
+              </a:rPr>
+              <a:t>    - </a:t>
+            </a:r>
+            <a:r>
+              <a:rPr lang="en-US" sz="950" dirty="0">
+                <a:solidFill>
+                  <a:srgbClr val="0000FF"/>
+                </a:solidFill>
+                <a:latin typeface="Consolas"/>
+              </a:rPr>
+              <a:t>echo "Testing the project..."</a:t>
+            </a:r>
+          </a:p>
+          <a:p>
+            <a:pPr eaLnBrk="1" hangingPunct="1"/>
+            <a:r>
+              <a:rPr lang="en-US" sz="950" dirty="0">
+                <a:solidFill>
+                  <a:srgbClr val="3B3B3B"/>
+                </a:solidFill>
+                <a:latin typeface="Consolas"/>
+              </a:rPr>
+              <a:t>    - </a:t>
+            </a:r>
+            <a:r>
+              <a:rPr lang="en-US" sz="950" dirty="0">
+                <a:solidFill>
+                  <a:srgbClr val="0000FF"/>
+                </a:solidFill>
+                <a:latin typeface="Consolas"/>
+              </a:rPr>
+              <a:t>ls -l $DUMMY_FILE</a:t>
+            </a:r>
+          </a:p>
+          <a:p>
+            <a:pPr eaLnBrk="1" hangingPunct="1"/>
+            <a:br>
+              <a:rPr lang="en-US" sz="950" dirty="0">
+                <a:latin typeface="Consolas"/>
+              </a:rPr>
+            </a:br>
+            <a:r>
+              <a:rPr lang="en-US" sz="950" dirty="0" err="1">
+                <a:solidFill>
+                  <a:srgbClr val="800000"/>
+                </a:solidFill>
+                <a:latin typeface="Consolas"/>
+              </a:rPr>
+              <a:t>deploy_job</a:t>
+            </a:r>
+            <a:r>
+              <a:rPr lang="en-US" sz="950" dirty="0">
+                <a:solidFill>
+                  <a:srgbClr val="3B3B3B"/>
+                </a:solidFill>
+                <a:latin typeface="Consolas"/>
+              </a:rPr>
+              <a:t>:</a:t>
+            </a:r>
+          </a:p>
+          <a:p>
+            <a:pPr eaLnBrk="1" hangingPunct="1"/>
+            <a:r>
+              <a:rPr lang="en-US" sz="950" dirty="0">
+                <a:solidFill>
+                  <a:srgbClr val="800000"/>
+                </a:solidFill>
+                <a:latin typeface="Consolas"/>
+              </a:rPr>
+              <a:t>  stage</a:t>
+            </a:r>
+            <a:r>
+              <a:rPr lang="en-US" sz="950" dirty="0">
+                <a:solidFill>
+                  <a:srgbClr val="3B3B3B"/>
+                </a:solidFill>
+                <a:latin typeface="Consolas"/>
+              </a:rPr>
+              <a:t>: </a:t>
+            </a:r>
+            <a:r>
+              <a:rPr lang="en-US" sz="950" dirty="0">
+                <a:solidFill>
+                  <a:srgbClr val="0000FF"/>
+                </a:solidFill>
+                <a:latin typeface="Consolas"/>
+              </a:rPr>
+              <a:t>deploy</a:t>
+            </a:r>
+          </a:p>
+          <a:p>
+            <a:pPr eaLnBrk="1" hangingPunct="1"/>
+            <a:r>
+              <a:rPr lang="en-US" sz="950" dirty="0">
+                <a:solidFill>
+                  <a:srgbClr val="800000"/>
+                </a:solidFill>
+                <a:latin typeface="Consolas"/>
+              </a:rPr>
+              <a:t>  script</a:t>
+            </a:r>
+            <a:r>
+              <a:rPr lang="en-US" sz="950" dirty="0">
+                <a:solidFill>
+                  <a:srgbClr val="3B3B3B"/>
+                </a:solidFill>
+                <a:latin typeface="Consolas"/>
+              </a:rPr>
+              <a:t>:</a:t>
+            </a:r>
+          </a:p>
+          <a:p>
+            <a:pPr eaLnBrk="1" hangingPunct="1"/>
+            <a:r>
+              <a:rPr lang="en-US" sz="950" dirty="0">
+                <a:solidFill>
+                  <a:srgbClr val="3B3B3B"/>
+                </a:solidFill>
+                <a:latin typeface="Consolas"/>
+              </a:rPr>
+              <a:t>    - </a:t>
+            </a:r>
+            <a:r>
+              <a:rPr lang="en-US" sz="950" dirty="0">
+                <a:solidFill>
+                  <a:srgbClr val="0000FF"/>
+                </a:solidFill>
+                <a:latin typeface="Consolas"/>
+              </a:rPr>
+              <a:t>echo "Deploying the project..."</a:t>
+            </a:r>
+          </a:p>
+          <a:p>
+            <a:pPr eaLnBrk="1" hangingPunct="1"/>
+            <a:r>
+              <a:rPr lang="en-US" sz="950" dirty="0">
+                <a:solidFill>
+                  <a:srgbClr val="3B3B3B"/>
+                </a:solidFill>
+                <a:latin typeface="Consolas"/>
+              </a:rPr>
+              <a:t>    - </a:t>
+            </a:r>
+            <a:r>
+              <a:rPr lang="en-US" sz="950" dirty="0">
+                <a:solidFill>
+                  <a:srgbClr val="0000FF"/>
+                </a:solidFill>
+                <a:latin typeface="Consolas"/>
+              </a:rPr>
+              <a:t>ls -l $DUMMY_FILE</a:t>
+            </a:r>
+          </a:p>
+        </p:txBody>
+      </p:sp>
+    </p:spTree>
+    <p:extLst>
+      <p:ext uri="{BB962C8B-B14F-4D97-AF65-F5344CB8AC3E}">
+        <p14:creationId xmlns:p14="http://schemas.microsoft.com/office/powerpoint/2010/main" val="1786987750"/>
+      </p:ext>
+    </p:extLst>
+  </p:cSld>
+  <p:clrMapOvr>
+    <a:masterClrMapping/>
+  </p:clrMapOvr>
+</p:sld>
+</file>
+
+<file path=ppt/slides/slide42.xml><?xml version="1.0" encoding="utf-8"?>
+<p:sld xmlns:a="http://schemas.openxmlformats.org/drawingml/2006/main" xmlns:r="http://schemas.openxmlformats.org/officeDocument/2006/relationships" xmlns:p="http://schemas.openxmlformats.org/presentationml/2006/main">
+  <p:cSld>
+    <p:spTree>
+      <p:nvGrpSpPr>
+        <p:cNvPr id="1" name=""/>
+        <p:cNvGrpSpPr/>
+        <p:nvPr/>
+      </p:nvGrpSpPr>
+      <p:grpSpPr>
+        <a:xfrm>
+          <a:off x="0" y="0"/>
+          <a:ext cx="0" cy="0"/>
+          <a:chOff x="0" y="0"/>
+          <a:chExt cx="0" cy="0"/>
+        </a:xfrm>
+      </p:grpSpPr>
+      <p:sp>
+        <p:nvSpPr>
+          <p:cNvPr id="2" name="Titel 1">
+            <a:extLst>
+              <a:ext uri="{FF2B5EF4-FFF2-40B4-BE49-F238E27FC236}">
+                <a16:creationId xmlns:a16="http://schemas.microsoft.com/office/drawing/2014/main" id="{3363B985-2812-BDBB-7E9D-A28D84AB06EF}"/>
+              </a:ext>
+            </a:extLst>
+          </p:cNvPr>
+          <p:cNvSpPr>
+            <a:spLocks noGrp="1"/>
+          </p:cNvSpPr>
+          <p:nvPr>
+            <p:ph type="title"/>
+          </p:nvPr>
+        </p:nvSpPr>
+        <p:spPr/>
+        <p:txBody>
+          <a:bodyPr/>
+          <a:lstStyle/>
+          <a:p>
+            <a:r>
+              <a:rPr lang="de-DE" dirty="0"/>
+              <a:t>CI/CD</a:t>
+            </a:r>
+          </a:p>
+        </p:txBody>
+      </p:sp>
+      <p:sp>
+        <p:nvSpPr>
+          <p:cNvPr id="4" name="Inhaltsplatzhalter 2">
+            <a:extLst>
+              <a:ext uri="{FF2B5EF4-FFF2-40B4-BE49-F238E27FC236}">
+                <a16:creationId xmlns:a16="http://schemas.microsoft.com/office/drawing/2014/main" id="{FE26268B-C609-ACA5-B6B4-D8D23D94F991}"/>
+              </a:ext>
+            </a:extLst>
+          </p:cNvPr>
+          <p:cNvSpPr>
+            <a:spLocks noGrp="1"/>
+          </p:cNvSpPr>
+          <p:nvPr>
+            <p:ph idx="1"/>
+          </p:nvPr>
+        </p:nvSpPr>
+        <p:spPr>
+          <a:xfrm>
+            <a:off x="303213" y="981075"/>
+            <a:ext cx="8516937" cy="5400675"/>
+          </a:xfrm>
+        </p:spPr>
+        <p:txBody>
+          <a:bodyPr/>
+          <a:lstStyle/>
+          <a:p>
+            <a:pPr marL="0" indent="0">
+              <a:buNone/>
+            </a:pPr>
+            <a:r>
+              <a:rPr lang="de-DE" b="1" dirty="0"/>
+              <a:t>Includes</a:t>
+            </a:r>
+          </a:p>
+          <a:p>
+            <a:pPr>
+              <a:buFont typeface="Arial" panose="020B0604020202020204" pitchFamily="34" charset="0"/>
+              <a:buChar char="•"/>
+            </a:pPr>
+            <a:r>
+              <a:rPr lang="de-DE" dirty="0"/>
+              <a:t>Wiederverwendung von Variablen, Jobs, Job Templates, Defaults und ganzer Pipelines</a:t>
+            </a:r>
+          </a:p>
+          <a:p>
+            <a:pPr>
+              <a:buFont typeface="Arial" panose="020B0604020202020204" pitchFamily="34" charset="0"/>
+              <a:buChar char="•"/>
+            </a:pPr>
+            <a:r>
+              <a:rPr lang="de-DE" dirty="0"/>
+              <a:t>Über Projektgrenzen hinweg nutzbar</a:t>
+            </a:r>
+          </a:p>
+          <a:p>
+            <a:pPr>
+              <a:buFont typeface="Arial" panose="020B0604020202020204" pitchFamily="34" charset="0"/>
+              <a:buChar char="•"/>
+            </a:pPr>
+            <a:r>
+              <a:rPr lang="de-DE" dirty="0"/>
+              <a:t>Beispiel:</a:t>
+            </a:r>
+          </a:p>
+          <a:p>
+            <a:pPr>
+              <a:buFont typeface="Arial" panose="020B0604020202020204" pitchFamily="34" charset="0"/>
+              <a:buChar char="•"/>
+            </a:pPr>
+            <a:endParaRPr lang="de-DE" dirty="0"/>
+          </a:p>
+        </p:txBody>
+      </p:sp>
+      <p:sp>
+        <p:nvSpPr>
+          <p:cNvPr id="3" name="Textfeld 2">
+            <a:extLst>
+              <a:ext uri="{FF2B5EF4-FFF2-40B4-BE49-F238E27FC236}">
+                <a16:creationId xmlns:a16="http://schemas.microsoft.com/office/drawing/2014/main" id="{B1300DFB-F7A0-3AE1-8D8C-2D16867CB0F9}"/>
+              </a:ext>
+            </a:extLst>
+          </p:cNvPr>
+          <p:cNvSpPr txBox="1"/>
+          <p:nvPr/>
+        </p:nvSpPr>
+        <p:spPr bwMode="auto">
+          <a:xfrm>
+            <a:off x="323851" y="3356992"/>
+            <a:ext cx="8820149" cy="2308324"/>
+          </a:xfrm>
+          <a:prstGeom prst="rect">
+            <a:avLst/>
+          </a:prstGeom>
+          <a:noFill/>
+          <a:ln w="9525">
+            <a:noFill/>
+            <a:miter lim="800000"/>
+            <a:headEnd/>
+            <a:tailEnd/>
+          </a:ln>
+        </p:spPr>
+        <p:txBody>
+          <a:bodyPr wrap="square">
+            <a:spAutoFit/>
+          </a:bodyPr>
+          <a:lstStyle/>
+          <a:p>
+            <a:r>
+              <a:rPr lang="en-US" b="0" dirty="0">
+                <a:solidFill>
+                  <a:srgbClr val="800000"/>
+                </a:solidFill>
+                <a:effectLst/>
+                <a:highlight>
+                  <a:srgbClr val="FFFFFF"/>
+                </a:highlight>
+                <a:latin typeface="Consolas" panose="020B0609020204030204" pitchFamily="49" charset="0"/>
+              </a:rPr>
+              <a:t>include:</a:t>
+            </a:r>
+          </a:p>
+          <a:p>
+            <a:r>
+              <a:rPr lang="en-US" b="0" dirty="0">
+                <a:solidFill>
+                  <a:srgbClr val="800000"/>
+                </a:solidFill>
+                <a:effectLst/>
+                <a:highlight>
+                  <a:srgbClr val="FFFFFF"/>
+                </a:highlight>
+                <a:latin typeface="Consolas" panose="020B0609020204030204" pitchFamily="49" charset="0"/>
+              </a:rPr>
+              <a:t>  - </a:t>
+            </a:r>
+            <a:r>
+              <a:rPr lang="en-US" b="0" dirty="0">
+                <a:solidFill>
+                  <a:srgbClr val="0249FC"/>
+                </a:solidFill>
+                <a:effectLst/>
+                <a:highlight>
+                  <a:srgbClr val="FFFFFF"/>
+                </a:highlight>
+                <a:latin typeface="Consolas" panose="020B0609020204030204" pitchFamily="49" charset="0"/>
+              </a:rPr>
+              <a:t>'https://gitlab.com/</a:t>
+            </a:r>
+            <a:r>
+              <a:rPr lang="en-US" b="0" dirty="0" err="1">
+                <a:solidFill>
+                  <a:srgbClr val="0249FC"/>
+                </a:solidFill>
+                <a:effectLst/>
+                <a:highlight>
+                  <a:srgbClr val="FFFFFF"/>
+                </a:highlight>
+                <a:latin typeface="Consolas" panose="020B0609020204030204" pitchFamily="49" charset="0"/>
+              </a:rPr>
+              <a:t>myproj</a:t>
+            </a:r>
+            <a:r>
+              <a:rPr lang="en-US" b="0" dirty="0">
+                <a:solidFill>
+                  <a:srgbClr val="0249FC"/>
+                </a:solidFill>
+                <a:effectLst/>
+                <a:highlight>
+                  <a:srgbClr val="FFFFFF"/>
+                </a:highlight>
+                <a:latin typeface="Consolas" panose="020B0609020204030204" pitchFamily="49" charset="0"/>
+              </a:rPr>
+              <a:t>/raw/main/.</a:t>
+            </a:r>
+            <a:r>
+              <a:rPr lang="en-US" b="0" dirty="0" err="1">
+                <a:solidFill>
+                  <a:srgbClr val="0249FC"/>
+                </a:solidFill>
+                <a:effectLst/>
+                <a:highlight>
+                  <a:srgbClr val="FFFFFF"/>
+                </a:highlight>
+                <a:latin typeface="Consolas" panose="020B0609020204030204" pitchFamily="49" charset="0"/>
+              </a:rPr>
+              <a:t>tpl.yml</a:t>
+            </a:r>
+            <a:r>
+              <a:rPr lang="en-US" b="0" dirty="0">
+                <a:solidFill>
+                  <a:srgbClr val="0249FC"/>
+                </a:solidFill>
+                <a:effectLst/>
+                <a:highlight>
+                  <a:srgbClr val="FFFFFF"/>
+                </a:highlight>
+                <a:latin typeface="Consolas" panose="020B0609020204030204" pitchFamily="49" charset="0"/>
+              </a:rPr>
+              <a:t>'</a:t>
+            </a:r>
+          </a:p>
+          <a:p>
+            <a:r>
+              <a:rPr lang="en-US" b="0" dirty="0">
+                <a:solidFill>
+                  <a:srgbClr val="800000"/>
+                </a:solidFill>
+                <a:effectLst/>
+                <a:highlight>
+                  <a:srgbClr val="FFFFFF"/>
+                </a:highlight>
+                <a:latin typeface="Consolas" panose="020B0609020204030204" pitchFamily="49" charset="0"/>
+              </a:rPr>
+              <a:t>  - </a:t>
+            </a:r>
+            <a:r>
+              <a:rPr lang="en-US" b="0" dirty="0">
+                <a:solidFill>
+                  <a:srgbClr val="0249FC"/>
+                </a:solidFill>
+                <a:effectLst/>
+                <a:highlight>
+                  <a:srgbClr val="FFFFFF"/>
+                </a:highlight>
+                <a:latin typeface="Consolas" panose="020B0609020204030204" pitchFamily="49" charset="0"/>
+              </a:rPr>
+              <a:t>'templates/.before-</a:t>
+            </a:r>
+            <a:r>
+              <a:rPr lang="en-US" b="0" dirty="0" err="1">
+                <a:solidFill>
+                  <a:srgbClr val="0249FC"/>
+                </a:solidFill>
+                <a:effectLst/>
+                <a:highlight>
+                  <a:srgbClr val="FFFFFF"/>
+                </a:highlight>
+                <a:latin typeface="Consolas" panose="020B0609020204030204" pitchFamily="49" charset="0"/>
+              </a:rPr>
+              <a:t>script.yml</a:t>
+            </a:r>
+            <a:r>
+              <a:rPr lang="en-US" b="0" dirty="0">
+                <a:solidFill>
+                  <a:srgbClr val="0249FC"/>
+                </a:solidFill>
+                <a:effectLst/>
+                <a:highlight>
+                  <a:srgbClr val="FFFFFF"/>
+                </a:highlight>
+                <a:latin typeface="Consolas" panose="020B0609020204030204" pitchFamily="49" charset="0"/>
+              </a:rPr>
+              <a:t>'</a:t>
+            </a:r>
+          </a:p>
+          <a:p>
+            <a:r>
+              <a:rPr lang="en-US" b="0" dirty="0">
+                <a:solidFill>
+                  <a:srgbClr val="800000"/>
+                </a:solidFill>
+                <a:effectLst/>
+                <a:highlight>
+                  <a:srgbClr val="FFFFFF"/>
+                </a:highlight>
+                <a:latin typeface="Consolas" panose="020B0609020204030204" pitchFamily="49" charset="0"/>
+              </a:rPr>
+              <a:t>  - project: </a:t>
+            </a:r>
+            <a:r>
+              <a:rPr lang="en-US" b="0" dirty="0">
+                <a:solidFill>
+                  <a:srgbClr val="0249FC"/>
+                </a:solidFill>
+                <a:effectLst/>
+                <a:highlight>
+                  <a:srgbClr val="FFFFFF"/>
+                </a:highlight>
+                <a:latin typeface="Consolas" panose="020B0609020204030204" pitchFamily="49" charset="0"/>
+              </a:rPr>
+              <a:t>'</a:t>
+            </a:r>
+            <a:r>
+              <a:rPr lang="en-US" b="0" dirty="0" err="1">
+                <a:solidFill>
+                  <a:srgbClr val="0249FC"/>
+                </a:solidFill>
+                <a:effectLst/>
+                <a:highlight>
+                  <a:srgbClr val="FFFFFF"/>
+                </a:highlight>
+                <a:latin typeface="Consolas" panose="020B0609020204030204" pitchFamily="49" charset="0"/>
+              </a:rPr>
+              <a:t>pipepline</a:t>
+            </a:r>
+            <a:r>
+              <a:rPr lang="en-US" b="0" dirty="0">
+                <a:solidFill>
+                  <a:srgbClr val="0249FC"/>
+                </a:solidFill>
+                <a:effectLst/>
+                <a:highlight>
+                  <a:srgbClr val="FFFFFF"/>
+                </a:highlight>
+                <a:latin typeface="Consolas" panose="020B0609020204030204" pitchFamily="49" charset="0"/>
+              </a:rPr>
+              <a:t>-tools/</a:t>
+            </a:r>
+            <a:r>
+              <a:rPr lang="en-US" b="0" dirty="0" err="1">
+                <a:solidFill>
+                  <a:srgbClr val="0249FC"/>
+                </a:solidFill>
+                <a:effectLst/>
+                <a:highlight>
+                  <a:srgbClr val="FFFFFF"/>
+                </a:highlight>
+                <a:latin typeface="Consolas" panose="020B0609020204030204" pitchFamily="49" charset="0"/>
+              </a:rPr>
+              <a:t>gitlab</a:t>
+            </a:r>
+            <a:r>
+              <a:rPr lang="en-US" b="0" dirty="0">
+                <a:solidFill>
+                  <a:srgbClr val="0249FC"/>
+                </a:solidFill>
+                <a:effectLst/>
+                <a:highlight>
+                  <a:srgbClr val="FFFFFF"/>
+                </a:highlight>
+                <a:latin typeface="Consolas" panose="020B0609020204030204" pitchFamily="49" charset="0"/>
+              </a:rPr>
+              <a:t>-ci-includes'</a:t>
+            </a:r>
+          </a:p>
+          <a:p>
+            <a:r>
+              <a:rPr lang="en-US" b="0" dirty="0">
+                <a:solidFill>
+                  <a:srgbClr val="800000"/>
+                </a:solidFill>
+                <a:effectLst/>
+                <a:highlight>
+                  <a:srgbClr val="FFFFFF"/>
+                </a:highlight>
+                <a:latin typeface="Consolas" panose="020B0609020204030204" pitchFamily="49" charset="0"/>
+              </a:rPr>
+              <a:t>    ref: </a:t>
+            </a:r>
+            <a:r>
+              <a:rPr lang="en-US" b="0" dirty="0">
+                <a:solidFill>
+                  <a:srgbClr val="0249FC"/>
+                </a:solidFill>
+                <a:effectLst/>
+                <a:highlight>
+                  <a:srgbClr val="FFFFFF"/>
+                </a:highlight>
+                <a:latin typeface="Consolas" panose="020B0609020204030204" pitchFamily="49" charset="0"/>
+              </a:rPr>
+              <a:t>main</a:t>
+            </a:r>
+          </a:p>
+          <a:p>
+            <a:r>
+              <a:rPr lang="en-US" b="0" dirty="0">
+                <a:solidFill>
+                  <a:srgbClr val="800000"/>
+                </a:solidFill>
+                <a:effectLst/>
+                <a:highlight>
+                  <a:srgbClr val="FFFFFF"/>
+                </a:highlight>
+                <a:latin typeface="Consolas" panose="020B0609020204030204" pitchFamily="49" charset="0"/>
+              </a:rPr>
+              <a:t>    file: </a:t>
+            </a:r>
+            <a:r>
+              <a:rPr lang="en-US" b="0" dirty="0">
+                <a:solidFill>
+                  <a:srgbClr val="0249FC"/>
+                </a:solidFill>
+                <a:effectLst/>
+                <a:highlight>
+                  <a:srgbClr val="FFFFFF"/>
+                </a:highlight>
+                <a:latin typeface="Consolas" panose="020B0609020204030204" pitchFamily="49" charset="0"/>
+              </a:rPr>
+              <a:t>'templates/.ci-</a:t>
+            </a:r>
+            <a:r>
+              <a:rPr lang="en-US" b="0" dirty="0" err="1">
+                <a:solidFill>
+                  <a:srgbClr val="0249FC"/>
+                </a:solidFill>
+                <a:effectLst/>
+                <a:highlight>
+                  <a:srgbClr val="FFFFFF"/>
+                </a:highlight>
+                <a:latin typeface="Consolas" panose="020B0609020204030204" pitchFamily="49" charset="0"/>
+              </a:rPr>
+              <a:t>build.yml</a:t>
+            </a:r>
+            <a:r>
+              <a:rPr lang="en-US" b="0" dirty="0">
+                <a:solidFill>
+                  <a:srgbClr val="0249FC"/>
+                </a:solidFill>
+                <a:effectLst/>
+                <a:highlight>
+                  <a:srgbClr val="FFFFFF"/>
+                </a:highlight>
+                <a:latin typeface="Consolas" panose="020B0609020204030204" pitchFamily="49" charset="0"/>
+              </a:rPr>
+              <a:t>'</a:t>
+            </a:r>
+          </a:p>
+        </p:txBody>
+      </p:sp>
+    </p:spTree>
+    <p:extLst>
+      <p:ext uri="{BB962C8B-B14F-4D97-AF65-F5344CB8AC3E}">
+        <p14:creationId xmlns:p14="http://schemas.microsoft.com/office/powerpoint/2010/main" val="287164425"/>
+      </p:ext>
+    </p:extLst>
+  </p:cSld>
+  <p:clrMapOvr>
+    <a:masterClrMapping/>
+  </p:clrMapOvr>
+</p:sld>
+</file>
+
+<file path=ppt/slides/slide43.xml><?xml version="1.0" encoding="utf-8"?>
+<p:sld xmlns:a="http://schemas.openxmlformats.org/drawingml/2006/main" xmlns:r="http://schemas.openxmlformats.org/officeDocument/2006/relationships" xmlns:p="http://schemas.openxmlformats.org/presentationml/2006/main">
+  <p:cSld>
+    <p:spTree>
+      <p:nvGrpSpPr>
+        <p:cNvPr id="1" name=""/>
+        <p:cNvGrpSpPr/>
+        <p:nvPr/>
+      </p:nvGrpSpPr>
+      <p:grpSpPr>
+        <a:xfrm>
+          <a:off x="0" y="0"/>
+          <a:ext cx="0" cy="0"/>
+          <a:chOff x="0" y="0"/>
+          <a:chExt cx="0" cy="0"/>
+        </a:xfrm>
+      </p:grpSpPr>
+      <p:sp>
+        <p:nvSpPr>
+          <p:cNvPr id="2" name="Titel 1">
+            <a:extLst>
+              <a:ext uri="{FF2B5EF4-FFF2-40B4-BE49-F238E27FC236}">
+                <a16:creationId xmlns:a16="http://schemas.microsoft.com/office/drawing/2014/main" id="{3363B985-2812-BDBB-7E9D-A28D84AB06EF}"/>
+              </a:ext>
+            </a:extLst>
+          </p:cNvPr>
+          <p:cNvSpPr>
+            <a:spLocks noGrp="1"/>
+          </p:cNvSpPr>
+          <p:nvPr>
+            <p:ph type="title"/>
+          </p:nvPr>
+        </p:nvSpPr>
+        <p:spPr/>
+        <p:txBody>
+          <a:bodyPr/>
+          <a:lstStyle/>
+          <a:p>
+            <a:r>
+              <a:rPr lang="de-DE" dirty="0"/>
+              <a:t>CI/CD</a:t>
+            </a:r>
+          </a:p>
+        </p:txBody>
+      </p:sp>
+      <p:sp>
+        <p:nvSpPr>
+          <p:cNvPr id="4" name="Inhaltsplatzhalter 2">
+            <a:extLst>
+              <a:ext uri="{FF2B5EF4-FFF2-40B4-BE49-F238E27FC236}">
+                <a16:creationId xmlns:a16="http://schemas.microsoft.com/office/drawing/2014/main" id="{FE26268B-C609-ACA5-B6B4-D8D23D94F991}"/>
+              </a:ext>
+            </a:extLst>
+          </p:cNvPr>
+          <p:cNvSpPr>
+            <a:spLocks noGrp="1"/>
+          </p:cNvSpPr>
+          <p:nvPr>
+            <p:ph idx="1"/>
+          </p:nvPr>
+        </p:nvSpPr>
+        <p:spPr>
+          <a:xfrm>
+            <a:off x="303213" y="981075"/>
+            <a:ext cx="8516937" cy="5400675"/>
+          </a:xfrm>
+        </p:spPr>
+        <p:txBody>
+          <a:bodyPr/>
+          <a:lstStyle/>
+          <a:p>
+            <a:pPr marL="0" indent="0">
+              <a:buNone/>
+            </a:pPr>
+            <a:r>
+              <a:rPr lang="de-DE" b="1" dirty="0" err="1"/>
+              <a:t>Scheduled</a:t>
+            </a:r>
+            <a:r>
+              <a:rPr lang="de-DE" b="1" dirty="0"/>
+              <a:t> Pipelines</a:t>
+            </a:r>
+            <a:endParaRPr lang="de-DE" dirty="0"/>
+          </a:p>
+          <a:p>
+            <a:pPr>
+              <a:buFont typeface="Arial" panose="020B0604020202020204" pitchFamily="34" charset="0"/>
+              <a:buChar char="•"/>
+            </a:pPr>
+            <a:r>
+              <a:rPr lang="de-DE" dirty="0"/>
+              <a:t>Automatische Ausführung zu vorgegebenen Zeiten</a:t>
+            </a:r>
+          </a:p>
+          <a:p>
+            <a:pPr>
+              <a:buFont typeface="Arial" panose="020B0604020202020204" pitchFamily="34" charset="0"/>
+              <a:buChar char="•"/>
+            </a:pPr>
+            <a:r>
+              <a:rPr lang="de-DE" dirty="0"/>
+              <a:t>Manuelles Anstoßen ebenfalls möglich</a:t>
+            </a:r>
+          </a:p>
+          <a:p>
+            <a:pPr>
+              <a:buFont typeface="Arial" panose="020B0604020202020204" pitchFamily="34" charset="0"/>
+              <a:buChar char="•"/>
+            </a:pPr>
+            <a:r>
+              <a:rPr lang="de-DE" dirty="0"/>
+              <a:t>Konfiguration über </a:t>
+            </a:r>
+            <a:r>
+              <a:rPr lang="de-DE" dirty="0" err="1"/>
+              <a:t>GitLab</a:t>
+            </a:r>
+            <a:r>
+              <a:rPr lang="de-DE" dirty="0"/>
+              <a:t> GUI (erfordert </a:t>
+            </a:r>
+            <a:r>
+              <a:rPr lang="de-DE" dirty="0" err="1"/>
+              <a:t>Owner</a:t>
+            </a:r>
+            <a:r>
+              <a:rPr lang="de-DE" dirty="0"/>
+              <a:t>-Rechte)</a:t>
+            </a:r>
+          </a:p>
+          <a:p>
+            <a:pPr>
+              <a:buFont typeface="Arial" panose="020B0604020202020204" pitchFamily="34" charset="0"/>
+              <a:buChar char="•"/>
+            </a:pPr>
+            <a:endParaRPr lang="de-DE" dirty="0"/>
+          </a:p>
+        </p:txBody>
+      </p:sp>
+    </p:spTree>
+    <p:extLst>
+      <p:ext uri="{BB962C8B-B14F-4D97-AF65-F5344CB8AC3E}">
+        <p14:creationId xmlns:p14="http://schemas.microsoft.com/office/powerpoint/2010/main" val="1118458735"/>
+      </p:ext>
+    </p:extLst>
+  </p:cSld>
+  <p:clrMapOvr>
+    <a:masterClrMapping/>
+  </p:clrMapOvr>
+</p:sld>
+</file>
+
+<file path=ppt/slides/slide44.xml><?xml version="1.0" encoding="utf-8"?>
 <p:sld xmlns:a="http://schemas.openxmlformats.org/drawingml/2006/main" xmlns:r="http://schemas.openxmlformats.org/officeDocument/2006/relationships" xmlns:p="http://schemas.openxmlformats.org/presentationml/2006/main">
   <p:cSld>
     <p:spTree>
@@ -21111,7 +23440,7 @@
 </p:sld>
 </file>
 
-<file path=ppt/slides/slide41.xml><?xml version="1.0" encoding="utf-8"?>
+<file path=ppt/slides/slide45.xml><?xml version="1.0" encoding="utf-8"?>
 <p:sld xmlns:a="http://schemas.openxmlformats.org/drawingml/2006/main" xmlns:r="http://schemas.openxmlformats.org/officeDocument/2006/relationships" xmlns:p="http://schemas.openxmlformats.org/presentationml/2006/main">
   <p:cSld>
     <p:spTree>
@@ -21187,7 +23516,7 @@
             </a:pPr>
             <a:r>
               <a:rPr lang="de-DE" b="1" dirty="0"/>
-              <a:t>Aufgabe 6: Bedingte Ausführung von Jobs</a:t>
+              <a:t>Aufgabe 8: Bedingte Ausführung von Jobs</a:t>
             </a:r>
             <a:endParaRPr lang="de-DE" dirty="0"/>
           </a:p>
@@ -21267,7 +23596,7 @@
 </p:sld>
 </file>
 
-<file path=ppt/slides/slide42.xml><?xml version="1.0" encoding="utf-8"?>
+<file path=ppt/slides/slide46.xml><?xml version="1.0" encoding="utf-8"?>
 <p:sld xmlns:a="http://schemas.openxmlformats.org/drawingml/2006/main" xmlns:r="http://schemas.openxmlformats.org/officeDocument/2006/relationships" xmlns:p="http://schemas.openxmlformats.org/presentationml/2006/main">
   <p:cSld>
     <p:spTree>
@@ -21343,7 +23672,7 @@
             </a:pPr>
             <a:r>
               <a:rPr lang="de-DE" b="1" dirty="0"/>
-              <a:t>Aufgabe 6: Bedingte Ausführung von Jobs</a:t>
+              <a:t>Aufgabe 8: Bedingte Ausführung von Jobs</a:t>
             </a:r>
             <a:endParaRPr lang="de-DE" dirty="0"/>
           </a:p>
@@ -22827,7 +25156,7 @@
 </p:sld>
 </file>
 
-<file path=ppt/slides/slide43.xml><?xml version="1.0" encoding="utf-8"?>
+<file path=ppt/slides/slide47.xml><?xml version="1.0" encoding="utf-8"?>
 <p:sld xmlns:a="http://schemas.openxmlformats.org/drawingml/2006/main" xmlns:r="http://schemas.openxmlformats.org/officeDocument/2006/relationships" xmlns:p="http://schemas.openxmlformats.org/presentationml/2006/main">
   <p:cSld>
     <p:spTree>
@@ -22903,7 +25232,7 @@
             </a:pPr>
             <a:r>
               <a:rPr lang="de-DE" b="1" dirty="0"/>
-              <a:t>Aufgabe 7: Parallelisierung von Jobs</a:t>
+              <a:t>Aufgabe 9: Parallelisierung von Jobs</a:t>
             </a:r>
             <a:endParaRPr lang="de-DE" dirty="0"/>
           </a:p>
@@ -22974,7 +25303,7 @@
 </p:sld>
 </file>
 
-<file path=ppt/slides/slide44.xml><?xml version="1.0" encoding="utf-8"?>
+<file path=ppt/slides/slide48.xml><?xml version="1.0" encoding="utf-8"?>
 <p:sld xmlns:a="http://schemas.openxmlformats.org/drawingml/2006/main" xmlns:r="http://schemas.openxmlformats.org/officeDocument/2006/relationships" xmlns:p="http://schemas.openxmlformats.org/presentationml/2006/main">
   <p:cSld>
     <p:spTree>
@@ -23050,7 +25379,7 @@
             </a:pPr>
             <a:r>
               <a:rPr lang="de-DE" b="1" dirty="0"/>
-              <a:t>Aufgabe 7: Parallelisierung von Jobs</a:t>
+              <a:t>Aufgabe 9: Parallelisierung von Jobs</a:t>
             </a:r>
             <a:endParaRPr lang="de-DE" dirty="0"/>
           </a:p>

--- a/slides/Tag-2_4-CI_CD.pptx
+++ b/slides/Tag-2_4-CI_CD.pptx
@@ -4555,7 +4555,7 @@
               <a:pPr algn="ctr">
                 <a:defRPr/>
               </a:pPr>
-              <a:t>29.07.2024</a:t>
+              <a:t>08.08.2024</a:t>
             </a:fld>
             <a:endParaRPr lang="de-DE" sz="1000">
               <a:solidFill>
@@ -11643,6 +11643,9 @@
               <a:rPr lang="de-DE" b="1" dirty="0"/>
               <a:t> CI/CD</a:t>
             </a:r>
+            <a:br>
+              <a:rPr lang="de-DE" b="1" dirty="0"/>
+            </a:br>
             <a:endParaRPr lang="de-DE" dirty="0"/>
           </a:p>
           <a:p>
@@ -11656,7 +11659,14 @@
             </a:r>
             <a:r>
               <a:rPr lang="de-DE" dirty="0"/>
-              <a:t>: Verstehe die Grundlagen von </a:t>
+              <a:t>: </a:t>
+            </a:r>
+            <a:br>
+              <a:rPr lang="de-DE" dirty="0"/>
+            </a:br>
+            <a:r>
+              <a:rPr lang="de-DE" dirty="0"/>
+              <a:t>Grundlagen von </a:t>
             </a:r>
             <a:r>
               <a:rPr lang="de-DE" dirty="0" err="1"/>
@@ -11672,6 +11682,13 @@
               <a:buFont typeface="+mj-lt"/>
               <a:buAutoNum type="arabicPeriod"/>
             </a:pPr>
+            <a:endParaRPr lang="de-DE" dirty="0"/>
+          </a:p>
+          <a:p>
+            <a:pPr marL="457200" indent="-457200">
+              <a:buFont typeface="+mj-lt"/>
+              <a:buAutoNum type="arabicPeriod"/>
+            </a:pPr>
             <a:r>
               <a:rPr lang="de-DE" b="1" dirty="0"/>
               <a:t>Schritte</a:t>
@@ -11687,15 +11704,15 @@
               <a:buChar char="•"/>
             </a:pPr>
             <a:r>
-              <a:rPr lang="de-DE" dirty="0"/>
-              <a:t>Erstelle ein neues </a:t>
-            </a:r>
-            <a:r>
-              <a:rPr lang="de-DE" dirty="0" err="1"/>
+              <a:rPr lang="de-DE" sz="2400" dirty="0"/>
+              <a:t>Erstellen Sie ein neues </a:t>
+            </a:r>
+            <a:r>
+              <a:rPr lang="de-DE" sz="2400" dirty="0" err="1"/>
               <a:t>GitLab</a:t>
             </a:r>
             <a:r>
-              <a:rPr lang="de-DE" dirty="0"/>
+              <a:rPr lang="de-DE" sz="2400" dirty="0"/>
               <a:t>-Repository</a:t>
             </a:r>
           </a:p>
@@ -11705,23 +11722,23 @@
               <a:buChar char="•"/>
             </a:pPr>
             <a:r>
-              <a:rPr lang="de-DE" dirty="0"/>
-              <a:t>Füge eine .</a:t>
-            </a:r>
-            <a:r>
-              <a:rPr lang="de-DE" dirty="0" err="1"/>
+              <a:rPr lang="de-DE" sz="2400" dirty="0"/>
+              <a:t>Fügen Sie eine .</a:t>
+            </a:r>
+            <a:r>
+              <a:rPr lang="de-DE" sz="2400" dirty="0" err="1"/>
               <a:t>gitlab</a:t>
             </a:r>
             <a:r>
-              <a:rPr lang="de-DE" dirty="0"/>
+              <a:rPr lang="de-DE" sz="2400" dirty="0"/>
               <a:t>-</a:t>
             </a:r>
             <a:r>
-              <a:rPr lang="de-DE" dirty="0" err="1"/>
+              <a:rPr lang="de-DE" sz="2400" dirty="0" err="1"/>
               <a:t>ci.yml</a:t>
             </a:r>
             <a:r>
-              <a:rPr lang="de-DE" dirty="0"/>
+              <a:rPr lang="de-DE" sz="2400" dirty="0"/>
               <a:t>-Datei im Stammverzeichnis des Projekts hinzu</a:t>
             </a:r>
           </a:p>
@@ -11731,15 +11748,15 @@
               <a:buChar char="•"/>
             </a:pPr>
             <a:r>
-              <a:rPr lang="de-DE" dirty="0"/>
-              <a:t>Schreibe eine einfache Konfiguration, die einen Job namens </a:t>
-            </a:r>
-            <a:r>
-              <a:rPr lang="de-DE" dirty="0" err="1"/>
+              <a:rPr lang="de-DE" sz="2400" dirty="0"/>
+              <a:t>Schreiben Sie eine einfache Konfiguration, die einen Job namens </a:t>
+            </a:r>
+            <a:r>
+              <a:rPr lang="de-DE" sz="2400" dirty="0" err="1"/>
               <a:t>hello_world</a:t>
             </a:r>
             <a:r>
-              <a:rPr lang="de-DE" dirty="0"/>
+              <a:rPr lang="de-DE" sz="2400" dirty="0"/>
               <a:t> definiert, der "Hello, World!" ausgibt</a:t>
             </a:r>
           </a:p>
@@ -12660,6 +12677,11 @@
               <a:rPr lang="de-DE" b="1" dirty="0"/>
               <a:t>Aufgabe 2: Verwendung von Stages</a:t>
             </a:r>
+          </a:p>
+          <a:p>
+            <a:pPr marL="0" indent="0">
+              <a:buNone/>
+            </a:pPr>
             <a:endParaRPr lang="de-DE" dirty="0"/>
           </a:p>
           <a:p>
@@ -12673,16 +12695,19 @@
             </a:r>
             <a:r>
               <a:rPr lang="de-DE" dirty="0"/>
-              <a:t>: Verstehe, wie Stages in </a:t>
-            </a:r>
-            <a:r>
-              <a:rPr lang="de-DE" dirty="0" err="1"/>
-              <a:t>GitLab</a:t>
-            </a:r>
-            <a:r>
+              <a:t>: </a:t>
+            </a:r>
+            <a:br>
               <a:rPr lang="de-DE" dirty="0"/>
-              <a:t> CI funktionieren und wie sie zur Strukturierung von Jobs verwendet werden</a:t>
-            </a:r>
+            </a:br>
+            <a:r>
+              <a:rPr lang="de-DE" dirty="0"/>
+              <a:t>Die CI/CD-Pipeline mit Stages strukturieren</a:t>
+            </a:r>
+            <a:br>
+              <a:rPr lang="de-DE" dirty="0"/>
+            </a:br>
+            <a:endParaRPr lang="de-DE" dirty="0"/>
           </a:p>
           <a:p>
             <a:pPr marL="457200" indent="-457200">
@@ -12704,31 +12729,35 @@
               <a:buChar char="•"/>
             </a:pPr>
             <a:r>
-              <a:rPr lang="de-DE" dirty="0"/>
-              <a:t>Erweitere die .</a:t>
-            </a:r>
-            <a:r>
-              <a:rPr lang="de-DE" dirty="0" err="1"/>
+              <a:rPr lang="de-DE" sz="2400" dirty="0" err="1"/>
+              <a:t>Erweiteren</a:t>
+            </a:r>
+            <a:r>
+              <a:rPr lang="de-DE" sz="2400" dirty="0"/>
+              <a:t> Sie die .</a:t>
+            </a:r>
+            <a:r>
+              <a:rPr lang="de-DE" sz="2400" dirty="0" err="1"/>
               <a:t>gitlab-ci.yml</a:t>
             </a:r>
             <a:r>
-              <a:rPr lang="de-DE" dirty="0"/>
+              <a:rPr lang="de-DE" sz="2400" dirty="0"/>
               <a:t>, um zwei Stages (</a:t>
             </a:r>
             <a:r>
-              <a:rPr lang="de-DE" dirty="0" err="1"/>
+              <a:rPr lang="de-DE" sz="2400" dirty="0" err="1"/>
               <a:t>build</a:t>
             </a:r>
             <a:r>
-              <a:rPr lang="de-DE" dirty="0"/>
+              <a:rPr lang="de-DE" sz="2400" dirty="0"/>
               <a:t> und </a:t>
             </a:r>
             <a:r>
-              <a:rPr lang="de-DE" dirty="0" err="1"/>
+              <a:rPr lang="de-DE" sz="2400" dirty="0" err="1"/>
               <a:t>test</a:t>
             </a:r>
             <a:r>
-              <a:rPr lang="de-DE" dirty="0"/>
+              <a:rPr lang="de-DE" sz="2400" dirty="0"/>
               <a:t>) zu definieren</a:t>
             </a:r>
           </a:p>
@@ -12738,15 +12767,15 @@
               <a:buChar char="•"/>
             </a:pPr>
             <a:r>
-              <a:rPr lang="de-DE" dirty="0"/>
-              <a:t>Füge einen Job in der </a:t>
-            </a:r>
-            <a:r>
-              <a:rPr lang="de-DE" dirty="0" err="1"/>
+              <a:rPr lang="de-DE" sz="2400" dirty="0"/>
+              <a:t>Fügen Sie einen Job in der </a:t>
+            </a:r>
+            <a:r>
+              <a:rPr lang="de-DE" sz="2400" dirty="0" err="1"/>
               <a:t>build</a:t>
             </a:r>
             <a:r>
-              <a:rPr lang="de-DE" dirty="0"/>
+              <a:rPr lang="de-DE" sz="2400" dirty="0"/>
               <a:t>-Stage hinzu, der eine Dummy-Datei erstellt</a:t>
             </a:r>
           </a:p>
@@ -12756,8 +12785,8 @@
               <a:buChar char="•"/>
             </a:pPr>
             <a:r>
-              <a:rPr lang="de-DE" dirty="0"/>
-              <a:t>Füge einen Job in der test-Stage hinzu, welcher das Vorhandensein der Datei überprüft</a:t>
+              <a:rPr lang="de-DE" sz="2400" dirty="0"/>
+              <a:t>Fügen Sie einen Job in der test-Stage hinzu, welcher das Vorhandensein der Datei überprüft</a:t>
             </a:r>
           </a:p>
           <a:p>
@@ -13564,6 +13593,9 @@
               <a:rPr lang="de-DE" b="1" dirty="0" err="1"/>
               <a:t>Artifacts</a:t>
             </a:r>
+            <a:br>
+              <a:rPr lang="de-DE" b="1" dirty="0"/>
+            </a:br>
             <a:endParaRPr lang="de-DE" dirty="0"/>
           </a:p>
           <a:p>
@@ -13577,16 +13609,23 @@
             </a:r>
             <a:r>
               <a:rPr lang="de-DE" dirty="0"/>
-              <a:t>: Verstehe, wie man </a:t>
+              <a:t>: </a:t>
+            </a:r>
+            <a:br>
+              <a:rPr lang="de-DE" dirty="0"/>
+            </a:br>
+            <a:r>
+              <a:rPr lang="de-DE" dirty="0"/>
+              <a:t>Dateien zwischen Jobs und Stages mittels </a:t>
             </a:r>
             <a:r>
               <a:rPr lang="de-DE" dirty="0" err="1"/>
               <a:t>Artifacts</a:t>
             </a:r>
-            <a:r>
+            <a:br>
               <a:rPr lang="de-DE" dirty="0"/>
-              <a:t> verwendet, um Dateien zwischen Jobs und Stages zu teilen</a:t>
-            </a:r>
+            </a:br>
+            <a:endParaRPr lang="de-DE" dirty="0"/>
           </a:p>
           <a:p>
             <a:pPr marL="457200" indent="-457200">
@@ -13608,23 +13647,23 @@
               <a:buChar char="•"/>
             </a:pPr>
             <a:r>
-              <a:rPr lang="de-DE" dirty="0"/>
-              <a:t>Modifiziere den </a:t>
-            </a:r>
-            <a:r>
-              <a:rPr lang="de-DE" dirty="0" err="1"/>
+              <a:rPr lang="de-DE" sz="2400" dirty="0"/>
+              <a:t>Modifizieren Sie den </a:t>
+            </a:r>
+            <a:r>
+              <a:rPr lang="de-DE" sz="2400" dirty="0" err="1"/>
               <a:t>build_job</a:t>
             </a:r>
             <a:r>
-              <a:rPr lang="de-DE" dirty="0"/>
+              <a:rPr lang="de-DE" sz="2400" dirty="0"/>
               <a:t>, um die dummy_file.txt als </a:t>
             </a:r>
             <a:r>
-              <a:rPr lang="de-DE" dirty="0" err="1"/>
+              <a:rPr lang="de-DE" sz="2400" dirty="0" err="1"/>
               <a:t>Artifact</a:t>
             </a:r>
             <a:r>
-              <a:rPr lang="de-DE" dirty="0"/>
+              <a:rPr lang="de-DE" sz="2400" dirty="0"/>
               <a:t> zu speichern</a:t>
             </a:r>
           </a:p>
@@ -13634,23 +13673,27 @@
               <a:buChar char="•"/>
             </a:pPr>
             <a:r>
-              <a:rPr lang="de-DE" dirty="0"/>
-              <a:t>Ändere den </a:t>
-            </a:r>
-            <a:r>
-              <a:rPr lang="de-DE" dirty="0" err="1"/>
+              <a:rPr lang="de-DE" sz="2400" dirty="0" err="1"/>
+              <a:t>Änderen</a:t>
+            </a:r>
+            <a:r>
+              <a:rPr lang="de-DE" sz="2400" dirty="0"/>
+              <a:t> Sie den </a:t>
+            </a:r>
+            <a:r>
+              <a:rPr lang="de-DE" sz="2400" dirty="0" err="1"/>
               <a:t>test_job</a:t>
             </a:r>
             <a:r>
-              <a:rPr lang="de-DE" dirty="0"/>
+              <a:rPr lang="de-DE" sz="2400" dirty="0"/>
               <a:t>, um dieses </a:t>
             </a:r>
             <a:r>
-              <a:rPr lang="de-DE" dirty="0" err="1"/>
+              <a:rPr lang="de-DE" sz="2400" dirty="0" err="1"/>
               <a:t>Artifact</a:t>
             </a:r>
             <a:r>
-              <a:rPr lang="de-DE" dirty="0"/>
+              <a:rPr lang="de-DE" sz="2400" dirty="0"/>
               <a:t> zu verwenden</a:t>
             </a:r>
           </a:p>
@@ -16012,6 +16055,9 @@
               <a:rPr lang="de-DE" b="1" dirty="0"/>
               <a:t>Aufgabe 4: Erweiterung mit einem Deploy-Job</a:t>
             </a:r>
+            <a:br>
+              <a:rPr lang="de-DE" b="1" dirty="0"/>
+            </a:br>
             <a:endParaRPr lang="de-DE" dirty="0"/>
           </a:p>
           <a:p>
@@ -16025,15 +16071,14 @@
             </a:r>
             <a:r>
               <a:rPr lang="de-DE" dirty="0"/>
-              <a:t>: Lerne, wie man einen </a:t>
-            </a:r>
-            <a:r>
-              <a:rPr lang="de-DE" dirty="0" err="1"/>
-              <a:t>Deployment</a:t>
-            </a:r>
-            <a:r>
+              <a:t>: </a:t>
+            </a:r>
+            <a:br>
               <a:rPr lang="de-DE" dirty="0"/>
-              <a:t>-Job hinzufügt und </a:t>
+            </a:br>
+            <a:r>
+              <a:rPr lang="de-DE" dirty="0"/>
+              <a:t>Einen Job hinzufügen und </a:t>
             </a:r>
             <a:r>
               <a:rPr lang="de-DE" dirty="0" err="1"/>
@@ -16041,16 +16086,12 @@
             </a:r>
             <a:r>
               <a:rPr lang="de-DE" dirty="0"/>
-              <a:t> verwendet, um </a:t>
-            </a:r>
-            <a:r>
-              <a:rPr lang="de-DE" dirty="0" err="1"/>
-              <a:t>Build</a:t>
-            </a:r>
-            <a:r>
+              <a:t> verwenden und diese zu Deployen</a:t>
+            </a:r>
+            <a:br>
               <a:rPr lang="de-DE" dirty="0"/>
-              <a:t>-Artefakte zu deployen</a:t>
-            </a:r>
+            </a:br>
+            <a:endParaRPr lang="de-DE" dirty="0"/>
           </a:p>
           <a:p>
             <a:pPr marL="457200" indent="-457200">
@@ -16072,7 +16113,7 @@
               <a:buChar char="•"/>
             </a:pPr>
             <a:r>
-              <a:rPr lang="de-DE" dirty="0"/>
+              <a:rPr lang="de-DE" sz="2400" dirty="0"/>
               <a:t>Füge eine deploy-Stage hinzu</a:t>
             </a:r>
           </a:p>
@@ -16082,31 +16123,31 @@
               <a:buChar char="•"/>
             </a:pPr>
             <a:r>
-              <a:rPr lang="de-DE" dirty="0"/>
+              <a:rPr lang="de-DE" sz="2400" dirty="0"/>
               <a:t>Erstelle einen </a:t>
             </a:r>
             <a:r>
-              <a:rPr lang="de-DE" dirty="0" err="1"/>
+              <a:rPr lang="de-DE" sz="2400" dirty="0" err="1"/>
               <a:t>deploy_job</a:t>
             </a:r>
             <a:r>
-              <a:rPr lang="de-DE" dirty="0"/>
+              <a:rPr lang="de-DE" sz="2400" dirty="0"/>
               <a:t>, der das </a:t>
             </a:r>
             <a:r>
-              <a:rPr lang="de-DE" dirty="0" err="1"/>
+              <a:rPr lang="de-DE" sz="2400" dirty="0" err="1"/>
               <a:t>Artifact</a:t>
             </a:r>
             <a:r>
-              <a:rPr lang="de-DE" dirty="0"/>
+              <a:rPr lang="de-DE" sz="2400" dirty="0"/>
               <a:t> herunterlädt und einen simulierten </a:t>
             </a:r>
             <a:r>
-              <a:rPr lang="de-DE" dirty="0" err="1"/>
+              <a:rPr lang="de-DE" sz="2400" dirty="0" err="1"/>
               <a:t>Deployment</a:t>
             </a:r>
             <a:r>
-              <a:rPr lang="de-DE" dirty="0"/>
+              <a:rPr lang="de-DE" sz="2400" dirty="0"/>
               <a:t>-Prozess ausführt</a:t>
             </a:r>
           </a:p>
@@ -17959,6 +18000,9 @@
               <a:rPr lang="de-DE" b="1" dirty="0"/>
               <a:t>Aufgabe 5: Einführung von Variablen</a:t>
             </a:r>
+            <a:br>
+              <a:rPr lang="de-DE" b="1" dirty="0"/>
+            </a:br>
             <a:endParaRPr lang="de-DE" dirty="0"/>
           </a:p>
           <a:p>
@@ -17971,29 +18015,36 @@
             </a:r>
             <a:r>
               <a:rPr lang="de-DE" dirty="0"/>
-              <a:t>: Lerne, </a:t>
-            </a:r>
-            <a:r>
+              <a:t>: </a:t>
+            </a:r>
+            <a:br>
+              <a:rPr lang="de-DE" dirty="0"/>
+            </a:br>
+            <a:r>
+              <a:rPr lang="de-DE" dirty="0"/>
+              <a:t>Die CI/CD </a:t>
+            </a:r>
+            <a:r>
+              <a:rPr lang="de-DE" dirty="0" err="1"/>
+              <a:t>Pipiline</a:t>
+            </a:r>
+            <a:r>
+              <a:rPr lang="de-DE" dirty="0"/>
+              <a:t> Flexibler zu gestalten,</a:t>
+            </a:r>
+            <a:br>
+              <a:rPr lang="de-DE" dirty="0"/>
+            </a:br>
+            <a:r>
+              <a:rPr lang="de-DE" dirty="0"/>
+              <a:t>mit Verwendung von Variablen</a:t>
+            </a:r>
+            <a:br>
               <a:rPr lang="de-DE" dirty="0">
                 <a:ea typeface="+mn-lt"/>
                 <a:cs typeface="+mn-lt"/>
               </a:rPr>
-              <a:t>wie man Variablen in </a:t>
-            </a:r>
-            <a:r>
-              <a:rPr lang="de-DE" dirty="0" err="1">
-                <a:ea typeface="+mn-lt"/>
-                <a:cs typeface="+mn-lt"/>
-              </a:rPr>
-              <a:t>GitLab</a:t>
-            </a:r>
-            <a:r>
-              <a:rPr lang="de-DE" dirty="0">
-                <a:ea typeface="+mn-lt"/>
-                <a:cs typeface="+mn-lt"/>
-              </a:rPr>
-              <a:t> CI/CD Pipelines verwenden kann, um den Entwicklungsprozess flexibler zu gestalten und die Wartbarkeit des Codes zu verbessern.</a:t>
-            </a:r>
+            </a:br>
             <a:endParaRPr lang="de-DE" dirty="0">
               <a:cs typeface="Arial"/>
             </a:endParaRPr>
@@ -18018,10 +18069,10 @@
               <a:buChar char="•"/>
             </a:pPr>
             <a:r>
-              <a:rPr lang="de-DE" dirty="0"/>
-              <a:t>Füge eine Variable DUMMY_FILE hinzu</a:t>
-            </a:r>
-            <a:endParaRPr lang="de-DE" dirty="0">
+              <a:rPr lang="de-DE" sz="2400" dirty="0"/>
+              <a:t>Fügen Sie eine Variable DUMMY_FILE hinzu</a:t>
+            </a:r>
+            <a:endParaRPr lang="de-DE" sz="2400" dirty="0">
               <a:cs typeface="Arial"/>
             </a:endParaRPr>
           </a:p>
@@ -18031,10 +18082,10 @@
               <a:buChar char="•"/>
             </a:pPr>
             <a:r>
-              <a:rPr lang="de-DE" dirty="0">
+              <a:rPr lang="de-DE" sz="2400" dirty="0">
                 <a:cs typeface="Arial"/>
               </a:rPr>
-              <a:t>Ersetze alle Verweise auf "dummy_file.txt" mit der Variable</a:t>
+              <a:t>Ersetzen Sie alle Verweise auf "dummy_file.txt" mit der Variable</a:t>
             </a:r>
           </a:p>
           <a:p>
@@ -20155,6 +20206,9 @@
               <a:rPr lang="de-DE" b="1" dirty="0"/>
               <a:t>Aufgabe 6: Einführung von Defaults</a:t>
             </a:r>
+            <a:br>
+              <a:rPr lang="de-DE" b="1" dirty="0"/>
+            </a:br>
             <a:endParaRPr lang="de-DE" dirty="0"/>
           </a:p>
           <a:p>
@@ -20167,29 +20221,33 @@
             </a:r>
             <a:r>
               <a:rPr lang="de-DE" dirty="0"/>
-              <a:t>: Lerne, </a:t>
-            </a:r>
-            <a:r>
-              <a:rPr lang="de-DE" dirty="0">
-                <a:ea typeface="+mn-lt"/>
-                <a:cs typeface="+mn-lt"/>
-              </a:rPr>
-              <a:t>wie man Defaults in </a:t>
-            </a:r>
-            <a:r>
-              <a:rPr lang="de-DE" dirty="0" err="1">
-                <a:ea typeface="+mn-lt"/>
-                <a:cs typeface="+mn-lt"/>
-              </a:rPr>
-              <a:t>GitLab</a:t>
-            </a:r>
-            <a:r>
-              <a:rPr lang="de-DE" dirty="0">
-                <a:ea typeface="+mn-lt"/>
-                <a:cs typeface="+mn-lt"/>
-              </a:rPr>
-              <a:t> CI/CD Pipelines verwenden kann, um den Aufbau des Codes zu vereinfachen und die Wartbarkeit des Codes zu verbessern.</a:t>
-            </a:r>
+              <a:t>: </a:t>
+            </a:r>
+            <a:br>
+              <a:rPr lang="de-DE" dirty="0"/>
+            </a:br>
+            <a:r>
+              <a:rPr lang="de-DE" dirty="0"/>
+              <a:t>Vereinfachung des </a:t>
+            </a:r>
+            <a:r>
+              <a:rPr lang="de-DE" dirty="0" err="1"/>
+              <a:t>Gitlab</a:t>
+            </a:r>
+            <a:r>
+              <a:rPr lang="de-DE" dirty="0"/>
+              <a:t>-CI Codes</a:t>
+            </a:r>
+            <a:br>
+              <a:rPr lang="de-DE" dirty="0"/>
+            </a:br>
+            <a:r>
+              <a:rPr lang="de-DE" dirty="0"/>
+              <a:t>mit Verwendung von Defaults</a:t>
+            </a:r>
+            <a:br>
+              <a:rPr lang="de-DE" dirty="0"/>
+            </a:br>
             <a:endParaRPr lang="de-DE" dirty="0">
               <a:cs typeface="Arial"/>
             </a:endParaRPr>
@@ -20214,31 +20272,31 @@
               <a:buChar char="•"/>
             </a:pPr>
             <a:r>
-              <a:rPr lang="de-DE" dirty="0">
+              <a:rPr lang="de-DE" sz="2400" dirty="0">
                 <a:cs typeface="Arial"/>
               </a:rPr>
-              <a:t>Setze die </a:t>
-            </a:r>
-            <a:r>
-              <a:rPr lang="de-DE" dirty="0" err="1">
+              <a:t>Setzen Sie die </a:t>
+            </a:r>
+            <a:r>
+              <a:rPr lang="de-DE" sz="2400" dirty="0" err="1">
                 <a:cs typeface="Arial"/>
               </a:rPr>
               <a:t>default</a:t>
             </a:r>
             <a:r>
-              <a:rPr lang="de-DE" dirty="0">
+              <a:rPr lang="de-DE" sz="2400" dirty="0">
                 <a:cs typeface="Arial"/>
               </a:rPr>
-              <a:t> Stage auf "</a:t>
-            </a:r>
-            <a:r>
-              <a:rPr lang="de-DE" dirty="0" err="1">
+              <a:t> Stage (Folie 35) auf "</a:t>
+            </a:r>
+            <a:r>
+              <a:rPr lang="de-DE" sz="2400" dirty="0" err="1">
                 <a:cs typeface="Arial"/>
               </a:rPr>
               <a:t>build</a:t>
             </a:r>
             <a:r>
-              <a:rPr lang="de-DE" dirty="0">
+              <a:rPr lang="de-DE" sz="2400" dirty="0">
                 <a:cs typeface="Arial"/>
               </a:rPr>
               <a:t>"</a:t>
@@ -20250,10 +20308,10 @@
               <a:buChar char="•"/>
             </a:pPr>
             <a:r>
-              <a:rPr lang="de-DE" dirty="0">
+              <a:rPr lang="de-DE" sz="2400" dirty="0">
                 <a:cs typeface="Arial"/>
               </a:rPr>
-              <a:t>Entferne die überflüssigen Stage Zuweisungen</a:t>
+              <a:t>Entfernen Sie die überflüssigen Stage Zuweisungen</a:t>
             </a:r>
           </a:p>
           <a:p>
@@ -21727,6 +21785,9 @@
               <a:rPr lang="de-DE" b="1" dirty="0" err="1"/>
               <a:t>Extensions</a:t>
             </a:r>
+            <a:br>
+              <a:rPr lang="de-DE" b="1" dirty="0"/>
+            </a:br>
             <a:endParaRPr lang="de-DE" dirty="0"/>
           </a:p>
           <a:p>
@@ -21739,43 +21800,25 @@
             </a:r>
             <a:r>
               <a:rPr lang="de-DE" dirty="0"/>
-              <a:t>: Lerne, </a:t>
-            </a:r>
-            <a:r>
-              <a:rPr lang="de-DE" dirty="0">
-                <a:ea typeface="+mn-lt"/>
-                <a:cs typeface="+mn-lt"/>
-              </a:rPr>
-              <a:t>wie man </a:t>
-            </a:r>
-            <a:r>
-              <a:rPr lang="de-DE" dirty="0" err="1">
-                <a:ea typeface="+mn-lt"/>
-                <a:cs typeface="+mn-lt"/>
-              </a:rPr>
-              <a:t>Extensions</a:t>
-            </a:r>
-            <a:r>
-              <a:rPr lang="de-DE" dirty="0">
-                <a:ea typeface="+mn-lt"/>
-                <a:cs typeface="+mn-lt"/>
-              </a:rPr>
-              <a:t> in </a:t>
-            </a:r>
-            <a:r>
-              <a:rPr lang="de-DE" dirty="0" err="1">
-                <a:ea typeface="+mn-lt"/>
-                <a:cs typeface="+mn-lt"/>
-              </a:rPr>
-              <a:t>GitLab</a:t>
-            </a:r>
-            <a:r>
-              <a:rPr lang="de-DE" dirty="0">
-                <a:ea typeface="+mn-lt"/>
-                <a:cs typeface="+mn-lt"/>
-              </a:rPr>
-              <a:t> CI/CD Pipelines verwenden kann, um den Aufbau des Codes zu verbessern.</a:t>
-            </a:r>
+              <a:t>: </a:t>
+            </a:r>
+            <a:br>
+              <a:rPr lang="de-DE" dirty="0"/>
+            </a:br>
+            <a:r>
+              <a:rPr lang="de-DE" dirty="0"/>
+              <a:t>Den Aufbau von Jobs vereinfachen,</a:t>
+            </a:r>
+            <a:br>
+              <a:rPr lang="de-DE" dirty="0"/>
+            </a:br>
+            <a:r>
+              <a:rPr lang="de-DE" dirty="0"/>
+              <a:t>in dem man Extension benutzt.</a:t>
+            </a:r>
+            <a:br>
+              <a:rPr lang="de-DE" dirty="0"/>
+            </a:br>
             <a:endParaRPr lang="de-DE" dirty="0">
               <a:cs typeface="Arial"/>
             </a:endParaRPr>
@@ -21800,43 +21843,43 @@
               <a:buChar char="•"/>
             </a:pPr>
             <a:r>
-              <a:rPr lang="de-DE" dirty="0">
+              <a:rPr lang="de-DE" sz="2400" dirty="0">
                 <a:cs typeface="Arial"/>
               </a:rPr>
               <a:t>Ersetzen Sie den </a:t>
             </a:r>
             <a:r>
-              <a:rPr lang="de-DE" dirty="0" err="1">
+              <a:rPr lang="de-DE" sz="2400" dirty="0" err="1">
                 <a:cs typeface="Arial"/>
               </a:rPr>
               <a:t>defaults</a:t>
             </a:r>
             <a:r>
-              <a:rPr lang="de-DE" dirty="0">
+              <a:rPr lang="de-DE" sz="2400" dirty="0">
                 <a:cs typeface="Arial"/>
               </a:rPr>
               <a:t> Bereich durch einen </a:t>
             </a:r>
             <a:r>
-              <a:rPr lang="de-DE" dirty="0" err="1">
+              <a:rPr lang="de-DE" sz="2400" dirty="0" err="1">
                 <a:cs typeface="Arial"/>
               </a:rPr>
               <a:t>job</a:t>
             </a:r>
             <a:r>
-              <a:rPr lang="de-DE" dirty="0">
+              <a:rPr lang="de-DE" sz="2400" dirty="0">
                 <a:cs typeface="Arial"/>
               </a:rPr>
               <a:t> in der </a:t>
             </a:r>
             <a:r>
-              <a:rPr lang="de-DE" dirty="0" err="1">
+              <a:rPr lang="de-DE" sz="2400" dirty="0" err="1">
                 <a:cs typeface="Arial"/>
               </a:rPr>
               <a:t>build</a:t>
             </a:r>
             <a:r>
-              <a:rPr lang="de-DE" dirty="0">
+              <a:rPr lang="de-DE" sz="2400" dirty="0">
                 <a:cs typeface="Arial"/>
               </a:rPr>
               <a:t> Stage</a:t>
@@ -21848,42 +21891,42 @@
               <a:buChar char="•"/>
             </a:pPr>
             <a:r>
-              <a:rPr lang="de-DE" dirty="0">
+              <a:rPr lang="de-DE" sz="2400" dirty="0">
                 <a:cs typeface="Arial"/>
               </a:rPr>
               <a:t>Lassen Sie den </a:t>
             </a:r>
             <a:r>
-              <a:rPr lang="de-DE" dirty="0" err="1">
+              <a:rPr lang="de-DE" sz="2400" dirty="0" err="1">
                 <a:cs typeface="Arial"/>
               </a:rPr>
               <a:t>build_job</a:t>
             </a:r>
             <a:r>
-              <a:rPr lang="de-DE" dirty="0">
+              <a:rPr lang="de-DE" sz="2400" dirty="0">
                 <a:cs typeface="Arial"/>
               </a:rPr>
               <a:t> diesen </a:t>
             </a:r>
             <a:r>
-              <a:rPr lang="de-DE" dirty="0" err="1">
+              <a:rPr lang="de-DE" sz="2400" dirty="0" err="1">
                 <a:cs typeface="Arial"/>
               </a:rPr>
               <a:t>job</a:t>
             </a:r>
             <a:r>
-              <a:rPr lang="de-DE" dirty="0">
+              <a:rPr lang="de-DE" sz="2400" dirty="0">
                 <a:cs typeface="Arial"/>
               </a:rPr>
               <a:t> </a:t>
             </a:r>
             <a:r>
-              <a:rPr lang="de-DE" dirty="0" err="1">
+              <a:rPr lang="de-DE" sz="2400" dirty="0" err="1">
                 <a:cs typeface="Arial"/>
               </a:rPr>
               <a:t>extenden</a:t>
             </a:r>
-            <a:endParaRPr lang="de-DE" dirty="0">
+            <a:endParaRPr lang="de-DE" sz="2400" dirty="0">
               <a:cs typeface="Arial"/>
             </a:endParaRPr>
           </a:p>
@@ -23518,6 +23561,9 @@
               <a:rPr lang="de-DE" b="1" dirty="0"/>
               <a:t>Aufgabe 8: Bedingte Ausführung von Jobs</a:t>
             </a:r>
+            <a:br>
+              <a:rPr lang="de-DE" b="1" dirty="0"/>
+            </a:br>
             <a:endParaRPr lang="de-DE" dirty="0"/>
           </a:p>
           <a:p>
@@ -23531,7 +23577,14 @@
             </a:r>
             <a:r>
               <a:rPr lang="de-DE" dirty="0"/>
-              <a:t>: Verstehe, wie man Jobs bedingt ausführt, basierend auf bestimmten Bedingungen wie </a:t>
+              <a:t>: </a:t>
+            </a:r>
+            <a:br>
+              <a:rPr lang="de-DE" dirty="0"/>
+            </a:br>
+            <a:r>
+              <a:rPr lang="de-DE" dirty="0"/>
+              <a:t>Jobs basierend auf </a:t>
             </a:r>
             <a:r>
               <a:rPr lang="de-DE" dirty="0" err="1"/>
@@ -23539,8 +23592,12 @@
             </a:r>
             <a:r>
               <a:rPr lang="de-DE" dirty="0"/>
-              <a:t> oder Tags</a:t>
-            </a:r>
+              <a:t> oder Tags nur bedingt ausführen.</a:t>
+            </a:r>
+            <a:br>
+              <a:rPr lang="de-DE" dirty="0"/>
+            </a:br>
+            <a:endParaRPr lang="de-DE" dirty="0"/>
           </a:p>
           <a:p>
             <a:pPr marL="457200" indent="-457200">
@@ -23562,15 +23619,15 @@
               <a:buChar char="•"/>
             </a:pPr>
             <a:r>
-              <a:rPr lang="de-DE" dirty="0"/>
-              <a:t>Modifiziere den </a:t>
-            </a:r>
-            <a:r>
-              <a:rPr lang="de-DE" dirty="0" err="1"/>
+              <a:rPr lang="de-DE" sz="2400" dirty="0"/>
+              <a:t>Modifizieren Sie den </a:t>
+            </a:r>
+            <a:r>
+              <a:rPr lang="de-DE" sz="2400" dirty="0" err="1"/>
               <a:t>deploy_job</a:t>
             </a:r>
             <a:r>
-              <a:rPr lang="de-DE" dirty="0"/>
+              <a:rPr lang="de-DE" sz="2400" dirty="0"/>
               <a:t>, um ihn nur auf dem main-Branch auszuführen</a:t>
             </a:r>
           </a:p>
@@ -25234,6 +25291,9 @@
               <a:rPr lang="de-DE" b="1" dirty="0"/>
               <a:t>Aufgabe 9: Parallelisierung von Jobs</a:t>
             </a:r>
+            <a:br>
+              <a:rPr lang="de-DE" b="1" dirty="0"/>
+            </a:br>
             <a:endParaRPr lang="de-DE" dirty="0"/>
           </a:p>
           <a:p>
@@ -25247,8 +25307,26 @@
             </a:r>
             <a:r>
               <a:rPr lang="de-DE" dirty="0"/>
-              <a:t>: Verstehe, wie man Jobs parallelisiert, um die CI/CD-Pipeline zu beschleunigen</a:t>
-            </a:r>
+              <a:t>: </a:t>
+            </a:r>
+            <a:br>
+              <a:rPr lang="de-DE" dirty="0"/>
+            </a:br>
+            <a:r>
+              <a:rPr lang="de-DE" dirty="0"/>
+              <a:t>CI/CD Pipeline beschleunigen, mittels </a:t>
+            </a:r>
+            <a:br>
+              <a:rPr lang="de-DE" dirty="0"/>
+            </a:br>
+            <a:r>
+              <a:rPr lang="de-DE" dirty="0"/>
+              <a:t>Parallelisierung von Jobs</a:t>
+            </a:r>
+            <a:br>
+              <a:rPr lang="de-DE" dirty="0"/>
+            </a:br>
+            <a:endParaRPr lang="de-DE" dirty="0"/>
           </a:p>
           <a:p>
             <a:pPr marL="457200" indent="-457200">
@@ -25270,8 +25348,8 @@
               <a:buChar char="•"/>
             </a:pPr>
             <a:r>
-              <a:rPr lang="de-DE" dirty="0"/>
-              <a:t>Füge mehrere Jobs in der test-Stage hinzu, die verschiedene Tests parallel ausführen</a:t>
+              <a:rPr lang="de-DE" sz="2400" dirty="0"/>
+              <a:t>Fügen Sie mehrere Jobs in der test-Stage hinzu, die verschiedene Tests parallel ausführen</a:t>
             </a:r>
           </a:p>
           <a:p>

--- a/slides/Tag-2_4-CI_CD.pptx
+++ b/slides/Tag-2_4-CI_CD.pptx
@@ -44,20 +44,20 @@
     <p:sldId id="616" r:id="rId32"/>
     <p:sldId id="621" r:id="rId33"/>
     <p:sldId id="622" r:id="rId34"/>
-    <p:sldId id="591" r:id="rId35"/>
-    <p:sldId id="607" r:id="rId36"/>
-    <p:sldId id="630" r:id="rId37"/>
-    <p:sldId id="638" r:id="rId38"/>
-    <p:sldId id="639" r:id="rId39"/>
-    <p:sldId id="631" r:id="rId40"/>
-    <p:sldId id="632" r:id="rId41"/>
-    <p:sldId id="640" r:id="rId42"/>
-    <p:sldId id="641" r:id="rId43"/>
+    <p:sldId id="617" r:id="rId35"/>
+    <p:sldId id="618" r:id="rId36"/>
+    <p:sldId id="591" r:id="rId37"/>
+    <p:sldId id="607" r:id="rId38"/>
+    <p:sldId id="630" r:id="rId39"/>
+    <p:sldId id="638" r:id="rId40"/>
+    <p:sldId id="639" r:id="rId41"/>
+    <p:sldId id="631" r:id="rId42"/>
+    <p:sldId id="632" r:id="rId43"/>
     <p:sldId id="629" r:id="rId44"/>
-    <p:sldId id="628" r:id="rId45"/>
-    <p:sldId id="633" r:id="rId46"/>
-    <p:sldId id="617" r:id="rId47"/>
-    <p:sldId id="618" r:id="rId48"/>
+    <p:sldId id="640" r:id="rId45"/>
+    <p:sldId id="641" r:id="rId46"/>
+    <p:sldId id="628" r:id="rId47"/>
+    <p:sldId id="633" r:id="rId48"/>
     <p:sldId id="619" r:id="rId49"/>
     <p:sldId id="620" r:id="rId50"/>
   </p:sldIdLst>
@@ -2179,7 +2179,7 @@
     </p:spTree>
     <p:extLst>
       <p:ext uri="{BB962C8B-B14F-4D97-AF65-F5344CB8AC3E}">
-        <p14:creationId xmlns:p14="http://schemas.microsoft.com/office/powerpoint/2010/main" val="2038007788"/>
+        <p14:creationId xmlns:p14="http://schemas.microsoft.com/office/powerpoint/2010/main" val="4030025492"/>
       </p:ext>
     </p:extLst>
   </p:cSld>
@@ -2235,6 +2235,9 @@
           <a:p>
             <a:endParaRPr lang="de-DE" dirty="0"/>
           </a:p>
+          <a:p>
+            <a:endParaRPr lang="de-DE" dirty="0"/>
+          </a:p>
         </p:txBody>
       </p:sp>
       <p:sp>
@@ -2264,7 +2267,7 @@
     </p:spTree>
     <p:extLst>
       <p:ext uri="{BB962C8B-B14F-4D97-AF65-F5344CB8AC3E}">
-        <p14:creationId xmlns:p14="http://schemas.microsoft.com/office/powerpoint/2010/main" val="1841810843"/>
+        <p14:creationId xmlns:p14="http://schemas.microsoft.com/office/powerpoint/2010/main" val="3077020303"/>
       </p:ext>
     </p:extLst>
   </p:cSld>
@@ -2349,7 +2352,7 @@
     </p:spTree>
     <p:extLst>
       <p:ext uri="{BB962C8B-B14F-4D97-AF65-F5344CB8AC3E}">
-        <p14:creationId xmlns:p14="http://schemas.microsoft.com/office/powerpoint/2010/main" val="804111200"/>
+        <p14:creationId xmlns:p14="http://schemas.microsoft.com/office/powerpoint/2010/main" val="2038007788"/>
       </p:ext>
     </p:extLst>
   </p:cSld>
@@ -2434,7 +2437,7 @@
     </p:spTree>
     <p:extLst>
       <p:ext uri="{BB962C8B-B14F-4D97-AF65-F5344CB8AC3E}">
-        <p14:creationId xmlns:p14="http://schemas.microsoft.com/office/powerpoint/2010/main" val="345997619"/>
+        <p14:creationId xmlns:p14="http://schemas.microsoft.com/office/powerpoint/2010/main" val="1841810843"/>
       </p:ext>
     </p:extLst>
   </p:cSld>
@@ -2490,9 +2493,6 @@
           <a:p>
             <a:endParaRPr lang="de-DE" dirty="0"/>
           </a:p>
-          <a:p>
-            <a:endParaRPr lang="de-DE" dirty="0"/>
-          </a:p>
         </p:txBody>
       </p:sp>
       <p:sp>
@@ -2522,7 +2522,7 @@
     </p:spTree>
     <p:extLst>
       <p:ext uri="{BB962C8B-B14F-4D97-AF65-F5344CB8AC3E}">
-        <p14:creationId xmlns:p14="http://schemas.microsoft.com/office/powerpoint/2010/main" val="3580878920"/>
+        <p14:creationId xmlns:p14="http://schemas.microsoft.com/office/powerpoint/2010/main" val="804111200"/>
       </p:ext>
     </p:extLst>
   </p:cSld>
@@ -2607,7 +2607,7 @@
     </p:spTree>
     <p:extLst>
       <p:ext uri="{BB962C8B-B14F-4D97-AF65-F5344CB8AC3E}">
-        <p14:creationId xmlns:p14="http://schemas.microsoft.com/office/powerpoint/2010/main" val="1602802617"/>
+        <p14:creationId xmlns:p14="http://schemas.microsoft.com/office/powerpoint/2010/main" val="345997619"/>
       </p:ext>
     </p:extLst>
   </p:cSld>
@@ -2663,6 +2663,9 @@
           <a:p>
             <a:endParaRPr lang="de-DE" dirty="0"/>
           </a:p>
+          <a:p>
+            <a:endParaRPr lang="de-DE" dirty="0"/>
+          </a:p>
         </p:txBody>
       </p:sp>
       <p:sp>
@@ -2692,7 +2695,7 @@
     </p:spTree>
     <p:extLst>
       <p:ext uri="{BB962C8B-B14F-4D97-AF65-F5344CB8AC3E}">
-        <p14:creationId xmlns:p14="http://schemas.microsoft.com/office/powerpoint/2010/main" val="1060155199"/>
+        <p14:creationId xmlns:p14="http://schemas.microsoft.com/office/powerpoint/2010/main" val="3580878920"/>
       </p:ext>
     </p:extLst>
   </p:cSld>
@@ -2777,7 +2780,7 @@
     </p:spTree>
     <p:extLst>
       <p:ext uri="{BB962C8B-B14F-4D97-AF65-F5344CB8AC3E}">
-        <p14:creationId xmlns:p14="http://schemas.microsoft.com/office/powerpoint/2010/main" val="2122505471"/>
+        <p14:creationId xmlns:p14="http://schemas.microsoft.com/office/powerpoint/2010/main" val="1602802617"/>
       </p:ext>
     </p:extLst>
   </p:cSld>
@@ -2833,9 +2836,6 @@
           <a:p>
             <a:endParaRPr lang="de-DE" dirty="0"/>
           </a:p>
-          <a:p>
-            <a:endParaRPr lang="de-DE" dirty="0"/>
-          </a:p>
         </p:txBody>
       </p:sp>
       <p:sp>
@@ -2865,7 +2865,7 @@
     </p:spTree>
     <p:extLst>
       <p:ext uri="{BB962C8B-B14F-4D97-AF65-F5344CB8AC3E}">
-        <p14:creationId xmlns:p14="http://schemas.microsoft.com/office/powerpoint/2010/main" val="1139949560"/>
+        <p14:creationId xmlns:p14="http://schemas.microsoft.com/office/powerpoint/2010/main" val="1060155199"/>
       </p:ext>
     </p:extLst>
   </p:cSld>
@@ -3120,7 +3120,7 @@
     </p:spTree>
     <p:extLst>
       <p:ext uri="{BB962C8B-B14F-4D97-AF65-F5344CB8AC3E}">
-        <p14:creationId xmlns:p14="http://schemas.microsoft.com/office/powerpoint/2010/main" val="3776710161"/>
+        <p14:creationId xmlns:p14="http://schemas.microsoft.com/office/powerpoint/2010/main" val="2122505471"/>
       </p:ext>
     </p:extLst>
   </p:cSld>
@@ -3176,6 +3176,9 @@
           <a:p>
             <a:endParaRPr lang="de-DE" dirty="0"/>
           </a:p>
+          <a:p>
+            <a:endParaRPr lang="de-DE" dirty="0"/>
+          </a:p>
         </p:txBody>
       </p:sp>
       <p:sp>
@@ -3205,7 +3208,7 @@
     </p:spTree>
     <p:extLst>
       <p:ext uri="{BB962C8B-B14F-4D97-AF65-F5344CB8AC3E}">
-        <p14:creationId xmlns:p14="http://schemas.microsoft.com/office/powerpoint/2010/main" val="4183807495"/>
+        <p14:creationId xmlns:p14="http://schemas.microsoft.com/office/powerpoint/2010/main" val="1139949560"/>
       </p:ext>
     </p:extLst>
   </p:cSld>
@@ -3290,7 +3293,7 @@
     </p:spTree>
     <p:extLst>
       <p:ext uri="{BB962C8B-B14F-4D97-AF65-F5344CB8AC3E}">
-        <p14:creationId xmlns:p14="http://schemas.microsoft.com/office/powerpoint/2010/main" val="4030025492"/>
+        <p14:creationId xmlns:p14="http://schemas.microsoft.com/office/powerpoint/2010/main" val="3776710161"/>
       </p:ext>
     </p:extLst>
   </p:cSld>
@@ -3346,9 +3349,6 @@
           <a:p>
             <a:endParaRPr lang="de-DE" dirty="0"/>
           </a:p>
-          <a:p>
-            <a:endParaRPr lang="de-DE" dirty="0"/>
-          </a:p>
         </p:txBody>
       </p:sp>
       <p:sp>
@@ -3378,7 +3378,7 @@
     </p:spTree>
     <p:extLst>
       <p:ext uri="{BB962C8B-B14F-4D97-AF65-F5344CB8AC3E}">
-        <p14:creationId xmlns:p14="http://schemas.microsoft.com/office/powerpoint/2010/main" val="3077020303"/>
+        <p14:creationId xmlns:p14="http://schemas.microsoft.com/office/powerpoint/2010/main" val="4183807495"/>
       </p:ext>
     </p:extLst>
   </p:cSld>
@@ -4555,7 +4555,7 @@
               <a:pPr algn="ctr">
                 <a:defRPr/>
               </a:pPr>
-              <a:t>08.08.2024</a:t>
+              <a:t>26.08.2024</a:t>
             </a:fld>
             <a:endParaRPr lang="de-DE" sz="1000">
               <a:solidFill>
@@ -13622,6 +13622,10 @@
               <a:rPr lang="de-DE" dirty="0" err="1"/>
               <a:t>Artifacts</a:t>
             </a:r>
+            <a:r>
+              <a:rPr lang="de-DE" dirty="0"/>
+              <a:t> wiederverwenden</a:t>
+            </a:r>
             <a:br>
               <a:rPr lang="de-DE" dirty="0"/>
             </a:br>
@@ -16077,8 +16081,12 @@
               <a:rPr lang="de-DE" dirty="0"/>
             </a:br>
             <a:r>
+              <a:rPr lang="de-DE" dirty="0" err="1"/>
+              <a:t>Deployment</a:t>
+            </a:r>
+            <a:r>
               <a:rPr lang="de-DE" dirty="0"/>
-              <a:t>Einen Job hinzufügen und </a:t>
+              <a:t> von </a:t>
             </a:r>
             <a:r>
               <a:rPr lang="de-DE" dirty="0" err="1"/>
@@ -16086,7 +16094,7 @@
             </a:r>
             <a:r>
               <a:rPr lang="de-DE" dirty="0"/>
-              <a:t> verwenden und diese zu Deployen</a:t>
+              <a:t> simulieren</a:t>
             </a:r>
             <a:br>
               <a:rPr lang="de-DE" dirty="0"/>
@@ -16114,7 +16122,7 @@
             </a:pPr>
             <a:r>
               <a:rPr lang="de-DE" sz="2400" dirty="0"/>
-              <a:t>Füge eine deploy-Stage hinzu</a:t>
+              <a:t>Fügen Sie eine deploy-Stage hinzu</a:t>
             </a:r>
           </a:p>
           <a:p>
@@ -18842,7 +18850,7 @@
           <p:cNvPr id="2" name="Titel 1">
             <a:extLst>
               <a:ext uri="{FF2B5EF4-FFF2-40B4-BE49-F238E27FC236}">
-                <a16:creationId xmlns:a16="http://schemas.microsoft.com/office/drawing/2014/main" id="{3363B985-2812-BDBB-7E9D-A28D84AB06EF}"/>
+                <a16:creationId xmlns:a16="http://schemas.microsoft.com/office/drawing/2014/main" id="{74F61811-DDD3-CD36-300B-D3CAEEBD8E91}"/>
               </a:ext>
             </a:extLst>
           </p:cNvPr>
@@ -18867,10 +18875,10 @@
       </p:sp>
       <p:sp>
         <p:nvSpPr>
-          <p:cNvPr id="4" name="Inhaltsplatzhalter 2">
+          <p:cNvPr id="8" name="Inhaltsplatzhalter 2">
             <a:extLst>
               <a:ext uri="{FF2B5EF4-FFF2-40B4-BE49-F238E27FC236}">
-                <a16:creationId xmlns:a16="http://schemas.microsoft.com/office/drawing/2014/main" id="{FE26268B-C609-ACA5-B6B4-D8D23D94F991}"/>
+                <a16:creationId xmlns:a16="http://schemas.microsoft.com/office/drawing/2014/main" id="{3750ACE7-620C-13EC-C5A9-67889F051598}"/>
               </a:ext>
             </a:extLst>
           </p:cNvPr>
@@ -18896,7 +18904,76 @@
             </a:pPr>
             <a:r>
               <a:rPr lang="de-DE" b="1" dirty="0"/>
-              <a:t>Rules</a:t>
+              <a:t>Aufgabe 6: Bedingte Ausführung von Jobs</a:t>
+            </a:r>
+            <a:br>
+              <a:rPr lang="de-DE" b="1" dirty="0"/>
+            </a:br>
+            <a:endParaRPr lang="de-DE" dirty="0"/>
+          </a:p>
+          <a:p>
+            <a:pPr marL="457200" indent="-457200">
+              <a:buFont typeface="+mj-lt"/>
+              <a:buAutoNum type="arabicPeriod"/>
+            </a:pPr>
+            <a:r>
+              <a:rPr lang="de-DE" b="1" dirty="0"/>
+              <a:t>Ziel</a:t>
+            </a:r>
+            <a:r>
+              <a:rPr lang="de-DE" dirty="0"/>
+              <a:t>: </a:t>
+            </a:r>
+            <a:br>
+              <a:rPr lang="de-DE" dirty="0"/>
+            </a:br>
+            <a:r>
+              <a:rPr lang="de-DE" dirty="0"/>
+              <a:t>Jobs basierend auf </a:t>
+            </a:r>
+            <a:r>
+              <a:rPr lang="de-DE" dirty="0" err="1"/>
+              <a:t>Branches</a:t>
+            </a:r>
+            <a:r>
+              <a:rPr lang="de-DE" dirty="0"/>
+              <a:t> oder Tags nur bedingt ausführen.</a:t>
+            </a:r>
+            <a:br>
+              <a:rPr lang="de-DE" dirty="0"/>
+            </a:br>
+            <a:endParaRPr lang="de-DE" dirty="0"/>
+          </a:p>
+          <a:p>
+            <a:pPr marL="457200" indent="-457200">
+              <a:buFont typeface="+mj-lt"/>
+              <a:buAutoNum type="arabicPeriod"/>
+            </a:pPr>
+            <a:r>
+              <a:rPr lang="de-DE" b="1" dirty="0"/>
+              <a:t>Schritte</a:t>
+            </a:r>
+            <a:r>
+              <a:rPr lang="de-DE" dirty="0"/>
+              <a:t>:</a:t>
+            </a:r>
+          </a:p>
+          <a:p>
+            <a:pPr lvl="1">
+              <a:buFont typeface="Arial" panose="020B0604020202020204" pitchFamily="34" charset="0"/>
+              <a:buChar char="•"/>
+            </a:pPr>
+            <a:r>
+              <a:rPr lang="de-DE" sz="2400" dirty="0"/>
+              <a:t>Modifizieren Sie den </a:t>
+            </a:r>
+            <a:r>
+              <a:rPr lang="de-DE" sz="2400" dirty="0" err="1"/>
+              <a:t>deploy_job</a:t>
+            </a:r>
+            <a:r>
+              <a:rPr lang="de-DE" sz="2400" dirty="0"/>
+              <a:t>, um ihn nur auf dem main-Branch auszuführen</a:t>
             </a:r>
           </a:p>
           <a:p>
@@ -18904,171 +18981,14 @@
               <a:buFont typeface="Arial" panose="020B0604020202020204" pitchFamily="34" charset="0"/>
               <a:buChar char="•"/>
             </a:pPr>
-            <a:r>
-              <a:rPr lang="de-DE" dirty="0"/>
-              <a:t>Regeln zur Steuerung der Ausführung von Jobs in CI/CD-Pipelines</a:t>
-            </a:r>
-          </a:p>
-          <a:p>
-            <a:pPr>
-              <a:buFont typeface="Arial" panose="020B0604020202020204" pitchFamily="34" charset="0"/>
-              <a:buChar char="•"/>
-            </a:pPr>
-            <a:r>
-              <a:rPr lang="de-DE" dirty="0"/>
-              <a:t>Verwendung:</a:t>
-            </a:r>
-          </a:p>
-          <a:p>
-            <a:pPr lvl="1">
-              <a:buFont typeface="Arial" panose="020B0604020202020204" pitchFamily="34" charset="0"/>
-              <a:buChar char="•"/>
-            </a:pPr>
-            <a:r>
-              <a:rPr lang="de-DE" dirty="0"/>
-              <a:t>Konfiguration in .</a:t>
-            </a:r>
-            <a:r>
-              <a:rPr lang="de-DE" dirty="0" err="1"/>
-              <a:t>gitlab-ci.yml</a:t>
-            </a:r>
             <a:endParaRPr lang="de-DE" dirty="0"/>
-          </a:p>
-          <a:p>
-            <a:pPr lvl="1">
-              <a:buFont typeface="Arial" panose="020B0604020202020204" pitchFamily="34" charset="0"/>
-              <a:buChar char="•"/>
-            </a:pPr>
-            <a:r>
-              <a:rPr lang="de-DE" dirty="0"/>
-              <a:t>Ersetzt </a:t>
-            </a:r>
-            <a:r>
-              <a:rPr lang="de-DE" b="1" dirty="0" err="1"/>
-              <a:t>only</a:t>
-            </a:r>
-            <a:r>
-              <a:rPr lang="de-DE" dirty="0"/>
-              <a:t> und </a:t>
-            </a:r>
-            <a:r>
-              <a:rPr lang="de-DE" b="1" dirty="0" err="1"/>
-              <a:t>except</a:t>
-            </a:r>
-            <a:endParaRPr lang="de-DE" b="1" dirty="0"/>
-          </a:p>
-          <a:p>
-            <a:pPr>
-              <a:buFont typeface="Arial" panose="020B0604020202020204" pitchFamily="34" charset="0"/>
-              <a:buChar char="•"/>
-            </a:pPr>
-            <a:r>
-              <a:rPr lang="de-DE" dirty="0"/>
-              <a:t>Wichtige Schlüsselwörter</a:t>
-            </a:r>
-          </a:p>
-          <a:p>
-            <a:pPr lvl="1">
-              <a:buFont typeface="Arial" panose="020B0604020202020204" pitchFamily="34" charset="0"/>
-              <a:buChar char="•"/>
-            </a:pPr>
-            <a:r>
-              <a:rPr lang="de-DE" b="1" dirty="0" err="1"/>
-              <a:t>if</a:t>
-            </a:r>
-            <a:r>
-              <a:rPr lang="de-DE" dirty="0"/>
-              <a:t>: Bedingungen basierend auf Variablen oder Pipeline-Status</a:t>
-            </a:r>
-          </a:p>
-          <a:p>
-            <a:pPr lvl="1">
-              <a:buFont typeface="Arial" panose="020B0604020202020204" pitchFamily="34" charset="0"/>
-              <a:buChar char="•"/>
-            </a:pPr>
-            <a:r>
-              <a:rPr lang="de-DE" b="1" dirty="0" err="1"/>
-              <a:t>changes</a:t>
-            </a:r>
-            <a:r>
-              <a:rPr lang="de-DE" dirty="0"/>
-              <a:t>: Bedingungen basierend auf Dateiänderungen</a:t>
-            </a:r>
-          </a:p>
-          <a:p>
-            <a:pPr lvl="1">
-              <a:buFont typeface="Arial" panose="020B0604020202020204" pitchFamily="34" charset="0"/>
-              <a:buChar char="•"/>
-            </a:pPr>
-            <a:r>
-              <a:rPr lang="de-DE" b="1" dirty="0" err="1"/>
-              <a:t>exists</a:t>
-            </a:r>
-            <a:r>
-              <a:rPr lang="de-DE" dirty="0"/>
-              <a:t>: Bedingungen basierend auf dem Vorhandensein von Dateien</a:t>
-            </a:r>
-          </a:p>
-          <a:p>
-            <a:pPr lvl="1">
-              <a:buFont typeface="Arial" panose="020B0604020202020204" pitchFamily="34" charset="0"/>
-              <a:buChar char="•"/>
-            </a:pPr>
-            <a:r>
-              <a:rPr lang="de-DE" b="1" dirty="0" err="1"/>
-              <a:t>when</a:t>
-            </a:r>
-            <a:r>
-              <a:rPr lang="de-DE" dirty="0"/>
-              <a:t>: Bestimmt, wann ein Job ausgeführt wird (</a:t>
-            </a:r>
-            <a:r>
-              <a:rPr lang="de-DE" dirty="0" err="1"/>
-              <a:t>on_success</a:t>
-            </a:r>
-            <a:r>
-              <a:rPr lang="de-DE" dirty="0"/>
-              <a:t>, </a:t>
-            </a:r>
-            <a:r>
-              <a:rPr lang="de-DE" dirty="0" err="1"/>
-              <a:t>on_failure</a:t>
-            </a:r>
-            <a:r>
-              <a:rPr lang="de-DE" dirty="0"/>
-              <a:t>, </a:t>
-            </a:r>
-            <a:r>
-              <a:rPr lang="de-DE" dirty="0" err="1"/>
-              <a:t>always</a:t>
-            </a:r>
-            <a:r>
-              <a:rPr lang="de-DE" dirty="0"/>
-              <a:t>, </a:t>
-            </a:r>
-            <a:r>
-              <a:rPr lang="de-DE" dirty="0" err="1"/>
-              <a:t>manual</a:t>
-            </a:r>
-            <a:r>
-              <a:rPr lang="de-DE" dirty="0"/>
-              <a:t>, </a:t>
-            </a:r>
-            <a:r>
-              <a:rPr lang="de-DE" dirty="0" err="1"/>
-              <a:t>delayed</a:t>
-            </a:r>
-            <a:r>
-              <a:rPr lang="de-DE" dirty="0"/>
-              <a:t>)</a:t>
-            </a:r>
           </a:p>
         </p:txBody>
       </p:sp>
     </p:spTree>
     <p:extLst>
       <p:ext uri="{BB962C8B-B14F-4D97-AF65-F5344CB8AC3E}">
-        <p14:creationId xmlns:p14="http://schemas.microsoft.com/office/powerpoint/2010/main" val="3129826858"/>
+        <p14:creationId xmlns:p14="http://schemas.microsoft.com/office/powerpoint/2010/main" val="341555042"/>
       </p:ext>
     </p:extLst>
   </p:cSld>
@@ -19100,7 +19020,7 @@
           <p:cNvPr id="2" name="Titel 1">
             <a:extLst>
               <a:ext uri="{FF2B5EF4-FFF2-40B4-BE49-F238E27FC236}">
-                <a16:creationId xmlns:a16="http://schemas.microsoft.com/office/drawing/2014/main" id="{3363B985-2812-BDBB-7E9D-A28D84AB06EF}"/>
+                <a16:creationId xmlns:a16="http://schemas.microsoft.com/office/drawing/2014/main" id="{A2A2EB4E-4B87-3A94-66CB-0424D340A9D6}"/>
               </a:ext>
             </a:extLst>
           </p:cNvPr>
@@ -19125,10 +19045,10 @@
       </p:sp>
       <p:sp>
         <p:nvSpPr>
-          <p:cNvPr id="4" name="Inhaltsplatzhalter 2">
+          <p:cNvPr id="10" name="Inhaltsplatzhalter 2">
             <a:extLst>
               <a:ext uri="{FF2B5EF4-FFF2-40B4-BE49-F238E27FC236}">
-                <a16:creationId xmlns:a16="http://schemas.microsoft.com/office/drawing/2014/main" id="{FE26268B-C609-ACA5-B6B4-D8D23D94F991}"/>
+                <a16:creationId xmlns:a16="http://schemas.microsoft.com/office/drawing/2014/main" id="{F2E8AEA4-8F06-E96C-F551-3CA6B4EF1E8C}"/>
               </a:ext>
             </a:extLst>
           </p:cNvPr>
@@ -19154,17 +19074,35 @@
             </a:pPr>
             <a:r>
               <a:rPr lang="de-DE" b="1" dirty="0"/>
-              <a:t>Rules</a:t>
-            </a:r>
+              <a:t>Aufgabe 6: Bedingte Ausführung von Jobs</a:t>
+            </a:r>
+            <a:endParaRPr lang="de-DE" dirty="0"/>
+          </a:p>
+          <a:p>
+            <a:pPr>
+              <a:buFont typeface="Arial" panose="020B0604020202020204" pitchFamily="34" charset="0"/>
+              <a:buChar char="•"/>
+            </a:pPr>
+            <a:r>
+              <a:rPr lang="de-DE" dirty="0"/>
+              <a:t>Mögliche Lösung:</a:t>
+            </a:r>
+          </a:p>
+          <a:p>
+            <a:pPr lvl="1">
+              <a:buFont typeface="Arial" panose="020B0604020202020204" pitchFamily="34" charset="0"/>
+              <a:buChar char="•"/>
+            </a:pPr>
+            <a:endParaRPr lang="de-DE" dirty="0"/>
           </a:p>
         </p:txBody>
       </p:sp>
       <p:sp>
         <p:nvSpPr>
-          <p:cNvPr id="5" name="Textfeld 4">
+          <p:cNvPr id="14" name="Textfeld 13">
             <a:extLst>
               <a:ext uri="{FF2B5EF4-FFF2-40B4-BE49-F238E27FC236}">
-                <a16:creationId xmlns:a16="http://schemas.microsoft.com/office/drawing/2014/main" id="{5BE24E27-5B7B-6348-7004-DF7AF55D9307}"/>
+                <a16:creationId xmlns:a16="http://schemas.microsoft.com/office/drawing/2014/main" id="{25DB68D3-B1CF-991D-D74F-7392734A154E}"/>
               </a:ext>
             </a:extLst>
           </p:cNvPr>
@@ -19173,8 +19111,8 @@
         </p:nvSpPr>
         <p:spPr bwMode="auto">
           <a:xfrm>
-            <a:off x="323850" y="1628800"/>
-            <a:ext cx="8820149" cy="3785652"/>
+            <a:off x="1619672" y="1919553"/>
+            <a:ext cx="6529588" cy="4247317"/>
           </a:xfrm>
           <a:prstGeom prst="rect">
             <a:avLst/>
@@ -19188,26 +19126,73 @@
           </a:ln>
         </p:spPr>
         <p:txBody>
-          <a:bodyPr wrap="square">
+          <a:bodyPr wrap="square" lIns="91440" tIns="45720" rIns="91440" bIns="45720" anchor="t">
             <a:spAutoFit/>
           </a:bodyPr>
           <a:lstStyle/>
           <a:p>
             <a:r>
-              <a:rPr lang="en-US" b="0" dirty="0">
+              <a:rPr lang="de-DE" sz="900" dirty="0">
                 <a:solidFill>
                   <a:srgbClr val="800000"/>
                 </a:solidFill>
-                <a:effectLst/>
-                <a:highlight>
-                  <a:srgbClr val="FFFFFF"/>
-                </a:highlight>
-                <a:latin typeface="Consolas" panose="020B0609020204030204" pitchFamily="49" charset="0"/>
+                <a:highlight>
+                  <a:srgbClr val="FFFFFF"/>
+                </a:highlight>
+                <a:latin typeface="Consolas"/>
+                <a:cs typeface="Times New Roman"/>
+              </a:rPr>
+              <a:t>variables:</a:t>
+            </a:r>
+            <a:endParaRPr lang="de-DE" sz="900" dirty="0">
+              <a:latin typeface="Consolas"/>
+            </a:endParaRPr>
+          </a:p>
+          <a:p>
+            <a:r>
+              <a:rPr lang="de-DE" sz="900" dirty="0">
+                <a:solidFill>
+                  <a:srgbClr val="800000"/>
+                </a:solidFill>
+                <a:highlight>
+                  <a:srgbClr val="FFFFFF"/>
+                </a:highlight>
+                <a:latin typeface="Consolas"/>
+                <a:cs typeface="Times New Roman"/>
+              </a:rPr>
+              <a:t>  DUMMY_FILE: "dummy_file.txt"</a:t>
+            </a:r>
+            <a:endParaRPr lang="de-DE" sz="900" dirty="0">
+              <a:latin typeface="Consolas"/>
+            </a:endParaRPr>
+          </a:p>
+          <a:p>
+            <a:endParaRPr lang="de-DE" sz="900" dirty="0">
+              <a:solidFill>
+                <a:srgbClr val="800000"/>
+              </a:solidFill>
+              <a:highlight>
+                <a:srgbClr val="FFFFFF"/>
+              </a:highlight>
+              <a:latin typeface="Consolas"/>
+            </a:endParaRPr>
+          </a:p>
+          <a:p>
+            <a:r>
+              <a:rPr lang="de-DE" sz="900" b="0" err="1">
+                <a:solidFill>
+                  <a:srgbClr val="800000"/>
+                </a:solidFill>
+                <a:effectLst/>
+                <a:highlight>
+                  <a:srgbClr val="FFFFFF"/>
+                </a:highlight>
+                <a:latin typeface="Consolas"/>
               </a:rPr>
               <a:t>stages</a:t>
             </a:r>
             <a:r>
-              <a:rPr lang="en-US" b="0" dirty="0">
+              <a:rPr lang="de-DE" sz="900" b="0" dirty="0">
                 <a:solidFill>
                   <a:srgbClr val="3B3B3B"/>
                 </a:solidFill>
@@ -19215,14 +19200,17 @@
                 <a:highlight>
                   <a:srgbClr val="FFFFFF"/>
                 </a:highlight>
-                <a:latin typeface="Consolas" panose="020B0609020204030204" pitchFamily="49" charset="0"/>
+                <a:latin typeface="Consolas"/>
               </a:rPr>
               <a:t>:</a:t>
             </a:r>
-          </a:p>
-          <a:p>
-            <a:r>
-              <a:rPr lang="en-US" b="0" dirty="0">
+            <a:endParaRPr lang="de-DE" sz="900">
+              <a:cs typeface="Times New Roman"/>
+            </a:endParaRPr>
+          </a:p>
+          <a:p>
+            <a:r>
+              <a:rPr lang="de-DE" sz="900" b="0" dirty="0">
                 <a:solidFill>
                   <a:srgbClr val="3B3B3B"/>
                 </a:solidFill>
@@ -19230,12 +19218,12 @@
                 <a:highlight>
                   <a:srgbClr val="FFFFFF"/>
                 </a:highlight>
-                <a:latin typeface="Consolas" panose="020B0609020204030204" pitchFamily="49" charset="0"/>
+                <a:latin typeface="Consolas"/>
               </a:rPr>
               <a:t>  - </a:t>
             </a:r>
             <a:r>
-              <a:rPr lang="en-US" b="0" dirty="0">
+              <a:rPr lang="de-DE" sz="900" b="0" err="1">
                 <a:solidFill>
                   <a:srgbClr val="0000FF"/>
                 </a:solidFill>
@@ -19243,11 +19231,11 @@
                 <a:highlight>
                   <a:srgbClr val="FFFFFF"/>
                 </a:highlight>
-                <a:latin typeface="Consolas" panose="020B0609020204030204" pitchFamily="49" charset="0"/>
-              </a:rPr>
-              <a:t>deploy</a:t>
-            </a:r>
-            <a:endParaRPr lang="en-US" b="0" dirty="0">
+                <a:latin typeface="Consolas"/>
+              </a:rPr>
+              <a:t>build</a:t>
+            </a:r>
+            <a:endParaRPr lang="de-DE" sz="900" b="0">
               <a:solidFill>
                 <a:srgbClr val="3B3B3B"/>
               </a:solidFill>
@@ -19255,12 +19243,12 @@
               <a:highlight>
                 <a:srgbClr val="FFFFFF"/>
               </a:highlight>
-              <a:latin typeface="Consolas" panose="020B0609020204030204" pitchFamily="49" charset="0"/>
+              <a:latin typeface="Consolas"/>
             </a:endParaRPr>
           </a:p>
           <a:p>
-            <a:br>
-              <a:rPr lang="en-US" b="0" dirty="0">
+            <a:r>
+              <a:rPr lang="de-DE" sz="900" b="0" dirty="0">
                 <a:solidFill>
                   <a:srgbClr val="3B3B3B"/>
                 </a:solidFill>
@@ -19268,78 +19256,12 @@
                 <a:highlight>
                   <a:srgbClr val="FFFFFF"/>
                 </a:highlight>
-                <a:latin typeface="Consolas" panose="020B0609020204030204" pitchFamily="49" charset="0"/>
-              </a:rPr>
-            </a:br>
-            <a:r>
-              <a:rPr lang="en-US" b="0" dirty="0">
-                <a:solidFill>
-                  <a:srgbClr val="800000"/>
-                </a:solidFill>
-                <a:effectLst/>
-                <a:highlight>
-                  <a:srgbClr val="FFFFFF"/>
-                </a:highlight>
-                <a:latin typeface="Consolas" panose="020B0609020204030204" pitchFamily="49" charset="0"/>
-              </a:rPr>
-              <a:t>deploy-prod</a:t>
-            </a:r>
-            <a:r>
-              <a:rPr lang="en-US" b="0" dirty="0">
-                <a:solidFill>
-                  <a:srgbClr val="3B3B3B"/>
-                </a:solidFill>
-                <a:effectLst/>
-                <a:highlight>
-                  <a:srgbClr val="FFFFFF"/>
-                </a:highlight>
-                <a:latin typeface="Consolas" panose="020B0609020204030204" pitchFamily="49" charset="0"/>
-              </a:rPr>
-              <a:t>:</a:t>
-            </a:r>
-          </a:p>
-          <a:p>
-            <a:r>
-              <a:rPr lang="en-US" b="0" dirty="0">
-                <a:solidFill>
-                  <a:srgbClr val="3B3B3B"/>
-                </a:solidFill>
-                <a:effectLst/>
-                <a:highlight>
-                  <a:srgbClr val="FFFFFF"/>
-                </a:highlight>
-                <a:latin typeface="Consolas" panose="020B0609020204030204" pitchFamily="49" charset="0"/>
-              </a:rPr>
-              <a:t>  </a:t>
-            </a:r>
-            <a:r>
-              <a:rPr lang="en-US" b="0" dirty="0">
-                <a:solidFill>
-                  <a:srgbClr val="800000"/>
-                </a:solidFill>
-                <a:effectLst/>
-                <a:highlight>
-                  <a:srgbClr val="FFFFFF"/>
-                </a:highlight>
-                <a:latin typeface="Consolas" panose="020B0609020204030204" pitchFamily="49" charset="0"/>
-              </a:rPr>
-              <a:t>stage</a:t>
-            </a:r>
-            <a:r>
-              <a:rPr lang="en-US" b="0" dirty="0">
-                <a:solidFill>
-                  <a:srgbClr val="3B3B3B"/>
-                </a:solidFill>
-                <a:effectLst/>
-                <a:highlight>
-                  <a:srgbClr val="FFFFFF"/>
-                </a:highlight>
-                <a:latin typeface="Consolas" panose="020B0609020204030204" pitchFamily="49" charset="0"/>
-              </a:rPr>
-              <a:t>: </a:t>
-            </a:r>
-            <a:r>
-              <a:rPr lang="en-US" b="0" dirty="0">
+                <a:latin typeface="Consolas"/>
+              </a:rPr>
+              <a:t>  - </a:t>
+            </a:r>
+            <a:r>
+              <a:rPr lang="de-DE" sz="900" b="0" err="1">
                 <a:solidFill>
                   <a:srgbClr val="0000FF"/>
                 </a:solidFill>
@@ -19347,11 +19269,11 @@
                 <a:highlight>
                   <a:srgbClr val="FFFFFF"/>
                 </a:highlight>
-                <a:latin typeface="Consolas" panose="020B0609020204030204" pitchFamily="49" charset="0"/>
-              </a:rPr>
-              <a:t>deploy</a:t>
-            </a:r>
-            <a:endParaRPr lang="en-US" b="0" dirty="0">
+                <a:latin typeface="Consolas"/>
+              </a:rPr>
+              <a:t>test</a:t>
+            </a:r>
+            <a:endParaRPr lang="de-DE" sz="900" b="0">
               <a:solidFill>
                 <a:srgbClr val="3B3B3B"/>
               </a:solidFill>
@@ -19359,12 +19281,12 @@
               <a:highlight>
                 <a:srgbClr val="FFFFFF"/>
               </a:highlight>
-              <a:latin typeface="Consolas" panose="020B0609020204030204" pitchFamily="49" charset="0"/>
+              <a:latin typeface="Consolas"/>
             </a:endParaRPr>
           </a:p>
           <a:p>
             <a:r>
-              <a:rPr lang="en-US" b="0" dirty="0">
+              <a:rPr lang="de-DE" sz="900" b="0" dirty="0">
                 <a:solidFill>
                   <a:srgbClr val="3B3B3B"/>
                 </a:solidFill>
@@ -19372,53 +19294,12 @@
                 <a:highlight>
                   <a:srgbClr val="FFFFFF"/>
                 </a:highlight>
-                <a:latin typeface="Consolas" panose="020B0609020204030204" pitchFamily="49" charset="0"/>
-              </a:rPr>
-              <a:t>  </a:t>
-            </a:r>
-            <a:r>
-              <a:rPr lang="en-US" b="0" dirty="0">
-                <a:solidFill>
-                  <a:srgbClr val="800000"/>
-                </a:solidFill>
-                <a:effectLst/>
-                <a:highlight>
-                  <a:srgbClr val="FFFFFF"/>
-                </a:highlight>
-                <a:latin typeface="Consolas" panose="020B0609020204030204" pitchFamily="49" charset="0"/>
-              </a:rPr>
-              <a:t>script</a:t>
-            </a:r>
-            <a:r>
-              <a:rPr lang="en-US" b="0" dirty="0">
-                <a:solidFill>
-                  <a:srgbClr val="3B3B3B"/>
-                </a:solidFill>
-                <a:effectLst/>
-                <a:highlight>
-                  <a:srgbClr val="FFFFFF"/>
-                </a:highlight>
-                <a:latin typeface="Consolas" panose="020B0609020204030204" pitchFamily="49" charset="0"/>
-              </a:rPr>
-              <a:t>:</a:t>
-            </a:r>
-          </a:p>
-          <a:p>
-            <a:r>
-              <a:rPr lang="en-US" b="0" dirty="0">
-                <a:solidFill>
-                  <a:srgbClr val="3B3B3B"/>
-                </a:solidFill>
-                <a:effectLst/>
-                <a:highlight>
-                  <a:srgbClr val="FFFFFF"/>
-                </a:highlight>
-                <a:latin typeface="Consolas" panose="020B0609020204030204" pitchFamily="49" charset="0"/>
-              </a:rPr>
-              <a:t>    - </a:t>
-            </a:r>
-            <a:r>
-              <a:rPr lang="en-US" b="0" dirty="0">
+                <a:latin typeface="Consolas"/>
+              </a:rPr>
+              <a:t>  - </a:t>
+            </a:r>
+            <a:r>
+              <a:rPr lang="de-DE" sz="900" b="0" dirty="0">
                 <a:solidFill>
                   <a:srgbClr val="0000FF"/>
                 </a:solidFill>
@@ -19426,11 +19307,11 @@
                 <a:highlight>
                   <a:srgbClr val="FFFFFF"/>
                 </a:highlight>
-                <a:latin typeface="Consolas" panose="020B0609020204030204" pitchFamily="49" charset="0"/>
-              </a:rPr>
-              <a:t>echo "Deploy to production server"</a:t>
-            </a:r>
-            <a:endParaRPr lang="en-US" b="0" dirty="0">
+                <a:latin typeface="Consolas"/>
+              </a:rPr>
+              <a:t>deploy</a:t>
+            </a:r>
+            <a:endParaRPr lang="de-DE" sz="900" b="0" dirty="0">
               <a:solidFill>
                 <a:srgbClr val="3B3B3B"/>
               </a:solidFill>
@@ -19438,12 +19319,34 @@
               <a:highlight>
                 <a:srgbClr val="FFFFFF"/>
               </a:highlight>
-              <a:latin typeface="Consolas" panose="020B0609020204030204" pitchFamily="49" charset="0"/>
+              <a:latin typeface="Consolas"/>
             </a:endParaRPr>
           </a:p>
           <a:p>
-            <a:r>
-              <a:rPr lang="en-US" b="0" dirty="0">
+            <a:br>
+              <a:rPr lang="de-DE" sz="900" b="0" dirty="0">
+                <a:effectLst/>
+                <a:highlight>
+                  <a:srgbClr val="FFFFFF"/>
+                </a:highlight>
+                <a:latin typeface="Consolas" panose="020B0609020204030204" pitchFamily="49" charset="0"/>
+              </a:rPr>
+            </a:br>
+            <a:r>
+              <a:rPr lang="de-DE" sz="900" b="0" err="1">
+                <a:solidFill>
+                  <a:srgbClr val="800000"/>
+                </a:solidFill>
+                <a:effectLst/>
+                <a:highlight>
+                  <a:srgbClr val="FFFFFF"/>
+                </a:highlight>
+                <a:latin typeface="Consolas"/>
+              </a:rPr>
+              <a:t>build_job</a:t>
+            </a:r>
+            <a:r>
+              <a:rPr lang="de-DE" sz="900" b="0" dirty="0">
                 <a:solidFill>
                   <a:srgbClr val="3B3B3B"/>
                 </a:solidFill>
@@ -19451,12 +19354,27 @@
                 <a:highlight>
                   <a:srgbClr val="FFFFFF"/>
                 </a:highlight>
-                <a:latin typeface="Consolas" panose="020B0609020204030204" pitchFamily="49" charset="0"/>
+                <a:latin typeface="Consolas"/>
+              </a:rPr>
+              <a:t>:</a:t>
+            </a:r>
+          </a:p>
+          <a:p>
+            <a:r>
+              <a:rPr lang="de-DE" sz="900" b="0" dirty="0">
+                <a:solidFill>
+                  <a:srgbClr val="3B3B3B"/>
+                </a:solidFill>
+                <a:effectLst/>
+                <a:highlight>
+                  <a:srgbClr val="FFFFFF"/>
+                </a:highlight>
+                <a:latin typeface="Consolas"/>
               </a:rPr>
               <a:t>  </a:t>
             </a:r>
             <a:r>
-              <a:rPr lang="en-US" b="0" dirty="0">
+              <a:rPr lang="de-DE" sz="900" b="0" err="1">
                 <a:solidFill>
                   <a:srgbClr val="800000"/>
                 </a:solidFill>
@@ -19464,12 +19382,12 @@
                 <a:highlight>
                   <a:srgbClr val="FFFFFF"/>
                 </a:highlight>
-                <a:latin typeface="Consolas" panose="020B0609020204030204" pitchFamily="49" charset="0"/>
-              </a:rPr>
-              <a:t>when</a:t>
-            </a:r>
-            <a:r>
-              <a:rPr lang="en-US" b="0" dirty="0">
+                <a:latin typeface="Consolas"/>
+              </a:rPr>
+              <a:t>stage</a:t>
+            </a:r>
+            <a:r>
+              <a:rPr lang="de-DE" sz="900" b="0" dirty="0">
                 <a:solidFill>
                   <a:srgbClr val="3B3B3B"/>
                 </a:solidFill>
@@ -19477,12 +19395,12 @@
                 <a:highlight>
                   <a:srgbClr val="FFFFFF"/>
                 </a:highlight>
-                <a:latin typeface="Consolas" panose="020B0609020204030204" pitchFamily="49" charset="0"/>
+                <a:latin typeface="Consolas"/>
               </a:rPr>
               <a:t>: </a:t>
             </a:r>
             <a:r>
-              <a:rPr lang="en-US" b="0" dirty="0">
+              <a:rPr lang="de-DE" sz="900" b="0" err="1">
                 <a:solidFill>
                   <a:srgbClr val="0000FF"/>
                 </a:solidFill>
@@ -19490,11 +19408,11 @@
                 <a:highlight>
                   <a:srgbClr val="FFFFFF"/>
                 </a:highlight>
-                <a:latin typeface="Consolas" panose="020B0609020204030204" pitchFamily="49" charset="0"/>
-              </a:rPr>
-              <a:t>manual</a:t>
-            </a:r>
-            <a:endParaRPr lang="en-US" b="0" dirty="0">
+                <a:latin typeface="Consolas"/>
+              </a:rPr>
+              <a:t>build</a:t>
+            </a:r>
+            <a:endParaRPr lang="de-DE" sz="900" b="0">
               <a:solidFill>
                 <a:srgbClr val="3B3B3B"/>
               </a:solidFill>
@@ -19502,12 +19420,12 @@
               <a:highlight>
                 <a:srgbClr val="FFFFFF"/>
               </a:highlight>
-              <a:latin typeface="Consolas" panose="020B0609020204030204" pitchFamily="49" charset="0"/>
+              <a:latin typeface="Consolas"/>
             </a:endParaRPr>
           </a:p>
           <a:p>
             <a:r>
-              <a:rPr lang="en-US" b="0" dirty="0">
+              <a:rPr lang="de-DE" sz="900" b="0" dirty="0">
                 <a:solidFill>
                   <a:srgbClr val="3B3B3B"/>
                 </a:solidFill>
@@ -19515,12 +19433,12 @@
                 <a:highlight>
                   <a:srgbClr val="FFFFFF"/>
                 </a:highlight>
-                <a:latin typeface="Consolas" panose="020B0609020204030204" pitchFamily="49" charset="0"/>
+                <a:latin typeface="Consolas"/>
               </a:rPr>
               <a:t>  </a:t>
             </a:r>
             <a:r>
-              <a:rPr lang="en-US" b="0" dirty="0">
+              <a:rPr lang="de-DE" sz="900" b="0" err="1">
                 <a:solidFill>
                   <a:srgbClr val="800000"/>
                 </a:solidFill>
@@ -19528,12 +19446,12 @@
                 <a:highlight>
                   <a:srgbClr val="FFFFFF"/>
                 </a:highlight>
-                <a:latin typeface="Consolas" panose="020B0609020204030204" pitchFamily="49" charset="0"/>
-              </a:rPr>
-              <a:t>rules</a:t>
-            </a:r>
-            <a:r>
-              <a:rPr lang="en-US" b="0" dirty="0">
+                <a:latin typeface="Consolas"/>
+              </a:rPr>
+              <a:t>script</a:t>
+            </a:r>
+            <a:r>
+              <a:rPr lang="de-DE" sz="900" b="0" dirty="0">
                 <a:solidFill>
                   <a:srgbClr val="3B3B3B"/>
                 </a:solidFill>
@@ -19541,14 +19459,14 @@
                 <a:highlight>
                   <a:srgbClr val="FFFFFF"/>
                 </a:highlight>
-                <a:latin typeface="Consolas" panose="020B0609020204030204" pitchFamily="49" charset="0"/>
+                <a:latin typeface="Consolas"/>
               </a:rPr>
               <a:t>:</a:t>
             </a:r>
           </a:p>
           <a:p>
             <a:r>
-              <a:rPr lang="en-US" b="0" dirty="0">
+              <a:rPr lang="de-DE" sz="900" b="0" dirty="0">
                 <a:solidFill>
                   <a:srgbClr val="3B3B3B"/>
                 </a:solidFill>
@@ -19556,38 +19474,12 @@
                 <a:highlight>
                   <a:srgbClr val="FFFFFF"/>
                 </a:highlight>
-                <a:latin typeface="Consolas" panose="020B0609020204030204" pitchFamily="49" charset="0"/>
+                <a:latin typeface="Consolas"/>
               </a:rPr>
               <a:t>    - </a:t>
             </a:r>
             <a:r>
-              <a:rPr lang="en-US" b="0" dirty="0">
-                <a:solidFill>
-                  <a:srgbClr val="800000"/>
-                </a:solidFill>
-                <a:effectLst/>
-                <a:highlight>
-                  <a:srgbClr val="FFFFFF"/>
-                </a:highlight>
-                <a:latin typeface="Consolas" panose="020B0609020204030204" pitchFamily="49" charset="0"/>
-              </a:rPr>
-              <a:t>if</a:t>
-            </a:r>
-            <a:r>
-              <a:rPr lang="en-US" b="0" dirty="0">
-                <a:solidFill>
-                  <a:srgbClr val="3B3B3B"/>
-                </a:solidFill>
-                <a:effectLst/>
-                <a:highlight>
-                  <a:srgbClr val="FFFFFF"/>
-                </a:highlight>
-                <a:latin typeface="Consolas" panose="020B0609020204030204" pitchFamily="49" charset="0"/>
-              </a:rPr>
-              <a:t>: </a:t>
-            </a:r>
-            <a:r>
-              <a:rPr lang="en-US" b="0" dirty="0">
+              <a:rPr lang="de-DE" sz="900" b="0" dirty="0">
                 <a:solidFill>
                   <a:srgbClr val="0000FF"/>
                 </a:solidFill>
@@ -19595,11 +19487,63 @@
                 <a:highlight>
                   <a:srgbClr val="FFFFFF"/>
                 </a:highlight>
-                <a:latin typeface="Consolas" panose="020B0609020204030204" pitchFamily="49" charset="0"/>
-              </a:rPr>
-              <a:t>$CI_COMMIT_BRANCH == $CI_DEFAULT_BRANCH</a:t>
-            </a:r>
-            <a:endParaRPr lang="en-US" b="0" dirty="0">
+                <a:latin typeface="Consolas"/>
+              </a:rPr>
+              <a:t>echo "Building </a:t>
+            </a:r>
+            <a:r>
+              <a:rPr lang="de-DE" sz="900" b="0" err="1">
+                <a:solidFill>
+                  <a:srgbClr val="0000FF"/>
+                </a:solidFill>
+                <a:effectLst/>
+                <a:highlight>
+                  <a:srgbClr val="FFFFFF"/>
+                </a:highlight>
+                <a:latin typeface="Consolas"/>
+              </a:rPr>
+              <a:t>the</a:t>
+            </a:r>
+            <a:r>
+              <a:rPr lang="de-DE" sz="900" b="0" dirty="0">
+                <a:solidFill>
+                  <a:srgbClr val="0000FF"/>
+                </a:solidFill>
+                <a:effectLst/>
+                <a:highlight>
+                  <a:srgbClr val="FFFFFF"/>
+                </a:highlight>
+                <a:latin typeface="Consolas"/>
+              </a:rPr>
+              <a:t> </a:t>
+            </a:r>
+            <a:r>
+              <a:rPr lang="de-DE" sz="900" b="0" err="1">
+                <a:solidFill>
+                  <a:srgbClr val="0000FF"/>
+                </a:solidFill>
+                <a:effectLst/>
+                <a:highlight>
+                  <a:srgbClr val="FFFFFF"/>
+                </a:highlight>
+                <a:latin typeface="Consolas"/>
+              </a:rPr>
+              <a:t>project</a:t>
+            </a:r>
+            <a:r>
+              <a:rPr lang="de-DE" sz="900" b="0" dirty="0">
+                <a:solidFill>
+                  <a:srgbClr val="0000FF"/>
+                </a:solidFill>
+                <a:effectLst/>
+                <a:highlight>
+                  <a:srgbClr val="FFFFFF"/>
+                </a:highlight>
+                <a:latin typeface="Consolas"/>
+              </a:rPr>
+              <a:t>..."</a:t>
+            </a:r>
+            <a:endParaRPr lang="de-DE" sz="900" b="0" dirty="0">
               <a:solidFill>
                 <a:srgbClr val="3B3B3B"/>
               </a:solidFill>
@@ -19607,7 +19551,996 @@
               <a:highlight>
                 <a:srgbClr val="FFFFFF"/>
               </a:highlight>
+              <a:latin typeface="Consolas"/>
+            </a:endParaRPr>
+          </a:p>
+          <a:p>
+            <a:r>
+              <a:rPr lang="de-DE" sz="900" b="0" dirty="0">
+                <a:solidFill>
+                  <a:srgbClr val="3B3B3B"/>
+                </a:solidFill>
+                <a:effectLst/>
+                <a:highlight>
+                  <a:srgbClr val="FFFFFF"/>
+                </a:highlight>
+                <a:latin typeface="Consolas"/>
+              </a:rPr>
+              <a:t>    - </a:t>
+            </a:r>
+            <a:r>
+              <a:rPr lang="de-DE" sz="900" b="0" err="1">
+                <a:solidFill>
+                  <a:srgbClr val="0000FF"/>
+                </a:solidFill>
+                <a:effectLst/>
+                <a:highlight>
+                  <a:srgbClr val="FFFFFF"/>
+                </a:highlight>
+                <a:latin typeface="Consolas"/>
+              </a:rPr>
+              <a:t>touch</a:t>
+            </a:r>
+            <a:r>
+              <a:rPr lang="de-DE" sz="900" b="0" dirty="0">
+                <a:solidFill>
+                  <a:srgbClr val="0000FF"/>
+                </a:solidFill>
+                <a:effectLst/>
+                <a:highlight>
+                  <a:srgbClr val="FFFFFF"/>
+                </a:highlight>
+                <a:latin typeface="Consolas"/>
+              </a:rPr>
+              <a:t> </a:t>
+            </a:r>
+            <a:r>
+              <a:rPr lang="de-DE" sz="900" dirty="0">
+                <a:solidFill>
+                  <a:srgbClr val="0000FF"/>
+                </a:solidFill>
+                <a:highlight>
+                  <a:srgbClr val="FFFFFF"/>
+                </a:highlight>
+                <a:latin typeface="Consolas"/>
+                <a:cs typeface="Times New Roman"/>
+              </a:rPr>
+              <a:t>$DUMMY</a:t>
+            </a:r>
+            <a:r>
+              <a:rPr lang="de-DE" sz="900" b="0" dirty="0">
+                <a:solidFill>
+                  <a:srgbClr val="0000FF"/>
+                </a:solidFill>
+                <a:effectLst/>
+                <a:highlight>
+                  <a:srgbClr val="FFFFFF"/>
+                </a:highlight>
+                <a:latin typeface="Consolas"/>
+                <a:cs typeface="Times New Roman"/>
+              </a:rPr>
+              <a:t>_</a:t>
+            </a:r>
+            <a:r>
+              <a:rPr lang="de-DE" sz="900" dirty="0">
+                <a:solidFill>
+                  <a:srgbClr val="0000FF"/>
+                </a:solidFill>
+                <a:highlight>
+                  <a:srgbClr val="FFFFFF"/>
+                </a:highlight>
+                <a:latin typeface="Consolas"/>
+                <a:cs typeface="Times New Roman"/>
+              </a:rPr>
+              <a:t>FILE</a:t>
+            </a:r>
+            <a:endParaRPr lang="de-DE" sz="900" dirty="0">
+              <a:solidFill>
+                <a:srgbClr val="3B3B3B"/>
+              </a:solidFill>
+              <a:highlight>
+                <a:srgbClr val="FFFFFF"/>
+              </a:highlight>
               <a:latin typeface="Consolas" panose="020B0609020204030204" pitchFamily="49" charset="0"/>
+              <a:cs typeface="Times New Roman"/>
+            </a:endParaRPr>
+          </a:p>
+          <a:p>
+            <a:r>
+              <a:rPr lang="de-DE" sz="900" b="0" dirty="0">
+                <a:solidFill>
+                  <a:srgbClr val="3B3B3B"/>
+                </a:solidFill>
+                <a:effectLst/>
+                <a:highlight>
+                  <a:srgbClr val="FFFFFF"/>
+                </a:highlight>
+                <a:latin typeface="Consolas"/>
+              </a:rPr>
+              <a:t>  </a:t>
+            </a:r>
+            <a:r>
+              <a:rPr lang="de-DE" sz="900" b="0" err="1">
+                <a:solidFill>
+                  <a:srgbClr val="800000"/>
+                </a:solidFill>
+                <a:effectLst/>
+                <a:highlight>
+                  <a:srgbClr val="FFFFFF"/>
+                </a:highlight>
+                <a:latin typeface="Consolas"/>
+              </a:rPr>
+              <a:t>artifacts</a:t>
+            </a:r>
+            <a:r>
+              <a:rPr lang="de-DE" sz="900" b="0" dirty="0">
+                <a:solidFill>
+                  <a:srgbClr val="3B3B3B"/>
+                </a:solidFill>
+                <a:effectLst/>
+                <a:highlight>
+                  <a:srgbClr val="FFFFFF"/>
+                </a:highlight>
+                <a:latin typeface="Consolas"/>
+              </a:rPr>
+              <a:t>:</a:t>
+            </a:r>
+          </a:p>
+          <a:p>
+            <a:r>
+              <a:rPr lang="de-DE" sz="900" b="0" dirty="0">
+                <a:solidFill>
+                  <a:srgbClr val="3B3B3B"/>
+                </a:solidFill>
+                <a:effectLst/>
+                <a:highlight>
+                  <a:srgbClr val="FFFFFF"/>
+                </a:highlight>
+                <a:latin typeface="Consolas"/>
+              </a:rPr>
+              <a:t>    </a:t>
+            </a:r>
+            <a:r>
+              <a:rPr lang="de-DE" sz="900" b="0" err="1">
+                <a:solidFill>
+                  <a:srgbClr val="800000"/>
+                </a:solidFill>
+                <a:effectLst/>
+                <a:highlight>
+                  <a:srgbClr val="FFFFFF"/>
+                </a:highlight>
+                <a:latin typeface="Consolas"/>
+              </a:rPr>
+              <a:t>paths</a:t>
+            </a:r>
+            <a:r>
+              <a:rPr lang="de-DE" sz="900" b="0" dirty="0">
+                <a:solidFill>
+                  <a:srgbClr val="3B3B3B"/>
+                </a:solidFill>
+                <a:effectLst/>
+                <a:highlight>
+                  <a:srgbClr val="FFFFFF"/>
+                </a:highlight>
+                <a:latin typeface="Consolas"/>
+              </a:rPr>
+              <a:t>:</a:t>
+            </a:r>
+          </a:p>
+          <a:p>
+            <a:r>
+              <a:rPr lang="de-DE" sz="900" b="0" dirty="0">
+                <a:solidFill>
+                  <a:srgbClr val="3B3B3B"/>
+                </a:solidFill>
+                <a:effectLst/>
+                <a:highlight>
+                  <a:srgbClr val="FFFFFF"/>
+                </a:highlight>
+                <a:latin typeface="Consolas"/>
+              </a:rPr>
+              <a:t>      - </a:t>
+            </a:r>
+            <a:r>
+              <a:rPr lang="de-DE" sz="900" dirty="0">
+                <a:solidFill>
+                  <a:srgbClr val="0000FF"/>
+                </a:solidFill>
+                <a:highlight>
+                  <a:srgbClr val="FFFFFF"/>
+                </a:highlight>
+                <a:latin typeface="Consolas"/>
+                <a:cs typeface="Times New Roman"/>
+              </a:rPr>
+              <a:t>$DUMMY_FILE</a:t>
+            </a:r>
+            <a:endParaRPr lang="de-DE" sz="900" b="0" dirty="0">
+              <a:solidFill>
+                <a:srgbClr val="0000FF"/>
+              </a:solidFill>
+              <a:effectLst/>
+              <a:highlight>
+                <a:srgbClr val="FFFFFF"/>
+              </a:highlight>
+              <a:latin typeface="Consolas"/>
+              <a:cs typeface="Times New Roman"/>
+            </a:endParaRPr>
+          </a:p>
+          <a:p>
+            <a:br>
+              <a:rPr lang="de-DE" sz="900" b="0" dirty="0">
+                <a:effectLst/>
+                <a:highlight>
+                  <a:srgbClr val="FFFFFF"/>
+                </a:highlight>
+                <a:latin typeface="Consolas" panose="020B0609020204030204" pitchFamily="49" charset="0"/>
+              </a:rPr>
+            </a:br>
+            <a:r>
+              <a:rPr lang="de-DE" sz="900" b="0" err="1">
+                <a:solidFill>
+                  <a:srgbClr val="800000"/>
+                </a:solidFill>
+                <a:effectLst/>
+                <a:highlight>
+                  <a:srgbClr val="FFFFFF"/>
+                </a:highlight>
+                <a:latin typeface="Consolas"/>
+              </a:rPr>
+              <a:t>test_job</a:t>
+            </a:r>
+            <a:r>
+              <a:rPr lang="de-DE" sz="900" b="0" dirty="0">
+                <a:solidFill>
+                  <a:srgbClr val="3B3B3B"/>
+                </a:solidFill>
+                <a:effectLst/>
+                <a:highlight>
+                  <a:srgbClr val="FFFFFF"/>
+                </a:highlight>
+                <a:latin typeface="Consolas"/>
+              </a:rPr>
+              <a:t>:</a:t>
+            </a:r>
+          </a:p>
+          <a:p>
+            <a:r>
+              <a:rPr lang="de-DE" sz="900" b="0" dirty="0">
+                <a:solidFill>
+                  <a:srgbClr val="3B3B3B"/>
+                </a:solidFill>
+                <a:effectLst/>
+                <a:highlight>
+                  <a:srgbClr val="FFFFFF"/>
+                </a:highlight>
+                <a:latin typeface="Consolas"/>
+              </a:rPr>
+              <a:t>  </a:t>
+            </a:r>
+            <a:r>
+              <a:rPr lang="de-DE" sz="900" b="0" err="1">
+                <a:solidFill>
+                  <a:srgbClr val="800000"/>
+                </a:solidFill>
+                <a:effectLst/>
+                <a:highlight>
+                  <a:srgbClr val="FFFFFF"/>
+                </a:highlight>
+                <a:latin typeface="Consolas"/>
+              </a:rPr>
+              <a:t>stage</a:t>
+            </a:r>
+            <a:r>
+              <a:rPr lang="de-DE" sz="900" b="0" dirty="0">
+                <a:solidFill>
+                  <a:srgbClr val="3B3B3B"/>
+                </a:solidFill>
+                <a:effectLst/>
+                <a:highlight>
+                  <a:srgbClr val="FFFFFF"/>
+                </a:highlight>
+                <a:latin typeface="Consolas"/>
+              </a:rPr>
+              <a:t>: </a:t>
+            </a:r>
+            <a:r>
+              <a:rPr lang="de-DE" sz="900" b="0" err="1">
+                <a:solidFill>
+                  <a:srgbClr val="0000FF"/>
+                </a:solidFill>
+                <a:effectLst/>
+                <a:highlight>
+                  <a:srgbClr val="FFFFFF"/>
+                </a:highlight>
+                <a:latin typeface="Consolas"/>
+              </a:rPr>
+              <a:t>test</a:t>
+            </a:r>
+            <a:endParaRPr lang="de-DE" sz="900" b="0">
+              <a:solidFill>
+                <a:srgbClr val="3B3B3B"/>
+              </a:solidFill>
+              <a:effectLst/>
+              <a:highlight>
+                <a:srgbClr val="FFFFFF"/>
+              </a:highlight>
+              <a:latin typeface="Consolas"/>
+            </a:endParaRPr>
+          </a:p>
+          <a:p>
+            <a:r>
+              <a:rPr lang="de-DE" sz="900" b="0" dirty="0">
+                <a:solidFill>
+                  <a:srgbClr val="3B3B3B"/>
+                </a:solidFill>
+                <a:effectLst/>
+                <a:highlight>
+                  <a:srgbClr val="FFFFFF"/>
+                </a:highlight>
+                <a:latin typeface="Consolas"/>
+              </a:rPr>
+              <a:t>  </a:t>
+            </a:r>
+            <a:r>
+              <a:rPr lang="de-DE" sz="900" b="0" err="1">
+                <a:solidFill>
+                  <a:srgbClr val="800000"/>
+                </a:solidFill>
+                <a:effectLst/>
+                <a:highlight>
+                  <a:srgbClr val="FFFFFF"/>
+                </a:highlight>
+                <a:latin typeface="Consolas"/>
+              </a:rPr>
+              <a:t>script</a:t>
+            </a:r>
+            <a:r>
+              <a:rPr lang="de-DE" sz="900" b="0" dirty="0">
+                <a:solidFill>
+                  <a:srgbClr val="3B3B3B"/>
+                </a:solidFill>
+                <a:effectLst/>
+                <a:highlight>
+                  <a:srgbClr val="FFFFFF"/>
+                </a:highlight>
+                <a:latin typeface="Consolas"/>
+              </a:rPr>
+              <a:t>:</a:t>
+            </a:r>
+          </a:p>
+          <a:p>
+            <a:r>
+              <a:rPr lang="de-DE" sz="900" b="0" dirty="0">
+                <a:solidFill>
+                  <a:srgbClr val="3B3B3B"/>
+                </a:solidFill>
+                <a:effectLst/>
+                <a:highlight>
+                  <a:srgbClr val="FFFFFF"/>
+                </a:highlight>
+                <a:latin typeface="Consolas"/>
+              </a:rPr>
+              <a:t>    - </a:t>
+            </a:r>
+            <a:r>
+              <a:rPr lang="de-DE" sz="900" b="0" dirty="0">
+                <a:solidFill>
+                  <a:srgbClr val="0000FF"/>
+                </a:solidFill>
+                <a:effectLst/>
+                <a:highlight>
+                  <a:srgbClr val="FFFFFF"/>
+                </a:highlight>
+                <a:latin typeface="Consolas"/>
+              </a:rPr>
+              <a:t>echo "</a:t>
+            </a:r>
+            <a:r>
+              <a:rPr lang="de-DE" sz="900" b="0" err="1">
+                <a:solidFill>
+                  <a:srgbClr val="0000FF"/>
+                </a:solidFill>
+                <a:effectLst/>
+                <a:highlight>
+                  <a:srgbClr val="FFFFFF"/>
+                </a:highlight>
+                <a:latin typeface="Consolas"/>
+              </a:rPr>
+              <a:t>Testing</a:t>
+            </a:r>
+            <a:r>
+              <a:rPr lang="de-DE" sz="900" b="0" dirty="0">
+                <a:solidFill>
+                  <a:srgbClr val="0000FF"/>
+                </a:solidFill>
+                <a:effectLst/>
+                <a:highlight>
+                  <a:srgbClr val="FFFFFF"/>
+                </a:highlight>
+                <a:latin typeface="Consolas"/>
+              </a:rPr>
+              <a:t> </a:t>
+            </a:r>
+            <a:r>
+              <a:rPr lang="de-DE" sz="900" b="0" err="1">
+                <a:solidFill>
+                  <a:srgbClr val="0000FF"/>
+                </a:solidFill>
+                <a:effectLst/>
+                <a:highlight>
+                  <a:srgbClr val="FFFFFF"/>
+                </a:highlight>
+                <a:latin typeface="Consolas"/>
+              </a:rPr>
+              <a:t>the</a:t>
+            </a:r>
+            <a:r>
+              <a:rPr lang="de-DE" sz="900" b="0" dirty="0">
+                <a:solidFill>
+                  <a:srgbClr val="0000FF"/>
+                </a:solidFill>
+                <a:effectLst/>
+                <a:highlight>
+                  <a:srgbClr val="FFFFFF"/>
+                </a:highlight>
+                <a:latin typeface="Consolas"/>
+              </a:rPr>
+              <a:t> </a:t>
+            </a:r>
+            <a:r>
+              <a:rPr lang="de-DE" sz="900" b="0" err="1">
+                <a:solidFill>
+                  <a:srgbClr val="0000FF"/>
+                </a:solidFill>
+                <a:effectLst/>
+                <a:highlight>
+                  <a:srgbClr val="FFFFFF"/>
+                </a:highlight>
+                <a:latin typeface="Consolas"/>
+              </a:rPr>
+              <a:t>project</a:t>
+            </a:r>
+            <a:r>
+              <a:rPr lang="de-DE" sz="900" b="0" dirty="0">
+                <a:solidFill>
+                  <a:srgbClr val="0000FF"/>
+                </a:solidFill>
+                <a:effectLst/>
+                <a:highlight>
+                  <a:srgbClr val="FFFFFF"/>
+                </a:highlight>
+                <a:latin typeface="Consolas"/>
+              </a:rPr>
+              <a:t>..."</a:t>
+            </a:r>
+            <a:endParaRPr lang="de-DE" sz="900" b="0" dirty="0">
+              <a:solidFill>
+                <a:srgbClr val="3B3B3B"/>
+              </a:solidFill>
+              <a:effectLst/>
+              <a:highlight>
+                <a:srgbClr val="FFFFFF"/>
+              </a:highlight>
+              <a:latin typeface="Consolas"/>
+            </a:endParaRPr>
+          </a:p>
+          <a:p>
+            <a:r>
+              <a:rPr lang="de-DE" sz="900" b="0" dirty="0">
+                <a:solidFill>
+                  <a:srgbClr val="3B3B3B"/>
+                </a:solidFill>
+                <a:effectLst/>
+                <a:highlight>
+                  <a:srgbClr val="FFFFFF"/>
+                </a:highlight>
+                <a:latin typeface="Consolas"/>
+              </a:rPr>
+              <a:t>    - </a:t>
+            </a:r>
+            <a:r>
+              <a:rPr lang="de-DE" sz="900" b="0" err="1">
+                <a:solidFill>
+                  <a:srgbClr val="0000FF"/>
+                </a:solidFill>
+                <a:effectLst/>
+                <a:highlight>
+                  <a:srgbClr val="FFFFFF"/>
+                </a:highlight>
+                <a:latin typeface="Consolas"/>
+              </a:rPr>
+              <a:t>ls</a:t>
+            </a:r>
+            <a:r>
+              <a:rPr lang="de-DE" sz="900" b="0" dirty="0">
+                <a:solidFill>
+                  <a:srgbClr val="0000FF"/>
+                </a:solidFill>
+                <a:effectLst/>
+                <a:highlight>
+                  <a:srgbClr val="FFFFFF"/>
+                </a:highlight>
+                <a:latin typeface="Consolas"/>
+              </a:rPr>
+              <a:t> -l </a:t>
+            </a:r>
+            <a:r>
+              <a:rPr lang="de-DE" sz="900" dirty="0">
+                <a:solidFill>
+                  <a:srgbClr val="0000FF"/>
+                </a:solidFill>
+                <a:highlight>
+                  <a:srgbClr val="FFFFFF"/>
+                </a:highlight>
+                <a:latin typeface="Consolas"/>
+                <a:cs typeface="Times New Roman"/>
+              </a:rPr>
+              <a:t>$DUMMY</a:t>
+            </a:r>
+            <a:r>
+              <a:rPr lang="de-DE" sz="900" b="0" dirty="0">
+                <a:solidFill>
+                  <a:srgbClr val="0000FF"/>
+                </a:solidFill>
+                <a:effectLst/>
+                <a:highlight>
+                  <a:srgbClr val="FFFFFF"/>
+                </a:highlight>
+                <a:latin typeface="Consolas"/>
+                <a:cs typeface="Times New Roman"/>
+              </a:rPr>
+              <a:t>_</a:t>
+            </a:r>
+            <a:r>
+              <a:rPr lang="de-DE" sz="900" dirty="0">
+                <a:solidFill>
+                  <a:srgbClr val="0000FF"/>
+                </a:solidFill>
+                <a:highlight>
+                  <a:srgbClr val="FFFFFF"/>
+                </a:highlight>
+                <a:latin typeface="Consolas"/>
+                <a:cs typeface="Times New Roman"/>
+              </a:rPr>
+              <a:t>FILE</a:t>
+            </a:r>
+            <a:endParaRPr lang="de-DE" sz="900" b="0" dirty="0">
+              <a:solidFill>
+                <a:srgbClr val="3B3B3B"/>
+              </a:solidFill>
+              <a:effectLst/>
+              <a:highlight>
+                <a:srgbClr val="FFFFFF"/>
+              </a:highlight>
+              <a:latin typeface="Consolas"/>
+            </a:endParaRPr>
+          </a:p>
+          <a:p>
+            <a:br>
+              <a:rPr lang="de-DE" sz="900" b="0" dirty="0">
+                <a:effectLst/>
+                <a:highlight>
+                  <a:srgbClr val="FFFFFF"/>
+                </a:highlight>
+                <a:latin typeface="Consolas" panose="020B0609020204030204" pitchFamily="49" charset="0"/>
+              </a:rPr>
+            </a:br>
+            <a:r>
+              <a:rPr lang="de-DE" sz="900" b="0" err="1">
+                <a:solidFill>
+                  <a:srgbClr val="800000"/>
+                </a:solidFill>
+                <a:effectLst/>
+                <a:highlight>
+                  <a:srgbClr val="FFFFFF"/>
+                </a:highlight>
+                <a:latin typeface="Consolas"/>
+              </a:rPr>
+              <a:t>deploy_job</a:t>
+            </a:r>
+            <a:r>
+              <a:rPr lang="de-DE" sz="900" b="0" dirty="0">
+                <a:solidFill>
+                  <a:srgbClr val="3B3B3B"/>
+                </a:solidFill>
+                <a:effectLst/>
+                <a:highlight>
+                  <a:srgbClr val="FFFFFF"/>
+                </a:highlight>
+                <a:latin typeface="Consolas"/>
+              </a:rPr>
+              <a:t>:</a:t>
+            </a:r>
+          </a:p>
+          <a:p>
+            <a:r>
+              <a:rPr lang="de-DE" sz="900" b="0" dirty="0">
+                <a:solidFill>
+                  <a:srgbClr val="3B3B3B"/>
+                </a:solidFill>
+                <a:effectLst/>
+                <a:highlight>
+                  <a:srgbClr val="FFFFFF"/>
+                </a:highlight>
+                <a:latin typeface="Consolas"/>
+              </a:rPr>
+              <a:t>  </a:t>
+            </a:r>
+            <a:r>
+              <a:rPr lang="de-DE" sz="900" b="0" err="1">
+                <a:solidFill>
+                  <a:srgbClr val="800000"/>
+                </a:solidFill>
+                <a:effectLst/>
+                <a:highlight>
+                  <a:srgbClr val="FFFFFF"/>
+                </a:highlight>
+                <a:latin typeface="Consolas"/>
+              </a:rPr>
+              <a:t>stage</a:t>
+            </a:r>
+            <a:r>
+              <a:rPr lang="de-DE" sz="900" b="0" dirty="0">
+                <a:solidFill>
+                  <a:srgbClr val="3B3B3B"/>
+                </a:solidFill>
+                <a:effectLst/>
+                <a:highlight>
+                  <a:srgbClr val="FFFFFF"/>
+                </a:highlight>
+                <a:latin typeface="Consolas"/>
+              </a:rPr>
+              <a:t>: </a:t>
+            </a:r>
+            <a:r>
+              <a:rPr lang="de-DE" sz="900" b="0" dirty="0">
+                <a:solidFill>
+                  <a:srgbClr val="0000FF"/>
+                </a:solidFill>
+                <a:effectLst/>
+                <a:highlight>
+                  <a:srgbClr val="FFFFFF"/>
+                </a:highlight>
+                <a:latin typeface="Consolas"/>
+              </a:rPr>
+              <a:t>deploy</a:t>
+            </a:r>
+            <a:endParaRPr lang="de-DE" sz="900" b="0" dirty="0">
+              <a:solidFill>
+                <a:srgbClr val="3B3B3B"/>
+              </a:solidFill>
+              <a:effectLst/>
+              <a:highlight>
+                <a:srgbClr val="FFFFFF"/>
+              </a:highlight>
+              <a:latin typeface="Consolas"/>
+            </a:endParaRPr>
+          </a:p>
+          <a:p>
+            <a:r>
+              <a:rPr lang="de-DE" sz="900" b="0" dirty="0">
+                <a:solidFill>
+                  <a:srgbClr val="3B3B3B"/>
+                </a:solidFill>
+                <a:effectLst/>
+                <a:highlight>
+                  <a:srgbClr val="FFFFFF"/>
+                </a:highlight>
+                <a:latin typeface="Consolas"/>
+              </a:rPr>
+              <a:t>  </a:t>
+            </a:r>
+            <a:r>
+              <a:rPr lang="de-DE" sz="900" b="0" err="1">
+                <a:solidFill>
+                  <a:srgbClr val="800000"/>
+                </a:solidFill>
+                <a:effectLst/>
+                <a:highlight>
+                  <a:srgbClr val="FFFFFF"/>
+                </a:highlight>
+                <a:latin typeface="Consolas"/>
+              </a:rPr>
+              <a:t>script</a:t>
+            </a:r>
+            <a:r>
+              <a:rPr lang="de-DE" sz="900" b="0" dirty="0">
+                <a:solidFill>
+                  <a:srgbClr val="3B3B3B"/>
+                </a:solidFill>
+                <a:effectLst/>
+                <a:highlight>
+                  <a:srgbClr val="FFFFFF"/>
+                </a:highlight>
+                <a:latin typeface="Consolas"/>
+              </a:rPr>
+              <a:t>:</a:t>
+            </a:r>
+          </a:p>
+          <a:p>
+            <a:r>
+              <a:rPr lang="de-DE" sz="900" b="0" dirty="0">
+                <a:solidFill>
+                  <a:srgbClr val="3B3B3B"/>
+                </a:solidFill>
+                <a:effectLst/>
+                <a:highlight>
+                  <a:srgbClr val="FFFFFF"/>
+                </a:highlight>
+                <a:latin typeface="Consolas"/>
+              </a:rPr>
+              <a:t>    - </a:t>
+            </a:r>
+            <a:r>
+              <a:rPr lang="de-DE" sz="900" b="0" dirty="0">
+                <a:solidFill>
+                  <a:srgbClr val="0000FF"/>
+                </a:solidFill>
+                <a:effectLst/>
+                <a:highlight>
+                  <a:srgbClr val="FFFFFF"/>
+                </a:highlight>
+                <a:latin typeface="Consolas"/>
+              </a:rPr>
+              <a:t>echo "</a:t>
+            </a:r>
+            <a:r>
+              <a:rPr lang="de-DE" sz="900" b="0" err="1">
+                <a:solidFill>
+                  <a:srgbClr val="0000FF"/>
+                </a:solidFill>
+                <a:effectLst/>
+                <a:highlight>
+                  <a:srgbClr val="FFFFFF"/>
+                </a:highlight>
+                <a:latin typeface="Consolas"/>
+              </a:rPr>
+              <a:t>Deploying</a:t>
+            </a:r>
+            <a:r>
+              <a:rPr lang="de-DE" sz="900" b="0" dirty="0">
+                <a:solidFill>
+                  <a:srgbClr val="0000FF"/>
+                </a:solidFill>
+                <a:effectLst/>
+                <a:highlight>
+                  <a:srgbClr val="FFFFFF"/>
+                </a:highlight>
+                <a:latin typeface="Consolas"/>
+              </a:rPr>
+              <a:t> </a:t>
+            </a:r>
+            <a:r>
+              <a:rPr lang="de-DE" sz="900" b="0" err="1">
+                <a:solidFill>
+                  <a:srgbClr val="0000FF"/>
+                </a:solidFill>
+                <a:effectLst/>
+                <a:highlight>
+                  <a:srgbClr val="FFFFFF"/>
+                </a:highlight>
+                <a:latin typeface="Consolas"/>
+              </a:rPr>
+              <a:t>the</a:t>
+            </a:r>
+            <a:r>
+              <a:rPr lang="de-DE" sz="900" b="0" dirty="0">
+                <a:solidFill>
+                  <a:srgbClr val="0000FF"/>
+                </a:solidFill>
+                <a:effectLst/>
+                <a:highlight>
+                  <a:srgbClr val="FFFFFF"/>
+                </a:highlight>
+                <a:latin typeface="Consolas"/>
+              </a:rPr>
+              <a:t> </a:t>
+            </a:r>
+            <a:r>
+              <a:rPr lang="de-DE" sz="900" b="0" err="1">
+                <a:solidFill>
+                  <a:srgbClr val="0000FF"/>
+                </a:solidFill>
+                <a:effectLst/>
+                <a:highlight>
+                  <a:srgbClr val="FFFFFF"/>
+                </a:highlight>
+                <a:latin typeface="Consolas"/>
+              </a:rPr>
+              <a:t>project</a:t>
+            </a:r>
+            <a:r>
+              <a:rPr lang="de-DE" sz="900" b="0" dirty="0">
+                <a:solidFill>
+                  <a:srgbClr val="0000FF"/>
+                </a:solidFill>
+                <a:effectLst/>
+                <a:highlight>
+                  <a:srgbClr val="FFFFFF"/>
+                </a:highlight>
+                <a:latin typeface="Consolas"/>
+              </a:rPr>
+              <a:t>..."</a:t>
+            </a:r>
+            <a:endParaRPr lang="de-DE" sz="900" b="0" dirty="0">
+              <a:solidFill>
+                <a:srgbClr val="3B3B3B"/>
+              </a:solidFill>
+              <a:effectLst/>
+              <a:highlight>
+                <a:srgbClr val="FFFFFF"/>
+              </a:highlight>
+              <a:latin typeface="Consolas"/>
+            </a:endParaRPr>
+          </a:p>
+          <a:p>
+            <a:r>
+              <a:rPr lang="de-DE" sz="900" b="0" dirty="0">
+                <a:solidFill>
+                  <a:srgbClr val="3B3B3B"/>
+                </a:solidFill>
+                <a:effectLst/>
+                <a:highlight>
+                  <a:srgbClr val="FFFFFF"/>
+                </a:highlight>
+                <a:latin typeface="Consolas"/>
+              </a:rPr>
+              <a:t>    - </a:t>
+            </a:r>
+            <a:r>
+              <a:rPr lang="de-DE" sz="900" b="0" err="1">
+                <a:solidFill>
+                  <a:srgbClr val="0000FF"/>
+                </a:solidFill>
+                <a:effectLst/>
+                <a:highlight>
+                  <a:srgbClr val="FFFFFF"/>
+                </a:highlight>
+                <a:latin typeface="Consolas"/>
+              </a:rPr>
+              <a:t>ls</a:t>
+            </a:r>
+            <a:r>
+              <a:rPr lang="de-DE" sz="900" b="0" dirty="0">
+                <a:solidFill>
+                  <a:srgbClr val="0000FF"/>
+                </a:solidFill>
+                <a:effectLst/>
+                <a:highlight>
+                  <a:srgbClr val="FFFFFF"/>
+                </a:highlight>
+                <a:latin typeface="Consolas"/>
+              </a:rPr>
+              <a:t> -l </a:t>
+            </a:r>
+            <a:r>
+              <a:rPr lang="de-DE" sz="900" dirty="0">
+                <a:solidFill>
+                  <a:srgbClr val="0000FF"/>
+                </a:solidFill>
+                <a:highlight>
+                  <a:srgbClr val="FFFFFF"/>
+                </a:highlight>
+                <a:latin typeface="Consolas"/>
+                <a:cs typeface="Times New Roman"/>
+              </a:rPr>
+              <a:t>$DUMMY</a:t>
+            </a:r>
+            <a:r>
+              <a:rPr lang="de-DE" sz="900" b="0" dirty="0">
+                <a:solidFill>
+                  <a:srgbClr val="0000FF"/>
+                </a:solidFill>
+                <a:effectLst/>
+                <a:highlight>
+                  <a:srgbClr val="FFFFFF"/>
+                </a:highlight>
+                <a:latin typeface="Consolas"/>
+                <a:cs typeface="Times New Roman"/>
+              </a:rPr>
+              <a:t>_</a:t>
+            </a:r>
+            <a:r>
+              <a:rPr lang="de-DE" sz="900" dirty="0">
+                <a:solidFill>
+                  <a:srgbClr val="0000FF"/>
+                </a:solidFill>
+                <a:highlight>
+                  <a:srgbClr val="FFFFFF"/>
+                </a:highlight>
+                <a:latin typeface="Consolas"/>
+                <a:cs typeface="Times New Roman"/>
+              </a:rPr>
+              <a:t>FILE</a:t>
+            </a:r>
+            <a:endParaRPr lang="de-DE" sz="900" b="0" dirty="0">
+              <a:solidFill>
+                <a:srgbClr val="3B3B3B"/>
+              </a:solidFill>
+              <a:effectLst/>
+              <a:highlight>
+                <a:srgbClr val="FFFFFF"/>
+              </a:highlight>
+              <a:latin typeface="Consolas"/>
+            </a:endParaRPr>
+          </a:p>
+          <a:p>
+            <a:r>
+              <a:rPr lang="de-DE" sz="900" b="0" dirty="0">
+                <a:solidFill>
+                  <a:srgbClr val="3B3B3B"/>
+                </a:solidFill>
+                <a:effectLst/>
+                <a:highlight>
+                  <a:srgbClr val="FFFFFF"/>
+                </a:highlight>
+                <a:latin typeface="Consolas"/>
+              </a:rPr>
+              <a:t>  </a:t>
+            </a:r>
+            <a:r>
+              <a:rPr lang="de-DE" sz="900" b="0" err="1">
+                <a:solidFill>
+                  <a:srgbClr val="800000"/>
+                </a:solidFill>
+                <a:effectLst/>
+                <a:highlight>
+                  <a:srgbClr val="FFFFFF"/>
+                </a:highlight>
+                <a:latin typeface="Consolas"/>
+              </a:rPr>
+              <a:t>only</a:t>
+            </a:r>
+            <a:r>
+              <a:rPr lang="de-DE" sz="900" b="0" dirty="0">
+                <a:solidFill>
+                  <a:srgbClr val="3B3B3B"/>
+                </a:solidFill>
+                <a:effectLst/>
+                <a:highlight>
+                  <a:srgbClr val="FFFFFF"/>
+                </a:highlight>
+                <a:latin typeface="Consolas"/>
+              </a:rPr>
+              <a:t>:</a:t>
+            </a:r>
+          </a:p>
+          <a:p>
+            <a:r>
+              <a:rPr lang="de-DE" sz="900" b="0" dirty="0">
+                <a:solidFill>
+                  <a:srgbClr val="3B3B3B"/>
+                </a:solidFill>
+                <a:effectLst/>
+                <a:highlight>
+                  <a:srgbClr val="FFFFFF"/>
+                </a:highlight>
+                <a:latin typeface="Consolas"/>
+              </a:rPr>
+              <a:t>    - </a:t>
+            </a:r>
+            <a:r>
+              <a:rPr lang="de-DE" sz="900" b="0" err="1">
+                <a:solidFill>
+                  <a:srgbClr val="0000FF"/>
+                </a:solidFill>
+                <a:effectLst/>
+                <a:highlight>
+                  <a:srgbClr val="FFFFFF"/>
+                </a:highlight>
+                <a:latin typeface="Consolas"/>
+              </a:rPr>
+              <a:t>main</a:t>
+            </a:r>
+            <a:endParaRPr lang="de-DE" sz="900" b="0">
+              <a:solidFill>
+                <a:srgbClr val="3B3B3B"/>
+              </a:solidFill>
+              <a:effectLst/>
+              <a:highlight>
+                <a:srgbClr val="FFFFFF"/>
+              </a:highlight>
+              <a:latin typeface="Consolas"/>
             </a:endParaRPr>
           </a:p>
         </p:txBody>
@@ -19615,7 +20548,7 @@
     </p:spTree>
     <p:extLst>
       <p:ext uri="{BB962C8B-B14F-4D97-AF65-F5344CB8AC3E}">
-        <p14:creationId xmlns:p14="http://schemas.microsoft.com/office/powerpoint/2010/main" val="3751285876"/>
+        <p14:creationId xmlns:p14="http://schemas.microsoft.com/office/powerpoint/2010/main" val="2804757440"/>
       </p:ext>
     </p:extLst>
   </p:cSld>
@@ -19701,6 +20634,811 @@
             </a:pPr>
             <a:r>
               <a:rPr lang="de-DE" b="1" dirty="0"/>
+              <a:t>Rules</a:t>
+            </a:r>
+          </a:p>
+          <a:p>
+            <a:pPr>
+              <a:buFont typeface="Arial" panose="020B0604020202020204" pitchFamily="34" charset="0"/>
+              <a:buChar char="•"/>
+            </a:pPr>
+            <a:r>
+              <a:rPr lang="de-DE" dirty="0"/>
+              <a:t>Regeln zur Steuerung der Ausführung von Jobs in CI/CD-Pipelines</a:t>
+            </a:r>
+          </a:p>
+          <a:p>
+            <a:pPr>
+              <a:buFont typeface="Arial" panose="020B0604020202020204" pitchFamily="34" charset="0"/>
+              <a:buChar char="•"/>
+            </a:pPr>
+            <a:r>
+              <a:rPr lang="de-DE" dirty="0"/>
+              <a:t>Verwendung:</a:t>
+            </a:r>
+          </a:p>
+          <a:p>
+            <a:pPr lvl="1">
+              <a:buFont typeface="Arial" panose="020B0604020202020204" pitchFamily="34" charset="0"/>
+              <a:buChar char="•"/>
+            </a:pPr>
+            <a:r>
+              <a:rPr lang="de-DE" dirty="0"/>
+              <a:t>Konfiguration in .</a:t>
+            </a:r>
+            <a:r>
+              <a:rPr lang="de-DE" dirty="0" err="1"/>
+              <a:t>gitlab-ci.yml</a:t>
+            </a:r>
+            <a:endParaRPr lang="de-DE" dirty="0"/>
+          </a:p>
+          <a:p>
+            <a:pPr lvl="1">
+              <a:buFont typeface="Arial" panose="020B0604020202020204" pitchFamily="34" charset="0"/>
+              <a:buChar char="•"/>
+            </a:pPr>
+            <a:r>
+              <a:rPr lang="de-DE" dirty="0"/>
+              <a:t>Ersetzt </a:t>
+            </a:r>
+            <a:r>
+              <a:rPr lang="de-DE" b="1" dirty="0" err="1"/>
+              <a:t>only</a:t>
+            </a:r>
+            <a:r>
+              <a:rPr lang="de-DE" dirty="0"/>
+              <a:t> und </a:t>
+            </a:r>
+            <a:r>
+              <a:rPr lang="de-DE" b="1" dirty="0" err="1"/>
+              <a:t>except</a:t>
+            </a:r>
+            <a:endParaRPr lang="de-DE" b="1" dirty="0"/>
+          </a:p>
+          <a:p>
+            <a:pPr>
+              <a:buFont typeface="Arial" panose="020B0604020202020204" pitchFamily="34" charset="0"/>
+              <a:buChar char="•"/>
+            </a:pPr>
+            <a:r>
+              <a:rPr lang="de-DE" dirty="0"/>
+              <a:t>Wichtige Schlüsselwörter</a:t>
+            </a:r>
+          </a:p>
+          <a:p>
+            <a:pPr lvl="1">
+              <a:buFont typeface="Arial" panose="020B0604020202020204" pitchFamily="34" charset="0"/>
+              <a:buChar char="•"/>
+            </a:pPr>
+            <a:r>
+              <a:rPr lang="de-DE" b="1" dirty="0" err="1"/>
+              <a:t>if</a:t>
+            </a:r>
+            <a:r>
+              <a:rPr lang="de-DE" dirty="0"/>
+              <a:t>: Bedingungen basierend auf Variablen oder Pipeline-Status</a:t>
+            </a:r>
+          </a:p>
+          <a:p>
+            <a:pPr lvl="1">
+              <a:buFont typeface="Arial" panose="020B0604020202020204" pitchFamily="34" charset="0"/>
+              <a:buChar char="•"/>
+            </a:pPr>
+            <a:r>
+              <a:rPr lang="de-DE" b="1" dirty="0" err="1"/>
+              <a:t>changes</a:t>
+            </a:r>
+            <a:r>
+              <a:rPr lang="de-DE" dirty="0"/>
+              <a:t>: Bedingungen basierend auf Dateiänderungen</a:t>
+            </a:r>
+          </a:p>
+          <a:p>
+            <a:pPr lvl="1">
+              <a:buFont typeface="Arial" panose="020B0604020202020204" pitchFamily="34" charset="0"/>
+              <a:buChar char="•"/>
+            </a:pPr>
+            <a:r>
+              <a:rPr lang="de-DE" b="1" dirty="0" err="1"/>
+              <a:t>exists</a:t>
+            </a:r>
+            <a:r>
+              <a:rPr lang="de-DE" dirty="0"/>
+              <a:t>: Bedingungen basierend auf dem Vorhandensein von Dateien</a:t>
+            </a:r>
+          </a:p>
+          <a:p>
+            <a:pPr lvl="1">
+              <a:buFont typeface="Arial" panose="020B0604020202020204" pitchFamily="34" charset="0"/>
+              <a:buChar char="•"/>
+            </a:pPr>
+            <a:r>
+              <a:rPr lang="de-DE" b="1" dirty="0" err="1"/>
+              <a:t>when</a:t>
+            </a:r>
+            <a:r>
+              <a:rPr lang="de-DE" dirty="0"/>
+              <a:t>: Bestimmt, wann ein Job ausgeführt wird (</a:t>
+            </a:r>
+            <a:r>
+              <a:rPr lang="de-DE" dirty="0" err="1"/>
+              <a:t>on_success</a:t>
+            </a:r>
+            <a:r>
+              <a:rPr lang="de-DE" dirty="0"/>
+              <a:t>, </a:t>
+            </a:r>
+            <a:r>
+              <a:rPr lang="de-DE" dirty="0" err="1"/>
+              <a:t>on_failure</a:t>
+            </a:r>
+            <a:r>
+              <a:rPr lang="de-DE" dirty="0"/>
+              <a:t>, </a:t>
+            </a:r>
+            <a:r>
+              <a:rPr lang="de-DE" dirty="0" err="1"/>
+              <a:t>always</a:t>
+            </a:r>
+            <a:r>
+              <a:rPr lang="de-DE" dirty="0"/>
+              <a:t>, </a:t>
+            </a:r>
+            <a:r>
+              <a:rPr lang="de-DE" dirty="0" err="1"/>
+              <a:t>manual</a:t>
+            </a:r>
+            <a:r>
+              <a:rPr lang="de-DE" dirty="0"/>
+              <a:t>, </a:t>
+            </a:r>
+            <a:r>
+              <a:rPr lang="de-DE" dirty="0" err="1"/>
+              <a:t>delayed</a:t>
+            </a:r>
+            <a:r>
+              <a:rPr lang="de-DE" dirty="0"/>
+              <a:t>)</a:t>
+            </a:r>
+          </a:p>
+        </p:txBody>
+      </p:sp>
+    </p:spTree>
+    <p:extLst>
+      <p:ext uri="{BB962C8B-B14F-4D97-AF65-F5344CB8AC3E}">
+        <p14:creationId xmlns:p14="http://schemas.microsoft.com/office/powerpoint/2010/main" val="3129826858"/>
+      </p:ext>
+    </p:extLst>
+  </p:cSld>
+  <p:clrMapOvr>
+    <a:masterClrMapping/>
+  </p:clrMapOvr>
+</p:sld>
+</file>
+
+<file path=ppt/slides/slide36.xml><?xml version="1.0" encoding="utf-8"?>
+<p:sld xmlns:a="http://schemas.openxmlformats.org/drawingml/2006/main" xmlns:r="http://schemas.openxmlformats.org/officeDocument/2006/relationships" xmlns:p="http://schemas.openxmlformats.org/presentationml/2006/main">
+  <p:cSld>
+    <p:spTree>
+      <p:nvGrpSpPr>
+        <p:cNvPr id="1" name=""/>
+        <p:cNvGrpSpPr/>
+        <p:nvPr/>
+      </p:nvGrpSpPr>
+      <p:grpSpPr>
+        <a:xfrm>
+          <a:off x="0" y="0"/>
+          <a:ext cx="0" cy="0"/>
+          <a:chOff x="0" y="0"/>
+          <a:chExt cx="0" cy="0"/>
+        </a:xfrm>
+      </p:grpSpPr>
+      <p:sp>
+        <p:nvSpPr>
+          <p:cNvPr id="2" name="Titel 1">
+            <a:extLst>
+              <a:ext uri="{FF2B5EF4-FFF2-40B4-BE49-F238E27FC236}">
+                <a16:creationId xmlns:a16="http://schemas.microsoft.com/office/drawing/2014/main" id="{3363B985-2812-BDBB-7E9D-A28D84AB06EF}"/>
+              </a:ext>
+            </a:extLst>
+          </p:cNvPr>
+          <p:cNvSpPr>
+            <a:spLocks noGrp="1"/>
+          </p:cNvSpPr>
+          <p:nvPr>
+            <p:ph type="title"/>
+          </p:nvPr>
+        </p:nvSpPr>
+        <p:spPr/>
+        <p:txBody>
+          <a:bodyPr/>
+          <a:lstStyle/>
+          <a:p>
+            <a:r>
+              <a:rPr lang="de-DE" dirty="0"/>
+              <a:t>CI/CD</a:t>
+            </a:r>
+          </a:p>
+        </p:txBody>
+      </p:sp>
+      <p:sp>
+        <p:nvSpPr>
+          <p:cNvPr id="4" name="Inhaltsplatzhalter 2">
+            <a:extLst>
+              <a:ext uri="{FF2B5EF4-FFF2-40B4-BE49-F238E27FC236}">
+                <a16:creationId xmlns:a16="http://schemas.microsoft.com/office/drawing/2014/main" id="{FE26268B-C609-ACA5-B6B4-D8D23D94F991}"/>
+              </a:ext>
+            </a:extLst>
+          </p:cNvPr>
+          <p:cNvSpPr>
+            <a:spLocks noGrp="1"/>
+          </p:cNvSpPr>
+          <p:nvPr>
+            <p:ph idx="1"/>
+          </p:nvPr>
+        </p:nvSpPr>
+        <p:spPr>
+          <a:xfrm>
+            <a:off x="303213" y="981075"/>
+            <a:ext cx="8516937" cy="5400675"/>
+          </a:xfrm>
+        </p:spPr>
+        <p:txBody>
+          <a:bodyPr/>
+          <a:lstStyle/>
+          <a:p>
+            <a:pPr marL="0" indent="0">
+              <a:buNone/>
+            </a:pPr>
+            <a:r>
+              <a:rPr lang="de-DE" b="1" dirty="0"/>
+              <a:t>Rules</a:t>
+            </a:r>
+          </a:p>
+        </p:txBody>
+      </p:sp>
+      <p:sp>
+        <p:nvSpPr>
+          <p:cNvPr id="5" name="Textfeld 4">
+            <a:extLst>
+              <a:ext uri="{FF2B5EF4-FFF2-40B4-BE49-F238E27FC236}">
+                <a16:creationId xmlns:a16="http://schemas.microsoft.com/office/drawing/2014/main" id="{5BE24E27-5B7B-6348-7004-DF7AF55D9307}"/>
+              </a:ext>
+            </a:extLst>
+          </p:cNvPr>
+          <p:cNvSpPr txBox="1"/>
+          <p:nvPr/>
+        </p:nvSpPr>
+        <p:spPr bwMode="auto">
+          <a:xfrm>
+            <a:off x="323850" y="1628800"/>
+            <a:ext cx="8820149" cy="3785652"/>
+          </a:xfrm>
+          <a:prstGeom prst="rect">
+            <a:avLst/>
+          </a:prstGeom>
+          <a:noFill/>
+          <a:ln w="9525">
+            <a:noFill/>
+            <a:miter lim="800000"/>
+            <a:headEnd/>
+            <a:tailEnd/>
+          </a:ln>
+        </p:spPr>
+        <p:txBody>
+          <a:bodyPr wrap="square">
+            <a:spAutoFit/>
+          </a:bodyPr>
+          <a:lstStyle/>
+          <a:p>
+            <a:r>
+              <a:rPr lang="en-US" b="0" dirty="0">
+                <a:solidFill>
+                  <a:srgbClr val="800000"/>
+                </a:solidFill>
+                <a:effectLst/>
+                <a:highlight>
+                  <a:srgbClr val="FFFFFF"/>
+                </a:highlight>
+                <a:latin typeface="Consolas" panose="020B0609020204030204" pitchFamily="49" charset="0"/>
+              </a:rPr>
+              <a:t>stages</a:t>
+            </a:r>
+            <a:r>
+              <a:rPr lang="en-US" b="0" dirty="0">
+                <a:solidFill>
+                  <a:srgbClr val="3B3B3B"/>
+                </a:solidFill>
+                <a:effectLst/>
+                <a:highlight>
+                  <a:srgbClr val="FFFFFF"/>
+                </a:highlight>
+                <a:latin typeface="Consolas" panose="020B0609020204030204" pitchFamily="49" charset="0"/>
+              </a:rPr>
+              <a:t>:</a:t>
+            </a:r>
+          </a:p>
+          <a:p>
+            <a:r>
+              <a:rPr lang="en-US" b="0" dirty="0">
+                <a:solidFill>
+                  <a:srgbClr val="3B3B3B"/>
+                </a:solidFill>
+                <a:effectLst/>
+                <a:highlight>
+                  <a:srgbClr val="FFFFFF"/>
+                </a:highlight>
+                <a:latin typeface="Consolas" panose="020B0609020204030204" pitchFamily="49" charset="0"/>
+              </a:rPr>
+              <a:t>  - </a:t>
+            </a:r>
+            <a:r>
+              <a:rPr lang="en-US" b="0" dirty="0">
+                <a:solidFill>
+                  <a:srgbClr val="0000FF"/>
+                </a:solidFill>
+                <a:effectLst/>
+                <a:highlight>
+                  <a:srgbClr val="FFFFFF"/>
+                </a:highlight>
+                <a:latin typeface="Consolas" panose="020B0609020204030204" pitchFamily="49" charset="0"/>
+              </a:rPr>
+              <a:t>deploy</a:t>
+            </a:r>
+            <a:endParaRPr lang="en-US" b="0" dirty="0">
+              <a:solidFill>
+                <a:srgbClr val="3B3B3B"/>
+              </a:solidFill>
+              <a:effectLst/>
+              <a:highlight>
+                <a:srgbClr val="FFFFFF"/>
+              </a:highlight>
+              <a:latin typeface="Consolas" panose="020B0609020204030204" pitchFamily="49" charset="0"/>
+            </a:endParaRPr>
+          </a:p>
+          <a:p>
+            <a:br>
+              <a:rPr lang="en-US" b="0" dirty="0">
+                <a:solidFill>
+                  <a:srgbClr val="3B3B3B"/>
+                </a:solidFill>
+                <a:effectLst/>
+                <a:highlight>
+                  <a:srgbClr val="FFFFFF"/>
+                </a:highlight>
+                <a:latin typeface="Consolas" panose="020B0609020204030204" pitchFamily="49" charset="0"/>
+              </a:rPr>
+            </a:br>
+            <a:r>
+              <a:rPr lang="en-US" b="0" dirty="0">
+                <a:solidFill>
+                  <a:srgbClr val="800000"/>
+                </a:solidFill>
+                <a:effectLst/>
+                <a:highlight>
+                  <a:srgbClr val="FFFFFF"/>
+                </a:highlight>
+                <a:latin typeface="Consolas" panose="020B0609020204030204" pitchFamily="49" charset="0"/>
+              </a:rPr>
+              <a:t>deploy-prod</a:t>
+            </a:r>
+            <a:r>
+              <a:rPr lang="en-US" b="0" dirty="0">
+                <a:solidFill>
+                  <a:srgbClr val="3B3B3B"/>
+                </a:solidFill>
+                <a:effectLst/>
+                <a:highlight>
+                  <a:srgbClr val="FFFFFF"/>
+                </a:highlight>
+                <a:latin typeface="Consolas" panose="020B0609020204030204" pitchFamily="49" charset="0"/>
+              </a:rPr>
+              <a:t>:</a:t>
+            </a:r>
+          </a:p>
+          <a:p>
+            <a:r>
+              <a:rPr lang="en-US" b="0" dirty="0">
+                <a:solidFill>
+                  <a:srgbClr val="3B3B3B"/>
+                </a:solidFill>
+                <a:effectLst/>
+                <a:highlight>
+                  <a:srgbClr val="FFFFFF"/>
+                </a:highlight>
+                <a:latin typeface="Consolas" panose="020B0609020204030204" pitchFamily="49" charset="0"/>
+              </a:rPr>
+              <a:t>  </a:t>
+            </a:r>
+            <a:r>
+              <a:rPr lang="en-US" b="0" dirty="0">
+                <a:solidFill>
+                  <a:srgbClr val="800000"/>
+                </a:solidFill>
+                <a:effectLst/>
+                <a:highlight>
+                  <a:srgbClr val="FFFFFF"/>
+                </a:highlight>
+                <a:latin typeface="Consolas" panose="020B0609020204030204" pitchFamily="49" charset="0"/>
+              </a:rPr>
+              <a:t>stage</a:t>
+            </a:r>
+            <a:r>
+              <a:rPr lang="en-US" b="0" dirty="0">
+                <a:solidFill>
+                  <a:srgbClr val="3B3B3B"/>
+                </a:solidFill>
+                <a:effectLst/>
+                <a:highlight>
+                  <a:srgbClr val="FFFFFF"/>
+                </a:highlight>
+                <a:latin typeface="Consolas" panose="020B0609020204030204" pitchFamily="49" charset="0"/>
+              </a:rPr>
+              <a:t>: </a:t>
+            </a:r>
+            <a:r>
+              <a:rPr lang="en-US" b="0" dirty="0">
+                <a:solidFill>
+                  <a:srgbClr val="0000FF"/>
+                </a:solidFill>
+                <a:effectLst/>
+                <a:highlight>
+                  <a:srgbClr val="FFFFFF"/>
+                </a:highlight>
+                <a:latin typeface="Consolas" panose="020B0609020204030204" pitchFamily="49" charset="0"/>
+              </a:rPr>
+              <a:t>deploy</a:t>
+            </a:r>
+            <a:endParaRPr lang="en-US" b="0" dirty="0">
+              <a:solidFill>
+                <a:srgbClr val="3B3B3B"/>
+              </a:solidFill>
+              <a:effectLst/>
+              <a:highlight>
+                <a:srgbClr val="FFFFFF"/>
+              </a:highlight>
+              <a:latin typeface="Consolas" panose="020B0609020204030204" pitchFamily="49" charset="0"/>
+            </a:endParaRPr>
+          </a:p>
+          <a:p>
+            <a:r>
+              <a:rPr lang="en-US" b="0" dirty="0">
+                <a:solidFill>
+                  <a:srgbClr val="3B3B3B"/>
+                </a:solidFill>
+                <a:effectLst/>
+                <a:highlight>
+                  <a:srgbClr val="FFFFFF"/>
+                </a:highlight>
+                <a:latin typeface="Consolas" panose="020B0609020204030204" pitchFamily="49" charset="0"/>
+              </a:rPr>
+              <a:t>  </a:t>
+            </a:r>
+            <a:r>
+              <a:rPr lang="en-US" b="0" dirty="0">
+                <a:solidFill>
+                  <a:srgbClr val="800000"/>
+                </a:solidFill>
+                <a:effectLst/>
+                <a:highlight>
+                  <a:srgbClr val="FFFFFF"/>
+                </a:highlight>
+                <a:latin typeface="Consolas" panose="020B0609020204030204" pitchFamily="49" charset="0"/>
+              </a:rPr>
+              <a:t>script</a:t>
+            </a:r>
+            <a:r>
+              <a:rPr lang="en-US" b="0" dirty="0">
+                <a:solidFill>
+                  <a:srgbClr val="3B3B3B"/>
+                </a:solidFill>
+                <a:effectLst/>
+                <a:highlight>
+                  <a:srgbClr val="FFFFFF"/>
+                </a:highlight>
+                <a:latin typeface="Consolas" panose="020B0609020204030204" pitchFamily="49" charset="0"/>
+              </a:rPr>
+              <a:t>:</a:t>
+            </a:r>
+          </a:p>
+          <a:p>
+            <a:r>
+              <a:rPr lang="en-US" b="0" dirty="0">
+                <a:solidFill>
+                  <a:srgbClr val="3B3B3B"/>
+                </a:solidFill>
+                <a:effectLst/>
+                <a:highlight>
+                  <a:srgbClr val="FFFFFF"/>
+                </a:highlight>
+                <a:latin typeface="Consolas" panose="020B0609020204030204" pitchFamily="49" charset="0"/>
+              </a:rPr>
+              <a:t>    - </a:t>
+            </a:r>
+            <a:r>
+              <a:rPr lang="en-US" b="0" dirty="0">
+                <a:solidFill>
+                  <a:srgbClr val="0000FF"/>
+                </a:solidFill>
+                <a:effectLst/>
+                <a:highlight>
+                  <a:srgbClr val="FFFFFF"/>
+                </a:highlight>
+                <a:latin typeface="Consolas" panose="020B0609020204030204" pitchFamily="49" charset="0"/>
+              </a:rPr>
+              <a:t>echo "Deploy to production server"</a:t>
+            </a:r>
+            <a:endParaRPr lang="en-US" b="0" dirty="0">
+              <a:solidFill>
+                <a:srgbClr val="3B3B3B"/>
+              </a:solidFill>
+              <a:effectLst/>
+              <a:highlight>
+                <a:srgbClr val="FFFFFF"/>
+              </a:highlight>
+              <a:latin typeface="Consolas" panose="020B0609020204030204" pitchFamily="49" charset="0"/>
+            </a:endParaRPr>
+          </a:p>
+          <a:p>
+            <a:r>
+              <a:rPr lang="en-US" b="0" dirty="0">
+                <a:solidFill>
+                  <a:srgbClr val="3B3B3B"/>
+                </a:solidFill>
+                <a:effectLst/>
+                <a:highlight>
+                  <a:srgbClr val="FFFFFF"/>
+                </a:highlight>
+                <a:latin typeface="Consolas" panose="020B0609020204030204" pitchFamily="49" charset="0"/>
+              </a:rPr>
+              <a:t>  </a:t>
+            </a:r>
+            <a:r>
+              <a:rPr lang="en-US" b="0" dirty="0">
+                <a:solidFill>
+                  <a:srgbClr val="800000"/>
+                </a:solidFill>
+                <a:effectLst/>
+                <a:highlight>
+                  <a:srgbClr val="FFFFFF"/>
+                </a:highlight>
+                <a:latin typeface="Consolas" panose="020B0609020204030204" pitchFamily="49" charset="0"/>
+              </a:rPr>
+              <a:t>when</a:t>
+            </a:r>
+            <a:r>
+              <a:rPr lang="en-US" b="0" dirty="0">
+                <a:solidFill>
+                  <a:srgbClr val="3B3B3B"/>
+                </a:solidFill>
+                <a:effectLst/>
+                <a:highlight>
+                  <a:srgbClr val="FFFFFF"/>
+                </a:highlight>
+                <a:latin typeface="Consolas" panose="020B0609020204030204" pitchFamily="49" charset="0"/>
+              </a:rPr>
+              <a:t>: </a:t>
+            </a:r>
+            <a:r>
+              <a:rPr lang="en-US" b="0" dirty="0">
+                <a:solidFill>
+                  <a:srgbClr val="0000FF"/>
+                </a:solidFill>
+                <a:effectLst/>
+                <a:highlight>
+                  <a:srgbClr val="FFFFFF"/>
+                </a:highlight>
+                <a:latin typeface="Consolas" panose="020B0609020204030204" pitchFamily="49" charset="0"/>
+              </a:rPr>
+              <a:t>manual</a:t>
+            </a:r>
+            <a:endParaRPr lang="en-US" b="0" dirty="0">
+              <a:solidFill>
+                <a:srgbClr val="3B3B3B"/>
+              </a:solidFill>
+              <a:effectLst/>
+              <a:highlight>
+                <a:srgbClr val="FFFFFF"/>
+              </a:highlight>
+              <a:latin typeface="Consolas" panose="020B0609020204030204" pitchFamily="49" charset="0"/>
+            </a:endParaRPr>
+          </a:p>
+          <a:p>
+            <a:r>
+              <a:rPr lang="en-US" b="0" dirty="0">
+                <a:solidFill>
+                  <a:srgbClr val="3B3B3B"/>
+                </a:solidFill>
+                <a:effectLst/>
+                <a:highlight>
+                  <a:srgbClr val="FFFFFF"/>
+                </a:highlight>
+                <a:latin typeface="Consolas" panose="020B0609020204030204" pitchFamily="49" charset="0"/>
+              </a:rPr>
+              <a:t>  </a:t>
+            </a:r>
+            <a:r>
+              <a:rPr lang="en-US" b="0" dirty="0">
+                <a:solidFill>
+                  <a:srgbClr val="800000"/>
+                </a:solidFill>
+                <a:effectLst/>
+                <a:highlight>
+                  <a:srgbClr val="FFFFFF"/>
+                </a:highlight>
+                <a:latin typeface="Consolas" panose="020B0609020204030204" pitchFamily="49" charset="0"/>
+              </a:rPr>
+              <a:t>rules</a:t>
+            </a:r>
+            <a:r>
+              <a:rPr lang="en-US" b="0" dirty="0">
+                <a:solidFill>
+                  <a:srgbClr val="3B3B3B"/>
+                </a:solidFill>
+                <a:effectLst/>
+                <a:highlight>
+                  <a:srgbClr val="FFFFFF"/>
+                </a:highlight>
+                <a:latin typeface="Consolas" panose="020B0609020204030204" pitchFamily="49" charset="0"/>
+              </a:rPr>
+              <a:t>:</a:t>
+            </a:r>
+          </a:p>
+          <a:p>
+            <a:r>
+              <a:rPr lang="en-US" b="0" dirty="0">
+                <a:solidFill>
+                  <a:srgbClr val="3B3B3B"/>
+                </a:solidFill>
+                <a:effectLst/>
+                <a:highlight>
+                  <a:srgbClr val="FFFFFF"/>
+                </a:highlight>
+                <a:latin typeface="Consolas" panose="020B0609020204030204" pitchFamily="49" charset="0"/>
+              </a:rPr>
+              <a:t>    - </a:t>
+            </a:r>
+            <a:r>
+              <a:rPr lang="en-US" b="0" dirty="0">
+                <a:solidFill>
+                  <a:srgbClr val="800000"/>
+                </a:solidFill>
+                <a:effectLst/>
+                <a:highlight>
+                  <a:srgbClr val="FFFFFF"/>
+                </a:highlight>
+                <a:latin typeface="Consolas" panose="020B0609020204030204" pitchFamily="49" charset="0"/>
+              </a:rPr>
+              <a:t>if</a:t>
+            </a:r>
+            <a:r>
+              <a:rPr lang="en-US" b="0" dirty="0">
+                <a:solidFill>
+                  <a:srgbClr val="3B3B3B"/>
+                </a:solidFill>
+                <a:effectLst/>
+                <a:highlight>
+                  <a:srgbClr val="FFFFFF"/>
+                </a:highlight>
+                <a:latin typeface="Consolas" panose="020B0609020204030204" pitchFamily="49" charset="0"/>
+              </a:rPr>
+              <a:t>: </a:t>
+            </a:r>
+            <a:r>
+              <a:rPr lang="en-US" b="0" dirty="0">
+                <a:solidFill>
+                  <a:srgbClr val="0000FF"/>
+                </a:solidFill>
+                <a:effectLst/>
+                <a:highlight>
+                  <a:srgbClr val="FFFFFF"/>
+                </a:highlight>
+                <a:latin typeface="Consolas" panose="020B0609020204030204" pitchFamily="49" charset="0"/>
+              </a:rPr>
+              <a:t>$CI_COMMIT_BRANCH == $CI_DEFAULT_BRANCH</a:t>
+            </a:r>
+            <a:endParaRPr lang="en-US" b="0" dirty="0">
+              <a:solidFill>
+                <a:srgbClr val="3B3B3B"/>
+              </a:solidFill>
+              <a:effectLst/>
+              <a:highlight>
+                <a:srgbClr val="FFFFFF"/>
+              </a:highlight>
+              <a:latin typeface="Consolas" panose="020B0609020204030204" pitchFamily="49" charset="0"/>
+            </a:endParaRPr>
+          </a:p>
+        </p:txBody>
+      </p:sp>
+    </p:spTree>
+    <p:extLst>
+      <p:ext uri="{BB962C8B-B14F-4D97-AF65-F5344CB8AC3E}">
+        <p14:creationId xmlns:p14="http://schemas.microsoft.com/office/powerpoint/2010/main" val="3751285876"/>
+      </p:ext>
+    </p:extLst>
+  </p:cSld>
+  <p:clrMapOvr>
+    <a:masterClrMapping/>
+  </p:clrMapOvr>
+</p:sld>
+</file>
+
+<file path=ppt/slides/slide37.xml><?xml version="1.0" encoding="utf-8"?>
+<p:sld xmlns:a="http://schemas.openxmlformats.org/drawingml/2006/main" xmlns:r="http://schemas.openxmlformats.org/officeDocument/2006/relationships" xmlns:p="http://schemas.openxmlformats.org/presentationml/2006/main">
+  <p:cSld>
+    <p:spTree>
+      <p:nvGrpSpPr>
+        <p:cNvPr id="1" name=""/>
+        <p:cNvGrpSpPr/>
+        <p:nvPr/>
+      </p:nvGrpSpPr>
+      <p:grpSpPr>
+        <a:xfrm>
+          <a:off x="0" y="0"/>
+          <a:ext cx="0" cy="0"/>
+          <a:chOff x="0" y="0"/>
+          <a:chExt cx="0" cy="0"/>
+        </a:xfrm>
+      </p:grpSpPr>
+      <p:sp>
+        <p:nvSpPr>
+          <p:cNvPr id="2" name="Titel 1">
+            <a:extLst>
+              <a:ext uri="{FF2B5EF4-FFF2-40B4-BE49-F238E27FC236}">
+                <a16:creationId xmlns:a16="http://schemas.microsoft.com/office/drawing/2014/main" id="{3363B985-2812-BDBB-7E9D-A28D84AB06EF}"/>
+              </a:ext>
+            </a:extLst>
+          </p:cNvPr>
+          <p:cNvSpPr>
+            <a:spLocks noGrp="1"/>
+          </p:cNvSpPr>
+          <p:nvPr>
+            <p:ph type="title"/>
+          </p:nvPr>
+        </p:nvSpPr>
+        <p:spPr/>
+        <p:txBody>
+          <a:bodyPr/>
+          <a:lstStyle/>
+          <a:p>
+            <a:r>
+              <a:rPr lang="de-DE" dirty="0"/>
+              <a:t>CI/CD</a:t>
+            </a:r>
+          </a:p>
+        </p:txBody>
+      </p:sp>
+      <p:sp>
+        <p:nvSpPr>
+          <p:cNvPr id="4" name="Inhaltsplatzhalter 2">
+            <a:extLst>
+              <a:ext uri="{FF2B5EF4-FFF2-40B4-BE49-F238E27FC236}">
+                <a16:creationId xmlns:a16="http://schemas.microsoft.com/office/drawing/2014/main" id="{FE26268B-C609-ACA5-B6B4-D8D23D94F991}"/>
+              </a:ext>
+            </a:extLst>
+          </p:cNvPr>
+          <p:cNvSpPr>
+            <a:spLocks noGrp="1"/>
+          </p:cNvSpPr>
+          <p:nvPr>
+            <p:ph idx="1"/>
+          </p:nvPr>
+        </p:nvSpPr>
+        <p:spPr>
+          <a:xfrm>
+            <a:off x="303213" y="981075"/>
+            <a:ext cx="8516937" cy="5400675"/>
+          </a:xfrm>
+        </p:spPr>
+        <p:txBody>
+          <a:bodyPr/>
+          <a:lstStyle/>
+          <a:p>
+            <a:pPr marL="0" indent="0">
+              <a:buNone/>
+            </a:pPr>
+            <a:r>
+              <a:rPr lang="de-DE" b="1" dirty="0"/>
               <a:t>Defaults</a:t>
             </a:r>
           </a:p>
@@ -20128,7 +21866,7 @@
 </p:sld>
 </file>
 
-<file path=ppt/slides/slide36.xml><?xml version="1.0" encoding="utf-8"?>
+<file path=ppt/slides/slide38.xml><?xml version="1.0" encoding="utf-8"?>
 <p:sld xmlns:a="http://schemas.openxmlformats.org/drawingml/2006/main" xmlns:r="http://schemas.openxmlformats.org/officeDocument/2006/relationships" xmlns:p="http://schemas.openxmlformats.org/presentationml/2006/main">
   <p:cSld>
     <p:spTree>
@@ -20204,7 +21942,7 @@
             </a:pPr>
             <a:r>
               <a:rPr lang="de-DE" b="1" dirty="0"/>
-              <a:t>Aufgabe 6: Einführung von Defaults</a:t>
+              <a:t>Aufgabe 7: Verwendung von Defaults</a:t>
             </a:r>
             <a:br>
               <a:rPr lang="de-DE" b="1" dirty="0"/>
@@ -20228,7 +21966,7 @@
             </a:br>
             <a:r>
               <a:rPr lang="de-DE" dirty="0"/>
-              <a:t>Vereinfachung des </a:t>
+              <a:t>Durch Verwendung von Defaults im </a:t>
             </a:r>
             <a:r>
               <a:rPr lang="de-DE" dirty="0" err="1"/>
@@ -20236,14 +21974,7 @@
             </a:r>
             <a:r>
               <a:rPr lang="de-DE" dirty="0"/>
-              <a:t>-CI Codes</a:t>
-            </a:r>
-            <a:br>
-              <a:rPr lang="de-DE" dirty="0"/>
-            </a:br>
-            <a:r>
-              <a:rPr lang="de-DE" dirty="0"/>
-              <a:t>mit Verwendung von Defaults</a:t>
+              <a:t>-CI Code Redundanz vermeiden</a:t>
             </a:r>
             <a:br>
               <a:rPr lang="de-DE" dirty="0"/>
@@ -20265,6 +21996,9 @@
               <a:rPr lang="de-DE" dirty="0"/>
               <a:t>:</a:t>
             </a:r>
+            <a:endParaRPr lang="de-DE" sz="2400" dirty="0">
+              <a:cs typeface="Arial"/>
+            </a:endParaRPr>
           </a:p>
           <a:p>
             <a:pPr lvl="1">
@@ -20275,31 +22009,7 @@
               <a:rPr lang="de-DE" sz="2400" dirty="0">
                 <a:cs typeface="Arial"/>
               </a:rPr>
-              <a:t>Setzen Sie die </a:t>
-            </a:r>
-            <a:r>
-              <a:rPr lang="de-DE" sz="2400" dirty="0" err="1">
-                <a:cs typeface="Arial"/>
-              </a:rPr>
-              <a:t>default</a:t>
-            </a:r>
-            <a:r>
-              <a:rPr lang="de-DE" sz="2400" dirty="0">
-                <a:cs typeface="Arial"/>
-              </a:rPr>
-              <a:t> Stage (Folie 35) auf "</a:t>
-            </a:r>
-            <a:r>
-              <a:rPr lang="de-DE" sz="2400" dirty="0" err="1">
-                <a:cs typeface="Arial"/>
-              </a:rPr>
-              <a:t>build</a:t>
-            </a:r>
-            <a:r>
-              <a:rPr lang="de-DE" sz="2400" dirty="0">
-                <a:cs typeface="Arial"/>
-              </a:rPr>
-              <a:t>"</a:t>
+              <a:t>Fügen Sie einen Default-Block hinzu</a:t>
             </a:r>
           </a:p>
           <a:p>
@@ -20311,13 +22021,108 @@
               <a:rPr lang="de-DE" sz="2400" dirty="0">
                 <a:cs typeface="Arial"/>
               </a:rPr>
-              <a:t>Entfernen Sie die überflüssigen Stage Zuweisungen</a:t>
-            </a:r>
-          </a:p>
-          <a:p>
-            <a:pPr>
+              <a:t>Definieren Sie dort ein</a:t>
+            </a:r>
+            <a:r>
+              <a:rPr lang="de-DE" sz="2400" i="1" dirty="0">
+                <a:cs typeface="Arial"/>
+              </a:rPr>
+              <a:t> </a:t>
+            </a:r>
+            <a:r>
+              <a:rPr lang="de-DE" sz="2400" i="1" dirty="0" err="1">
+                <a:cs typeface="Arial"/>
+              </a:rPr>
+              <a:t>before_script</a:t>
+            </a:r>
+            <a:r>
+              <a:rPr lang="de-DE" sz="2400" dirty="0">
+                <a:cs typeface="Arial"/>
+              </a:rPr>
+              <a:t>, das simuliert eine </a:t>
+            </a:r>
+            <a:r>
+              <a:rPr lang="de-DE" sz="2400" dirty="0" err="1">
+                <a:cs typeface="Arial"/>
+              </a:rPr>
+              <a:t>Dependency</a:t>
+            </a:r>
+            <a:r>
+              <a:rPr lang="de-DE" sz="2400" dirty="0">
+                <a:cs typeface="Arial"/>
+              </a:rPr>
+              <a:t> installiert</a:t>
+            </a:r>
+          </a:p>
+          <a:p>
+            <a:pPr lvl="1">
               <a:buFont typeface="Arial" panose="020B0604020202020204" pitchFamily="34" charset="0"/>
               <a:buChar char="•"/>
+            </a:pPr>
+            <a:r>
+              <a:rPr lang="de-DE" sz="2400" dirty="0">
+                <a:cs typeface="Arial"/>
+              </a:rPr>
+              <a:t>Deaktivieren Sie diesen Default im deploy-</a:t>
+            </a:r>
+            <a:r>
+              <a:rPr lang="de-DE" sz="2400" dirty="0" err="1">
+                <a:cs typeface="Arial"/>
+              </a:rPr>
+              <a:t>Step</a:t>
+            </a:r>
+            <a:r>
+              <a:rPr lang="de-DE" sz="2400" dirty="0">
+                <a:cs typeface="Arial"/>
+              </a:rPr>
+              <a:t> mit </a:t>
+            </a:r>
+            <a:r>
+              <a:rPr lang="de-DE" sz="2400" i="1" dirty="0" err="1">
+                <a:cs typeface="Arial"/>
+              </a:rPr>
+              <a:t>before_script</a:t>
+            </a:r>
+            <a:r>
+              <a:rPr lang="de-DE" sz="2400" i="1" dirty="0">
+                <a:cs typeface="Arial"/>
+              </a:rPr>
+              <a:t> : []</a:t>
+            </a:r>
+            <a:endParaRPr lang="de-DE" sz="2400" dirty="0">
+              <a:cs typeface="Arial"/>
+            </a:endParaRPr>
+          </a:p>
+          <a:p>
+            <a:pPr lvl="1">
+              <a:buFont typeface="Arial" panose="020B0604020202020204" pitchFamily="34" charset="0"/>
+              <a:buChar char="•"/>
+            </a:pPr>
+            <a:endParaRPr lang="de-DE" sz="2400" dirty="0">
+              <a:cs typeface="Arial"/>
+            </a:endParaRPr>
+          </a:p>
+          <a:p>
+            <a:pPr lvl="1">
+              <a:buFont typeface="Arial" panose="020B0604020202020204" pitchFamily="34" charset="0"/>
+              <a:buChar char="•"/>
+            </a:pPr>
+            <a:endParaRPr lang="de-DE" sz="2400" dirty="0">
+              <a:cs typeface="Arial"/>
+            </a:endParaRPr>
+          </a:p>
+          <a:p>
+            <a:pPr lvl="1">
+              <a:buFont typeface="Arial" panose="020B0604020202020204" pitchFamily="34" charset="0"/>
+              <a:buChar char="•"/>
+            </a:pPr>
+            <a:endParaRPr lang="de-DE" sz="2400" dirty="0">
+              <a:cs typeface="Arial"/>
+            </a:endParaRPr>
+          </a:p>
+          <a:p>
+            <a:pPr marL="0" indent="0">
+              <a:buNone/>
             </a:pPr>
             <a:endParaRPr lang="de-DE" dirty="0"/>
           </a:p>
@@ -20336,7 +22141,7 @@
 </p:sld>
 </file>
 
-<file path=ppt/slides/slide37.xml><?xml version="1.0" encoding="utf-8"?>
+<file path=ppt/slides/slide39.xml><?xml version="1.0" encoding="utf-8"?>
 <p:sld xmlns:a="http://schemas.openxmlformats.org/drawingml/2006/main" xmlns:r="http://schemas.openxmlformats.org/officeDocument/2006/relationships" xmlns:p="http://schemas.openxmlformats.org/presentationml/2006/main">
   <p:cSld>
     <p:spTree>
@@ -20412,7 +22217,7 @@
             </a:pPr>
             <a:r>
               <a:rPr lang="de-DE" b="1" dirty="0"/>
-              <a:t>Aufgabe 6: Einführung von Defaults</a:t>
+              <a:t>Aufgabe 7: Einführung von Defaults</a:t>
             </a:r>
             <a:endParaRPr lang="de-DE" dirty="0"/>
           </a:p>
@@ -20449,8 +22254,8 @@
         </p:nvSpPr>
         <p:spPr bwMode="auto">
           <a:xfrm>
-            <a:off x="2195736" y="1885159"/>
-            <a:ext cx="4983111" cy="4555093"/>
+            <a:off x="2123728" y="2276872"/>
+            <a:ext cx="4983111" cy="3785652"/>
           </a:xfrm>
           <a:prstGeom prst="rect">
             <a:avLst/>
@@ -20480,62 +22285,6 @@
                 </a:solidFill>
                 <a:latin typeface="Consolas"/>
               </a:rPr>
-              <a:t>variables</a:t>
-            </a:r>
-            <a:r>
-              <a:rPr lang="en-US" sz="1000" dirty="0">
-                <a:solidFill>
-                  <a:srgbClr val="3B3B3B"/>
-                </a:solidFill>
-                <a:latin typeface="Consolas"/>
-              </a:rPr>
-              <a:t>:</a:t>
-            </a:r>
-          </a:p>
-          <a:p>
-            <a:pPr eaLnBrk="1" hangingPunct="1"/>
-            <a:r>
-              <a:rPr lang="en-US" sz="1000" dirty="0">
-                <a:solidFill>
-                  <a:srgbClr val="800000"/>
-                </a:solidFill>
-                <a:latin typeface="Consolas"/>
-              </a:rPr>
-              <a:t>  DUMMY_FILE</a:t>
-            </a:r>
-            <a:r>
-              <a:rPr lang="en-US" sz="1000" dirty="0">
-                <a:solidFill>
-                  <a:srgbClr val="3B3B3B"/>
-                </a:solidFill>
-                <a:latin typeface="Consolas"/>
-              </a:rPr>
-              <a:t>: </a:t>
-            </a:r>
-            <a:r>
-              <a:rPr lang="en-US" sz="1000" dirty="0">
-                <a:solidFill>
-                  <a:srgbClr val="A31515"/>
-                </a:solidFill>
-                <a:latin typeface="Consolas"/>
-              </a:rPr>
-              <a:t>"dummy_file.txt"</a:t>
-            </a:r>
-          </a:p>
-          <a:p>
-            <a:pPr eaLnBrk="1" hangingPunct="1"/>
-            <a:br>
-              <a:rPr lang="en-US" sz="1000" dirty="0">
-                <a:latin typeface="Consolas"/>
-              </a:rPr>
-            </a:br>
-            <a:r>
-              <a:rPr lang="en-US" sz="1000" dirty="0">
-                <a:solidFill>
-                  <a:srgbClr val="800000"/>
-                </a:solidFill>
-                <a:latin typeface="Consolas"/>
-              </a:rPr>
               <a:t>stages</a:t>
             </a:r>
             <a:r>
@@ -20653,14 +22402,26 @@
               <a:t>  </a:t>
             </a:r>
             <a:r>
+              <a:rPr lang="en-US" sz="1000" dirty="0" err="1">
+                <a:solidFill>
+                  <a:srgbClr val="800000"/>
+                </a:solidFill>
+                <a:latin typeface="Consolas"/>
+              </a:rPr>
+              <a:t>before_script</a:t>
+            </a:r>
+            <a:r>
               <a:rPr lang="en-US" sz="1000" dirty="0">
                 <a:solidFill>
-                  <a:srgbClr val="800000"/>
-                </a:solidFill>
-                <a:latin typeface="Consolas"/>
-              </a:rPr>
-              <a:t>stage</a:t>
-            </a:r>
+                  <a:srgbClr val="3B3B3B"/>
+                </a:solidFill>
+                <a:latin typeface="Consolas"/>
+              </a:rPr>
+              <a:t>:</a:t>
+            </a:r>
+          </a:p>
+          <a:p>
+            <a:pPr eaLnBrk="1" hangingPunct="1"/>
             <a:r>
               <a:rPr lang="en-US" sz="1000" dirty="0">
                 <a:solidFill>
@@ -20668,7 +22429,7 @@
                 </a:solidFill>
                 <a:latin typeface="Consolas"/>
               </a:rPr>
-              <a:t>: </a:t>
+              <a:t>    - </a:t>
             </a:r>
             <a:r>
               <a:rPr lang="en-US" sz="1000" dirty="0">
@@ -20677,7 +22438,7 @@
                 </a:solidFill>
                 <a:latin typeface="Consolas"/>
               </a:rPr>
-              <a:t>build</a:t>
+              <a:t>echo "Installing dependency..."</a:t>
             </a:r>
           </a:p>
           <a:p>
@@ -20712,6 +22473,161 @@
                 </a:solidFill>
                 <a:latin typeface="Consolas"/>
               </a:rPr>
+              <a:t>  </a:t>
+            </a:r>
+          </a:p>
+          <a:p>
+            <a:pPr eaLnBrk="1" hangingPunct="1"/>
+            <a:r>
+              <a:rPr lang="en-US" sz="1000" dirty="0">
+                <a:solidFill>
+                  <a:srgbClr val="800000"/>
+                </a:solidFill>
+                <a:latin typeface="Consolas"/>
+              </a:rPr>
+              <a:t>  stage</a:t>
+            </a:r>
+            <a:r>
+              <a:rPr lang="en-US" sz="1000" dirty="0">
+                <a:solidFill>
+                  <a:srgbClr val="3B3B3B"/>
+                </a:solidFill>
+                <a:latin typeface="Consolas"/>
+              </a:rPr>
+              <a:t>: </a:t>
+            </a:r>
+            <a:r>
+              <a:rPr lang="en-US" sz="1000" dirty="0">
+                <a:solidFill>
+                  <a:srgbClr val="0000FF"/>
+                </a:solidFill>
+                <a:latin typeface="Consolas"/>
+              </a:rPr>
+              <a:t>build</a:t>
+            </a:r>
+            <a:endParaRPr lang="en-US" sz="1000" dirty="0">
+              <a:solidFill>
+                <a:srgbClr val="800000"/>
+              </a:solidFill>
+              <a:latin typeface="Consolas"/>
+            </a:endParaRPr>
+          </a:p>
+          <a:p>
+            <a:pPr eaLnBrk="1" hangingPunct="1"/>
+            <a:r>
+              <a:rPr lang="en-US" sz="1000" dirty="0">
+                <a:solidFill>
+                  <a:srgbClr val="800000"/>
+                </a:solidFill>
+                <a:latin typeface="Consolas"/>
+              </a:rPr>
+              <a:t>  script</a:t>
+            </a:r>
+            <a:r>
+              <a:rPr lang="en-US" sz="1000" dirty="0">
+                <a:solidFill>
+                  <a:srgbClr val="3B3B3B"/>
+                </a:solidFill>
+                <a:latin typeface="Consolas"/>
+              </a:rPr>
+              <a:t>:</a:t>
+            </a:r>
+          </a:p>
+          <a:p>
+            <a:pPr eaLnBrk="1" hangingPunct="1"/>
+            <a:r>
+              <a:rPr lang="en-US" sz="1000" dirty="0">
+                <a:solidFill>
+                  <a:srgbClr val="3B3B3B"/>
+                </a:solidFill>
+                <a:latin typeface="Consolas"/>
+              </a:rPr>
+              <a:t>    - </a:t>
+            </a:r>
+            <a:r>
+              <a:rPr lang="en-US" sz="1000" dirty="0">
+                <a:solidFill>
+                  <a:srgbClr val="0000FF"/>
+                </a:solidFill>
+                <a:latin typeface="Consolas"/>
+              </a:rPr>
+              <a:t>echo "Building the project..."</a:t>
+            </a:r>
+          </a:p>
+          <a:p>
+            <a:pPr eaLnBrk="1" hangingPunct="1"/>
+            <a:r>
+              <a:rPr lang="en-US" sz="1000" dirty="0">
+                <a:solidFill>
+                  <a:srgbClr val="3B3B3B"/>
+                </a:solidFill>
+                <a:latin typeface="Consolas"/>
+              </a:rPr>
+              <a:t> </a:t>
+            </a:r>
+            <a:br>
+              <a:rPr lang="en-US" sz="1000" dirty="0">
+                <a:latin typeface="Consolas"/>
+              </a:rPr>
+            </a:br>
+            <a:r>
+              <a:rPr lang="en-US" sz="1000" dirty="0" err="1">
+                <a:solidFill>
+                  <a:srgbClr val="800000"/>
+                </a:solidFill>
+                <a:latin typeface="Consolas"/>
+              </a:rPr>
+              <a:t>test_job</a:t>
+            </a:r>
+            <a:r>
+              <a:rPr lang="en-US" sz="1000" dirty="0">
+                <a:solidFill>
+                  <a:srgbClr val="3B3B3B"/>
+                </a:solidFill>
+                <a:latin typeface="Consolas"/>
+              </a:rPr>
+              <a:t>:</a:t>
+            </a:r>
+          </a:p>
+          <a:p>
+            <a:pPr eaLnBrk="1" hangingPunct="1"/>
+            <a:r>
+              <a:rPr lang="en-US" sz="1000" dirty="0">
+                <a:solidFill>
+                  <a:srgbClr val="800000"/>
+                </a:solidFill>
+                <a:latin typeface="Consolas"/>
+              </a:rPr>
+              <a:t>  stage</a:t>
+            </a:r>
+            <a:r>
+              <a:rPr lang="en-US" sz="1000" dirty="0">
+                <a:solidFill>
+                  <a:srgbClr val="3B3B3B"/>
+                </a:solidFill>
+                <a:latin typeface="Consolas"/>
+              </a:rPr>
+              <a:t>: </a:t>
+            </a:r>
+            <a:r>
+              <a:rPr lang="en-US" sz="1000" dirty="0">
+                <a:solidFill>
+                  <a:srgbClr val="0000FF"/>
+                </a:solidFill>
+                <a:latin typeface="Consolas"/>
+              </a:rPr>
+              <a:t>test</a:t>
+            </a:r>
+          </a:p>
+          <a:p>
+            <a:pPr eaLnBrk="1" hangingPunct="1"/>
+            <a:r>
+              <a:rPr lang="en-US" sz="1000" dirty="0">
+                <a:solidFill>
+                  <a:srgbClr val="800000"/>
+                </a:solidFill>
+                <a:latin typeface="Consolas"/>
+              </a:rPr>
               <a:t>  script</a:t>
             </a:r>
             <a:r>
@@ -20742,91 +22658,7 @@
                 </a:solidFill>
                 <a:latin typeface="Consolas"/>
               </a:rPr>
-              <a:t>echo "Building the project..."</a:t>
-            </a:r>
-          </a:p>
-          <a:p>
-            <a:pPr eaLnBrk="1" hangingPunct="1"/>
-            <a:r>
-              <a:rPr lang="en-US" sz="1000" dirty="0">
-                <a:solidFill>
-                  <a:srgbClr val="3B3B3B"/>
-                </a:solidFill>
-                <a:latin typeface="Consolas"/>
-              </a:rPr>
-              <a:t>    - </a:t>
-            </a:r>
-            <a:r>
-              <a:rPr lang="en-US" sz="1000" dirty="0">
-                <a:solidFill>
-                  <a:srgbClr val="0000FF"/>
-                </a:solidFill>
-                <a:latin typeface="Consolas"/>
-              </a:rPr>
-              <a:t>touch $DUMMY_FILE</a:t>
-            </a:r>
-          </a:p>
-          <a:p>
-            <a:pPr eaLnBrk="1" hangingPunct="1"/>
-            <a:r>
-              <a:rPr lang="en-US" sz="1000" dirty="0">
-                <a:solidFill>
-                  <a:srgbClr val="800000"/>
-                </a:solidFill>
-                <a:latin typeface="Consolas"/>
-              </a:rPr>
-              <a:t>artifacts</a:t>
-            </a:r>
-            <a:r>
-              <a:rPr lang="en-US" sz="1000" dirty="0">
-                <a:solidFill>
-                  <a:srgbClr val="3B3B3B"/>
-                </a:solidFill>
-                <a:latin typeface="Consolas"/>
-              </a:rPr>
-              <a:t>:</a:t>
-            </a:r>
-          </a:p>
-          <a:p>
-            <a:pPr eaLnBrk="1" hangingPunct="1"/>
-            <a:r>
-              <a:rPr lang="en-US" sz="1000" dirty="0">
-                <a:solidFill>
-                  <a:srgbClr val="800000"/>
-                </a:solidFill>
-                <a:latin typeface="Consolas"/>
-              </a:rPr>
-              <a:t>  paths</a:t>
-            </a:r>
-            <a:r>
-              <a:rPr lang="en-US" sz="1000" dirty="0">
-                <a:solidFill>
-                  <a:srgbClr val="3B3B3B"/>
-                </a:solidFill>
-                <a:latin typeface="Consolas"/>
-              </a:rPr>
-              <a:t>:</a:t>
-            </a:r>
-          </a:p>
-          <a:p>
-            <a:pPr eaLnBrk="1" hangingPunct="1"/>
-            <a:r>
-              <a:rPr lang="en-US" sz="1000" dirty="0">
-                <a:solidFill>
-                  <a:srgbClr val="3B3B3B"/>
-                </a:solidFill>
-                <a:latin typeface="Consolas"/>
-              </a:rPr>
-              <a:t>    - </a:t>
-            </a:r>
-            <a:r>
-              <a:rPr lang="en-US" sz="1000" dirty="0">
-                <a:solidFill>
-                  <a:srgbClr val="0000FF"/>
-                </a:solidFill>
-                <a:latin typeface="Consolas"/>
-              </a:rPr>
-              <a:t>$DUMMY_FILE</a:t>
+              <a:t>echo "Testing the project..."</a:t>
             </a:r>
           </a:p>
           <a:p>
@@ -20843,7 +22675,7 @@
                 </a:solidFill>
                 <a:latin typeface="Consolas"/>
               </a:rPr>
-              <a:t>test_job</a:t>
+              <a:t>deploy_job</a:t>
             </a:r>
             <a:r>
               <a:rPr lang="en-US" sz="1000" dirty="0">
@@ -20882,7 +22714,7 @@
                 </a:solidFill>
                 <a:latin typeface="Consolas"/>
               </a:rPr>
-              <a:t>test</a:t>
+              <a:t>deploy</a:t>
             </a:r>
           </a:p>
           <a:p>
@@ -20894,6 +22726,45 @@
                 </a:solidFill>
                 <a:latin typeface="Consolas"/>
               </a:rPr>
+              <a:t>  </a:t>
+            </a:r>
+            <a:r>
+              <a:rPr lang="en-US" sz="1000" dirty="0" err="1">
+                <a:solidFill>
+                  <a:srgbClr val="800000"/>
+                </a:solidFill>
+                <a:latin typeface="Consolas"/>
+              </a:rPr>
+              <a:t>before_script</a:t>
+            </a:r>
+            <a:r>
+              <a:rPr lang="en-US" sz="1000" dirty="0">
+                <a:solidFill>
+                  <a:srgbClr val="3B3B3B"/>
+                </a:solidFill>
+                <a:latin typeface="Consolas"/>
+              </a:rPr>
+              <a:t>: [</a:t>
+            </a:r>
+            <a:r>
+              <a:rPr lang="en-US" sz="1000" dirty="0">
+                <a:solidFill>
+                  <a:srgbClr val="0000FF"/>
+                </a:solidFill>
+                <a:latin typeface="Consolas"/>
+              </a:rPr>
+              <a:t>]</a:t>
+            </a:r>
+          </a:p>
+          <a:p>
+            <a:pPr eaLnBrk="1" hangingPunct="1"/>
+            <a:r>
+              <a:rPr lang="en-US" sz="1000" dirty="0">
+                <a:solidFill>
+                  <a:srgbClr val="800000"/>
+                </a:solidFill>
+                <a:latin typeface="Consolas"/>
+              </a:rPr>
               <a:t>  script</a:t>
             </a:r>
             <a:r>
@@ -20924,147 +22795,7 @@
                 </a:solidFill>
                 <a:latin typeface="Consolas"/>
               </a:rPr>
-              <a:t>echo "Testing the project..."</a:t>
-            </a:r>
-          </a:p>
-          <a:p>
-            <a:pPr eaLnBrk="1" hangingPunct="1"/>
-            <a:r>
-              <a:rPr lang="en-US" sz="1000" dirty="0">
-                <a:solidFill>
-                  <a:srgbClr val="3B3B3B"/>
-                </a:solidFill>
-                <a:latin typeface="Consolas"/>
-              </a:rPr>
-              <a:t>    - </a:t>
-            </a:r>
-            <a:r>
-              <a:rPr lang="en-US" sz="1000" dirty="0">
-                <a:solidFill>
-                  <a:srgbClr val="0000FF"/>
-                </a:solidFill>
-                <a:latin typeface="Consolas"/>
-              </a:rPr>
-              <a:t>ls -l $DUMMY_FILE</a:t>
-            </a:r>
-          </a:p>
-          <a:p>
-            <a:pPr eaLnBrk="1" hangingPunct="1"/>
-            <a:br>
-              <a:rPr lang="en-US" sz="1000" dirty="0">
-                <a:latin typeface="Consolas"/>
-              </a:rPr>
-            </a:br>
-            <a:r>
-              <a:rPr lang="en-US" sz="1000" dirty="0" err="1">
-                <a:solidFill>
-                  <a:srgbClr val="800000"/>
-                </a:solidFill>
-                <a:latin typeface="Consolas"/>
-              </a:rPr>
-              <a:t>deploy_job</a:t>
-            </a:r>
-            <a:r>
-              <a:rPr lang="en-US" sz="1000" dirty="0">
-                <a:solidFill>
-                  <a:srgbClr val="3B3B3B"/>
-                </a:solidFill>
-                <a:latin typeface="Consolas"/>
-              </a:rPr>
-              <a:t>:</a:t>
-            </a:r>
-          </a:p>
-          <a:p>
-            <a:pPr eaLnBrk="1" hangingPunct="1"/>
-            <a:r>
-              <a:rPr lang="en-US" sz="1000" dirty="0">
-                <a:solidFill>
-                  <a:srgbClr val="800000"/>
-                </a:solidFill>
-                <a:latin typeface="Consolas"/>
-              </a:rPr>
-              <a:t>  stage</a:t>
-            </a:r>
-            <a:r>
-              <a:rPr lang="en-US" sz="1000" dirty="0">
-                <a:solidFill>
-                  <a:srgbClr val="3B3B3B"/>
-                </a:solidFill>
-                <a:latin typeface="Consolas"/>
-              </a:rPr>
-              <a:t>: </a:t>
-            </a:r>
-            <a:r>
-              <a:rPr lang="en-US" sz="1000" dirty="0">
-                <a:solidFill>
-                  <a:srgbClr val="0000FF"/>
-                </a:solidFill>
-                <a:latin typeface="Consolas"/>
-              </a:rPr>
-              <a:t>deploy</a:t>
-            </a:r>
-          </a:p>
-          <a:p>
-            <a:pPr eaLnBrk="1" hangingPunct="1"/>
-            <a:r>
-              <a:rPr lang="en-US" sz="1000" dirty="0">
-                <a:solidFill>
-                  <a:srgbClr val="800000"/>
-                </a:solidFill>
-                <a:latin typeface="Consolas"/>
-              </a:rPr>
-              <a:t>  script</a:t>
-            </a:r>
-            <a:r>
-              <a:rPr lang="en-US" sz="1000" dirty="0">
-                <a:solidFill>
-                  <a:srgbClr val="3B3B3B"/>
-                </a:solidFill>
-                <a:latin typeface="Consolas"/>
-              </a:rPr>
-              <a:t>:</a:t>
-            </a:r>
-          </a:p>
-          <a:p>
-            <a:pPr eaLnBrk="1" hangingPunct="1"/>
-            <a:r>
-              <a:rPr lang="en-US" sz="1000" dirty="0">
-                <a:solidFill>
-                  <a:srgbClr val="3B3B3B"/>
-                </a:solidFill>
-                <a:latin typeface="Consolas"/>
-              </a:rPr>
-              <a:t>    - </a:t>
-            </a:r>
-            <a:r>
-              <a:rPr lang="en-US" sz="1000" dirty="0">
-                <a:solidFill>
-                  <a:srgbClr val="0000FF"/>
-                </a:solidFill>
-                <a:latin typeface="Consolas"/>
-              </a:rPr>
               <a:t>echo "Deploying the project..."</a:t>
-            </a:r>
-          </a:p>
-          <a:p>
-            <a:pPr eaLnBrk="1" hangingPunct="1"/>
-            <a:r>
-              <a:rPr lang="en-US" sz="1000" dirty="0">
-                <a:solidFill>
-                  <a:srgbClr val="3B3B3B"/>
-                </a:solidFill>
-                <a:latin typeface="Consolas"/>
-              </a:rPr>
-              <a:t>    - </a:t>
-            </a:r>
-            <a:r>
-              <a:rPr lang="en-US" sz="1000" dirty="0">
-                <a:solidFill>
-                  <a:srgbClr val="0000FF"/>
-                </a:solidFill>
-                <a:latin typeface="Consolas"/>
-              </a:rPr>
-              <a:t>ls -l $DUMMY_FILE</a:t>
             </a:r>
           </a:p>
         </p:txBody>
@@ -21073,553 +22804,6 @@
     <p:extLst>
       <p:ext uri="{BB962C8B-B14F-4D97-AF65-F5344CB8AC3E}">
         <p14:creationId xmlns:p14="http://schemas.microsoft.com/office/powerpoint/2010/main" val="1916387411"/>
-      </p:ext>
-    </p:extLst>
-  </p:cSld>
-  <p:clrMapOvr>
-    <a:masterClrMapping/>
-  </p:clrMapOvr>
-</p:sld>
-</file>
-
-<file path=ppt/slides/slide38.xml><?xml version="1.0" encoding="utf-8"?>
-<p:sld xmlns:a="http://schemas.openxmlformats.org/drawingml/2006/main" xmlns:r="http://schemas.openxmlformats.org/officeDocument/2006/relationships" xmlns:p="http://schemas.openxmlformats.org/presentationml/2006/main">
-  <p:cSld>
-    <p:spTree>
-      <p:nvGrpSpPr>
-        <p:cNvPr id="1" name=""/>
-        <p:cNvGrpSpPr/>
-        <p:nvPr/>
-      </p:nvGrpSpPr>
-      <p:grpSpPr>
-        <a:xfrm>
-          <a:off x="0" y="0"/>
-          <a:ext cx="0" cy="0"/>
-          <a:chOff x="0" y="0"/>
-          <a:chExt cx="0" cy="0"/>
-        </a:xfrm>
-      </p:grpSpPr>
-      <p:sp>
-        <p:nvSpPr>
-          <p:cNvPr id="2" name="Titel 1">
-            <a:extLst>
-              <a:ext uri="{FF2B5EF4-FFF2-40B4-BE49-F238E27FC236}">
-                <a16:creationId xmlns:a16="http://schemas.microsoft.com/office/drawing/2014/main" id="{3363B985-2812-BDBB-7E9D-A28D84AB06EF}"/>
-              </a:ext>
-            </a:extLst>
-          </p:cNvPr>
-          <p:cNvSpPr>
-            <a:spLocks noGrp="1"/>
-          </p:cNvSpPr>
-          <p:nvPr>
-            <p:ph type="title"/>
-          </p:nvPr>
-        </p:nvSpPr>
-        <p:spPr/>
-        <p:txBody>
-          <a:bodyPr/>
-          <a:lstStyle/>
-          <a:p>
-            <a:r>
-              <a:rPr lang="de-DE" dirty="0"/>
-              <a:t>CI/CD</a:t>
-            </a:r>
-          </a:p>
-        </p:txBody>
-      </p:sp>
-      <p:sp>
-        <p:nvSpPr>
-          <p:cNvPr id="4" name="Inhaltsplatzhalter 2">
-            <a:extLst>
-              <a:ext uri="{FF2B5EF4-FFF2-40B4-BE49-F238E27FC236}">
-                <a16:creationId xmlns:a16="http://schemas.microsoft.com/office/drawing/2014/main" id="{FE26268B-C609-ACA5-B6B4-D8D23D94F991}"/>
-              </a:ext>
-            </a:extLst>
-          </p:cNvPr>
-          <p:cNvSpPr>
-            <a:spLocks noGrp="1"/>
-          </p:cNvSpPr>
-          <p:nvPr>
-            <p:ph idx="1"/>
-          </p:nvPr>
-        </p:nvSpPr>
-        <p:spPr>
-          <a:xfrm>
-            <a:off x="303213" y="981075"/>
-            <a:ext cx="8516937" cy="5400675"/>
-          </a:xfrm>
-        </p:spPr>
-        <p:txBody>
-          <a:bodyPr/>
-          <a:lstStyle/>
-          <a:p>
-            <a:pPr marL="0" indent="0">
-              <a:buNone/>
-            </a:pPr>
-            <a:r>
-              <a:rPr lang="de-DE" b="1" dirty="0"/>
-              <a:t>Extension</a:t>
-            </a:r>
-            <a:endParaRPr lang="de-DE" dirty="0"/>
-          </a:p>
-          <a:p>
-            <a:pPr>
-              <a:buFont typeface="Arial" panose="020B0604020202020204" pitchFamily="34" charset="0"/>
-              <a:buChar char="•"/>
-            </a:pPr>
-            <a:r>
-              <a:rPr lang="de-DE" dirty="0"/>
-              <a:t>Definition wiederverwendbarer Job Templates</a:t>
-            </a:r>
-          </a:p>
-          <a:p>
-            <a:pPr>
-              <a:buFont typeface="Arial" panose="020B0604020202020204" pitchFamily="34" charset="0"/>
-              <a:buChar char="•"/>
-            </a:pPr>
-            <a:r>
-              <a:rPr lang="de-DE" dirty="0"/>
-              <a:t>Verwendung („Erweiterung“) nach Bedarf</a:t>
-            </a:r>
-          </a:p>
-          <a:p>
-            <a:pPr>
-              <a:buFont typeface="Arial" panose="020B0604020202020204" pitchFamily="34" charset="0"/>
-              <a:buChar char="•"/>
-            </a:pPr>
-            <a:r>
-              <a:rPr lang="de-DE" dirty="0"/>
-              <a:t>Überschreibung (eingeschränkt) möglich</a:t>
-            </a:r>
-          </a:p>
-        </p:txBody>
-      </p:sp>
-    </p:spTree>
-    <p:extLst>
-      <p:ext uri="{BB962C8B-B14F-4D97-AF65-F5344CB8AC3E}">
-        <p14:creationId xmlns:p14="http://schemas.microsoft.com/office/powerpoint/2010/main" val="3855720706"/>
-      </p:ext>
-    </p:extLst>
-  </p:cSld>
-  <p:clrMapOvr>
-    <a:masterClrMapping/>
-  </p:clrMapOvr>
-</p:sld>
-</file>
-
-<file path=ppt/slides/slide39.xml><?xml version="1.0" encoding="utf-8"?>
-<p:sld xmlns:a="http://schemas.openxmlformats.org/drawingml/2006/main" xmlns:r="http://schemas.openxmlformats.org/officeDocument/2006/relationships" xmlns:p="http://schemas.openxmlformats.org/presentationml/2006/main">
-  <p:cSld>
-    <p:spTree>
-      <p:nvGrpSpPr>
-        <p:cNvPr id="1" name=""/>
-        <p:cNvGrpSpPr/>
-        <p:nvPr/>
-      </p:nvGrpSpPr>
-      <p:grpSpPr>
-        <a:xfrm>
-          <a:off x="0" y="0"/>
-          <a:ext cx="0" cy="0"/>
-          <a:chOff x="0" y="0"/>
-          <a:chExt cx="0" cy="0"/>
-        </a:xfrm>
-      </p:grpSpPr>
-      <p:sp>
-        <p:nvSpPr>
-          <p:cNvPr id="2" name="Titel 1">
-            <a:extLst>
-              <a:ext uri="{FF2B5EF4-FFF2-40B4-BE49-F238E27FC236}">
-                <a16:creationId xmlns:a16="http://schemas.microsoft.com/office/drawing/2014/main" id="{3363B985-2812-BDBB-7E9D-A28D84AB06EF}"/>
-              </a:ext>
-            </a:extLst>
-          </p:cNvPr>
-          <p:cNvSpPr>
-            <a:spLocks noGrp="1"/>
-          </p:cNvSpPr>
-          <p:nvPr>
-            <p:ph type="title"/>
-          </p:nvPr>
-        </p:nvSpPr>
-        <p:spPr/>
-        <p:txBody>
-          <a:bodyPr/>
-          <a:lstStyle/>
-          <a:p>
-            <a:r>
-              <a:rPr lang="de-DE" dirty="0"/>
-              <a:t>CI/CD</a:t>
-            </a:r>
-          </a:p>
-        </p:txBody>
-      </p:sp>
-      <p:sp>
-        <p:nvSpPr>
-          <p:cNvPr id="4" name="Inhaltsplatzhalter 2">
-            <a:extLst>
-              <a:ext uri="{FF2B5EF4-FFF2-40B4-BE49-F238E27FC236}">
-                <a16:creationId xmlns:a16="http://schemas.microsoft.com/office/drawing/2014/main" id="{FE26268B-C609-ACA5-B6B4-D8D23D94F991}"/>
-              </a:ext>
-            </a:extLst>
-          </p:cNvPr>
-          <p:cNvSpPr>
-            <a:spLocks noGrp="1"/>
-          </p:cNvSpPr>
-          <p:nvPr>
-            <p:ph idx="1"/>
-          </p:nvPr>
-        </p:nvSpPr>
-        <p:spPr>
-          <a:xfrm>
-            <a:off x="303213" y="981075"/>
-            <a:ext cx="8516937" cy="5400675"/>
-          </a:xfrm>
-        </p:spPr>
-        <p:txBody>
-          <a:bodyPr/>
-          <a:lstStyle/>
-          <a:p>
-            <a:pPr marL="0" indent="0">
-              <a:buNone/>
-            </a:pPr>
-            <a:r>
-              <a:rPr lang="de-DE" b="1" dirty="0"/>
-              <a:t>Extension</a:t>
-            </a:r>
-          </a:p>
-        </p:txBody>
-      </p:sp>
-      <p:sp>
-        <p:nvSpPr>
-          <p:cNvPr id="3" name="Textfeld 2">
-            <a:extLst>
-              <a:ext uri="{FF2B5EF4-FFF2-40B4-BE49-F238E27FC236}">
-                <a16:creationId xmlns:a16="http://schemas.microsoft.com/office/drawing/2014/main" id="{B1300DFB-F7A0-3AE1-8D8C-2D16867CB0F9}"/>
-              </a:ext>
-            </a:extLst>
-          </p:cNvPr>
-          <p:cNvSpPr txBox="1"/>
-          <p:nvPr/>
-        </p:nvSpPr>
-        <p:spPr bwMode="auto">
-          <a:xfrm>
-            <a:off x="301898" y="1488103"/>
-            <a:ext cx="8820149" cy="4893647"/>
-          </a:xfrm>
-          <a:prstGeom prst="rect">
-            <a:avLst/>
-          </a:prstGeom>
-          <a:noFill/>
-          <a:ln w="9525">
-            <a:noFill/>
-            <a:miter lim="800000"/>
-            <a:headEnd/>
-            <a:tailEnd/>
-          </a:ln>
-        </p:spPr>
-        <p:txBody>
-          <a:bodyPr wrap="square">
-            <a:spAutoFit/>
-          </a:bodyPr>
-          <a:lstStyle/>
-          <a:p>
-            <a:r>
-              <a:rPr lang="en-US" b="0" dirty="0">
-                <a:solidFill>
-                  <a:srgbClr val="800000"/>
-                </a:solidFill>
-                <a:effectLst/>
-                <a:highlight>
-                  <a:srgbClr val="FFFFFF"/>
-                </a:highlight>
-                <a:latin typeface="Consolas" panose="020B0609020204030204" pitchFamily="49" charset="0"/>
-              </a:rPr>
-              <a:t>.maven:</a:t>
-            </a:r>
-          </a:p>
-          <a:p>
-            <a:r>
-              <a:rPr lang="en-US" b="0" dirty="0">
-                <a:solidFill>
-                  <a:srgbClr val="800000"/>
-                </a:solidFill>
-                <a:effectLst/>
-                <a:highlight>
-                  <a:srgbClr val="FFFFFF"/>
-                </a:highlight>
-                <a:latin typeface="Consolas" panose="020B0609020204030204" pitchFamily="49" charset="0"/>
-              </a:rPr>
-              <a:t>  stage: </a:t>
-            </a:r>
-            <a:r>
-              <a:rPr lang="en-US" b="0" dirty="0">
-                <a:solidFill>
-                  <a:srgbClr val="0249FC"/>
-                </a:solidFill>
-                <a:effectLst/>
-                <a:highlight>
-                  <a:srgbClr val="FFFFFF"/>
-                </a:highlight>
-                <a:latin typeface="Consolas" panose="020B0609020204030204" pitchFamily="49" charset="0"/>
-              </a:rPr>
-              <a:t>build</a:t>
-            </a:r>
-          </a:p>
-          <a:p>
-            <a:r>
-              <a:rPr lang="en-US" b="0" dirty="0">
-                <a:solidFill>
-                  <a:srgbClr val="800000"/>
-                </a:solidFill>
-                <a:effectLst/>
-                <a:highlight>
-                  <a:srgbClr val="FFFFFF"/>
-                </a:highlight>
-                <a:latin typeface="Consolas" panose="020B0609020204030204" pitchFamily="49" charset="0"/>
-              </a:rPr>
-              <a:t>  image: </a:t>
-            </a:r>
-            <a:r>
-              <a:rPr lang="en-US" b="0" dirty="0">
-                <a:solidFill>
-                  <a:srgbClr val="0249FC"/>
-                </a:solidFill>
-                <a:effectLst/>
-                <a:highlight>
-                  <a:srgbClr val="FFFFFF"/>
-                </a:highlight>
-                <a:latin typeface="Consolas" panose="020B0609020204030204" pitchFamily="49" charset="0"/>
-              </a:rPr>
-              <a:t>maven:3.9.8-eclipse-temurin-11</a:t>
-            </a:r>
-          </a:p>
-          <a:p>
-            <a:endParaRPr lang="en-US" b="0" dirty="0">
-              <a:solidFill>
-                <a:srgbClr val="800000"/>
-              </a:solidFill>
-              <a:effectLst/>
-              <a:highlight>
-                <a:srgbClr val="FFFFFF"/>
-              </a:highlight>
-              <a:latin typeface="Consolas" panose="020B0609020204030204" pitchFamily="49" charset="0"/>
-            </a:endParaRPr>
-          </a:p>
-          <a:p>
-            <a:r>
-              <a:rPr lang="en-US" b="0" dirty="0">
-                <a:solidFill>
-                  <a:srgbClr val="800000"/>
-                </a:solidFill>
-                <a:effectLst/>
-                <a:highlight>
-                  <a:srgbClr val="FFFFFF"/>
-                </a:highlight>
-                <a:latin typeface="Consolas" panose="020B0609020204030204" pitchFamily="49" charset="0"/>
-              </a:rPr>
-              <a:t>compile:</a:t>
-            </a:r>
-          </a:p>
-          <a:p>
-            <a:r>
-              <a:rPr lang="en-US" b="0" dirty="0">
-                <a:solidFill>
-                  <a:srgbClr val="800000"/>
-                </a:solidFill>
-                <a:effectLst/>
-                <a:highlight>
-                  <a:srgbClr val="FFFFFF"/>
-                </a:highlight>
-                <a:latin typeface="Consolas" panose="020B0609020204030204" pitchFamily="49" charset="0"/>
-              </a:rPr>
-              <a:t>  extends: </a:t>
-            </a:r>
-            <a:r>
-              <a:rPr lang="en-US" b="0" dirty="0">
-                <a:solidFill>
-                  <a:srgbClr val="0249FC"/>
-                </a:solidFill>
-                <a:effectLst/>
-                <a:highlight>
-                  <a:srgbClr val="FFFFFF"/>
-                </a:highlight>
-                <a:latin typeface="Consolas" panose="020B0609020204030204" pitchFamily="49" charset="0"/>
-              </a:rPr>
-              <a:t>.maven</a:t>
-            </a:r>
-          </a:p>
-          <a:p>
-            <a:r>
-              <a:rPr lang="en-US" b="0" dirty="0">
-                <a:solidFill>
-                  <a:srgbClr val="800000"/>
-                </a:solidFill>
-                <a:effectLst/>
-                <a:highlight>
-                  <a:srgbClr val="FFFFFF"/>
-                </a:highlight>
-                <a:latin typeface="Consolas" panose="020B0609020204030204" pitchFamily="49" charset="0"/>
-              </a:rPr>
-              <a:t>  script:</a:t>
-            </a:r>
-          </a:p>
-          <a:p>
-            <a:r>
-              <a:rPr lang="en-US" b="0" dirty="0">
-                <a:solidFill>
-                  <a:srgbClr val="800000"/>
-                </a:solidFill>
-                <a:effectLst/>
-                <a:highlight>
-                  <a:srgbClr val="FFFFFF"/>
-                </a:highlight>
-                <a:latin typeface="Consolas" panose="020B0609020204030204" pitchFamily="49" charset="0"/>
-              </a:rPr>
-              <a:t>    - </a:t>
-            </a:r>
-            <a:r>
-              <a:rPr lang="en-US" b="0" dirty="0" err="1">
-                <a:solidFill>
-                  <a:srgbClr val="0249FC"/>
-                </a:solidFill>
-                <a:effectLst/>
-                <a:highlight>
-                  <a:srgbClr val="FFFFFF"/>
-                </a:highlight>
-                <a:latin typeface="Consolas" panose="020B0609020204030204" pitchFamily="49" charset="0"/>
-              </a:rPr>
-              <a:t>mvn</a:t>
-            </a:r>
-            <a:r>
-              <a:rPr lang="en-US" b="0" dirty="0">
-                <a:solidFill>
-                  <a:srgbClr val="0249FC"/>
-                </a:solidFill>
-                <a:effectLst/>
-                <a:highlight>
-                  <a:srgbClr val="FFFFFF"/>
-                </a:highlight>
-                <a:latin typeface="Consolas" panose="020B0609020204030204" pitchFamily="49" charset="0"/>
-              </a:rPr>
-              <a:t> clean compile</a:t>
-            </a:r>
-          </a:p>
-          <a:p>
-            <a:endParaRPr lang="en-US" b="0" dirty="0">
-              <a:solidFill>
-                <a:srgbClr val="800000"/>
-              </a:solidFill>
-              <a:effectLst/>
-              <a:highlight>
-                <a:srgbClr val="FFFFFF"/>
-              </a:highlight>
-              <a:latin typeface="Consolas" panose="020B0609020204030204" pitchFamily="49" charset="0"/>
-            </a:endParaRPr>
-          </a:p>
-          <a:p>
-            <a:r>
-              <a:rPr lang="en-US" b="0" dirty="0">
-                <a:solidFill>
-                  <a:srgbClr val="800000"/>
-                </a:solidFill>
-                <a:effectLst/>
-                <a:highlight>
-                  <a:srgbClr val="FFFFFF"/>
-                </a:highlight>
-                <a:latin typeface="Consolas" panose="020B0609020204030204" pitchFamily="49" charset="0"/>
-              </a:rPr>
-              <a:t>test:</a:t>
-            </a:r>
-          </a:p>
-          <a:p>
-            <a:r>
-              <a:rPr lang="en-US" b="0" dirty="0">
-                <a:solidFill>
-                  <a:srgbClr val="800000"/>
-                </a:solidFill>
-                <a:effectLst/>
-                <a:highlight>
-                  <a:srgbClr val="FFFFFF"/>
-                </a:highlight>
-                <a:latin typeface="Consolas" panose="020B0609020204030204" pitchFamily="49" charset="0"/>
-              </a:rPr>
-              <a:t>  extends: </a:t>
-            </a:r>
-            <a:r>
-              <a:rPr lang="en-US" b="0" dirty="0">
-                <a:solidFill>
-                  <a:srgbClr val="0249FC"/>
-                </a:solidFill>
-                <a:effectLst/>
-                <a:highlight>
-                  <a:srgbClr val="FFFFFF"/>
-                </a:highlight>
-                <a:latin typeface="Consolas" panose="020B0609020204030204" pitchFamily="49" charset="0"/>
-              </a:rPr>
-              <a:t>.maven</a:t>
-            </a:r>
-          </a:p>
-          <a:p>
-            <a:r>
-              <a:rPr lang="en-US" b="0" dirty="0">
-                <a:solidFill>
-                  <a:srgbClr val="800000"/>
-                </a:solidFill>
-                <a:effectLst/>
-                <a:highlight>
-                  <a:srgbClr val="FFFFFF"/>
-                </a:highlight>
-                <a:latin typeface="Consolas" panose="020B0609020204030204" pitchFamily="49" charset="0"/>
-              </a:rPr>
-              <a:t>  script:</a:t>
-            </a:r>
-          </a:p>
-          <a:p>
-            <a:r>
-              <a:rPr lang="en-US" b="0" dirty="0">
-                <a:solidFill>
-                  <a:srgbClr val="800000"/>
-                </a:solidFill>
-                <a:effectLst/>
-                <a:highlight>
-                  <a:srgbClr val="FFFFFF"/>
-                </a:highlight>
-                <a:latin typeface="Consolas" panose="020B0609020204030204" pitchFamily="49" charset="0"/>
-              </a:rPr>
-              <a:t>    - </a:t>
-            </a:r>
-            <a:r>
-              <a:rPr lang="en-US" b="0" dirty="0" err="1">
-                <a:solidFill>
-                  <a:srgbClr val="0249FC"/>
-                </a:solidFill>
-                <a:effectLst/>
-                <a:highlight>
-                  <a:srgbClr val="FFFFFF"/>
-                </a:highlight>
-                <a:latin typeface="Consolas" panose="020B0609020204030204" pitchFamily="49" charset="0"/>
-              </a:rPr>
-              <a:t>mvn</a:t>
-            </a:r>
-            <a:r>
-              <a:rPr lang="en-US" b="0" dirty="0">
-                <a:solidFill>
-                  <a:srgbClr val="0249FC"/>
-                </a:solidFill>
-                <a:effectLst/>
-                <a:highlight>
-                  <a:srgbClr val="FFFFFF"/>
-                </a:highlight>
-                <a:latin typeface="Consolas" panose="020B0609020204030204" pitchFamily="49" charset="0"/>
-              </a:rPr>
-              <a:t> verify</a:t>
-            </a:r>
-          </a:p>
-        </p:txBody>
-      </p:sp>
-    </p:spTree>
-    <p:extLst>
-      <p:ext uri="{BB962C8B-B14F-4D97-AF65-F5344CB8AC3E}">
-        <p14:creationId xmlns:p14="http://schemas.microsoft.com/office/powerpoint/2010/main" val="3798667439"/>
       </p:ext>
     </p:extLst>
   </p:cSld>
@@ -21725,7 +22909,7 @@
           <p:cNvPr id="2" name="Titel 1">
             <a:extLst>
               <a:ext uri="{FF2B5EF4-FFF2-40B4-BE49-F238E27FC236}">
-                <a16:creationId xmlns:a16="http://schemas.microsoft.com/office/drawing/2014/main" id="{74F61811-DDD3-CD36-300B-D3CAEEBD8E91}"/>
+                <a16:creationId xmlns:a16="http://schemas.microsoft.com/office/drawing/2014/main" id="{3363B985-2812-BDBB-7E9D-A28D84AB06EF}"/>
               </a:ext>
             </a:extLst>
           </p:cNvPr>
@@ -21750,10 +22934,10 @@
       </p:sp>
       <p:sp>
         <p:nvSpPr>
-          <p:cNvPr id="10" name="Inhaltsplatzhalter 2">
+          <p:cNvPr id="4" name="Inhaltsplatzhalter 2">
             <a:extLst>
               <a:ext uri="{FF2B5EF4-FFF2-40B4-BE49-F238E27FC236}">
-                <a16:creationId xmlns:a16="http://schemas.microsoft.com/office/drawing/2014/main" id="{65F4F27F-EA27-84BE-FDD1-AE4BEA6A264F}"/>
+                <a16:creationId xmlns:a16="http://schemas.microsoft.com/office/drawing/2014/main" id="{FE26268B-C609-ACA5-B6B4-D8D23D94F991}"/>
               </a:ext>
             </a:extLst>
           </p:cNvPr>
@@ -21779,156 +22963,39 @@
             </a:pPr>
             <a:r>
               <a:rPr lang="de-DE" b="1" dirty="0"/>
-              <a:t>Aufgabe 7: Einführung von </a:t>
-            </a:r>
-            <a:r>
-              <a:rPr lang="de-DE" b="1" dirty="0" err="1"/>
-              <a:t>Extensions</a:t>
-            </a:r>
-            <a:br>
-              <a:rPr lang="de-DE" b="1" dirty="0"/>
-            </a:br>
+              <a:t>Extension</a:t>
+            </a:r>
             <a:endParaRPr lang="de-DE" dirty="0"/>
           </a:p>
           <a:p>
-            <a:pPr marL="457200" indent="-457200">
-              <a:buAutoNum type="arabicPeriod"/>
-            </a:pPr>
-            <a:r>
-              <a:rPr lang="de-DE" b="1" dirty="0"/>
-              <a:t>Ziel</a:t>
-            </a:r>
-            <a:r>
-              <a:rPr lang="de-DE" dirty="0"/>
-              <a:t>: </a:t>
-            </a:r>
-            <a:br>
-              <a:rPr lang="de-DE" dirty="0"/>
-            </a:br>
-            <a:r>
-              <a:rPr lang="de-DE" dirty="0"/>
-              <a:t>Den Aufbau von Jobs vereinfachen,</a:t>
-            </a:r>
-            <a:br>
-              <a:rPr lang="de-DE" dirty="0"/>
-            </a:br>
-            <a:r>
-              <a:rPr lang="de-DE" dirty="0"/>
-              <a:t>in dem man Extension benutzt.</a:t>
-            </a:r>
-            <a:br>
-              <a:rPr lang="de-DE" dirty="0"/>
-            </a:br>
-            <a:endParaRPr lang="de-DE" dirty="0">
-              <a:cs typeface="Arial"/>
-            </a:endParaRPr>
-          </a:p>
-          <a:p>
-            <a:pPr marL="457200" indent="-457200">
-              <a:buFont typeface="+mj-lt"/>
-              <a:buAutoNum type="arabicPeriod"/>
-            </a:pPr>
-            <a:r>
-              <a:rPr lang="de-DE" b="1" dirty="0"/>
-              <a:t>Schritte</a:t>
-            </a:r>
-            <a:r>
-              <a:rPr lang="de-DE" dirty="0"/>
-              <a:t>:</a:t>
-            </a:r>
-          </a:p>
-          <a:p>
-            <a:pPr lvl="1">
+            <a:pPr>
               <a:buFont typeface="Arial" panose="020B0604020202020204" pitchFamily="34" charset="0"/>
               <a:buChar char="•"/>
             </a:pPr>
             <a:r>
-              <a:rPr lang="de-DE" sz="2400" dirty="0">
-                <a:cs typeface="Arial"/>
-              </a:rPr>
-              <a:t>Ersetzen Sie den </a:t>
-            </a:r>
-            <a:r>
-              <a:rPr lang="de-DE" sz="2400" dirty="0" err="1">
-                <a:cs typeface="Arial"/>
-              </a:rPr>
-              <a:t>defaults</a:t>
-            </a:r>
-            <a:r>
-              <a:rPr lang="de-DE" sz="2400" dirty="0">
-                <a:cs typeface="Arial"/>
-              </a:rPr>
-              <a:t> Bereich durch einen </a:t>
-            </a:r>
-            <a:r>
-              <a:rPr lang="de-DE" sz="2400" dirty="0" err="1">
-                <a:cs typeface="Arial"/>
-              </a:rPr>
-              <a:t>job</a:t>
-            </a:r>
-            <a:r>
-              <a:rPr lang="de-DE" sz="2400" dirty="0">
-                <a:cs typeface="Arial"/>
-              </a:rPr>
-              <a:t> in der </a:t>
-            </a:r>
-            <a:r>
-              <a:rPr lang="de-DE" sz="2400" dirty="0" err="1">
-                <a:cs typeface="Arial"/>
-              </a:rPr>
-              <a:t>build</a:t>
-            </a:r>
-            <a:r>
-              <a:rPr lang="de-DE" sz="2400" dirty="0">
-                <a:cs typeface="Arial"/>
-              </a:rPr>
-              <a:t> Stage</a:t>
-            </a:r>
-          </a:p>
-          <a:p>
-            <a:pPr lvl="1">
+              <a:rPr lang="de-DE" dirty="0"/>
+              <a:t>Definition wiederverwendbarer Job Templates</a:t>
+            </a:r>
+          </a:p>
+          <a:p>
+            <a:pPr>
               <a:buFont typeface="Arial" panose="020B0604020202020204" pitchFamily="34" charset="0"/>
               <a:buChar char="•"/>
             </a:pPr>
             <a:r>
-              <a:rPr lang="de-DE" sz="2400" dirty="0">
-                <a:cs typeface="Arial"/>
-              </a:rPr>
-              <a:t>Lassen Sie den </a:t>
-            </a:r>
-            <a:r>
-              <a:rPr lang="de-DE" sz="2400" dirty="0" err="1">
-                <a:cs typeface="Arial"/>
-              </a:rPr>
-              <a:t>build_job</a:t>
-            </a:r>
-            <a:r>
-              <a:rPr lang="de-DE" sz="2400" dirty="0">
-                <a:cs typeface="Arial"/>
-              </a:rPr>
-              <a:t> diesen </a:t>
-            </a:r>
-            <a:r>
-              <a:rPr lang="de-DE" sz="2400" dirty="0" err="1">
-                <a:cs typeface="Arial"/>
-              </a:rPr>
-              <a:t>job</a:t>
-            </a:r>
-            <a:r>
-              <a:rPr lang="de-DE" sz="2400" dirty="0">
-                <a:cs typeface="Arial"/>
-              </a:rPr>
-              <a:t> </a:t>
-            </a:r>
-            <a:r>
-              <a:rPr lang="de-DE" sz="2400" dirty="0" err="1">
-                <a:cs typeface="Arial"/>
-              </a:rPr>
-              <a:t>extenden</a:t>
-            </a:r>
-            <a:endParaRPr lang="de-DE" sz="2400" dirty="0">
-              <a:cs typeface="Arial"/>
-            </a:endParaRPr>
+              <a:rPr lang="de-DE" dirty="0"/>
+              <a:t>Verwendung („Erweiterung“) nach Bedarf</a:t>
+            </a:r>
+          </a:p>
+          <a:p>
+            <a:pPr>
+              <a:buFont typeface="Arial" panose="020B0604020202020204" pitchFamily="34" charset="0"/>
+              <a:buChar char="•"/>
+            </a:pPr>
+            <a:r>
+              <a:rPr lang="de-DE" dirty="0"/>
+              <a:t>Überschreibung (eingeschränkt) möglich</a:t>
+            </a:r>
           </a:p>
           <a:p>
             <a:pPr>
@@ -21942,7 +23009,7 @@
     </p:spTree>
     <p:extLst>
       <p:ext uri="{BB962C8B-B14F-4D97-AF65-F5344CB8AC3E}">
-        <p14:creationId xmlns:p14="http://schemas.microsoft.com/office/powerpoint/2010/main" val="1056612356"/>
+        <p14:creationId xmlns:p14="http://schemas.microsoft.com/office/powerpoint/2010/main" val="3855720706"/>
       </p:ext>
     </p:extLst>
   </p:cSld>
@@ -21974,7 +23041,7 @@
           <p:cNvPr id="2" name="Titel 1">
             <a:extLst>
               <a:ext uri="{FF2B5EF4-FFF2-40B4-BE49-F238E27FC236}">
-                <a16:creationId xmlns:a16="http://schemas.microsoft.com/office/drawing/2014/main" id="{A2A2EB4E-4B87-3A94-66CB-0424D340A9D6}"/>
+                <a16:creationId xmlns:a16="http://schemas.microsoft.com/office/drawing/2014/main" id="{3363B985-2812-BDBB-7E9D-A28D84AB06EF}"/>
               </a:ext>
             </a:extLst>
           </p:cNvPr>
@@ -21999,10 +23066,10 @@
       </p:sp>
       <p:sp>
         <p:nvSpPr>
-          <p:cNvPr id="10" name="Inhaltsplatzhalter 2">
+          <p:cNvPr id="4" name="Inhaltsplatzhalter 2">
             <a:extLst>
               <a:ext uri="{FF2B5EF4-FFF2-40B4-BE49-F238E27FC236}">
-                <a16:creationId xmlns:a16="http://schemas.microsoft.com/office/drawing/2014/main" id="{F2E8AEA4-8F06-E96C-F551-3CA6B4EF1E8C}"/>
+                <a16:creationId xmlns:a16="http://schemas.microsoft.com/office/drawing/2014/main" id="{FE26268B-C609-ACA5-B6B4-D8D23D94F991}"/>
               </a:ext>
             </a:extLst>
           </p:cNvPr>
@@ -22028,39 +23095,17 @@
             </a:pPr>
             <a:r>
               <a:rPr lang="de-DE" b="1" dirty="0"/>
-              <a:t>Aufgabe 7: Einführung von </a:t>
-            </a:r>
-            <a:r>
-              <a:rPr lang="de-DE" b="1" dirty="0" err="1"/>
-              <a:t>Extensions</a:t>
-            </a:r>
-            <a:endParaRPr lang="de-DE" dirty="0"/>
-          </a:p>
-          <a:p>
-            <a:pPr>
-              <a:buFont typeface="Arial" panose="020B0604020202020204" pitchFamily="34" charset="0"/>
-              <a:buChar char="•"/>
-            </a:pPr>
-            <a:r>
-              <a:rPr lang="de-DE" dirty="0"/>
-              <a:t>Mögliche Lösung:</a:t>
-            </a:r>
-          </a:p>
-          <a:p>
-            <a:pPr lvl="1">
-              <a:buFont typeface="Arial" panose="020B0604020202020204" pitchFamily="34" charset="0"/>
-              <a:buChar char="•"/>
-            </a:pPr>
-            <a:endParaRPr lang="de-DE" dirty="0"/>
+              <a:t>Extension</a:t>
+            </a:r>
           </a:p>
         </p:txBody>
       </p:sp>
       <p:sp>
         <p:nvSpPr>
-          <p:cNvPr id="4" name="Textfeld 3">
+          <p:cNvPr id="3" name="Textfeld 2">
             <a:extLst>
               <a:ext uri="{FF2B5EF4-FFF2-40B4-BE49-F238E27FC236}">
-                <a16:creationId xmlns:a16="http://schemas.microsoft.com/office/drawing/2014/main" id="{A0516D05-F548-F56C-DF2F-B5B2036DC0D5}"/>
+                <a16:creationId xmlns:a16="http://schemas.microsoft.com/office/drawing/2014/main" id="{B1300DFB-F7A0-3AE1-8D8C-2D16867CB0F9}"/>
               </a:ext>
             </a:extLst>
           </p:cNvPr>
@@ -22069,8 +23114,8 @@
         </p:nvSpPr>
         <p:spPr bwMode="auto">
           <a:xfrm>
-            <a:off x="2195736" y="1850534"/>
-            <a:ext cx="4983111" cy="4624343"/>
+            <a:off x="301898" y="1488103"/>
+            <a:ext cx="8820149" cy="4893647"/>
           </a:xfrm>
           <a:prstGeom prst="rect">
             <a:avLst/>
@@ -22084,625 +23129,301 @@
           </a:ln>
         </p:spPr>
         <p:txBody>
-          <a:bodyPr rot="0" spcFirstLastPara="0" vertOverflow="overflow" horzOverflow="overflow" vert="horz" wrap="square" lIns="91440" tIns="45720" rIns="91440" bIns="45720" numCol="1" spcCol="0" rtlCol="0" fromWordArt="0" anchor="ctr" anchorCtr="0" forceAA="0" compatLnSpc="1">
-            <a:prstTxWarp prst="textNoShape">
-              <a:avLst/>
-            </a:prstTxWarp>
+          <a:bodyPr wrap="square">
             <a:spAutoFit/>
           </a:bodyPr>
           <a:lstStyle/>
           <a:p>
-            <a:pPr eaLnBrk="1" hangingPunct="1"/>
-            <a:r>
-              <a:rPr lang="en-US" sz="950" dirty="0">
+            <a:r>
+              <a:rPr lang="en-US" b="0" dirty="0">
                 <a:solidFill>
                   <a:srgbClr val="800000"/>
                 </a:solidFill>
-                <a:latin typeface="Consolas"/>
-              </a:rPr>
-              <a:t>variables</a:t>
-            </a:r>
-            <a:r>
-              <a:rPr lang="en-US" sz="950" dirty="0">
-                <a:solidFill>
-                  <a:srgbClr val="3B3B3B"/>
-                </a:solidFill>
-                <a:latin typeface="Consolas"/>
-              </a:rPr>
-              <a:t>:</a:t>
-            </a:r>
-          </a:p>
-          <a:p>
-            <a:pPr eaLnBrk="1" hangingPunct="1"/>
-            <a:r>
-              <a:rPr lang="en-US" sz="950" dirty="0">
+                <a:effectLst/>
+                <a:highlight>
+                  <a:srgbClr val="FFFFFF"/>
+                </a:highlight>
+                <a:latin typeface="Consolas" panose="020B0609020204030204" pitchFamily="49" charset="0"/>
+              </a:rPr>
+              <a:t>.maven:</a:t>
+            </a:r>
+          </a:p>
+          <a:p>
+            <a:r>
+              <a:rPr lang="en-US" b="0" dirty="0">
                 <a:solidFill>
                   <a:srgbClr val="800000"/>
                 </a:solidFill>
-                <a:latin typeface="Consolas"/>
-              </a:rPr>
-              <a:t>  DUMMY_FILE</a:t>
-            </a:r>
-            <a:r>
-              <a:rPr lang="en-US" sz="950" dirty="0">
-                <a:solidFill>
-                  <a:srgbClr val="3B3B3B"/>
-                </a:solidFill>
-                <a:latin typeface="Consolas"/>
-              </a:rPr>
-              <a:t>: </a:t>
-            </a:r>
-            <a:r>
-              <a:rPr lang="en-US" sz="950" dirty="0">
-                <a:solidFill>
-                  <a:srgbClr val="A31515"/>
-                </a:solidFill>
-                <a:latin typeface="Consolas"/>
-              </a:rPr>
-              <a:t>"dummy_file.txt"</a:t>
-            </a:r>
-          </a:p>
-          <a:p>
-            <a:pPr eaLnBrk="1" hangingPunct="1"/>
-            <a:br>
-              <a:rPr lang="en-US" sz="950" dirty="0">
-                <a:latin typeface="Consolas"/>
-              </a:rPr>
-            </a:br>
-            <a:r>
-              <a:rPr lang="en-US" sz="950" dirty="0">
+                <a:effectLst/>
+                <a:highlight>
+                  <a:srgbClr val="FFFFFF"/>
+                </a:highlight>
+                <a:latin typeface="Consolas" panose="020B0609020204030204" pitchFamily="49" charset="0"/>
+              </a:rPr>
+              <a:t>  stage: </a:t>
+            </a:r>
+            <a:r>
+              <a:rPr lang="en-US" b="0" dirty="0">
+                <a:solidFill>
+                  <a:srgbClr val="0249FC"/>
+                </a:solidFill>
+                <a:effectLst/>
+                <a:highlight>
+                  <a:srgbClr val="FFFFFF"/>
+                </a:highlight>
+                <a:latin typeface="Consolas" panose="020B0609020204030204" pitchFamily="49" charset="0"/>
+              </a:rPr>
+              <a:t>build</a:t>
+            </a:r>
+          </a:p>
+          <a:p>
+            <a:r>
+              <a:rPr lang="en-US" b="0" dirty="0">
                 <a:solidFill>
                   <a:srgbClr val="800000"/>
                 </a:solidFill>
-                <a:latin typeface="Consolas"/>
-              </a:rPr>
-              <a:t>stages</a:t>
-            </a:r>
-            <a:r>
-              <a:rPr lang="en-US" sz="950" dirty="0">
-                <a:solidFill>
-                  <a:srgbClr val="3B3B3B"/>
-                </a:solidFill>
-                <a:latin typeface="Consolas"/>
-              </a:rPr>
-              <a:t>:</a:t>
-            </a:r>
-          </a:p>
-          <a:p>
-            <a:pPr eaLnBrk="1" hangingPunct="1"/>
-            <a:r>
-              <a:rPr lang="en-US" sz="950" dirty="0">
-                <a:solidFill>
-                  <a:srgbClr val="3B3B3B"/>
-                </a:solidFill>
-                <a:latin typeface="Consolas"/>
-              </a:rPr>
-              <a:t>  - </a:t>
-            </a:r>
-            <a:r>
-              <a:rPr lang="en-US" sz="950" dirty="0">
-                <a:solidFill>
-                  <a:srgbClr val="0000FF"/>
-                </a:solidFill>
-                <a:latin typeface="Consolas"/>
-              </a:rPr>
-              <a:t>build</a:t>
-            </a:r>
-          </a:p>
-          <a:p>
-            <a:pPr eaLnBrk="1" hangingPunct="1"/>
-            <a:r>
-              <a:rPr lang="en-US" sz="950" dirty="0">
-                <a:solidFill>
-                  <a:srgbClr val="3B3B3B"/>
-                </a:solidFill>
-                <a:latin typeface="Consolas"/>
-              </a:rPr>
-              <a:t>  - </a:t>
-            </a:r>
-            <a:r>
-              <a:rPr lang="en-US" sz="950" dirty="0">
-                <a:solidFill>
-                  <a:srgbClr val="0000FF"/>
-                </a:solidFill>
-                <a:latin typeface="Consolas"/>
-              </a:rPr>
-              <a:t>test</a:t>
-            </a:r>
-          </a:p>
-          <a:p>
-            <a:pPr eaLnBrk="1" hangingPunct="1"/>
-            <a:r>
-              <a:rPr lang="en-US" sz="950" dirty="0">
-                <a:solidFill>
-                  <a:srgbClr val="3B3B3B"/>
-                </a:solidFill>
-                <a:latin typeface="Consolas"/>
-              </a:rPr>
-              <a:t>  - </a:t>
-            </a:r>
-            <a:r>
-              <a:rPr lang="en-US" sz="950" dirty="0">
-                <a:solidFill>
-                  <a:srgbClr val="0000FF"/>
-                </a:solidFill>
-                <a:latin typeface="Consolas"/>
-              </a:rPr>
-              <a:t>deploy</a:t>
-            </a:r>
-          </a:p>
-          <a:p>
-            <a:pPr eaLnBrk="1" hangingPunct="1"/>
-            <a:endParaRPr lang="en-US" sz="950" dirty="0">
-              <a:solidFill>
-                <a:srgbClr val="0000FF"/>
-              </a:solidFill>
-              <a:latin typeface="Consolas"/>
-            </a:endParaRPr>
-          </a:p>
-          <a:p>
-            <a:pPr eaLnBrk="1" hangingPunct="1"/>
-            <a:r>
-              <a:rPr lang="en-US" sz="950" dirty="0">
-                <a:solidFill>
-                  <a:srgbClr val="800000"/>
-                </a:solidFill>
-                <a:latin typeface="Consolas"/>
-              </a:rPr>
-              <a:t>.default-build:</a:t>
-            </a:r>
-          </a:p>
-          <a:p>
-            <a:pPr eaLnBrk="1" hangingPunct="1"/>
-            <a:r>
-              <a:rPr lang="en-US" sz="950" dirty="0">
-                <a:solidFill>
-                  <a:srgbClr val="800000"/>
-                </a:solidFill>
-                <a:latin typeface="Consolas"/>
-              </a:rPr>
-              <a:t>   stage</a:t>
-            </a:r>
-            <a:r>
-              <a:rPr lang="en-US" sz="950" dirty="0">
-                <a:solidFill>
-                  <a:srgbClr val="3B3B3B"/>
-                </a:solidFill>
-                <a:latin typeface="Consolas"/>
-              </a:rPr>
-              <a:t>: </a:t>
-            </a:r>
-            <a:r>
-              <a:rPr lang="en-US" sz="950" dirty="0">
-                <a:solidFill>
-                  <a:srgbClr val="0000FF"/>
-                </a:solidFill>
-                <a:latin typeface="Consolas"/>
-              </a:rPr>
-              <a:t>build</a:t>
-            </a:r>
-          </a:p>
-          <a:p>
-            <a:pPr eaLnBrk="1" hangingPunct="1"/>
-            <a:br>
-              <a:rPr lang="en-US" sz="950" dirty="0">
-                <a:latin typeface="Consolas"/>
-              </a:rPr>
-            </a:br>
-            <a:r>
-              <a:rPr lang="en-US" sz="950" dirty="0" err="1">
-                <a:solidFill>
-                  <a:srgbClr val="800000"/>
-                </a:solidFill>
-                <a:latin typeface="Consolas"/>
-              </a:rPr>
-              <a:t>build_job</a:t>
-            </a:r>
-            <a:r>
-              <a:rPr lang="en-US" sz="950" dirty="0">
-                <a:solidFill>
-                  <a:srgbClr val="3B3B3B"/>
-                </a:solidFill>
-                <a:latin typeface="Consolas"/>
-              </a:rPr>
-              <a:t>:</a:t>
-            </a:r>
-            <a:endParaRPr lang="en-US" sz="950" dirty="0">
+                <a:effectLst/>
+                <a:highlight>
+                  <a:srgbClr val="FFFFFF"/>
+                </a:highlight>
+                <a:latin typeface="Consolas" panose="020B0609020204030204" pitchFamily="49" charset="0"/>
+              </a:rPr>
+              <a:t>  image: </a:t>
+            </a:r>
+            <a:r>
+              <a:rPr lang="en-US" b="0" dirty="0">
+                <a:solidFill>
+                  <a:srgbClr val="0249FC"/>
+                </a:solidFill>
+                <a:effectLst/>
+                <a:highlight>
+                  <a:srgbClr val="FFFFFF"/>
+                </a:highlight>
+                <a:latin typeface="Consolas" panose="020B0609020204030204" pitchFamily="49" charset="0"/>
+              </a:rPr>
+              <a:t>maven:3.9.8-eclipse-temurin-11</a:t>
+            </a:r>
+          </a:p>
+          <a:p>
+            <a:endParaRPr lang="en-US" b="0" dirty="0">
               <a:solidFill>
                 <a:srgbClr val="800000"/>
               </a:solidFill>
-              <a:latin typeface="Consolas"/>
+              <a:effectLst/>
+              <a:highlight>
+                <a:srgbClr val="FFFFFF"/>
+              </a:highlight>
+              <a:latin typeface="Consolas" panose="020B0609020204030204" pitchFamily="49" charset="0"/>
             </a:endParaRPr>
           </a:p>
           <a:p>
-            <a:pPr eaLnBrk="1" hangingPunct="1"/>
-            <a:r>
-              <a:rPr lang="en-US" sz="950" dirty="0">
+            <a:r>
+              <a:rPr lang="en-US" b="0" dirty="0">
                 <a:solidFill>
                   <a:srgbClr val="800000"/>
                 </a:solidFill>
-                <a:latin typeface="Consolas"/>
+                <a:effectLst/>
+                <a:highlight>
+                  <a:srgbClr val="FFFFFF"/>
+                </a:highlight>
+                <a:latin typeface="Consolas" panose="020B0609020204030204" pitchFamily="49" charset="0"/>
+              </a:rPr>
+              <a:t>compile:</a:t>
+            </a:r>
+          </a:p>
+          <a:p>
+            <a:r>
+              <a:rPr lang="en-US" b="0" dirty="0">
+                <a:solidFill>
+                  <a:srgbClr val="800000"/>
+                </a:solidFill>
+                <a:effectLst/>
+                <a:highlight>
+                  <a:srgbClr val="FFFFFF"/>
+                </a:highlight>
+                <a:latin typeface="Consolas" panose="020B0609020204030204" pitchFamily="49" charset="0"/>
               </a:rPr>
               <a:t>  extends: </a:t>
             </a:r>
             <a:r>
-              <a:rPr lang="en-US" sz="950" dirty="0">
-                <a:solidFill>
-                  <a:srgbClr val="0000FF"/>
-                </a:solidFill>
-                <a:latin typeface="Consolas"/>
-              </a:rPr>
-              <a:t>.default-build</a:t>
-            </a:r>
-            <a:endParaRPr lang="en-US" sz="950" dirty="0">
+              <a:rPr lang="en-US" b="0" dirty="0">
+                <a:solidFill>
+                  <a:srgbClr val="0249FC"/>
+                </a:solidFill>
+                <a:effectLst/>
+                <a:highlight>
+                  <a:srgbClr val="FFFFFF"/>
+                </a:highlight>
+                <a:latin typeface="Consolas" panose="020B0609020204030204" pitchFamily="49" charset="0"/>
+              </a:rPr>
+              <a:t>.maven</a:t>
+            </a:r>
+          </a:p>
+          <a:p>
+            <a:r>
+              <a:rPr lang="en-US" b="0" dirty="0">
+                <a:solidFill>
+                  <a:srgbClr val="800000"/>
+                </a:solidFill>
+                <a:effectLst/>
+                <a:highlight>
+                  <a:srgbClr val="FFFFFF"/>
+                </a:highlight>
+                <a:latin typeface="Consolas" panose="020B0609020204030204" pitchFamily="49" charset="0"/>
+              </a:rPr>
+              <a:t>  script:</a:t>
+            </a:r>
+          </a:p>
+          <a:p>
+            <a:r>
+              <a:rPr lang="en-US" b="0" dirty="0">
+                <a:solidFill>
+                  <a:srgbClr val="800000"/>
+                </a:solidFill>
+                <a:effectLst/>
+                <a:highlight>
+                  <a:srgbClr val="FFFFFF"/>
+                </a:highlight>
+                <a:latin typeface="Consolas" panose="020B0609020204030204" pitchFamily="49" charset="0"/>
+              </a:rPr>
+              <a:t>    - </a:t>
+            </a:r>
+            <a:r>
+              <a:rPr lang="en-US" b="0" dirty="0" err="1">
+                <a:solidFill>
+                  <a:srgbClr val="0249FC"/>
+                </a:solidFill>
+                <a:effectLst/>
+                <a:highlight>
+                  <a:srgbClr val="FFFFFF"/>
+                </a:highlight>
+                <a:latin typeface="Consolas" panose="020B0609020204030204" pitchFamily="49" charset="0"/>
+              </a:rPr>
+              <a:t>mvn</a:t>
+            </a:r>
+            <a:r>
+              <a:rPr lang="en-US" b="0" dirty="0">
+                <a:solidFill>
+                  <a:srgbClr val="0249FC"/>
+                </a:solidFill>
+                <a:effectLst/>
+                <a:highlight>
+                  <a:srgbClr val="FFFFFF"/>
+                </a:highlight>
+                <a:latin typeface="Consolas" panose="020B0609020204030204" pitchFamily="49" charset="0"/>
+              </a:rPr>
+              <a:t> clean compile</a:t>
+            </a:r>
+          </a:p>
+          <a:p>
+            <a:endParaRPr lang="en-US" b="0" dirty="0">
               <a:solidFill>
                 <a:srgbClr val="800000"/>
               </a:solidFill>
-              <a:latin typeface="Consolas"/>
+              <a:effectLst/>
+              <a:highlight>
+                <a:srgbClr val="FFFFFF"/>
+              </a:highlight>
+              <a:latin typeface="Consolas" panose="020B0609020204030204" pitchFamily="49" charset="0"/>
             </a:endParaRPr>
           </a:p>
           <a:p>
-            <a:pPr eaLnBrk="1" hangingPunct="1"/>
-            <a:r>
-              <a:rPr lang="en-US" sz="950" dirty="0">
+            <a:r>
+              <a:rPr lang="en-US" b="0" dirty="0">
                 <a:solidFill>
                   <a:srgbClr val="800000"/>
                 </a:solidFill>
-                <a:latin typeface="Consolas"/>
-              </a:rPr>
-              <a:t>  script</a:t>
-            </a:r>
-            <a:r>
-              <a:rPr lang="en-US" sz="950" dirty="0">
-                <a:solidFill>
-                  <a:srgbClr val="3B3B3B"/>
-                </a:solidFill>
-                <a:latin typeface="Consolas"/>
-              </a:rPr>
-              <a:t>:</a:t>
-            </a:r>
-          </a:p>
-          <a:p>
-            <a:pPr eaLnBrk="1" hangingPunct="1"/>
-            <a:r>
-              <a:rPr lang="en-US" sz="950" dirty="0">
-                <a:solidFill>
-                  <a:srgbClr val="3B3B3B"/>
-                </a:solidFill>
-                <a:latin typeface="Consolas"/>
-              </a:rPr>
-              <a:t>    - </a:t>
-            </a:r>
-            <a:r>
-              <a:rPr lang="en-US" sz="950" dirty="0">
-                <a:solidFill>
-                  <a:srgbClr val="0000FF"/>
-                </a:solidFill>
-                <a:latin typeface="Consolas"/>
-              </a:rPr>
-              <a:t>echo "Building the project..."</a:t>
-            </a:r>
-          </a:p>
-          <a:p>
-            <a:pPr eaLnBrk="1" hangingPunct="1"/>
-            <a:r>
-              <a:rPr lang="en-US" sz="950" dirty="0">
-                <a:solidFill>
-                  <a:srgbClr val="3B3B3B"/>
-                </a:solidFill>
-                <a:latin typeface="Consolas"/>
-              </a:rPr>
-              <a:t>    - </a:t>
-            </a:r>
-            <a:r>
-              <a:rPr lang="en-US" sz="950" dirty="0">
-                <a:solidFill>
-                  <a:srgbClr val="0000FF"/>
-                </a:solidFill>
-                <a:latin typeface="Consolas"/>
-              </a:rPr>
-              <a:t>touch $DUMMY_FILE</a:t>
-            </a:r>
-          </a:p>
-          <a:p>
-            <a:pPr eaLnBrk="1" hangingPunct="1"/>
-            <a:r>
-              <a:rPr lang="en-US" sz="950" dirty="0">
+                <a:effectLst/>
+                <a:highlight>
+                  <a:srgbClr val="FFFFFF"/>
+                </a:highlight>
+                <a:latin typeface="Consolas" panose="020B0609020204030204" pitchFamily="49" charset="0"/>
+              </a:rPr>
+              <a:t>test:</a:t>
+            </a:r>
+          </a:p>
+          <a:p>
+            <a:r>
+              <a:rPr lang="en-US" b="0" dirty="0">
                 <a:solidFill>
                   <a:srgbClr val="800000"/>
                 </a:solidFill>
-                <a:latin typeface="Consolas"/>
-              </a:rPr>
-              <a:t>artifacts</a:t>
-            </a:r>
-            <a:r>
-              <a:rPr lang="en-US" sz="950" dirty="0">
-                <a:solidFill>
-                  <a:srgbClr val="3B3B3B"/>
-                </a:solidFill>
-                <a:latin typeface="Consolas"/>
-              </a:rPr>
-              <a:t>:</a:t>
-            </a:r>
-          </a:p>
-          <a:p>
-            <a:pPr eaLnBrk="1" hangingPunct="1"/>
-            <a:r>
-              <a:rPr lang="en-US" sz="950" dirty="0">
+                <a:effectLst/>
+                <a:highlight>
+                  <a:srgbClr val="FFFFFF"/>
+                </a:highlight>
+                <a:latin typeface="Consolas" panose="020B0609020204030204" pitchFamily="49" charset="0"/>
+              </a:rPr>
+              <a:t>  extends: </a:t>
+            </a:r>
+            <a:r>
+              <a:rPr lang="en-US" b="0" dirty="0">
+                <a:solidFill>
+                  <a:srgbClr val="0249FC"/>
+                </a:solidFill>
+                <a:effectLst/>
+                <a:highlight>
+                  <a:srgbClr val="FFFFFF"/>
+                </a:highlight>
+                <a:latin typeface="Consolas" panose="020B0609020204030204" pitchFamily="49" charset="0"/>
+              </a:rPr>
+              <a:t>.maven</a:t>
+            </a:r>
+          </a:p>
+          <a:p>
+            <a:r>
+              <a:rPr lang="en-US" b="0" dirty="0">
                 <a:solidFill>
                   <a:srgbClr val="800000"/>
                 </a:solidFill>
-                <a:latin typeface="Consolas"/>
-              </a:rPr>
-              <a:t>  paths</a:t>
-            </a:r>
-            <a:r>
-              <a:rPr lang="en-US" sz="950" dirty="0">
-                <a:solidFill>
-                  <a:srgbClr val="3B3B3B"/>
-                </a:solidFill>
-                <a:latin typeface="Consolas"/>
-              </a:rPr>
-              <a:t>:</a:t>
-            </a:r>
-          </a:p>
-          <a:p>
-            <a:pPr eaLnBrk="1" hangingPunct="1"/>
-            <a:r>
-              <a:rPr lang="en-US" sz="950" dirty="0">
-                <a:solidFill>
-                  <a:srgbClr val="3B3B3B"/>
-                </a:solidFill>
-                <a:latin typeface="Consolas"/>
-              </a:rPr>
-              <a:t>    - </a:t>
-            </a:r>
-            <a:r>
-              <a:rPr lang="en-US" sz="950" dirty="0">
-                <a:solidFill>
-                  <a:srgbClr val="0000FF"/>
-                </a:solidFill>
-                <a:latin typeface="Consolas"/>
-              </a:rPr>
-              <a:t>$DUMMY_FILE</a:t>
-            </a:r>
-          </a:p>
-          <a:p>
-            <a:pPr eaLnBrk="1" hangingPunct="1"/>
-            <a:br>
-              <a:rPr lang="en-US" sz="950" dirty="0">
-                <a:latin typeface="Consolas"/>
-              </a:rPr>
-            </a:br>
-            <a:r>
-              <a:rPr lang="en-US" sz="950" dirty="0" err="1">
+                <a:effectLst/>
+                <a:highlight>
+                  <a:srgbClr val="FFFFFF"/>
+                </a:highlight>
+                <a:latin typeface="Consolas" panose="020B0609020204030204" pitchFamily="49" charset="0"/>
+              </a:rPr>
+              <a:t>  script:</a:t>
+            </a:r>
+          </a:p>
+          <a:p>
+            <a:r>
+              <a:rPr lang="en-US" b="0" dirty="0">
                 <a:solidFill>
                   <a:srgbClr val="800000"/>
                 </a:solidFill>
-                <a:latin typeface="Consolas"/>
-              </a:rPr>
-              <a:t>test_job</a:t>
-            </a:r>
-            <a:r>
-              <a:rPr lang="en-US" sz="950" dirty="0">
-                <a:solidFill>
-                  <a:srgbClr val="3B3B3B"/>
-                </a:solidFill>
-                <a:latin typeface="Consolas"/>
-              </a:rPr>
-              <a:t>:</a:t>
-            </a:r>
-          </a:p>
-          <a:p>
-            <a:pPr eaLnBrk="1" hangingPunct="1"/>
-            <a:r>
-              <a:rPr lang="en-US" sz="950" dirty="0">
-                <a:solidFill>
-                  <a:srgbClr val="800000"/>
-                </a:solidFill>
-                <a:latin typeface="Consolas"/>
-              </a:rPr>
-              <a:t>  stage</a:t>
-            </a:r>
-            <a:r>
-              <a:rPr lang="en-US" sz="950" dirty="0">
-                <a:solidFill>
-                  <a:srgbClr val="3B3B3B"/>
-                </a:solidFill>
-                <a:latin typeface="Consolas"/>
-              </a:rPr>
-              <a:t>: </a:t>
-            </a:r>
-            <a:r>
-              <a:rPr lang="en-US" sz="950" dirty="0">
-                <a:solidFill>
-                  <a:srgbClr val="0000FF"/>
-                </a:solidFill>
-                <a:latin typeface="Consolas"/>
-              </a:rPr>
-              <a:t>test</a:t>
-            </a:r>
-          </a:p>
-          <a:p>
-            <a:pPr eaLnBrk="1" hangingPunct="1"/>
-            <a:r>
-              <a:rPr lang="en-US" sz="950" dirty="0">
-                <a:solidFill>
-                  <a:srgbClr val="800000"/>
-                </a:solidFill>
-                <a:latin typeface="Consolas"/>
-              </a:rPr>
-              <a:t>  script</a:t>
-            </a:r>
-            <a:r>
-              <a:rPr lang="en-US" sz="950" dirty="0">
-                <a:solidFill>
-                  <a:srgbClr val="3B3B3B"/>
-                </a:solidFill>
-                <a:latin typeface="Consolas"/>
-              </a:rPr>
-              <a:t>:</a:t>
-            </a:r>
-          </a:p>
-          <a:p>
-            <a:pPr eaLnBrk="1" hangingPunct="1"/>
-            <a:r>
-              <a:rPr lang="en-US" sz="950" dirty="0">
-                <a:solidFill>
-                  <a:srgbClr val="3B3B3B"/>
-                </a:solidFill>
-                <a:latin typeface="Consolas"/>
-              </a:rPr>
-              <a:t>    - </a:t>
-            </a:r>
-            <a:r>
-              <a:rPr lang="en-US" sz="950" dirty="0">
-                <a:solidFill>
-                  <a:srgbClr val="0000FF"/>
-                </a:solidFill>
-                <a:latin typeface="Consolas"/>
-              </a:rPr>
-              <a:t>echo "Testing the project..."</a:t>
-            </a:r>
-          </a:p>
-          <a:p>
-            <a:pPr eaLnBrk="1" hangingPunct="1"/>
-            <a:r>
-              <a:rPr lang="en-US" sz="950" dirty="0">
-                <a:solidFill>
-                  <a:srgbClr val="3B3B3B"/>
-                </a:solidFill>
-                <a:latin typeface="Consolas"/>
-              </a:rPr>
-              <a:t>    - </a:t>
-            </a:r>
-            <a:r>
-              <a:rPr lang="en-US" sz="950" dirty="0">
-                <a:solidFill>
-                  <a:srgbClr val="0000FF"/>
-                </a:solidFill>
-                <a:latin typeface="Consolas"/>
-              </a:rPr>
-              <a:t>ls -l $DUMMY_FILE</a:t>
-            </a:r>
-          </a:p>
-          <a:p>
-            <a:pPr eaLnBrk="1" hangingPunct="1"/>
-            <a:br>
-              <a:rPr lang="en-US" sz="950" dirty="0">
-                <a:latin typeface="Consolas"/>
-              </a:rPr>
-            </a:br>
-            <a:r>
-              <a:rPr lang="en-US" sz="950" dirty="0" err="1">
-                <a:solidFill>
-                  <a:srgbClr val="800000"/>
-                </a:solidFill>
-                <a:latin typeface="Consolas"/>
-              </a:rPr>
-              <a:t>deploy_job</a:t>
-            </a:r>
-            <a:r>
-              <a:rPr lang="en-US" sz="950" dirty="0">
-                <a:solidFill>
-                  <a:srgbClr val="3B3B3B"/>
-                </a:solidFill>
-                <a:latin typeface="Consolas"/>
-              </a:rPr>
-              <a:t>:</a:t>
-            </a:r>
-          </a:p>
-          <a:p>
-            <a:pPr eaLnBrk="1" hangingPunct="1"/>
-            <a:r>
-              <a:rPr lang="en-US" sz="950" dirty="0">
-                <a:solidFill>
-                  <a:srgbClr val="800000"/>
-                </a:solidFill>
-                <a:latin typeface="Consolas"/>
-              </a:rPr>
-              <a:t>  stage</a:t>
-            </a:r>
-            <a:r>
-              <a:rPr lang="en-US" sz="950" dirty="0">
-                <a:solidFill>
-                  <a:srgbClr val="3B3B3B"/>
-                </a:solidFill>
-                <a:latin typeface="Consolas"/>
-              </a:rPr>
-              <a:t>: </a:t>
-            </a:r>
-            <a:r>
-              <a:rPr lang="en-US" sz="950" dirty="0">
-                <a:solidFill>
-                  <a:srgbClr val="0000FF"/>
-                </a:solidFill>
-                <a:latin typeface="Consolas"/>
-              </a:rPr>
-              <a:t>deploy</a:t>
-            </a:r>
-          </a:p>
-          <a:p>
-            <a:pPr eaLnBrk="1" hangingPunct="1"/>
-            <a:r>
-              <a:rPr lang="en-US" sz="950" dirty="0">
-                <a:solidFill>
-                  <a:srgbClr val="800000"/>
-                </a:solidFill>
-                <a:latin typeface="Consolas"/>
-              </a:rPr>
-              <a:t>  script</a:t>
-            </a:r>
-            <a:r>
-              <a:rPr lang="en-US" sz="950" dirty="0">
-                <a:solidFill>
-                  <a:srgbClr val="3B3B3B"/>
-                </a:solidFill>
-                <a:latin typeface="Consolas"/>
-              </a:rPr>
-              <a:t>:</a:t>
-            </a:r>
-          </a:p>
-          <a:p>
-            <a:pPr eaLnBrk="1" hangingPunct="1"/>
-            <a:r>
-              <a:rPr lang="en-US" sz="950" dirty="0">
-                <a:solidFill>
-                  <a:srgbClr val="3B3B3B"/>
-                </a:solidFill>
-                <a:latin typeface="Consolas"/>
-              </a:rPr>
-              <a:t>    - </a:t>
-            </a:r>
-            <a:r>
-              <a:rPr lang="en-US" sz="950" dirty="0">
-                <a:solidFill>
-                  <a:srgbClr val="0000FF"/>
-                </a:solidFill>
-                <a:latin typeface="Consolas"/>
-              </a:rPr>
-              <a:t>echo "Deploying the project..."</a:t>
-            </a:r>
-          </a:p>
-          <a:p>
-            <a:pPr eaLnBrk="1" hangingPunct="1"/>
-            <a:r>
-              <a:rPr lang="en-US" sz="950" dirty="0">
-                <a:solidFill>
-                  <a:srgbClr val="3B3B3B"/>
-                </a:solidFill>
-                <a:latin typeface="Consolas"/>
-              </a:rPr>
-              <a:t>    - </a:t>
-            </a:r>
-            <a:r>
-              <a:rPr lang="en-US" sz="950" dirty="0">
-                <a:solidFill>
-                  <a:srgbClr val="0000FF"/>
-                </a:solidFill>
-                <a:latin typeface="Consolas"/>
-              </a:rPr>
-              <a:t>ls -l $DUMMY_FILE</a:t>
+                <a:effectLst/>
+                <a:highlight>
+                  <a:srgbClr val="FFFFFF"/>
+                </a:highlight>
+                <a:latin typeface="Consolas" panose="020B0609020204030204" pitchFamily="49" charset="0"/>
+              </a:rPr>
+              <a:t>    - </a:t>
+            </a:r>
+            <a:r>
+              <a:rPr lang="en-US" b="0" dirty="0" err="1">
+                <a:solidFill>
+                  <a:srgbClr val="0249FC"/>
+                </a:solidFill>
+                <a:effectLst/>
+                <a:highlight>
+                  <a:srgbClr val="FFFFFF"/>
+                </a:highlight>
+                <a:latin typeface="Consolas" panose="020B0609020204030204" pitchFamily="49" charset="0"/>
+              </a:rPr>
+              <a:t>mvn</a:t>
+            </a:r>
+            <a:r>
+              <a:rPr lang="en-US" b="0" dirty="0">
+                <a:solidFill>
+                  <a:srgbClr val="0249FC"/>
+                </a:solidFill>
+                <a:effectLst/>
+                <a:highlight>
+                  <a:srgbClr val="FFFFFF"/>
+                </a:highlight>
+                <a:latin typeface="Consolas" panose="020B0609020204030204" pitchFamily="49" charset="0"/>
+              </a:rPr>
+              <a:t> verify</a:t>
             </a:r>
           </a:p>
         </p:txBody>
@@ -22710,7 +23431,7 @@
     </p:spTree>
     <p:extLst>
       <p:ext uri="{BB962C8B-B14F-4D97-AF65-F5344CB8AC3E}">
-        <p14:creationId xmlns:p14="http://schemas.microsoft.com/office/powerpoint/2010/main" val="1786987750"/>
+        <p14:creationId xmlns:p14="http://schemas.microsoft.com/office/powerpoint/2010/main" val="3798667439"/>
       </p:ext>
     </p:extLst>
   </p:cSld>
@@ -23219,6 +23940,1113 @@
           <p:cNvPr id="2" name="Titel 1">
             <a:extLst>
               <a:ext uri="{FF2B5EF4-FFF2-40B4-BE49-F238E27FC236}">
+                <a16:creationId xmlns:a16="http://schemas.microsoft.com/office/drawing/2014/main" id="{74F61811-DDD3-CD36-300B-D3CAEEBD8E91}"/>
+              </a:ext>
+            </a:extLst>
+          </p:cNvPr>
+          <p:cNvSpPr>
+            <a:spLocks noGrp="1"/>
+          </p:cNvSpPr>
+          <p:nvPr>
+            <p:ph type="title"/>
+          </p:nvPr>
+        </p:nvSpPr>
+        <p:spPr/>
+        <p:txBody>
+          <a:bodyPr/>
+          <a:lstStyle/>
+          <a:p>
+            <a:r>
+              <a:rPr lang="de-DE" dirty="0"/>
+              <a:t>CI/CD</a:t>
+            </a:r>
+          </a:p>
+        </p:txBody>
+      </p:sp>
+      <p:sp>
+        <p:nvSpPr>
+          <p:cNvPr id="10" name="Inhaltsplatzhalter 2">
+            <a:extLst>
+              <a:ext uri="{FF2B5EF4-FFF2-40B4-BE49-F238E27FC236}">
+                <a16:creationId xmlns:a16="http://schemas.microsoft.com/office/drawing/2014/main" id="{65F4F27F-EA27-84BE-FDD1-AE4BEA6A264F}"/>
+              </a:ext>
+            </a:extLst>
+          </p:cNvPr>
+          <p:cNvSpPr>
+            <a:spLocks noGrp="1"/>
+          </p:cNvSpPr>
+          <p:nvPr>
+            <p:ph idx="1"/>
+          </p:nvPr>
+        </p:nvSpPr>
+        <p:spPr>
+          <a:xfrm>
+            <a:off x="303213" y="981075"/>
+            <a:ext cx="8516937" cy="5400675"/>
+          </a:xfrm>
+        </p:spPr>
+        <p:txBody>
+          <a:bodyPr/>
+          <a:lstStyle/>
+          <a:p>
+            <a:pPr marL="0" indent="0">
+              <a:buNone/>
+            </a:pPr>
+            <a:r>
+              <a:rPr lang="de-DE" b="1" dirty="0"/>
+              <a:t>Aufgabe 8: </a:t>
+            </a:r>
+            <a:r>
+              <a:rPr lang="de-DE" b="1" dirty="0" err="1"/>
+              <a:t>Extensions</a:t>
+            </a:r>
+            <a:r>
+              <a:rPr lang="de-DE" b="1" dirty="0"/>
+              <a:t> und Includes</a:t>
+            </a:r>
+            <a:br>
+              <a:rPr lang="de-DE" b="1" dirty="0"/>
+            </a:br>
+            <a:endParaRPr lang="de-DE" dirty="0"/>
+          </a:p>
+          <a:p>
+            <a:pPr marL="457200" indent="-457200">
+              <a:buAutoNum type="arabicPeriod"/>
+            </a:pPr>
+            <a:r>
+              <a:rPr lang="de-DE" b="1" dirty="0"/>
+              <a:t>Ziel</a:t>
+            </a:r>
+            <a:r>
+              <a:rPr lang="de-DE" dirty="0"/>
+              <a:t>: </a:t>
+            </a:r>
+            <a:br>
+              <a:rPr lang="de-DE" dirty="0"/>
+            </a:br>
+            <a:r>
+              <a:rPr lang="de-DE" dirty="0"/>
+              <a:t>Mit Hilfe von </a:t>
+            </a:r>
+            <a:r>
+              <a:rPr lang="de-DE" dirty="0" err="1"/>
+              <a:t>Extensions</a:t>
+            </a:r>
+            <a:r>
+              <a:rPr lang="de-DE" dirty="0"/>
+              <a:t> und Includes Konfiguration wiederverwenden</a:t>
+            </a:r>
+            <a:br>
+              <a:rPr lang="de-DE" dirty="0"/>
+            </a:br>
+            <a:endParaRPr lang="de-DE" dirty="0">
+              <a:cs typeface="Arial"/>
+            </a:endParaRPr>
+          </a:p>
+          <a:p>
+            <a:pPr marL="457200" indent="-457200">
+              <a:buFont typeface="+mj-lt"/>
+              <a:buAutoNum type="arabicPeriod"/>
+            </a:pPr>
+            <a:r>
+              <a:rPr lang="de-DE" b="1" dirty="0"/>
+              <a:t>Schritte</a:t>
+            </a:r>
+            <a:r>
+              <a:rPr lang="de-DE" dirty="0"/>
+              <a:t>:</a:t>
+            </a:r>
+          </a:p>
+          <a:p>
+            <a:pPr lvl="1">
+              <a:buFont typeface="Arial" panose="020B0604020202020204" pitchFamily="34" charset="0"/>
+              <a:buChar char="•"/>
+            </a:pPr>
+            <a:r>
+              <a:rPr lang="de-DE" sz="2400" dirty="0">
+                <a:cs typeface="Arial"/>
+              </a:rPr>
+              <a:t>Ersetzen Sie das Skript der vorherigen Aufgabe durch ein äquivalentes, das eine Extension verwendet </a:t>
+            </a:r>
+          </a:p>
+          <a:p>
+            <a:pPr lvl="1">
+              <a:buFont typeface="Arial" panose="020B0604020202020204" pitchFamily="34" charset="0"/>
+              <a:buChar char="•"/>
+            </a:pPr>
+            <a:r>
+              <a:rPr lang="de-DE" sz="2400" dirty="0">
+                <a:cs typeface="Arial"/>
+              </a:rPr>
+              <a:t>Lagern Sie die Definition der Extension mittels eines Includes in eine andere Datei aus</a:t>
+            </a:r>
+          </a:p>
+          <a:p>
+            <a:pPr>
+              <a:buFont typeface="Arial" panose="020B0604020202020204" pitchFamily="34" charset="0"/>
+              <a:buChar char="•"/>
+            </a:pPr>
+            <a:endParaRPr lang="de-DE" dirty="0"/>
+          </a:p>
+        </p:txBody>
+      </p:sp>
+    </p:spTree>
+    <p:extLst>
+      <p:ext uri="{BB962C8B-B14F-4D97-AF65-F5344CB8AC3E}">
+        <p14:creationId xmlns:p14="http://schemas.microsoft.com/office/powerpoint/2010/main" val="1056612356"/>
+      </p:ext>
+    </p:extLst>
+  </p:cSld>
+  <p:clrMapOvr>
+    <a:masterClrMapping/>
+  </p:clrMapOvr>
+</p:sld>
+</file>
+
+<file path=ppt/slides/slide44.xml><?xml version="1.0" encoding="utf-8"?>
+<p:sld xmlns:a="http://schemas.openxmlformats.org/drawingml/2006/main" xmlns:r="http://schemas.openxmlformats.org/officeDocument/2006/relationships" xmlns:p="http://schemas.openxmlformats.org/presentationml/2006/main">
+  <p:cSld>
+    <p:spTree>
+      <p:nvGrpSpPr>
+        <p:cNvPr id="1" name=""/>
+        <p:cNvGrpSpPr/>
+        <p:nvPr/>
+      </p:nvGrpSpPr>
+      <p:grpSpPr>
+        <a:xfrm>
+          <a:off x="0" y="0"/>
+          <a:ext cx="0" cy="0"/>
+          <a:chOff x="0" y="0"/>
+          <a:chExt cx="0" cy="0"/>
+        </a:xfrm>
+      </p:grpSpPr>
+      <p:sp>
+        <p:nvSpPr>
+          <p:cNvPr id="2" name="Titel 1">
+            <a:extLst>
+              <a:ext uri="{FF2B5EF4-FFF2-40B4-BE49-F238E27FC236}">
+                <a16:creationId xmlns:a16="http://schemas.microsoft.com/office/drawing/2014/main" id="{A2A2EB4E-4B87-3A94-66CB-0424D340A9D6}"/>
+              </a:ext>
+            </a:extLst>
+          </p:cNvPr>
+          <p:cNvSpPr>
+            <a:spLocks noGrp="1"/>
+          </p:cNvSpPr>
+          <p:nvPr>
+            <p:ph type="title"/>
+          </p:nvPr>
+        </p:nvSpPr>
+        <p:spPr/>
+        <p:txBody>
+          <a:bodyPr/>
+          <a:lstStyle/>
+          <a:p>
+            <a:r>
+              <a:rPr lang="de-DE" dirty="0"/>
+              <a:t>CI/CD</a:t>
+            </a:r>
+          </a:p>
+        </p:txBody>
+      </p:sp>
+      <p:sp>
+        <p:nvSpPr>
+          <p:cNvPr id="10" name="Inhaltsplatzhalter 2">
+            <a:extLst>
+              <a:ext uri="{FF2B5EF4-FFF2-40B4-BE49-F238E27FC236}">
+                <a16:creationId xmlns:a16="http://schemas.microsoft.com/office/drawing/2014/main" id="{F2E8AEA4-8F06-E96C-F551-3CA6B4EF1E8C}"/>
+              </a:ext>
+            </a:extLst>
+          </p:cNvPr>
+          <p:cNvSpPr>
+            <a:spLocks noGrp="1"/>
+          </p:cNvSpPr>
+          <p:nvPr>
+            <p:ph idx="1"/>
+          </p:nvPr>
+        </p:nvSpPr>
+        <p:spPr>
+          <a:xfrm>
+            <a:off x="303213" y="981075"/>
+            <a:ext cx="8516937" cy="5400675"/>
+          </a:xfrm>
+        </p:spPr>
+        <p:txBody>
+          <a:bodyPr/>
+          <a:lstStyle/>
+          <a:p>
+            <a:pPr marL="0" indent="0">
+              <a:buNone/>
+            </a:pPr>
+            <a:r>
+              <a:rPr lang="de-DE" b="1" dirty="0"/>
+              <a:t>Aufgabe 8: </a:t>
+            </a:r>
+            <a:r>
+              <a:rPr lang="de-DE" b="1" dirty="0" err="1"/>
+              <a:t>Extensions</a:t>
+            </a:r>
+            <a:r>
+              <a:rPr lang="de-DE" b="1" dirty="0"/>
+              <a:t> und Includes</a:t>
+            </a:r>
+            <a:endParaRPr lang="de-DE" dirty="0"/>
+          </a:p>
+          <a:p>
+            <a:pPr>
+              <a:buFont typeface="Arial" panose="020B0604020202020204" pitchFamily="34" charset="0"/>
+              <a:buChar char="•"/>
+            </a:pPr>
+            <a:r>
+              <a:rPr lang="de-DE" dirty="0"/>
+              <a:t>Mögliche Lösung:</a:t>
+            </a:r>
+          </a:p>
+          <a:p>
+            <a:pPr lvl="1">
+              <a:buFont typeface="Arial" panose="020B0604020202020204" pitchFamily="34" charset="0"/>
+              <a:buChar char="•"/>
+            </a:pPr>
+            <a:endParaRPr lang="de-DE" dirty="0"/>
+          </a:p>
+        </p:txBody>
+      </p:sp>
+      <p:sp>
+        <p:nvSpPr>
+          <p:cNvPr id="4" name="Textfeld 3">
+            <a:extLst>
+              <a:ext uri="{FF2B5EF4-FFF2-40B4-BE49-F238E27FC236}">
+                <a16:creationId xmlns:a16="http://schemas.microsoft.com/office/drawing/2014/main" id="{A0516D05-F548-F56C-DF2F-B5B2036DC0D5}"/>
+              </a:ext>
+            </a:extLst>
+          </p:cNvPr>
+          <p:cNvSpPr txBox="1"/>
+          <p:nvPr/>
+        </p:nvSpPr>
+        <p:spPr bwMode="auto">
+          <a:xfrm>
+            <a:off x="1043608" y="1857435"/>
+            <a:ext cx="3312368" cy="4524315"/>
+          </a:xfrm>
+          <a:prstGeom prst="rect">
+            <a:avLst/>
+          </a:prstGeom>
+          <a:noFill/>
+          <a:ln w="9525">
+            <a:noFill/>
+            <a:miter lim="800000"/>
+            <a:headEnd/>
+            <a:tailEnd/>
+          </a:ln>
+        </p:spPr>
+        <p:txBody>
+          <a:bodyPr rot="0" spcFirstLastPara="0" vertOverflow="overflow" horzOverflow="overflow" vert="horz" wrap="square" lIns="91440" tIns="45720" rIns="91440" bIns="45720" numCol="1" spcCol="0" rtlCol="0" fromWordArt="0" anchor="ctr" anchorCtr="0" forceAA="0" compatLnSpc="1">
+            <a:prstTxWarp prst="textNoShape">
+              <a:avLst/>
+            </a:prstTxWarp>
+            <a:spAutoFit/>
+          </a:bodyPr>
+          <a:lstStyle/>
+          <a:p>
+            <a:pPr eaLnBrk="1" hangingPunct="1"/>
+            <a:r>
+              <a:rPr lang="en-US" sz="1200" dirty="0">
+                <a:solidFill>
+                  <a:srgbClr val="800000"/>
+                </a:solidFill>
+                <a:latin typeface="Consolas"/>
+              </a:rPr>
+              <a:t>include</a:t>
+            </a:r>
+            <a:r>
+              <a:rPr lang="en-US" sz="1200" dirty="0">
+                <a:solidFill>
+                  <a:srgbClr val="3B3B3B"/>
+                </a:solidFill>
+                <a:latin typeface="Consolas"/>
+              </a:rPr>
+              <a:t>:</a:t>
+            </a:r>
+          </a:p>
+          <a:p>
+            <a:r>
+              <a:rPr lang="en-US" sz="1200" dirty="0">
+                <a:solidFill>
+                  <a:srgbClr val="800000"/>
+                </a:solidFill>
+                <a:latin typeface="Consolas"/>
+              </a:rPr>
+              <a:t>  </a:t>
+            </a:r>
+            <a:r>
+              <a:rPr lang="en-US" sz="1200" dirty="0">
+                <a:solidFill>
+                  <a:srgbClr val="3B3B3B"/>
+                </a:solidFill>
+                <a:latin typeface="Consolas"/>
+              </a:rPr>
+              <a:t>- </a:t>
+            </a:r>
+            <a:r>
+              <a:rPr lang="en-US" sz="1200" b="0" dirty="0">
+                <a:solidFill>
+                  <a:srgbClr val="0249FC"/>
+                </a:solidFill>
+                <a:effectLst/>
+                <a:highlight>
+                  <a:srgbClr val="FFFFFF"/>
+                </a:highlight>
+                <a:latin typeface="Consolas" panose="020B0609020204030204" pitchFamily="49" charset="0"/>
+              </a:rPr>
+              <a:t>'.prepare-</a:t>
+            </a:r>
+            <a:r>
+              <a:rPr lang="en-US" sz="1200" b="0" dirty="0" err="1">
+                <a:solidFill>
+                  <a:srgbClr val="0249FC"/>
+                </a:solidFill>
+                <a:effectLst/>
+                <a:highlight>
+                  <a:srgbClr val="FFFFFF"/>
+                </a:highlight>
+                <a:latin typeface="Consolas" panose="020B0609020204030204" pitchFamily="49" charset="0"/>
+              </a:rPr>
+              <a:t>environment.yml</a:t>
+            </a:r>
+            <a:r>
+              <a:rPr lang="en-US" sz="1200" b="0" dirty="0">
+                <a:solidFill>
+                  <a:srgbClr val="0249FC"/>
+                </a:solidFill>
+                <a:effectLst/>
+                <a:highlight>
+                  <a:srgbClr val="FFFFFF"/>
+                </a:highlight>
+                <a:latin typeface="Consolas" panose="020B0609020204030204" pitchFamily="49" charset="0"/>
+              </a:rPr>
+              <a:t>'</a:t>
+            </a:r>
+            <a:endParaRPr lang="en-US" sz="1200" b="0" dirty="0">
+              <a:solidFill>
+                <a:srgbClr val="800000"/>
+              </a:solidFill>
+              <a:effectLst/>
+              <a:highlight>
+                <a:srgbClr val="FFFFFF"/>
+              </a:highlight>
+              <a:latin typeface="Consolas" panose="020B0609020204030204" pitchFamily="49" charset="0"/>
+            </a:endParaRPr>
+          </a:p>
+          <a:p>
+            <a:pPr eaLnBrk="1" hangingPunct="1"/>
+            <a:br>
+              <a:rPr lang="en-US" sz="1200" dirty="0">
+                <a:latin typeface="Consolas"/>
+              </a:rPr>
+            </a:br>
+            <a:r>
+              <a:rPr lang="en-US" sz="1200" dirty="0">
+                <a:solidFill>
+                  <a:srgbClr val="800000"/>
+                </a:solidFill>
+                <a:latin typeface="Consolas"/>
+              </a:rPr>
+              <a:t>stages</a:t>
+            </a:r>
+            <a:r>
+              <a:rPr lang="en-US" sz="1200" dirty="0">
+                <a:solidFill>
+                  <a:srgbClr val="3B3B3B"/>
+                </a:solidFill>
+                <a:latin typeface="Consolas"/>
+              </a:rPr>
+              <a:t>:</a:t>
+            </a:r>
+          </a:p>
+          <a:p>
+            <a:pPr eaLnBrk="1" hangingPunct="1"/>
+            <a:r>
+              <a:rPr lang="en-US" sz="1200" dirty="0">
+                <a:solidFill>
+                  <a:srgbClr val="3B3B3B"/>
+                </a:solidFill>
+                <a:latin typeface="Consolas"/>
+              </a:rPr>
+              <a:t>  - </a:t>
+            </a:r>
+            <a:r>
+              <a:rPr lang="en-US" sz="1200" dirty="0">
+                <a:solidFill>
+                  <a:srgbClr val="0000FF"/>
+                </a:solidFill>
+                <a:latin typeface="Consolas"/>
+              </a:rPr>
+              <a:t>build</a:t>
+            </a:r>
+          </a:p>
+          <a:p>
+            <a:pPr eaLnBrk="1" hangingPunct="1"/>
+            <a:r>
+              <a:rPr lang="en-US" sz="1200" dirty="0">
+                <a:solidFill>
+                  <a:srgbClr val="3B3B3B"/>
+                </a:solidFill>
+                <a:latin typeface="Consolas"/>
+              </a:rPr>
+              <a:t>  - </a:t>
+            </a:r>
+            <a:r>
+              <a:rPr lang="en-US" sz="1200" dirty="0">
+                <a:solidFill>
+                  <a:srgbClr val="0000FF"/>
+                </a:solidFill>
+                <a:latin typeface="Consolas"/>
+              </a:rPr>
+              <a:t>test</a:t>
+            </a:r>
+          </a:p>
+          <a:p>
+            <a:pPr eaLnBrk="1" hangingPunct="1"/>
+            <a:r>
+              <a:rPr lang="en-US" sz="1200" dirty="0">
+                <a:solidFill>
+                  <a:srgbClr val="3B3B3B"/>
+                </a:solidFill>
+                <a:latin typeface="Consolas"/>
+              </a:rPr>
+              <a:t>  - </a:t>
+            </a:r>
+            <a:r>
+              <a:rPr lang="en-US" sz="1200" dirty="0">
+                <a:solidFill>
+                  <a:srgbClr val="0000FF"/>
+                </a:solidFill>
+                <a:latin typeface="Consolas"/>
+              </a:rPr>
+              <a:t>deploy</a:t>
+            </a:r>
+          </a:p>
+          <a:p>
+            <a:pPr eaLnBrk="1" hangingPunct="1"/>
+            <a:endParaRPr lang="en-US" sz="1200" dirty="0">
+              <a:solidFill>
+                <a:srgbClr val="0000FF"/>
+              </a:solidFill>
+              <a:latin typeface="Consolas"/>
+            </a:endParaRPr>
+          </a:p>
+          <a:p>
+            <a:pPr eaLnBrk="1" hangingPunct="1"/>
+            <a:r>
+              <a:rPr lang="en-US" sz="1200" dirty="0" err="1">
+                <a:solidFill>
+                  <a:srgbClr val="800000"/>
+                </a:solidFill>
+                <a:latin typeface="Consolas"/>
+              </a:rPr>
+              <a:t>build_job</a:t>
+            </a:r>
+            <a:r>
+              <a:rPr lang="en-US" sz="1200" dirty="0">
+                <a:solidFill>
+                  <a:srgbClr val="3B3B3B"/>
+                </a:solidFill>
+                <a:latin typeface="Consolas"/>
+              </a:rPr>
+              <a:t>:</a:t>
+            </a:r>
+            <a:endParaRPr lang="en-US" sz="1200" dirty="0">
+              <a:solidFill>
+                <a:srgbClr val="800000"/>
+              </a:solidFill>
+              <a:latin typeface="Consolas"/>
+            </a:endParaRPr>
+          </a:p>
+          <a:p>
+            <a:pPr eaLnBrk="1" hangingPunct="1"/>
+            <a:r>
+              <a:rPr lang="en-US" sz="1200" dirty="0">
+                <a:solidFill>
+                  <a:srgbClr val="800000"/>
+                </a:solidFill>
+                <a:latin typeface="Consolas"/>
+              </a:rPr>
+              <a:t>  extends: </a:t>
+            </a:r>
+            <a:r>
+              <a:rPr lang="en-US" sz="1200" dirty="0">
+                <a:solidFill>
+                  <a:srgbClr val="0000FF"/>
+                </a:solidFill>
+                <a:latin typeface="Consolas"/>
+              </a:rPr>
+              <a:t>.</a:t>
+            </a:r>
+            <a:r>
+              <a:rPr lang="en-US" sz="1200" b="0" dirty="0">
+                <a:solidFill>
+                  <a:srgbClr val="0249FC"/>
+                </a:solidFill>
+                <a:effectLst/>
+                <a:highlight>
+                  <a:srgbClr val="FFFFFF"/>
+                </a:highlight>
+                <a:latin typeface="Consolas" panose="020B0609020204030204" pitchFamily="49" charset="0"/>
+              </a:rPr>
+              <a:t>prepare-environment</a:t>
+            </a:r>
+          </a:p>
+          <a:p>
+            <a:pPr eaLnBrk="1" hangingPunct="1"/>
+            <a:r>
+              <a:rPr lang="en-US" sz="1200" dirty="0">
+                <a:solidFill>
+                  <a:srgbClr val="800000"/>
+                </a:solidFill>
+                <a:latin typeface="Consolas"/>
+              </a:rPr>
+              <a:t>  stage</a:t>
+            </a:r>
+            <a:r>
+              <a:rPr lang="en-US" sz="1200" dirty="0">
+                <a:solidFill>
+                  <a:srgbClr val="3B3B3B"/>
+                </a:solidFill>
+                <a:latin typeface="Consolas"/>
+              </a:rPr>
+              <a:t>: </a:t>
+            </a:r>
+            <a:r>
+              <a:rPr lang="en-US" sz="1200" dirty="0">
+                <a:solidFill>
+                  <a:srgbClr val="0000FF"/>
+                </a:solidFill>
+                <a:latin typeface="Consolas"/>
+              </a:rPr>
+              <a:t>build</a:t>
+            </a:r>
+            <a:endParaRPr lang="en-US" sz="1200" dirty="0">
+              <a:solidFill>
+                <a:srgbClr val="800000"/>
+              </a:solidFill>
+              <a:latin typeface="Consolas"/>
+            </a:endParaRPr>
+          </a:p>
+          <a:p>
+            <a:pPr eaLnBrk="1" hangingPunct="1"/>
+            <a:r>
+              <a:rPr lang="en-US" sz="1200" dirty="0">
+                <a:solidFill>
+                  <a:srgbClr val="800000"/>
+                </a:solidFill>
+                <a:latin typeface="Consolas"/>
+              </a:rPr>
+              <a:t>  script</a:t>
+            </a:r>
+            <a:r>
+              <a:rPr lang="en-US" sz="1200" dirty="0">
+                <a:solidFill>
+                  <a:srgbClr val="3B3B3B"/>
+                </a:solidFill>
+                <a:latin typeface="Consolas"/>
+              </a:rPr>
+              <a:t>:</a:t>
+            </a:r>
+          </a:p>
+          <a:p>
+            <a:pPr eaLnBrk="1" hangingPunct="1"/>
+            <a:r>
+              <a:rPr lang="en-US" sz="1200" dirty="0">
+                <a:solidFill>
+                  <a:srgbClr val="3B3B3B"/>
+                </a:solidFill>
+                <a:latin typeface="Consolas"/>
+              </a:rPr>
+              <a:t>    - </a:t>
+            </a:r>
+            <a:r>
+              <a:rPr lang="en-US" sz="1200" dirty="0">
+                <a:solidFill>
+                  <a:srgbClr val="0000FF"/>
+                </a:solidFill>
+                <a:latin typeface="Consolas"/>
+              </a:rPr>
+              <a:t>echo "Building the project..."</a:t>
+            </a:r>
+          </a:p>
+          <a:p>
+            <a:pPr eaLnBrk="1" hangingPunct="1"/>
+            <a:br>
+              <a:rPr lang="en-US" sz="1200" dirty="0">
+                <a:latin typeface="Consolas"/>
+              </a:rPr>
+            </a:br>
+            <a:r>
+              <a:rPr lang="en-US" sz="1200" dirty="0" err="1">
+                <a:solidFill>
+                  <a:srgbClr val="800000"/>
+                </a:solidFill>
+                <a:latin typeface="Consolas"/>
+              </a:rPr>
+              <a:t>test_job</a:t>
+            </a:r>
+            <a:r>
+              <a:rPr lang="en-US" sz="1200" dirty="0">
+                <a:solidFill>
+                  <a:srgbClr val="3B3B3B"/>
+                </a:solidFill>
+                <a:latin typeface="Consolas"/>
+              </a:rPr>
+              <a:t>:</a:t>
+            </a:r>
+          </a:p>
+          <a:p>
+            <a:pPr eaLnBrk="1" hangingPunct="1"/>
+            <a:r>
+              <a:rPr lang="en-US" sz="1200" dirty="0">
+                <a:solidFill>
+                  <a:srgbClr val="800000"/>
+                </a:solidFill>
+                <a:latin typeface="Consolas"/>
+              </a:rPr>
+              <a:t>  extends: </a:t>
+            </a:r>
+            <a:r>
+              <a:rPr lang="en-US" sz="1200" dirty="0">
+                <a:solidFill>
+                  <a:srgbClr val="0000FF"/>
+                </a:solidFill>
+                <a:latin typeface="Consolas"/>
+              </a:rPr>
+              <a:t>.</a:t>
+            </a:r>
+            <a:r>
+              <a:rPr lang="en-US" sz="1200" b="0" dirty="0">
+                <a:solidFill>
+                  <a:srgbClr val="0249FC"/>
+                </a:solidFill>
+                <a:effectLst/>
+                <a:highlight>
+                  <a:srgbClr val="FFFFFF"/>
+                </a:highlight>
+                <a:latin typeface="Consolas" panose="020B0609020204030204" pitchFamily="49" charset="0"/>
+              </a:rPr>
+              <a:t>prepare-environment</a:t>
+            </a:r>
+            <a:endParaRPr lang="en-US" sz="1200" dirty="0">
+              <a:solidFill>
+                <a:srgbClr val="800000"/>
+              </a:solidFill>
+              <a:latin typeface="Consolas"/>
+            </a:endParaRPr>
+          </a:p>
+          <a:p>
+            <a:pPr eaLnBrk="1" hangingPunct="1"/>
+            <a:r>
+              <a:rPr lang="en-US" sz="1200" dirty="0">
+                <a:solidFill>
+                  <a:srgbClr val="800000"/>
+                </a:solidFill>
+                <a:latin typeface="Consolas"/>
+              </a:rPr>
+              <a:t>  stage</a:t>
+            </a:r>
+            <a:r>
+              <a:rPr lang="en-US" sz="1200" dirty="0">
+                <a:solidFill>
+                  <a:srgbClr val="3B3B3B"/>
+                </a:solidFill>
+                <a:latin typeface="Consolas"/>
+              </a:rPr>
+              <a:t>: </a:t>
+            </a:r>
+            <a:r>
+              <a:rPr lang="en-US" sz="1200" dirty="0">
+                <a:solidFill>
+                  <a:srgbClr val="0000FF"/>
+                </a:solidFill>
+                <a:latin typeface="Consolas"/>
+              </a:rPr>
+              <a:t>test</a:t>
+            </a:r>
+          </a:p>
+          <a:p>
+            <a:pPr eaLnBrk="1" hangingPunct="1"/>
+            <a:r>
+              <a:rPr lang="en-US" sz="1200" dirty="0">
+                <a:solidFill>
+                  <a:srgbClr val="800000"/>
+                </a:solidFill>
+                <a:latin typeface="Consolas"/>
+              </a:rPr>
+              <a:t>  script</a:t>
+            </a:r>
+            <a:r>
+              <a:rPr lang="en-US" sz="1200" dirty="0">
+                <a:solidFill>
+                  <a:srgbClr val="3B3B3B"/>
+                </a:solidFill>
+                <a:latin typeface="Consolas"/>
+              </a:rPr>
+              <a:t>:</a:t>
+            </a:r>
+          </a:p>
+          <a:p>
+            <a:pPr eaLnBrk="1" hangingPunct="1"/>
+            <a:r>
+              <a:rPr lang="en-US" sz="1200" dirty="0">
+                <a:solidFill>
+                  <a:srgbClr val="3B3B3B"/>
+                </a:solidFill>
+                <a:latin typeface="Consolas"/>
+              </a:rPr>
+              <a:t>    - </a:t>
+            </a:r>
+            <a:r>
+              <a:rPr lang="en-US" sz="1200" dirty="0">
+                <a:solidFill>
+                  <a:srgbClr val="0000FF"/>
+                </a:solidFill>
+                <a:latin typeface="Consolas"/>
+              </a:rPr>
+              <a:t>echo "Testing the project..."</a:t>
+            </a:r>
+          </a:p>
+          <a:p>
+            <a:pPr eaLnBrk="1" hangingPunct="1"/>
+            <a:br>
+              <a:rPr lang="en-US" sz="1200" dirty="0">
+                <a:latin typeface="Consolas"/>
+              </a:rPr>
+            </a:br>
+            <a:r>
+              <a:rPr lang="en-US" sz="1200" dirty="0" err="1">
+                <a:solidFill>
+                  <a:srgbClr val="800000"/>
+                </a:solidFill>
+                <a:latin typeface="Consolas"/>
+              </a:rPr>
+              <a:t>deploy_job</a:t>
+            </a:r>
+            <a:r>
+              <a:rPr lang="en-US" sz="1200" dirty="0">
+                <a:solidFill>
+                  <a:srgbClr val="3B3B3B"/>
+                </a:solidFill>
+                <a:latin typeface="Consolas"/>
+              </a:rPr>
+              <a:t>:</a:t>
+            </a:r>
+          </a:p>
+          <a:p>
+            <a:pPr eaLnBrk="1" hangingPunct="1"/>
+            <a:r>
+              <a:rPr lang="en-US" sz="1200" dirty="0">
+                <a:solidFill>
+                  <a:srgbClr val="800000"/>
+                </a:solidFill>
+                <a:latin typeface="Consolas"/>
+              </a:rPr>
+              <a:t>  stage</a:t>
+            </a:r>
+            <a:r>
+              <a:rPr lang="en-US" sz="1200" dirty="0">
+                <a:solidFill>
+                  <a:srgbClr val="3B3B3B"/>
+                </a:solidFill>
+                <a:latin typeface="Consolas"/>
+              </a:rPr>
+              <a:t>: </a:t>
+            </a:r>
+            <a:r>
+              <a:rPr lang="en-US" sz="1200" dirty="0">
+                <a:solidFill>
+                  <a:srgbClr val="0000FF"/>
+                </a:solidFill>
+                <a:latin typeface="Consolas"/>
+              </a:rPr>
+              <a:t>deploy</a:t>
+            </a:r>
+          </a:p>
+          <a:p>
+            <a:pPr eaLnBrk="1" hangingPunct="1"/>
+            <a:r>
+              <a:rPr lang="en-US" sz="1200" dirty="0">
+                <a:solidFill>
+                  <a:srgbClr val="800000"/>
+                </a:solidFill>
+                <a:latin typeface="Consolas"/>
+              </a:rPr>
+              <a:t>  script</a:t>
+            </a:r>
+            <a:r>
+              <a:rPr lang="en-US" sz="1200" dirty="0">
+                <a:solidFill>
+                  <a:srgbClr val="3B3B3B"/>
+                </a:solidFill>
+                <a:latin typeface="Consolas"/>
+              </a:rPr>
+              <a:t>:</a:t>
+            </a:r>
+          </a:p>
+          <a:p>
+            <a:pPr eaLnBrk="1" hangingPunct="1"/>
+            <a:r>
+              <a:rPr lang="en-US" sz="1200" dirty="0">
+                <a:solidFill>
+                  <a:srgbClr val="3B3B3B"/>
+                </a:solidFill>
+                <a:latin typeface="Consolas"/>
+              </a:rPr>
+              <a:t>    - </a:t>
+            </a:r>
+            <a:r>
+              <a:rPr lang="en-US" sz="1200" dirty="0">
+                <a:solidFill>
+                  <a:srgbClr val="0000FF"/>
+                </a:solidFill>
+                <a:latin typeface="Consolas"/>
+              </a:rPr>
+              <a:t>echo "Deploying the project..."</a:t>
+            </a:r>
+          </a:p>
+        </p:txBody>
+      </p:sp>
+      <p:sp>
+        <p:nvSpPr>
+          <p:cNvPr id="3" name="Textfeld 2">
+            <a:extLst>
+              <a:ext uri="{FF2B5EF4-FFF2-40B4-BE49-F238E27FC236}">
+                <a16:creationId xmlns:a16="http://schemas.microsoft.com/office/drawing/2014/main" id="{E7A70CF8-7B36-2FA3-4B67-CF977204D4D8}"/>
+              </a:ext>
+            </a:extLst>
+          </p:cNvPr>
+          <p:cNvSpPr txBox="1"/>
+          <p:nvPr/>
+        </p:nvSpPr>
+        <p:spPr bwMode="auto">
+          <a:xfrm>
+            <a:off x="4644008" y="2432430"/>
+            <a:ext cx="3312368" cy="1007968"/>
+          </a:xfrm>
+          <a:prstGeom prst="rect">
+            <a:avLst/>
+          </a:prstGeom>
+          <a:noFill/>
+          <a:ln w="9525">
+            <a:noFill/>
+            <a:miter lim="800000"/>
+            <a:headEnd/>
+            <a:tailEnd/>
+          </a:ln>
+        </p:spPr>
+        <p:txBody>
+          <a:bodyPr rot="0" spcFirstLastPara="0" vertOverflow="overflow" horzOverflow="overflow" vert="horz" wrap="square" lIns="91440" tIns="45720" rIns="91440" bIns="45720" numCol="1" spcCol="0" rtlCol="0" fromWordArt="0" anchor="ctr" anchorCtr="0" forceAA="0" compatLnSpc="1">
+            <a:prstTxWarp prst="textNoShape">
+              <a:avLst/>
+            </a:prstTxWarp>
+            <a:spAutoFit/>
+          </a:bodyPr>
+          <a:lstStyle/>
+          <a:p>
+            <a:pPr eaLnBrk="1" hangingPunct="1"/>
+            <a:r>
+              <a:rPr lang="en-US" sz="1000" dirty="0">
+                <a:solidFill>
+                  <a:srgbClr val="800000"/>
+                </a:solidFill>
+                <a:latin typeface="Consolas"/>
+              </a:rPr>
+              <a:t>.prepare-environment</a:t>
+            </a:r>
+            <a:r>
+              <a:rPr lang="en-US" sz="1000" dirty="0">
+                <a:solidFill>
+                  <a:srgbClr val="3B3B3B"/>
+                </a:solidFill>
+                <a:latin typeface="Consolas"/>
+              </a:rPr>
+              <a:t>:</a:t>
+            </a:r>
+          </a:p>
+          <a:p>
+            <a:pPr eaLnBrk="1" hangingPunct="1"/>
+            <a:r>
+              <a:rPr lang="en-US" sz="1000" dirty="0">
+                <a:solidFill>
+                  <a:srgbClr val="800000"/>
+                </a:solidFill>
+                <a:latin typeface="Consolas"/>
+              </a:rPr>
+              <a:t>   </a:t>
+            </a:r>
+            <a:r>
+              <a:rPr lang="en-US" sz="1000" dirty="0" err="1">
+                <a:solidFill>
+                  <a:srgbClr val="800000"/>
+                </a:solidFill>
+                <a:latin typeface="Consolas"/>
+              </a:rPr>
+              <a:t>before_script</a:t>
+            </a:r>
+            <a:r>
+              <a:rPr lang="en-US" sz="1000" dirty="0">
+                <a:solidFill>
+                  <a:srgbClr val="3B3B3B"/>
+                </a:solidFill>
+                <a:latin typeface="Consolas"/>
+              </a:rPr>
+              <a:t>:</a:t>
+            </a:r>
+          </a:p>
+          <a:p>
+            <a:pPr eaLnBrk="1" hangingPunct="1"/>
+            <a:r>
+              <a:rPr lang="en-US" sz="1000" dirty="0">
+                <a:solidFill>
+                  <a:srgbClr val="3B3B3B"/>
+                </a:solidFill>
+                <a:latin typeface="Consolas"/>
+              </a:rPr>
+              <a:t>     - </a:t>
+            </a:r>
+            <a:r>
+              <a:rPr lang="en-US" sz="1000" dirty="0">
+                <a:solidFill>
+                  <a:srgbClr val="0000FF"/>
+                </a:solidFill>
+                <a:latin typeface="Consolas"/>
+              </a:rPr>
+              <a:t>echo "Installing dependency..."</a:t>
+            </a:r>
+          </a:p>
+          <a:p>
+            <a:endParaRPr lang="en-US" sz="1000" b="0" dirty="0">
+              <a:solidFill>
+                <a:srgbClr val="0249FC"/>
+              </a:solidFill>
+              <a:effectLst/>
+              <a:highlight>
+                <a:srgbClr val="FFFFFF"/>
+              </a:highlight>
+              <a:latin typeface="Consolas" panose="020B0609020204030204" pitchFamily="49" charset="0"/>
+            </a:endParaRPr>
+          </a:p>
+          <a:p>
+            <a:br>
+              <a:rPr lang="en-US" sz="1000" dirty="0">
+                <a:latin typeface="Consolas"/>
+              </a:rPr>
+            </a:br>
+            <a:endParaRPr lang="en-US" sz="1000" dirty="0">
+              <a:solidFill>
+                <a:srgbClr val="0000FF"/>
+              </a:solidFill>
+              <a:latin typeface="Consolas"/>
+            </a:endParaRPr>
+          </a:p>
+        </p:txBody>
+      </p:sp>
+      <p:sp>
+        <p:nvSpPr>
+          <p:cNvPr id="5" name="Textfeld 4">
+            <a:extLst>
+              <a:ext uri="{FF2B5EF4-FFF2-40B4-BE49-F238E27FC236}">
+                <a16:creationId xmlns:a16="http://schemas.microsoft.com/office/drawing/2014/main" id="{740A6B93-B500-E483-9656-03F8236A92D9}"/>
+              </a:ext>
+            </a:extLst>
+          </p:cNvPr>
+          <p:cNvSpPr txBox="1"/>
+          <p:nvPr/>
+        </p:nvSpPr>
+        <p:spPr bwMode="auto">
+          <a:xfrm>
+            <a:off x="4355976" y="1846922"/>
+            <a:ext cx="4248472" cy="461665"/>
+          </a:xfrm>
+          <a:prstGeom prst="rect">
+            <a:avLst/>
+          </a:prstGeom>
+          <a:noFill/>
+          <a:ln w="9525">
+            <a:noFill/>
+            <a:miter lim="800000"/>
+            <a:headEnd/>
+            <a:tailEnd/>
+          </a:ln>
+        </p:spPr>
+        <p:txBody>
+          <a:bodyPr rot="0" spcFirstLastPara="0" vertOverflow="overflow" horzOverflow="overflow" vert="horz" wrap="square" lIns="91440" tIns="45720" rIns="91440" bIns="45720" numCol="1" spcCol="0" rtlCol="0" fromWordArt="0" anchor="ctr" anchorCtr="0" forceAA="0" compatLnSpc="1">
+            <a:prstTxWarp prst="textNoShape">
+              <a:avLst/>
+            </a:prstTxWarp>
+            <a:spAutoFit/>
+          </a:bodyPr>
+          <a:lstStyle/>
+          <a:p>
+            <a:pPr eaLnBrk="1" hangingPunct="1"/>
+            <a:r>
+              <a:rPr lang="en-US" dirty="0">
+                <a:latin typeface="+mj-lt"/>
+              </a:rPr>
+              <a:t>.prepare-</a:t>
+            </a:r>
+            <a:r>
+              <a:rPr lang="en-US" dirty="0" err="1">
+                <a:latin typeface="+mj-lt"/>
+              </a:rPr>
+              <a:t>environment.yml</a:t>
+            </a:r>
+            <a:r>
+              <a:rPr lang="en-US" dirty="0">
+                <a:latin typeface="+mj-lt"/>
+              </a:rPr>
+              <a:t> :</a:t>
+            </a:r>
+            <a:endParaRPr lang="en-US" b="0" dirty="0">
+              <a:effectLst/>
+              <a:highlight>
+                <a:srgbClr val="FFFFFF"/>
+              </a:highlight>
+              <a:latin typeface="+mj-lt"/>
+            </a:endParaRPr>
+          </a:p>
+        </p:txBody>
+      </p:sp>
+    </p:spTree>
+    <p:extLst>
+      <p:ext uri="{BB962C8B-B14F-4D97-AF65-F5344CB8AC3E}">
+        <p14:creationId xmlns:p14="http://schemas.microsoft.com/office/powerpoint/2010/main" val="1786987750"/>
+      </p:ext>
+    </p:extLst>
+  </p:cSld>
+  <p:clrMapOvr>
+    <a:masterClrMapping/>
+  </p:clrMapOvr>
+</p:sld>
+</file>
+
+<file path=ppt/slides/slide45.xml><?xml version="1.0" encoding="utf-8"?>
+<p:sld xmlns:a="http://schemas.openxmlformats.org/drawingml/2006/main" xmlns:r="http://schemas.openxmlformats.org/officeDocument/2006/relationships" xmlns:p="http://schemas.openxmlformats.org/presentationml/2006/main">
+  <p:cSld>
+    <p:spTree>
+      <p:nvGrpSpPr>
+        <p:cNvPr id="1" name=""/>
+        <p:cNvGrpSpPr/>
+        <p:nvPr/>
+      </p:nvGrpSpPr>
+      <p:grpSpPr>
+        <a:xfrm>
+          <a:off x="0" y="0"/>
+          <a:ext cx="0" cy="0"/>
+          <a:chOff x="0" y="0"/>
+          <a:chExt cx="0" cy="0"/>
+        </a:xfrm>
+      </p:grpSpPr>
+      <p:sp>
+        <p:nvSpPr>
+          <p:cNvPr id="2" name="Titel 1">
+            <a:extLst>
+              <a:ext uri="{FF2B5EF4-FFF2-40B4-BE49-F238E27FC236}">
                 <a16:creationId xmlns:a16="http://schemas.microsoft.com/office/drawing/2014/main" id="{3363B985-2812-BDBB-7E9D-A28D84AB06EF}"/>
               </a:ext>
             </a:extLst>
@@ -23349,7 +25177,7 @@
 </p:sld>
 </file>
 
-<file path=ppt/slides/slide44.xml><?xml version="1.0" encoding="utf-8"?>
+<file path=ppt/slides/slide46.xml><?xml version="1.0" encoding="utf-8"?>
 <p:sld xmlns:a="http://schemas.openxmlformats.org/drawingml/2006/main" xmlns:r="http://schemas.openxmlformats.org/officeDocument/2006/relationships" xmlns:p="http://schemas.openxmlformats.org/presentationml/2006/main">
   <p:cSld>
     <p:spTree>
@@ -23474,1736 +25302,6 @@
     <p:extLst>
       <p:ext uri="{BB962C8B-B14F-4D97-AF65-F5344CB8AC3E}">
         <p14:creationId xmlns:p14="http://schemas.microsoft.com/office/powerpoint/2010/main" val="3124206507"/>
-      </p:ext>
-    </p:extLst>
-  </p:cSld>
-  <p:clrMapOvr>
-    <a:masterClrMapping/>
-  </p:clrMapOvr>
-</p:sld>
-</file>
-
-<file path=ppt/slides/slide45.xml><?xml version="1.0" encoding="utf-8"?>
-<p:sld xmlns:a="http://schemas.openxmlformats.org/drawingml/2006/main" xmlns:r="http://schemas.openxmlformats.org/officeDocument/2006/relationships" xmlns:p="http://schemas.openxmlformats.org/presentationml/2006/main">
-  <p:cSld>
-    <p:spTree>
-      <p:nvGrpSpPr>
-        <p:cNvPr id="1" name=""/>
-        <p:cNvGrpSpPr/>
-        <p:nvPr/>
-      </p:nvGrpSpPr>
-      <p:grpSpPr>
-        <a:xfrm>
-          <a:off x="0" y="0"/>
-          <a:ext cx="0" cy="0"/>
-          <a:chOff x="0" y="0"/>
-          <a:chExt cx="0" cy="0"/>
-        </a:xfrm>
-      </p:grpSpPr>
-      <p:sp>
-        <p:nvSpPr>
-          <p:cNvPr id="2" name="Titel 1">
-            <a:extLst>
-              <a:ext uri="{FF2B5EF4-FFF2-40B4-BE49-F238E27FC236}">
-                <a16:creationId xmlns:a16="http://schemas.microsoft.com/office/drawing/2014/main" id="{74F61811-DDD3-CD36-300B-D3CAEEBD8E91}"/>
-              </a:ext>
-            </a:extLst>
-          </p:cNvPr>
-          <p:cNvSpPr>
-            <a:spLocks noGrp="1"/>
-          </p:cNvSpPr>
-          <p:nvPr>
-            <p:ph type="title"/>
-          </p:nvPr>
-        </p:nvSpPr>
-        <p:spPr/>
-        <p:txBody>
-          <a:bodyPr/>
-          <a:lstStyle/>
-          <a:p>
-            <a:r>
-              <a:rPr lang="de-DE" dirty="0"/>
-              <a:t>CI/CD</a:t>
-            </a:r>
-          </a:p>
-        </p:txBody>
-      </p:sp>
-      <p:sp>
-        <p:nvSpPr>
-          <p:cNvPr id="8" name="Inhaltsplatzhalter 2">
-            <a:extLst>
-              <a:ext uri="{FF2B5EF4-FFF2-40B4-BE49-F238E27FC236}">
-                <a16:creationId xmlns:a16="http://schemas.microsoft.com/office/drawing/2014/main" id="{3750ACE7-620C-13EC-C5A9-67889F051598}"/>
-              </a:ext>
-            </a:extLst>
-          </p:cNvPr>
-          <p:cNvSpPr>
-            <a:spLocks noGrp="1"/>
-          </p:cNvSpPr>
-          <p:nvPr>
-            <p:ph idx="1"/>
-          </p:nvPr>
-        </p:nvSpPr>
-        <p:spPr>
-          <a:xfrm>
-            <a:off x="303213" y="981075"/>
-            <a:ext cx="8516937" cy="5400675"/>
-          </a:xfrm>
-        </p:spPr>
-        <p:txBody>
-          <a:bodyPr/>
-          <a:lstStyle/>
-          <a:p>
-            <a:pPr marL="0" indent="0">
-              <a:buNone/>
-            </a:pPr>
-            <a:r>
-              <a:rPr lang="de-DE" b="1" dirty="0"/>
-              <a:t>Aufgabe 8: Bedingte Ausführung von Jobs</a:t>
-            </a:r>
-            <a:br>
-              <a:rPr lang="de-DE" b="1" dirty="0"/>
-            </a:br>
-            <a:endParaRPr lang="de-DE" dirty="0"/>
-          </a:p>
-          <a:p>
-            <a:pPr marL="457200" indent="-457200">
-              <a:buFont typeface="+mj-lt"/>
-              <a:buAutoNum type="arabicPeriod"/>
-            </a:pPr>
-            <a:r>
-              <a:rPr lang="de-DE" b="1" dirty="0"/>
-              <a:t>Ziel</a:t>
-            </a:r>
-            <a:r>
-              <a:rPr lang="de-DE" dirty="0"/>
-              <a:t>: </a:t>
-            </a:r>
-            <a:br>
-              <a:rPr lang="de-DE" dirty="0"/>
-            </a:br>
-            <a:r>
-              <a:rPr lang="de-DE" dirty="0"/>
-              <a:t>Jobs basierend auf </a:t>
-            </a:r>
-            <a:r>
-              <a:rPr lang="de-DE" dirty="0" err="1"/>
-              <a:t>Branches</a:t>
-            </a:r>
-            <a:r>
-              <a:rPr lang="de-DE" dirty="0"/>
-              <a:t> oder Tags nur bedingt ausführen.</a:t>
-            </a:r>
-            <a:br>
-              <a:rPr lang="de-DE" dirty="0"/>
-            </a:br>
-            <a:endParaRPr lang="de-DE" dirty="0"/>
-          </a:p>
-          <a:p>
-            <a:pPr marL="457200" indent="-457200">
-              <a:buFont typeface="+mj-lt"/>
-              <a:buAutoNum type="arabicPeriod"/>
-            </a:pPr>
-            <a:r>
-              <a:rPr lang="de-DE" b="1" dirty="0"/>
-              <a:t>Schritte</a:t>
-            </a:r>
-            <a:r>
-              <a:rPr lang="de-DE" dirty="0"/>
-              <a:t>:</a:t>
-            </a:r>
-          </a:p>
-          <a:p>
-            <a:pPr lvl="1">
-              <a:buFont typeface="Arial" panose="020B0604020202020204" pitchFamily="34" charset="0"/>
-              <a:buChar char="•"/>
-            </a:pPr>
-            <a:r>
-              <a:rPr lang="de-DE" sz="2400" dirty="0"/>
-              <a:t>Modifizieren Sie den </a:t>
-            </a:r>
-            <a:r>
-              <a:rPr lang="de-DE" sz="2400" dirty="0" err="1"/>
-              <a:t>deploy_job</a:t>
-            </a:r>
-            <a:r>
-              <a:rPr lang="de-DE" sz="2400" dirty="0"/>
-              <a:t>, um ihn nur auf dem main-Branch auszuführen</a:t>
-            </a:r>
-          </a:p>
-          <a:p>
-            <a:pPr>
-              <a:buFont typeface="Arial" panose="020B0604020202020204" pitchFamily="34" charset="0"/>
-              <a:buChar char="•"/>
-            </a:pPr>
-            <a:endParaRPr lang="de-DE" dirty="0"/>
-          </a:p>
-        </p:txBody>
-      </p:sp>
-    </p:spTree>
-    <p:extLst>
-      <p:ext uri="{BB962C8B-B14F-4D97-AF65-F5344CB8AC3E}">
-        <p14:creationId xmlns:p14="http://schemas.microsoft.com/office/powerpoint/2010/main" val="341555042"/>
-      </p:ext>
-    </p:extLst>
-  </p:cSld>
-  <p:clrMapOvr>
-    <a:masterClrMapping/>
-  </p:clrMapOvr>
-</p:sld>
-</file>
-
-<file path=ppt/slides/slide46.xml><?xml version="1.0" encoding="utf-8"?>
-<p:sld xmlns:a="http://schemas.openxmlformats.org/drawingml/2006/main" xmlns:r="http://schemas.openxmlformats.org/officeDocument/2006/relationships" xmlns:p="http://schemas.openxmlformats.org/presentationml/2006/main">
-  <p:cSld>
-    <p:spTree>
-      <p:nvGrpSpPr>
-        <p:cNvPr id="1" name=""/>
-        <p:cNvGrpSpPr/>
-        <p:nvPr/>
-      </p:nvGrpSpPr>
-      <p:grpSpPr>
-        <a:xfrm>
-          <a:off x="0" y="0"/>
-          <a:ext cx="0" cy="0"/>
-          <a:chOff x="0" y="0"/>
-          <a:chExt cx="0" cy="0"/>
-        </a:xfrm>
-      </p:grpSpPr>
-      <p:sp>
-        <p:nvSpPr>
-          <p:cNvPr id="2" name="Titel 1">
-            <a:extLst>
-              <a:ext uri="{FF2B5EF4-FFF2-40B4-BE49-F238E27FC236}">
-                <a16:creationId xmlns:a16="http://schemas.microsoft.com/office/drawing/2014/main" id="{A2A2EB4E-4B87-3A94-66CB-0424D340A9D6}"/>
-              </a:ext>
-            </a:extLst>
-          </p:cNvPr>
-          <p:cNvSpPr>
-            <a:spLocks noGrp="1"/>
-          </p:cNvSpPr>
-          <p:nvPr>
-            <p:ph type="title"/>
-          </p:nvPr>
-        </p:nvSpPr>
-        <p:spPr/>
-        <p:txBody>
-          <a:bodyPr/>
-          <a:lstStyle/>
-          <a:p>
-            <a:r>
-              <a:rPr lang="de-DE" dirty="0"/>
-              <a:t>CI/CD</a:t>
-            </a:r>
-          </a:p>
-        </p:txBody>
-      </p:sp>
-      <p:sp>
-        <p:nvSpPr>
-          <p:cNvPr id="10" name="Inhaltsplatzhalter 2">
-            <a:extLst>
-              <a:ext uri="{FF2B5EF4-FFF2-40B4-BE49-F238E27FC236}">
-                <a16:creationId xmlns:a16="http://schemas.microsoft.com/office/drawing/2014/main" id="{F2E8AEA4-8F06-E96C-F551-3CA6B4EF1E8C}"/>
-              </a:ext>
-            </a:extLst>
-          </p:cNvPr>
-          <p:cNvSpPr>
-            <a:spLocks noGrp="1"/>
-          </p:cNvSpPr>
-          <p:nvPr>
-            <p:ph idx="1"/>
-          </p:nvPr>
-        </p:nvSpPr>
-        <p:spPr>
-          <a:xfrm>
-            <a:off x="303213" y="981075"/>
-            <a:ext cx="8516937" cy="5400675"/>
-          </a:xfrm>
-        </p:spPr>
-        <p:txBody>
-          <a:bodyPr/>
-          <a:lstStyle/>
-          <a:p>
-            <a:pPr marL="0" indent="0">
-              <a:buNone/>
-            </a:pPr>
-            <a:r>
-              <a:rPr lang="de-DE" b="1" dirty="0"/>
-              <a:t>Aufgabe 8: Bedingte Ausführung von Jobs</a:t>
-            </a:r>
-            <a:endParaRPr lang="de-DE" dirty="0"/>
-          </a:p>
-          <a:p>
-            <a:pPr>
-              <a:buFont typeface="Arial" panose="020B0604020202020204" pitchFamily="34" charset="0"/>
-              <a:buChar char="•"/>
-            </a:pPr>
-            <a:r>
-              <a:rPr lang="de-DE" dirty="0"/>
-              <a:t>Mögliche Lösung:</a:t>
-            </a:r>
-          </a:p>
-          <a:p>
-            <a:pPr lvl="1">
-              <a:buFont typeface="Arial" panose="020B0604020202020204" pitchFamily="34" charset="0"/>
-              <a:buChar char="•"/>
-            </a:pPr>
-            <a:endParaRPr lang="de-DE" dirty="0"/>
-          </a:p>
-        </p:txBody>
-      </p:sp>
-      <p:sp>
-        <p:nvSpPr>
-          <p:cNvPr id="14" name="Textfeld 13">
-            <a:extLst>
-              <a:ext uri="{FF2B5EF4-FFF2-40B4-BE49-F238E27FC236}">
-                <a16:creationId xmlns:a16="http://schemas.microsoft.com/office/drawing/2014/main" id="{25DB68D3-B1CF-991D-D74F-7392734A154E}"/>
-              </a:ext>
-            </a:extLst>
-          </p:cNvPr>
-          <p:cNvSpPr txBox="1"/>
-          <p:nvPr/>
-        </p:nvSpPr>
-        <p:spPr bwMode="auto">
-          <a:xfrm>
-            <a:off x="1619672" y="1919553"/>
-            <a:ext cx="6529588" cy="4247317"/>
-          </a:xfrm>
-          <a:prstGeom prst="rect">
-            <a:avLst/>
-          </a:prstGeom>
-          <a:noFill/>
-          <a:ln w="9525">
-            <a:noFill/>
-            <a:miter lim="800000"/>
-            <a:headEnd/>
-            <a:tailEnd/>
-          </a:ln>
-        </p:spPr>
-        <p:txBody>
-          <a:bodyPr wrap="square" lIns="91440" tIns="45720" rIns="91440" bIns="45720" anchor="t">
-            <a:spAutoFit/>
-          </a:bodyPr>
-          <a:lstStyle/>
-          <a:p>
-            <a:r>
-              <a:rPr lang="de-DE" sz="900" dirty="0">
-                <a:solidFill>
-                  <a:srgbClr val="800000"/>
-                </a:solidFill>
-                <a:highlight>
-                  <a:srgbClr val="FFFFFF"/>
-                </a:highlight>
-                <a:latin typeface="Consolas"/>
-                <a:cs typeface="Times New Roman"/>
-              </a:rPr>
-              <a:t>variables:</a:t>
-            </a:r>
-            <a:endParaRPr lang="de-DE" sz="900" dirty="0">
-              <a:latin typeface="Consolas"/>
-            </a:endParaRPr>
-          </a:p>
-          <a:p>
-            <a:r>
-              <a:rPr lang="de-DE" sz="900" dirty="0">
-                <a:solidFill>
-                  <a:srgbClr val="800000"/>
-                </a:solidFill>
-                <a:highlight>
-                  <a:srgbClr val="FFFFFF"/>
-                </a:highlight>
-                <a:latin typeface="Consolas"/>
-                <a:cs typeface="Times New Roman"/>
-              </a:rPr>
-              <a:t>  DUMMY_FILE: "dummy_file.txt"</a:t>
-            </a:r>
-            <a:endParaRPr lang="de-DE" sz="900" dirty="0">
-              <a:latin typeface="Consolas"/>
-            </a:endParaRPr>
-          </a:p>
-          <a:p>
-            <a:endParaRPr lang="de-DE" sz="900" dirty="0">
-              <a:solidFill>
-                <a:srgbClr val="800000"/>
-              </a:solidFill>
-              <a:highlight>
-                <a:srgbClr val="FFFFFF"/>
-              </a:highlight>
-              <a:latin typeface="Consolas"/>
-            </a:endParaRPr>
-          </a:p>
-          <a:p>
-            <a:r>
-              <a:rPr lang="de-DE" sz="900" b="0" err="1">
-                <a:solidFill>
-                  <a:srgbClr val="800000"/>
-                </a:solidFill>
-                <a:effectLst/>
-                <a:highlight>
-                  <a:srgbClr val="FFFFFF"/>
-                </a:highlight>
-                <a:latin typeface="Consolas"/>
-              </a:rPr>
-              <a:t>stages</a:t>
-            </a:r>
-            <a:r>
-              <a:rPr lang="de-DE" sz="900" b="0" dirty="0">
-                <a:solidFill>
-                  <a:srgbClr val="3B3B3B"/>
-                </a:solidFill>
-                <a:effectLst/>
-                <a:highlight>
-                  <a:srgbClr val="FFFFFF"/>
-                </a:highlight>
-                <a:latin typeface="Consolas"/>
-              </a:rPr>
-              <a:t>:</a:t>
-            </a:r>
-            <a:endParaRPr lang="de-DE" sz="900">
-              <a:cs typeface="Times New Roman"/>
-            </a:endParaRPr>
-          </a:p>
-          <a:p>
-            <a:r>
-              <a:rPr lang="de-DE" sz="900" b="0" dirty="0">
-                <a:solidFill>
-                  <a:srgbClr val="3B3B3B"/>
-                </a:solidFill>
-                <a:effectLst/>
-                <a:highlight>
-                  <a:srgbClr val="FFFFFF"/>
-                </a:highlight>
-                <a:latin typeface="Consolas"/>
-              </a:rPr>
-              <a:t>  - </a:t>
-            </a:r>
-            <a:r>
-              <a:rPr lang="de-DE" sz="900" b="0" err="1">
-                <a:solidFill>
-                  <a:srgbClr val="0000FF"/>
-                </a:solidFill>
-                <a:effectLst/>
-                <a:highlight>
-                  <a:srgbClr val="FFFFFF"/>
-                </a:highlight>
-                <a:latin typeface="Consolas"/>
-              </a:rPr>
-              <a:t>build</a:t>
-            </a:r>
-            <a:endParaRPr lang="de-DE" sz="900" b="0">
-              <a:solidFill>
-                <a:srgbClr val="3B3B3B"/>
-              </a:solidFill>
-              <a:effectLst/>
-              <a:highlight>
-                <a:srgbClr val="FFFFFF"/>
-              </a:highlight>
-              <a:latin typeface="Consolas"/>
-            </a:endParaRPr>
-          </a:p>
-          <a:p>
-            <a:r>
-              <a:rPr lang="de-DE" sz="900" b="0" dirty="0">
-                <a:solidFill>
-                  <a:srgbClr val="3B3B3B"/>
-                </a:solidFill>
-                <a:effectLst/>
-                <a:highlight>
-                  <a:srgbClr val="FFFFFF"/>
-                </a:highlight>
-                <a:latin typeface="Consolas"/>
-              </a:rPr>
-              <a:t>  - </a:t>
-            </a:r>
-            <a:r>
-              <a:rPr lang="de-DE" sz="900" b="0" err="1">
-                <a:solidFill>
-                  <a:srgbClr val="0000FF"/>
-                </a:solidFill>
-                <a:effectLst/>
-                <a:highlight>
-                  <a:srgbClr val="FFFFFF"/>
-                </a:highlight>
-                <a:latin typeface="Consolas"/>
-              </a:rPr>
-              <a:t>test</a:t>
-            </a:r>
-            <a:endParaRPr lang="de-DE" sz="900" b="0">
-              <a:solidFill>
-                <a:srgbClr val="3B3B3B"/>
-              </a:solidFill>
-              <a:effectLst/>
-              <a:highlight>
-                <a:srgbClr val="FFFFFF"/>
-              </a:highlight>
-              <a:latin typeface="Consolas"/>
-            </a:endParaRPr>
-          </a:p>
-          <a:p>
-            <a:r>
-              <a:rPr lang="de-DE" sz="900" b="0" dirty="0">
-                <a:solidFill>
-                  <a:srgbClr val="3B3B3B"/>
-                </a:solidFill>
-                <a:effectLst/>
-                <a:highlight>
-                  <a:srgbClr val="FFFFFF"/>
-                </a:highlight>
-                <a:latin typeface="Consolas"/>
-              </a:rPr>
-              <a:t>  - </a:t>
-            </a:r>
-            <a:r>
-              <a:rPr lang="de-DE" sz="900" b="0" dirty="0">
-                <a:solidFill>
-                  <a:srgbClr val="0000FF"/>
-                </a:solidFill>
-                <a:effectLst/>
-                <a:highlight>
-                  <a:srgbClr val="FFFFFF"/>
-                </a:highlight>
-                <a:latin typeface="Consolas"/>
-              </a:rPr>
-              <a:t>deploy</a:t>
-            </a:r>
-            <a:endParaRPr lang="de-DE" sz="900" b="0" dirty="0">
-              <a:solidFill>
-                <a:srgbClr val="3B3B3B"/>
-              </a:solidFill>
-              <a:effectLst/>
-              <a:highlight>
-                <a:srgbClr val="FFFFFF"/>
-              </a:highlight>
-              <a:latin typeface="Consolas"/>
-            </a:endParaRPr>
-          </a:p>
-          <a:p>
-            <a:br>
-              <a:rPr lang="de-DE" sz="900" b="0" dirty="0">
-                <a:effectLst/>
-                <a:highlight>
-                  <a:srgbClr val="FFFFFF"/>
-                </a:highlight>
-                <a:latin typeface="Consolas" panose="020B0609020204030204" pitchFamily="49" charset="0"/>
-              </a:rPr>
-            </a:br>
-            <a:r>
-              <a:rPr lang="de-DE" sz="900" b="0" err="1">
-                <a:solidFill>
-                  <a:srgbClr val="800000"/>
-                </a:solidFill>
-                <a:effectLst/>
-                <a:highlight>
-                  <a:srgbClr val="FFFFFF"/>
-                </a:highlight>
-                <a:latin typeface="Consolas"/>
-              </a:rPr>
-              <a:t>build_job</a:t>
-            </a:r>
-            <a:r>
-              <a:rPr lang="de-DE" sz="900" b="0" dirty="0">
-                <a:solidFill>
-                  <a:srgbClr val="3B3B3B"/>
-                </a:solidFill>
-                <a:effectLst/>
-                <a:highlight>
-                  <a:srgbClr val="FFFFFF"/>
-                </a:highlight>
-                <a:latin typeface="Consolas"/>
-              </a:rPr>
-              <a:t>:</a:t>
-            </a:r>
-          </a:p>
-          <a:p>
-            <a:r>
-              <a:rPr lang="de-DE" sz="900" b="0" dirty="0">
-                <a:solidFill>
-                  <a:srgbClr val="3B3B3B"/>
-                </a:solidFill>
-                <a:effectLst/>
-                <a:highlight>
-                  <a:srgbClr val="FFFFFF"/>
-                </a:highlight>
-                <a:latin typeface="Consolas"/>
-              </a:rPr>
-              <a:t>  </a:t>
-            </a:r>
-            <a:r>
-              <a:rPr lang="de-DE" sz="900" b="0" err="1">
-                <a:solidFill>
-                  <a:srgbClr val="800000"/>
-                </a:solidFill>
-                <a:effectLst/>
-                <a:highlight>
-                  <a:srgbClr val="FFFFFF"/>
-                </a:highlight>
-                <a:latin typeface="Consolas"/>
-              </a:rPr>
-              <a:t>stage</a:t>
-            </a:r>
-            <a:r>
-              <a:rPr lang="de-DE" sz="900" b="0" dirty="0">
-                <a:solidFill>
-                  <a:srgbClr val="3B3B3B"/>
-                </a:solidFill>
-                <a:effectLst/>
-                <a:highlight>
-                  <a:srgbClr val="FFFFFF"/>
-                </a:highlight>
-                <a:latin typeface="Consolas"/>
-              </a:rPr>
-              <a:t>: </a:t>
-            </a:r>
-            <a:r>
-              <a:rPr lang="de-DE" sz="900" b="0" err="1">
-                <a:solidFill>
-                  <a:srgbClr val="0000FF"/>
-                </a:solidFill>
-                <a:effectLst/>
-                <a:highlight>
-                  <a:srgbClr val="FFFFFF"/>
-                </a:highlight>
-                <a:latin typeface="Consolas"/>
-              </a:rPr>
-              <a:t>build</a:t>
-            </a:r>
-            <a:endParaRPr lang="de-DE" sz="900" b="0">
-              <a:solidFill>
-                <a:srgbClr val="3B3B3B"/>
-              </a:solidFill>
-              <a:effectLst/>
-              <a:highlight>
-                <a:srgbClr val="FFFFFF"/>
-              </a:highlight>
-              <a:latin typeface="Consolas"/>
-            </a:endParaRPr>
-          </a:p>
-          <a:p>
-            <a:r>
-              <a:rPr lang="de-DE" sz="900" b="0" dirty="0">
-                <a:solidFill>
-                  <a:srgbClr val="3B3B3B"/>
-                </a:solidFill>
-                <a:effectLst/>
-                <a:highlight>
-                  <a:srgbClr val="FFFFFF"/>
-                </a:highlight>
-                <a:latin typeface="Consolas"/>
-              </a:rPr>
-              <a:t>  </a:t>
-            </a:r>
-            <a:r>
-              <a:rPr lang="de-DE" sz="900" b="0" err="1">
-                <a:solidFill>
-                  <a:srgbClr val="800000"/>
-                </a:solidFill>
-                <a:effectLst/>
-                <a:highlight>
-                  <a:srgbClr val="FFFFFF"/>
-                </a:highlight>
-                <a:latin typeface="Consolas"/>
-              </a:rPr>
-              <a:t>script</a:t>
-            </a:r>
-            <a:r>
-              <a:rPr lang="de-DE" sz="900" b="0" dirty="0">
-                <a:solidFill>
-                  <a:srgbClr val="3B3B3B"/>
-                </a:solidFill>
-                <a:effectLst/>
-                <a:highlight>
-                  <a:srgbClr val="FFFFFF"/>
-                </a:highlight>
-                <a:latin typeface="Consolas"/>
-              </a:rPr>
-              <a:t>:</a:t>
-            </a:r>
-          </a:p>
-          <a:p>
-            <a:r>
-              <a:rPr lang="de-DE" sz="900" b="0" dirty="0">
-                <a:solidFill>
-                  <a:srgbClr val="3B3B3B"/>
-                </a:solidFill>
-                <a:effectLst/>
-                <a:highlight>
-                  <a:srgbClr val="FFFFFF"/>
-                </a:highlight>
-                <a:latin typeface="Consolas"/>
-              </a:rPr>
-              <a:t>    - </a:t>
-            </a:r>
-            <a:r>
-              <a:rPr lang="de-DE" sz="900" b="0" dirty="0">
-                <a:solidFill>
-                  <a:srgbClr val="0000FF"/>
-                </a:solidFill>
-                <a:effectLst/>
-                <a:highlight>
-                  <a:srgbClr val="FFFFFF"/>
-                </a:highlight>
-                <a:latin typeface="Consolas"/>
-              </a:rPr>
-              <a:t>echo "Building </a:t>
-            </a:r>
-            <a:r>
-              <a:rPr lang="de-DE" sz="900" b="0" err="1">
-                <a:solidFill>
-                  <a:srgbClr val="0000FF"/>
-                </a:solidFill>
-                <a:effectLst/>
-                <a:highlight>
-                  <a:srgbClr val="FFFFFF"/>
-                </a:highlight>
-                <a:latin typeface="Consolas"/>
-              </a:rPr>
-              <a:t>the</a:t>
-            </a:r>
-            <a:r>
-              <a:rPr lang="de-DE" sz="900" b="0" dirty="0">
-                <a:solidFill>
-                  <a:srgbClr val="0000FF"/>
-                </a:solidFill>
-                <a:effectLst/>
-                <a:highlight>
-                  <a:srgbClr val="FFFFFF"/>
-                </a:highlight>
-                <a:latin typeface="Consolas"/>
-              </a:rPr>
-              <a:t> </a:t>
-            </a:r>
-            <a:r>
-              <a:rPr lang="de-DE" sz="900" b="0" err="1">
-                <a:solidFill>
-                  <a:srgbClr val="0000FF"/>
-                </a:solidFill>
-                <a:effectLst/>
-                <a:highlight>
-                  <a:srgbClr val="FFFFFF"/>
-                </a:highlight>
-                <a:latin typeface="Consolas"/>
-              </a:rPr>
-              <a:t>project</a:t>
-            </a:r>
-            <a:r>
-              <a:rPr lang="de-DE" sz="900" b="0" dirty="0">
-                <a:solidFill>
-                  <a:srgbClr val="0000FF"/>
-                </a:solidFill>
-                <a:effectLst/>
-                <a:highlight>
-                  <a:srgbClr val="FFFFFF"/>
-                </a:highlight>
-                <a:latin typeface="Consolas"/>
-              </a:rPr>
-              <a:t>..."</a:t>
-            </a:r>
-            <a:endParaRPr lang="de-DE" sz="900" b="0" dirty="0">
-              <a:solidFill>
-                <a:srgbClr val="3B3B3B"/>
-              </a:solidFill>
-              <a:effectLst/>
-              <a:highlight>
-                <a:srgbClr val="FFFFFF"/>
-              </a:highlight>
-              <a:latin typeface="Consolas"/>
-            </a:endParaRPr>
-          </a:p>
-          <a:p>
-            <a:r>
-              <a:rPr lang="de-DE" sz="900" b="0" dirty="0">
-                <a:solidFill>
-                  <a:srgbClr val="3B3B3B"/>
-                </a:solidFill>
-                <a:effectLst/>
-                <a:highlight>
-                  <a:srgbClr val="FFFFFF"/>
-                </a:highlight>
-                <a:latin typeface="Consolas"/>
-              </a:rPr>
-              <a:t>    - </a:t>
-            </a:r>
-            <a:r>
-              <a:rPr lang="de-DE" sz="900" b="0" err="1">
-                <a:solidFill>
-                  <a:srgbClr val="0000FF"/>
-                </a:solidFill>
-                <a:effectLst/>
-                <a:highlight>
-                  <a:srgbClr val="FFFFFF"/>
-                </a:highlight>
-                <a:latin typeface="Consolas"/>
-              </a:rPr>
-              <a:t>touch</a:t>
-            </a:r>
-            <a:r>
-              <a:rPr lang="de-DE" sz="900" b="0" dirty="0">
-                <a:solidFill>
-                  <a:srgbClr val="0000FF"/>
-                </a:solidFill>
-                <a:effectLst/>
-                <a:highlight>
-                  <a:srgbClr val="FFFFFF"/>
-                </a:highlight>
-                <a:latin typeface="Consolas"/>
-              </a:rPr>
-              <a:t> </a:t>
-            </a:r>
-            <a:r>
-              <a:rPr lang="de-DE" sz="900" dirty="0">
-                <a:solidFill>
-                  <a:srgbClr val="0000FF"/>
-                </a:solidFill>
-                <a:highlight>
-                  <a:srgbClr val="FFFFFF"/>
-                </a:highlight>
-                <a:latin typeface="Consolas"/>
-                <a:cs typeface="Times New Roman"/>
-              </a:rPr>
-              <a:t>$DUMMY</a:t>
-            </a:r>
-            <a:r>
-              <a:rPr lang="de-DE" sz="900" b="0" dirty="0">
-                <a:solidFill>
-                  <a:srgbClr val="0000FF"/>
-                </a:solidFill>
-                <a:effectLst/>
-                <a:highlight>
-                  <a:srgbClr val="FFFFFF"/>
-                </a:highlight>
-                <a:latin typeface="Consolas"/>
-                <a:cs typeface="Times New Roman"/>
-              </a:rPr>
-              <a:t>_</a:t>
-            </a:r>
-            <a:r>
-              <a:rPr lang="de-DE" sz="900" dirty="0">
-                <a:solidFill>
-                  <a:srgbClr val="0000FF"/>
-                </a:solidFill>
-                <a:highlight>
-                  <a:srgbClr val="FFFFFF"/>
-                </a:highlight>
-                <a:latin typeface="Consolas"/>
-                <a:cs typeface="Times New Roman"/>
-              </a:rPr>
-              <a:t>FILE</a:t>
-            </a:r>
-            <a:endParaRPr lang="de-DE" sz="900" dirty="0">
-              <a:solidFill>
-                <a:srgbClr val="3B3B3B"/>
-              </a:solidFill>
-              <a:highlight>
-                <a:srgbClr val="FFFFFF"/>
-              </a:highlight>
-              <a:latin typeface="Consolas" panose="020B0609020204030204" pitchFamily="49" charset="0"/>
-              <a:cs typeface="Times New Roman"/>
-            </a:endParaRPr>
-          </a:p>
-          <a:p>
-            <a:r>
-              <a:rPr lang="de-DE" sz="900" b="0" dirty="0">
-                <a:solidFill>
-                  <a:srgbClr val="3B3B3B"/>
-                </a:solidFill>
-                <a:effectLst/>
-                <a:highlight>
-                  <a:srgbClr val="FFFFFF"/>
-                </a:highlight>
-                <a:latin typeface="Consolas"/>
-              </a:rPr>
-              <a:t>  </a:t>
-            </a:r>
-            <a:r>
-              <a:rPr lang="de-DE" sz="900" b="0" err="1">
-                <a:solidFill>
-                  <a:srgbClr val="800000"/>
-                </a:solidFill>
-                <a:effectLst/>
-                <a:highlight>
-                  <a:srgbClr val="FFFFFF"/>
-                </a:highlight>
-                <a:latin typeface="Consolas"/>
-              </a:rPr>
-              <a:t>artifacts</a:t>
-            </a:r>
-            <a:r>
-              <a:rPr lang="de-DE" sz="900" b="0" dirty="0">
-                <a:solidFill>
-                  <a:srgbClr val="3B3B3B"/>
-                </a:solidFill>
-                <a:effectLst/>
-                <a:highlight>
-                  <a:srgbClr val="FFFFFF"/>
-                </a:highlight>
-                <a:latin typeface="Consolas"/>
-              </a:rPr>
-              <a:t>:</a:t>
-            </a:r>
-          </a:p>
-          <a:p>
-            <a:r>
-              <a:rPr lang="de-DE" sz="900" b="0" dirty="0">
-                <a:solidFill>
-                  <a:srgbClr val="3B3B3B"/>
-                </a:solidFill>
-                <a:effectLst/>
-                <a:highlight>
-                  <a:srgbClr val="FFFFFF"/>
-                </a:highlight>
-                <a:latin typeface="Consolas"/>
-              </a:rPr>
-              <a:t>    </a:t>
-            </a:r>
-            <a:r>
-              <a:rPr lang="de-DE" sz="900" b="0" err="1">
-                <a:solidFill>
-                  <a:srgbClr val="800000"/>
-                </a:solidFill>
-                <a:effectLst/>
-                <a:highlight>
-                  <a:srgbClr val="FFFFFF"/>
-                </a:highlight>
-                <a:latin typeface="Consolas"/>
-              </a:rPr>
-              <a:t>paths</a:t>
-            </a:r>
-            <a:r>
-              <a:rPr lang="de-DE" sz="900" b="0" dirty="0">
-                <a:solidFill>
-                  <a:srgbClr val="3B3B3B"/>
-                </a:solidFill>
-                <a:effectLst/>
-                <a:highlight>
-                  <a:srgbClr val="FFFFFF"/>
-                </a:highlight>
-                <a:latin typeface="Consolas"/>
-              </a:rPr>
-              <a:t>:</a:t>
-            </a:r>
-          </a:p>
-          <a:p>
-            <a:r>
-              <a:rPr lang="de-DE" sz="900" b="0" dirty="0">
-                <a:solidFill>
-                  <a:srgbClr val="3B3B3B"/>
-                </a:solidFill>
-                <a:effectLst/>
-                <a:highlight>
-                  <a:srgbClr val="FFFFFF"/>
-                </a:highlight>
-                <a:latin typeface="Consolas"/>
-              </a:rPr>
-              <a:t>      - </a:t>
-            </a:r>
-            <a:r>
-              <a:rPr lang="de-DE" sz="900" dirty="0">
-                <a:solidFill>
-                  <a:srgbClr val="0000FF"/>
-                </a:solidFill>
-                <a:highlight>
-                  <a:srgbClr val="FFFFFF"/>
-                </a:highlight>
-                <a:latin typeface="Consolas"/>
-                <a:cs typeface="Times New Roman"/>
-              </a:rPr>
-              <a:t>$DUMMY_FILE</a:t>
-            </a:r>
-            <a:endParaRPr lang="de-DE" sz="900" b="0" dirty="0">
-              <a:solidFill>
-                <a:srgbClr val="0000FF"/>
-              </a:solidFill>
-              <a:effectLst/>
-              <a:highlight>
-                <a:srgbClr val="FFFFFF"/>
-              </a:highlight>
-              <a:latin typeface="Consolas"/>
-              <a:cs typeface="Times New Roman"/>
-            </a:endParaRPr>
-          </a:p>
-          <a:p>
-            <a:br>
-              <a:rPr lang="de-DE" sz="900" b="0" dirty="0">
-                <a:effectLst/>
-                <a:highlight>
-                  <a:srgbClr val="FFFFFF"/>
-                </a:highlight>
-                <a:latin typeface="Consolas" panose="020B0609020204030204" pitchFamily="49" charset="0"/>
-              </a:rPr>
-            </a:br>
-            <a:r>
-              <a:rPr lang="de-DE" sz="900" b="0" err="1">
-                <a:solidFill>
-                  <a:srgbClr val="800000"/>
-                </a:solidFill>
-                <a:effectLst/>
-                <a:highlight>
-                  <a:srgbClr val="FFFFFF"/>
-                </a:highlight>
-                <a:latin typeface="Consolas"/>
-              </a:rPr>
-              <a:t>test_job</a:t>
-            </a:r>
-            <a:r>
-              <a:rPr lang="de-DE" sz="900" b="0" dirty="0">
-                <a:solidFill>
-                  <a:srgbClr val="3B3B3B"/>
-                </a:solidFill>
-                <a:effectLst/>
-                <a:highlight>
-                  <a:srgbClr val="FFFFFF"/>
-                </a:highlight>
-                <a:latin typeface="Consolas"/>
-              </a:rPr>
-              <a:t>:</a:t>
-            </a:r>
-          </a:p>
-          <a:p>
-            <a:r>
-              <a:rPr lang="de-DE" sz="900" b="0" dirty="0">
-                <a:solidFill>
-                  <a:srgbClr val="3B3B3B"/>
-                </a:solidFill>
-                <a:effectLst/>
-                <a:highlight>
-                  <a:srgbClr val="FFFFFF"/>
-                </a:highlight>
-                <a:latin typeface="Consolas"/>
-              </a:rPr>
-              <a:t>  </a:t>
-            </a:r>
-            <a:r>
-              <a:rPr lang="de-DE" sz="900" b="0" err="1">
-                <a:solidFill>
-                  <a:srgbClr val="800000"/>
-                </a:solidFill>
-                <a:effectLst/>
-                <a:highlight>
-                  <a:srgbClr val="FFFFFF"/>
-                </a:highlight>
-                <a:latin typeface="Consolas"/>
-              </a:rPr>
-              <a:t>stage</a:t>
-            </a:r>
-            <a:r>
-              <a:rPr lang="de-DE" sz="900" b="0" dirty="0">
-                <a:solidFill>
-                  <a:srgbClr val="3B3B3B"/>
-                </a:solidFill>
-                <a:effectLst/>
-                <a:highlight>
-                  <a:srgbClr val="FFFFFF"/>
-                </a:highlight>
-                <a:latin typeface="Consolas"/>
-              </a:rPr>
-              <a:t>: </a:t>
-            </a:r>
-            <a:r>
-              <a:rPr lang="de-DE" sz="900" b="0" err="1">
-                <a:solidFill>
-                  <a:srgbClr val="0000FF"/>
-                </a:solidFill>
-                <a:effectLst/>
-                <a:highlight>
-                  <a:srgbClr val="FFFFFF"/>
-                </a:highlight>
-                <a:latin typeface="Consolas"/>
-              </a:rPr>
-              <a:t>test</a:t>
-            </a:r>
-            <a:endParaRPr lang="de-DE" sz="900" b="0">
-              <a:solidFill>
-                <a:srgbClr val="3B3B3B"/>
-              </a:solidFill>
-              <a:effectLst/>
-              <a:highlight>
-                <a:srgbClr val="FFFFFF"/>
-              </a:highlight>
-              <a:latin typeface="Consolas"/>
-            </a:endParaRPr>
-          </a:p>
-          <a:p>
-            <a:r>
-              <a:rPr lang="de-DE" sz="900" b="0" dirty="0">
-                <a:solidFill>
-                  <a:srgbClr val="3B3B3B"/>
-                </a:solidFill>
-                <a:effectLst/>
-                <a:highlight>
-                  <a:srgbClr val="FFFFFF"/>
-                </a:highlight>
-                <a:latin typeface="Consolas"/>
-              </a:rPr>
-              <a:t>  </a:t>
-            </a:r>
-            <a:r>
-              <a:rPr lang="de-DE" sz="900" b="0" err="1">
-                <a:solidFill>
-                  <a:srgbClr val="800000"/>
-                </a:solidFill>
-                <a:effectLst/>
-                <a:highlight>
-                  <a:srgbClr val="FFFFFF"/>
-                </a:highlight>
-                <a:latin typeface="Consolas"/>
-              </a:rPr>
-              <a:t>script</a:t>
-            </a:r>
-            <a:r>
-              <a:rPr lang="de-DE" sz="900" b="0" dirty="0">
-                <a:solidFill>
-                  <a:srgbClr val="3B3B3B"/>
-                </a:solidFill>
-                <a:effectLst/>
-                <a:highlight>
-                  <a:srgbClr val="FFFFFF"/>
-                </a:highlight>
-                <a:latin typeface="Consolas"/>
-              </a:rPr>
-              <a:t>:</a:t>
-            </a:r>
-          </a:p>
-          <a:p>
-            <a:r>
-              <a:rPr lang="de-DE" sz="900" b="0" dirty="0">
-                <a:solidFill>
-                  <a:srgbClr val="3B3B3B"/>
-                </a:solidFill>
-                <a:effectLst/>
-                <a:highlight>
-                  <a:srgbClr val="FFFFFF"/>
-                </a:highlight>
-                <a:latin typeface="Consolas"/>
-              </a:rPr>
-              <a:t>    - </a:t>
-            </a:r>
-            <a:r>
-              <a:rPr lang="de-DE" sz="900" b="0" dirty="0">
-                <a:solidFill>
-                  <a:srgbClr val="0000FF"/>
-                </a:solidFill>
-                <a:effectLst/>
-                <a:highlight>
-                  <a:srgbClr val="FFFFFF"/>
-                </a:highlight>
-                <a:latin typeface="Consolas"/>
-              </a:rPr>
-              <a:t>echo "</a:t>
-            </a:r>
-            <a:r>
-              <a:rPr lang="de-DE" sz="900" b="0" err="1">
-                <a:solidFill>
-                  <a:srgbClr val="0000FF"/>
-                </a:solidFill>
-                <a:effectLst/>
-                <a:highlight>
-                  <a:srgbClr val="FFFFFF"/>
-                </a:highlight>
-                <a:latin typeface="Consolas"/>
-              </a:rPr>
-              <a:t>Testing</a:t>
-            </a:r>
-            <a:r>
-              <a:rPr lang="de-DE" sz="900" b="0" dirty="0">
-                <a:solidFill>
-                  <a:srgbClr val="0000FF"/>
-                </a:solidFill>
-                <a:effectLst/>
-                <a:highlight>
-                  <a:srgbClr val="FFFFFF"/>
-                </a:highlight>
-                <a:latin typeface="Consolas"/>
-              </a:rPr>
-              <a:t> </a:t>
-            </a:r>
-            <a:r>
-              <a:rPr lang="de-DE" sz="900" b="0" err="1">
-                <a:solidFill>
-                  <a:srgbClr val="0000FF"/>
-                </a:solidFill>
-                <a:effectLst/>
-                <a:highlight>
-                  <a:srgbClr val="FFFFFF"/>
-                </a:highlight>
-                <a:latin typeface="Consolas"/>
-              </a:rPr>
-              <a:t>the</a:t>
-            </a:r>
-            <a:r>
-              <a:rPr lang="de-DE" sz="900" b="0" dirty="0">
-                <a:solidFill>
-                  <a:srgbClr val="0000FF"/>
-                </a:solidFill>
-                <a:effectLst/>
-                <a:highlight>
-                  <a:srgbClr val="FFFFFF"/>
-                </a:highlight>
-                <a:latin typeface="Consolas"/>
-              </a:rPr>
-              <a:t> </a:t>
-            </a:r>
-            <a:r>
-              <a:rPr lang="de-DE" sz="900" b="0" err="1">
-                <a:solidFill>
-                  <a:srgbClr val="0000FF"/>
-                </a:solidFill>
-                <a:effectLst/>
-                <a:highlight>
-                  <a:srgbClr val="FFFFFF"/>
-                </a:highlight>
-                <a:latin typeface="Consolas"/>
-              </a:rPr>
-              <a:t>project</a:t>
-            </a:r>
-            <a:r>
-              <a:rPr lang="de-DE" sz="900" b="0" dirty="0">
-                <a:solidFill>
-                  <a:srgbClr val="0000FF"/>
-                </a:solidFill>
-                <a:effectLst/>
-                <a:highlight>
-                  <a:srgbClr val="FFFFFF"/>
-                </a:highlight>
-                <a:latin typeface="Consolas"/>
-              </a:rPr>
-              <a:t>..."</a:t>
-            </a:r>
-            <a:endParaRPr lang="de-DE" sz="900" b="0" dirty="0">
-              <a:solidFill>
-                <a:srgbClr val="3B3B3B"/>
-              </a:solidFill>
-              <a:effectLst/>
-              <a:highlight>
-                <a:srgbClr val="FFFFFF"/>
-              </a:highlight>
-              <a:latin typeface="Consolas"/>
-            </a:endParaRPr>
-          </a:p>
-          <a:p>
-            <a:r>
-              <a:rPr lang="de-DE" sz="900" b="0" dirty="0">
-                <a:solidFill>
-                  <a:srgbClr val="3B3B3B"/>
-                </a:solidFill>
-                <a:effectLst/>
-                <a:highlight>
-                  <a:srgbClr val="FFFFFF"/>
-                </a:highlight>
-                <a:latin typeface="Consolas"/>
-              </a:rPr>
-              <a:t>    - </a:t>
-            </a:r>
-            <a:r>
-              <a:rPr lang="de-DE" sz="900" b="0" err="1">
-                <a:solidFill>
-                  <a:srgbClr val="0000FF"/>
-                </a:solidFill>
-                <a:effectLst/>
-                <a:highlight>
-                  <a:srgbClr val="FFFFFF"/>
-                </a:highlight>
-                <a:latin typeface="Consolas"/>
-              </a:rPr>
-              <a:t>ls</a:t>
-            </a:r>
-            <a:r>
-              <a:rPr lang="de-DE" sz="900" b="0" dirty="0">
-                <a:solidFill>
-                  <a:srgbClr val="0000FF"/>
-                </a:solidFill>
-                <a:effectLst/>
-                <a:highlight>
-                  <a:srgbClr val="FFFFFF"/>
-                </a:highlight>
-                <a:latin typeface="Consolas"/>
-              </a:rPr>
-              <a:t> -l </a:t>
-            </a:r>
-            <a:r>
-              <a:rPr lang="de-DE" sz="900" dirty="0">
-                <a:solidFill>
-                  <a:srgbClr val="0000FF"/>
-                </a:solidFill>
-                <a:highlight>
-                  <a:srgbClr val="FFFFFF"/>
-                </a:highlight>
-                <a:latin typeface="Consolas"/>
-                <a:cs typeface="Times New Roman"/>
-              </a:rPr>
-              <a:t>$DUMMY</a:t>
-            </a:r>
-            <a:r>
-              <a:rPr lang="de-DE" sz="900" b="0" dirty="0">
-                <a:solidFill>
-                  <a:srgbClr val="0000FF"/>
-                </a:solidFill>
-                <a:effectLst/>
-                <a:highlight>
-                  <a:srgbClr val="FFFFFF"/>
-                </a:highlight>
-                <a:latin typeface="Consolas"/>
-                <a:cs typeface="Times New Roman"/>
-              </a:rPr>
-              <a:t>_</a:t>
-            </a:r>
-            <a:r>
-              <a:rPr lang="de-DE" sz="900" dirty="0">
-                <a:solidFill>
-                  <a:srgbClr val="0000FF"/>
-                </a:solidFill>
-                <a:highlight>
-                  <a:srgbClr val="FFFFFF"/>
-                </a:highlight>
-                <a:latin typeface="Consolas"/>
-                <a:cs typeface="Times New Roman"/>
-              </a:rPr>
-              <a:t>FILE</a:t>
-            </a:r>
-            <a:endParaRPr lang="de-DE" sz="900" b="0" dirty="0">
-              <a:solidFill>
-                <a:srgbClr val="3B3B3B"/>
-              </a:solidFill>
-              <a:effectLst/>
-              <a:highlight>
-                <a:srgbClr val="FFFFFF"/>
-              </a:highlight>
-              <a:latin typeface="Consolas"/>
-            </a:endParaRPr>
-          </a:p>
-          <a:p>
-            <a:br>
-              <a:rPr lang="de-DE" sz="900" b="0" dirty="0">
-                <a:effectLst/>
-                <a:highlight>
-                  <a:srgbClr val="FFFFFF"/>
-                </a:highlight>
-                <a:latin typeface="Consolas" panose="020B0609020204030204" pitchFamily="49" charset="0"/>
-              </a:rPr>
-            </a:br>
-            <a:r>
-              <a:rPr lang="de-DE" sz="900" b="0" err="1">
-                <a:solidFill>
-                  <a:srgbClr val="800000"/>
-                </a:solidFill>
-                <a:effectLst/>
-                <a:highlight>
-                  <a:srgbClr val="FFFFFF"/>
-                </a:highlight>
-                <a:latin typeface="Consolas"/>
-              </a:rPr>
-              <a:t>deploy_job</a:t>
-            </a:r>
-            <a:r>
-              <a:rPr lang="de-DE" sz="900" b="0" dirty="0">
-                <a:solidFill>
-                  <a:srgbClr val="3B3B3B"/>
-                </a:solidFill>
-                <a:effectLst/>
-                <a:highlight>
-                  <a:srgbClr val="FFFFFF"/>
-                </a:highlight>
-                <a:latin typeface="Consolas"/>
-              </a:rPr>
-              <a:t>:</a:t>
-            </a:r>
-          </a:p>
-          <a:p>
-            <a:r>
-              <a:rPr lang="de-DE" sz="900" b="0" dirty="0">
-                <a:solidFill>
-                  <a:srgbClr val="3B3B3B"/>
-                </a:solidFill>
-                <a:effectLst/>
-                <a:highlight>
-                  <a:srgbClr val="FFFFFF"/>
-                </a:highlight>
-                <a:latin typeface="Consolas"/>
-              </a:rPr>
-              <a:t>  </a:t>
-            </a:r>
-            <a:r>
-              <a:rPr lang="de-DE" sz="900" b="0" err="1">
-                <a:solidFill>
-                  <a:srgbClr val="800000"/>
-                </a:solidFill>
-                <a:effectLst/>
-                <a:highlight>
-                  <a:srgbClr val="FFFFFF"/>
-                </a:highlight>
-                <a:latin typeface="Consolas"/>
-              </a:rPr>
-              <a:t>stage</a:t>
-            </a:r>
-            <a:r>
-              <a:rPr lang="de-DE" sz="900" b="0" dirty="0">
-                <a:solidFill>
-                  <a:srgbClr val="3B3B3B"/>
-                </a:solidFill>
-                <a:effectLst/>
-                <a:highlight>
-                  <a:srgbClr val="FFFFFF"/>
-                </a:highlight>
-                <a:latin typeface="Consolas"/>
-              </a:rPr>
-              <a:t>: </a:t>
-            </a:r>
-            <a:r>
-              <a:rPr lang="de-DE" sz="900" b="0" dirty="0">
-                <a:solidFill>
-                  <a:srgbClr val="0000FF"/>
-                </a:solidFill>
-                <a:effectLst/>
-                <a:highlight>
-                  <a:srgbClr val="FFFFFF"/>
-                </a:highlight>
-                <a:latin typeface="Consolas"/>
-              </a:rPr>
-              <a:t>deploy</a:t>
-            </a:r>
-            <a:endParaRPr lang="de-DE" sz="900" b="0" dirty="0">
-              <a:solidFill>
-                <a:srgbClr val="3B3B3B"/>
-              </a:solidFill>
-              <a:effectLst/>
-              <a:highlight>
-                <a:srgbClr val="FFFFFF"/>
-              </a:highlight>
-              <a:latin typeface="Consolas"/>
-            </a:endParaRPr>
-          </a:p>
-          <a:p>
-            <a:r>
-              <a:rPr lang="de-DE" sz="900" b="0" dirty="0">
-                <a:solidFill>
-                  <a:srgbClr val="3B3B3B"/>
-                </a:solidFill>
-                <a:effectLst/>
-                <a:highlight>
-                  <a:srgbClr val="FFFFFF"/>
-                </a:highlight>
-                <a:latin typeface="Consolas"/>
-              </a:rPr>
-              <a:t>  </a:t>
-            </a:r>
-            <a:r>
-              <a:rPr lang="de-DE" sz="900" b="0" err="1">
-                <a:solidFill>
-                  <a:srgbClr val="800000"/>
-                </a:solidFill>
-                <a:effectLst/>
-                <a:highlight>
-                  <a:srgbClr val="FFFFFF"/>
-                </a:highlight>
-                <a:latin typeface="Consolas"/>
-              </a:rPr>
-              <a:t>script</a:t>
-            </a:r>
-            <a:r>
-              <a:rPr lang="de-DE" sz="900" b="0" dirty="0">
-                <a:solidFill>
-                  <a:srgbClr val="3B3B3B"/>
-                </a:solidFill>
-                <a:effectLst/>
-                <a:highlight>
-                  <a:srgbClr val="FFFFFF"/>
-                </a:highlight>
-                <a:latin typeface="Consolas"/>
-              </a:rPr>
-              <a:t>:</a:t>
-            </a:r>
-          </a:p>
-          <a:p>
-            <a:r>
-              <a:rPr lang="de-DE" sz="900" b="0" dirty="0">
-                <a:solidFill>
-                  <a:srgbClr val="3B3B3B"/>
-                </a:solidFill>
-                <a:effectLst/>
-                <a:highlight>
-                  <a:srgbClr val="FFFFFF"/>
-                </a:highlight>
-                <a:latin typeface="Consolas"/>
-              </a:rPr>
-              <a:t>    - </a:t>
-            </a:r>
-            <a:r>
-              <a:rPr lang="de-DE" sz="900" b="0" dirty="0">
-                <a:solidFill>
-                  <a:srgbClr val="0000FF"/>
-                </a:solidFill>
-                <a:effectLst/>
-                <a:highlight>
-                  <a:srgbClr val="FFFFFF"/>
-                </a:highlight>
-                <a:latin typeface="Consolas"/>
-              </a:rPr>
-              <a:t>echo "</a:t>
-            </a:r>
-            <a:r>
-              <a:rPr lang="de-DE" sz="900" b="0" err="1">
-                <a:solidFill>
-                  <a:srgbClr val="0000FF"/>
-                </a:solidFill>
-                <a:effectLst/>
-                <a:highlight>
-                  <a:srgbClr val="FFFFFF"/>
-                </a:highlight>
-                <a:latin typeface="Consolas"/>
-              </a:rPr>
-              <a:t>Deploying</a:t>
-            </a:r>
-            <a:r>
-              <a:rPr lang="de-DE" sz="900" b="0" dirty="0">
-                <a:solidFill>
-                  <a:srgbClr val="0000FF"/>
-                </a:solidFill>
-                <a:effectLst/>
-                <a:highlight>
-                  <a:srgbClr val="FFFFFF"/>
-                </a:highlight>
-                <a:latin typeface="Consolas"/>
-              </a:rPr>
-              <a:t> </a:t>
-            </a:r>
-            <a:r>
-              <a:rPr lang="de-DE" sz="900" b="0" err="1">
-                <a:solidFill>
-                  <a:srgbClr val="0000FF"/>
-                </a:solidFill>
-                <a:effectLst/>
-                <a:highlight>
-                  <a:srgbClr val="FFFFFF"/>
-                </a:highlight>
-                <a:latin typeface="Consolas"/>
-              </a:rPr>
-              <a:t>the</a:t>
-            </a:r>
-            <a:r>
-              <a:rPr lang="de-DE" sz="900" b="0" dirty="0">
-                <a:solidFill>
-                  <a:srgbClr val="0000FF"/>
-                </a:solidFill>
-                <a:effectLst/>
-                <a:highlight>
-                  <a:srgbClr val="FFFFFF"/>
-                </a:highlight>
-                <a:latin typeface="Consolas"/>
-              </a:rPr>
-              <a:t> </a:t>
-            </a:r>
-            <a:r>
-              <a:rPr lang="de-DE" sz="900" b="0" err="1">
-                <a:solidFill>
-                  <a:srgbClr val="0000FF"/>
-                </a:solidFill>
-                <a:effectLst/>
-                <a:highlight>
-                  <a:srgbClr val="FFFFFF"/>
-                </a:highlight>
-                <a:latin typeface="Consolas"/>
-              </a:rPr>
-              <a:t>project</a:t>
-            </a:r>
-            <a:r>
-              <a:rPr lang="de-DE" sz="900" b="0" dirty="0">
-                <a:solidFill>
-                  <a:srgbClr val="0000FF"/>
-                </a:solidFill>
-                <a:effectLst/>
-                <a:highlight>
-                  <a:srgbClr val="FFFFFF"/>
-                </a:highlight>
-                <a:latin typeface="Consolas"/>
-              </a:rPr>
-              <a:t>..."</a:t>
-            </a:r>
-            <a:endParaRPr lang="de-DE" sz="900" b="0" dirty="0">
-              <a:solidFill>
-                <a:srgbClr val="3B3B3B"/>
-              </a:solidFill>
-              <a:effectLst/>
-              <a:highlight>
-                <a:srgbClr val="FFFFFF"/>
-              </a:highlight>
-              <a:latin typeface="Consolas"/>
-            </a:endParaRPr>
-          </a:p>
-          <a:p>
-            <a:r>
-              <a:rPr lang="de-DE" sz="900" b="0" dirty="0">
-                <a:solidFill>
-                  <a:srgbClr val="3B3B3B"/>
-                </a:solidFill>
-                <a:effectLst/>
-                <a:highlight>
-                  <a:srgbClr val="FFFFFF"/>
-                </a:highlight>
-                <a:latin typeface="Consolas"/>
-              </a:rPr>
-              <a:t>    - </a:t>
-            </a:r>
-            <a:r>
-              <a:rPr lang="de-DE" sz="900" b="0" err="1">
-                <a:solidFill>
-                  <a:srgbClr val="0000FF"/>
-                </a:solidFill>
-                <a:effectLst/>
-                <a:highlight>
-                  <a:srgbClr val="FFFFFF"/>
-                </a:highlight>
-                <a:latin typeface="Consolas"/>
-              </a:rPr>
-              <a:t>ls</a:t>
-            </a:r>
-            <a:r>
-              <a:rPr lang="de-DE" sz="900" b="0" dirty="0">
-                <a:solidFill>
-                  <a:srgbClr val="0000FF"/>
-                </a:solidFill>
-                <a:effectLst/>
-                <a:highlight>
-                  <a:srgbClr val="FFFFFF"/>
-                </a:highlight>
-                <a:latin typeface="Consolas"/>
-              </a:rPr>
-              <a:t> -l </a:t>
-            </a:r>
-            <a:r>
-              <a:rPr lang="de-DE" sz="900" dirty="0">
-                <a:solidFill>
-                  <a:srgbClr val="0000FF"/>
-                </a:solidFill>
-                <a:highlight>
-                  <a:srgbClr val="FFFFFF"/>
-                </a:highlight>
-                <a:latin typeface="Consolas"/>
-                <a:cs typeface="Times New Roman"/>
-              </a:rPr>
-              <a:t>$DUMMY</a:t>
-            </a:r>
-            <a:r>
-              <a:rPr lang="de-DE" sz="900" b="0" dirty="0">
-                <a:solidFill>
-                  <a:srgbClr val="0000FF"/>
-                </a:solidFill>
-                <a:effectLst/>
-                <a:highlight>
-                  <a:srgbClr val="FFFFFF"/>
-                </a:highlight>
-                <a:latin typeface="Consolas"/>
-                <a:cs typeface="Times New Roman"/>
-              </a:rPr>
-              <a:t>_</a:t>
-            </a:r>
-            <a:r>
-              <a:rPr lang="de-DE" sz="900" dirty="0">
-                <a:solidFill>
-                  <a:srgbClr val="0000FF"/>
-                </a:solidFill>
-                <a:highlight>
-                  <a:srgbClr val="FFFFFF"/>
-                </a:highlight>
-                <a:latin typeface="Consolas"/>
-                <a:cs typeface="Times New Roman"/>
-              </a:rPr>
-              <a:t>FILE</a:t>
-            </a:r>
-            <a:endParaRPr lang="de-DE" sz="900" b="0" dirty="0">
-              <a:solidFill>
-                <a:srgbClr val="3B3B3B"/>
-              </a:solidFill>
-              <a:effectLst/>
-              <a:highlight>
-                <a:srgbClr val="FFFFFF"/>
-              </a:highlight>
-              <a:latin typeface="Consolas"/>
-            </a:endParaRPr>
-          </a:p>
-          <a:p>
-            <a:r>
-              <a:rPr lang="de-DE" sz="900" b="0" dirty="0">
-                <a:solidFill>
-                  <a:srgbClr val="3B3B3B"/>
-                </a:solidFill>
-                <a:effectLst/>
-                <a:highlight>
-                  <a:srgbClr val="FFFFFF"/>
-                </a:highlight>
-                <a:latin typeface="Consolas"/>
-              </a:rPr>
-              <a:t>  </a:t>
-            </a:r>
-            <a:r>
-              <a:rPr lang="de-DE" sz="900" b="0" err="1">
-                <a:solidFill>
-                  <a:srgbClr val="800000"/>
-                </a:solidFill>
-                <a:effectLst/>
-                <a:highlight>
-                  <a:srgbClr val="FFFFFF"/>
-                </a:highlight>
-                <a:latin typeface="Consolas"/>
-              </a:rPr>
-              <a:t>only</a:t>
-            </a:r>
-            <a:r>
-              <a:rPr lang="de-DE" sz="900" b="0" dirty="0">
-                <a:solidFill>
-                  <a:srgbClr val="3B3B3B"/>
-                </a:solidFill>
-                <a:effectLst/>
-                <a:highlight>
-                  <a:srgbClr val="FFFFFF"/>
-                </a:highlight>
-                <a:latin typeface="Consolas"/>
-              </a:rPr>
-              <a:t>:</a:t>
-            </a:r>
-          </a:p>
-          <a:p>
-            <a:r>
-              <a:rPr lang="de-DE" sz="900" b="0" dirty="0">
-                <a:solidFill>
-                  <a:srgbClr val="3B3B3B"/>
-                </a:solidFill>
-                <a:effectLst/>
-                <a:highlight>
-                  <a:srgbClr val="FFFFFF"/>
-                </a:highlight>
-                <a:latin typeface="Consolas"/>
-              </a:rPr>
-              <a:t>    - </a:t>
-            </a:r>
-            <a:r>
-              <a:rPr lang="de-DE" sz="900" b="0" err="1">
-                <a:solidFill>
-                  <a:srgbClr val="0000FF"/>
-                </a:solidFill>
-                <a:effectLst/>
-                <a:highlight>
-                  <a:srgbClr val="FFFFFF"/>
-                </a:highlight>
-                <a:latin typeface="Consolas"/>
-              </a:rPr>
-              <a:t>main</a:t>
-            </a:r>
-            <a:endParaRPr lang="de-DE" sz="900" b="0">
-              <a:solidFill>
-                <a:srgbClr val="3B3B3B"/>
-              </a:solidFill>
-              <a:effectLst/>
-              <a:highlight>
-                <a:srgbClr val="FFFFFF"/>
-              </a:highlight>
-              <a:latin typeface="Consolas"/>
-            </a:endParaRPr>
-          </a:p>
-        </p:txBody>
-      </p:sp>
-    </p:spTree>
-    <p:extLst>
-      <p:ext uri="{BB962C8B-B14F-4D97-AF65-F5344CB8AC3E}">
-        <p14:creationId xmlns:p14="http://schemas.microsoft.com/office/powerpoint/2010/main" val="2804757440"/>
       </p:ext>
     </p:extLst>
   </p:cSld>

--- a/slides/Tag-2_4-CI_CD.pptx
+++ b/slides/Tag-2_4-CI_CD.pptx
@@ -4555,7 +4555,7 @@
               <a:pPr algn="ctr">
                 <a:defRPr/>
               </a:pPr>
-              <a:t>26.08.2024</a:t>
+              <a:t>30.08.2024</a:t>
             </a:fld>
             <a:endParaRPr lang="de-DE" sz="1000">
               <a:solidFill>
@@ -10192,7 +10192,7 @@
             </a:pPr>
             <a:r>
               <a:rPr lang="de-DE" dirty="0"/>
-              <a:t>Verfügbare </a:t>
+              <a:t>Nutzbare </a:t>
             </a:r>
             <a:r>
               <a:rPr lang="de-DE" dirty="0" err="1"/>
@@ -10200,7 +10200,7 @@
             </a:r>
             <a:r>
               <a:rPr lang="de-DE" dirty="0"/>
-              <a:t> abhängig von konkretem </a:t>
+              <a:t> abhängig von konfiguriertem </a:t>
             </a:r>
             <a:r>
               <a:rPr lang="de-DE" dirty="0" err="1"/>
@@ -16132,7 +16132,7 @@
             </a:pPr>
             <a:r>
               <a:rPr lang="de-DE" sz="2400" dirty="0"/>
-              <a:t>Erstelle einen </a:t>
+              <a:t>Erstellen Sie einen </a:t>
             </a:r>
             <a:r>
               <a:rPr lang="de-DE" sz="2400" dirty="0" err="1"/>
@@ -16140,7 +16140,7 @@
             </a:r>
             <a:r>
               <a:rPr lang="de-DE" sz="2400" dirty="0"/>
-              <a:t>, der das </a:t>
+              <a:t>, welcher das </a:t>
             </a:r>
             <a:r>
               <a:rPr lang="de-DE" sz="2400" dirty="0" err="1"/>
@@ -18030,22 +18030,7 @@
             </a:br>
             <a:r>
               <a:rPr lang="de-DE" dirty="0"/>
-              <a:t>Die CI/CD </a:t>
-            </a:r>
-            <a:r>
-              <a:rPr lang="de-DE" dirty="0" err="1"/>
-              <a:t>Pipiline</a:t>
-            </a:r>
-            <a:r>
-              <a:rPr lang="de-DE" dirty="0"/>
-              <a:t> Flexibler zu gestalten,</a:t>
-            </a:r>
-            <a:br>
-              <a:rPr lang="de-DE" dirty="0"/>
-            </a:br>
-            <a:r>
-              <a:rPr lang="de-DE" dirty="0"/>
-              <a:t>mit Verwendung von Variablen</a:t>
+              <a:t>Die CI/CD Pipeline mit Variablen flexibler gestalten</a:t>
             </a:r>
             <a:br>
               <a:rPr lang="de-DE" dirty="0">
@@ -21966,15 +21951,7 @@
             </a:br>
             <a:r>
               <a:rPr lang="de-DE" dirty="0"/>
-              <a:t>Durch Verwendung von Defaults im </a:t>
-            </a:r>
-            <a:r>
-              <a:rPr lang="de-DE" dirty="0" err="1"/>
-              <a:t>Gitlab</a:t>
-            </a:r>
-            <a:r>
-              <a:rPr lang="de-DE" dirty="0"/>
-              <a:t>-CI Code Redundanz vermeiden</a:t>
+              <a:t>Durch Verwendung von Defaults Redundanz vermeiden</a:t>
             </a:r>
             <a:br>
               <a:rPr lang="de-DE" dirty="0"/>
@@ -25412,15 +25389,11 @@
             </a:br>
             <a:r>
               <a:rPr lang="de-DE" dirty="0"/>
-              <a:t>CI/CD Pipeline beschleunigen, mittels </a:t>
+              <a:t>CI/CD Pipeline durch Parallelisierung von Jobs beschleunigen</a:t>
             </a:r>
             <a:br>
               <a:rPr lang="de-DE" dirty="0"/>
             </a:br>
-            <a:r>
-              <a:rPr lang="de-DE" dirty="0"/>
-              <a:t>Parallelisierung von Jobs</a:t>
-            </a:r>
             <a:br>
               <a:rPr lang="de-DE" dirty="0"/>
             </a:br>
